--- a/papers/AASSppt/AASS.pptx
+++ b/papers/AASSppt/AASS.pptx
@@ -5,7 +5,7 @@
     <p:sldMasterId id="2147483648" r:id="rId1"/>
   </p:sldMasterIdLst>
   <p:notesMasterIdLst>
-    <p:notesMasterId r:id="rId33"/>
+    <p:notesMasterId r:id="rId37"/>
   </p:notesMasterIdLst>
   <p:sldIdLst>
     <p:sldId id="256" r:id="rId2"/>
@@ -14,31 +14,35 @@
     <p:sldId id="259" r:id="rId5"/>
     <p:sldId id="260" r:id="rId6"/>
     <p:sldId id="261" r:id="rId7"/>
-    <p:sldId id="262" r:id="rId8"/>
-    <p:sldId id="263" r:id="rId9"/>
-    <p:sldId id="264" r:id="rId10"/>
-    <p:sldId id="265" r:id="rId11"/>
-    <p:sldId id="266" r:id="rId12"/>
-    <p:sldId id="268" r:id="rId13"/>
-    <p:sldId id="269" r:id="rId14"/>
-    <p:sldId id="270" r:id="rId15"/>
-    <p:sldId id="271" r:id="rId16"/>
-    <p:sldId id="272" r:id="rId17"/>
-    <p:sldId id="273" r:id="rId18"/>
-    <p:sldId id="274" r:id="rId19"/>
-    <p:sldId id="275" r:id="rId20"/>
-    <p:sldId id="276" r:id="rId21"/>
-    <p:sldId id="277" r:id="rId22"/>
-    <p:sldId id="278" r:id="rId23"/>
-    <p:sldId id="279" r:id="rId24"/>
-    <p:sldId id="280" r:id="rId25"/>
-    <p:sldId id="281" r:id="rId26"/>
-    <p:sldId id="282" r:id="rId27"/>
-    <p:sldId id="283" r:id="rId28"/>
-    <p:sldId id="284" r:id="rId29"/>
-    <p:sldId id="285" r:id="rId30"/>
-    <p:sldId id="286" r:id="rId31"/>
-    <p:sldId id="287" r:id="rId32"/>
+    <p:sldId id="288" r:id="rId8"/>
+    <p:sldId id="289" r:id="rId9"/>
+    <p:sldId id="290" r:id="rId10"/>
+    <p:sldId id="291" r:id="rId11"/>
+    <p:sldId id="262" r:id="rId12"/>
+    <p:sldId id="263" r:id="rId13"/>
+    <p:sldId id="264" r:id="rId14"/>
+    <p:sldId id="265" r:id="rId15"/>
+    <p:sldId id="266" r:id="rId16"/>
+    <p:sldId id="268" r:id="rId17"/>
+    <p:sldId id="269" r:id="rId18"/>
+    <p:sldId id="270" r:id="rId19"/>
+    <p:sldId id="271" r:id="rId20"/>
+    <p:sldId id="272" r:id="rId21"/>
+    <p:sldId id="273" r:id="rId22"/>
+    <p:sldId id="274" r:id="rId23"/>
+    <p:sldId id="275" r:id="rId24"/>
+    <p:sldId id="276" r:id="rId25"/>
+    <p:sldId id="277" r:id="rId26"/>
+    <p:sldId id="278" r:id="rId27"/>
+    <p:sldId id="279" r:id="rId28"/>
+    <p:sldId id="280" r:id="rId29"/>
+    <p:sldId id="281" r:id="rId30"/>
+    <p:sldId id="282" r:id="rId31"/>
+    <p:sldId id="283" r:id="rId32"/>
+    <p:sldId id="284" r:id="rId33"/>
+    <p:sldId id="285" r:id="rId34"/>
+    <p:sldId id="286" r:id="rId35"/>
+    <p:sldId id="287" r:id="rId36"/>
   </p:sldIdLst>
   <p:sldSz cx="12192000" cy="6858000"/>
   <p:notesSz cx="6858000" cy="9144000"/>
@@ -779,10 +783,6 @@
           <a:bodyPr/>
           <a:lstStyle/>
           <a:p>
-            <a:r>
-              <a:rPr smtClean="0"/>
-              <a:t>Given a set P of points in a normed space 𝑙_𝑝^𝑑, preprocess P so as to efficiently return a point p ∈ P for any given query point q, such that d(q, p) ≤ (1+ϵ) d(q, P), where d(q, P) is the distance of q to the its closest point in P.</a:t>
-            </a:r>
             <a:endParaRPr dirty="0"/>
           </a:p>
         </p:txBody>
@@ -858,10 +858,6 @@
           <a:bodyPr/>
           <a:lstStyle/>
           <a:p>
-            <a:r>
-              <a:rPr smtClean="0"/>
-              <a:t>Given a set P of points in a normed space 𝑙_𝑝^𝑑, preprocess P so as to efficiently return a point p ∈ P for any given query point q, such that d(q, p) ≤ (1+ϵ) d(q, P), where d(q, P) is the distance of q to the its closest point in P.</a:t>
-            </a:r>
             <a:endParaRPr dirty="0"/>
           </a:p>
         </p:txBody>
@@ -3577,7 +3573,7 @@
           </a:ln>
           <a:extLst>
             <a:ext uri="{C572A759-6A51-4108-AA02-DFA0A04FC94B}">
-              <ma14:wrappingTextBoxFlag xmlns="" xmlns:ma14="http://schemas.microsoft.com/office/mac/drawingml/2011/main" val="1"/>
+              <ma14:wrappingTextBoxFlag xmlns:ma14="http://schemas.microsoft.com/office/mac/drawingml/2011/main" xmlns="" val="1"/>
             </a:ext>
           </a:extLst>
         </p:spPr>
@@ -3616,7 +3612,7 @@
           </a:ln>
           <a:extLst>
             <a:ext uri="{C572A759-6A51-4108-AA02-DFA0A04FC94B}">
-              <ma14:wrappingTextBoxFlag xmlns="" xmlns:ma14="http://schemas.microsoft.com/office/mac/drawingml/2011/main" val="1"/>
+              <ma14:wrappingTextBoxFlag xmlns:ma14="http://schemas.microsoft.com/office/mac/drawingml/2011/main" xmlns="" val="1"/>
             </a:ext>
           </a:extLst>
         </p:spPr>
@@ -4541,8 +4537,8 @@
         </p:nvSpPr>
         <p:spPr>
           <a:xfrm>
-            <a:off x="607983" y="1786960"/>
-            <a:ext cx="10976034" cy="1920239"/>
+            <a:off x="625273" y="1786960"/>
+            <a:ext cx="10941453" cy="1754322"/>
           </a:xfrm>
           <a:prstGeom prst="rect">
             <a:avLst/>
@@ -4552,7 +4548,7 @@
           </a:ln>
           <a:extLst>
             <a:ext uri="{C572A759-6A51-4108-AA02-DFA0A04FC94B}">
-              <ma14:wrappingTextBoxFlag xmlns="" xmlns:ma14="http://schemas.microsoft.com/office/mac/drawingml/2011/main" val="1"/>
+              <ma14:wrappingTextBoxFlag xmlns:ma14="http://schemas.microsoft.com/office/mac/drawingml/2011/main" xmlns="" val="1"/>
             </a:ext>
           </a:extLst>
         </p:spPr>
@@ -4574,6 +4570,7 @@
               </a:defRPr>
             </a:pPr>
             <a:r>
+              <a:rPr sz="3600" dirty="0"/>
               <a:t>Achieving Accuracy and Scalability</a:t>
             </a:r>
           </a:p>
@@ -4590,6 +4587,7 @@
               </a:defRPr>
             </a:pPr>
             <a:r>
+              <a:rPr sz="3600" dirty="0"/>
               <a:t>Simultaneously in Detecting Application Clones </a:t>
             </a:r>
           </a:p>
@@ -4606,6 +4604,7 @@
               </a:defRPr>
             </a:pPr>
             <a:r>
+              <a:rPr sz="3600" dirty="0"/>
               <a:t>on Android Markets</a:t>
             </a:r>
           </a:p>
@@ -4659,7 +4658,7 @@
           </a:ln>
           <a:extLst>
             <a:ext uri="{C572A759-6A51-4108-AA02-DFA0A04FC94B}">
-              <ma14:wrappingTextBoxFlag xmlns="" xmlns:ma14="http://schemas.microsoft.com/office/mac/drawingml/2011/main" val="1"/>
+              <ma14:wrappingTextBoxFlag xmlns:ma14="http://schemas.microsoft.com/office/mac/drawingml/2011/main" xmlns="" val="1"/>
             </a:ext>
           </a:extLst>
         </p:spPr>
@@ -4715,20 +4714,20 @@
       </p:grpSpPr>
       <p:sp>
         <p:nvSpPr>
-          <p:cNvPr id="213" name="Shape 316"/>
+          <p:cNvPr id="183" name="Shape 189"/>
           <p:cNvSpPr/>
           <p:nvPr/>
         </p:nvSpPr>
         <p:spPr>
           <a:xfrm>
-            <a:off x="0" y="0"/>
-            <a:ext cx="12192000" cy="6858000"/>
+            <a:off x="425106" y="0"/>
+            <a:ext cx="1208014" cy="1041622"/>
           </a:xfrm>
           <a:prstGeom prst="rect">
             <a:avLst/>
           </a:prstGeom>
           <a:solidFill>
-            <a:srgbClr val="002A7E"/>
+            <a:srgbClr val="219DC9"/>
           </a:solidFill>
           <a:ln w="12700">
             <a:miter lim="400000"/>
@@ -4739,11 +4738,7 @@
           <a:lstStyle/>
           <a:p>
             <a:pPr algn="ctr">
-              <a:defRPr sz="1800" b="0">
-                <a:solidFill>
-                  <a:srgbClr val="31CDA8"/>
-                </a:solidFill>
-              </a:defRPr>
+              <a:defRPr sz="1800" b="0"/>
             </a:pPr>
             <a:endParaRPr/>
           </a:p>
@@ -4751,14 +4746,14 @@
       </p:sp>
       <p:sp>
         <p:nvSpPr>
-          <p:cNvPr id="214" name="Shape 317"/>
+          <p:cNvPr id="184" name="Shape 190"/>
           <p:cNvSpPr txBox="1"/>
           <p:nvPr/>
         </p:nvSpPr>
         <p:spPr>
           <a:xfrm>
-            <a:off x="4644786" y="2970530"/>
-            <a:ext cx="2902428" cy="916939"/>
+            <a:off x="811954" y="202040"/>
+            <a:ext cx="434315" cy="637539"/>
           </a:xfrm>
           <a:prstGeom prst="rect">
             <a:avLst/>
@@ -4768,69 +4763,364 @@
           </a:ln>
           <a:extLst>
             <a:ext uri="{C572A759-6A51-4108-AA02-DFA0A04FC94B}">
-              <ma14:wrappingTextBoxFlag xmlns="" xmlns:ma14="http://schemas.microsoft.com/office/mac/drawingml/2011/main" val="1"/>
+              <ma14:wrappingTextBoxFlag xmlns:ma14="http://schemas.microsoft.com/office/mac/drawingml/2011/main" xmlns="" val="1"/>
             </a:ext>
           </a:extLst>
         </p:spPr>
         <p:txBody>
-          <a:bodyPr wrap="square" lIns="45718" tIns="45718" rIns="45718" bIns="45718">
+          <a:bodyPr wrap="none" lIns="45718" tIns="45718" rIns="45718" bIns="45718">
             <a:spAutoFit/>
           </a:bodyPr>
           <a:lstStyle>
             <a:lvl1pPr>
-              <a:defRPr sz="5400">
-                <a:latin typeface="方正超粗黑_GBK"/>
-                <a:ea typeface="方正超粗黑_GBK"/>
-                <a:cs typeface="方正超粗黑_GBK"/>
-                <a:sym typeface="方正超粗黑_GBK"/>
+              <a:defRPr sz="3600">
+                <a:latin typeface="方正大黑_GBK"/>
+                <a:ea typeface="方正大黑_GBK"/>
+                <a:cs typeface="方正大黑_GBK"/>
+                <a:sym typeface="方正大黑_GBK"/>
               </a:defRPr>
             </a:lvl1pPr>
           </a:lstStyle>
           <a:p>
             <a:r>
-              <a:t>Approach</a:t>
-            </a:r>
-          </a:p>
-        </p:txBody>
-      </p:sp>
-      <p:sp>
-        <p:nvSpPr>
-          <p:cNvPr id="215" name="Shape 318"/>
+              <a:t>A</a:t>
+            </a:r>
+          </a:p>
+        </p:txBody>
+      </p:sp>
+      <p:sp>
+        <p:nvSpPr>
+          <p:cNvPr id="185" name="Shape 191"/>
+          <p:cNvSpPr txBox="1"/>
+          <p:nvPr/>
+        </p:nvSpPr>
+        <p:spPr>
+          <a:xfrm>
+            <a:off x="1633120" y="641512"/>
+            <a:ext cx="1233744" cy="396239"/>
+          </a:xfrm>
+          <a:prstGeom prst="rect">
+            <a:avLst/>
+          </a:prstGeom>
+          <a:ln w="12700">
+            <a:miter lim="400000"/>
+          </a:ln>
+          <a:extLst>
+            <a:ext uri="{C572A759-6A51-4108-AA02-DFA0A04FC94B}">
+              <ma14:wrappingTextBoxFlag xmlns:ma14="http://schemas.microsoft.com/office/mac/drawingml/2011/main" xmlns="" val="1"/>
+            </a:ext>
+          </a:extLst>
+        </p:spPr>
+        <p:txBody>
+          <a:bodyPr wrap="none" lIns="45718" tIns="45718" rIns="45718" bIns="45718">
+            <a:spAutoFit/>
+          </a:bodyPr>
+          <a:lstStyle>
+            <a:lvl1pPr>
+              <a:defRPr>
+                <a:solidFill>
+                  <a:srgbClr val="219DC9"/>
+                </a:solidFill>
+                <a:latin typeface="微软雅黑"/>
+                <a:ea typeface="微软雅黑"/>
+                <a:cs typeface="微软雅黑"/>
+                <a:sym typeface="微软雅黑"/>
+              </a:defRPr>
+            </a:lvl1pPr>
+          </a:lstStyle>
+          <a:p>
+            <a:r>
+              <a:t>Overview</a:t>
+            </a:r>
+          </a:p>
+        </p:txBody>
+      </p:sp>
+      <p:sp>
+        <p:nvSpPr>
+          <p:cNvPr id="186" name="Text"/>
+          <p:cNvSpPr txBox="1"/>
+          <p:nvPr/>
+        </p:nvSpPr>
+        <p:spPr>
+          <a:xfrm>
+            <a:off x="5786830" y="3236499"/>
+            <a:ext cx="618340" cy="383539"/>
+          </a:xfrm>
+          <a:prstGeom prst="rect">
+            <a:avLst/>
+          </a:prstGeom>
+          <a:ln w="12700">
+            <a:miter lim="400000"/>
+          </a:ln>
+        </p:spPr>
+        <p:txBody>
+          <a:bodyPr wrap="none" lIns="45718" tIns="45718" rIns="45718" bIns="45718">
+            <a:spAutoFit/>
+          </a:bodyPr>
+          <a:lstStyle/>
+          <a:p>
+            <a:endParaRPr/>
+          </a:p>
+        </p:txBody>
+      </p:sp>
+      <p:sp>
+        <p:nvSpPr>
+          <p:cNvPr id="187" name="Four types of clones…"/>
+          <p:cNvSpPr txBox="1"/>
+          <p:nvPr/>
+        </p:nvSpPr>
+        <p:spPr>
+          <a:xfrm>
+            <a:off x="1965882" y="1585719"/>
+            <a:ext cx="8260236" cy="615998"/>
+          </a:xfrm>
+          <a:prstGeom prst="rect">
+            <a:avLst/>
+          </a:prstGeom>
+          <a:ln w="12700">
+            <a:miter lim="400000"/>
+          </a:ln>
+          <a:extLst>
+            <a:ext uri="{C572A759-6A51-4108-AA02-DFA0A04FC94B}">
+              <ma14:wrappingTextBoxFlag xmlns:ma14="http://schemas.microsoft.com/office/mac/drawingml/2011/main" xmlns="" val="1"/>
+            </a:ext>
+          </a:extLst>
+        </p:spPr>
+        <p:txBody>
+          <a:bodyPr lIns="45718" tIns="45718" rIns="45718" bIns="45718">
+            <a:spAutoFit/>
+          </a:bodyPr>
+          <a:lstStyle/>
+          <a:p>
+            <a:pPr algn="l" defTabSz="457200">
+              <a:lnSpc>
+                <a:spcPts val="4600"/>
+              </a:lnSpc>
+              <a:spcBef>
+                <a:spcPts val="1200"/>
+              </a:spcBef>
+              <a:defRPr sz="2400" b="0">
+                <a:solidFill>
+                  <a:srgbClr val="000000"/>
+                </a:solidFill>
+                <a:latin typeface="+mj-lt"/>
+                <a:ea typeface="+mj-ea"/>
+                <a:cs typeface="+mj-cs"/>
+                <a:sym typeface="Calibri Light"/>
+              </a:defRPr>
+            </a:pPr>
+            <a:r>
+              <a:rPr lang="en-US" altLang="zh-CN" dirty="0" smtClean="0"/>
+              <a:t>Type 4</a:t>
+            </a:r>
+            <a:endParaRPr dirty="0"/>
+          </a:p>
+        </p:txBody>
+      </p:sp>
+      <p:cxnSp>
+        <p:nvCxnSpPr>
+          <p:cNvPr id="7" name="直接连接符 6"/>
+          <p:cNvCxnSpPr/>
+          <p:nvPr/>
+        </p:nvCxnSpPr>
+        <p:spPr>
+          <a:xfrm>
+            <a:off x="5891349" y="1585719"/>
+            <a:ext cx="0" cy="4148875"/>
+          </a:xfrm>
+          <a:prstGeom prst="line">
+            <a:avLst/>
+          </a:prstGeom>
+          <a:noFill/>
+          <a:ln w="25400" cap="flat">
+            <a:solidFill>
+              <a:schemeClr val="accent1"/>
+            </a:solidFill>
+            <a:prstDash val="solid"/>
+            <a:round/>
+          </a:ln>
+          <a:effectLst/>
+          <a:sp3d/>
+        </p:spPr>
+        <p:style>
+          <a:lnRef idx="0">
+            <a:scrgbClr r="0" g="0" b="0"/>
+          </a:lnRef>
+          <a:fillRef idx="0">
+            <a:scrgbClr r="0" g="0" b="0"/>
+          </a:fillRef>
+          <a:effectRef idx="0">
+            <a:scrgbClr r="0" g="0" b="0"/>
+          </a:effectRef>
+          <a:fontRef idx="none"/>
+        </p:style>
+      </p:cxnSp>
+      <p:sp>
+        <p:nvSpPr>
+          <p:cNvPr id="2" name="矩形 1"/>
           <p:cNvSpPr/>
           <p:nvPr/>
         </p:nvSpPr>
         <p:spPr>
           <a:xfrm>
-            <a:off x="4388206" y="2857500"/>
-            <a:ext cx="3415588" cy="1143000"/>
-          </a:xfrm>
-          <a:prstGeom prst="rect">
-            <a:avLst/>
-          </a:prstGeom>
-          <a:ln w="12700">
-            <a:solidFill>
-              <a:srgbClr val="FFFFFF"/>
-            </a:solidFill>
-            <a:miter/>
-          </a:ln>
-        </p:spPr>
-        <p:txBody>
-          <a:bodyPr lIns="45718" tIns="45718" rIns="45718" bIns="45718" anchor="ctr"/>
+            <a:off x="1965882" y="2920436"/>
+            <a:ext cx="6096000" cy="1015663"/>
+          </a:xfrm>
+          <a:prstGeom prst="rect">
+            <a:avLst/>
+          </a:prstGeom>
+        </p:spPr>
+        <p:txBody>
+          <a:bodyPr>
+            <a:spAutoFit/>
+          </a:bodyPr>
           <a:lstStyle/>
           <a:p>
-            <a:pPr algn="ctr">
-              <a:defRPr sz="1800" b="0"/>
-            </a:pPr>
-            <a:endParaRPr/>
+            <a:r>
+              <a:rPr lang="nn-NO" altLang="zh-CN" b="0" dirty="0">
+                <a:solidFill>
+                  <a:srgbClr val="000000"/>
+                </a:solidFill>
+                <a:latin typeface="Fira Code" panose="020B0509050000020004" pitchFamily="49" charset="0"/>
+              </a:rPr>
+              <a:t>int i, j=1;</a:t>
+            </a:r>
+          </a:p>
+          <a:p>
+            <a:r>
+              <a:rPr lang="nn-NO" altLang="zh-CN" b="0" dirty="0">
+                <a:solidFill>
+                  <a:srgbClr val="000000"/>
+                </a:solidFill>
+                <a:latin typeface="Fira Code" panose="020B0509050000020004" pitchFamily="49" charset="0"/>
+              </a:rPr>
+              <a:t>for (i=1; i&lt;=VALUE; i++)</a:t>
+            </a:r>
+          </a:p>
+          <a:p>
+            <a:r>
+              <a:rPr lang="nn-NO" altLang="zh-CN" b="0" dirty="0">
+                <a:solidFill>
+                  <a:srgbClr val="000000"/>
+                </a:solidFill>
+                <a:latin typeface="Fira Code" panose="020B0509050000020004" pitchFamily="49" charset="0"/>
+              </a:rPr>
+              <a:t>j=j*i;</a:t>
+            </a:r>
+          </a:p>
+        </p:txBody>
+      </p:sp>
+      <p:sp>
+        <p:nvSpPr>
+          <p:cNvPr id="3" name="矩形 2"/>
+          <p:cNvSpPr/>
+          <p:nvPr/>
+        </p:nvSpPr>
+        <p:spPr>
+          <a:xfrm>
+            <a:off x="6405170" y="2920436"/>
+            <a:ext cx="6096000" cy="1323439"/>
+          </a:xfrm>
+          <a:prstGeom prst="rect">
+            <a:avLst/>
+          </a:prstGeom>
+        </p:spPr>
+        <p:txBody>
+          <a:bodyPr>
+            <a:spAutoFit/>
+          </a:bodyPr>
+          <a:lstStyle/>
+          <a:p>
+            <a:r>
+              <a:rPr lang="en-US" altLang="zh-CN" b="0" dirty="0" err="1">
+                <a:solidFill>
+                  <a:srgbClr val="000000"/>
+                </a:solidFill>
+                <a:latin typeface="Fira Code" panose="020B0509050000020004" pitchFamily="49" charset="0"/>
+              </a:rPr>
+              <a:t>int</a:t>
+            </a:r>
+            <a:r>
+              <a:rPr lang="en-US" altLang="zh-CN" b="0" dirty="0">
+                <a:solidFill>
+                  <a:srgbClr val="000000"/>
+                </a:solidFill>
+                <a:latin typeface="Fira Code" panose="020B0509050000020004" pitchFamily="49" charset="0"/>
+              </a:rPr>
+              <a:t> factorial(</a:t>
+            </a:r>
+            <a:r>
+              <a:rPr lang="en-US" altLang="zh-CN" b="0" dirty="0" err="1">
+                <a:solidFill>
+                  <a:srgbClr val="000000"/>
+                </a:solidFill>
+                <a:latin typeface="Fira Code" panose="020B0509050000020004" pitchFamily="49" charset="0"/>
+              </a:rPr>
+              <a:t>int</a:t>
+            </a:r>
+            <a:r>
+              <a:rPr lang="en-US" altLang="zh-CN" b="0" dirty="0">
+                <a:solidFill>
+                  <a:srgbClr val="000000"/>
+                </a:solidFill>
+                <a:latin typeface="Fira Code" panose="020B0509050000020004" pitchFamily="49" charset="0"/>
+              </a:rPr>
+              <a:t> n) {</a:t>
+            </a:r>
+          </a:p>
+          <a:p>
+            <a:r>
+              <a:rPr lang="en-US" altLang="zh-CN" b="0" dirty="0">
+                <a:solidFill>
+                  <a:srgbClr val="000000"/>
+                </a:solidFill>
+                <a:latin typeface="Fira Code" panose="020B0509050000020004" pitchFamily="49" charset="0"/>
+              </a:rPr>
+              <a:t>if (n == 0) return 1 ;</a:t>
+            </a:r>
+          </a:p>
+          <a:p>
+            <a:r>
+              <a:rPr lang="en-US" altLang="zh-CN" b="0" dirty="0">
+                <a:solidFill>
+                  <a:srgbClr val="000000"/>
+                </a:solidFill>
+                <a:latin typeface="Fira Code" panose="020B0509050000020004" pitchFamily="49" charset="0"/>
+              </a:rPr>
+              <a:t>else return n * factorial(n-1) ;</a:t>
+            </a:r>
+          </a:p>
+          <a:p>
+            <a:r>
+              <a:rPr lang="en-US" altLang="zh-CN" b="0" dirty="0">
+                <a:solidFill>
+                  <a:srgbClr val="000000"/>
+                </a:solidFill>
+                <a:latin typeface="Fira Code" panose="020B0509050000020004" pitchFamily="49" charset="0"/>
+              </a:rPr>
+              <a:t>}</a:t>
+            </a:r>
           </a:p>
         </p:txBody>
       </p:sp>
     </p:spTree>
+    <p:extLst>
+      <p:ext uri="{BB962C8B-B14F-4D97-AF65-F5344CB8AC3E}">
+        <p14:creationId xmlns:p14="http://schemas.microsoft.com/office/powerpoint/2010/main" val="924436024"/>
+      </p:ext>
+    </p:extLst>
   </p:cSld>
   <p:clrMapOvr>
     <a:masterClrMapping/>
   </p:clrMapOvr>
   <p:transition spd="med"/>
+  <p:timing>
+    <p:tnLst>
+      <p:par>
+        <p:cTn id="1" dur="indefinite" restart="never" nodeType="tmRoot"/>
+      </p:par>
+    </p:tnLst>
+  </p:timing>
 </p:sld>
 </file>
 
@@ -4853,20 +5143,20 @@
       </p:grpSpPr>
       <p:sp>
         <p:nvSpPr>
-          <p:cNvPr id="217" name="Shape 380"/>
+          <p:cNvPr id="189" name="Shape 189"/>
           <p:cNvSpPr/>
           <p:nvPr/>
         </p:nvSpPr>
         <p:spPr>
           <a:xfrm>
-            <a:off x="419100" y="0"/>
-            <a:ext cx="1208013" cy="1041622"/>
+            <a:off x="425106" y="0"/>
+            <a:ext cx="1208014" cy="1041622"/>
           </a:xfrm>
           <a:prstGeom prst="rect">
             <a:avLst/>
           </a:prstGeom>
           <a:solidFill>
-            <a:srgbClr val="002A7E"/>
+            <a:srgbClr val="219DC9"/>
           </a:solidFill>
           <a:ln w="12700">
             <a:miter lim="400000"/>
@@ -4885,14 +5175,14 @@
       </p:sp>
       <p:sp>
         <p:nvSpPr>
-          <p:cNvPr id="218" name="Shape 381"/>
+          <p:cNvPr id="190" name="Shape 190"/>
           <p:cNvSpPr txBox="1"/>
           <p:nvPr/>
         </p:nvSpPr>
         <p:spPr>
           <a:xfrm>
-            <a:off x="805949" y="202040"/>
-            <a:ext cx="434314" cy="637539"/>
+            <a:off x="811954" y="202040"/>
+            <a:ext cx="434315" cy="637539"/>
           </a:xfrm>
           <a:prstGeom prst="rect">
             <a:avLst/>
@@ -4902,7 +5192,7 @@
           </a:ln>
           <a:extLst>
             <a:ext uri="{C572A759-6A51-4108-AA02-DFA0A04FC94B}">
-              <ma14:wrappingTextBoxFlag xmlns="" xmlns:ma14="http://schemas.microsoft.com/office/mac/drawingml/2011/main" val="1"/>
+              <ma14:wrappingTextBoxFlag xmlns:ma14="http://schemas.microsoft.com/office/mac/drawingml/2011/main" xmlns="" val="1"/>
             </a:ext>
           </a:extLst>
         </p:spPr>
@@ -4922,21 +5212,21 @@
           </a:lstStyle>
           <a:p>
             <a:r>
-              <a:t>B</a:t>
-            </a:r>
-          </a:p>
-        </p:txBody>
-      </p:sp>
-      <p:sp>
-        <p:nvSpPr>
-          <p:cNvPr id="219" name="Shape 382"/>
+              <a:t>A</a:t>
+            </a:r>
+          </a:p>
+        </p:txBody>
+      </p:sp>
+      <p:sp>
+        <p:nvSpPr>
+          <p:cNvPr id="191" name="Shape 191"/>
           <p:cNvSpPr txBox="1"/>
           <p:nvPr/>
         </p:nvSpPr>
         <p:spPr>
           <a:xfrm>
-            <a:off x="1638300" y="647700"/>
-            <a:ext cx="1289555" cy="396238"/>
+            <a:off x="1633120" y="641512"/>
+            <a:ext cx="1233744" cy="396239"/>
           </a:xfrm>
           <a:prstGeom prst="rect">
             <a:avLst/>
@@ -4946,7 +5236,7 @@
           </a:ln>
           <a:extLst>
             <a:ext uri="{C572A759-6A51-4108-AA02-DFA0A04FC94B}">
-              <ma14:wrappingTextBoxFlag xmlns="" xmlns:ma14="http://schemas.microsoft.com/office/mac/drawingml/2011/main" val="1"/>
+              <ma14:wrappingTextBoxFlag xmlns:ma14="http://schemas.microsoft.com/office/mac/drawingml/2011/main" xmlns="" val="1"/>
             </a:ext>
           </a:extLst>
         </p:spPr>
@@ -4958,7 +5248,7 @@
             <a:lvl1pPr>
               <a:defRPr>
                 <a:solidFill>
-                  <a:srgbClr val="002A7E"/>
+                  <a:srgbClr val="219DC9"/>
                 </a:solidFill>
                 <a:latin typeface="微软雅黑"/>
                 <a:ea typeface="微软雅黑"/>
@@ -4969,21 +5259,21 @@
           </a:lstStyle>
           <a:p>
             <a:r>
-              <a:t>Approach</a:t>
-            </a:r>
-          </a:p>
-        </p:txBody>
-      </p:sp>
-      <p:sp>
-        <p:nvSpPr>
-          <p:cNvPr id="220" name="Step 1: Geometry-characteristic-based encoding of dependency graph.…"/>
+              <a:t>Overview</a:t>
+            </a:r>
+          </a:p>
+        </p:txBody>
+      </p:sp>
+      <p:sp>
+        <p:nvSpPr>
+          <p:cNvPr id="192" name="Text"/>
           <p:cNvSpPr txBox="1"/>
           <p:nvPr/>
         </p:nvSpPr>
         <p:spPr>
           <a:xfrm>
-            <a:off x="1968500" y="1587500"/>
-            <a:ext cx="8255000" cy="2059938"/>
+            <a:off x="5786830" y="3236499"/>
+            <a:ext cx="618340" cy="383539"/>
           </a:xfrm>
           <a:prstGeom prst="rect">
             <a:avLst/>
@@ -4991,28 +5281,56 @@
           <a:ln w="12700">
             <a:miter lim="400000"/>
           </a:ln>
-          <a:extLst>
-            <a:ext uri="{C572A759-6A51-4108-AA02-DFA0A04FC94B}">
-              <ma14:wrappingTextBoxFlag xmlns="" xmlns:ma14="http://schemas.microsoft.com/office/mac/drawingml/2011/main" val="1"/>
-            </a:ext>
-          </a:extLst>
-        </p:spPr>
-        <p:txBody>
-          <a:bodyPr lIns="45718" tIns="45718" rIns="45718" bIns="45718">
+        </p:spPr>
+        <p:txBody>
+          <a:bodyPr wrap="none" lIns="45718" tIns="45718" rIns="45718" bIns="45718">
             <a:spAutoFit/>
           </a:bodyPr>
           <a:lstStyle/>
           <a:p>
+            <a:endParaRPr/>
+          </a:p>
+        </p:txBody>
+      </p:sp>
+      <p:sp>
+        <p:nvSpPr>
+          <p:cNvPr id="193" name="Prior work:…"/>
+          <p:cNvSpPr txBox="1"/>
+          <p:nvPr/>
+        </p:nvSpPr>
+        <p:spPr>
+          <a:xfrm>
+            <a:off x="1965882" y="1585719"/>
+            <a:ext cx="2004712" cy="4334965"/>
+          </a:xfrm>
+          <a:prstGeom prst="rect">
+            <a:avLst/>
+          </a:prstGeom>
+          <a:ln w="12700">
+            <a:miter lim="400000"/>
+          </a:ln>
+          <a:extLst>
+            <a:ext uri="{C572A759-6A51-4108-AA02-DFA0A04FC94B}">
+              <ma14:wrappingTextBoxFlag xmlns:ma14="http://schemas.microsoft.com/office/mac/drawingml/2011/main" xmlns="" val="1"/>
+            </a:ext>
+          </a:extLst>
+        </p:spPr>
+        <p:txBody>
+          <a:bodyPr wrap="none" lIns="45718" tIns="45718" rIns="45718" bIns="45718">
+            <a:spAutoFit/>
+          </a:bodyPr>
+          <a:lstStyle/>
+          <a:p>
             <a:pPr algn="l" defTabSz="457200">
               <a:lnSpc>
-                <a:spcPts val="6200"/>
+                <a:spcPts val="4600"/>
               </a:lnSpc>
               <a:spcBef>
                 <a:spcPts val="1200"/>
               </a:spcBef>
               <a:defRPr sz="2400" b="0">
                 <a:solidFill>
-                  <a:srgbClr val="46443C"/>
+                  <a:srgbClr val="000000"/>
                 </a:solidFill>
                 <a:latin typeface="+mj-lt"/>
                 <a:ea typeface="+mj-ea"/>
@@ -5021,20 +5339,28 @@
               </a:defRPr>
             </a:pPr>
             <a:r>
-              <a:t>Step 1: Geometry-characteristic-based encoding of dependency graph. </a:t>
-            </a:r>
-          </a:p>
-          <a:p>
-            <a:pPr algn="l" defTabSz="457200">
+              <a:rPr dirty="0"/>
+              <a:t>Prior work</a:t>
+            </a:r>
+            <a:r>
+              <a:rPr dirty="0" smtClean="0"/>
+              <a:t>:</a:t>
+            </a:r>
+            <a:endParaRPr dirty="0"/>
+          </a:p>
+          <a:p>
+            <a:pPr marL="320842" indent="-320842" algn="l" defTabSz="457200">
               <a:lnSpc>
-                <a:spcPts val="6200"/>
+                <a:spcPts val="4600"/>
               </a:lnSpc>
               <a:spcBef>
                 <a:spcPts val="1200"/>
               </a:spcBef>
+              <a:buSzPct val="100000"/>
+              <a:buAutoNum type="arabicPeriod"/>
               <a:defRPr sz="2400" b="0">
                 <a:solidFill>
-                  <a:srgbClr val="46443C"/>
+                  <a:srgbClr val="000000"/>
                 </a:solidFill>
                 <a:latin typeface="+mj-lt"/>
                 <a:ea typeface="+mj-ea"/>
@@ -5043,25 +5369,23 @@
               </a:defRPr>
             </a:pPr>
             <a:r>
-              <a:t>Step 2: Localized global comparison. </a:t>
-            </a:r>
-            <a:endParaRPr>
-              <a:solidFill>
-                <a:srgbClr val="000000"/>
-              </a:solidFill>
-            </a:endParaRPr>
-          </a:p>
-          <a:p>
-            <a:pPr algn="l" defTabSz="457200">
+              <a:rPr dirty="0"/>
+              <a:t>String-based</a:t>
+            </a:r>
+          </a:p>
+          <a:p>
+            <a:pPr marL="320842" indent="-320842" algn="l" defTabSz="457200">
               <a:lnSpc>
-                <a:spcPts val="6200"/>
+                <a:spcPts val="4600"/>
               </a:lnSpc>
               <a:spcBef>
                 <a:spcPts val="1200"/>
               </a:spcBef>
+              <a:buSzPct val="100000"/>
+              <a:buAutoNum type="arabicPeriod"/>
               <a:defRPr sz="2400" b="0">
                 <a:solidFill>
-                  <a:srgbClr val="46443C"/>
+                  <a:srgbClr val="000000"/>
                 </a:solidFill>
                 <a:latin typeface="+mj-lt"/>
                 <a:ea typeface="+mj-ea"/>
@@ -5070,11 +5394,219 @@
               </a:defRPr>
             </a:pPr>
             <a:r>
-              <a:t>Step 3: Core-functionality- based grouping. </a:t>
-            </a:r>
-          </a:p>
-        </p:txBody>
-      </p:sp>
+              <a:rPr dirty="0"/>
+              <a:t>Token-based</a:t>
+            </a:r>
+          </a:p>
+          <a:p>
+            <a:pPr marL="320842" indent="-320842" algn="l" defTabSz="457200">
+              <a:lnSpc>
+                <a:spcPts val="4600"/>
+              </a:lnSpc>
+              <a:spcBef>
+                <a:spcPts val="1200"/>
+              </a:spcBef>
+              <a:buSzPct val="100000"/>
+              <a:buAutoNum type="arabicPeriod"/>
+              <a:defRPr sz="2400" b="0">
+                <a:solidFill>
+                  <a:srgbClr val="000000"/>
+                </a:solidFill>
+                <a:latin typeface="+mj-lt"/>
+                <a:ea typeface="+mj-ea"/>
+                <a:cs typeface="+mj-cs"/>
+                <a:sym typeface="Calibri Light"/>
+              </a:defRPr>
+            </a:pPr>
+            <a:r>
+              <a:rPr dirty="0"/>
+              <a:t>AST-based</a:t>
+            </a:r>
+          </a:p>
+          <a:p>
+            <a:pPr marL="320842" indent="-320842" algn="l" defTabSz="457200">
+              <a:lnSpc>
+                <a:spcPts val="4600"/>
+              </a:lnSpc>
+              <a:spcBef>
+                <a:spcPts val="1200"/>
+              </a:spcBef>
+              <a:buSzPct val="100000"/>
+              <a:buAutoNum type="arabicPeriod"/>
+              <a:defRPr sz="2400" b="0">
+                <a:solidFill>
+                  <a:srgbClr val="000000"/>
+                </a:solidFill>
+                <a:latin typeface="+mj-lt"/>
+                <a:ea typeface="+mj-ea"/>
+                <a:cs typeface="+mj-cs"/>
+                <a:sym typeface="Calibri Light"/>
+              </a:defRPr>
+            </a:pPr>
+            <a:r>
+              <a:rPr dirty="0"/>
+              <a:t>PDG-based</a:t>
+            </a:r>
+          </a:p>
+          <a:p>
+            <a:pPr marL="320842" indent="-320842" algn="l" defTabSz="457200">
+              <a:lnSpc>
+                <a:spcPts val="4600"/>
+              </a:lnSpc>
+              <a:spcBef>
+                <a:spcPts val="1200"/>
+              </a:spcBef>
+              <a:buSzPct val="100000"/>
+              <a:buAutoNum type="arabicPeriod"/>
+              <a:defRPr sz="2400" b="0">
+                <a:solidFill>
+                  <a:srgbClr val="000000"/>
+                </a:solidFill>
+                <a:latin typeface="+mj-lt"/>
+                <a:ea typeface="+mj-ea"/>
+                <a:cs typeface="+mj-cs"/>
+                <a:sym typeface="Calibri Light"/>
+              </a:defRPr>
+            </a:pPr>
+            <a:r>
+              <a:rPr dirty="0"/>
+              <a:t>… </a:t>
+            </a:r>
+          </a:p>
+        </p:txBody>
+      </p:sp>
+      <p:sp>
+        <p:nvSpPr>
+          <p:cNvPr id="194" name="Text"/>
+          <p:cNvSpPr txBox="1"/>
+          <p:nvPr/>
+        </p:nvSpPr>
+        <p:spPr>
+          <a:xfrm>
+            <a:off x="-786591" y="4135530"/>
+            <a:ext cx="641408" cy="459739"/>
+          </a:xfrm>
+          <a:prstGeom prst="rect">
+            <a:avLst/>
+          </a:prstGeom>
+          <a:ln w="12700">
+            <a:miter lim="400000"/>
+          </a:ln>
+        </p:spPr>
+        <p:txBody>
+          <a:bodyPr wrap="none" lIns="45718" tIns="45718" rIns="45718" bIns="45718">
+            <a:spAutoFit/>
+          </a:bodyPr>
+          <a:lstStyle/>
+          <a:p>
+            <a:pPr algn="l" defTabSz="457200">
+              <a:lnSpc>
+                <a:spcPts val="4200"/>
+              </a:lnSpc>
+              <a:spcBef>
+                <a:spcPts val="1200"/>
+              </a:spcBef>
+              <a:defRPr sz="2400" b="0">
+                <a:solidFill>
+                  <a:srgbClr val="000000"/>
+                </a:solidFill>
+                <a:latin typeface="+mj-lt"/>
+                <a:ea typeface="+mj-ea"/>
+                <a:cs typeface="+mj-cs"/>
+                <a:sym typeface="Calibri Light"/>
+              </a:defRPr>
+            </a:pPr>
+            <a:endParaRPr/>
+          </a:p>
+        </p:txBody>
+      </p:sp>
+      <p:pic>
+        <p:nvPicPr>
+          <p:cNvPr id="195" name="WechatIMG32.jpeg" descr="WechatIMG32.jpeg"/>
+          <p:cNvPicPr>
+            <a:picLocks noChangeAspect="1"/>
+          </p:cNvPicPr>
+          <p:nvPr/>
+        </p:nvPicPr>
+        <p:blipFill>
+          <a:blip r:embed="rId2">
+            <a:extLst/>
+          </a:blip>
+          <a:stretch>
+            <a:fillRect/>
+          </a:stretch>
+        </p:blipFill>
+        <p:spPr>
+          <a:xfrm>
+            <a:off x="5606181" y="1406618"/>
+            <a:ext cx="3951011" cy="4044764"/>
+          </a:xfrm>
+          <a:prstGeom prst="rect">
+            <a:avLst/>
+          </a:prstGeom>
+          <a:ln w="12700">
+            <a:miter lim="400000"/>
+          </a:ln>
+        </p:spPr>
+      </p:pic>
+      <p:pic>
+        <p:nvPicPr>
+          <p:cNvPr id="196" name="WechatIMG33.jpeg" descr="WechatIMG33.jpeg"/>
+          <p:cNvPicPr>
+            <a:picLocks noChangeAspect="1"/>
+          </p:cNvPicPr>
+          <p:nvPr/>
+        </p:nvPicPr>
+        <p:blipFill>
+          <a:blip r:embed="rId3">
+            <a:extLst/>
+          </a:blip>
+          <a:stretch>
+            <a:fillRect/>
+          </a:stretch>
+        </p:blipFill>
+        <p:spPr>
+          <a:xfrm>
+            <a:off x="5216628" y="1220532"/>
+            <a:ext cx="4730117" cy="4416936"/>
+          </a:xfrm>
+          <a:prstGeom prst="rect">
+            <a:avLst/>
+          </a:prstGeom>
+          <a:ln w="12700">
+            <a:miter lim="400000"/>
+          </a:ln>
+        </p:spPr>
+      </p:pic>
+      <p:pic>
+        <p:nvPicPr>
+          <p:cNvPr id="197" name="timg.jpeg" descr="timg.jpeg"/>
+          <p:cNvPicPr>
+            <a:picLocks noChangeAspect="1"/>
+          </p:cNvPicPr>
+          <p:nvPr/>
+        </p:nvPicPr>
+        <p:blipFill>
+          <a:blip r:embed="rId4">
+            <a:extLst/>
+          </a:blip>
+          <a:stretch>
+            <a:fillRect/>
+          </a:stretch>
+        </p:blipFill>
+        <p:spPr>
+          <a:xfrm>
+            <a:off x="4449014" y="2222500"/>
+            <a:ext cx="6972301" cy="2413000"/>
+          </a:xfrm>
+          <a:prstGeom prst="rect">
+            <a:avLst/>
+          </a:prstGeom>
+          <a:ln w="12700">
+            <a:miter lim="400000"/>
+          </a:ln>
+        </p:spPr>
+      </p:pic>
     </p:spTree>
   </p:cSld>
   <p:clrMapOvr>
@@ -5084,9 +5616,169 @@
   <p:timing>
     <p:tnLst>
       <p:par>
-        <p:cTn id="1" dur="indefinite" restart="never" nodeType="tmRoot"/>
+        <p:cTn id="1" dur="indefinite" restart="never" fill="hold" nodeType="tmRoot">
+          <p:childTnLst>
+            <p:seq concurrent="1" prevAc="none" nextAc="seek">
+              <p:cTn id="2" dur="indefinite" fill="hold" nodeType="mainSeq">
+                <p:childTnLst>
+                  <p:par>
+                    <p:cTn id="3" fill="hold">
+                      <p:stCondLst>
+                        <p:cond delay="indefinite"/>
+                      </p:stCondLst>
+                      <p:childTnLst>
+                        <p:par>
+                          <p:cTn id="4" fill="hold">
+                            <p:stCondLst>
+                              <p:cond delay="0"/>
+                            </p:stCondLst>
+                            <p:childTnLst>
+                              <p:par>
+                                <p:cTn id="5" presetID="1" presetClass="entr" presetSubtype="0" fill="hold" grpId="1" nodeType="clickEffect">
+                                  <p:stCondLst>
+                                    <p:cond delay="0"/>
+                                  </p:stCondLst>
+                                  <p:iterate>
+                                    <p:tmAbs val="0"/>
+                                  </p:iterate>
+                                  <p:childTnLst>
+                                    <p:set>
+                                      <p:cBhvr>
+                                        <p:cTn id="6" fill="hold"/>
+                                        <p:tgtEl>
+                                          <p:spTgt spid="195"/>
+                                        </p:tgtEl>
+                                        <p:attrNameLst>
+                                          <p:attrName>style.visibility</p:attrName>
+                                        </p:attrNameLst>
+                                      </p:cBhvr>
+                                      <p:to>
+                                        <p:strVal val="visible"/>
+                                      </p:to>
+                                    </p:set>
+                                  </p:childTnLst>
+                                </p:cTn>
+                              </p:par>
+                            </p:childTnLst>
+                          </p:cTn>
+                        </p:par>
+                      </p:childTnLst>
+                    </p:cTn>
+                  </p:par>
+                  <p:par>
+                    <p:cTn id="7" fill="hold">
+                      <p:stCondLst>
+                        <p:cond delay="indefinite"/>
+                      </p:stCondLst>
+                      <p:childTnLst>
+                        <p:par>
+                          <p:cTn id="8" fill="hold">
+                            <p:stCondLst>
+                              <p:cond delay="0"/>
+                            </p:stCondLst>
+                            <p:childTnLst>
+                              <p:par>
+                                <p:cTn id="9" presetID="1" presetClass="entr" presetSubtype="0" fill="hold" grpId="2" nodeType="clickEffect">
+                                  <p:stCondLst>
+                                    <p:cond delay="0"/>
+                                  </p:stCondLst>
+                                  <p:iterate>
+                                    <p:tmAbs val="0"/>
+                                  </p:iterate>
+                                  <p:childTnLst>
+                                    <p:set>
+                                      <p:cBhvr>
+                                        <p:cTn id="10" fill="hold"/>
+                                        <p:tgtEl>
+                                          <p:spTgt spid="196"/>
+                                        </p:tgtEl>
+                                        <p:attrNameLst>
+                                          <p:attrName>style.visibility</p:attrName>
+                                        </p:attrNameLst>
+                                      </p:cBhvr>
+                                      <p:to>
+                                        <p:strVal val="visible"/>
+                                      </p:to>
+                                    </p:set>
+                                  </p:childTnLst>
+                                </p:cTn>
+                              </p:par>
+                            </p:childTnLst>
+                          </p:cTn>
+                        </p:par>
+                      </p:childTnLst>
+                    </p:cTn>
+                  </p:par>
+                  <p:par>
+                    <p:cTn id="11" fill="hold">
+                      <p:stCondLst>
+                        <p:cond delay="indefinite"/>
+                      </p:stCondLst>
+                      <p:childTnLst>
+                        <p:par>
+                          <p:cTn id="12" fill="hold">
+                            <p:stCondLst>
+                              <p:cond delay="0"/>
+                            </p:stCondLst>
+                            <p:childTnLst>
+                              <p:par>
+                                <p:cTn id="13" presetID="1" presetClass="entr" presetSubtype="0" fill="hold" grpId="3" nodeType="clickEffect">
+                                  <p:stCondLst>
+                                    <p:cond delay="0"/>
+                                  </p:stCondLst>
+                                  <p:iterate>
+                                    <p:tmAbs val="0"/>
+                                  </p:iterate>
+                                  <p:childTnLst>
+                                    <p:set>
+                                      <p:cBhvr>
+                                        <p:cTn id="14" fill="hold"/>
+                                        <p:tgtEl>
+                                          <p:spTgt spid="197"/>
+                                        </p:tgtEl>
+                                        <p:attrNameLst>
+                                          <p:attrName>style.visibility</p:attrName>
+                                        </p:attrNameLst>
+                                      </p:cBhvr>
+                                      <p:to>
+                                        <p:strVal val="visible"/>
+                                      </p:to>
+                                    </p:set>
+                                  </p:childTnLst>
+                                </p:cTn>
+                              </p:par>
+                            </p:childTnLst>
+                          </p:cTn>
+                        </p:par>
+                      </p:childTnLst>
+                    </p:cTn>
+                  </p:par>
+                </p:childTnLst>
+              </p:cTn>
+              <p:prevCondLst>
+                <p:cond evt="onPrev" delay="0">
+                  <p:tgtEl>
+                    <p:sldTgt/>
+                  </p:tgtEl>
+                </p:cond>
+              </p:prevCondLst>
+              <p:nextCondLst>
+                <p:cond evt="onNext" delay="0">
+                  <p:tgtEl>
+                    <p:sldTgt/>
+                  </p:tgtEl>
+                </p:cond>
+              </p:nextCondLst>
+            </p:seq>
+          </p:childTnLst>
+        </p:cTn>
       </p:par>
     </p:tnLst>
+    <p:bldLst>
+      <p:bldP spid="195" grpId="1" animBg="1" advAuto="0"/>
+      <p:bldP spid="196" grpId="2" animBg="1" advAuto="0"/>
+      <p:bldP spid="197" grpId="3" animBg="1" advAuto="0"/>
+    </p:bldLst>
   </p:timing>
 </p:sld>
 </file>
@@ -5110,20 +5802,20 @@
       </p:grpSpPr>
       <p:sp>
         <p:nvSpPr>
-          <p:cNvPr id="232" name="Shape 380"/>
+          <p:cNvPr id="199" name="Shape 189"/>
           <p:cNvSpPr/>
           <p:nvPr/>
         </p:nvSpPr>
         <p:spPr>
           <a:xfrm>
-            <a:off x="419100" y="0"/>
-            <a:ext cx="1208013" cy="1041622"/>
+            <a:off x="425106" y="0"/>
+            <a:ext cx="1208014" cy="1041622"/>
           </a:xfrm>
           <a:prstGeom prst="rect">
             <a:avLst/>
           </a:prstGeom>
           <a:solidFill>
-            <a:srgbClr val="002A7E"/>
+            <a:srgbClr val="219DC9"/>
           </a:solidFill>
           <a:ln w="12700">
             <a:miter lim="400000"/>
@@ -5142,14 +5834,14 @@
       </p:sp>
       <p:sp>
         <p:nvSpPr>
-          <p:cNvPr id="233" name="Shape 381"/>
+          <p:cNvPr id="200" name="Shape 190"/>
           <p:cNvSpPr txBox="1"/>
           <p:nvPr/>
         </p:nvSpPr>
         <p:spPr>
           <a:xfrm>
-            <a:off x="805949" y="202040"/>
-            <a:ext cx="434314" cy="637539"/>
+            <a:off x="811954" y="202040"/>
+            <a:ext cx="434315" cy="637539"/>
           </a:xfrm>
           <a:prstGeom prst="rect">
             <a:avLst/>
@@ -5159,7 +5851,7 @@
           </a:ln>
           <a:extLst>
             <a:ext uri="{C572A759-6A51-4108-AA02-DFA0A04FC94B}">
-              <ma14:wrappingTextBoxFlag xmlns="" xmlns:ma14="http://schemas.microsoft.com/office/mac/drawingml/2011/main" val="1"/>
+              <ma14:wrappingTextBoxFlag xmlns:ma14="http://schemas.microsoft.com/office/mac/drawingml/2011/main" xmlns="" val="1"/>
             </a:ext>
           </a:extLst>
         </p:spPr>
@@ -5179,21 +5871,21 @@
           </a:lstStyle>
           <a:p>
             <a:r>
-              <a:t>B</a:t>
-            </a:r>
-          </a:p>
-        </p:txBody>
-      </p:sp>
-      <p:sp>
-        <p:nvSpPr>
-          <p:cNvPr id="234" name="Shape 382"/>
+              <a:t>A</a:t>
+            </a:r>
+          </a:p>
+        </p:txBody>
+      </p:sp>
+      <p:sp>
+        <p:nvSpPr>
+          <p:cNvPr id="201" name="Shape 191"/>
           <p:cNvSpPr txBox="1"/>
           <p:nvPr/>
         </p:nvSpPr>
         <p:spPr>
           <a:xfrm>
-            <a:off x="1638300" y="647700"/>
-            <a:ext cx="1289555" cy="396238"/>
+            <a:off x="1633120" y="641512"/>
+            <a:ext cx="1233744" cy="396239"/>
           </a:xfrm>
           <a:prstGeom prst="rect">
             <a:avLst/>
@@ -5203,7 +5895,7 @@
           </a:ln>
           <a:extLst>
             <a:ext uri="{C572A759-6A51-4108-AA02-DFA0A04FC94B}">
-              <ma14:wrappingTextBoxFlag xmlns="" xmlns:ma14="http://schemas.microsoft.com/office/mac/drawingml/2011/main" val="1"/>
+              <ma14:wrappingTextBoxFlag xmlns:ma14="http://schemas.microsoft.com/office/mac/drawingml/2011/main" xmlns="" val="1"/>
             </a:ext>
           </a:extLst>
         </p:spPr>
@@ -5215,7 +5907,7 @@
             <a:lvl1pPr>
               <a:defRPr>
                 <a:solidFill>
-                  <a:srgbClr val="002A7E"/>
+                  <a:srgbClr val="219DC9"/>
                 </a:solidFill>
                 <a:latin typeface="微软雅黑"/>
                 <a:ea typeface="微软雅黑"/>
@@ -5226,6 +5918,1051 @@
           </a:lstStyle>
           <a:p>
             <a:r>
+              <a:t>Overview</a:t>
+            </a:r>
+          </a:p>
+        </p:txBody>
+      </p:sp>
+      <p:sp>
+        <p:nvSpPr>
+          <p:cNvPr id="202" name="Text"/>
+          <p:cNvSpPr txBox="1"/>
+          <p:nvPr/>
+        </p:nvSpPr>
+        <p:spPr>
+          <a:xfrm>
+            <a:off x="-786591" y="4135530"/>
+            <a:ext cx="641408" cy="459739"/>
+          </a:xfrm>
+          <a:prstGeom prst="rect">
+            <a:avLst/>
+          </a:prstGeom>
+          <a:ln w="12700">
+            <a:miter lim="400000"/>
+          </a:ln>
+        </p:spPr>
+        <p:txBody>
+          <a:bodyPr wrap="none" lIns="45718" tIns="45718" rIns="45718" bIns="45718">
+            <a:spAutoFit/>
+          </a:bodyPr>
+          <a:lstStyle/>
+          <a:p>
+            <a:pPr algn="l" defTabSz="457200">
+              <a:lnSpc>
+                <a:spcPts val="4200"/>
+              </a:lnSpc>
+              <a:spcBef>
+                <a:spcPts val="1200"/>
+              </a:spcBef>
+              <a:defRPr sz="2400" b="0">
+                <a:solidFill>
+                  <a:srgbClr val="000000"/>
+                </a:solidFill>
+                <a:latin typeface="+mj-lt"/>
+                <a:ea typeface="+mj-ea"/>
+                <a:cs typeface="+mj-cs"/>
+                <a:sym typeface="Calibri Light"/>
+              </a:defRPr>
+            </a:pPr>
+            <a:endParaRPr/>
+          </a:p>
+        </p:txBody>
+      </p:sp>
+      <p:pic>
+        <p:nvPicPr>
+          <p:cNvPr id="203" name="WechatIMG34.jpeg" descr="WechatIMG34.jpeg"/>
+          <p:cNvPicPr>
+            <a:picLocks noChangeAspect="1"/>
+          </p:cNvPicPr>
+          <p:nvPr/>
+        </p:nvPicPr>
+        <p:blipFill>
+          <a:blip r:embed="rId2">
+            <a:extLst/>
+          </a:blip>
+          <a:stretch>
+            <a:fillRect/>
+          </a:stretch>
+        </p:blipFill>
+        <p:spPr>
+          <a:xfrm>
+            <a:off x="1839181" y="1243901"/>
+            <a:ext cx="8513638" cy="4370198"/>
+          </a:xfrm>
+          <a:prstGeom prst="rect">
+            <a:avLst/>
+          </a:prstGeom>
+          <a:ln w="12700">
+            <a:miter lim="400000"/>
+          </a:ln>
+        </p:spPr>
+      </p:pic>
+      <p:sp>
+        <p:nvSpPr>
+          <p:cNvPr id="204" name="FPR: False Positive Rate"/>
+          <p:cNvSpPr txBox="1"/>
+          <p:nvPr/>
+        </p:nvSpPr>
+        <p:spPr>
+          <a:xfrm>
+            <a:off x="4625288" y="5774102"/>
+            <a:ext cx="2941424" cy="396239"/>
+          </a:xfrm>
+          <a:prstGeom prst="rect">
+            <a:avLst/>
+          </a:prstGeom>
+          <a:ln w="12700">
+            <a:miter lim="400000"/>
+          </a:ln>
+          <a:extLst>
+            <a:ext uri="{C572A759-6A51-4108-AA02-DFA0A04FC94B}">
+              <ma14:wrappingTextBoxFlag xmlns:ma14="http://schemas.microsoft.com/office/mac/drawingml/2011/main" xmlns="" val="1"/>
+            </a:ext>
+          </a:extLst>
+        </p:spPr>
+        <p:txBody>
+          <a:bodyPr wrap="none" lIns="45718" tIns="45718" rIns="45718" bIns="45718">
+            <a:spAutoFit/>
+          </a:bodyPr>
+          <a:lstStyle>
+            <a:lvl1pPr>
+              <a:defRPr b="0">
+                <a:solidFill>
+                  <a:srgbClr val="000000"/>
+                </a:solidFill>
+                <a:latin typeface="+mj-lt"/>
+                <a:ea typeface="+mj-ea"/>
+                <a:cs typeface="+mj-cs"/>
+                <a:sym typeface="Calibri Light"/>
+              </a:defRPr>
+            </a:lvl1pPr>
+          </a:lstStyle>
+          <a:p>
+            <a:r>
+              <a:t>FPR: False Positive Rate</a:t>
+            </a:r>
+          </a:p>
+        </p:txBody>
+      </p:sp>
+    </p:spTree>
+  </p:cSld>
+  <p:clrMapOvr>
+    <a:masterClrMapping/>
+  </p:clrMapOvr>
+  <p:transition spd="med"/>
+  <p:timing>
+    <p:tnLst>
+      <p:par>
+        <p:cTn id="1" dur="indefinite" restart="never" nodeType="tmRoot"/>
+      </p:par>
+    </p:tnLst>
+  </p:timing>
+</p:sld>
+</file>
+
+<file path=ppt/slides/slide13.xml><?xml version="1.0" encoding="utf-8"?>
+<p:sld xmlns:a="http://schemas.openxmlformats.org/drawingml/2006/main" xmlns:r="http://schemas.openxmlformats.org/officeDocument/2006/relationships" xmlns:p="http://schemas.openxmlformats.org/presentationml/2006/main">
+  <p:cSld>
+    <p:spTree>
+      <p:nvGrpSpPr>
+        <p:cNvPr id="1" name=""/>
+        <p:cNvGrpSpPr/>
+        <p:nvPr/>
+      </p:nvGrpSpPr>
+      <p:grpSpPr>
+        <a:xfrm>
+          <a:off x="0" y="0"/>
+          <a:ext cx="0" cy="0"/>
+          <a:chOff x="0" y="0"/>
+          <a:chExt cx="0" cy="0"/>
+        </a:xfrm>
+      </p:grpSpPr>
+      <p:sp>
+        <p:nvSpPr>
+          <p:cNvPr id="206" name="Shape 189"/>
+          <p:cNvSpPr/>
+          <p:nvPr/>
+        </p:nvSpPr>
+        <p:spPr>
+          <a:xfrm>
+            <a:off x="425106" y="0"/>
+            <a:ext cx="1208014" cy="1041622"/>
+          </a:xfrm>
+          <a:prstGeom prst="rect">
+            <a:avLst/>
+          </a:prstGeom>
+          <a:solidFill>
+            <a:srgbClr val="219DC9"/>
+          </a:solidFill>
+          <a:ln w="12700">
+            <a:miter lim="400000"/>
+          </a:ln>
+        </p:spPr>
+        <p:txBody>
+          <a:bodyPr lIns="45718" tIns="45718" rIns="45718" bIns="45718" anchor="ctr"/>
+          <a:lstStyle/>
+          <a:p>
+            <a:pPr algn="ctr">
+              <a:defRPr sz="1800" b="0"/>
+            </a:pPr>
+            <a:endParaRPr/>
+          </a:p>
+        </p:txBody>
+      </p:sp>
+      <p:sp>
+        <p:nvSpPr>
+          <p:cNvPr id="207" name="Shape 190"/>
+          <p:cNvSpPr txBox="1"/>
+          <p:nvPr/>
+        </p:nvSpPr>
+        <p:spPr>
+          <a:xfrm>
+            <a:off x="811954" y="202040"/>
+            <a:ext cx="434315" cy="637539"/>
+          </a:xfrm>
+          <a:prstGeom prst="rect">
+            <a:avLst/>
+          </a:prstGeom>
+          <a:ln w="12700">
+            <a:miter lim="400000"/>
+          </a:ln>
+          <a:extLst>
+            <a:ext uri="{C572A759-6A51-4108-AA02-DFA0A04FC94B}">
+              <ma14:wrappingTextBoxFlag xmlns:ma14="http://schemas.microsoft.com/office/mac/drawingml/2011/main" xmlns="" val="1"/>
+            </a:ext>
+          </a:extLst>
+        </p:spPr>
+        <p:txBody>
+          <a:bodyPr wrap="none" lIns="45718" tIns="45718" rIns="45718" bIns="45718">
+            <a:spAutoFit/>
+          </a:bodyPr>
+          <a:lstStyle>
+            <a:lvl1pPr>
+              <a:defRPr sz="3600">
+                <a:latin typeface="方正大黑_GBK"/>
+                <a:ea typeface="方正大黑_GBK"/>
+                <a:cs typeface="方正大黑_GBK"/>
+                <a:sym typeface="方正大黑_GBK"/>
+              </a:defRPr>
+            </a:lvl1pPr>
+          </a:lstStyle>
+          <a:p>
+            <a:r>
+              <a:t>A</a:t>
+            </a:r>
+          </a:p>
+        </p:txBody>
+      </p:sp>
+      <p:sp>
+        <p:nvSpPr>
+          <p:cNvPr id="208" name="Shape 191"/>
+          <p:cNvSpPr txBox="1"/>
+          <p:nvPr/>
+        </p:nvSpPr>
+        <p:spPr>
+          <a:xfrm>
+            <a:off x="1633120" y="641512"/>
+            <a:ext cx="1233744" cy="396239"/>
+          </a:xfrm>
+          <a:prstGeom prst="rect">
+            <a:avLst/>
+          </a:prstGeom>
+          <a:ln w="12700">
+            <a:miter lim="400000"/>
+          </a:ln>
+          <a:extLst>
+            <a:ext uri="{C572A759-6A51-4108-AA02-DFA0A04FC94B}">
+              <ma14:wrappingTextBoxFlag xmlns:ma14="http://schemas.microsoft.com/office/mac/drawingml/2011/main" xmlns="" val="1"/>
+            </a:ext>
+          </a:extLst>
+        </p:spPr>
+        <p:txBody>
+          <a:bodyPr wrap="none" lIns="45718" tIns="45718" rIns="45718" bIns="45718">
+            <a:spAutoFit/>
+          </a:bodyPr>
+          <a:lstStyle>
+            <a:lvl1pPr>
+              <a:defRPr>
+                <a:solidFill>
+                  <a:srgbClr val="219DC9"/>
+                </a:solidFill>
+                <a:latin typeface="微软雅黑"/>
+                <a:ea typeface="微软雅黑"/>
+                <a:cs typeface="微软雅黑"/>
+                <a:sym typeface="微软雅黑"/>
+              </a:defRPr>
+            </a:lvl1pPr>
+          </a:lstStyle>
+          <a:p>
+            <a:r>
+              <a:t>Overview</a:t>
+            </a:r>
+          </a:p>
+        </p:txBody>
+      </p:sp>
+      <p:sp>
+        <p:nvSpPr>
+          <p:cNvPr id="209" name="Text"/>
+          <p:cNvSpPr txBox="1"/>
+          <p:nvPr/>
+        </p:nvSpPr>
+        <p:spPr>
+          <a:xfrm>
+            <a:off x="5786830" y="3236499"/>
+            <a:ext cx="618340" cy="383539"/>
+          </a:xfrm>
+          <a:prstGeom prst="rect">
+            <a:avLst/>
+          </a:prstGeom>
+          <a:ln w="12700">
+            <a:miter lim="400000"/>
+          </a:ln>
+        </p:spPr>
+        <p:txBody>
+          <a:bodyPr wrap="none" lIns="45718" tIns="45718" rIns="45718" bIns="45718">
+            <a:spAutoFit/>
+          </a:bodyPr>
+          <a:lstStyle/>
+          <a:p>
+            <a:endParaRPr/>
+          </a:p>
+        </p:txBody>
+      </p:sp>
+      <p:sp>
+        <p:nvSpPr>
+          <p:cNvPr id="210" name="Text"/>
+          <p:cNvSpPr txBox="1"/>
+          <p:nvPr/>
+        </p:nvSpPr>
+        <p:spPr>
+          <a:xfrm>
+            <a:off x="-786591" y="4135530"/>
+            <a:ext cx="641408" cy="459739"/>
+          </a:xfrm>
+          <a:prstGeom prst="rect">
+            <a:avLst/>
+          </a:prstGeom>
+          <a:ln w="12700">
+            <a:miter lim="400000"/>
+          </a:ln>
+        </p:spPr>
+        <p:txBody>
+          <a:bodyPr wrap="none" lIns="45718" tIns="45718" rIns="45718" bIns="45718">
+            <a:spAutoFit/>
+          </a:bodyPr>
+          <a:lstStyle/>
+          <a:p>
+            <a:pPr algn="l" defTabSz="457200">
+              <a:lnSpc>
+                <a:spcPts val="4200"/>
+              </a:lnSpc>
+              <a:spcBef>
+                <a:spcPts val="1200"/>
+              </a:spcBef>
+              <a:defRPr sz="2400" b="0">
+                <a:solidFill>
+                  <a:srgbClr val="000000"/>
+                </a:solidFill>
+                <a:latin typeface="+mj-lt"/>
+                <a:ea typeface="+mj-ea"/>
+                <a:cs typeface="+mj-cs"/>
+                <a:sym typeface="Calibri Light"/>
+              </a:defRPr>
+            </a:pPr>
+            <a:endParaRPr/>
+          </a:p>
+        </p:txBody>
+      </p:sp>
+      <p:sp>
+        <p:nvSpPr>
+          <p:cNvPr id="211" name="Unique Characteristics of App Clones:…"/>
+          <p:cNvSpPr txBox="1"/>
+          <p:nvPr/>
+        </p:nvSpPr>
+        <p:spPr>
+          <a:xfrm>
+            <a:off x="1965882" y="1585719"/>
+            <a:ext cx="7667029" cy="2542539"/>
+          </a:xfrm>
+          <a:prstGeom prst="rect">
+            <a:avLst/>
+          </a:prstGeom>
+          <a:ln w="12700">
+            <a:miter lim="400000"/>
+          </a:ln>
+          <a:extLst>
+            <a:ext uri="{C572A759-6A51-4108-AA02-DFA0A04FC94B}">
+              <ma14:wrappingTextBoxFlag xmlns:ma14="http://schemas.microsoft.com/office/mac/drawingml/2011/main" xmlns="" val="1"/>
+            </a:ext>
+          </a:extLst>
+        </p:spPr>
+        <p:txBody>
+          <a:bodyPr wrap="none" lIns="45718" tIns="45718" rIns="45718" bIns="45718">
+            <a:spAutoFit/>
+          </a:bodyPr>
+          <a:lstStyle/>
+          <a:p>
+            <a:pPr algn="l" defTabSz="457200">
+              <a:lnSpc>
+                <a:spcPts val="4600"/>
+              </a:lnSpc>
+              <a:spcBef>
+                <a:spcPts val="1200"/>
+              </a:spcBef>
+              <a:defRPr sz="2400" b="0">
+                <a:solidFill>
+                  <a:srgbClr val="000000"/>
+                </a:solidFill>
+                <a:latin typeface="+mj-lt"/>
+                <a:ea typeface="+mj-ea"/>
+                <a:cs typeface="+mj-cs"/>
+                <a:sym typeface="Calibri Light"/>
+              </a:defRPr>
+            </a:pPr>
+            <a:r>
+              <a:t>Unique Characteristics of App Clones:</a:t>
+            </a:r>
+          </a:p>
+          <a:p>
+            <a:pPr algn="l" defTabSz="457200">
+              <a:lnSpc>
+                <a:spcPts val="4600"/>
+              </a:lnSpc>
+              <a:spcBef>
+                <a:spcPts val="1200"/>
+              </a:spcBef>
+              <a:defRPr sz="2400" b="0">
+                <a:solidFill>
+                  <a:srgbClr val="000000"/>
+                </a:solidFill>
+                <a:latin typeface="+mj-lt"/>
+                <a:ea typeface="+mj-ea"/>
+                <a:cs typeface="+mj-cs"/>
+                <a:sym typeface="Calibri Light"/>
+              </a:defRPr>
+            </a:pPr>
+            <a:endParaRPr/>
+          </a:p>
+          <a:p>
+            <a:pPr marL="320842" indent="-320842" algn="l" defTabSz="457200">
+              <a:lnSpc>
+                <a:spcPts val="4600"/>
+              </a:lnSpc>
+              <a:spcBef>
+                <a:spcPts val="1200"/>
+              </a:spcBef>
+              <a:buSzPct val="100000"/>
+              <a:buAutoNum type="arabicPeriod"/>
+              <a:defRPr sz="2400" b="0">
+                <a:solidFill>
+                  <a:srgbClr val="000000"/>
+                </a:solidFill>
+                <a:latin typeface="+mj-lt"/>
+                <a:ea typeface="+mj-ea"/>
+                <a:cs typeface="+mj-cs"/>
+                <a:sym typeface="Calibri Light"/>
+              </a:defRPr>
+            </a:pPr>
+            <a:r>
+              <a:t>A billion opcode problem</a:t>
+            </a:r>
+          </a:p>
+          <a:p>
+            <a:pPr marL="320842" indent="-320842" algn="l" defTabSz="457200">
+              <a:lnSpc>
+                <a:spcPts val="4600"/>
+              </a:lnSpc>
+              <a:spcBef>
+                <a:spcPts val="1200"/>
+              </a:spcBef>
+              <a:buSzPct val="100000"/>
+              <a:buAutoNum type="arabicPeriod"/>
+              <a:defRPr sz="2400" b="0">
+                <a:solidFill>
+                  <a:srgbClr val="000000"/>
+                </a:solidFill>
+                <a:latin typeface="+mj-lt"/>
+                <a:ea typeface="+mj-ea"/>
+                <a:cs typeface="+mj-cs"/>
+                <a:sym typeface="Calibri Light"/>
+              </a:defRPr>
+            </a:pPr>
+            <a:r>
+              <a:t>Gap between code fragment clones and app clones</a:t>
+            </a:r>
+          </a:p>
+          <a:p>
+            <a:pPr marL="320842" indent="-320842" algn="l" defTabSz="457200">
+              <a:lnSpc>
+                <a:spcPts val="4600"/>
+              </a:lnSpc>
+              <a:spcBef>
+                <a:spcPts val="1200"/>
+              </a:spcBef>
+              <a:buSzPct val="100000"/>
+              <a:buAutoNum type="arabicPeriod"/>
+              <a:defRPr sz="2400" b="0">
+                <a:solidFill>
+                  <a:srgbClr val="000000"/>
+                </a:solidFill>
+                <a:latin typeface="+mj-lt"/>
+                <a:ea typeface="+mj-ea"/>
+                <a:cs typeface="+mj-cs"/>
+                <a:sym typeface="Calibri Light"/>
+              </a:defRPr>
+            </a:pPr>
+            <a:r>
+              <a:t>Type 2 and type 3 are prevalent on Android  markets </a:t>
+            </a:r>
+          </a:p>
+        </p:txBody>
+      </p:sp>
+    </p:spTree>
+  </p:cSld>
+  <p:clrMapOvr>
+    <a:masterClrMapping/>
+  </p:clrMapOvr>
+  <p:transition spd="med"/>
+  <p:timing>
+    <p:tnLst>
+      <p:par>
+        <p:cTn id="1" dur="indefinite" restart="never" nodeType="tmRoot"/>
+      </p:par>
+    </p:tnLst>
+  </p:timing>
+</p:sld>
+</file>
+
+<file path=ppt/slides/slide14.xml><?xml version="1.0" encoding="utf-8"?>
+<p:sld xmlns:a="http://schemas.openxmlformats.org/drawingml/2006/main" xmlns:r="http://schemas.openxmlformats.org/officeDocument/2006/relationships" xmlns:p="http://schemas.openxmlformats.org/presentationml/2006/main">
+  <p:cSld>
+    <p:spTree>
+      <p:nvGrpSpPr>
+        <p:cNvPr id="1" name=""/>
+        <p:cNvGrpSpPr/>
+        <p:nvPr/>
+      </p:nvGrpSpPr>
+      <p:grpSpPr>
+        <a:xfrm>
+          <a:off x="0" y="0"/>
+          <a:ext cx="0" cy="0"/>
+          <a:chOff x="0" y="0"/>
+          <a:chExt cx="0" cy="0"/>
+        </a:xfrm>
+      </p:grpSpPr>
+      <p:sp>
+        <p:nvSpPr>
+          <p:cNvPr id="213" name="Shape 316"/>
+          <p:cNvSpPr/>
+          <p:nvPr/>
+        </p:nvSpPr>
+        <p:spPr>
+          <a:xfrm>
+            <a:off x="0" y="0"/>
+            <a:ext cx="12192000" cy="6858000"/>
+          </a:xfrm>
+          <a:prstGeom prst="rect">
+            <a:avLst/>
+          </a:prstGeom>
+          <a:solidFill>
+            <a:srgbClr val="002A7E"/>
+          </a:solidFill>
+          <a:ln w="12700">
+            <a:miter lim="400000"/>
+          </a:ln>
+        </p:spPr>
+        <p:txBody>
+          <a:bodyPr lIns="45718" tIns="45718" rIns="45718" bIns="45718" anchor="ctr"/>
+          <a:lstStyle/>
+          <a:p>
+            <a:pPr algn="ctr">
+              <a:defRPr sz="1800" b="0">
+                <a:solidFill>
+                  <a:srgbClr val="31CDA8"/>
+                </a:solidFill>
+              </a:defRPr>
+            </a:pPr>
+            <a:endParaRPr/>
+          </a:p>
+        </p:txBody>
+      </p:sp>
+      <p:sp>
+        <p:nvSpPr>
+          <p:cNvPr id="214" name="Shape 317"/>
+          <p:cNvSpPr txBox="1"/>
+          <p:nvPr/>
+        </p:nvSpPr>
+        <p:spPr>
+          <a:xfrm>
+            <a:off x="4644786" y="2970530"/>
+            <a:ext cx="2902428" cy="916939"/>
+          </a:xfrm>
+          <a:prstGeom prst="rect">
+            <a:avLst/>
+          </a:prstGeom>
+          <a:ln w="12700">
+            <a:miter lim="400000"/>
+          </a:ln>
+          <a:extLst>
+            <a:ext uri="{C572A759-6A51-4108-AA02-DFA0A04FC94B}">
+              <ma14:wrappingTextBoxFlag xmlns:ma14="http://schemas.microsoft.com/office/mac/drawingml/2011/main" xmlns="" val="1"/>
+            </a:ext>
+          </a:extLst>
+        </p:spPr>
+        <p:txBody>
+          <a:bodyPr wrap="square" lIns="45718" tIns="45718" rIns="45718" bIns="45718">
+            <a:spAutoFit/>
+          </a:bodyPr>
+          <a:lstStyle>
+            <a:lvl1pPr>
+              <a:defRPr sz="5400">
+                <a:latin typeface="方正超粗黑_GBK"/>
+                <a:ea typeface="方正超粗黑_GBK"/>
+                <a:cs typeface="方正超粗黑_GBK"/>
+                <a:sym typeface="方正超粗黑_GBK"/>
+              </a:defRPr>
+            </a:lvl1pPr>
+          </a:lstStyle>
+          <a:p>
+            <a:r>
+              <a:t>Approach</a:t>
+            </a:r>
+          </a:p>
+        </p:txBody>
+      </p:sp>
+      <p:sp>
+        <p:nvSpPr>
+          <p:cNvPr id="215" name="Shape 318"/>
+          <p:cNvSpPr/>
+          <p:nvPr/>
+        </p:nvSpPr>
+        <p:spPr>
+          <a:xfrm>
+            <a:off x="4388206" y="2857500"/>
+            <a:ext cx="3415588" cy="1143000"/>
+          </a:xfrm>
+          <a:prstGeom prst="rect">
+            <a:avLst/>
+          </a:prstGeom>
+          <a:ln w="12700">
+            <a:solidFill>
+              <a:srgbClr val="FFFFFF"/>
+            </a:solidFill>
+            <a:miter/>
+          </a:ln>
+        </p:spPr>
+        <p:txBody>
+          <a:bodyPr lIns="45718" tIns="45718" rIns="45718" bIns="45718" anchor="ctr"/>
+          <a:lstStyle/>
+          <a:p>
+            <a:pPr algn="ctr">
+              <a:defRPr sz="1800" b="0"/>
+            </a:pPr>
+            <a:endParaRPr/>
+          </a:p>
+        </p:txBody>
+      </p:sp>
+    </p:spTree>
+  </p:cSld>
+  <p:clrMapOvr>
+    <a:masterClrMapping/>
+  </p:clrMapOvr>
+  <p:transition spd="med"/>
+</p:sld>
+</file>
+
+<file path=ppt/slides/slide15.xml><?xml version="1.0" encoding="utf-8"?>
+<p:sld xmlns:a="http://schemas.openxmlformats.org/drawingml/2006/main" xmlns:r="http://schemas.openxmlformats.org/officeDocument/2006/relationships" xmlns:p="http://schemas.openxmlformats.org/presentationml/2006/main">
+  <p:cSld>
+    <p:spTree>
+      <p:nvGrpSpPr>
+        <p:cNvPr id="1" name=""/>
+        <p:cNvGrpSpPr/>
+        <p:nvPr/>
+      </p:nvGrpSpPr>
+      <p:grpSpPr>
+        <a:xfrm>
+          <a:off x="0" y="0"/>
+          <a:ext cx="0" cy="0"/>
+          <a:chOff x="0" y="0"/>
+          <a:chExt cx="0" cy="0"/>
+        </a:xfrm>
+      </p:grpSpPr>
+      <p:sp>
+        <p:nvSpPr>
+          <p:cNvPr id="217" name="Shape 380"/>
+          <p:cNvSpPr/>
+          <p:nvPr/>
+        </p:nvSpPr>
+        <p:spPr>
+          <a:xfrm>
+            <a:off x="419100" y="0"/>
+            <a:ext cx="1208013" cy="1041622"/>
+          </a:xfrm>
+          <a:prstGeom prst="rect">
+            <a:avLst/>
+          </a:prstGeom>
+          <a:solidFill>
+            <a:srgbClr val="002A7E"/>
+          </a:solidFill>
+          <a:ln w="12700">
+            <a:miter lim="400000"/>
+          </a:ln>
+        </p:spPr>
+        <p:txBody>
+          <a:bodyPr lIns="45718" tIns="45718" rIns="45718" bIns="45718" anchor="ctr"/>
+          <a:lstStyle/>
+          <a:p>
+            <a:pPr algn="ctr">
+              <a:defRPr sz="1800" b="0"/>
+            </a:pPr>
+            <a:endParaRPr/>
+          </a:p>
+        </p:txBody>
+      </p:sp>
+      <p:sp>
+        <p:nvSpPr>
+          <p:cNvPr id="218" name="Shape 381"/>
+          <p:cNvSpPr txBox="1"/>
+          <p:nvPr/>
+        </p:nvSpPr>
+        <p:spPr>
+          <a:xfrm>
+            <a:off x="805949" y="202040"/>
+            <a:ext cx="434314" cy="637539"/>
+          </a:xfrm>
+          <a:prstGeom prst="rect">
+            <a:avLst/>
+          </a:prstGeom>
+          <a:ln w="12700">
+            <a:miter lim="400000"/>
+          </a:ln>
+          <a:extLst>
+            <a:ext uri="{C572A759-6A51-4108-AA02-DFA0A04FC94B}">
+              <ma14:wrappingTextBoxFlag xmlns:ma14="http://schemas.microsoft.com/office/mac/drawingml/2011/main" xmlns="" val="1"/>
+            </a:ext>
+          </a:extLst>
+        </p:spPr>
+        <p:txBody>
+          <a:bodyPr wrap="none" lIns="45718" tIns="45718" rIns="45718" bIns="45718">
+            <a:spAutoFit/>
+          </a:bodyPr>
+          <a:lstStyle>
+            <a:lvl1pPr>
+              <a:defRPr sz="3600">
+                <a:latin typeface="方正大黑_GBK"/>
+                <a:ea typeface="方正大黑_GBK"/>
+                <a:cs typeface="方正大黑_GBK"/>
+                <a:sym typeface="方正大黑_GBK"/>
+              </a:defRPr>
+            </a:lvl1pPr>
+          </a:lstStyle>
+          <a:p>
+            <a:r>
+              <a:t>B</a:t>
+            </a:r>
+          </a:p>
+        </p:txBody>
+      </p:sp>
+      <p:sp>
+        <p:nvSpPr>
+          <p:cNvPr id="219" name="Shape 382"/>
+          <p:cNvSpPr txBox="1"/>
+          <p:nvPr/>
+        </p:nvSpPr>
+        <p:spPr>
+          <a:xfrm>
+            <a:off x="1638300" y="647700"/>
+            <a:ext cx="1289555" cy="396238"/>
+          </a:xfrm>
+          <a:prstGeom prst="rect">
+            <a:avLst/>
+          </a:prstGeom>
+          <a:ln w="12700">
+            <a:miter lim="400000"/>
+          </a:ln>
+          <a:extLst>
+            <a:ext uri="{C572A759-6A51-4108-AA02-DFA0A04FC94B}">
+              <ma14:wrappingTextBoxFlag xmlns:ma14="http://schemas.microsoft.com/office/mac/drawingml/2011/main" xmlns="" val="1"/>
+            </a:ext>
+          </a:extLst>
+        </p:spPr>
+        <p:txBody>
+          <a:bodyPr wrap="none" lIns="45718" tIns="45718" rIns="45718" bIns="45718">
+            <a:spAutoFit/>
+          </a:bodyPr>
+          <a:lstStyle>
+            <a:lvl1pPr>
+              <a:defRPr>
+                <a:solidFill>
+                  <a:srgbClr val="002A7E"/>
+                </a:solidFill>
+                <a:latin typeface="微软雅黑"/>
+                <a:ea typeface="微软雅黑"/>
+                <a:cs typeface="微软雅黑"/>
+                <a:sym typeface="微软雅黑"/>
+              </a:defRPr>
+            </a:lvl1pPr>
+          </a:lstStyle>
+          <a:p>
+            <a:r>
+              <a:t>Approach</a:t>
+            </a:r>
+          </a:p>
+        </p:txBody>
+      </p:sp>
+      <p:sp>
+        <p:nvSpPr>
+          <p:cNvPr id="220" name="Step 1: Geometry-characteristic-based encoding of dependency graph.…"/>
+          <p:cNvSpPr txBox="1"/>
+          <p:nvPr/>
+        </p:nvSpPr>
+        <p:spPr>
+          <a:xfrm>
+            <a:off x="1968500" y="1587500"/>
+            <a:ext cx="8255000" cy="2059938"/>
+          </a:xfrm>
+          <a:prstGeom prst="rect">
+            <a:avLst/>
+          </a:prstGeom>
+          <a:ln w="12700">
+            <a:miter lim="400000"/>
+          </a:ln>
+          <a:extLst>
+            <a:ext uri="{C572A759-6A51-4108-AA02-DFA0A04FC94B}">
+              <ma14:wrappingTextBoxFlag xmlns:ma14="http://schemas.microsoft.com/office/mac/drawingml/2011/main" xmlns="" val="1"/>
+            </a:ext>
+          </a:extLst>
+        </p:spPr>
+        <p:txBody>
+          <a:bodyPr lIns="45718" tIns="45718" rIns="45718" bIns="45718">
+            <a:spAutoFit/>
+          </a:bodyPr>
+          <a:lstStyle/>
+          <a:p>
+            <a:pPr algn="l" defTabSz="457200">
+              <a:lnSpc>
+                <a:spcPts val="6200"/>
+              </a:lnSpc>
+              <a:spcBef>
+                <a:spcPts val="1200"/>
+              </a:spcBef>
+              <a:defRPr sz="2400" b="0">
+                <a:solidFill>
+                  <a:srgbClr val="46443C"/>
+                </a:solidFill>
+                <a:latin typeface="+mj-lt"/>
+                <a:ea typeface="+mj-ea"/>
+                <a:cs typeface="+mj-cs"/>
+                <a:sym typeface="Calibri Light"/>
+              </a:defRPr>
+            </a:pPr>
+            <a:r>
+              <a:t>Step 1: Geometry-characteristic-based encoding of dependency graph. </a:t>
+            </a:r>
+          </a:p>
+          <a:p>
+            <a:pPr algn="l" defTabSz="457200">
+              <a:lnSpc>
+                <a:spcPts val="6200"/>
+              </a:lnSpc>
+              <a:spcBef>
+                <a:spcPts val="1200"/>
+              </a:spcBef>
+              <a:defRPr sz="2400" b="0">
+                <a:solidFill>
+                  <a:srgbClr val="46443C"/>
+                </a:solidFill>
+                <a:latin typeface="+mj-lt"/>
+                <a:ea typeface="+mj-ea"/>
+                <a:cs typeface="+mj-cs"/>
+                <a:sym typeface="Calibri Light"/>
+              </a:defRPr>
+            </a:pPr>
+            <a:r>
+              <a:t>Step 2: Localized global comparison. </a:t>
+            </a:r>
+            <a:endParaRPr>
+              <a:solidFill>
+                <a:srgbClr val="000000"/>
+              </a:solidFill>
+            </a:endParaRPr>
+          </a:p>
+          <a:p>
+            <a:pPr algn="l" defTabSz="457200">
+              <a:lnSpc>
+                <a:spcPts val="6200"/>
+              </a:lnSpc>
+              <a:spcBef>
+                <a:spcPts val="1200"/>
+              </a:spcBef>
+              <a:defRPr sz="2400" b="0">
+                <a:solidFill>
+                  <a:srgbClr val="46443C"/>
+                </a:solidFill>
+                <a:latin typeface="+mj-lt"/>
+                <a:ea typeface="+mj-ea"/>
+                <a:cs typeface="+mj-cs"/>
+                <a:sym typeface="Calibri Light"/>
+              </a:defRPr>
+            </a:pPr>
+            <a:r>
+              <a:t>Step 3: Core-functionality- based grouping. </a:t>
+            </a:r>
+          </a:p>
+        </p:txBody>
+      </p:sp>
+    </p:spTree>
+  </p:cSld>
+  <p:clrMapOvr>
+    <a:masterClrMapping/>
+  </p:clrMapOvr>
+  <p:transition spd="med"/>
+  <p:timing>
+    <p:tnLst>
+      <p:par>
+        <p:cTn id="1" dur="indefinite" restart="never" nodeType="tmRoot"/>
+      </p:par>
+    </p:tnLst>
+  </p:timing>
+</p:sld>
+</file>
+
+<file path=ppt/slides/slide16.xml><?xml version="1.0" encoding="utf-8"?>
+<p:sld xmlns:a="http://schemas.openxmlformats.org/drawingml/2006/main" xmlns:r="http://schemas.openxmlformats.org/officeDocument/2006/relationships" xmlns:p="http://schemas.openxmlformats.org/presentationml/2006/main">
+  <p:cSld>
+    <p:spTree>
+      <p:nvGrpSpPr>
+        <p:cNvPr id="1" name=""/>
+        <p:cNvGrpSpPr/>
+        <p:nvPr/>
+      </p:nvGrpSpPr>
+      <p:grpSpPr>
+        <a:xfrm>
+          <a:off x="0" y="0"/>
+          <a:ext cx="0" cy="0"/>
+          <a:chOff x="0" y="0"/>
+          <a:chExt cx="0" cy="0"/>
+        </a:xfrm>
+      </p:grpSpPr>
+      <p:sp>
+        <p:nvSpPr>
+          <p:cNvPr id="232" name="Shape 380"/>
+          <p:cNvSpPr/>
+          <p:nvPr/>
+        </p:nvSpPr>
+        <p:spPr>
+          <a:xfrm>
+            <a:off x="419100" y="0"/>
+            <a:ext cx="1208013" cy="1041622"/>
+          </a:xfrm>
+          <a:prstGeom prst="rect">
+            <a:avLst/>
+          </a:prstGeom>
+          <a:solidFill>
+            <a:srgbClr val="002A7E"/>
+          </a:solidFill>
+          <a:ln w="12700">
+            <a:miter lim="400000"/>
+          </a:ln>
+        </p:spPr>
+        <p:txBody>
+          <a:bodyPr lIns="45718" tIns="45718" rIns="45718" bIns="45718" anchor="ctr"/>
+          <a:lstStyle/>
+          <a:p>
+            <a:pPr algn="ctr">
+              <a:defRPr sz="1800" b="0"/>
+            </a:pPr>
+            <a:endParaRPr/>
+          </a:p>
+        </p:txBody>
+      </p:sp>
+      <p:sp>
+        <p:nvSpPr>
+          <p:cNvPr id="233" name="Shape 381"/>
+          <p:cNvSpPr txBox="1"/>
+          <p:nvPr/>
+        </p:nvSpPr>
+        <p:spPr>
+          <a:xfrm>
+            <a:off x="805949" y="202040"/>
+            <a:ext cx="434314" cy="637539"/>
+          </a:xfrm>
+          <a:prstGeom prst="rect">
+            <a:avLst/>
+          </a:prstGeom>
+          <a:ln w="12700">
+            <a:miter lim="400000"/>
+          </a:ln>
+          <a:extLst>
+            <a:ext uri="{C572A759-6A51-4108-AA02-DFA0A04FC94B}">
+              <ma14:wrappingTextBoxFlag xmlns:ma14="http://schemas.microsoft.com/office/mac/drawingml/2011/main" xmlns="" val="1"/>
+            </a:ext>
+          </a:extLst>
+        </p:spPr>
+        <p:txBody>
+          <a:bodyPr wrap="none" lIns="45718" tIns="45718" rIns="45718" bIns="45718">
+            <a:spAutoFit/>
+          </a:bodyPr>
+          <a:lstStyle>
+            <a:lvl1pPr>
+              <a:defRPr sz="3600">
+                <a:latin typeface="方正大黑_GBK"/>
+                <a:ea typeface="方正大黑_GBK"/>
+                <a:cs typeface="方正大黑_GBK"/>
+                <a:sym typeface="方正大黑_GBK"/>
+              </a:defRPr>
+            </a:lvl1pPr>
+          </a:lstStyle>
+          <a:p>
+            <a:r>
+              <a:t>B</a:t>
+            </a:r>
+          </a:p>
+        </p:txBody>
+      </p:sp>
+      <p:sp>
+        <p:nvSpPr>
+          <p:cNvPr id="234" name="Shape 382"/>
+          <p:cNvSpPr txBox="1"/>
+          <p:nvPr/>
+        </p:nvSpPr>
+        <p:spPr>
+          <a:xfrm>
+            <a:off x="1638300" y="647700"/>
+            <a:ext cx="1289555" cy="396238"/>
+          </a:xfrm>
+          <a:prstGeom prst="rect">
+            <a:avLst/>
+          </a:prstGeom>
+          <a:ln w="12700">
+            <a:miter lim="400000"/>
+          </a:ln>
+          <a:extLst>
+            <a:ext uri="{C572A759-6A51-4108-AA02-DFA0A04FC94B}">
+              <ma14:wrappingTextBoxFlag xmlns:ma14="http://schemas.microsoft.com/office/mac/drawingml/2011/main" xmlns="" val="1"/>
+            </a:ext>
+          </a:extLst>
+        </p:spPr>
+        <p:txBody>
+          <a:bodyPr wrap="none" lIns="45718" tIns="45718" rIns="45718" bIns="45718">
+            <a:spAutoFit/>
+          </a:bodyPr>
+          <a:lstStyle>
+            <a:lvl1pPr>
+              <a:defRPr>
+                <a:solidFill>
+                  <a:srgbClr val="002A7E"/>
+                </a:solidFill>
+                <a:latin typeface="微软雅黑"/>
+                <a:ea typeface="微软雅黑"/>
+                <a:cs typeface="微软雅黑"/>
+                <a:sym typeface="微软雅黑"/>
+              </a:defRPr>
+            </a:lvl1pPr>
+          </a:lstStyle>
+          <a:p>
+            <a:r>
               <a:t>Approach</a:t>
             </a:r>
           </a:p>
@@ -5250,7 +6987,7 @@
           </a:ln>
           <a:extLst>
             <a:ext uri="{C572A759-6A51-4108-AA02-DFA0A04FC94B}">
-              <ma14:wrappingTextBoxFlag xmlns="" xmlns:ma14="http://schemas.microsoft.com/office/mac/drawingml/2011/main" val="1"/>
+              <ma14:wrappingTextBoxFlag xmlns:ma14="http://schemas.microsoft.com/office/mac/drawingml/2011/main" xmlns="" val="1"/>
             </a:ext>
           </a:extLst>
         </p:spPr>
@@ -5303,7 +7040,7 @@
           </a:ln>
           <a:extLst>
             <a:ext uri="{C572A759-6A51-4108-AA02-DFA0A04FC94B}">
-              <ma14:wrappingTextBoxFlag xmlns="" xmlns:ma14="http://schemas.microsoft.com/office/mac/drawingml/2011/main" val="1"/>
+              <ma14:wrappingTextBoxFlag xmlns:ma14="http://schemas.microsoft.com/office/mac/drawingml/2011/main" xmlns="" val="1"/>
             </a:ext>
           </a:extLst>
         </p:spPr>
@@ -5356,7 +7093,7 @@
           </a:ln>
           <a:extLst>
             <a:ext uri="{C572A759-6A51-4108-AA02-DFA0A04FC94B}">
-              <ma14:wrappingTextBoxFlag xmlns="" xmlns:ma14="http://schemas.microsoft.com/office/mac/drawingml/2011/main" val="1"/>
+              <ma14:wrappingTextBoxFlag xmlns:ma14="http://schemas.microsoft.com/office/mac/drawingml/2011/main" xmlns="" val="1"/>
             </a:ext>
           </a:extLst>
         </p:spPr>
@@ -5445,7 +7182,7 @@
           </a:ln>
           <a:extLst>
             <a:ext uri="{C572A759-6A51-4108-AA02-DFA0A04FC94B}">
-              <ma14:wrappingTextBoxFlag xmlns="" xmlns:ma14="http://schemas.microsoft.com/office/mac/drawingml/2011/main" val="1"/>
+              <ma14:wrappingTextBoxFlag xmlns:ma14="http://schemas.microsoft.com/office/mac/drawingml/2011/main" xmlns="" val="1"/>
             </a:ext>
           </a:extLst>
         </p:spPr>
@@ -5498,7 +7235,7 @@
           </a:ln>
           <a:extLst>
             <a:ext uri="{C572A759-6A51-4108-AA02-DFA0A04FC94B}">
-              <ma14:wrappingTextBoxFlag xmlns="" xmlns:ma14="http://schemas.microsoft.com/office/mac/drawingml/2011/main" val="1"/>
+              <ma14:wrappingTextBoxFlag xmlns:ma14="http://schemas.microsoft.com/office/mac/drawingml/2011/main" xmlns="" val="1"/>
             </a:ext>
           </a:extLst>
         </p:spPr>
@@ -5615,7 +7352,7 @@
           </a:ln>
           <a:extLst>
             <a:ext uri="{C572A759-6A51-4108-AA02-DFA0A04FC94B}">
-              <ma14:wrappingTextBoxFlag xmlns="" xmlns:ma14="http://schemas.microsoft.com/office/mac/drawingml/2011/main" val="1"/>
+              <ma14:wrappingTextBoxFlag xmlns:ma14="http://schemas.microsoft.com/office/mac/drawingml/2011/main" xmlns="" val="1"/>
             </a:ext>
           </a:extLst>
         </p:spPr>
@@ -5687,7 +7424,7 @@
           </a:ln>
           <a:extLst>
             <a:ext uri="{C572A759-6A51-4108-AA02-DFA0A04FC94B}">
-              <ma14:wrappingTextBoxFlag xmlns="" xmlns:ma14="http://schemas.microsoft.com/office/mac/drawingml/2011/main" val="1"/>
+              <ma14:wrappingTextBoxFlag xmlns:ma14="http://schemas.microsoft.com/office/mac/drawingml/2011/main" xmlns="" val="1"/>
             </a:ext>
           </a:extLst>
         </p:spPr>
@@ -5758,7 +7495,7 @@
           </a:ln>
           <a:extLst>
             <a:ext uri="{C572A759-6A51-4108-AA02-DFA0A04FC94B}">
-              <ma14:wrappingTextBoxFlag xmlns="" xmlns:ma14="http://schemas.microsoft.com/office/mac/drawingml/2011/main" val="1"/>
+              <ma14:wrappingTextBoxFlag xmlns:ma14="http://schemas.microsoft.com/office/mac/drawingml/2011/main" xmlns="" val="1"/>
             </a:ext>
           </a:extLst>
         </p:spPr>
@@ -5829,7 +7566,7 @@
           </a:ln>
           <a:extLst>
             <a:ext uri="{C572A759-6A51-4108-AA02-DFA0A04FC94B}">
-              <ma14:wrappingTextBoxFlag xmlns="" xmlns:ma14="http://schemas.microsoft.com/office/mac/drawingml/2011/main" val="1"/>
+              <ma14:wrappingTextBoxFlag xmlns:ma14="http://schemas.microsoft.com/office/mac/drawingml/2011/main" xmlns="" val="1"/>
             </a:ext>
           </a:extLst>
         </p:spPr>
@@ -5900,7 +7637,7 @@
           </a:ln>
           <a:extLst>
             <a:ext uri="{C572A759-6A51-4108-AA02-DFA0A04FC94B}">
-              <ma14:wrappingTextBoxFlag xmlns="" xmlns:ma14="http://schemas.microsoft.com/office/mac/drawingml/2011/main" val="1"/>
+              <ma14:wrappingTextBoxFlag xmlns:ma14="http://schemas.microsoft.com/office/mac/drawingml/2011/main" xmlns="" val="1"/>
             </a:ext>
           </a:extLst>
         </p:spPr>
@@ -5971,7 +7708,7 @@
           </a:ln>
           <a:extLst>
             <a:ext uri="{C572A759-6A51-4108-AA02-DFA0A04FC94B}">
-              <ma14:wrappingTextBoxFlag xmlns="" xmlns:ma14="http://schemas.microsoft.com/office/mac/drawingml/2011/main" val="1"/>
+              <ma14:wrappingTextBoxFlag xmlns:ma14="http://schemas.microsoft.com/office/mac/drawingml/2011/main" xmlns="" val="1"/>
             </a:ext>
           </a:extLst>
         </p:spPr>
@@ -6900,7 +8637,7 @@
 </p:sld>
 </file>
 
-<file path=ppt/slides/slide13.xml><?xml version="1.0" encoding="utf-8"?>
+<file path=ppt/slides/slide17.xml><?xml version="1.0" encoding="utf-8"?>
 <p:sld xmlns:a="http://schemas.openxmlformats.org/drawingml/2006/main" xmlns:r="http://schemas.openxmlformats.org/officeDocument/2006/relationships" xmlns:p="http://schemas.openxmlformats.org/presentationml/2006/main">
   <p:cSld>
     <p:spTree>
@@ -6968,7 +8705,7 @@
           </a:ln>
           <a:extLst>
             <a:ext uri="{C572A759-6A51-4108-AA02-DFA0A04FC94B}">
-              <ma14:wrappingTextBoxFlag xmlns="" xmlns:ma14="http://schemas.microsoft.com/office/mac/drawingml/2011/main" val="1"/>
+              <ma14:wrappingTextBoxFlag xmlns:ma14="http://schemas.microsoft.com/office/mac/drawingml/2011/main" xmlns="" val="1"/>
             </a:ext>
           </a:extLst>
         </p:spPr>
@@ -7012,7 +8749,7 @@
           </a:ln>
           <a:extLst>
             <a:ext uri="{C572A759-6A51-4108-AA02-DFA0A04FC94B}">
-              <ma14:wrappingTextBoxFlag xmlns="" xmlns:ma14="http://schemas.microsoft.com/office/mac/drawingml/2011/main" val="1"/>
+              <ma14:wrappingTextBoxFlag xmlns:ma14="http://schemas.microsoft.com/office/mac/drawingml/2011/main" xmlns="" val="1"/>
             </a:ext>
           </a:extLst>
         </p:spPr>
@@ -7059,7 +8796,7 @@
           </a:ln>
           <a:extLst>
             <a:ext uri="{C572A759-6A51-4108-AA02-DFA0A04FC94B}">
-              <ma14:wrappingTextBoxFlag xmlns="" xmlns:ma14="http://schemas.microsoft.com/office/mac/drawingml/2011/main" val="1"/>
+              <ma14:wrappingTextBoxFlag xmlns:ma14="http://schemas.microsoft.com/office/mac/drawingml/2011/main" xmlns="" val="1"/>
             </a:ext>
           </a:extLst>
         </p:spPr>
@@ -7112,7 +8849,7 @@
           </a:ln>
           <a:extLst>
             <a:ext uri="{C572A759-6A51-4108-AA02-DFA0A04FC94B}">
-              <ma14:wrappingTextBoxFlag xmlns="" xmlns:ma14="http://schemas.microsoft.com/office/mac/drawingml/2011/main" val="1"/>
+              <ma14:wrappingTextBoxFlag xmlns:ma14="http://schemas.microsoft.com/office/mac/drawingml/2011/main" xmlns="" val="1"/>
             </a:ext>
           </a:extLst>
         </p:spPr>
@@ -7325,7 +9062,7 @@
           </a:ln>
           <a:extLst>
             <a:ext uri="{C572A759-6A51-4108-AA02-DFA0A04FC94B}">
-              <ma14:wrappingTextBoxFlag xmlns="" xmlns:ma14="http://schemas.microsoft.com/office/mac/drawingml/2011/main" val="1"/>
+              <ma14:wrappingTextBoxFlag xmlns:ma14="http://schemas.microsoft.com/office/mac/drawingml/2011/main" xmlns="" val="1"/>
             </a:ext>
           </a:extLst>
         </p:spPr>
@@ -7447,7 +9184,7 @@
 </p:sld>
 </file>
 
-<file path=ppt/slides/slide14.xml><?xml version="1.0" encoding="utf-8"?>
+<file path=ppt/slides/slide18.xml><?xml version="1.0" encoding="utf-8"?>
 <p:sld xmlns:a="http://schemas.openxmlformats.org/drawingml/2006/main" xmlns:r="http://schemas.openxmlformats.org/officeDocument/2006/relationships" xmlns:p="http://schemas.openxmlformats.org/presentationml/2006/main">
   <p:cSld>
     <p:spTree>
@@ -7515,7 +9252,7 @@
           </a:ln>
           <a:extLst>
             <a:ext uri="{C572A759-6A51-4108-AA02-DFA0A04FC94B}">
-              <ma14:wrappingTextBoxFlag xmlns="" xmlns:ma14="http://schemas.microsoft.com/office/mac/drawingml/2011/main" val="1"/>
+              <ma14:wrappingTextBoxFlag xmlns:ma14="http://schemas.microsoft.com/office/mac/drawingml/2011/main" xmlns="" val="1"/>
             </a:ext>
           </a:extLst>
         </p:spPr>
@@ -7559,7 +9296,7 @@
           </a:ln>
           <a:extLst>
             <a:ext uri="{C572A759-6A51-4108-AA02-DFA0A04FC94B}">
-              <ma14:wrappingTextBoxFlag xmlns="" xmlns:ma14="http://schemas.microsoft.com/office/mac/drawingml/2011/main" val="1"/>
+              <ma14:wrappingTextBoxFlag xmlns:ma14="http://schemas.microsoft.com/office/mac/drawingml/2011/main" xmlns="" val="1"/>
             </a:ext>
           </a:extLst>
         </p:spPr>
@@ -7606,7 +9343,7 @@
           </a:ln>
           <a:extLst>
             <a:ext uri="{C572A759-6A51-4108-AA02-DFA0A04FC94B}">
-              <ma14:wrappingTextBoxFlag xmlns="" xmlns:ma14="http://schemas.microsoft.com/office/mac/drawingml/2011/main" val="1"/>
+              <ma14:wrappingTextBoxFlag xmlns:ma14="http://schemas.microsoft.com/office/mac/drawingml/2011/main" xmlns="" val="1"/>
             </a:ext>
           </a:extLst>
         </p:spPr>
@@ -7659,7 +9396,7 @@
           </a:ln>
           <a:extLst>
             <a:ext uri="{C572A759-6A51-4108-AA02-DFA0A04FC94B}">
-              <ma14:wrappingTextBoxFlag xmlns="" xmlns:ma14="http://schemas.microsoft.com/office/mac/drawingml/2011/main" val="1"/>
+              <ma14:wrappingTextBoxFlag xmlns:ma14="http://schemas.microsoft.com/office/mac/drawingml/2011/main" xmlns="" val="1"/>
             </a:ext>
           </a:extLst>
         </p:spPr>
@@ -7778,7 +9515,7 @@
 </p:sld>
 </file>
 
-<file path=ppt/slides/slide15.xml><?xml version="1.0" encoding="utf-8"?>
+<file path=ppt/slides/slide19.xml><?xml version="1.0" encoding="utf-8"?>
 <p:sld xmlns:a="http://schemas.openxmlformats.org/drawingml/2006/main" xmlns:r="http://schemas.openxmlformats.org/officeDocument/2006/relationships" xmlns:p="http://schemas.openxmlformats.org/presentationml/2006/main">
   <p:cSld>
     <p:spTree>
@@ -7846,7 +9583,7 @@
           </a:ln>
           <a:extLst>
             <a:ext uri="{C572A759-6A51-4108-AA02-DFA0A04FC94B}">
-              <ma14:wrappingTextBoxFlag xmlns="" xmlns:ma14="http://schemas.microsoft.com/office/mac/drawingml/2011/main" val="1"/>
+              <ma14:wrappingTextBoxFlag xmlns:ma14="http://schemas.microsoft.com/office/mac/drawingml/2011/main" xmlns="" val="1"/>
             </a:ext>
           </a:extLst>
         </p:spPr>
@@ -7890,7 +9627,7 @@
           </a:ln>
           <a:extLst>
             <a:ext uri="{C572A759-6A51-4108-AA02-DFA0A04FC94B}">
-              <ma14:wrappingTextBoxFlag xmlns="" xmlns:ma14="http://schemas.microsoft.com/office/mac/drawingml/2011/main" val="1"/>
+              <ma14:wrappingTextBoxFlag xmlns:ma14="http://schemas.microsoft.com/office/mac/drawingml/2011/main" xmlns="" val="1"/>
             </a:ext>
           </a:extLst>
         </p:spPr>
@@ -7937,7 +9674,7 @@
           </a:ln>
           <a:extLst>
             <a:ext uri="{C572A759-6A51-4108-AA02-DFA0A04FC94B}">
-              <ma14:wrappingTextBoxFlag xmlns="" xmlns:ma14="http://schemas.microsoft.com/office/mac/drawingml/2011/main" val="1"/>
+              <ma14:wrappingTextBoxFlag xmlns:ma14="http://schemas.microsoft.com/office/mac/drawingml/2011/main" xmlns="" val="1"/>
             </a:ext>
           </a:extLst>
         </p:spPr>
@@ -8016,7 +9753,7 @@
 </p:sld>
 </file>
 
-<file path=ppt/slides/slide16.xml><?xml version="1.0" encoding="utf-8"?>
+<file path=ppt/slides/slide2.xml><?xml version="1.0" encoding="utf-8"?>
 <p:sld xmlns:a="http://schemas.openxmlformats.org/drawingml/2006/main" xmlns:r="http://schemas.openxmlformats.org/officeDocument/2006/relationships" xmlns:p="http://schemas.openxmlformats.org/presentationml/2006/main">
   <p:cSld>
     <p:spTree>
@@ -8033,6 +9770,104 @@
           <a:chExt cx="0" cy="0"/>
         </a:xfrm>
       </p:grpSpPr>
+      <p:pic>
+        <p:nvPicPr>
+          <p:cNvPr id="164" name="writers.jpeg" descr="writers.jpeg"/>
+          <p:cNvPicPr>
+            <a:picLocks noChangeAspect="1"/>
+          </p:cNvPicPr>
+          <p:nvPr/>
+        </p:nvPicPr>
+        <p:blipFill>
+          <a:blip r:embed="rId2">
+            <a:extLst/>
+          </a:blip>
+          <a:stretch>
+            <a:fillRect/>
+          </a:stretch>
+        </p:blipFill>
+        <p:spPr>
+          <a:xfrm>
+            <a:off x="0" y="1870687"/>
+            <a:ext cx="12192001" cy="2110376"/>
+          </a:xfrm>
+          <a:prstGeom prst="rect">
+            <a:avLst/>
+          </a:prstGeom>
+          <a:ln w="12700">
+            <a:miter lim="400000"/>
+          </a:ln>
+        </p:spPr>
+      </p:pic>
+      <p:sp>
+        <p:nvSpPr>
+          <p:cNvPr id="165" name="ICSE 2014"/>
+          <p:cNvSpPr txBox="1"/>
+          <p:nvPr/>
+        </p:nvSpPr>
+        <p:spPr>
+          <a:xfrm>
+            <a:off x="5457796" y="4827778"/>
+            <a:ext cx="1276408" cy="383539"/>
+          </a:xfrm>
+          <a:prstGeom prst="rect">
+            <a:avLst/>
+          </a:prstGeom>
+          <a:ln w="12700">
+            <a:miter lim="400000"/>
+          </a:ln>
+          <a:extLst>
+            <a:ext uri="{C572A759-6A51-4108-AA02-DFA0A04FC94B}">
+              <ma14:wrappingTextBoxFlag xmlns:ma14="http://schemas.microsoft.com/office/mac/drawingml/2011/main" xmlns="" val="1"/>
+            </a:ext>
+          </a:extLst>
+        </p:spPr>
+        <p:txBody>
+          <a:bodyPr wrap="none" lIns="45718" tIns="45718" rIns="45718" bIns="45718">
+            <a:spAutoFit/>
+          </a:bodyPr>
+          <a:lstStyle>
+            <a:lvl1pPr>
+              <a:defRPr>
+                <a:solidFill>
+                  <a:srgbClr val="000000"/>
+                </a:solidFill>
+              </a:defRPr>
+            </a:lvl1pPr>
+          </a:lstStyle>
+          <a:p>
+            <a:r>
+              <a:t>ICSE 2014</a:t>
+            </a:r>
+          </a:p>
+        </p:txBody>
+      </p:sp>
+    </p:spTree>
+  </p:cSld>
+  <p:clrMapOvr>
+    <a:masterClrMapping/>
+  </p:clrMapOvr>
+  <p:transition spd="med"/>
+</p:sld>
+</file>
+
+<file path=ppt/slides/slide20.xml><?xml version="1.0" encoding="utf-8"?>
+<p:sld xmlns:a="http://schemas.openxmlformats.org/drawingml/2006/main" xmlns:r="http://schemas.openxmlformats.org/officeDocument/2006/relationships" xmlns:p="http://schemas.openxmlformats.org/presentationml/2006/main">
+  <p:cSld>
+    <p:spTree>
+      <p:nvGrpSpPr>
+        <p:cNvPr id="1" name=""/>
+        <p:cNvGrpSpPr/>
+        <p:nvPr/>
+      </p:nvGrpSpPr>
+      <p:grpSpPr>
+        <a:xfrm>
+          <a:off x="0" y="0"/>
+          <a:ext cx="0" cy="0"/>
+          <a:chOff x="0" y="0"/>
+          <a:chExt cx="0" cy="0"/>
+        </a:xfrm>
+      </p:grpSpPr>
       <p:sp>
         <p:nvSpPr>
           <p:cNvPr id="294" name="Shape 380"/>
@@ -8084,7 +9919,7 @@
           </a:ln>
           <a:extLst>
             <a:ext uri="{C572A759-6A51-4108-AA02-DFA0A04FC94B}">
-              <ma14:wrappingTextBoxFlag xmlns="" xmlns:ma14="http://schemas.microsoft.com/office/mac/drawingml/2011/main" val="1"/>
+              <ma14:wrappingTextBoxFlag xmlns:ma14="http://schemas.microsoft.com/office/mac/drawingml/2011/main" xmlns="" val="1"/>
             </a:ext>
           </a:extLst>
         </p:spPr>
@@ -8128,7 +9963,7 @@
           </a:ln>
           <a:extLst>
             <a:ext uri="{C572A759-6A51-4108-AA02-DFA0A04FC94B}">
-              <ma14:wrappingTextBoxFlag xmlns="" xmlns:ma14="http://schemas.microsoft.com/office/mac/drawingml/2011/main" val="1"/>
+              <ma14:wrappingTextBoxFlag xmlns:ma14="http://schemas.microsoft.com/office/mac/drawingml/2011/main" xmlns="" val="1"/>
             </a:ext>
           </a:extLst>
         </p:spPr>
@@ -8175,7 +10010,7 @@
           </a:ln>
           <a:extLst>
             <a:ext uri="{C572A759-6A51-4108-AA02-DFA0A04FC94B}">
-              <ma14:wrappingTextBoxFlag xmlns="" xmlns:ma14="http://schemas.microsoft.com/office/mac/drawingml/2011/main" val="1"/>
+              <ma14:wrappingTextBoxFlag xmlns:ma14="http://schemas.microsoft.com/office/mac/drawingml/2011/main" xmlns="" val="1"/>
             </a:ext>
           </a:extLst>
         </p:spPr>
@@ -8257,7 +10092,7 @@
           </a:ln>
           <a:extLst>
             <a:ext uri="{C572A759-6A51-4108-AA02-DFA0A04FC94B}">
-              <ma14:wrappingTextBoxFlag xmlns="" xmlns:ma14="http://schemas.microsoft.com/office/mac/drawingml/2011/main" val="1"/>
+              <ma14:wrappingTextBoxFlag xmlns:ma14="http://schemas.microsoft.com/office/mac/drawingml/2011/main" xmlns="" val="1"/>
             </a:ext>
           </a:extLst>
         </p:spPr>
@@ -8304,7 +10139,7 @@
 </p:sld>
 </file>
 
-<file path=ppt/slides/slide17.xml><?xml version="1.0" encoding="utf-8"?>
+<file path=ppt/slides/slide21.xml><?xml version="1.0" encoding="utf-8"?>
 <p:sld xmlns:a="http://schemas.openxmlformats.org/drawingml/2006/main" xmlns:r="http://schemas.openxmlformats.org/officeDocument/2006/relationships" xmlns:p="http://schemas.openxmlformats.org/presentationml/2006/main">
   <p:cSld>
     <p:spTree>
@@ -8372,7 +10207,7 @@
           </a:ln>
           <a:extLst>
             <a:ext uri="{C572A759-6A51-4108-AA02-DFA0A04FC94B}">
-              <ma14:wrappingTextBoxFlag xmlns="" xmlns:ma14="http://schemas.microsoft.com/office/mac/drawingml/2011/main" val="1"/>
+              <ma14:wrappingTextBoxFlag xmlns:ma14="http://schemas.microsoft.com/office/mac/drawingml/2011/main" xmlns="" val="1"/>
             </a:ext>
           </a:extLst>
         </p:spPr>
@@ -8416,7 +10251,7 @@
           </a:ln>
           <a:extLst>
             <a:ext uri="{C572A759-6A51-4108-AA02-DFA0A04FC94B}">
-              <ma14:wrappingTextBoxFlag xmlns="" xmlns:ma14="http://schemas.microsoft.com/office/mac/drawingml/2011/main" val="1"/>
+              <ma14:wrappingTextBoxFlag xmlns:ma14="http://schemas.microsoft.com/office/mac/drawingml/2011/main" xmlns="" val="1"/>
             </a:ext>
           </a:extLst>
         </p:spPr>
@@ -8463,7 +10298,7 @@
           </a:ln>
           <a:extLst>
             <a:ext uri="{C572A759-6A51-4108-AA02-DFA0A04FC94B}">
-              <ma14:wrappingTextBoxFlag xmlns="" xmlns:ma14="http://schemas.microsoft.com/office/mac/drawingml/2011/main" val="1"/>
+              <ma14:wrappingTextBoxFlag xmlns:ma14="http://schemas.microsoft.com/office/mac/drawingml/2011/main" xmlns="" val="1"/>
             </a:ext>
           </a:extLst>
         </p:spPr>
@@ -8544,7 +10379,7 @@
           </a:ln>
           <a:extLst>
             <a:ext uri="{C572A759-6A51-4108-AA02-DFA0A04FC94B}">
-              <ma14:wrappingTextBoxFlag xmlns="" xmlns:ma14="http://schemas.microsoft.com/office/mac/drawingml/2011/main" val="1"/>
+              <ma14:wrappingTextBoxFlag xmlns:ma14="http://schemas.microsoft.com/office/mac/drawingml/2011/main" xmlns="" val="1"/>
             </a:ext>
           </a:extLst>
         </p:spPr>
@@ -8615,7 +10450,7 @@
           </a:ln>
           <a:extLst>
             <a:ext uri="{C572A759-6A51-4108-AA02-DFA0A04FC94B}">
-              <ma14:wrappingTextBoxFlag xmlns="" xmlns:ma14="http://schemas.microsoft.com/office/mac/drawingml/2011/main" val="1"/>
+              <ma14:wrappingTextBoxFlag xmlns:ma14="http://schemas.microsoft.com/office/mac/drawingml/2011/main" xmlns="" val="1"/>
             </a:ext>
           </a:extLst>
         </p:spPr>
@@ -8686,7 +10521,7 @@
           </a:ln>
           <a:extLst>
             <a:ext uri="{C572A759-6A51-4108-AA02-DFA0A04FC94B}">
-              <ma14:wrappingTextBoxFlag xmlns="" xmlns:ma14="http://schemas.microsoft.com/office/mac/drawingml/2011/main" val="1"/>
+              <ma14:wrappingTextBoxFlag xmlns:ma14="http://schemas.microsoft.com/office/mac/drawingml/2011/main" xmlns="" val="1"/>
             </a:ext>
           </a:extLst>
         </p:spPr>
@@ -8757,7 +10592,7 @@
           </a:ln>
           <a:extLst>
             <a:ext uri="{C572A759-6A51-4108-AA02-DFA0A04FC94B}">
-              <ma14:wrappingTextBoxFlag xmlns="" xmlns:ma14="http://schemas.microsoft.com/office/mac/drawingml/2011/main" val="1"/>
+              <ma14:wrappingTextBoxFlag xmlns:ma14="http://schemas.microsoft.com/office/mac/drawingml/2011/main" xmlns="" val="1"/>
             </a:ext>
           </a:extLst>
         </p:spPr>
@@ -8828,7 +10663,7 @@
           </a:ln>
           <a:extLst>
             <a:ext uri="{C572A759-6A51-4108-AA02-DFA0A04FC94B}">
-              <ma14:wrappingTextBoxFlag xmlns="" xmlns:ma14="http://schemas.microsoft.com/office/mac/drawingml/2011/main" val="1"/>
+              <ma14:wrappingTextBoxFlag xmlns:ma14="http://schemas.microsoft.com/office/mac/drawingml/2011/main" xmlns="" val="1"/>
             </a:ext>
           </a:extLst>
         </p:spPr>
@@ -8899,7 +10734,7 @@
           </a:ln>
           <a:extLst>
             <a:ext uri="{C572A759-6A51-4108-AA02-DFA0A04FC94B}">
-              <ma14:wrappingTextBoxFlag xmlns="" xmlns:ma14="http://schemas.microsoft.com/office/mac/drawingml/2011/main" val="1"/>
+              <ma14:wrappingTextBoxFlag xmlns:ma14="http://schemas.microsoft.com/office/mac/drawingml/2011/main" xmlns="" val="1"/>
             </a:ext>
           </a:extLst>
         </p:spPr>
@@ -9369,7 +11204,7 @@
           </a:ln>
           <a:extLst>
             <a:ext uri="{C572A759-6A51-4108-AA02-DFA0A04FC94B}">
-              <ma14:wrappingTextBoxFlag xmlns="" xmlns:ma14="http://schemas.microsoft.com/office/mac/drawingml/2011/main" val="1"/>
+              <ma14:wrappingTextBoxFlag xmlns:ma14="http://schemas.microsoft.com/office/mac/drawingml/2011/main" xmlns="" val="1"/>
             </a:ext>
           </a:extLst>
         </p:spPr>
@@ -9412,7 +11247,7 @@
           </a:ln>
           <a:extLst>
             <a:ext uri="{C572A759-6A51-4108-AA02-DFA0A04FC94B}">
-              <ma14:wrappingTextBoxFlag xmlns="" xmlns:ma14="http://schemas.microsoft.com/office/mac/drawingml/2011/main" val="1"/>
+              <ma14:wrappingTextBoxFlag xmlns:ma14="http://schemas.microsoft.com/office/mac/drawingml/2011/main" xmlns="" val="1"/>
             </a:ext>
           </a:extLst>
         </p:spPr>
@@ -9455,7 +11290,7 @@
           </a:ln>
           <a:extLst>
             <a:ext uri="{C572A759-6A51-4108-AA02-DFA0A04FC94B}">
-              <ma14:wrappingTextBoxFlag xmlns="" xmlns:ma14="http://schemas.microsoft.com/office/mac/drawingml/2011/main" val="1"/>
+              <ma14:wrappingTextBoxFlag xmlns:ma14="http://schemas.microsoft.com/office/mac/drawingml/2011/main" xmlns="" val="1"/>
             </a:ext>
           </a:extLst>
         </p:spPr>
@@ -9498,7 +11333,7 @@
           </a:ln>
           <a:extLst>
             <a:ext uri="{C572A759-6A51-4108-AA02-DFA0A04FC94B}">
-              <ma14:wrappingTextBoxFlag xmlns="" xmlns:ma14="http://schemas.microsoft.com/office/mac/drawingml/2011/main" val="1"/>
+              <ma14:wrappingTextBoxFlag xmlns:ma14="http://schemas.microsoft.com/office/mac/drawingml/2011/main" xmlns="" val="1"/>
             </a:ext>
           </a:extLst>
         </p:spPr>
@@ -9541,7 +11376,7 @@
           </a:ln>
           <a:extLst>
             <a:ext uri="{C572A759-6A51-4108-AA02-DFA0A04FC94B}">
-              <ma14:wrappingTextBoxFlag xmlns="" xmlns:ma14="http://schemas.microsoft.com/office/mac/drawingml/2011/main" val="1"/>
+              <ma14:wrappingTextBoxFlag xmlns:ma14="http://schemas.microsoft.com/office/mac/drawingml/2011/main" xmlns="" val="1"/>
             </a:ext>
           </a:extLst>
         </p:spPr>
@@ -9584,7 +11419,7 @@
           </a:ln>
           <a:extLst>
             <a:ext uri="{C572A759-6A51-4108-AA02-DFA0A04FC94B}">
-              <ma14:wrappingTextBoxFlag xmlns="" xmlns:ma14="http://schemas.microsoft.com/office/mac/drawingml/2011/main" val="1"/>
+              <ma14:wrappingTextBoxFlag xmlns:ma14="http://schemas.microsoft.com/office/mac/drawingml/2011/main" xmlns="" val="1"/>
             </a:ext>
           </a:extLst>
         </p:spPr>
@@ -9627,7 +11462,7 @@
           </a:ln>
           <a:extLst>
             <a:ext uri="{C572A759-6A51-4108-AA02-DFA0A04FC94B}">
-              <ma14:wrappingTextBoxFlag xmlns="" xmlns:ma14="http://schemas.microsoft.com/office/mac/drawingml/2011/main" val="1"/>
+              <ma14:wrappingTextBoxFlag xmlns:ma14="http://schemas.microsoft.com/office/mac/drawingml/2011/main" xmlns="" val="1"/>
             </a:ext>
           </a:extLst>
         </p:spPr>
@@ -9703,7 +11538,7 @@
           </a:ln>
           <a:extLst>
             <a:ext uri="{C572A759-6A51-4108-AA02-DFA0A04FC94B}">
-              <ma14:wrappingTextBoxFlag xmlns="" xmlns:ma14="http://schemas.microsoft.com/office/mac/drawingml/2011/main" val="1"/>
+              <ma14:wrappingTextBoxFlag xmlns:ma14="http://schemas.microsoft.com/office/mac/drawingml/2011/main" xmlns="" val="1"/>
             </a:ext>
           </a:extLst>
         </p:spPr>
@@ -9785,7 +11620,7 @@
           </a:ln>
           <a:extLst>
             <a:ext uri="{C572A759-6A51-4108-AA02-DFA0A04FC94B}">
-              <ma14:wrappingTextBoxFlag xmlns="" xmlns:ma14="http://schemas.microsoft.com/office/mac/drawingml/2011/main" val="1"/>
+              <ma14:wrappingTextBoxFlag xmlns:ma14="http://schemas.microsoft.com/office/mac/drawingml/2011/main" xmlns="" val="1"/>
             </a:ext>
           </a:extLst>
         </p:spPr>
@@ -10068,7 +11903,7 @@
 </p:sld>
 </file>
 
-<file path=ppt/slides/slide18.xml><?xml version="1.0" encoding="utf-8"?>
+<file path=ppt/slides/slide22.xml><?xml version="1.0" encoding="utf-8"?>
 <p:sld xmlns:a="http://schemas.openxmlformats.org/drawingml/2006/main" xmlns:r="http://schemas.openxmlformats.org/officeDocument/2006/relationships" xmlns:p="http://schemas.openxmlformats.org/presentationml/2006/main">
   <p:cSld>
     <p:spTree>
@@ -10136,7 +11971,7 @@
           </a:ln>
           <a:extLst>
             <a:ext uri="{C572A759-6A51-4108-AA02-DFA0A04FC94B}">
-              <ma14:wrappingTextBoxFlag xmlns="" xmlns:ma14="http://schemas.microsoft.com/office/mac/drawingml/2011/main" val="1"/>
+              <ma14:wrappingTextBoxFlag xmlns:ma14="http://schemas.microsoft.com/office/mac/drawingml/2011/main" xmlns="" val="1"/>
             </a:ext>
           </a:extLst>
         </p:spPr>
@@ -10180,7 +12015,7 @@
           </a:ln>
           <a:extLst>
             <a:ext uri="{C572A759-6A51-4108-AA02-DFA0A04FC94B}">
-              <ma14:wrappingTextBoxFlag xmlns="" xmlns:ma14="http://schemas.microsoft.com/office/mac/drawingml/2011/main" val="1"/>
+              <ma14:wrappingTextBoxFlag xmlns:ma14="http://schemas.microsoft.com/office/mac/drawingml/2011/main" xmlns="" val="1"/>
             </a:ext>
           </a:extLst>
         </p:spPr>
@@ -10227,7 +12062,7 @@
           </a:ln>
           <a:extLst>
             <a:ext uri="{C572A759-6A51-4108-AA02-DFA0A04FC94B}">
-              <ma14:wrappingTextBoxFlag xmlns="" xmlns:ma14="http://schemas.microsoft.com/office/mac/drawingml/2011/main" val="1"/>
+              <ma14:wrappingTextBoxFlag xmlns:ma14="http://schemas.microsoft.com/office/mac/drawingml/2011/main" xmlns="" val="1"/>
             </a:ext>
           </a:extLst>
         </p:spPr>
@@ -10280,7 +12115,7 @@
           </a:ln>
           <a:extLst>
             <a:ext uri="{C572A759-6A51-4108-AA02-DFA0A04FC94B}">
-              <ma14:wrappingTextBoxFlag xmlns="" xmlns:ma14="http://schemas.microsoft.com/office/mac/drawingml/2011/main" val="1"/>
+              <ma14:wrappingTextBoxFlag xmlns:ma14="http://schemas.microsoft.com/office/mac/drawingml/2011/main" xmlns="" val="1"/>
             </a:ext>
           </a:extLst>
         </p:spPr>
@@ -10351,7 +12186,7 @@
 </p:sld>
 </file>
 
-<file path=ppt/slides/slide19.xml><?xml version="1.0" encoding="utf-8"?>
+<file path=ppt/slides/slide23.xml><?xml version="1.0" encoding="utf-8"?>
 <p:sld xmlns:a="http://schemas.openxmlformats.org/drawingml/2006/main" xmlns:r="http://schemas.openxmlformats.org/officeDocument/2006/relationships" xmlns:p="http://schemas.openxmlformats.org/presentationml/2006/main">
   <p:cSld>
     <p:spTree>
@@ -10419,7 +12254,7 @@
           </a:ln>
           <a:extLst>
             <a:ext uri="{C572A759-6A51-4108-AA02-DFA0A04FC94B}">
-              <ma14:wrappingTextBoxFlag xmlns="" xmlns:ma14="http://schemas.microsoft.com/office/mac/drawingml/2011/main" val="1"/>
+              <ma14:wrappingTextBoxFlag xmlns:ma14="http://schemas.microsoft.com/office/mac/drawingml/2011/main" xmlns="" val="1"/>
             </a:ext>
           </a:extLst>
         </p:spPr>
@@ -10463,7 +12298,7 @@
           </a:ln>
           <a:extLst>
             <a:ext uri="{C572A759-6A51-4108-AA02-DFA0A04FC94B}">
-              <ma14:wrappingTextBoxFlag xmlns="" xmlns:ma14="http://schemas.microsoft.com/office/mac/drawingml/2011/main" val="1"/>
+              <ma14:wrappingTextBoxFlag xmlns:ma14="http://schemas.microsoft.com/office/mac/drawingml/2011/main" xmlns="" val="1"/>
             </a:ext>
           </a:extLst>
         </p:spPr>
@@ -10510,7 +12345,7 @@
           </a:ln>
           <a:extLst>
             <a:ext uri="{C572A759-6A51-4108-AA02-DFA0A04FC94B}">
-              <ma14:wrappingTextBoxFlag xmlns="" xmlns:ma14="http://schemas.microsoft.com/office/mac/drawingml/2011/main" val="1"/>
+              <ma14:wrappingTextBoxFlag xmlns:ma14="http://schemas.microsoft.com/office/mac/drawingml/2011/main" xmlns="" val="1"/>
             </a:ext>
           </a:extLst>
         </p:spPr>
@@ -10563,7 +12398,7 @@
           </a:ln>
           <a:extLst>
             <a:ext uri="{C572A759-6A51-4108-AA02-DFA0A04FC94B}">
-              <ma14:wrappingTextBoxFlag xmlns="" xmlns:ma14="http://schemas.microsoft.com/office/mac/drawingml/2011/main" val="1"/>
+              <ma14:wrappingTextBoxFlag xmlns:ma14="http://schemas.microsoft.com/office/mac/drawingml/2011/main" xmlns="" val="1"/>
             </a:ext>
           </a:extLst>
         </p:spPr>
@@ -10616,7 +12451,7 @@
           </a:ln>
           <a:extLst>
             <a:ext uri="{C572A759-6A51-4108-AA02-DFA0A04FC94B}">
-              <ma14:wrappingTextBoxFlag xmlns="" xmlns:ma14="http://schemas.microsoft.com/office/mac/drawingml/2011/main" val="1"/>
+              <ma14:wrappingTextBoxFlag xmlns:ma14="http://schemas.microsoft.com/office/mac/drawingml/2011/main" xmlns="" val="1"/>
             </a:ext>
           </a:extLst>
         </p:spPr>
@@ -10669,7 +12504,7 @@
           </a:ln>
           <a:extLst>
             <a:ext uri="{C572A759-6A51-4108-AA02-DFA0A04FC94B}">
-              <ma14:wrappingTextBoxFlag xmlns="" xmlns:ma14="http://schemas.microsoft.com/office/mac/drawingml/2011/main" val="1"/>
+              <ma14:wrappingTextBoxFlag xmlns:ma14="http://schemas.microsoft.com/office/mac/drawingml/2011/main" xmlns="" val="1"/>
             </a:ext>
           </a:extLst>
         </p:spPr>
@@ -10723,7 +12558,7 @@
           </a:ln>
           <a:extLst>
             <a:ext uri="{C572A759-6A51-4108-AA02-DFA0A04FC94B}">
-              <ma14:wrappingTextBoxFlag xmlns="" xmlns:ma14="http://schemas.microsoft.com/office/mac/drawingml/2011/main" val="1"/>
+              <ma14:wrappingTextBoxFlag xmlns:ma14="http://schemas.microsoft.com/office/mac/drawingml/2011/main" xmlns="" val="1"/>
             </a:ext>
           </a:extLst>
         </p:spPr>
@@ -11492,7 +13327,7 @@
 </p:sld>
 </file>
 
-<file path=ppt/slides/slide2.xml><?xml version="1.0" encoding="utf-8"?>
+<file path=ppt/slides/slide24.xml><?xml version="1.0" encoding="utf-8"?>
 <p:sld xmlns:a="http://schemas.openxmlformats.org/drawingml/2006/main" xmlns:r="http://schemas.openxmlformats.org/officeDocument/2006/relationships" xmlns:p="http://schemas.openxmlformats.org/presentationml/2006/main">
   <p:cSld>
     <p:spTree>
@@ -11509,45 +13344,84 @@
           <a:chExt cx="0" cy="0"/>
         </a:xfrm>
       </p:grpSpPr>
-      <p:pic>
-        <p:nvPicPr>
-          <p:cNvPr id="164" name="writers.jpeg" descr="writers.jpeg"/>
-          <p:cNvPicPr>
-            <a:picLocks noChangeAspect="1"/>
-          </p:cNvPicPr>
-          <p:nvPr/>
-        </p:nvPicPr>
-        <p:blipFill>
-          <a:blip r:embed="rId2">
-            <a:extLst/>
-          </a:blip>
-          <a:stretch>
-            <a:fillRect/>
-          </a:stretch>
-        </p:blipFill>
-        <p:spPr>
-          <a:xfrm>
-            <a:off x="0" y="1870687"/>
-            <a:ext cx="12192001" cy="2110376"/>
-          </a:xfrm>
-          <a:prstGeom prst="rect">
-            <a:avLst/>
-          </a:prstGeom>
+      <p:sp>
+        <p:nvSpPr>
+          <p:cNvPr id="371" name="Shape 316"/>
+          <p:cNvSpPr/>
+          <p:nvPr/>
+        </p:nvSpPr>
+        <p:spPr>
+          <a:xfrm>
+            <a:off x="0" y="0"/>
+            <a:ext cx="12192000" cy="6858000"/>
+          </a:xfrm>
+          <a:prstGeom prst="rect">
+            <a:avLst/>
+          </a:prstGeom>
+          <a:solidFill>
+            <a:srgbClr val="808080"/>
+          </a:solidFill>
           <a:ln w="12700">
             <a:miter lim="400000"/>
           </a:ln>
         </p:spPr>
-      </p:pic>
-      <p:sp>
-        <p:nvSpPr>
-          <p:cNvPr id="165" name="ICSE 2014"/>
+        <p:txBody>
+          <a:bodyPr lIns="45718" tIns="45718" rIns="45718" bIns="45718" anchor="ctr"/>
+          <a:lstStyle/>
+          <a:p>
+            <a:pPr algn="ctr">
+              <a:defRPr sz="1800" b="0">
+                <a:solidFill>
+                  <a:srgbClr val="31CDA8"/>
+                </a:solidFill>
+              </a:defRPr>
+            </a:pPr>
+            <a:endParaRPr/>
+          </a:p>
+        </p:txBody>
+      </p:sp>
+      <p:sp>
+        <p:nvSpPr>
+          <p:cNvPr id="372" name="Shape 474"/>
+          <p:cNvSpPr/>
+          <p:nvPr/>
+        </p:nvSpPr>
+        <p:spPr>
+          <a:xfrm>
+            <a:off x="1907178" y="2838450"/>
+            <a:ext cx="8264208" cy="1143000"/>
+          </a:xfrm>
+          <a:prstGeom prst="rect">
+            <a:avLst/>
+          </a:prstGeom>
+          <a:ln w="12700">
+            <a:solidFill>
+              <a:srgbClr val="FFFFFF"/>
+            </a:solidFill>
+            <a:miter/>
+          </a:ln>
+        </p:spPr>
+        <p:txBody>
+          <a:bodyPr lIns="45718" tIns="45718" rIns="45718" bIns="45718" anchor="ctr"/>
+          <a:lstStyle/>
+          <a:p>
+            <a:pPr algn="ctr">
+              <a:defRPr sz="1800" b="0"/>
+            </a:pPr>
+            <a:endParaRPr/>
+          </a:p>
+        </p:txBody>
+      </p:sp>
+      <p:sp>
+        <p:nvSpPr>
+          <p:cNvPr id="373" name="Shape 473"/>
           <p:cNvSpPr txBox="1"/>
           <p:nvPr/>
         </p:nvSpPr>
         <p:spPr>
           <a:xfrm>
-            <a:off x="5457796" y="4827778"/>
-            <a:ext cx="1276408" cy="383539"/>
+            <a:off x="2020614" y="2948287"/>
+            <a:ext cx="8150771" cy="923326"/>
           </a:xfrm>
           <a:prstGeom prst="rect">
             <a:avLst/>
@@ -11557,26 +13431,28 @@
           </a:ln>
           <a:extLst>
             <a:ext uri="{C572A759-6A51-4108-AA02-DFA0A04FC94B}">
-              <ma14:wrappingTextBoxFlag xmlns="" xmlns:ma14="http://schemas.microsoft.com/office/mac/drawingml/2011/main" val="1"/>
+              <ma14:wrappingTextBoxFlag xmlns:ma14="http://schemas.microsoft.com/office/mac/drawingml/2011/main" xmlns="" val="1"/>
             </a:ext>
           </a:extLst>
         </p:spPr>
         <p:txBody>
-          <a:bodyPr wrap="none" lIns="45718" tIns="45718" rIns="45718" bIns="45718">
+          <a:bodyPr wrap="square" lIns="45718" tIns="45718" rIns="45718" bIns="45718">
             <a:spAutoFit/>
           </a:bodyPr>
           <a:lstStyle>
             <a:lvl1pPr>
-              <a:defRPr>
-                <a:solidFill>
-                  <a:srgbClr val="000000"/>
-                </a:solidFill>
+              <a:defRPr sz="5400">
+                <a:latin typeface="方正超粗黑_GBK"/>
+                <a:ea typeface="方正超粗黑_GBK"/>
+                <a:cs typeface="方正超粗黑_GBK"/>
+                <a:sym typeface="方正超粗黑_GBK"/>
               </a:defRPr>
             </a:lvl1pPr>
           </a:lstStyle>
           <a:p>
             <a:r>
-              <a:t>ICSE 2014</a:t>
+              <a:rPr dirty="0"/>
+              <a:t>Method-Level Similarity</a:t>
             </a:r>
           </a:p>
         </p:txBody>
@@ -11587,10 +13463,17 @@
     <a:masterClrMapping/>
   </p:clrMapOvr>
   <p:transition spd="med"/>
+  <p:timing>
+    <p:tnLst>
+      <p:par>
+        <p:cTn id="1" dur="indefinite" restart="never" nodeType="tmRoot"/>
+      </p:par>
+    </p:tnLst>
+  </p:timing>
 </p:sld>
 </file>
 
-<file path=ppt/slides/slide20.xml><?xml version="1.0" encoding="utf-8"?>
+<file path=ppt/slides/slide25.xml><?xml version="1.0" encoding="utf-8"?>
 <p:sld xmlns:a="http://schemas.openxmlformats.org/drawingml/2006/main" xmlns:r="http://schemas.openxmlformats.org/officeDocument/2006/relationships" xmlns:p="http://schemas.openxmlformats.org/presentationml/2006/main">
   <p:cSld>
     <p:spTree>
@@ -11609,14 +13492,14 @@
       </p:grpSpPr>
       <p:sp>
         <p:nvSpPr>
-          <p:cNvPr id="371" name="Shape 316"/>
+          <p:cNvPr id="375" name="Shape 380"/>
           <p:cNvSpPr/>
           <p:nvPr/>
         </p:nvSpPr>
         <p:spPr>
           <a:xfrm>
-            <a:off x="0" y="0"/>
-            <a:ext cx="12192000" cy="6858000"/>
+            <a:off x="419100" y="0"/>
+            <a:ext cx="1208013" cy="1041622"/>
           </a:xfrm>
           <a:prstGeom prst="rect">
             <a:avLst/>
@@ -11633,42 +13516,6 @@
           <a:lstStyle/>
           <a:p>
             <a:pPr algn="ctr">
-              <a:defRPr sz="1800" b="0">
-                <a:solidFill>
-                  <a:srgbClr val="31CDA8"/>
-                </a:solidFill>
-              </a:defRPr>
-            </a:pPr>
-            <a:endParaRPr/>
-          </a:p>
-        </p:txBody>
-      </p:sp>
-      <p:sp>
-        <p:nvSpPr>
-          <p:cNvPr id="372" name="Shape 474"/>
-          <p:cNvSpPr/>
-          <p:nvPr/>
-        </p:nvSpPr>
-        <p:spPr>
-          <a:xfrm>
-            <a:off x="1907178" y="2838450"/>
-            <a:ext cx="8264208" cy="1143000"/>
-          </a:xfrm>
-          <a:prstGeom prst="rect">
-            <a:avLst/>
-          </a:prstGeom>
-          <a:ln w="12700">
-            <a:solidFill>
-              <a:srgbClr val="FFFFFF"/>
-            </a:solidFill>
-            <a:miter/>
-          </a:ln>
-        </p:spPr>
-        <p:txBody>
-          <a:bodyPr lIns="45718" tIns="45718" rIns="45718" bIns="45718" anchor="ctr"/>
-          <a:lstStyle/>
-          <a:p>
-            <a:pPr algn="ctr">
               <a:defRPr sz="1800" b="0"/>
             </a:pPr>
             <a:endParaRPr/>
@@ -11677,14 +13524,14 @@
       </p:sp>
       <p:sp>
         <p:nvSpPr>
-          <p:cNvPr id="373" name="Shape 473"/>
+          <p:cNvPr id="376" name="Shape 381"/>
           <p:cNvSpPr txBox="1"/>
           <p:nvPr/>
         </p:nvSpPr>
         <p:spPr>
           <a:xfrm>
-            <a:off x="2020614" y="2948287"/>
-            <a:ext cx="8150771" cy="923326"/>
+            <a:off x="852221" y="202040"/>
+            <a:ext cx="434314" cy="637539"/>
           </a:xfrm>
           <a:prstGeom prst="rect">
             <a:avLst/>
@@ -11694,117 +13541,7 @@
           </a:ln>
           <a:extLst>
             <a:ext uri="{C572A759-6A51-4108-AA02-DFA0A04FC94B}">
-              <ma14:wrappingTextBoxFlag xmlns="" xmlns:ma14="http://schemas.microsoft.com/office/mac/drawingml/2011/main" val="1"/>
-            </a:ext>
-          </a:extLst>
-        </p:spPr>
-        <p:txBody>
-          <a:bodyPr wrap="square" lIns="45718" tIns="45718" rIns="45718" bIns="45718">
-            <a:spAutoFit/>
-          </a:bodyPr>
-          <a:lstStyle>
-            <a:lvl1pPr>
-              <a:defRPr sz="5400">
-                <a:latin typeface="方正超粗黑_GBK"/>
-                <a:ea typeface="方正超粗黑_GBK"/>
-                <a:cs typeface="方正超粗黑_GBK"/>
-                <a:sym typeface="方正超粗黑_GBK"/>
-              </a:defRPr>
-            </a:lvl1pPr>
-          </a:lstStyle>
-          <a:p>
-            <a:r>
-              <a:rPr dirty="0"/>
-              <a:t>Method-Level Similarity</a:t>
-            </a:r>
-          </a:p>
-        </p:txBody>
-      </p:sp>
-    </p:spTree>
-  </p:cSld>
-  <p:clrMapOvr>
-    <a:masterClrMapping/>
-  </p:clrMapOvr>
-  <p:transition spd="med"/>
-  <p:timing>
-    <p:tnLst>
-      <p:par>
-        <p:cTn id="1" dur="indefinite" restart="never" nodeType="tmRoot"/>
-      </p:par>
-    </p:tnLst>
-  </p:timing>
-</p:sld>
-</file>
-
-<file path=ppt/slides/slide21.xml><?xml version="1.0" encoding="utf-8"?>
-<p:sld xmlns:a="http://schemas.openxmlformats.org/drawingml/2006/main" xmlns:r="http://schemas.openxmlformats.org/officeDocument/2006/relationships" xmlns:p="http://schemas.openxmlformats.org/presentationml/2006/main">
-  <p:cSld>
-    <p:spTree>
-      <p:nvGrpSpPr>
-        <p:cNvPr id="1" name=""/>
-        <p:cNvGrpSpPr/>
-        <p:nvPr/>
-      </p:nvGrpSpPr>
-      <p:grpSpPr>
-        <a:xfrm>
-          <a:off x="0" y="0"/>
-          <a:ext cx="0" cy="0"/>
-          <a:chOff x="0" y="0"/>
-          <a:chExt cx="0" cy="0"/>
-        </a:xfrm>
-      </p:grpSpPr>
-      <p:sp>
-        <p:nvSpPr>
-          <p:cNvPr id="375" name="Shape 380"/>
-          <p:cNvSpPr/>
-          <p:nvPr/>
-        </p:nvSpPr>
-        <p:spPr>
-          <a:xfrm>
-            <a:off x="419100" y="0"/>
-            <a:ext cx="1208013" cy="1041622"/>
-          </a:xfrm>
-          <a:prstGeom prst="rect">
-            <a:avLst/>
-          </a:prstGeom>
-          <a:solidFill>
-            <a:srgbClr val="808080"/>
-          </a:solidFill>
-          <a:ln w="12700">
-            <a:miter lim="400000"/>
-          </a:ln>
-        </p:spPr>
-        <p:txBody>
-          <a:bodyPr lIns="45718" tIns="45718" rIns="45718" bIns="45718" anchor="ctr"/>
-          <a:lstStyle/>
-          <a:p>
-            <a:pPr algn="ctr">
-              <a:defRPr sz="1800" b="0"/>
-            </a:pPr>
-            <a:endParaRPr/>
-          </a:p>
-        </p:txBody>
-      </p:sp>
-      <p:sp>
-        <p:nvSpPr>
-          <p:cNvPr id="376" name="Shape 381"/>
-          <p:cNvSpPr txBox="1"/>
-          <p:nvPr/>
-        </p:nvSpPr>
-        <p:spPr>
-          <a:xfrm>
-            <a:off x="852221" y="202040"/>
-            <a:ext cx="434314" cy="637539"/>
-          </a:xfrm>
-          <a:prstGeom prst="rect">
-            <a:avLst/>
-          </a:prstGeom>
-          <a:ln w="12700">
-            <a:miter lim="400000"/>
-          </a:ln>
-          <a:extLst>
-            <a:ext uri="{C572A759-6A51-4108-AA02-DFA0A04FC94B}">
-              <ma14:wrappingTextBoxFlag xmlns="" xmlns:ma14="http://schemas.microsoft.com/office/mac/drawingml/2011/main" val="1"/>
+              <ma14:wrappingTextBoxFlag xmlns:ma14="http://schemas.microsoft.com/office/mac/drawingml/2011/main" xmlns="" val="1"/>
             </a:ext>
           </a:extLst>
         </p:spPr>
@@ -11848,7 +13585,7 @@
           </a:ln>
           <a:extLst>
             <a:ext uri="{C572A759-6A51-4108-AA02-DFA0A04FC94B}">
-              <ma14:wrappingTextBoxFlag xmlns="" xmlns:ma14="http://schemas.microsoft.com/office/mac/drawingml/2011/main" val="1"/>
+              <ma14:wrappingTextBoxFlag xmlns:ma14="http://schemas.microsoft.com/office/mac/drawingml/2011/main" xmlns="" val="1"/>
             </a:ext>
           </a:extLst>
         </p:spPr>
@@ -11895,7 +13632,7 @@
           </a:ln>
           <a:extLst>
             <a:ext uri="{C572A759-6A51-4108-AA02-DFA0A04FC94B}">
-              <ma14:wrappingTextBoxFlag xmlns="" xmlns:ma14="http://schemas.microsoft.com/office/mac/drawingml/2011/main" val="1"/>
+              <ma14:wrappingTextBoxFlag xmlns:ma14="http://schemas.microsoft.com/office/mac/drawingml/2011/main" xmlns="" val="1"/>
             </a:ext>
           </a:extLst>
         </p:spPr>
@@ -12006,7 +13743,7 @@
           </a:ln>
           <a:extLst>
             <a:ext uri="{C572A759-6A51-4108-AA02-DFA0A04FC94B}">
-              <ma14:wrappingTextBoxFlag xmlns="" xmlns:ma14="http://schemas.microsoft.com/office/mac/drawingml/2011/main" val="1"/>
+              <ma14:wrappingTextBoxFlag xmlns:ma14="http://schemas.microsoft.com/office/mac/drawingml/2011/main" xmlns="" val="1"/>
             </a:ext>
           </a:extLst>
         </p:spPr>
@@ -12271,964 +14008,6 @@
 </p:sld>
 </file>
 
-<file path=ppt/slides/slide22.xml><?xml version="1.0" encoding="utf-8"?>
-<p:sld xmlns:a="http://schemas.openxmlformats.org/drawingml/2006/main" xmlns:r="http://schemas.openxmlformats.org/officeDocument/2006/relationships" xmlns:p="http://schemas.openxmlformats.org/presentationml/2006/main">
-  <p:cSld>
-    <p:spTree>
-      <p:nvGrpSpPr>
-        <p:cNvPr id="1" name=""/>
-        <p:cNvGrpSpPr/>
-        <p:nvPr/>
-      </p:nvGrpSpPr>
-      <p:grpSpPr>
-        <a:xfrm>
-          <a:off x="0" y="0"/>
-          <a:ext cx="0" cy="0"/>
-          <a:chOff x="0" y="0"/>
-          <a:chExt cx="0" cy="0"/>
-        </a:xfrm>
-      </p:grpSpPr>
-      <p:sp>
-        <p:nvSpPr>
-          <p:cNvPr id="386" name="Shape 380"/>
-          <p:cNvSpPr/>
-          <p:nvPr/>
-        </p:nvSpPr>
-        <p:spPr>
-          <a:xfrm>
-            <a:off x="419100" y="0"/>
-            <a:ext cx="1208013" cy="1041622"/>
-          </a:xfrm>
-          <a:prstGeom prst="rect">
-            <a:avLst/>
-          </a:prstGeom>
-          <a:solidFill>
-            <a:srgbClr val="808080"/>
-          </a:solidFill>
-          <a:ln w="12700">
-            <a:miter lim="400000"/>
-          </a:ln>
-        </p:spPr>
-        <p:txBody>
-          <a:bodyPr lIns="45718" tIns="45718" rIns="45718" bIns="45718" anchor="ctr"/>
-          <a:lstStyle/>
-          <a:p>
-            <a:pPr algn="ctr">
-              <a:defRPr sz="1800" b="0"/>
-            </a:pPr>
-            <a:endParaRPr/>
-          </a:p>
-        </p:txBody>
-      </p:sp>
-      <p:sp>
-        <p:nvSpPr>
-          <p:cNvPr id="387" name="Shape 381"/>
-          <p:cNvSpPr txBox="1"/>
-          <p:nvPr/>
-        </p:nvSpPr>
-        <p:spPr>
-          <a:xfrm>
-            <a:off x="852221" y="202040"/>
-            <a:ext cx="434314" cy="637539"/>
-          </a:xfrm>
-          <a:prstGeom prst="rect">
-            <a:avLst/>
-          </a:prstGeom>
-          <a:ln w="12700">
-            <a:miter lim="400000"/>
-          </a:ln>
-          <a:extLst>
-            <a:ext uri="{C572A759-6A51-4108-AA02-DFA0A04FC94B}">
-              <ma14:wrappingTextBoxFlag xmlns="" xmlns:ma14="http://schemas.microsoft.com/office/mac/drawingml/2011/main" val="1"/>
-            </a:ext>
-          </a:extLst>
-        </p:spPr>
-        <p:txBody>
-          <a:bodyPr wrap="none" lIns="45718" tIns="45718" rIns="45718" bIns="45718">
-            <a:spAutoFit/>
-          </a:bodyPr>
-          <a:lstStyle>
-            <a:lvl1pPr>
-              <a:defRPr sz="3600">
-                <a:latin typeface="方正大黑_GBK"/>
-                <a:ea typeface="方正大黑_GBK"/>
-                <a:cs typeface="方正大黑_GBK"/>
-                <a:sym typeface="方正大黑_GBK"/>
-              </a:defRPr>
-            </a:lvl1pPr>
-          </a:lstStyle>
-          <a:p>
-            <a:r>
-              <a:t>C</a:t>
-            </a:r>
-          </a:p>
-        </p:txBody>
-      </p:sp>
-      <p:sp>
-        <p:nvSpPr>
-          <p:cNvPr id="388" name="Shape 382"/>
-          <p:cNvSpPr txBox="1"/>
-          <p:nvPr/>
-        </p:nvSpPr>
-        <p:spPr>
-          <a:xfrm>
-            <a:off x="1641019" y="694111"/>
-            <a:ext cx="2955189" cy="396239"/>
-          </a:xfrm>
-          <a:prstGeom prst="rect">
-            <a:avLst/>
-          </a:prstGeom>
-          <a:ln w="12700">
-            <a:miter lim="400000"/>
-          </a:ln>
-          <a:extLst>
-            <a:ext uri="{C572A759-6A51-4108-AA02-DFA0A04FC94B}">
-              <ma14:wrappingTextBoxFlag xmlns="" xmlns:ma14="http://schemas.microsoft.com/office/mac/drawingml/2011/main" val="1"/>
-            </a:ext>
-          </a:extLst>
-        </p:spPr>
-        <p:txBody>
-          <a:bodyPr wrap="none" lIns="45718" tIns="45718" rIns="45718" bIns="45718">
-            <a:spAutoFit/>
-          </a:bodyPr>
-          <a:lstStyle>
-            <a:lvl1pPr>
-              <a:defRPr>
-                <a:solidFill>
-                  <a:srgbClr val="808080"/>
-                </a:solidFill>
-                <a:latin typeface="微软雅黑"/>
-                <a:ea typeface="微软雅黑"/>
-                <a:cs typeface="微软雅黑"/>
-                <a:sym typeface="微软雅黑"/>
-              </a:defRPr>
-            </a:lvl1pPr>
-          </a:lstStyle>
-          <a:p>
-            <a:r>
-              <a:t>Method-Level Similarity</a:t>
-            </a:r>
-          </a:p>
-        </p:txBody>
-      </p:sp>
-      <p:sp>
-        <p:nvSpPr>
-          <p:cNvPr id="389" name="Application Similarity Degree (ASD)"/>
-          <p:cNvSpPr txBox="1"/>
-          <p:nvPr/>
-        </p:nvSpPr>
-        <p:spPr>
-          <a:xfrm>
-            <a:off x="1627113" y="1581695"/>
-            <a:ext cx="5345074" cy="485139"/>
-          </a:xfrm>
-          <a:prstGeom prst="rect">
-            <a:avLst/>
-          </a:prstGeom>
-          <a:ln w="12700">
-            <a:miter lim="400000"/>
-          </a:ln>
-          <a:extLst>
-            <a:ext uri="{C572A759-6A51-4108-AA02-DFA0A04FC94B}">
-              <ma14:wrappingTextBoxFlag xmlns="" xmlns:ma14="http://schemas.microsoft.com/office/mac/drawingml/2011/main" val="1"/>
-            </a:ext>
-          </a:extLst>
-        </p:spPr>
-        <p:txBody>
-          <a:bodyPr wrap="none" lIns="45718" tIns="45718" rIns="45718" bIns="45718">
-            <a:spAutoFit/>
-          </a:bodyPr>
-          <a:lstStyle>
-            <a:lvl1pPr algn="l" defTabSz="457200">
-              <a:lnSpc>
-                <a:spcPts val="4500"/>
-              </a:lnSpc>
-              <a:spcBef>
-                <a:spcPts val="1200"/>
-              </a:spcBef>
-              <a:defRPr sz="2600" b="0">
-                <a:solidFill>
-                  <a:srgbClr val="000000"/>
-                </a:solidFill>
-                <a:latin typeface="+mj-lt"/>
-                <a:ea typeface="+mj-ea"/>
-                <a:cs typeface="+mj-cs"/>
-                <a:sym typeface="Calibri Light"/>
-              </a:defRPr>
-            </a:lvl1pPr>
-          </a:lstStyle>
-          <a:p>
-            <a:r>
-              <a:t>Application Similarity Degree (ASD)</a:t>
-            </a:r>
-          </a:p>
-        </p:txBody>
-      </p:sp>
-      <p:pic>
-        <p:nvPicPr>
-          <p:cNvPr id="390" name="IMG_B7D23E4CE072-1.jpeg" descr="IMG_B7D23E4CE072-1.jpeg"/>
-          <p:cNvPicPr>
-            <a:picLocks noChangeAspect="1"/>
-          </p:cNvPicPr>
-          <p:nvPr/>
-        </p:nvPicPr>
-        <p:blipFill>
-          <a:blip r:embed="rId2">
-            <a:extLst/>
-          </a:blip>
-          <a:stretch>
-            <a:fillRect/>
-          </a:stretch>
-        </p:blipFill>
-        <p:spPr>
-          <a:xfrm>
-            <a:off x="2026144" y="2169228"/>
-            <a:ext cx="8222048" cy="3299389"/>
-          </a:xfrm>
-          <a:prstGeom prst="rect">
-            <a:avLst/>
-          </a:prstGeom>
-          <a:ln w="12700">
-            <a:miter lim="400000"/>
-          </a:ln>
-        </p:spPr>
-      </p:pic>
-    </p:spTree>
-  </p:cSld>
-  <p:clrMapOvr>
-    <a:masterClrMapping/>
-  </p:clrMapOvr>
-  <p:transition spd="med"/>
-  <p:timing>
-    <p:tnLst>
-      <p:par>
-        <p:cTn id="1" dur="indefinite" restart="never" nodeType="tmRoot"/>
-      </p:par>
-    </p:tnLst>
-  </p:timing>
-</p:sld>
-</file>
-
-<file path=ppt/slides/slide23.xml><?xml version="1.0" encoding="utf-8"?>
-<p:sld xmlns:a="http://schemas.openxmlformats.org/drawingml/2006/main" xmlns:r="http://schemas.openxmlformats.org/officeDocument/2006/relationships" xmlns:p="http://schemas.openxmlformats.org/presentationml/2006/main">
-  <p:cSld>
-    <p:spTree>
-      <p:nvGrpSpPr>
-        <p:cNvPr id="1" name=""/>
-        <p:cNvGrpSpPr/>
-        <p:nvPr/>
-      </p:nvGrpSpPr>
-      <p:grpSpPr>
-        <a:xfrm>
-          <a:off x="0" y="0"/>
-          <a:ext cx="0" cy="0"/>
-          <a:chOff x="0" y="0"/>
-          <a:chExt cx="0" cy="0"/>
-        </a:xfrm>
-      </p:grpSpPr>
-      <p:sp>
-        <p:nvSpPr>
-          <p:cNvPr id="392" name="Shape 380"/>
-          <p:cNvSpPr/>
-          <p:nvPr/>
-        </p:nvSpPr>
-        <p:spPr>
-          <a:xfrm>
-            <a:off x="419100" y="0"/>
-            <a:ext cx="1208013" cy="1041622"/>
-          </a:xfrm>
-          <a:prstGeom prst="rect">
-            <a:avLst/>
-          </a:prstGeom>
-          <a:solidFill>
-            <a:srgbClr val="808080"/>
-          </a:solidFill>
-          <a:ln w="12700">
-            <a:miter lim="400000"/>
-          </a:ln>
-        </p:spPr>
-        <p:txBody>
-          <a:bodyPr lIns="45718" tIns="45718" rIns="45718" bIns="45718" anchor="ctr"/>
-          <a:lstStyle/>
-          <a:p>
-            <a:pPr algn="ctr">
-              <a:defRPr sz="1800" b="0"/>
-            </a:pPr>
-            <a:endParaRPr/>
-          </a:p>
-        </p:txBody>
-      </p:sp>
-      <p:sp>
-        <p:nvSpPr>
-          <p:cNvPr id="393" name="Shape 381"/>
-          <p:cNvSpPr txBox="1"/>
-          <p:nvPr/>
-        </p:nvSpPr>
-        <p:spPr>
-          <a:xfrm>
-            <a:off x="852221" y="202040"/>
-            <a:ext cx="434314" cy="637539"/>
-          </a:xfrm>
-          <a:prstGeom prst="rect">
-            <a:avLst/>
-          </a:prstGeom>
-          <a:ln w="12700">
-            <a:miter lim="400000"/>
-          </a:ln>
-          <a:extLst>
-            <a:ext uri="{C572A759-6A51-4108-AA02-DFA0A04FC94B}">
-              <ma14:wrappingTextBoxFlag xmlns="" xmlns:ma14="http://schemas.microsoft.com/office/mac/drawingml/2011/main" val="1"/>
-            </a:ext>
-          </a:extLst>
-        </p:spPr>
-        <p:txBody>
-          <a:bodyPr wrap="none" lIns="45718" tIns="45718" rIns="45718" bIns="45718">
-            <a:spAutoFit/>
-          </a:bodyPr>
-          <a:lstStyle>
-            <a:lvl1pPr>
-              <a:defRPr sz="3600">
-                <a:latin typeface="方正大黑_GBK"/>
-                <a:ea typeface="方正大黑_GBK"/>
-                <a:cs typeface="方正大黑_GBK"/>
-                <a:sym typeface="方正大黑_GBK"/>
-              </a:defRPr>
-            </a:lvl1pPr>
-          </a:lstStyle>
-          <a:p>
-            <a:r>
-              <a:t>C</a:t>
-            </a:r>
-          </a:p>
-        </p:txBody>
-      </p:sp>
-      <p:sp>
-        <p:nvSpPr>
-          <p:cNvPr id="394" name="Shape 382"/>
-          <p:cNvSpPr txBox="1"/>
-          <p:nvPr/>
-        </p:nvSpPr>
-        <p:spPr>
-          <a:xfrm>
-            <a:off x="1641019" y="694111"/>
-            <a:ext cx="2955189" cy="396239"/>
-          </a:xfrm>
-          <a:prstGeom prst="rect">
-            <a:avLst/>
-          </a:prstGeom>
-          <a:ln w="12700">
-            <a:miter lim="400000"/>
-          </a:ln>
-          <a:extLst>
-            <a:ext uri="{C572A759-6A51-4108-AA02-DFA0A04FC94B}">
-              <ma14:wrappingTextBoxFlag xmlns="" xmlns:ma14="http://schemas.microsoft.com/office/mac/drawingml/2011/main" val="1"/>
-            </a:ext>
-          </a:extLst>
-        </p:spPr>
-        <p:txBody>
-          <a:bodyPr wrap="none" lIns="45718" tIns="45718" rIns="45718" bIns="45718">
-            <a:spAutoFit/>
-          </a:bodyPr>
-          <a:lstStyle>
-            <a:lvl1pPr>
-              <a:defRPr>
-                <a:solidFill>
-                  <a:srgbClr val="808080"/>
-                </a:solidFill>
-                <a:latin typeface="微软雅黑"/>
-                <a:ea typeface="微软雅黑"/>
-                <a:cs typeface="微软雅黑"/>
-                <a:sym typeface="微软雅黑"/>
-              </a:defRPr>
-            </a:lvl1pPr>
-          </a:lstStyle>
-          <a:p>
-            <a:r>
-              <a:t>Method-Level Similarity</a:t>
-            </a:r>
-          </a:p>
-        </p:txBody>
-      </p:sp>
-      <p:sp>
-        <p:nvSpPr>
-          <p:cNvPr id="395" name="Clone Group (C-Group)"/>
-          <p:cNvSpPr txBox="1"/>
-          <p:nvPr/>
-        </p:nvSpPr>
-        <p:spPr>
-          <a:xfrm>
-            <a:off x="1627113" y="1568633"/>
-            <a:ext cx="3578173" cy="485139"/>
-          </a:xfrm>
-          <a:prstGeom prst="rect">
-            <a:avLst/>
-          </a:prstGeom>
-          <a:ln w="12700">
-            <a:miter lim="400000"/>
-          </a:ln>
-          <a:extLst>
-            <a:ext uri="{C572A759-6A51-4108-AA02-DFA0A04FC94B}">
-              <ma14:wrappingTextBoxFlag xmlns="" xmlns:ma14="http://schemas.microsoft.com/office/mac/drawingml/2011/main" val="1"/>
-            </a:ext>
-          </a:extLst>
-        </p:spPr>
-        <p:txBody>
-          <a:bodyPr wrap="none" lIns="45718" tIns="45718" rIns="45718" bIns="45718">
-            <a:spAutoFit/>
-          </a:bodyPr>
-          <a:lstStyle>
-            <a:lvl1pPr algn="l" defTabSz="457200">
-              <a:lnSpc>
-                <a:spcPts val="4500"/>
-              </a:lnSpc>
-              <a:spcBef>
-                <a:spcPts val="1200"/>
-              </a:spcBef>
-              <a:defRPr sz="2600" b="0">
-                <a:solidFill>
-                  <a:srgbClr val="000000"/>
-                </a:solidFill>
-                <a:latin typeface="+mj-lt"/>
-                <a:ea typeface="+mj-ea"/>
-                <a:cs typeface="+mj-cs"/>
-                <a:sym typeface="Calibri Light"/>
-              </a:defRPr>
-            </a:lvl1pPr>
-          </a:lstStyle>
-          <a:p>
-            <a:r>
-              <a:t>Clone Group (C-Group)</a:t>
-            </a:r>
-          </a:p>
-        </p:txBody>
-      </p:sp>
-      <p:pic>
-        <p:nvPicPr>
-          <p:cNvPr id="396" name="Definition3.4.jpeg" descr="Definition3.4.jpeg"/>
-          <p:cNvPicPr>
-            <a:picLocks noChangeAspect="1"/>
-          </p:cNvPicPr>
-          <p:nvPr/>
-        </p:nvPicPr>
-        <p:blipFill>
-          <a:blip r:embed="rId2">
-            <a:extLst/>
-          </a:blip>
-          <a:stretch>
-            <a:fillRect/>
-          </a:stretch>
-        </p:blipFill>
-        <p:spPr>
-          <a:xfrm>
-            <a:off x="2301364" y="2084794"/>
-            <a:ext cx="7671608" cy="3702925"/>
-          </a:xfrm>
-          <a:prstGeom prst="rect">
-            <a:avLst/>
-          </a:prstGeom>
-          <a:ln w="12700">
-            <a:miter lim="400000"/>
-          </a:ln>
-        </p:spPr>
-      </p:pic>
-    </p:spTree>
-  </p:cSld>
-  <p:clrMapOvr>
-    <a:masterClrMapping/>
-  </p:clrMapOvr>
-  <p:transition spd="med"/>
-  <p:timing>
-    <p:tnLst>
-      <p:par>
-        <p:cTn id="1" dur="indefinite" restart="never" nodeType="tmRoot"/>
-      </p:par>
-    </p:tnLst>
-  </p:timing>
-</p:sld>
-</file>
-
-<file path=ppt/slides/slide24.xml><?xml version="1.0" encoding="utf-8"?>
-<p:sld xmlns:a="http://schemas.openxmlformats.org/drawingml/2006/main" xmlns:r="http://schemas.openxmlformats.org/officeDocument/2006/relationships" xmlns:p="http://schemas.openxmlformats.org/presentationml/2006/main">
-  <p:cSld>
-    <p:spTree>
-      <p:nvGrpSpPr>
-        <p:cNvPr id="1" name=""/>
-        <p:cNvGrpSpPr/>
-        <p:nvPr/>
-      </p:nvGrpSpPr>
-      <p:grpSpPr>
-        <a:xfrm>
-          <a:off x="0" y="0"/>
-          <a:ext cx="0" cy="0"/>
-          <a:chOff x="0" y="0"/>
-          <a:chExt cx="0" cy="0"/>
-        </a:xfrm>
-      </p:grpSpPr>
-      <p:sp>
-        <p:nvSpPr>
-          <p:cNvPr id="398" name="Shape 380"/>
-          <p:cNvSpPr/>
-          <p:nvPr/>
-        </p:nvSpPr>
-        <p:spPr>
-          <a:xfrm>
-            <a:off x="419100" y="0"/>
-            <a:ext cx="1208013" cy="1041622"/>
-          </a:xfrm>
-          <a:prstGeom prst="rect">
-            <a:avLst/>
-          </a:prstGeom>
-          <a:solidFill>
-            <a:srgbClr val="808080"/>
-          </a:solidFill>
-          <a:ln w="12700">
-            <a:miter lim="400000"/>
-          </a:ln>
-        </p:spPr>
-        <p:txBody>
-          <a:bodyPr lIns="45718" tIns="45718" rIns="45718" bIns="45718" anchor="ctr"/>
-          <a:lstStyle/>
-          <a:p>
-            <a:pPr algn="ctr">
-              <a:defRPr sz="1800" b="0"/>
-            </a:pPr>
-            <a:endParaRPr/>
-          </a:p>
-        </p:txBody>
-      </p:sp>
-      <p:sp>
-        <p:nvSpPr>
-          <p:cNvPr id="399" name="Shape 381"/>
-          <p:cNvSpPr txBox="1"/>
-          <p:nvPr/>
-        </p:nvSpPr>
-        <p:spPr>
-          <a:xfrm>
-            <a:off x="852221" y="202040"/>
-            <a:ext cx="434314" cy="637539"/>
-          </a:xfrm>
-          <a:prstGeom prst="rect">
-            <a:avLst/>
-          </a:prstGeom>
-          <a:ln w="12700">
-            <a:miter lim="400000"/>
-          </a:ln>
-          <a:extLst>
-            <a:ext uri="{C572A759-6A51-4108-AA02-DFA0A04FC94B}">
-              <ma14:wrappingTextBoxFlag xmlns="" xmlns:ma14="http://schemas.microsoft.com/office/mac/drawingml/2011/main" val="1"/>
-            </a:ext>
-          </a:extLst>
-        </p:spPr>
-        <p:txBody>
-          <a:bodyPr wrap="none" lIns="45718" tIns="45718" rIns="45718" bIns="45718">
-            <a:spAutoFit/>
-          </a:bodyPr>
-          <a:lstStyle>
-            <a:lvl1pPr>
-              <a:defRPr sz="3600">
-                <a:latin typeface="方正大黑_GBK"/>
-                <a:ea typeface="方正大黑_GBK"/>
-                <a:cs typeface="方正大黑_GBK"/>
-                <a:sym typeface="方正大黑_GBK"/>
-              </a:defRPr>
-            </a:lvl1pPr>
-          </a:lstStyle>
-          <a:p>
-            <a:r>
-              <a:t>C</a:t>
-            </a:r>
-          </a:p>
-        </p:txBody>
-      </p:sp>
-      <p:sp>
-        <p:nvSpPr>
-          <p:cNvPr id="400" name="Shape 382"/>
-          <p:cNvSpPr txBox="1"/>
-          <p:nvPr/>
-        </p:nvSpPr>
-        <p:spPr>
-          <a:xfrm>
-            <a:off x="1641019" y="694111"/>
-            <a:ext cx="2955189" cy="396239"/>
-          </a:xfrm>
-          <a:prstGeom prst="rect">
-            <a:avLst/>
-          </a:prstGeom>
-          <a:ln w="12700">
-            <a:miter lim="400000"/>
-          </a:ln>
-          <a:extLst>
-            <a:ext uri="{C572A759-6A51-4108-AA02-DFA0A04FC94B}">
-              <ma14:wrappingTextBoxFlag xmlns="" xmlns:ma14="http://schemas.microsoft.com/office/mac/drawingml/2011/main" val="1"/>
-            </a:ext>
-          </a:extLst>
-        </p:spPr>
-        <p:txBody>
-          <a:bodyPr wrap="none" lIns="45718" tIns="45718" rIns="45718" bIns="45718">
-            <a:spAutoFit/>
-          </a:bodyPr>
-          <a:lstStyle>
-            <a:lvl1pPr>
-              <a:defRPr>
-                <a:solidFill>
-                  <a:srgbClr val="808080"/>
-                </a:solidFill>
-                <a:latin typeface="微软雅黑"/>
-                <a:ea typeface="微软雅黑"/>
-                <a:cs typeface="微软雅黑"/>
-                <a:sym typeface="微软雅黑"/>
-              </a:defRPr>
-            </a:lvl1pPr>
-          </a:lstStyle>
-          <a:p>
-            <a:r>
-              <a:t>Method-Level Similarity</a:t>
-            </a:r>
-          </a:p>
-        </p:txBody>
-      </p:sp>
-      <p:sp>
-        <p:nvSpPr>
-          <p:cNvPr id="401" name="Implementation"/>
-          <p:cNvSpPr txBox="1"/>
-          <p:nvPr/>
-        </p:nvSpPr>
-        <p:spPr>
-          <a:xfrm>
-            <a:off x="1585945" y="1660070"/>
-            <a:ext cx="2379547" cy="485139"/>
-          </a:xfrm>
-          <a:prstGeom prst="rect">
-            <a:avLst/>
-          </a:prstGeom>
-          <a:ln w="12700">
-            <a:miter lim="400000"/>
-          </a:ln>
-          <a:extLst>
-            <a:ext uri="{C572A759-6A51-4108-AA02-DFA0A04FC94B}">
-              <ma14:wrappingTextBoxFlag xmlns="" xmlns:ma14="http://schemas.microsoft.com/office/mac/drawingml/2011/main" val="1"/>
-            </a:ext>
-          </a:extLst>
-        </p:spPr>
-        <p:txBody>
-          <a:bodyPr wrap="none" lIns="45718" tIns="45718" rIns="45718" bIns="45718">
-            <a:spAutoFit/>
-          </a:bodyPr>
-          <a:lstStyle>
-            <a:lvl1pPr algn="l" defTabSz="457200">
-              <a:lnSpc>
-                <a:spcPts val="4500"/>
-              </a:lnSpc>
-              <a:spcBef>
-                <a:spcPts val="1200"/>
-              </a:spcBef>
-              <a:defRPr sz="2600" b="0">
-                <a:solidFill>
-                  <a:srgbClr val="000000"/>
-                </a:solidFill>
-                <a:latin typeface="+mj-lt"/>
-                <a:ea typeface="+mj-ea"/>
-                <a:cs typeface="+mj-cs"/>
-                <a:sym typeface="Calibri Light"/>
-              </a:defRPr>
-            </a:lvl1pPr>
-          </a:lstStyle>
-          <a:p>
-            <a:r>
-              <a:rPr dirty="0"/>
-              <a:t>Implementation</a:t>
-            </a:r>
-          </a:p>
-        </p:txBody>
-      </p:sp>
-      <p:sp>
-        <p:nvSpPr>
-          <p:cNvPr id="402" name="(1) use a python script to download apps (APK files) from 5 Android markets…"/>
-          <p:cNvSpPr txBox="1"/>
-          <p:nvPr/>
-        </p:nvSpPr>
-        <p:spPr>
-          <a:xfrm>
-            <a:off x="1799632" y="2279465"/>
-            <a:ext cx="8592736" cy="3126739"/>
-          </a:xfrm>
-          <a:prstGeom prst="rect">
-            <a:avLst/>
-          </a:prstGeom>
-          <a:ln w="12700">
-            <a:miter lim="400000"/>
-          </a:ln>
-          <a:extLst>
-            <a:ext uri="{C572A759-6A51-4108-AA02-DFA0A04FC94B}">
-              <ma14:wrappingTextBoxFlag xmlns="" xmlns:ma14="http://schemas.microsoft.com/office/mac/drawingml/2011/main" val="1"/>
-            </a:ext>
-          </a:extLst>
-        </p:spPr>
-        <p:txBody>
-          <a:bodyPr lIns="45718" tIns="45718" rIns="45718" bIns="45718">
-            <a:spAutoFit/>
-          </a:bodyPr>
-          <a:lstStyle/>
-          <a:p>
-            <a:pPr algn="l" defTabSz="457200">
-              <a:lnSpc>
-                <a:spcPts val="4200"/>
-              </a:lnSpc>
-              <a:spcBef>
-                <a:spcPts val="1200"/>
-              </a:spcBef>
-              <a:defRPr sz="2400" b="0">
-                <a:solidFill>
-                  <a:srgbClr val="000000"/>
-                </a:solidFill>
-                <a:latin typeface="+mj-lt"/>
-                <a:ea typeface="+mj-ea"/>
-                <a:cs typeface="+mj-cs"/>
-                <a:sym typeface="Calibri Light"/>
-              </a:defRPr>
-            </a:pPr>
-            <a:r>
-              <a:rPr dirty="0"/>
-              <a:t>(1) use a python script to download apps (APK files) from 5 Android markets</a:t>
-            </a:r>
-          </a:p>
-          <a:p>
-            <a:pPr algn="l" defTabSz="457200">
-              <a:lnSpc>
-                <a:spcPts val="4200"/>
-              </a:lnSpc>
-              <a:spcBef>
-                <a:spcPts val="1200"/>
-              </a:spcBef>
-              <a:defRPr sz="2400" b="0">
-                <a:solidFill>
-                  <a:srgbClr val="000000"/>
-                </a:solidFill>
-                <a:latin typeface="+mj-lt"/>
-                <a:ea typeface="+mj-ea"/>
-                <a:cs typeface="+mj-cs"/>
-                <a:sym typeface="Calibri Light"/>
-              </a:defRPr>
-            </a:pPr>
-            <a:r>
-              <a:rPr dirty="0"/>
-              <a:t>(2) transform APK files to SMALL code using the tool called </a:t>
-            </a:r>
-            <a:r>
-              <a:rPr b="1" dirty="0" err="1"/>
-              <a:t>baksmali</a:t>
-            </a:r>
-            <a:endParaRPr b="1" dirty="0"/>
-          </a:p>
-          <a:p>
-            <a:pPr algn="l" defTabSz="457200">
-              <a:lnSpc>
-                <a:spcPts val="4200"/>
-              </a:lnSpc>
-              <a:spcBef>
-                <a:spcPts val="1200"/>
-              </a:spcBef>
-              <a:defRPr sz="2400" b="0">
-                <a:solidFill>
-                  <a:srgbClr val="000000"/>
-                </a:solidFill>
-                <a:latin typeface="+mj-lt"/>
-                <a:ea typeface="+mj-ea"/>
-                <a:cs typeface="+mj-cs"/>
-                <a:sym typeface="Calibri Light"/>
-              </a:defRPr>
-            </a:pPr>
-            <a:r>
-              <a:rPr dirty="0"/>
-              <a:t>(3) parse the SMALL code and generate 3D-CFGs</a:t>
-            </a:r>
-          </a:p>
-          <a:p>
-            <a:pPr algn="l" defTabSz="457200">
-              <a:lnSpc>
-                <a:spcPts val="4200"/>
-              </a:lnSpc>
-              <a:spcBef>
-                <a:spcPts val="1200"/>
-              </a:spcBef>
-              <a:defRPr sz="2400" b="0">
-                <a:solidFill>
-                  <a:srgbClr val="000000"/>
-                </a:solidFill>
-                <a:latin typeface="+mj-lt"/>
-                <a:ea typeface="+mj-ea"/>
-                <a:cs typeface="+mj-cs"/>
-                <a:sym typeface="Calibri Light"/>
-              </a:defRPr>
-            </a:pPr>
-            <a:r>
-              <a:rPr dirty="0"/>
-              <a:t>(4) give coordinates to the nodes in 3D-CDGs and compute the centroids and put centroids into database</a:t>
-            </a:r>
-          </a:p>
-        </p:txBody>
-      </p:sp>
-    </p:spTree>
-  </p:cSld>
-  <p:clrMapOvr>
-    <a:masterClrMapping/>
-  </p:clrMapOvr>
-  <p:transition spd="med"/>
-  <p:timing>
-    <p:tnLst>
-      <p:par>
-        <p:cTn id="1" dur="indefinite" restart="never" nodeType="tmRoot"/>
-      </p:par>
-    </p:tnLst>
-  </p:timing>
-</p:sld>
-</file>
-
-<file path=ppt/slides/slide25.xml><?xml version="1.0" encoding="utf-8"?>
-<p:sld xmlns:a="http://schemas.openxmlformats.org/drawingml/2006/main" xmlns:r="http://schemas.openxmlformats.org/officeDocument/2006/relationships" xmlns:p="http://schemas.openxmlformats.org/presentationml/2006/main">
-  <p:cSld>
-    <p:spTree>
-      <p:nvGrpSpPr>
-        <p:cNvPr id="1" name=""/>
-        <p:cNvGrpSpPr/>
-        <p:nvPr/>
-      </p:nvGrpSpPr>
-      <p:grpSpPr>
-        <a:xfrm>
-          <a:off x="0" y="0"/>
-          <a:ext cx="0" cy="0"/>
-          <a:chOff x="0" y="0"/>
-          <a:chExt cx="0" cy="0"/>
-        </a:xfrm>
-      </p:grpSpPr>
-      <p:sp>
-        <p:nvSpPr>
-          <p:cNvPr id="404" name="Shape 316"/>
-          <p:cNvSpPr/>
-          <p:nvPr/>
-        </p:nvSpPr>
-        <p:spPr>
-          <a:xfrm>
-            <a:off x="0" y="0"/>
-            <a:ext cx="12192000" cy="6858000"/>
-          </a:xfrm>
-          <a:prstGeom prst="rect">
-            <a:avLst/>
-          </a:prstGeom>
-          <a:solidFill>
-            <a:srgbClr val="7B80F7"/>
-          </a:solidFill>
-          <a:ln w="12700">
-            <a:miter lim="400000"/>
-          </a:ln>
-        </p:spPr>
-        <p:txBody>
-          <a:bodyPr lIns="45718" tIns="45718" rIns="45718" bIns="45718" anchor="ctr"/>
-          <a:lstStyle/>
-          <a:p>
-            <a:pPr algn="ctr">
-              <a:defRPr sz="1800" b="0">
-                <a:solidFill>
-                  <a:srgbClr val="31CDA8"/>
-                </a:solidFill>
-              </a:defRPr>
-            </a:pPr>
-            <a:endParaRPr/>
-          </a:p>
-        </p:txBody>
-      </p:sp>
-      <p:sp>
-        <p:nvSpPr>
-          <p:cNvPr id="405" name="Shape 474"/>
-          <p:cNvSpPr/>
-          <p:nvPr/>
-        </p:nvSpPr>
-        <p:spPr>
-          <a:xfrm>
-            <a:off x="4278830" y="2838450"/>
-            <a:ext cx="3634340" cy="1143000"/>
-          </a:xfrm>
-          <a:prstGeom prst="rect">
-            <a:avLst/>
-          </a:prstGeom>
-          <a:ln w="12700">
-            <a:solidFill>
-              <a:srgbClr val="FFFFFF"/>
-            </a:solidFill>
-            <a:miter/>
-          </a:ln>
-        </p:spPr>
-        <p:txBody>
-          <a:bodyPr lIns="45718" tIns="45718" rIns="45718" bIns="45718" anchor="ctr"/>
-          <a:lstStyle/>
-          <a:p>
-            <a:pPr algn="ctr">
-              <a:defRPr sz="1800" b="0"/>
-            </a:pPr>
-            <a:endParaRPr/>
-          </a:p>
-        </p:txBody>
-      </p:sp>
-      <p:sp>
-        <p:nvSpPr>
-          <p:cNvPr id="406" name="Shape 473"/>
-          <p:cNvSpPr txBox="1"/>
-          <p:nvPr/>
-        </p:nvSpPr>
-        <p:spPr>
-          <a:xfrm>
-            <a:off x="4310009" y="2970531"/>
-            <a:ext cx="3571983" cy="916939"/>
-          </a:xfrm>
-          <a:prstGeom prst="rect">
-            <a:avLst/>
-          </a:prstGeom>
-          <a:ln w="12700">
-            <a:miter lim="400000"/>
-          </a:ln>
-          <a:extLst>
-            <a:ext uri="{C572A759-6A51-4108-AA02-DFA0A04FC94B}">
-              <ma14:wrappingTextBoxFlag xmlns="" xmlns:ma14="http://schemas.microsoft.com/office/mac/drawingml/2011/main" val="1"/>
-            </a:ext>
-          </a:extLst>
-        </p:spPr>
-        <p:txBody>
-          <a:bodyPr wrap="none" lIns="45718" tIns="45718" rIns="45718" bIns="45718">
-            <a:spAutoFit/>
-          </a:bodyPr>
-          <a:lstStyle>
-            <a:lvl1pPr>
-              <a:defRPr sz="5400">
-                <a:latin typeface="方正超粗黑_GBK"/>
-                <a:ea typeface="方正超粗黑_GBK"/>
-                <a:cs typeface="方正超粗黑_GBK"/>
-                <a:sym typeface="方正超粗黑_GBK"/>
-              </a:defRPr>
-            </a:lvl1pPr>
-          </a:lstStyle>
-          <a:p>
-            <a:r>
-              <a:t>Evaluation</a:t>
-            </a:r>
-          </a:p>
-        </p:txBody>
-      </p:sp>
-    </p:spTree>
-  </p:cSld>
-  <p:clrMapOvr>
-    <a:masterClrMapping/>
-  </p:clrMapOvr>
-  <p:transition spd="med"/>
-  <p:timing>
-    <p:tnLst>
-      <p:par>
-        <p:cTn id="1" dur="indefinite" restart="never" nodeType="tmRoot"/>
-      </p:par>
-    </p:tnLst>
-  </p:timing>
-</p:sld>
-</file>
-
 <file path=ppt/slides/slide26.xml><?xml version="1.0" encoding="utf-8"?>
 <p:sld xmlns:a="http://schemas.openxmlformats.org/drawingml/2006/main" xmlns:r="http://schemas.openxmlformats.org/officeDocument/2006/relationships" xmlns:p="http://schemas.openxmlformats.org/presentationml/2006/main">
   <p:cSld>
@@ -13248,7 +14027,7 @@
       </p:grpSpPr>
       <p:sp>
         <p:nvSpPr>
-          <p:cNvPr id="408" name="Shape 380"/>
+          <p:cNvPr id="386" name="Shape 380"/>
           <p:cNvSpPr/>
           <p:nvPr/>
         </p:nvSpPr>
@@ -13261,7 +14040,7 @@
             <a:avLst/>
           </a:prstGeom>
           <a:solidFill>
-            <a:srgbClr val="7B81F7"/>
+            <a:srgbClr val="808080"/>
           </a:solidFill>
           <a:ln w="12700">
             <a:miter lim="400000"/>
@@ -13280,7 +14059,7 @@
       </p:sp>
       <p:sp>
         <p:nvSpPr>
-          <p:cNvPr id="409" name="Shape 381"/>
+          <p:cNvPr id="387" name="Shape 381"/>
           <p:cNvSpPr txBox="1"/>
           <p:nvPr/>
         </p:nvSpPr>
@@ -13297,7 +14076,7 @@
           </a:ln>
           <a:extLst>
             <a:ext uri="{C572A759-6A51-4108-AA02-DFA0A04FC94B}">
-              <ma14:wrappingTextBoxFlag xmlns="" xmlns:ma14="http://schemas.microsoft.com/office/mac/drawingml/2011/main" val="1"/>
+              <ma14:wrappingTextBoxFlag xmlns:ma14="http://schemas.microsoft.com/office/mac/drawingml/2011/main" xmlns="" val="1"/>
             </a:ext>
           </a:extLst>
         </p:spPr>
@@ -13317,21 +14096,21 @@
           </a:lstStyle>
           <a:p>
             <a:r>
-              <a:t>D</a:t>
-            </a:r>
-          </a:p>
-        </p:txBody>
-      </p:sp>
-      <p:sp>
-        <p:nvSpPr>
-          <p:cNvPr id="410" name="Shape 382"/>
+              <a:t>C</a:t>
+            </a:r>
+          </a:p>
+        </p:txBody>
+      </p:sp>
+      <p:sp>
+        <p:nvSpPr>
+          <p:cNvPr id="388" name="Shape 382"/>
           <p:cNvSpPr txBox="1"/>
           <p:nvPr/>
         </p:nvSpPr>
         <p:spPr>
           <a:xfrm>
             <a:off x="1641019" y="694111"/>
-            <a:ext cx="1388525" cy="396239"/>
+            <a:ext cx="2955189" cy="396239"/>
           </a:xfrm>
           <a:prstGeom prst="rect">
             <a:avLst/>
@@ -13341,7 +14120,7 @@
           </a:ln>
           <a:extLst>
             <a:ext uri="{C572A759-6A51-4108-AA02-DFA0A04FC94B}">
-              <ma14:wrappingTextBoxFlag xmlns="" xmlns:ma14="http://schemas.microsoft.com/office/mac/drawingml/2011/main" val="1"/>
+              <ma14:wrappingTextBoxFlag xmlns:ma14="http://schemas.microsoft.com/office/mac/drawingml/2011/main" xmlns="" val="1"/>
             </a:ext>
           </a:extLst>
         </p:spPr>
@@ -13353,7 +14132,7 @@
             <a:lvl1pPr>
               <a:defRPr>
                 <a:solidFill>
-                  <a:srgbClr val="7B81F7"/>
+                  <a:srgbClr val="808080"/>
                 </a:solidFill>
                 <a:latin typeface="微软雅黑"/>
                 <a:ea typeface="微软雅黑"/>
@@ -13364,21 +14143,21 @@
           </a:lstStyle>
           <a:p>
             <a:r>
-              <a:t>Evaluation</a:t>
-            </a:r>
-          </a:p>
-        </p:txBody>
-      </p:sp>
-      <p:sp>
-        <p:nvSpPr>
-          <p:cNvPr id="411" name="Among the 20292 apps…"/>
+              <a:t>Method-Level Similarity</a:t>
+            </a:r>
+          </a:p>
+        </p:txBody>
+      </p:sp>
+      <p:sp>
+        <p:nvSpPr>
+          <p:cNvPr id="389" name="Application Similarity Degree (ASD)"/>
           <p:cNvSpPr txBox="1"/>
           <p:nvPr/>
         </p:nvSpPr>
         <p:spPr>
           <a:xfrm>
-            <a:off x="1585945" y="1529444"/>
-            <a:ext cx="5165834" cy="4324257"/>
+            <a:off x="1627113" y="1581695"/>
+            <a:ext cx="5345074" cy="485139"/>
           </a:xfrm>
           <a:prstGeom prst="rect">
             <a:avLst/>
@@ -13388,7 +14167,7 @@
           </a:ln>
           <a:extLst>
             <a:ext uri="{C572A759-6A51-4108-AA02-DFA0A04FC94B}">
-              <ma14:wrappingTextBoxFlag xmlns="" xmlns:ma14="http://schemas.microsoft.com/office/mac/drawingml/2011/main" val="1"/>
+              <ma14:wrappingTextBoxFlag xmlns:ma14="http://schemas.microsoft.com/office/mac/drawingml/2011/main" xmlns="" val="1"/>
             </a:ext>
           </a:extLst>
         </p:spPr>
@@ -13396,9 +14175,8 @@
           <a:bodyPr wrap="none" lIns="45718" tIns="45718" rIns="45718" bIns="45718">
             <a:spAutoFit/>
           </a:bodyPr>
-          <a:lstStyle/>
-          <a:p>
-            <a:pPr algn="l" defTabSz="457200">
+          <a:lstStyle>
+            <a:lvl1pPr algn="l" defTabSz="457200">
               <a:lnSpc>
                 <a:spcPts val="4500"/>
               </a:lnSpc>
@@ -13414,161 +14192,44 @@
                 <a:cs typeface="+mj-cs"/>
                 <a:sym typeface="Calibri Light"/>
               </a:defRPr>
-            </a:pPr>
-            <a:r>
-              <a:t>Among the </a:t>
-            </a:r>
-            <a:r>
-              <a:rPr/>
-              <a:t>20292 </a:t>
-            </a:r>
-            <a:r>
-              <a:rPr smtClean="0"/>
-              <a:t>apps</a:t>
-            </a:r>
-            <a:endParaRPr/>
-          </a:p>
-          <a:p>
-            <a:pPr algn="l" defTabSz="457200">
-              <a:lnSpc>
-                <a:spcPts val="4500"/>
-              </a:lnSpc>
-              <a:spcBef>
-                <a:spcPts val="1200"/>
-              </a:spcBef>
-              <a:defRPr sz="2600" b="0">
-                <a:solidFill>
-                  <a:srgbClr val="000000"/>
-                </a:solidFill>
-                <a:latin typeface="+mj-lt"/>
-                <a:ea typeface="+mj-ea"/>
-                <a:cs typeface="+mj-cs"/>
-                <a:sym typeface="Calibri Light"/>
-              </a:defRPr>
-            </a:pPr>
-            <a:r>
-              <a:rPr dirty="0"/>
-              <a:t>1416 apps from the </a:t>
-            </a:r>
-            <a:r>
-              <a:rPr dirty="0" err="1"/>
-              <a:t>Pandaapp</a:t>
-            </a:r>
-            <a:r>
-              <a:rPr dirty="0"/>
-              <a:t> market</a:t>
-            </a:r>
-          </a:p>
-          <a:p>
-            <a:pPr algn="l" defTabSz="457200">
-              <a:lnSpc>
-                <a:spcPts val="4500"/>
-              </a:lnSpc>
-              <a:spcBef>
-                <a:spcPts val="1200"/>
-              </a:spcBef>
-              <a:defRPr sz="2600" b="0">
-                <a:solidFill>
-                  <a:srgbClr val="000000"/>
-                </a:solidFill>
-                <a:latin typeface="+mj-lt"/>
-                <a:ea typeface="+mj-ea"/>
-                <a:cs typeface="+mj-cs"/>
-                <a:sym typeface="Calibri Light"/>
-              </a:defRPr>
-            </a:pPr>
-            <a:r>
-              <a:rPr dirty="0"/>
-              <a:t>2022 apps from the </a:t>
-            </a:r>
-            <a:r>
-              <a:rPr dirty="0" err="1"/>
-              <a:t>Slideme</a:t>
-            </a:r>
-            <a:r>
-              <a:rPr dirty="0"/>
-              <a:t> market</a:t>
-            </a:r>
-          </a:p>
-          <a:p>
-            <a:pPr algn="l" defTabSz="457200">
-              <a:lnSpc>
-                <a:spcPts val="4500"/>
-              </a:lnSpc>
-              <a:spcBef>
-                <a:spcPts val="1200"/>
-              </a:spcBef>
-              <a:defRPr sz="2600" b="0">
-                <a:solidFill>
-                  <a:srgbClr val="000000"/>
-                </a:solidFill>
-                <a:latin typeface="+mj-lt"/>
-                <a:ea typeface="+mj-ea"/>
-                <a:cs typeface="+mj-cs"/>
-                <a:sym typeface="Calibri Light"/>
-              </a:defRPr>
-            </a:pPr>
-            <a:r>
-              <a:rPr dirty="0"/>
-              <a:t>9850 apps from the </a:t>
-            </a:r>
-            <a:r>
-              <a:rPr dirty="0" err="1"/>
-              <a:t>Anzhi</a:t>
-            </a:r>
-            <a:r>
-              <a:rPr dirty="0"/>
-              <a:t> market</a:t>
-            </a:r>
-          </a:p>
-          <a:p>
-            <a:pPr algn="l" defTabSz="457200">
-              <a:lnSpc>
-                <a:spcPts val="4500"/>
-              </a:lnSpc>
-              <a:spcBef>
-                <a:spcPts val="1200"/>
-              </a:spcBef>
-              <a:defRPr sz="2600" b="0">
-                <a:solidFill>
-                  <a:srgbClr val="000000"/>
-                </a:solidFill>
-                <a:latin typeface="+mj-lt"/>
-                <a:ea typeface="+mj-ea"/>
-                <a:cs typeface="+mj-cs"/>
-                <a:sym typeface="Calibri Light"/>
-              </a:defRPr>
-            </a:pPr>
-            <a:r>
-              <a:rPr dirty="0"/>
-              <a:t>4268 apps from the Dangle market</a:t>
-            </a:r>
-          </a:p>
-          <a:p>
-            <a:pPr algn="l" defTabSz="457200">
-              <a:lnSpc>
-                <a:spcPts val="4500"/>
-              </a:lnSpc>
-              <a:spcBef>
-                <a:spcPts val="1200"/>
-              </a:spcBef>
-              <a:defRPr sz="2600" b="0">
-                <a:solidFill>
-                  <a:srgbClr val="000000"/>
-                </a:solidFill>
-                <a:latin typeface="+mj-lt"/>
-                <a:ea typeface="+mj-ea"/>
-                <a:cs typeface="+mj-cs"/>
-                <a:sym typeface="Calibri Light"/>
-              </a:defRPr>
-            </a:pPr>
-            <a:r>
-              <a:rPr dirty="0"/>
-              <a:t>2736 apps from the Opera market</a:t>
-            </a:r>
-          </a:p>
-        </p:txBody>
-      </p:sp>
+            </a:lvl1pPr>
+          </a:lstStyle>
+          <a:p>
+            <a:r>
+              <a:t>Application Similarity Degree (ASD)</a:t>
+            </a:r>
+          </a:p>
+        </p:txBody>
+      </p:sp>
+      <p:pic>
+        <p:nvPicPr>
+          <p:cNvPr id="390" name="IMG_B7D23E4CE072-1.jpeg" descr="IMG_B7D23E4CE072-1.jpeg"/>
+          <p:cNvPicPr>
+            <a:picLocks noChangeAspect="1"/>
+          </p:cNvPicPr>
+          <p:nvPr/>
+        </p:nvPicPr>
+        <p:blipFill>
+          <a:blip r:embed="rId2">
+            <a:extLst/>
+          </a:blip>
+          <a:stretch>
+            <a:fillRect/>
+          </a:stretch>
+        </p:blipFill>
+        <p:spPr>
+          <a:xfrm>
+            <a:off x="2026144" y="2169228"/>
+            <a:ext cx="8222048" cy="3299389"/>
+          </a:xfrm>
+          <a:prstGeom prst="rect">
+            <a:avLst/>
+          </a:prstGeom>
+          <a:ln w="12700">
+            <a:miter lim="400000"/>
+          </a:ln>
+        </p:spPr>
+      </p:pic>
     </p:spTree>
   </p:cSld>
   <p:clrMapOvr>
@@ -13604,83 +14265,7 @@
       </p:grpSpPr>
       <p:sp>
         <p:nvSpPr>
-          <p:cNvPr id="413" name="Shape 382"/>
-          <p:cNvSpPr txBox="1"/>
-          <p:nvPr/>
-        </p:nvSpPr>
-        <p:spPr>
-          <a:xfrm>
-            <a:off x="1641019" y="694111"/>
-            <a:ext cx="1388525" cy="396239"/>
-          </a:xfrm>
-          <a:prstGeom prst="rect">
-            <a:avLst/>
-          </a:prstGeom>
-          <a:ln w="12700">
-            <a:miter lim="400000"/>
-          </a:ln>
-          <a:extLst>
-            <a:ext uri="{C572A759-6A51-4108-AA02-DFA0A04FC94B}">
-              <ma14:wrappingTextBoxFlag xmlns="" xmlns:ma14="http://schemas.microsoft.com/office/mac/drawingml/2011/main" val="1"/>
-            </a:ext>
-          </a:extLst>
-        </p:spPr>
-        <p:txBody>
-          <a:bodyPr wrap="none" lIns="45718" tIns="45718" rIns="45718" bIns="45718">
-            <a:spAutoFit/>
-          </a:bodyPr>
-          <a:lstStyle>
-            <a:lvl1pPr>
-              <a:defRPr>
-                <a:solidFill>
-                  <a:srgbClr val="7B81F7"/>
-                </a:solidFill>
-                <a:latin typeface="微软雅黑"/>
-                <a:ea typeface="微软雅黑"/>
-                <a:cs typeface="微软雅黑"/>
-                <a:sym typeface="微软雅黑"/>
-              </a:defRPr>
-            </a:lvl1pPr>
-          </a:lstStyle>
-          <a:p>
-            <a:r>
-              <a:t>Evaluation</a:t>
-            </a:r>
-          </a:p>
-        </p:txBody>
-      </p:sp>
-      <p:pic>
-        <p:nvPicPr>
-          <p:cNvPr id="414" name="Figure 4.jpeg" descr="Figure 4.jpeg"/>
-          <p:cNvPicPr>
-            <a:picLocks noChangeAspect="1"/>
-          </p:cNvPicPr>
-          <p:nvPr/>
-        </p:nvPicPr>
-        <p:blipFill>
-          <a:blip r:embed="rId2">
-            <a:extLst/>
-          </a:blip>
-          <a:stretch>
-            <a:fillRect/>
-          </a:stretch>
-        </p:blipFill>
-        <p:spPr>
-          <a:xfrm>
-            <a:off x="1663700" y="-94407"/>
-            <a:ext cx="8864600" cy="6502401"/>
-          </a:xfrm>
-          <a:prstGeom prst="rect">
-            <a:avLst/>
-          </a:prstGeom>
-          <a:ln w="12700">
-            <a:miter lim="400000"/>
-          </a:ln>
-        </p:spPr>
-      </p:pic>
-      <p:sp>
-        <p:nvSpPr>
-          <p:cNvPr id="415" name="Shape 380"/>
+          <p:cNvPr id="392" name="Shape 380"/>
           <p:cNvSpPr/>
           <p:nvPr/>
         </p:nvSpPr>
@@ -13693,7 +14278,7 @@
             <a:avLst/>
           </a:prstGeom>
           <a:solidFill>
-            <a:srgbClr val="7B81F7"/>
+            <a:srgbClr val="808080"/>
           </a:solidFill>
           <a:ln w="12700">
             <a:miter lim="400000"/>
@@ -13712,7 +14297,7 @@
       </p:sp>
       <p:sp>
         <p:nvSpPr>
-          <p:cNvPr id="416" name="Shape 381"/>
+          <p:cNvPr id="393" name="Shape 381"/>
           <p:cNvSpPr txBox="1"/>
           <p:nvPr/>
         </p:nvSpPr>
@@ -13729,7 +14314,7 @@
           </a:ln>
           <a:extLst>
             <a:ext uri="{C572A759-6A51-4108-AA02-DFA0A04FC94B}">
-              <ma14:wrappingTextBoxFlag xmlns="" xmlns:ma14="http://schemas.microsoft.com/office/mac/drawingml/2011/main" val="1"/>
+              <ma14:wrappingTextBoxFlag xmlns:ma14="http://schemas.microsoft.com/office/mac/drawingml/2011/main" xmlns="" val="1"/>
             </a:ext>
           </a:extLst>
         </p:spPr>
@@ -13749,11 +14334,140 @@
           </a:lstStyle>
           <a:p>
             <a:r>
-              <a:t>D</a:t>
-            </a:r>
-          </a:p>
-        </p:txBody>
-      </p:sp>
+              <a:t>C</a:t>
+            </a:r>
+          </a:p>
+        </p:txBody>
+      </p:sp>
+      <p:sp>
+        <p:nvSpPr>
+          <p:cNvPr id="394" name="Shape 382"/>
+          <p:cNvSpPr txBox="1"/>
+          <p:nvPr/>
+        </p:nvSpPr>
+        <p:spPr>
+          <a:xfrm>
+            <a:off x="1641019" y="694111"/>
+            <a:ext cx="2955189" cy="396239"/>
+          </a:xfrm>
+          <a:prstGeom prst="rect">
+            <a:avLst/>
+          </a:prstGeom>
+          <a:ln w="12700">
+            <a:miter lim="400000"/>
+          </a:ln>
+          <a:extLst>
+            <a:ext uri="{C572A759-6A51-4108-AA02-DFA0A04FC94B}">
+              <ma14:wrappingTextBoxFlag xmlns:ma14="http://schemas.microsoft.com/office/mac/drawingml/2011/main" xmlns="" val="1"/>
+            </a:ext>
+          </a:extLst>
+        </p:spPr>
+        <p:txBody>
+          <a:bodyPr wrap="none" lIns="45718" tIns="45718" rIns="45718" bIns="45718">
+            <a:spAutoFit/>
+          </a:bodyPr>
+          <a:lstStyle>
+            <a:lvl1pPr>
+              <a:defRPr>
+                <a:solidFill>
+                  <a:srgbClr val="808080"/>
+                </a:solidFill>
+                <a:latin typeface="微软雅黑"/>
+                <a:ea typeface="微软雅黑"/>
+                <a:cs typeface="微软雅黑"/>
+                <a:sym typeface="微软雅黑"/>
+              </a:defRPr>
+            </a:lvl1pPr>
+          </a:lstStyle>
+          <a:p>
+            <a:r>
+              <a:t>Method-Level Similarity</a:t>
+            </a:r>
+          </a:p>
+        </p:txBody>
+      </p:sp>
+      <p:sp>
+        <p:nvSpPr>
+          <p:cNvPr id="395" name="Clone Group (C-Group)"/>
+          <p:cNvSpPr txBox="1"/>
+          <p:nvPr/>
+        </p:nvSpPr>
+        <p:spPr>
+          <a:xfrm>
+            <a:off x="1627113" y="1568633"/>
+            <a:ext cx="3578173" cy="485139"/>
+          </a:xfrm>
+          <a:prstGeom prst="rect">
+            <a:avLst/>
+          </a:prstGeom>
+          <a:ln w="12700">
+            <a:miter lim="400000"/>
+          </a:ln>
+          <a:extLst>
+            <a:ext uri="{C572A759-6A51-4108-AA02-DFA0A04FC94B}">
+              <ma14:wrappingTextBoxFlag xmlns:ma14="http://schemas.microsoft.com/office/mac/drawingml/2011/main" xmlns="" val="1"/>
+            </a:ext>
+          </a:extLst>
+        </p:spPr>
+        <p:txBody>
+          <a:bodyPr wrap="none" lIns="45718" tIns="45718" rIns="45718" bIns="45718">
+            <a:spAutoFit/>
+          </a:bodyPr>
+          <a:lstStyle>
+            <a:lvl1pPr algn="l" defTabSz="457200">
+              <a:lnSpc>
+                <a:spcPts val="4500"/>
+              </a:lnSpc>
+              <a:spcBef>
+                <a:spcPts val="1200"/>
+              </a:spcBef>
+              <a:defRPr sz="2600" b="0">
+                <a:solidFill>
+                  <a:srgbClr val="000000"/>
+                </a:solidFill>
+                <a:latin typeface="+mj-lt"/>
+                <a:ea typeface="+mj-ea"/>
+                <a:cs typeface="+mj-cs"/>
+                <a:sym typeface="Calibri Light"/>
+              </a:defRPr>
+            </a:lvl1pPr>
+          </a:lstStyle>
+          <a:p>
+            <a:r>
+              <a:t>Clone Group (C-Group)</a:t>
+            </a:r>
+          </a:p>
+        </p:txBody>
+      </p:sp>
+      <p:pic>
+        <p:nvPicPr>
+          <p:cNvPr id="396" name="Definition3.4.jpeg" descr="Definition3.4.jpeg"/>
+          <p:cNvPicPr>
+            <a:picLocks noChangeAspect="1"/>
+          </p:cNvPicPr>
+          <p:nvPr/>
+        </p:nvPicPr>
+        <p:blipFill>
+          <a:blip r:embed="rId2">
+            <a:extLst/>
+          </a:blip>
+          <a:stretch>
+            <a:fillRect/>
+          </a:stretch>
+        </p:blipFill>
+        <p:spPr>
+          <a:xfrm>
+            <a:off x="2301364" y="2084794"/>
+            <a:ext cx="7671608" cy="3702925"/>
+          </a:xfrm>
+          <a:prstGeom prst="rect">
+            <a:avLst/>
+          </a:prstGeom>
+          <a:ln w="12700">
+            <a:miter lim="400000"/>
+          </a:ln>
+        </p:spPr>
+      </p:pic>
     </p:spTree>
   </p:cSld>
   <p:clrMapOvr>
@@ -13789,83 +14503,7 @@
       </p:grpSpPr>
       <p:sp>
         <p:nvSpPr>
-          <p:cNvPr id="418" name="Shape 382"/>
-          <p:cNvSpPr txBox="1"/>
-          <p:nvPr/>
-        </p:nvSpPr>
-        <p:spPr>
-          <a:xfrm>
-            <a:off x="1641019" y="694111"/>
-            <a:ext cx="1388525" cy="396239"/>
-          </a:xfrm>
-          <a:prstGeom prst="rect">
-            <a:avLst/>
-          </a:prstGeom>
-          <a:ln w="12700">
-            <a:miter lim="400000"/>
-          </a:ln>
-          <a:extLst>
-            <a:ext uri="{C572A759-6A51-4108-AA02-DFA0A04FC94B}">
-              <ma14:wrappingTextBoxFlag xmlns="" xmlns:ma14="http://schemas.microsoft.com/office/mac/drawingml/2011/main" val="1"/>
-            </a:ext>
-          </a:extLst>
-        </p:spPr>
-        <p:txBody>
-          <a:bodyPr wrap="none" lIns="45718" tIns="45718" rIns="45718" bIns="45718">
-            <a:spAutoFit/>
-          </a:bodyPr>
-          <a:lstStyle>
-            <a:lvl1pPr>
-              <a:defRPr>
-                <a:solidFill>
-                  <a:srgbClr val="7B81F7"/>
-                </a:solidFill>
-                <a:latin typeface="微软雅黑"/>
-                <a:ea typeface="微软雅黑"/>
-                <a:cs typeface="微软雅黑"/>
-                <a:sym typeface="微软雅黑"/>
-              </a:defRPr>
-            </a:lvl1pPr>
-          </a:lstStyle>
-          <a:p>
-            <a:r>
-              <a:t>Evaluation</a:t>
-            </a:r>
-          </a:p>
-        </p:txBody>
-      </p:sp>
-      <p:pic>
-        <p:nvPicPr>
-          <p:cNvPr id="419" name="Evaluation.jpeg" descr="Evaluation.jpeg"/>
-          <p:cNvPicPr>
-            <a:picLocks noChangeAspect="1"/>
-          </p:cNvPicPr>
-          <p:nvPr/>
-        </p:nvPicPr>
-        <p:blipFill>
-          <a:blip r:embed="rId2">
-            <a:extLst/>
-          </a:blip>
-          <a:stretch>
-            <a:fillRect/>
-          </a:stretch>
-        </p:blipFill>
-        <p:spPr>
-          <a:xfrm>
-            <a:off x="1664806" y="410091"/>
-            <a:ext cx="8862388" cy="5947607"/>
-          </a:xfrm>
-          <a:prstGeom prst="rect">
-            <a:avLst/>
-          </a:prstGeom>
-          <a:ln w="12700">
-            <a:miter lim="400000"/>
-          </a:ln>
-        </p:spPr>
-      </p:pic>
-      <p:sp>
-        <p:nvSpPr>
-          <p:cNvPr id="420" name="Shape 380"/>
+          <p:cNvPr id="398" name="Shape 380"/>
           <p:cNvSpPr/>
           <p:nvPr/>
         </p:nvSpPr>
@@ -13878,7 +14516,7 @@
             <a:avLst/>
           </a:prstGeom>
           <a:solidFill>
-            <a:srgbClr val="7B81F7"/>
+            <a:srgbClr val="808080"/>
           </a:solidFill>
           <a:ln w="12700">
             <a:miter lim="400000"/>
@@ -13897,7 +14535,7 @@
       </p:sp>
       <p:sp>
         <p:nvSpPr>
-          <p:cNvPr id="421" name="Shape 381"/>
+          <p:cNvPr id="399" name="Shape 381"/>
           <p:cNvSpPr txBox="1"/>
           <p:nvPr/>
         </p:nvSpPr>
@@ -13914,7 +14552,7 @@
           </a:ln>
           <a:extLst>
             <a:ext uri="{C572A759-6A51-4108-AA02-DFA0A04FC94B}">
-              <ma14:wrappingTextBoxFlag xmlns="" xmlns:ma14="http://schemas.microsoft.com/office/mac/drawingml/2011/main" val="1"/>
+              <ma14:wrappingTextBoxFlag xmlns:ma14="http://schemas.microsoft.com/office/mac/drawingml/2011/main" xmlns="" val="1"/>
             </a:ext>
           </a:extLst>
         </p:spPr>
@@ -13934,7 +14572,235 @@
           </a:lstStyle>
           <a:p>
             <a:r>
-              <a:t>D</a:t>
+              <a:t>C</a:t>
+            </a:r>
+          </a:p>
+        </p:txBody>
+      </p:sp>
+      <p:sp>
+        <p:nvSpPr>
+          <p:cNvPr id="400" name="Shape 382"/>
+          <p:cNvSpPr txBox="1"/>
+          <p:nvPr/>
+        </p:nvSpPr>
+        <p:spPr>
+          <a:xfrm>
+            <a:off x="1641019" y="694111"/>
+            <a:ext cx="2955189" cy="396239"/>
+          </a:xfrm>
+          <a:prstGeom prst="rect">
+            <a:avLst/>
+          </a:prstGeom>
+          <a:ln w="12700">
+            <a:miter lim="400000"/>
+          </a:ln>
+          <a:extLst>
+            <a:ext uri="{C572A759-6A51-4108-AA02-DFA0A04FC94B}">
+              <ma14:wrappingTextBoxFlag xmlns:ma14="http://schemas.microsoft.com/office/mac/drawingml/2011/main" xmlns="" val="1"/>
+            </a:ext>
+          </a:extLst>
+        </p:spPr>
+        <p:txBody>
+          <a:bodyPr wrap="none" lIns="45718" tIns="45718" rIns="45718" bIns="45718">
+            <a:spAutoFit/>
+          </a:bodyPr>
+          <a:lstStyle>
+            <a:lvl1pPr>
+              <a:defRPr>
+                <a:solidFill>
+                  <a:srgbClr val="808080"/>
+                </a:solidFill>
+                <a:latin typeface="微软雅黑"/>
+                <a:ea typeface="微软雅黑"/>
+                <a:cs typeface="微软雅黑"/>
+                <a:sym typeface="微软雅黑"/>
+              </a:defRPr>
+            </a:lvl1pPr>
+          </a:lstStyle>
+          <a:p>
+            <a:r>
+              <a:t>Method-Level Similarity</a:t>
+            </a:r>
+          </a:p>
+        </p:txBody>
+      </p:sp>
+      <p:sp>
+        <p:nvSpPr>
+          <p:cNvPr id="401" name="Implementation"/>
+          <p:cNvSpPr txBox="1"/>
+          <p:nvPr/>
+        </p:nvSpPr>
+        <p:spPr>
+          <a:xfrm>
+            <a:off x="1585945" y="1660070"/>
+            <a:ext cx="2379547" cy="485139"/>
+          </a:xfrm>
+          <a:prstGeom prst="rect">
+            <a:avLst/>
+          </a:prstGeom>
+          <a:ln w="12700">
+            <a:miter lim="400000"/>
+          </a:ln>
+          <a:extLst>
+            <a:ext uri="{C572A759-6A51-4108-AA02-DFA0A04FC94B}">
+              <ma14:wrappingTextBoxFlag xmlns:ma14="http://schemas.microsoft.com/office/mac/drawingml/2011/main" xmlns="" val="1"/>
+            </a:ext>
+          </a:extLst>
+        </p:spPr>
+        <p:txBody>
+          <a:bodyPr wrap="none" lIns="45718" tIns="45718" rIns="45718" bIns="45718">
+            <a:spAutoFit/>
+          </a:bodyPr>
+          <a:lstStyle>
+            <a:lvl1pPr algn="l" defTabSz="457200">
+              <a:lnSpc>
+                <a:spcPts val="4500"/>
+              </a:lnSpc>
+              <a:spcBef>
+                <a:spcPts val="1200"/>
+              </a:spcBef>
+              <a:defRPr sz="2600" b="0">
+                <a:solidFill>
+                  <a:srgbClr val="000000"/>
+                </a:solidFill>
+                <a:latin typeface="+mj-lt"/>
+                <a:ea typeface="+mj-ea"/>
+                <a:cs typeface="+mj-cs"/>
+                <a:sym typeface="Calibri Light"/>
+              </a:defRPr>
+            </a:lvl1pPr>
+          </a:lstStyle>
+          <a:p>
+            <a:r>
+              <a:rPr dirty="0"/>
+              <a:t>Implementation</a:t>
+            </a:r>
+          </a:p>
+        </p:txBody>
+      </p:sp>
+      <p:sp>
+        <p:nvSpPr>
+          <p:cNvPr id="402" name="(1) use a python script to download apps (APK files) from 5 Android markets…"/>
+          <p:cNvSpPr txBox="1"/>
+          <p:nvPr/>
+        </p:nvSpPr>
+        <p:spPr>
+          <a:xfrm>
+            <a:off x="1799632" y="2279465"/>
+            <a:ext cx="8592736" cy="3126739"/>
+          </a:xfrm>
+          <a:prstGeom prst="rect">
+            <a:avLst/>
+          </a:prstGeom>
+          <a:ln w="12700">
+            <a:miter lim="400000"/>
+          </a:ln>
+          <a:extLst>
+            <a:ext uri="{C572A759-6A51-4108-AA02-DFA0A04FC94B}">
+              <ma14:wrappingTextBoxFlag xmlns:ma14="http://schemas.microsoft.com/office/mac/drawingml/2011/main" xmlns="" val="1"/>
+            </a:ext>
+          </a:extLst>
+        </p:spPr>
+        <p:txBody>
+          <a:bodyPr lIns="45718" tIns="45718" rIns="45718" bIns="45718">
+            <a:spAutoFit/>
+          </a:bodyPr>
+          <a:lstStyle/>
+          <a:p>
+            <a:pPr algn="l" defTabSz="457200">
+              <a:lnSpc>
+                <a:spcPts val="4200"/>
+              </a:lnSpc>
+              <a:spcBef>
+                <a:spcPts val="1200"/>
+              </a:spcBef>
+              <a:defRPr sz="2400" b="0">
+                <a:solidFill>
+                  <a:srgbClr val="000000"/>
+                </a:solidFill>
+                <a:latin typeface="+mj-lt"/>
+                <a:ea typeface="+mj-ea"/>
+                <a:cs typeface="+mj-cs"/>
+                <a:sym typeface="Calibri Light"/>
+              </a:defRPr>
+            </a:pPr>
+            <a:r>
+              <a:rPr dirty="0"/>
+              <a:t>(1) use a python script to download apps (APK files) from 5 Android markets</a:t>
+            </a:r>
+          </a:p>
+          <a:p>
+            <a:pPr algn="l" defTabSz="457200">
+              <a:lnSpc>
+                <a:spcPts val="4200"/>
+              </a:lnSpc>
+              <a:spcBef>
+                <a:spcPts val="1200"/>
+              </a:spcBef>
+              <a:defRPr sz="2400" b="0">
+                <a:solidFill>
+                  <a:srgbClr val="000000"/>
+                </a:solidFill>
+                <a:latin typeface="+mj-lt"/>
+                <a:ea typeface="+mj-ea"/>
+                <a:cs typeface="+mj-cs"/>
+                <a:sym typeface="Calibri Light"/>
+              </a:defRPr>
+            </a:pPr>
+            <a:r>
+              <a:rPr dirty="0"/>
+              <a:t>(2) transform APK files to SMALL code using the tool called </a:t>
+            </a:r>
+            <a:r>
+              <a:rPr b="1" dirty="0" err="1"/>
+              <a:t>baksmali</a:t>
+            </a:r>
+            <a:endParaRPr b="1" dirty="0"/>
+          </a:p>
+          <a:p>
+            <a:pPr algn="l" defTabSz="457200">
+              <a:lnSpc>
+                <a:spcPts val="4200"/>
+              </a:lnSpc>
+              <a:spcBef>
+                <a:spcPts val="1200"/>
+              </a:spcBef>
+              <a:defRPr sz="2400" b="0">
+                <a:solidFill>
+                  <a:srgbClr val="000000"/>
+                </a:solidFill>
+                <a:latin typeface="+mj-lt"/>
+                <a:ea typeface="+mj-ea"/>
+                <a:cs typeface="+mj-cs"/>
+                <a:sym typeface="Calibri Light"/>
+              </a:defRPr>
+            </a:pPr>
+            <a:r>
+              <a:rPr dirty="0"/>
+              <a:t>(3) parse the SMALL code and generate 3D-CFGs</a:t>
+            </a:r>
+          </a:p>
+          <a:p>
+            <a:pPr algn="l" defTabSz="457200">
+              <a:lnSpc>
+                <a:spcPts val="4200"/>
+              </a:lnSpc>
+              <a:spcBef>
+                <a:spcPts val="1200"/>
+              </a:spcBef>
+              <a:defRPr sz="2400" b="0">
+                <a:solidFill>
+                  <a:srgbClr val="000000"/>
+                </a:solidFill>
+                <a:latin typeface="+mj-lt"/>
+                <a:ea typeface="+mj-ea"/>
+                <a:cs typeface="+mj-cs"/>
+                <a:sym typeface="Calibri Light"/>
+              </a:defRPr>
+            </a:pPr>
+            <a:r>
+              <a:rPr dirty="0"/>
+              <a:t>(4) give coordinates to the nodes in 3D-CDGs and compute the centroids and put centroids into database</a:t>
             </a:r>
           </a:p>
         </p:txBody>
@@ -13974,24 +14840,92 @@
       </p:grpSpPr>
       <p:sp>
         <p:nvSpPr>
-          <p:cNvPr id="423" name="Shape 382"/>
-          <p:cNvSpPr txBox="1"/>
-          <p:nvPr/>
-        </p:nvSpPr>
-        <p:spPr>
-          <a:xfrm>
-            <a:off x="1641019" y="694111"/>
-            <a:ext cx="1388525" cy="396239"/>
-          </a:xfrm>
-          <a:prstGeom prst="rect">
-            <a:avLst/>
-          </a:prstGeom>
+          <p:cNvPr id="404" name="Shape 316"/>
+          <p:cNvSpPr/>
+          <p:nvPr/>
+        </p:nvSpPr>
+        <p:spPr>
+          <a:xfrm>
+            <a:off x="0" y="0"/>
+            <a:ext cx="12192000" cy="6858000"/>
+          </a:xfrm>
+          <a:prstGeom prst="rect">
+            <a:avLst/>
+          </a:prstGeom>
+          <a:solidFill>
+            <a:srgbClr val="7B80F7"/>
+          </a:solidFill>
           <a:ln w="12700">
             <a:miter lim="400000"/>
           </a:ln>
+        </p:spPr>
+        <p:txBody>
+          <a:bodyPr lIns="45718" tIns="45718" rIns="45718" bIns="45718" anchor="ctr"/>
+          <a:lstStyle/>
+          <a:p>
+            <a:pPr algn="ctr">
+              <a:defRPr sz="1800" b="0">
+                <a:solidFill>
+                  <a:srgbClr val="31CDA8"/>
+                </a:solidFill>
+              </a:defRPr>
+            </a:pPr>
+            <a:endParaRPr/>
+          </a:p>
+        </p:txBody>
+      </p:sp>
+      <p:sp>
+        <p:nvSpPr>
+          <p:cNvPr id="405" name="Shape 474"/>
+          <p:cNvSpPr/>
+          <p:nvPr/>
+        </p:nvSpPr>
+        <p:spPr>
+          <a:xfrm>
+            <a:off x="4278830" y="2838450"/>
+            <a:ext cx="3634340" cy="1143000"/>
+          </a:xfrm>
+          <a:prstGeom prst="rect">
+            <a:avLst/>
+          </a:prstGeom>
+          <a:ln w="12700">
+            <a:solidFill>
+              <a:srgbClr val="FFFFFF"/>
+            </a:solidFill>
+            <a:miter/>
+          </a:ln>
+        </p:spPr>
+        <p:txBody>
+          <a:bodyPr lIns="45718" tIns="45718" rIns="45718" bIns="45718" anchor="ctr"/>
+          <a:lstStyle/>
+          <a:p>
+            <a:pPr algn="ctr">
+              <a:defRPr sz="1800" b="0"/>
+            </a:pPr>
+            <a:endParaRPr/>
+          </a:p>
+        </p:txBody>
+      </p:sp>
+      <p:sp>
+        <p:nvSpPr>
+          <p:cNvPr id="406" name="Shape 473"/>
+          <p:cNvSpPr txBox="1"/>
+          <p:nvPr/>
+        </p:nvSpPr>
+        <p:spPr>
+          <a:xfrm>
+            <a:off x="4310009" y="2970531"/>
+            <a:ext cx="3571983" cy="916939"/>
+          </a:xfrm>
+          <a:prstGeom prst="rect">
+            <a:avLst/>
+          </a:prstGeom>
+          <a:ln w="12700">
+            <a:miter lim="400000"/>
+          </a:ln>
           <a:extLst>
             <a:ext uri="{C572A759-6A51-4108-AA02-DFA0A04FC94B}">
-              <ma14:wrappingTextBoxFlag xmlns="" xmlns:ma14="http://schemas.microsoft.com/office/mac/drawingml/2011/main" val="1"/>
+              <ma14:wrappingTextBoxFlag xmlns:ma14="http://schemas.microsoft.com/office/mac/drawingml/2011/main" xmlns="" val="1"/>
             </a:ext>
           </a:extLst>
         </p:spPr>
@@ -14001,249 +14935,17 @@
           </a:bodyPr>
           <a:lstStyle>
             <a:lvl1pPr>
-              <a:defRPr>
-                <a:solidFill>
-                  <a:srgbClr val="7B81F7"/>
-                </a:solidFill>
-                <a:latin typeface="微软雅黑"/>
-                <a:ea typeface="微软雅黑"/>
-                <a:cs typeface="微软雅黑"/>
-                <a:sym typeface="微软雅黑"/>
+              <a:defRPr sz="5400">
+                <a:latin typeface="方正超粗黑_GBK"/>
+                <a:ea typeface="方正超粗黑_GBK"/>
+                <a:cs typeface="方正超粗黑_GBK"/>
+                <a:sym typeface="方正超粗黑_GBK"/>
               </a:defRPr>
             </a:lvl1pPr>
           </a:lstStyle>
           <a:p>
             <a:r>
               <a:t>Evaluation</a:t>
-            </a:r>
-          </a:p>
-        </p:txBody>
-      </p:sp>
-      <p:sp>
-        <p:nvSpPr>
-          <p:cNvPr id="424" name="Limitation…"/>
-          <p:cNvSpPr txBox="1"/>
-          <p:nvPr/>
-        </p:nvSpPr>
-        <p:spPr>
-          <a:xfrm>
-            <a:off x="1627113" y="1090350"/>
-            <a:ext cx="9020110" cy="3850639"/>
-          </a:xfrm>
-          <a:prstGeom prst="rect">
-            <a:avLst/>
-          </a:prstGeom>
-          <a:ln w="12700">
-            <a:miter lim="400000"/>
-          </a:ln>
-          <a:extLst>
-            <a:ext uri="{C572A759-6A51-4108-AA02-DFA0A04FC94B}">
-              <ma14:wrappingTextBoxFlag xmlns="" xmlns:ma14="http://schemas.microsoft.com/office/mac/drawingml/2011/main" val="1"/>
-            </a:ext>
-          </a:extLst>
-        </p:spPr>
-        <p:txBody>
-          <a:bodyPr lIns="45718" tIns="45718" rIns="45718" bIns="45718">
-            <a:spAutoFit/>
-          </a:bodyPr>
-          <a:lstStyle/>
-          <a:p>
-            <a:pPr algn="l" defTabSz="457200">
-              <a:lnSpc>
-                <a:spcPts val="4500"/>
-              </a:lnSpc>
-              <a:spcBef>
-                <a:spcPts val="1200"/>
-              </a:spcBef>
-              <a:defRPr sz="2600" b="0">
-                <a:solidFill>
-                  <a:srgbClr val="000000"/>
-                </a:solidFill>
-                <a:latin typeface="+mj-lt"/>
-                <a:ea typeface="+mj-ea"/>
-                <a:cs typeface="+mj-cs"/>
-                <a:sym typeface="Calibri Light"/>
-              </a:defRPr>
-            </a:pPr>
-            <a:r>
-              <a:rPr dirty="0"/>
-              <a:t>Limitation</a:t>
-            </a:r>
-          </a:p>
-          <a:p>
-            <a:pPr marL="434473" indent="-434473" algn="l" defTabSz="457200">
-              <a:lnSpc>
-                <a:spcPts val="4500"/>
-              </a:lnSpc>
-              <a:spcBef>
-                <a:spcPts val="1200"/>
-              </a:spcBef>
-              <a:buSzPct val="100000"/>
-              <a:buAutoNum type="arabicParenBoth"/>
-              <a:defRPr sz="2600" b="0">
-                <a:solidFill>
-                  <a:srgbClr val="000000"/>
-                </a:solidFill>
-                <a:latin typeface="+mj-lt"/>
-                <a:ea typeface="+mj-ea"/>
-                <a:cs typeface="+mj-cs"/>
-                <a:sym typeface="Calibri Light"/>
-              </a:defRPr>
-            </a:pPr>
-            <a:r>
-              <a:rPr dirty="0"/>
-              <a:t>It may not be effective to detect Type 4 clones</a:t>
-            </a:r>
-          </a:p>
-          <a:p>
-            <a:pPr marL="434473" indent="-434473" algn="l" defTabSz="457200">
-              <a:lnSpc>
-                <a:spcPts val="4500"/>
-              </a:lnSpc>
-              <a:spcBef>
-                <a:spcPts val="1200"/>
-              </a:spcBef>
-              <a:buSzPct val="100000"/>
-              <a:buAutoNum type="arabicParenBoth"/>
-              <a:defRPr sz="2600" b="0">
-                <a:solidFill>
-                  <a:srgbClr val="000000"/>
-                </a:solidFill>
-                <a:latin typeface="+mj-lt"/>
-                <a:ea typeface="+mj-ea"/>
-                <a:cs typeface="+mj-cs"/>
-                <a:sym typeface="Calibri Light"/>
-              </a:defRPr>
-            </a:pPr>
-            <a:r>
-              <a:rPr dirty="0"/>
-              <a:t>Adding one node in small CFGs (with less than 4 nodes)  may change the centroids a lot</a:t>
-            </a:r>
-          </a:p>
-          <a:p>
-            <a:pPr marL="434473" indent="-434473" algn="l" defTabSz="457200">
-              <a:lnSpc>
-                <a:spcPts val="4500"/>
-              </a:lnSpc>
-              <a:spcBef>
-                <a:spcPts val="1200"/>
-              </a:spcBef>
-              <a:buSzPct val="100000"/>
-              <a:buAutoNum type="arabicParenBoth"/>
-              <a:defRPr sz="2600" b="0">
-                <a:solidFill>
-                  <a:srgbClr val="000000"/>
-                </a:solidFill>
-                <a:latin typeface="+mj-lt"/>
-                <a:ea typeface="+mj-ea"/>
-                <a:cs typeface="+mj-cs"/>
-                <a:sym typeface="Calibri Light"/>
-              </a:defRPr>
-            </a:pPr>
-            <a:r>
-              <a:rPr dirty="0"/>
-              <a:t>An app clone could be evade detection by only cloning a small number of methods in the original app</a:t>
-            </a:r>
-          </a:p>
-          <a:p>
-            <a:pPr marL="434473" indent="-434473" algn="l" defTabSz="457200">
-              <a:lnSpc>
-                <a:spcPts val="4500"/>
-              </a:lnSpc>
-              <a:spcBef>
-                <a:spcPts val="1200"/>
-              </a:spcBef>
-              <a:buSzPct val="100000"/>
-              <a:buAutoNum type="arabicParenBoth"/>
-              <a:defRPr sz="2600" b="0">
-                <a:solidFill>
-                  <a:srgbClr val="000000"/>
-                </a:solidFill>
-                <a:latin typeface="+mj-lt"/>
-                <a:ea typeface="+mj-ea"/>
-                <a:cs typeface="+mj-cs"/>
-                <a:sym typeface="Calibri Light"/>
-              </a:defRPr>
-            </a:pPr>
-            <a:r>
-              <a:rPr dirty="0"/>
-              <a:t>If an app clone has far more opcodes than the original app, we may bot detect it</a:t>
-            </a:r>
-          </a:p>
-        </p:txBody>
-      </p:sp>
-      <p:sp>
-        <p:nvSpPr>
-          <p:cNvPr id="425" name="Shape 380"/>
-          <p:cNvSpPr/>
-          <p:nvPr/>
-        </p:nvSpPr>
-        <p:spPr>
-          <a:xfrm>
-            <a:off x="419100" y="0"/>
-            <a:ext cx="1208013" cy="1041622"/>
-          </a:xfrm>
-          <a:prstGeom prst="rect">
-            <a:avLst/>
-          </a:prstGeom>
-          <a:solidFill>
-            <a:srgbClr val="7B81F7"/>
-          </a:solidFill>
-          <a:ln w="12700">
-            <a:miter lim="400000"/>
-          </a:ln>
-        </p:spPr>
-        <p:txBody>
-          <a:bodyPr lIns="45718" tIns="45718" rIns="45718" bIns="45718" anchor="ctr"/>
-          <a:lstStyle/>
-          <a:p>
-            <a:pPr algn="ctr">
-              <a:defRPr sz="1800" b="0"/>
-            </a:pPr>
-            <a:endParaRPr/>
-          </a:p>
-        </p:txBody>
-      </p:sp>
-      <p:sp>
-        <p:nvSpPr>
-          <p:cNvPr id="426" name="Shape 381"/>
-          <p:cNvSpPr txBox="1"/>
-          <p:nvPr/>
-        </p:nvSpPr>
-        <p:spPr>
-          <a:xfrm>
-            <a:off x="852221" y="202040"/>
-            <a:ext cx="434314" cy="637539"/>
-          </a:xfrm>
-          <a:prstGeom prst="rect">
-            <a:avLst/>
-          </a:prstGeom>
-          <a:ln w="12700">
-            <a:miter lim="400000"/>
-          </a:ln>
-          <a:extLst>
-            <a:ext uri="{C572A759-6A51-4108-AA02-DFA0A04FC94B}">
-              <ma14:wrappingTextBoxFlag xmlns="" xmlns:ma14="http://schemas.microsoft.com/office/mac/drawingml/2011/main" val="1"/>
-            </a:ext>
-          </a:extLst>
-        </p:spPr>
-        <p:txBody>
-          <a:bodyPr wrap="none" lIns="45718" tIns="45718" rIns="45718" bIns="45718">
-            <a:spAutoFit/>
-          </a:bodyPr>
-          <a:lstStyle>
-            <a:lvl1pPr>
-              <a:defRPr sz="3600">
-                <a:latin typeface="方正大黑_GBK"/>
-                <a:ea typeface="方正大黑_GBK"/>
-                <a:cs typeface="方正大黑_GBK"/>
-                <a:sym typeface="方正大黑_GBK"/>
-              </a:defRPr>
-            </a:lvl1pPr>
-          </a:lstStyle>
-          <a:p>
-            <a:r>
-              <a:t>D</a:t>
             </a:r>
           </a:p>
         </p:txBody>
@@ -14294,7 +14996,7 @@
         <p:spPr>
           <a:xfrm>
             <a:off x="2185684" y="1323251"/>
-            <a:ext cx="1927303" cy="1325564"/>
+            <a:ext cx="2360190" cy="1325564"/>
           </a:xfrm>
           <a:prstGeom prst="rect">
             <a:avLst/>
@@ -14305,7 +15007,10 @@
           <a:lstStyle/>
           <a:p>
             <a:r>
-              <a:rPr dirty="0"/>
+              <a:rPr dirty="0">
+                <a:latin typeface="黑体" panose="02010609060101010101" pitchFamily="49" charset="-122"/>
+                <a:ea typeface="黑体" panose="02010609060101010101" pitchFamily="49" charset="-122"/>
+              </a:rPr>
               <a:t>Content</a:t>
             </a:r>
           </a:p>
@@ -14320,7 +15025,7 @@
         <p:spPr>
           <a:xfrm>
             <a:off x="2185684" y="3084984"/>
-            <a:ext cx="5954705" cy="2308320"/>
+            <a:ext cx="6357425" cy="2308320"/>
           </a:xfrm>
           <a:prstGeom prst="rect">
             <a:avLst/>
@@ -14330,7 +15035,7 @@
           </a:ln>
           <a:extLst>
             <a:ext uri="{C572A759-6A51-4108-AA02-DFA0A04FC94B}">
-              <ma14:wrappingTextBoxFlag xmlns="" xmlns:ma14="http://schemas.microsoft.com/office/mac/drawingml/2011/main" val="1"/>
+              <ma14:wrappingTextBoxFlag xmlns:ma14="http://schemas.microsoft.com/office/mac/drawingml/2011/main" xmlns="" val="1"/>
             </a:ext>
           </a:extLst>
         </p:spPr>
@@ -14352,7 +15057,10 @@
               </a:defRPr>
             </a:pPr>
             <a:r>
-              <a:rPr dirty="0"/>
+              <a:rPr dirty="0">
+                <a:latin typeface="黑体" panose="02010609060101010101" pitchFamily="49" charset="-122"/>
+                <a:ea typeface="黑体" panose="02010609060101010101" pitchFamily="49" charset="-122"/>
+              </a:rPr>
               <a:t>1. Overview</a:t>
             </a:r>
           </a:p>
@@ -14369,7 +15077,10 @@
               </a:defRPr>
             </a:pPr>
             <a:r>
-              <a:rPr dirty="0"/>
+              <a:rPr dirty="0">
+                <a:latin typeface="黑体" panose="02010609060101010101" pitchFamily="49" charset="-122"/>
+                <a:ea typeface="黑体" panose="02010609060101010101" pitchFamily="49" charset="-122"/>
+              </a:rPr>
               <a:t>2. Centroid of CFGs</a:t>
             </a:r>
           </a:p>
@@ -14386,7 +15097,10 @@
               </a:defRPr>
             </a:pPr>
             <a:r>
-              <a:rPr dirty="0"/>
+              <a:rPr dirty="0">
+                <a:latin typeface="黑体" panose="02010609060101010101" pitchFamily="49" charset="-122"/>
+                <a:ea typeface="黑体" panose="02010609060101010101" pitchFamily="49" charset="-122"/>
+              </a:rPr>
               <a:t>3. Method-Level Similarity</a:t>
             </a:r>
           </a:p>
@@ -14403,7 +15117,10 @@
               </a:defRPr>
             </a:pPr>
             <a:r>
-              <a:rPr dirty="0"/>
+              <a:rPr dirty="0">
+                <a:latin typeface="黑体" panose="02010609060101010101" pitchFamily="49" charset="-122"/>
+                <a:ea typeface="黑体" panose="02010609060101010101" pitchFamily="49" charset="-122"/>
+              </a:rPr>
               <a:t>4. Evaluation</a:t>
             </a:r>
           </a:p>
@@ -14437,26 +15154,23 @@
       </p:grpSpPr>
       <p:sp>
         <p:nvSpPr>
-          <p:cNvPr id="428" name="Shape 720"/>
+          <p:cNvPr id="408" name="Shape 380"/>
           <p:cNvSpPr/>
           <p:nvPr/>
         </p:nvSpPr>
         <p:spPr>
           <a:xfrm>
-            <a:off x="1739900" y="-114302"/>
-            <a:ext cx="2093911" cy="1649417"/>
+            <a:off x="419100" y="0"/>
+            <a:ext cx="1208013" cy="1041622"/>
           </a:xfrm>
           <a:prstGeom prst="rect">
             <a:avLst/>
           </a:prstGeom>
           <a:solidFill>
-            <a:srgbClr val="0070C0"/>
+            <a:srgbClr val="7B81F7"/>
           </a:solidFill>
           <a:ln w="12700">
-            <a:solidFill>
-              <a:srgbClr val="FFFFFF"/>
-            </a:solidFill>
-            <a:miter/>
+            <a:miter lim="400000"/>
           </a:ln>
         </p:spPr>
         <p:txBody>
@@ -14472,14 +15186,14 @@
       </p:sp>
       <p:sp>
         <p:nvSpPr>
-          <p:cNvPr id="429" name="Shape 721"/>
+          <p:cNvPr id="409" name="Shape 381"/>
           <p:cNvSpPr txBox="1"/>
           <p:nvPr/>
         </p:nvSpPr>
         <p:spPr>
           <a:xfrm>
-            <a:off x="2002026" y="520996"/>
-            <a:ext cx="1475739" cy="916939"/>
+            <a:off x="852221" y="202040"/>
+            <a:ext cx="434314" cy="637539"/>
           </a:xfrm>
           <a:prstGeom prst="rect">
             <a:avLst/>
@@ -14489,7 +15203,7 @@
           </a:ln>
           <a:extLst>
             <a:ext uri="{C572A759-6A51-4108-AA02-DFA0A04FC94B}">
-              <ma14:wrappingTextBoxFlag xmlns="" xmlns:ma14="http://schemas.microsoft.com/office/mac/drawingml/2011/main" val="1"/>
+              <ma14:wrappingTextBoxFlag xmlns:ma14="http://schemas.microsoft.com/office/mac/drawingml/2011/main" xmlns="" val="1"/>
             </a:ext>
           </a:extLst>
         </p:spPr>
@@ -14499,66 +15213,31 @@
           </a:bodyPr>
           <a:lstStyle>
             <a:lvl1pPr>
-              <a:defRPr sz="5400">
-                <a:latin typeface="方正超粗黑_GBK"/>
-                <a:ea typeface="方正超粗黑_GBK"/>
-                <a:cs typeface="方正超粗黑_GBK"/>
-                <a:sym typeface="方正超粗黑_GBK"/>
+              <a:defRPr sz="3600">
+                <a:latin typeface="方正大黑_GBK"/>
+                <a:ea typeface="方正大黑_GBK"/>
+                <a:cs typeface="方正大黑_GBK"/>
+                <a:sym typeface="方正大黑_GBK"/>
               </a:defRPr>
             </a:lvl1pPr>
           </a:lstStyle>
           <a:p>
             <a:r>
-              <a:t>REF</a:t>
-            </a:r>
-          </a:p>
-        </p:txBody>
-      </p:sp>
-      <p:sp>
-        <p:nvSpPr>
-          <p:cNvPr id="430" name="Shape 722"/>
-          <p:cNvSpPr/>
-          <p:nvPr/>
-        </p:nvSpPr>
-        <p:spPr>
-          <a:xfrm>
-            <a:off x="1739900" y="6477000"/>
-            <a:ext cx="2093911" cy="1649415"/>
-          </a:xfrm>
-          <a:prstGeom prst="rect">
-            <a:avLst/>
-          </a:prstGeom>
-          <a:solidFill>
-            <a:srgbClr val="0070C0"/>
-          </a:solidFill>
-          <a:ln w="12700">
-            <a:solidFill>
-              <a:srgbClr val="FFFFFF"/>
-            </a:solidFill>
-            <a:miter/>
-          </a:ln>
-        </p:spPr>
-        <p:txBody>
-          <a:bodyPr lIns="45718" tIns="45718" rIns="45718" bIns="45718" anchor="ctr"/>
-          <a:lstStyle/>
-          <a:p>
-            <a:pPr algn="ctr">
-              <a:defRPr sz="1800" b="0"/>
-            </a:pPr>
-            <a:endParaRPr/>
-          </a:p>
-        </p:txBody>
-      </p:sp>
-      <p:sp>
-        <p:nvSpPr>
-          <p:cNvPr id="431" name="Shape 384"/>
+              <a:t>D</a:t>
+            </a:r>
+          </a:p>
+        </p:txBody>
+      </p:sp>
+      <p:sp>
+        <p:nvSpPr>
+          <p:cNvPr id="410" name="Shape 382"/>
           <p:cNvSpPr txBox="1"/>
           <p:nvPr/>
         </p:nvSpPr>
         <p:spPr>
           <a:xfrm>
-            <a:off x="1739900" y="2170412"/>
-            <a:ext cx="9797293" cy="3277816"/>
+            <a:off x="1641019" y="694111"/>
+            <a:ext cx="1388525" cy="396239"/>
           </a:xfrm>
           <a:prstGeom prst="rect">
             <a:avLst/>
@@ -14568,151 +15247,231 @@
           </a:ln>
           <a:extLst>
             <a:ext uri="{C572A759-6A51-4108-AA02-DFA0A04FC94B}">
-              <ma14:wrappingTextBoxFlag xmlns="" xmlns:ma14="http://schemas.microsoft.com/office/mac/drawingml/2011/main" val="1"/>
+              <ma14:wrappingTextBoxFlag xmlns:ma14="http://schemas.microsoft.com/office/mac/drawingml/2011/main" xmlns="" val="1"/>
             </a:ext>
           </a:extLst>
         </p:spPr>
         <p:txBody>
-          <a:bodyPr lIns="45718" tIns="45718" rIns="45718" bIns="45718">
+          <a:bodyPr wrap="none" lIns="45718" tIns="45718" rIns="45718" bIns="45718">
+            <a:spAutoFit/>
+          </a:bodyPr>
+          <a:lstStyle>
+            <a:lvl1pPr>
+              <a:defRPr>
+                <a:solidFill>
+                  <a:srgbClr val="7B81F7"/>
+                </a:solidFill>
+                <a:latin typeface="微软雅黑"/>
+                <a:ea typeface="微软雅黑"/>
+                <a:cs typeface="微软雅黑"/>
+                <a:sym typeface="微软雅黑"/>
+              </a:defRPr>
+            </a:lvl1pPr>
+          </a:lstStyle>
+          <a:p>
+            <a:r>
+              <a:t>Evaluation</a:t>
+            </a:r>
+          </a:p>
+        </p:txBody>
+      </p:sp>
+      <p:sp>
+        <p:nvSpPr>
+          <p:cNvPr id="411" name="Among the 20292 apps…"/>
+          <p:cNvSpPr txBox="1"/>
+          <p:nvPr/>
+        </p:nvSpPr>
+        <p:spPr>
+          <a:xfrm>
+            <a:off x="1585945" y="1529444"/>
+            <a:ext cx="5165834" cy="4324257"/>
+          </a:xfrm>
+          <a:prstGeom prst="rect">
+            <a:avLst/>
+          </a:prstGeom>
+          <a:ln w="12700">
+            <a:miter lim="400000"/>
+          </a:ln>
+          <a:extLst>
+            <a:ext uri="{C572A759-6A51-4108-AA02-DFA0A04FC94B}">
+              <ma14:wrappingTextBoxFlag xmlns:ma14="http://schemas.microsoft.com/office/mac/drawingml/2011/main" xmlns="" val="1"/>
+            </a:ext>
+          </a:extLst>
+        </p:spPr>
+        <p:txBody>
+          <a:bodyPr wrap="none" lIns="45718" tIns="45718" rIns="45718" bIns="45718">
             <a:spAutoFit/>
           </a:bodyPr>
           <a:lstStyle/>
           <a:p>
-            <a:pPr marL="307473" indent="-307473" algn="l">
-              <a:buSzPct val="100000"/>
-              <a:buAutoNum type="arabicPeriod"/>
-              <a:defRPr sz="2300" b="0">
-                <a:solidFill>
-                  <a:srgbClr val="0070C0"/>
-                </a:solidFill>
-                <a:latin typeface="黑体"/>
-                <a:ea typeface="黑体"/>
-                <a:cs typeface="黑体"/>
-                <a:sym typeface="黑体"/>
+            <a:pPr algn="l" defTabSz="457200">
+              <a:lnSpc>
+                <a:spcPts val="4500"/>
+              </a:lnSpc>
+              <a:spcBef>
+                <a:spcPts val="1200"/>
+              </a:spcBef>
+              <a:defRPr sz="2600" b="0">
+                <a:solidFill>
+                  <a:srgbClr val="000000"/>
+                </a:solidFill>
+                <a:latin typeface="+mj-lt"/>
+                <a:ea typeface="+mj-ea"/>
+                <a:cs typeface="+mj-cs"/>
+                <a:sym typeface="Calibri Light"/>
               </a:defRPr>
             </a:pPr>
             <a:r>
-              <a:rPr dirty="0">
+              <a:t>Among the </a:t>
+            </a:r>
+            <a:r>
+              <a:rPr/>
+              <a:t>20292 </a:t>
+            </a:r>
+            <a:r>
+              <a:rPr smtClean="0"/>
+              <a:t>apps</a:t>
+            </a:r>
+            <a:endParaRPr/>
+          </a:p>
+          <a:p>
+            <a:pPr algn="l" defTabSz="457200">
+              <a:lnSpc>
+                <a:spcPts val="4500"/>
+              </a:lnSpc>
+              <a:spcBef>
+                <a:spcPts val="1200"/>
+              </a:spcBef>
+              <a:defRPr sz="2600" b="0">
                 <a:solidFill>
                   <a:srgbClr val="000000"/>
                 </a:solidFill>
-              </a:rPr>
-              <a:t>Achieving Accuracy and Scalability Simultaneously in Detecting Application Clones on Android Markets</a:t>
-            </a:r>
-          </a:p>
-          <a:p>
-            <a:pPr algn="l">
-              <a:defRPr sz="2300" b="0">
-                <a:solidFill>
-                  <a:srgbClr val="0070C0"/>
-                </a:solidFill>
-                <a:latin typeface="黑体"/>
-                <a:ea typeface="黑体"/>
-                <a:cs typeface="黑体"/>
-                <a:sym typeface="黑体"/>
+                <a:latin typeface="+mj-lt"/>
+                <a:ea typeface="+mj-ea"/>
+                <a:cs typeface="+mj-cs"/>
+                <a:sym typeface="Calibri Light"/>
               </a:defRPr>
             </a:pPr>
-            <a:endParaRPr dirty="0">
-              <a:solidFill>
-                <a:srgbClr val="000000"/>
-              </a:solidFill>
-            </a:endParaRPr>
-          </a:p>
-          <a:p>
-            <a:pPr marL="307473" indent="-307473" algn="l">
-              <a:buSzPct val="100000"/>
-              <a:buAutoNum type="arabicPeriod" startAt="2"/>
-              <a:defRPr sz="2300" b="0">
-                <a:solidFill>
-                  <a:srgbClr val="0070C0"/>
-                </a:solidFill>
-                <a:latin typeface="黑体"/>
-                <a:ea typeface="黑体"/>
-                <a:cs typeface="黑体"/>
-                <a:sym typeface="黑体"/>
+            <a:r>
+              <a:rPr dirty="0"/>
+              <a:t>1416 apps from the </a:t>
+            </a:r>
+            <a:r>
+              <a:rPr dirty="0" err="1"/>
+              <a:t>Pandaapp</a:t>
+            </a:r>
+            <a:r>
+              <a:rPr dirty="0"/>
+              <a:t> market</a:t>
+            </a:r>
+          </a:p>
+          <a:p>
+            <a:pPr algn="l" defTabSz="457200">
+              <a:lnSpc>
+                <a:spcPts val="4500"/>
+              </a:lnSpc>
+              <a:spcBef>
+                <a:spcPts val="1200"/>
+              </a:spcBef>
+              <a:defRPr sz="2600" b="0">
+                <a:solidFill>
+                  <a:srgbClr val="000000"/>
+                </a:solidFill>
+                <a:latin typeface="+mj-lt"/>
+                <a:ea typeface="+mj-ea"/>
+                <a:cs typeface="+mj-cs"/>
+                <a:sym typeface="Calibri Light"/>
               </a:defRPr>
             </a:pPr>
             <a:r>
-              <a:rPr dirty="0">
+              <a:rPr dirty="0"/>
+              <a:t>2022 apps from the </a:t>
+            </a:r>
+            <a:r>
+              <a:rPr dirty="0" err="1"/>
+              <a:t>Slideme</a:t>
+            </a:r>
+            <a:r>
+              <a:rPr dirty="0"/>
+              <a:t> market</a:t>
+            </a:r>
+          </a:p>
+          <a:p>
+            <a:pPr algn="l" defTabSz="457200">
+              <a:lnSpc>
+                <a:spcPts val="4500"/>
+              </a:lnSpc>
+              <a:spcBef>
+                <a:spcPts val="1200"/>
+              </a:spcBef>
+              <a:defRPr sz="2600" b="0">
                 <a:solidFill>
                   <a:srgbClr val="000000"/>
                 </a:solidFill>
-              </a:rPr>
-              <a:t>On Finding Duplication and Near-Duplication in Large Software System</a:t>
-            </a:r>
-          </a:p>
-          <a:p>
-            <a:pPr algn="l">
-              <a:defRPr sz="2300" b="0">
-                <a:solidFill>
-                  <a:srgbClr val="0070C0"/>
-                </a:solidFill>
-                <a:latin typeface="黑体"/>
-                <a:ea typeface="黑体"/>
-                <a:cs typeface="黑体"/>
-                <a:sym typeface="黑体"/>
+                <a:latin typeface="+mj-lt"/>
+                <a:ea typeface="+mj-ea"/>
+                <a:cs typeface="+mj-cs"/>
+                <a:sym typeface="Calibri Light"/>
               </a:defRPr>
             </a:pPr>
-            <a:endParaRPr dirty="0">
-              <a:solidFill>
-                <a:srgbClr val="000000"/>
-              </a:solidFill>
-            </a:endParaRPr>
-          </a:p>
-          <a:p>
-            <a:pPr marL="307473" indent="-307473" algn="l">
-              <a:buSzPct val="100000"/>
-              <a:buAutoNum type="arabicPeriod" startAt="3"/>
-              <a:defRPr sz="2300" b="0">
-                <a:solidFill>
-                  <a:srgbClr val="0070C0"/>
-                </a:solidFill>
-                <a:latin typeface="黑体"/>
-                <a:ea typeface="黑体"/>
-                <a:cs typeface="黑体"/>
-                <a:sym typeface="黑体"/>
+            <a:r>
+              <a:rPr dirty="0"/>
+              <a:t>9850 apps from the </a:t>
+            </a:r>
+            <a:r>
+              <a:rPr dirty="0" err="1"/>
+              <a:t>Anzhi</a:t>
+            </a:r>
+            <a:r>
+              <a:rPr dirty="0"/>
+              <a:t> market</a:t>
+            </a:r>
+          </a:p>
+          <a:p>
+            <a:pPr algn="l" defTabSz="457200">
+              <a:lnSpc>
+                <a:spcPts val="4500"/>
+              </a:lnSpc>
+              <a:spcBef>
+                <a:spcPts val="1200"/>
+              </a:spcBef>
+              <a:defRPr sz="2600" b="0">
+                <a:solidFill>
+                  <a:srgbClr val="000000"/>
+                </a:solidFill>
+                <a:latin typeface="+mj-lt"/>
+                <a:ea typeface="+mj-ea"/>
+                <a:cs typeface="+mj-cs"/>
+                <a:sym typeface="Calibri Light"/>
               </a:defRPr>
             </a:pPr>
             <a:r>
-              <a:rPr dirty="0" err="1">
+              <a:rPr dirty="0"/>
+              <a:t>4268 apps from the Dangle market</a:t>
+            </a:r>
+          </a:p>
+          <a:p>
+            <a:pPr algn="l" defTabSz="457200">
+              <a:lnSpc>
+                <a:spcPts val="4500"/>
+              </a:lnSpc>
+              <a:spcBef>
+                <a:spcPts val="1200"/>
+              </a:spcBef>
+              <a:defRPr sz="2600" b="0">
                 <a:solidFill>
                   <a:srgbClr val="000000"/>
                 </a:solidFill>
-              </a:rPr>
-              <a:t>CCFinder</a:t>
-            </a:r>
-            <a:r>
-              <a:rPr dirty="0">
-                <a:solidFill>
-                  <a:srgbClr val="000000"/>
-                </a:solidFill>
-              </a:rPr>
-              <a:t>: A </a:t>
-            </a:r>
-            <a:r>
-              <a:rPr dirty="0" err="1">
-                <a:solidFill>
-                  <a:srgbClr val="000000"/>
-                </a:solidFill>
-              </a:rPr>
-              <a:t>Multilinguistic</a:t>
-            </a:r>
-            <a:r>
-              <a:rPr dirty="0">
-                <a:solidFill>
-                  <a:srgbClr val="000000"/>
-                </a:solidFill>
-              </a:rPr>
-              <a:t> Token-Based Code Clone Detection System for Large Scale Source Code</a:t>
-            </a:r>
+                <a:latin typeface="+mj-lt"/>
+                <a:ea typeface="+mj-ea"/>
+                <a:cs typeface="+mj-cs"/>
+                <a:sym typeface="Calibri Light"/>
+              </a:defRPr>
+            </a:pPr>
             <a:r>
               <a:rPr dirty="0"/>
-              <a:t/>
-            </a:r>
-            <a:br>
-              <a:rPr dirty="0"/>
-            </a:br>
-            <a:endParaRPr dirty="0"/>
+              <a:t>2736 apps from the Opera market</a:t>
+            </a:r>
           </a:p>
         </p:txBody>
       </p:sp>
@@ -14751,7 +15510,686 @@
       </p:grpSpPr>
       <p:sp>
         <p:nvSpPr>
-          <p:cNvPr id="433" name="Shape 732"/>
+          <p:cNvPr id="413" name="Shape 382"/>
+          <p:cNvSpPr txBox="1"/>
+          <p:nvPr/>
+        </p:nvSpPr>
+        <p:spPr>
+          <a:xfrm>
+            <a:off x="1641019" y="694111"/>
+            <a:ext cx="1388525" cy="396239"/>
+          </a:xfrm>
+          <a:prstGeom prst="rect">
+            <a:avLst/>
+          </a:prstGeom>
+          <a:ln w="12700">
+            <a:miter lim="400000"/>
+          </a:ln>
+          <a:extLst>
+            <a:ext uri="{C572A759-6A51-4108-AA02-DFA0A04FC94B}">
+              <ma14:wrappingTextBoxFlag xmlns:ma14="http://schemas.microsoft.com/office/mac/drawingml/2011/main" xmlns="" val="1"/>
+            </a:ext>
+          </a:extLst>
+        </p:spPr>
+        <p:txBody>
+          <a:bodyPr wrap="none" lIns="45718" tIns="45718" rIns="45718" bIns="45718">
+            <a:spAutoFit/>
+          </a:bodyPr>
+          <a:lstStyle>
+            <a:lvl1pPr>
+              <a:defRPr>
+                <a:solidFill>
+                  <a:srgbClr val="7B81F7"/>
+                </a:solidFill>
+                <a:latin typeface="微软雅黑"/>
+                <a:ea typeface="微软雅黑"/>
+                <a:cs typeface="微软雅黑"/>
+                <a:sym typeface="微软雅黑"/>
+              </a:defRPr>
+            </a:lvl1pPr>
+          </a:lstStyle>
+          <a:p>
+            <a:r>
+              <a:t>Evaluation</a:t>
+            </a:r>
+          </a:p>
+        </p:txBody>
+      </p:sp>
+      <p:pic>
+        <p:nvPicPr>
+          <p:cNvPr id="414" name="Figure 4.jpeg" descr="Figure 4.jpeg"/>
+          <p:cNvPicPr>
+            <a:picLocks noChangeAspect="1"/>
+          </p:cNvPicPr>
+          <p:nvPr/>
+        </p:nvPicPr>
+        <p:blipFill>
+          <a:blip r:embed="rId2">
+            <a:extLst/>
+          </a:blip>
+          <a:stretch>
+            <a:fillRect/>
+          </a:stretch>
+        </p:blipFill>
+        <p:spPr>
+          <a:xfrm>
+            <a:off x="1663700" y="-94407"/>
+            <a:ext cx="8864600" cy="6502401"/>
+          </a:xfrm>
+          <a:prstGeom prst="rect">
+            <a:avLst/>
+          </a:prstGeom>
+          <a:ln w="12700">
+            <a:miter lim="400000"/>
+          </a:ln>
+        </p:spPr>
+      </p:pic>
+      <p:sp>
+        <p:nvSpPr>
+          <p:cNvPr id="415" name="Shape 380"/>
+          <p:cNvSpPr/>
+          <p:nvPr/>
+        </p:nvSpPr>
+        <p:spPr>
+          <a:xfrm>
+            <a:off x="419100" y="0"/>
+            <a:ext cx="1208013" cy="1041622"/>
+          </a:xfrm>
+          <a:prstGeom prst="rect">
+            <a:avLst/>
+          </a:prstGeom>
+          <a:solidFill>
+            <a:srgbClr val="7B81F7"/>
+          </a:solidFill>
+          <a:ln w="12700">
+            <a:miter lim="400000"/>
+          </a:ln>
+        </p:spPr>
+        <p:txBody>
+          <a:bodyPr lIns="45718" tIns="45718" rIns="45718" bIns="45718" anchor="ctr"/>
+          <a:lstStyle/>
+          <a:p>
+            <a:pPr algn="ctr">
+              <a:defRPr sz="1800" b="0"/>
+            </a:pPr>
+            <a:endParaRPr/>
+          </a:p>
+        </p:txBody>
+      </p:sp>
+      <p:sp>
+        <p:nvSpPr>
+          <p:cNvPr id="416" name="Shape 381"/>
+          <p:cNvSpPr txBox="1"/>
+          <p:nvPr/>
+        </p:nvSpPr>
+        <p:spPr>
+          <a:xfrm>
+            <a:off x="852221" y="202040"/>
+            <a:ext cx="434314" cy="637539"/>
+          </a:xfrm>
+          <a:prstGeom prst="rect">
+            <a:avLst/>
+          </a:prstGeom>
+          <a:ln w="12700">
+            <a:miter lim="400000"/>
+          </a:ln>
+          <a:extLst>
+            <a:ext uri="{C572A759-6A51-4108-AA02-DFA0A04FC94B}">
+              <ma14:wrappingTextBoxFlag xmlns:ma14="http://schemas.microsoft.com/office/mac/drawingml/2011/main" xmlns="" val="1"/>
+            </a:ext>
+          </a:extLst>
+        </p:spPr>
+        <p:txBody>
+          <a:bodyPr wrap="none" lIns="45718" tIns="45718" rIns="45718" bIns="45718">
+            <a:spAutoFit/>
+          </a:bodyPr>
+          <a:lstStyle>
+            <a:lvl1pPr>
+              <a:defRPr sz="3600">
+                <a:latin typeface="方正大黑_GBK"/>
+                <a:ea typeface="方正大黑_GBK"/>
+                <a:cs typeface="方正大黑_GBK"/>
+                <a:sym typeface="方正大黑_GBK"/>
+              </a:defRPr>
+            </a:lvl1pPr>
+          </a:lstStyle>
+          <a:p>
+            <a:r>
+              <a:t>D</a:t>
+            </a:r>
+          </a:p>
+        </p:txBody>
+      </p:sp>
+    </p:spTree>
+  </p:cSld>
+  <p:clrMapOvr>
+    <a:masterClrMapping/>
+  </p:clrMapOvr>
+  <p:transition spd="med"/>
+  <p:timing>
+    <p:tnLst>
+      <p:par>
+        <p:cTn id="1" dur="indefinite" restart="never" nodeType="tmRoot"/>
+      </p:par>
+    </p:tnLst>
+  </p:timing>
+</p:sld>
+</file>
+
+<file path=ppt/slides/slide32.xml><?xml version="1.0" encoding="utf-8"?>
+<p:sld xmlns:a="http://schemas.openxmlformats.org/drawingml/2006/main" xmlns:r="http://schemas.openxmlformats.org/officeDocument/2006/relationships" xmlns:p="http://schemas.openxmlformats.org/presentationml/2006/main">
+  <p:cSld>
+    <p:spTree>
+      <p:nvGrpSpPr>
+        <p:cNvPr id="1" name=""/>
+        <p:cNvGrpSpPr/>
+        <p:nvPr/>
+      </p:nvGrpSpPr>
+      <p:grpSpPr>
+        <a:xfrm>
+          <a:off x="0" y="0"/>
+          <a:ext cx="0" cy="0"/>
+          <a:chOff x="0" y="0"/>
+          <a:chExt cx="0" cy="0"/>
+        </a:xfrm>
+      </p:grpSpPr>
+      <p:sp>
+        <p:nvSpPr>
+          <p:cNvPr id="418" name="Shape 382"/>
+          <p:cNvSpPr txBox="1"/>
+          <p:nvPr/>
+        </p:nvSpPr>
+        <p:spPr>
+          <a:xfrm>
+            <a:off x="1641019" y="694111"/>
+            <a:ext cx="1388525" cy="396239"/>
+          </a:xfrm>
+          <a:prstGeom prst="rect">
+            <a:avLst/>
+          </a:prstGeom>
+          <a:ln w="12700">
+            <a:miter lim="400000"/>
+          </a:ln>
+          <a:extLst>
+            <a:ext uri="{C572A759-6A51-4108-AA02-DFA0A04FC94B}">
+              <ma14:wrappingTextBoxFlag xmlns:ma14="http://schemas.microsoft.com/office/mac/drawingml/2011/main" xmlns="" val="1"/>
+            </a:ext>
+          </a:extLst>
+        </p:spPr>
+        <p:txBody>
+          <a:bodyPr wrap="none" lIns="45718" tIns="45718" rIns="45718" bIns="45718">
+            <a:spAutoFit/>
+          </a:bodyPr>
+          <a:lstStyle>
+            <a:lvl1pPr>
+              <a:defRPr>
+                <a:solidFill>
+                  <a:srgbClr val="7B81F7"/>
+                </a:solidFill>
+                <a:latin typeface="微软雅黑"/>
+                <a:ea typeface="微软雅黑"/>
+                <a:cs typeface="微软雅黑"/>
+                <a:sym typeface="微软雅黑"/>
+              </a:defRPr>
+            </a:lvl1pPr>
+          </a:lstStyle>
+          <a:p>
+            <a:r>
+              <a:t>Evaluation</a:t>
+            </a:r>
+          </a:p>
+        </p:txBody>
+      </p:sp>
+      <p:pic>
+        <p:nvPicPr>
+          <p:cNvPr id="419" name="Evaluation.jpeg" descr="Evaluation.jpeg"/>
+          <p:cNvPicPr>
+            <a:picLocks noChangeAspect="1"/>
+          </p:cNvPicPr>
+          <p:nvPr/>
+        </p:nvPicPr>
+        <p:blipFill>
+          <a:blip r:embed="rId2">
+            <a:extLst/>
+          </a:blip>
+          <a:stretch>
+            <a:fillRect/>
+          </a:stretch>
+        </p:blipFill>
+        <p:spPr>
+          <a:xfrm>
+            <a:off x="1664806" y="410091"/>
+            <a:ext cx="8862388" cy="5947607"/>
+          </a:xfrm>
+          <a:prstGeom prst="rect">
+            <a:avLst/>
+          </a:prstGeom>
+          <a:ln w="12700">
+            <a:miter lim="400000"/>
+          </a:ln>
+        </p:spPr>
+      </p:pic>
+      <p:sp>
+        <p:nvSpPr>
+          <p:cNvPr id="420" name="Shape 380"/>
+          <p:cNvSpPr/>
+          <p:nvPr/>
+        </p:nvSpPr>
+        <p:spPr>
+          <a:xfrm>
+            <a:off x="419100" y="0"/>
+            <a:ext cx="1208013" cy="1041622"/>
+          </a:xfrm>
+          <a:prstGeom prst="rect">
+            <a:avLst/>
+          </a:prstGeom>
+          <a:solidFill>
+            <a:srgbClr val="7B81F7"/>
+          </a:solidFill>
+          <a:ln w="12700">
+            <a:miter lim="400000"/>
+          </a:ln>
+        </p:spPr>
+        <p:txBody>
+          <a:bodyPr lIns="45718" tIns="45718" rIns="45718" bIns="45718" anchor="ctr"/>
+          <a:lstStyle/>
+          <a:p>
+            <a:pPr algn="ctr">
+              <a:defRPr sz="1800" b="0"/>
+            </a:pPr>
+            <a:endParaRPr/>
+          </a:p>
+        </p:txBody>
+      </p:sp>
+      <p:sp>
+        <p:nvSpPr>
+          <p:cNvPr id="421" name="Shape 381"/>
+          <p:cNvSpPr txBox="1"/>
+          <p:nvPr/>
+        </p:nvSpPr>
+        <p:spPr>
+          <a:xfrm>
+            <a:off x="852221" y="202040"/>
+            <a:ext cx="434314" cy="637539"/>
+          </a:xfrm>
+          <a:prstGeom prst="rect">
+            <a:avLst/>
+          </a:prstGeom>
+          <a:ln w="12700">
+            <a:miter lim="400000"/>
+          </a:ln>
+          <a:extLst>
+            <a:ext uri="{C572A759-6A51-4108-AA02-DFA0A04FC94B}">
+              <ma14:wrappingTextBoxFlag xmlns:ma14="http://schemas.microsoft.com/office/mac/drawingml/2011/main" xmlns="" val="1"/>
+            </a:ext>
+          </a:extLst>
+        </p:spPr>
+        <p:txBody>
+          <a:bodyPr wrap="none" lIns="45718" tIns="45718" rIns="45718" bIns="45718">
+            <a:spAutoFit/>
+          </a:bodyPr>
+          <a:lstStyle>
+            <a:lvl1pPr>
+              <a:defRPr sz="3600">
+                <a:latin typeface="方正大黑_GBK"/>
+                <a:ea typeface="方正大黑_GBK"/>
+                <a:cs typeface="方正大黑_GBK"/>
+                <a:sym typeface="方正大黑_GBK"/>
+              </a:defRPr>
+            </a:lvl1pPr>
+          </a:lstStyle>
+          <a:p>
+            <a:r>
+              <a:t>D</a:t>
+            </a:r>
+          </a:p>
+        </p:txBody>
+      </p:sp>
+    </p:spTree>
+  </p:cSld>
+  <p:clrMapOvr>
+    <a:masterClrMapping/>
+  </p:clrMapOvr>
+  <p:transition spd="med"/>
+  <p:timing>
+    <p:tnLst>
+      <p:par>
+        <p:cTn id="1" dur="indefinite" restart="never" nodeType="tmRoot"/>
+      </p:par>
+    </p:tnLst>
+  </p:timing>
+</p:sld>
+</file>
+
+<file path=ppt/slides/slide33.xml><?xml version="1.0" encoding="utf-8"?>
+<p:sld xmlns:a="http://schemas.openxmlformats.org/drawingml/2006/main" xmlns:r="http://schemas.openxmlformats.org/officeDocument/2006/relationships" xmlns:p="http://schemas.openxmlformats.org/presentationml/2006/main">
+  <p:cSld>
+    <p:spTree>
+      <p:nvGrpSpPr>
+        <p:cNvPr id="1" name=""/>
+        <p:cNvGrpSpPr/>
+        <p:nvPr/>
+      </p:nvGrpSpPr>
+      <p:grpSpPr>
+        <a:xfrm>
+          <a:off x="0" y="0"/>
+          <a:ext cx="0" cy="0"/>
+          <a:chOff x="0" y="0"/>
+          <a:chExt cx="0" cy="0"/>
+        </a:xfrm>
+      </p:grpSpPr>
+      <p:sp>
+        <p:nvSpPr>
+          <p:cNvPr id="423" name="Shape 382"/>
+          <p:cNvSpPr txBox="1"/>
+          <p:nvPr/>
+        </p:nvSpPr>
+        <p:spPr>
+          <a:xfrm>
+            <a:off x="1641019" y="694111"/>
+            <a:ext cx="1388525" cy="396239"/>
+          </a:xfrm>
+          <a:prstGeom prst="rect">
+            <a:avLst/>
+          </a:prstGeom>
+          <a:ln w="12700">
+            <a:miter lim="400000"/>
+          </a:ln>
+          <a:extLst>
+            <a:ext uri="{C572A759-6A51-4108-AA02-DFA0A04FC94B}">
+              <ma14:wrappingTextBoxFlag xmlns:ma14="http://schemas.microsoft.com/office/mac/drawingml/2011/main" xmlns="" val="1"/>
+            </a:ext>
+          </a:extLst>
+        </p:spPr>
+        <p:txBody>
+          <a:bodyPr wrap="none" lIns="45718" tIns="45718" rIns="45718" bIns="45718">
+            <a:spAutoFit/>
+          </a:bodyPr>
+          <a:lstStyle>
+            <a:lvl1pPr>
+              <a:defRPr>
+                <a:solidFill>
+                  <a:srgbClr val="7B81F7"/>
+                </a:solidFill>
+                <a:latin typeface="微软雅黑"/>
+                <a:ea typeface="微软雅黑"/>
+                <a:cs typeface="微软雅黑"/>
+                <a:sym typeface="微软雅黑"/>
+              </a:defRPr>
+            </a:lvl1pPr>
+          </a:lstStyle>
+          <a:p>
+            <a:r>
+              <a:t>Evaluation</a:t>
+            </a:r>
+          </a:p>
+        </p:txBody>
+      </p:sp>
+      <p:sp>
+        <p:nvSpPr>
+          <p:cNvPr id="424" name="Limitation…"/>
+          <p:cNvSpPr txBox="1"/>
+          <p:nvPr/>
+        </p:nvSpPr>
+        <p:spPr>
+          <a:xfrm>
+            <a:off x="1627113" y="1090350"/>
+            <a:ext cx="9020110" cy="3850639"/>
+          </a:xfrm>
+          <a:prstGeom prst="rect">
+            <a:avLst/>
+          </a:prstGeom>
+          <a:ln w="12700">
+            <a:miter lim="400000"/>
+          </a:ln>
+          <a:extLst>
+            <a:ext uri="{C572A759-6A51-4108-AA02-DFA0A04FC94B}">
+              <ma14:wrappingTextBoxFlag xmlns:ma14="http://schemas.microsoft.com/office/mac/drawingml/2011/main" xmlns="" val="1"/>
+            </a:ext>
+          </a:extLst>
+        </p:spPr>
+        <p:txBody>
+          <a:bodyPr lIns="45718" tIns="45718" rIns="45718" bIns="45718">
+            <a:spAutoFit/>
+          </a:bodyPr>
+          <a:lstStyle/>
+          <a:p>
+            <a:pPr algn="l" defTabSz="457200">
+              <a:lnSpc>
+                <a:spcPts val="4500"/>
+              </a:lnSpc>
+              <a:spcBef>
+                <a:spcPts val="1200"/>
+              </a:spcBef>
+              <a:defRPr sz="2600" b="0">
+                <a:solidFill>
+                  <a:srgbClr val="000000"/>
+                </a:solidFill>
+                <a:latin typeface="+mj-lt"/>
+                <a:ea typeface="+mj-ea"/>
+                <a:cs typeface="+mj-cs"/>
+                <a:sym typeface="Calibri Light"/>
+              </a:defRPr>
+            </a:pPr>
+            <a:r>
+              <a:rPr dirty="0"/>
+              <a:t>Limitation</a:t>
+            </a:r>
+          </a:p>
+          <a:p>
+            <a:pPr marL="434473" indent="-434473" algn="l" defTabSz="457200">
+              <a:lnSpc>
+                <a:spcPts val="4500"/>
+              </a:lnSpc>
+              <a:spcBef>
+                <a:spcPts val="1200"/>
+              </a:spcBef>
+              <a:buSzPct val="100000"/>
+              <a:buAutoNum type="arabicParenBoth"/>
+              <a:defRPr sz="2600" b="0">
+                <a:solidFill>
+                  <a:srgbClr val="000000"/>
+                </a:solidFill>
+                <a:latin typeface="+mj-lt"/>
+                <a:ea typeface="+mj-ea"/>
+                <a:cs typeface="+mj-cs"/>
+                <a:sym typeface="Calibri Light"/>
+              </a:defRPr>
+            </a:pPr>
+            <a:r>
+              <a:rPr dirty="0"/>
+              <a:t>It may not be effective to detect Type 4 clones</a:t>
+            </a:r>
+          </a:p>
+          <a:p>
+            <a:pPr marL="434473" indent="-434473" algn="l" defTabSz="457200">
+              <a:lnSpc>
+                <a:spcPts val="4500"/>
+              </a:lnSpc>
+              <a:spcBef>
+                <a:spcPts val="1200"/>
+              </a:spcBef>
+              <a:buSzPct val="100000"/>
+              <a:buAutoNum type="arabicParenBoth"/>
+              <a:defRPr sz="2600" b="0">
+                <a:solidFill>
+                  <a:srgbClr val="000000"/>
+                </a:solidFill>
+                <a:latin typeface="+mj-lt"/>
+                <a:ea typeface="+mj-ea"/>
+                <a:cs typeface="+mj-cs"/>
+                <a:sym typeface="Calibri Light"/>
+              </a:defRPr>
+            </a:pPr>
+            <a:r>
+              <a:rPr dirty="0"/>
+              <a:t>Adding one node in small CFGs (with less than 4 nodes)  may change the centroids a lot</a:t>
+            </a:r>
+          </a:p>
+          <a:p>
+            <a:pPr marL="434473" indent="-434473" algn="l" defTabSz="457200">
+              <a:lnSpc>
+                <a:spcPts val="4500"/>
+              </a:lnSpc>
+              <a:spcBef>
+                <a:spcPts val="1200"/>
+              </a:spcBef>
+              <a:buSzPct val="100000"/>
+              <a:buAutoNum type="arabicParenBoth"/>
+              <a:defRPr sz="2600" b="0">
+                <a:solidFill>
+                  <a:srgbClr val="000000"/>
+                </a:solidFill>
+                <a:latin typeface="+mj-lt"/>
+                <a:ea typeface="+mj-ea"/>
+                <a:cs typeface="+mj-cs"/>
+                <a:sym typeface="Calibri Light"/>
+              </a:defRPr>
+            </a:pPr>
+            <a:r>
+              <a:rPr dirty="0"/>
+              <a:t>An app clone could be evade detection by only cloning a small number of methods in the original app</a:t>
+            </a:r>
+          </a:p>
+          <a:p>
+            <a:pPr marL="434473" indent="-434473" algn="l" defTabSz="457200">
+              <a:lnSpc>
+                <a:spcPts val="4500"/>
+              </a:lnSpc>
+              <a:spcBef>
+                <a:spcPts val="1200"/>
+              </a:spcBef>
+              <a:buSzPct val="100000"/>
+              <a:buAutoNum type="arabicParenBoth"/>
+              <a:defRPr sz="2600" b="0">
+                <a:solidFill>
+                  <a:srgbClr val="000000"/>
+                </a:solidFill>
+                <a:latin typeface="+mj-lt"/>
+                <a:ea typeface="+mj-ea"/>
+                <a:cs typeface="+mj-cs"/>
+                <a:sym typeface="Calibri Light"/>
+              </a:defRPr>
+            </a:pPr>
+            <a:r>
+              <a:rPr dirty="0"/>
+              <a:t>If an app clone has far more opcodes than the original app, we may bot detect it</a:t>
+            </a:r>
+          </a:p>
+        </p:txBody>
+      </p:sp>
+      <p:sp>
+        <p:nvSpPr>
+          <p:cNvPr id="425" name="Shape 380"/>
+          <p:cNvSpPr/>
+          <p:nvPr/>
+        </p:nvSpPr>
+        <p:spPr>
+          <a:xfrm>
+            <a:off x="419100" y="0"/>
+            <a:ext cx="1208013" cy="1041622"/>
+          </a:xfrm>
+          <a:prstGeom prst="rect">
+            <a:avLst/>
+          </a:prstGeom>
+          <a:solidFill>
+            <a:srgbClr val="7B81F7"/>
+          </a:solidFill>
+          <a:ln w="12700">
+            <a:miter lim="400000"/>
+          </a:ln>
+        </p:spPr>
+        <p:txBody>
+          <a:bodyPr lIns="45718" tIns="45718" rIns="45718" bIns="45718" anchor="ctr"/>
+          <a:lstStyle/>
+          <a:p>
+            <a:pPr algn="ctr">
+              <a:defRPr sz="1800" b="0"/>
+            </a:pPr>
+            <a:endParaRPr/>
+          </a:p>
+        </p:txBody>
+      </p:sp>
+      <p:sp>
+        <p:nvSpPr>
+          <p:cNvPr id="426" name="Shape 381"/>
+          <p:cNvSpPr txBox="1"/>
+          <p:nvPr/>
+        </p:nvSpPr>
+        <p:spPr>
+          <a:xfrm>
+            <a:off x="852221" y="202040"/>
+            <a:ext cx="434314" cy="637539"/>
+          </a:xfrm>
+          <a:prstGeom prst="rect">
+            <a:avLst/>
+          </a:prstGeom>
+          <a:ln w="12700">
+            <a:miter lim="400000"/>
+          </a:ln>
+          <a:extLst>
+            <a:ext uri="{C572A759-6A51-4108-AA02-DFA0A04FC94B}">
+              <ma14:wrappingTextBoxFlag xmlns:ma14="http://schemas.microsoft.com/office/mac/drawingml/2011/main" xmlns="" val="1"/>
+            </a:ext>
+          </a:extLst>
+        </p:spPr>
+        <p:txBody>
+          <a:bodyPr wrap="none" lIns="45718" tIns="45718" rIns="45718" bIns="45718">
+            <a:spAutoFit/>
+          </a:bodyPr>
+          <a:lstStyle>
+            <a:lvl1pPr>
+              <a:defRPr sz="3600">
+                <a:latin typeface="方正大黑_GBK"/>
+                <a:ea typeface="方正大黑_GBK"/>
+                <a:cs typeface="方正大黑_GBK"/>
+                <a:sym typeface="方正大黑_GBK"/>
+              </a:defRPr>
+            </a:lvl1pPr>
+          </a:lstStyle>
+          <a:p>
+            <a:r>
+              <a:t>D</a:t>
+            </a:r>
+          </a:p>
+        </p:txBody>
+      </p:sp>
+    </p:spTree>
+  </p:cSld>
+  <p:clrMapOvr>
+    <a:masterClrMapping/>
+  </p:clrMapOvr>
+  <p:transition spd="med"/>
+  <p:timing>
+    <p:tnLst>
+      <p:par>
+        <p:cTn id="1" dur="indefinite" restart="never" nodeType="tmRoot"/>
+      </p:par>
+    </p:tnLst>
+  </p:timing>
+</p:sld>
+</file>
+
+<file path=ppt/slides/slide34.xml><?xml version="1.0" encoding="utf-8"?>
+<p:sld xmlns:a="http://schemas.openxmlformats.org/drawingml/2006/main" xmlns:r="http://schemas.openxmlformats.org/officeDocument/2006/relationships" xmlns:p="http://schemas.openxmlformats.org/presentationml/2006/main">
+  <p:cSld>
+    <p:spTree>
+      <p:nvGrpSpPr>
+        <p:cNvPr id="1" name=""/>
+        <p:cNvGrpSpPr/>
+        <p:nvPr/>
+      </p:nvGrpSpPr>
+      <p:grpSpPr>
+        <a:xfrm>
+          <a:off x="0" y="0"/>
+          <a:ext cx="0" cy="0"/>
+          <a:chOff x="0" y="0"/>
+          <a:chExt cx="0" cy="0"/>
+        </a:xfrm>
+      </p:grpSpPr>
+      <p:sp>
+        <p:nvSpPr>
+          <p:cNvPr id="428" name="Shape 720"/>
           <p:cNvSpPr/>
           <p:nvPr/>
         </p:nvSpPr>
@@ -14786,14 +16224,14 @@
       </p:sp>
       <p:sp>
         <p:nvSpPr>
-          <p:cNvPr id="434" name="Shape 733"/>
+          <p:cNvPr id="429" name="Shape 721"/>
           <p:cNvSpPr txBox="1"/>
           <p:nvPr/>
         </p:nvSpPr>
         <p:spPr>
           <a:xfrm>
             <a:off x="2002026" y="520996"/>
-            <a:ext cx="1552087" cy="916939"/>
+            <a:ext cx="1475739" cy="916939"/>
           </a:xfrm>
           <a:prstGeom prst="rect">
             <a:avLst/>
@@ -14803,7 +16241,7 @@
           </a:ln>
           <a:extLst>
             <a:ext uri="{C572A759-6A51-4108-AA02-DFA0A04FC94B}">
-              <ma14:wrappingTextBoxFlag xmlns="" xmlns:ma14="http://schemas.microsoft.com/office/mac/drawingml/2011/main" val="1"/>
+              <ma14:wrappingTextBoxFlag xmlns:ma14="http://schemas.microsoft.com/office/mac/drawingml/2011/main" xmlns="" val="1"/>
             </a:ext>
           </a:extLst>
         </p:spPr>
@@ -14823,14 +16261,14 @@
           </a:lstStyle>
           <a:p>
             <a:r>
-              <a:t>END</a:t>
-            </a:r>
-          </a:p>
-        </p:txBody>
-      </p:sp>
-      <p:sp>
-        <p:nvSpPr>
-          <p:cNvPr id="435" name="Shape 734"/>
+              <a:t>REF</a:t>
+            </a:r>
+          </a:p>
+        </p:txBody>
+      </p:sp>
+      <p:sp>
+        <p:nvSpPr>
+          <p:cNvPr id="430" name="Shape 722"/>
           <p:cNvSpPr/>
           <p:nvPr/>
         </p:nvSpPr>
@@ -14865,6 +16303,320 @@
       </p:sp>
       <p:sp>
         <p:nvSpPr>
+          <p:cNvPr id="431" name="Shape 384"/>
+          <p:cNvSpPr txBox="1"/>
+          <p:nvPr/>
+        </p:nvSpPr>
+        <p:spPr>
+          <a:xfrm>
+            <a:off x="1739900" y="2170412"/>
+            <a:ext cx="9797293" cy="3277816"/>
+          </a:xfrm>
+          <a:prstGeom prst="rect">
+            <a:avLst/>
+          </a:prstGeom>
+          <a:ln w="12700">
+            <a:miter lim="400000"/>
+          </a:ln>
+          <a:extLst>
+            <a:ext uri="{C572A759-6A51-4108-AA02-DFA0A04FC94B}">
+              <ma14:wrappingTextBoxFlag xmlns:ma14="http://schemas.microsoft.com/office/mac/drawingml/2011/main" xmlns="" val="1"/>
+            </a:ext>
+          </a:extLst>
+        </p:spPr>
+        <p:txBody>
+          <a:bodyPr lIns="45718" tIns="45718" rIns="45718" bIns="45718">
+            <a:spAutoFit/>
+          </a:bodyPr>
+          <a:lstStyle/>
+          <a:p>
+            <a:pPr marL="307473" indent="-307473" algn="l">
+              <a:buSzPct val="100000"/>
+              <a:buAutoNum type="arabicPeriod"/>
+              <a:defRPr sz="2300" b="0">
+                <a:solidFill>
+                  <a:srgbClr val="0070C0"/>
+                </a:solidFill>
+                <a:latin typeface="黑体"/>
+                <a:ea typeface="黑体"/>
+                <a:cs typeface="黑体"/>
+                <a:sym typeface="黑体"/>
+              </a:defRPr>
+            </a:pPr>
+            <a:r>
+              <a:rPr dirty="0">
+                <a:solidFill>
+                  <a:srgbClr val="000000"/>
+                </a:solidFill>
+              </a:rPr>
+              <a:t>Achieving Accuracy and Scalability Simultaneously in Detecting Application Clones on Android Markets</a:t>
+            </a:r>
+          </a:p>
+          <a:p>
+            <a:pPr algn="l">
+              <a:defRPr sz="2300" b="0">
+                <a:solidFill>
+                  <a:srgbClr val="0070C0"/>
+                </a:solidFill>
+                <a:latin typeface="黑体"/>
+                <a:ea typeface="黑体"/>
+                <a:cs typeface="黑体"/>
+                <a:sym typeface="黑体"/>
+              </a:defRPr>
+            </a:pPr>
+            <a:endParaRPr dirty="0">
+              <a:solidFill>
+                <a:srgbClr val="000000"/>
+              </a:solidFill>
+            </a:endParaRPr>
+          </a:p>
+          <a:p>
+            <a:pPr marL="307473" indent="-307473" algn="l">
+              <a:buSzPct val="100000"/>
+              <a:buAutoNum type="arabicPeriod" startAt="2"/>
+              <a:defRPr sz="2300" b="0">
+                <a:solidFill>
+                  <a:srgbClr val="0070C0"/>
+                </a:solidFill>
+                <a:latin typeface="黑体"/>
+                <a:ea typeface="黑体"/>
+                <a:cs typeface="黑体"/>
+                <a:sym typeface="黑体"/>
+              </a:defRPr>
+            </a:pPr>
+            <a:r>
+              <a:rPr dirty="0">
+                <a:solidFill>
+                  <a:srgbClr val="000000"/>
+                </a:solidFill>
+              </a:rPr>
+              <a:t>On Finding Duplication and Near-Duplication in Large Software System</a:t>
+            </a:r>
+          </a:p>
+          <a:p>
+            <a:pPr algn="l">
+              <a:defRPr sz="2300" b="0">
+                <a:solidFill>
+                  <a:srgbClr val="0070C0"/>
+                </a:solidFill>
+                <a:latin typeface="黑体"/>
+                <a:ea typeface="黑体"/>
+                <a:cs typeface="黑体"/>
+                <a:sym typeface="黑体"/>
+              </a:defRPr>
+            </a:pPr>
+            <a:endParaRPr dirty="0">
+              <a:solidFill>
+                <a:srgbClr val="000000"/>
+              </a:solidFill>
+            </a:endParaRPr>
+          </a:p>
+          <a:p>
+            <a:pPr marL="307473" indent="-307473" algn="l">
+              <a:buSzPct val="100000"/>
+              <a:buAutoNum type="arabicPeriod" startAt="3"/>
+              <a:defRPr sz="2300" b="0">
+                <a:solidFill>
+                  <a:srgbClr val="0070C0"/>
+                </a:solidFill>
+                <a:latin typeface="黑体"/>
+                <a:ea typeface="黑体"/>
+                <a:cs typeface="黑体"/>
+                <a:sym typeface="黑体"/>
+              </a:defRPr>
+            </a:pPr>
+            <a:r>
+              <a:rPr dirty="0" err="1">
+                <a:solidFill>
+                  <a:srgbClr val="000000"/>
+                </a:solidFill>
+              </a:rPr>
+              <a:t>CCFinder</a:t>
+            </a:r>
+            <a:r>
+              <a:rPr dirty="0">
+                <a:solidFill>
+                  <a:srgbClr val="000000"/>
+                </a:solidFill>
+              </a:rPr>
+              <a:t>: A </a:t>
+            </a:r>
+            <a:r>
+              <a:rPr dirty="0" err="1">
+                <a:solidFill>
+                  <a:srgbClr val="000000"/>
+                </a:solidFill>
+              </a:rPr>
+              <a:t>Multilinguistic</a:t>
+            </a:r>
+            <a:r>
+              <a:rPr dirty="0">
+                <a:solidFill>
+                  <a:srgbClr val="000000"/>
+                </a:solidFill>
+              </a:rPr>
+              <a:t> Token-Based Code Clone Detection System for Large Scale Source Code</a:t>
+            </a:r>
+            <a:r>
+              <a:rPr dirty="0"/>
+              <a:t/>
+            </a:r>
+            <a:br>
+              <a:rPr dirty="0"/>
+            </a:br>
+            <a:endParaRPr dirty="0"/>
+          </a:p>
+        </p:txBody>
+      </p:sp>
+    </p:spTree>
+  </p:cSld>
+  <p:clrMapOvr>
+    <a:masterClrMapping/>
+  </p:clrMapOvr>
+  <p:transition spd="med"/>
+  <p:timing>
+    <p:tnLst>
+      <p:par>
+        <p:cTn id="1" dur="indefinite" restart="never" nodeType="tmRoot"/>
+      </p:par>
+    </p:tnLst>
+  </p:timing>
+</p:sld>
+</file>
+
+<file path=ppt/slides/slide35.xml><?xml version="1.0" encoding="utf-8"?>
+<p:sld xmlns:a="http://schemas.openxmlformats.org/drawingml/2006/main" xmlns:r="http://schemas.openxmlformats.org/officeDocument/2006/relationships" xmlns:p="http://schemas.openxmlformats.org/presentationml/2006/main">
+  <p:cSld>
+    <p:spTree>
+      <p:nvGrpSpPr>
+        <p:cNvPr id="1" name=""/>
+        <p:cNvGrpSpPr/>
+        <p:nvPr/>
+      </p:nvGrpSpPr>
+      <p:grpSpPr>
+        <a:xfrm>
+          <a:off x="0" y="0"/>
+          <a:ext cx="0" cy="0"/>
+          <a:chOff x="0" y="0"/>
+          <a:chExt cx="0" cy="0"/>
+        </a:xfrm>
+      </p:grpSpPr>
+      <p:sp>
+        <p:nvSpPr>
+          <p:cNvPr id="433" name="Shape 732"/>
+          <p:cNvSpPr/>
+          <p:nvPr/>
+        </p:nvSpPr>
+        <p:spPr>
+          <a:xfrm>
+            <a:off x="1739900" y="-114302"/>
+            <a:ext cx="2093911" cy="1649417"/>
+          </a:xfrm>
+          <a:prstGeom prst="rect">
+            <a:avLst/>
+          </a:prstGeom>
+          <a:solidFill>
+            <a:srgbClr val="0070C0"/>
+          </a:solidFill>
+          <a:ln w="12700">
+            <a:solidFill>
+              <a:srgbClr val="FFFFFF"/>
+            </a:solidFill>
+            <a:miter/>
+          </a:ln>
+        </p:spPr>
+        <p:txBody>
+          <a:bodyPr lIns="45718" tIns="45718" rIns="45718" bIns="45718" anchor="ctr"/>
+          <a:lstStyle/>
+          <a:p>
+            <a:pPr algn="ctr">
+              <a:defRPr sz="1800" b="0"/>
+            </a:pPr>
+            <a:endParaRPr/>
+          </a:p>
+        </p:txBody>
+      </p:sp>
+      <p:sp>
+        <p:nvSpPr>
+          <p:cNvPr id="434" name="Shape 733"/>
+          <p:cNvSpPr txBox="1"/>
+          <p:nvPr/>
+        </p:nvSpPr>
+        <p:spPr>
+          <a:xfrm>
+            <a:off x="2002026" y="520996"/>
+            <a:ext cx="1552087" cy="916939"/>
+          </a:xfrm>
+          <a:prstGeom prst="rect">
+            <a:avLst/>
+          </a:prstGeom>
+          <a:ln w="12700">
+            <a:miter lim="400000"/>
+          </a:ln>
+          <a:extLst>
+            <a:ext uri="{C572A759-6A51-4108-AA02-DFA0A04FC94B}">
+              <ma14:wrappingTextBoxFlag xmlns:ma14="http://schemas.microsoft.com/office/mac/drawingml/2011/main" xmlns="" val="1"/>
+            </a:ext>
+          </a:extLst>
+        </p:spPr>
+        <p:txBody>
+          <a:bodyPr wrap="none" lIns="45718" tIns="45718" rIns="45718" bIns="45718">
+            <a:spAutoFit/>
+          </a:bodyPr>
+          <a:lstStyle>
+            <a:lvl1pPr>
+              <a:defRPr sz="5400">
+                <a:latin typeface="方正超粗黑_GBK"/>
+                <a:ea typeface="方正超粗黑_GBK"/>
+                <a:cs typeface="方正超粗黑_GBK"/>
+                <a:sym typeface="方正超粗黑_GBK"/>
+              </a:defRPr>
+            </a:lvl1pPr>
+          </a:lstStyle>
+          <a:p>
+            <a:r>
+              <a:t>END</a:t>
+            </a:r>
+          </a:p>
+        </p:txBody>
+      </p:sp>
+      <p:sp>
+        <p:nvSpPr>
+          <p:cNvPr id="435" name="Shape 734"/>
+          <p:cNvSpPr/>
+          <p:nvPr/>
+        </p:nvSpPr>
+        <p:spPr>
+          <a:xfrm>
+            <a:off x="1739900" y="6477000"/>
+            <a:ext cx="2093911" cy="1649415"/>
+          </a:xfrm>
+          <a:prstGeom prst="rect">
+            <a:avLst/>
+          </a:prstGeom>
+          <a:solidFill>
+            <a:srgbClr val="0070C0"/>
+          </a:solidFill>
+          <a:ln w="12700">
+            <a:solidFill>
+              <a:srgbClr val="FFFFFF"/>
+            </a:solidFill>
+            <a:miter/>
+          </a:ln>
+        </p:spPr>
+        <p:txBody>
+          <a:bodyPr lIns="45718" tIns="45718" rIns="45718" bIns="45718" anchor="ctr"/>
+          <a:lstStyle/>
+          <a:p>
+            <a:pPr algn="ctr">
+              <a:defRPr sz="1800" b="0"/>
+            </a:pPr>
+            <a:endParaRPr/>
+          </a:p>
+        </p:txBody>
+      </p:sp>
+      <p:sp>
+        <p:nvSpPr>
           <p:cNvPr id="436" name="Shape 735"/>
           <p:cNvSpPr txBox="1"/>
           <p:nvPr/>
@@ -14882,7 +16634,7 @@
           </a:ln>
           <a:extLst>
             <a:ext uri="{C572A759-6A51-4108-AA02-DFA0A04FC94B}">
-              <ma14:wrappingTextBoxFlag xmlns="" xmlns:ma14="http://schemas.microsoft.com/office/mac/drawingml/2011/main" val="1"/>
+              <ma14:wrappingTextBoxFlag xmlns:ma14="http://schemas.microsoft.com/office/mac/drawingml/2011/main" xmlns="" val="1"/>
             </a:ext>
           </a:extLst>
         </p:spPr>
@@ -14994,7 +16746,7 @@
           </a:ln>
           <a:extLst>
             <a:ext uri="{C572A759-6A51-4108-AA02-DFA0A04FC94B}">
-              <ma14:wrappingTextBoxFlag xmlns="" xmlns:ma14="http://schemas.microsoft.com/office/mac/drawingml/2011/main" val="1"/>
+              <ma14:wrappingTextBoxFlag xmlns:ma14="http://schemas.microsoft.com/office/mac/drawingml/2011/main" xmlns="" val="1"/>
             </a:ext>
           </a:extLst>
         </p:spPr>
@@ -15129,7 +16881,7 @@
           </a:ln>
           <a:extLst>
             <a:ext uri="{C572A759-6A51-4108-AA02-DFA0A04FC94B}">
-              <ma14:wrappingTextBoxFlag xmlns="" xmlns:ma14="http://schemas.microsoft.com/office/mac/drawingml/2011/main" val="1"/>
+              <ma14:wrappingTextBoxFlag xmlns:ma14="http://schemas.microsoft.com/office/mac/drawingml/2011/main" xmlns="" val="1"/>
             </a:ext>
           </a:extLst>
         </p:spPr>
@@ -15173,7 +16925,7 @@
           </a:ln>
           <a:extLst>
             <a:ext uri="{C572A759-6A51-4108-AA02-DFA0A04FC94B}">
-              <ma14:wrappingTextBoxFlag xmlns="" xmlns:ma14="http://schemas.microsoft.com/office/mac/drawingml/2011/main" val="1"/>
+              <ma14:wrappingTextBoxFlag xmlns:ma14="http://schemas.microsoft.com/office/mac/drawingml/2011/main" xmlns="" val="1"/>
             </a:ext>
           </a:extLst>
         </p:spPr>
@@ -15196,6 +16948,7 @@
           </a:lstStyle>
           <a:p>
             <a:r>
+              <a:rPr dirty="0"/>
               <a:t>Overview</a:t>
             </a:r>
           </a:p>
@@ -15209,8 +16962,8 @@
         </p:nvSpPr>
         <p:spPr>
           <a:xfrm>
-            <a:off x="1969516" y="1584073"/>
-            <a:ext cx="8252968" cy="1348739"/>
+            <a:off x="1969515" y="1443219"/>
+            <a:ext cx="9316793" cy="1708156"/>
           </a:xfrm>
           <a:prstGeom prst="rect">
             <a:avLst/>
@@ -15220,12 +16973,12 @@
           </a:ln>
           <a:extLst>
             <a:ext uri="{C572A759-6A51-4108-AA02-DFA0A04FC94B}">
-              <ma14:wrappingTextBoxFlag xmlns="" xmlns:ma14="http://schemas.microsoft.com/office/mac/drawingml/2011/main" val="1"/>
+              <ma14:wrappingTextBoxFlag xmlns:ma14="http://schemas.microsoft.com/office/mac/drawingml/2011/main" xmlns="" val="1"/>
             </a:ext>
           </a:extLst>
         </p:spPr>
         <p:txBody>
-          <a:bodyPr lIns="45718" tIns="45718" rIns="45718" bIns="45718">
+          <a:bodyPr wrap="square" lIns="45718" tIns="45718" rIns="45718" bIns="45718">
             <a:spAutoFit/>
           </a:bodyPr>
           <a:lstStyle>
@@ -15249,6 +17002,10 @@
           </a:lstStyle>
           <a:p>
             <a:r>
+              <a:rPr dirty="0">
+                <a:latin typeface="黑体" panose="02010609060101010101" pitchFamily="49" charset="-122"/>
+                <a:ea typeface="黑体" panose="02010609060101010101" pitchFamily="49" charset="-122"/>
+              </a:rPr>
               <a:t>Code clones, or similar fragments of source code, bring unwanted problems such as inconsistencies, potential bugs and code smells. </a:t>
             </a:r>
           </a:p>
@@ -15262,8 +17019,8 @@
         </p:nvSpPr>
         <p:spPr>
           <a:xfrm>
-            <a:off x="1972442" y="2926080"/>
-            <a:ext cx="5108733" cy="1005839"/>
+            <a:off x="1969515" y="3282994"/>
+            <a:ext cx="5935275" cy="1015659"/>
           </a:xfrm>
           <a:prstGeom prst="rect">
             <a:avLst/>
@@ -15273,7 +17030,7 @@
           </a:ln>
           <a:extLst>
             <a:ext uri="{C572A759-6A51-4108-AA02-DFA0A04FC94B}">
-              <ma14:wrappingTextBoxFlag xmlns="" xmlns:ma14="http://schemas.microsoft.com/office/mac/drawingml/2011/main" val="1"/>
+              <ma14:wrappingTextBoxFlag xmlns:ma14="http://schemas.microsoft.com/office/mac/drawingml/2011/main" xmlns="" val="1"/>
             </a:ext>
           </a:extLst>
         </p:spPr>
@@ -15295,6 +17052,10 @@
               </a:defRPr>
             </a:pPr>
             <a:r>
+              <a:rPr dirty="0">
+                <a:latin typeface="黑体" panose="02010609060101010101" pitchFamily="49" charset="-122"/>
+                <a:ea typeface="黑体" panose="02010609060101010101" pitchFamily="49" charset="-122"/>
+              </a:rPr>
               <a:t>Developers lost advertising revenue and users</a:t>
             </a:r>
           </a:p>
@@ -15310,7 +17071,10 @@
                 <a:sym typeface="Times"/>
               </a:defRPr>
             </a:pPr>
-            <a:endParaRPr/>
+            <a:endParaRPr dirty="0">
+              <a:latin typeface="黑体" panose="02010609060101010101" pitchFamily="49" charset="-122"/>
+              <a:ea typeface="黑体" panose="02010609060101010101" pitchFamily="49" charset="-122"/>
+            </a:endParaRPr>
           </a:p>
           <a:p>
             <a:pPr>
@@ -15325,6 +17089,10 @@
               </a:defRPr>
             </a:pPr>
             <a:r>
+              <a:rPr dirty="0">
+                <a:latin typeface="黑体" panose="02010609060101010101" pitchFamily="49" charset="-122"/>
+                <a:ea typeface="黑体" panose="02010609060101010101" pitchFamily="49" charset="-122"/>
+              </a:rPr>
               <a:t>Malware prefers to use clones as carriers</a:t>
             </a:r>
           </a:p>
@@ -15661,7 +17429,7 @@
           </a:ln>
           <a:extLst>
             <a:ext uri="{C572A759-6A51-4108-AA02-DFA0A04FC94B}">
-              <ma14:wrappingTextBoxFlag xmlns="" xmlns:ma14="http://schemas.microsoft.com/office/mac/drawingml/2011/main" val="1"/>
+              <ma14:wrappingTextBoxFlag xmlns:ma14="http://schemas.microsoft.com/office/mac/drawingml/2011/main" xmlns="" val="1"/>
             </a:ext>
           </a:extLst>
         </p:spPr>
@@ -15705,7 +17473,7 @@
           </a:ln>
           <a:extLst>
             <a:ext uri="{C572A759-6A51-4108-AA02-DFA0A04FC94B}">
-              <ma14:wrappingTextBoxFlag xmlns="" xmlns:ma14="http://schemas.microsoft.com/office/mac/drawingml/2011/main" val="1"/>
+              <ma14:wrappingTextBoxFlag xmlns:ma14="http://schemas.microsoft.com/office/mac/drawingml/2011/main" xmlns="" val="1"/>
             </a:ext>
           </a:extLst>
         </p:spPr>
@@ -15780,7 +17548,7 @@
           </a:ln>
           <a:extLst>
             <a:ext uri="{C572A759-6A51-4108-AA02-DFA0A04FC94B}">
-              <ma14:wrappingTextBoxFlag xmlns="" xmlns:ma14="http://schemas.microsoft.com/office/mac/drawingml/2011/main" val="1"/>
+              <ma14:wrappingTextBoxFlag xmlns:ma14="http://schemas.microsoft.com/office/mac/drawingml/2011/main" xmlns="" val="1"/>
             </a:ext>
           </a:extLst>
         </p:spPr>
@@ -15954,7 +17722,7 @@
       </p:grpSpPr>
       <p:sp>
         <p:nvSpPr>
-          <p:cNvPr id="189" name="Shape 189"/>
+          <p:cNvPr id="183" name="Shape 189"/>
           <p:cNvSpPr/>
           <p:nvPr/>
         </p:nvSpPr>
@@ -15986,7 +17754,7 @@
       </p:sp>
       <p:sp>
         <p:nvSpPr>
-          <p:cNvPr id="190" name="Shape 190"/>
+          <p:cNvPr id="184" name="Shape 190"/>
           <p:cNvSpPr txBox="1"/>
           <p:nvPr/>
         </p:nvSpPr>
@@ -16003,7 +17771,7 @@
           </a:ln>
           <a:extLst>
             <a:ext uri="{C572A759-6A51-4108-AA02-DFA0A04FC94B}">
-              <ma14:wrappingTextBoxFlag xmlns="" xmlns:ma14="http://schemas.microsoft.com/office/mac/drawingml/2011/main" val="1"/>
+              <ma14:wrappingTextBoxFlag xmlns:ma14="http://schemas.microsoft.com/office/mac/drawingml/2011/main" xmlns="" val="1"/>
             </a:ext>
           </a:extLst>
         </p:spPr>
@@ -16030,7 +17798,7 @@
       </p:sp>
       <p:sp>
         <p:nvSpPr>
-          <p:cNvPr id="191" name="Shape 191"/>
+          <p:cNvPr id="185" name="Shape 191"/>
           <p:cNvSpPr txBox="1"/>
           <p:nvPr/>
         </p:nvSpPr>
@@ -16047,7 +17815,7 @@
           </a:ln>
           <a:extLst>
             <a:ext uri="{C572A759-6A51-4108-AA02-DFA0A04FC94B}">
-              <ma14:wrappingTextBoxFlag xmlns="" xmlns:ma14="http://schemas.microsoft.com/office/mac/drawingml/2011/main" val="1"/>
+              <ma14:wrappingTextBoxFlag xmlns:ma14="http://schemas.microsoft.com/office/mac/drawingml/2011/main" xmlns="" val="1"/>
             </a:ext>
           </a:extLst>
         </p:spPr>
@@ -16077,7 +17845,7 @@
       </p:sp>
       <p:sp>
         <p:nvSpPr>
-          <p:cNvPr id="192" name="Text"/>
+          <p:cNvPr id="186" name="Text"/>
           <p:cNvSpPr txBox="1"/>
           <p:nvPr/>
         </p:nvSpPr>
@@ -16105,14 +17873,14 @@
       </p:sp>
       <p:sp>
         <p:nvSpPr>
-          <p:cNvPr id="193" name="Prior work:…"/>
+          <p:cNvPr id="187" name="Four types of clones…"/>
           <p:cNvSpPr txBox="1"/>
           <p:nvPr/>
         </p:nvSpPr>
         <p:spPr>
           <a:xfrm>
             <a:off x="1965882" y="1585719"/>
-            <a:ext cx="2004712" cy="4334965"/>
+            <a:ext cx="8260236" cy="615998"/>
           </a:xfrm>
           <a:prstGeom prst="rect">
             <a:avLst/>
@@ -16122,12 +17890,12 @@
           </a:ln>
           <a:extLst>
             <a:ext uri="{C572A759-6A51-4108-AA02-DFA0A04FC94B}">
-              <ma14:wrappingTextBoxFlag xmlns="" xmlns:ma14="http://schemas.microsoft.com/office/mac/drawingml/2011/main" val="1"/>
+              <ma14:wrappingTextBoxFlag xmlns:ma14="http://schemas.microsoft.com/office/mac/drawingml/2011/main" xmlns="" val="1"/>
             </a:ext>
           </a:extLst>
         </p:spPr>
         <p:txBody>
-          <a:bodyPr wrap="none" lIns="45718" tIns="45718" rIns="45718" bIns="45718">
+          <a:bodyPr lIns="45718" tIns="45718" rIns="45718" bIns="45718">
             <a:spAutoFit/>
           </a:bodyPr>
           <a:lstStyle/>
@@ -16150,275 +17918,240 @@
               </a:defRPr>
             </a:pPr>
             <a:r>
-              <a:rPr dirty="0"/>
-              <a:t>Prior work</a:t>
-            </a:r>
-            <a:r>
-              <a:rPr dirty="0" smtClean="0"/>
-              <a:t>:</a:t>
+              <a:rPr lang="en-US" altLang="zh-CN" dirty="0" smtClean="0"/>
+              <a:t>Type 1</a:t>
             </a:r>
             <a:endParaRPr dirty="0"/>
           </a:p>
-          <a:p>
-            <a:pPr marL="320842" indent="-320842" algn="l" defTabSz="457200">
-              <a:lnSpc>
-                <a:spcPts val="4600"/>
-              </a:lnSpc>
-              <a:spcBef>
-                <a:spcPts val="1200"/>
-              </a:spcBef>
-              <a:buSzPct val="100000"/>
-              <a:buAutoNum type="arabicPeriod"/>
-              <a:defRPr sz="2400" b="0">
-                <a:solidFill>
-                  <a:srgbClr val="000000"/>
-                </a:solidFill>
-                <a:latin typeface="+mj-lt"/>
-                <a:ea typeface="+mj-ea"/>
-                <a:cs typeface="+mj-cs"/>
-                <a:sym typeface="Calibri Light"/>
-              </a:defRPr>
-            </a:pPr>
-            <a:r>
-              <a:rPr dirty="0"/>
-              <a:t>String-based</a:t>
-            </a:r>
-          </a:p>
-          <a:p>
-            <a:pPr marL="320842" indent="-320842" algn="l" defTabSz="457200">
-              <a:lnSpc>
-                <a:spcPts val="4600"/>
-              </a:lnSpc>
-              <a:spcBef>
-                <a:spcPts val="1200"/>
-              </a:spcBef>
-              <a:buSzPct val="100000"/>
-              <a:buAutoNum type="arabicPeriod"/>
-              <a:defRPr sz="2400" b="0">
-                <a:solidFill>
-                  <a:srgbClr val="000000"/>
-                </a:solidFill>
-                <a:latin typeface="+mj-lt"/>
-                <a:ea typeface="+mj-ea"/>
-                <a:cs typeface="+mj-cs"/>
-                <a:sym typeface="Calibri Light"/>
-              </a:defRPr>
-            </a:pPr>
-            <a:r>
-              <a:rPr dirty="0"/>
-              <a:t>Token-based</a:t>
-            </a:r>
-          </a:p>
-          <a:p>
-            <a:pPr marL="320842" indent="-320842" algn="l" defTabSz="457200">
-              <a:lnSpc>
-                <a:spcPts val="4600"/>
-              </a:lnSpc>
-              <a:spcBef>
-                <a:spcPts val="1200"/>
-              </a:spcBef>
-              <a:buSzPct val="100000"/>
-              <a:buAutoNum type="arabicPeriod"/>
-              <a:defRPr sz="2400" b="0">
-                <a:solidFill>
-                  <a:srgbClr val="000000"/>
-                </a:solidFill>
-                <a:latin typeface="+mj-lt"/>
-                <a:ea typeface="+mj-ea"/>
-                <a:cs typeface="+mj-cs"/>
-                <a:sym typeface="Calibri Light"/>
-              </a:defRPr>
-            </a:pPr>
-            <a:r>
-              <a:rPr dirty="0"/>
-              <a:t>AST-based</a:t>
-            </a:r>
-          </a:p>
-          <a:p>
-            <a:pPr marL="320842" indent="-320842" algn="l" defTabSz="457200">
-              <a:lnSpc>
-                <a:spcPts val="4600"/>
-              </a:lnSpc>
-              <a:spcBef>
-                <a:spcPts val="1200"/>
-              </a:spcBef>
-              <a:buSzPct val="100000"/>
-              <a:buAutoNum type="arabicPeriod"/>
-              <a:defRPr sz="2400" b="0">
-                <a:solidFill>
-                  <a:srgbClr val="000000"/>
-                </a:solidFill>
-                <a:latin typeface="+mj-lt"/>
-                <a:ea typeface="+mj-ea"/>
-                <a:cs typeface="+mj-cs"/>
-                <a:sym typeface="Calibri Light"/>
-              </a:defRPr>
-            </a:pPr>
-            <a:r>
-              <a:rPr dirty="0"/>
-              <a:t>PDG-based</a:t>
-            </a:r>
-          </a:p>
-          <a:p>
-            <a:pPr marL="320842" indent="-320842" algn="l" defTabSz="457200">
-              <a:lnSpc>
-                <a:spcPts val="4600"/>
-              </a:lnSpc>
-              <a:spcBef>
-                <a:spcPts val="1200"/>
-              </a:spcBef>
-              <a:buSzPct val="100000"/>
-              <a:buAutoNum type="arabicPeriod"/>
-              <a:defRPr sz="2400" b="0">
-                <a:solidFill>
-                  <a:srgbClr val="000000"/>
-                </a:solidFill>
-                <a:latin typeface="+mj-lt"/>
-                <a:ea typeface="+mj-ea"/>
-                <a:cs typeface="+mj-cs"/>
-                <a:sym typeface="Calibri Light"/>
-              </a:defRPr>
-            </a:pPr>
-            <a:r>
-              <a:rPr dirty="0"/>
-              <a:t>… </a:t>
-            </a:r>
-          </a:p>
-        </p:txBody>
-      </p:sp>
-      <p:sp>
-        <p:nvSpPr>
-          <p:cNvPr id="194" name="Text"/>
-          <p:cNvSpPr txBox="1"/>
-          <p:nvPr/>
-        </p:nvSpPr>
-        <p:spPr>
-          <a:xfrm>
-            <a:off x="-786591" y="4135530"/>
-            <a:ext cx="641408" cy="459739"/>
-          </a:xfrm>
-          <a:prstGeom prst="rect">
-            <a:avLst/>
-          </a:prstGeom>
-          <a:ln w="12700">
-            <a:miter lim="400000"/>
-          </a:ln>
-        </p:spPr>
-        <p:txBody>
-          <a:bodyPr wrap="none" lIns="45718" tIns="45718" rIns="45718" bIns="45718">
+        </p:txBody>
+      </p:sp>
+      <p:sp>
+        <p:nvSpPr>
+          <p:cNvPr id="4" name="矩形 3"/>
+          <p:cNvSpPr/>
+          <p:nvPr/>
+        </p:nvSpPr>
+        <p:spPr>
+          <a:xfrm>
+            <a:off x="1965882" y="2804430"/>
+            <a:ext cx="3716461" cy="1631216"/>
+          </a:xfrm>
+          <a:prstGeom prst="rect">
+            <a:avLst/>
+          </a:prstGeom>
+        </p:spPr>
+        <p:txBody>
+          <a:bodyPr wrap="square">
             <a:spAutoFit/>
           </a:bodyPr>
           <a:lstStyle/>
           <a:p>
-            <a:pPr algn="l" defTabSz="457200">
-              <a:lnSpc>
-                <a:spcPts val="4200"/>
-              </a:lnSpc>
-              <a:spcBef>
-                <a:spcPts val="1200"/>
-              </a:spcBef>
-              <a:defRPr sz="2400" b="0">
+            <a:r>
+              <a:rPr lang="en-US" altLang="zh-CN" b="0" dirty="0">
                 <a:solidFill>
                   <a:srgbClr val="000000"/>
                 </a:solidFill>
-                <a:latin typeface="+mj-lt"/>
-                <a:ea typeface="+mj-ea"/>
-                <a:cs typeface="+mj-cs"/>
-                <a:sym typeface="Calibri Light"/>
-              </a:defRPr>
-            </a:pPr>
-            <a:endParaRPr/>
-          </a:p>
-        </p:txBody>
-      </p:sp>
-      <p:pic>
-        <p:nvPicPr>
-          <p:cNvPr id="195" name="WechatIMG32.jpeg" descr="WechatIMG32.jpeg"/>
-          <p:cNvPicPr>
-            <a:picLocks noChangeAspect="1"/>
-          </p:cNvPicPr>
-          <p:nvPr/>
-        </p:nvPicPr>
-        <p:blipFill>
-          <a:blip r:embed="rId2">
-            <a:extLst/>
-          </a:blip>
-          <a:stretch>
-            <a:fillRect/>
-          </a:stretch>
-        </p:blipFill>
-        <p:spPr>
-          <a:xfrm>
-            <a:off x="5606181" y="1406618"/>
-            <a:ext cx="3951011" cy="4044764"/>
-          </a:xfrm>
-          <a:prstGeom prst="rect">
-            <a:avLst/>
-          </a:prstGeom>
-          <a:ln w="12700">
-            <a:miter lim="400000"/>
-          </a:ln>
-        </p:spPr>
-      </p:pic>
-      <p:pic>
-        <p:nvPicPr>
-          <p:cNvPr id="196" name="WechatIMG33.jpeg" descr="WechatIMG33.jpeg"/>
-          <p:cNvPicPr>
-            <a:picLocks noChangeAspect="1"/>
-          </p:cNvPicPr>
-          <p:nvPr/>
-        </p:nvPicPr>
-        <p:blipFill>
-          <a:blip r:embed="rId3">
-            <a:extLst/>
-          </a:blip>
-          <a:stretch>
-            <a:fillRect/>
-          </a:stretch>
-        </p:blipFill>
-        <p:spPr>
-          <a:xfrm>
-            <a:off x="5216628" y="1220532"/>
-            <a:ext cx="4730117" cy="4416936"/>
-          </a:xfrm>
-          <a:prstGeom prst="rect">
-            <a:avLst/>
-          </a:prstGeom>
-          <a:ln w="12700">
-            <a:miter lim="400000"/>
-          </a:ln>
-        </p:spPr>
-      </p:pic>
-      <p:pic>
-        <p:nvPicPr>
-          <p:cNvPr id="197" name="timg.jpeg" descr="timg.jpeg"/>
-          <p:cNvPicPr>
-            <a:picLocks noChangeAspect="1"/>
-          </p:cNvPicPr>
-          <p:nvPr/>
-        </p:nvPicPr>
-        <p:blipFill>
-          <a:blip r:embed="rId4">
-            <a:extLst/>
-          </a:blip>
-          <a:stretch>
-            <a:fillRect/>
-          </a:stretch>
-        </p:blipFill>
-        <p:spPr>
-          <a:xfrm>
-            <a:off x="4449014" y="2222500"/>
-            <a:ext cx="6972301" cy="2413000"/>
-          </a:xfrm>
-          <a:prstGeom prst="rect">
-            <a:avLst/>
-          </a:prstGeom>
-          <a:ln w="12700">
-            <a:miter lim="400000"/>
-          </a:ln>
-        </p:spPr>
-      </p:pic>
+                <a:latin typeface="Fira Code" panose="020B0509050000020004" pitchFamily="49" charset="0"/>
+              </a:rPr>
+              <a:t>if (a &gt;= b) {</a:t>
+            </a:r>
+          </a:p>
+          <a:p>
+            <a:r>
+              <a:rPr lang="en-US" altLang="zh-CN" b="0" dirty="0">
+                <a:solidFill>
+                  <a:srgbClr val="000000"/>
+                </a:solidFill>
+                <a:latin typeface="Fira Code" panose="020B0509050000020004" pitchFamily="49" charset="0"/>
+              </a:rPr>
+              <a:t>c = d + b; // Comment1</a:t>
+            </a:r>
+          </a:p>
+          <a:p>
+            <a:r>
+              <a:rPr lang="en-US" altLang="zh-CN" b="0" dirty="0">
+                <a:solidFill>
+                  <a:srgbClr val="000000"/>
+                </a:solidFill>
+                <a:latin typeface="Fira Code" panose="020B0509050000020004" pitchFamily="49" charset="0"/>
+              </a:rPr>
+              <a:t>d = d + 1;}</a:t>
+            </a:r>
+          </a:p>
+          <a:p>
+            <a:r>
+              <a:rPr lang="en-US" altLang="zh-CN" b="0" dirty="0">
+                <a:solidFill>
+                  <a:srgbClr val="000000"/>
+                </a:solidFill>
+                <a:latin typeface="Fira Code" panose="020B0509050000020004" pitchFamily="49" charset="0"/>
+              </a:rPr>
+              <a:t>else</a:t>
+            </a:r>
+          </a:p>
+          <a:p>
+            <a:r>
+              <a:rPr lang="en-US" altLang="zh-CN" b="0" dirty="0">
+                <a:solidFill>
+                  <a:srgbClr val="000000"/>
+                </a:solidFill>
+                <a:latin typeface="Fira Code" panose="020B0509050000020004" pitchFamily="49" charset="0"/>
+              </a:rPr>
+              <a:t>c = d - a; //Comment2</a:t>
+            </a:r>
+          </a:p>
+        </p:txBody>
+      </p:sp>
+      <p:sp>
+        <p:nvSpPr>
+          <p:cNvPr id="5" name="矩形 4"/>
+          <p:cNvSpPr/>
+          <p:nvPr/>
+        </p:nvSpPr>
+        <p:spPr>
+          <a:xfrm>
+            <a:off x="6405170" y="2804430"/>
+            <a:ext cx="6096000" cy="1938992"/>
+          </a:xfrm>
+          <a:prstGeom prst="rect">
+            <a:avLst/>
+          </a:prstGeom>
+        </p:spPr>
+        <p:txBody>
+          <a:bodyPr>
+            <a:spAutoFit/>
+          </a:bodyPr>
+          <a:lstStyle/>
+          <a:p>
+            <a:r>
+              <a:rPr lang="en-US" altLang="zh-CN" b="0" dirty="0">
+                <a:solidFill>
+                  <a:srgbClr val="000000"/>
+                </a:solidFill>
+                <a:latin typeface="Fira Code" panose="020B0509050000020004" pitchFamily="49" charset="0"/>
+              </a:rPr>
+              <a:t>if (a&gt;=b) {</a:t>
+            </a:r>
+          </a:p>
+          <a:p>
+            <a:r>
+              <a:rPr lang="en-US" altLang="zh-CN" b="0" dirty="0">
+                <a:solidFill>
+                  <a:srgbClr val="000000"/>
+                </a:solidFill>
+                <a:latin typeface="Fira Code" panose="020B0509050000020004" pitchFamily="49" charset="0"/>
+              </a:rPr>
+              <a:t>// Comment1'</a:t>
+            </a:r>
+          </a:p>
+          <a:p>
+            <a:r>
+              <a:rPr lang="en-US" altLang="zh-CN" b="0" dirty="0">
+                <a:solidFill>
+                  <a:srgbClr val="000000"/>
+                </a:solidFill>
+                <a:latin typeface="Fira Code" panose="020B0509050000020004" pitchFamily="49" charset="0"/>
+              </a:rPr>
+              <a:t>c=</a:t>
+            </a:r>
+            <a:r>
+              <a:rPr lang="en-US" altLang="zh-CN" b="0" dirty="0" err="1">
+                <a:solidFill>
+                  <a:srgbClr val="000000"/>
+                </a:solidFill>
+                <a:latin typeface="Fira Code" panose="020B0509050000020004" pitchFamily="49" charset="0"/>
+              </a:rPr>
+              <a:t>d+b</a:t>
+            </a:r>
+            <a:r>
+              <a:rPr lang="en-US" altLang="zh-CN" b="0" dirty="0">
+                <a:solidFill>
+                  <a:srgbClr val="000000"/>
+                </a:solidFill>
+                <a:latin typeface="Fira Code" panose="020B0509050000020004" pitchFamily="49" charset="0"/>
+              </a:rPr>
+              <a:t>;</a:t>
+            </a:r>
+          </a:p>
+          <a:p>
+            <a:r>
+              <a:rPr lang="en-US" altLang="zh-CN" b="0" dirty="0">
+                <a:solidFill>
+                  <a:srgbClr val="000000"/>
+                </a:solidFill>
+                <a:latin typeface="Fira Code" panose="020B0509050000020004" pitchFamily="49" charset="0"/>
+              </a:rPr>
+              <a:t>d=d+1;}</a:t>
+            </a:r>
+          </a:p>
+          <a:p>
+            <a:r>
+              <a:rPr lang="en-US" altLang="zh-CN" b="0" dirty="0">
+                <a:solidFill>
+                  <a:srgbClr val="000000"/>
+                </a:solidFill>
+                <a:latin typeface="Fira Code" panose="020B0509050000020004" pitchFamily="49" charset="0"/>
+              </a:rPr>
+              <a:t>else // Comment2'</a:t>
+            </a:r>
+          </a:p>
+          <a:p>
+            <a:r>
+              <a:rPr lang="en-US" altLang="zh-CN" b="0" dirty="0">
+                <a:solidFill>
+                  <a:srgbClr val="000000"/>
+                </a:solidFill>
+                <a:latin typeface="Fira Code" panose="020B0509050000020004" pitchFamily="49" charset="0"/>
+              </a:rPr>
+              <a:t>c=d-a;</a:t>
+            </a:r>
+          </a:p>
+        </p:txBody>
+      </p:sp>
+      <p:cxnSp>
+        <p:nvCxnSpPr>
+          <p:cNvPr id="7" name="直接连接符 6"/>
+          <p:cNvCxnSpPr/>
+          <p:nvPr/>
+        </p:nvCxnSpPr>
+        <p:spPr>
+          <a:xfrm>
+            <a:off x="5891349" y="1585719"/>
+            <a:ext cx="0" cy="4148875"/>
+          </a:xfrm>
+          <a:prstGeom prst="line">
+            <a:avLst/>
+          </a:prstGeom>
+          <a:noFill/>
+          <a:ln w="25400" cap="flat">
+            <a:solidFill>
+              <a:schemeClr val="accent1"/>
+            </a:solidFill>
+            <a:prstDash val="solid"/>
+            <a:round/>
+          </a:ln>
+          <a:effectLst/>
+          <a:sp3d/>
+        </p:spPr>
+        <p:style>
+          <a:lnRef idx="0">
+            <a:scrgbClr r="0" g="0" b="0"/>
+          </a:lnRef>
+          <a:fillRef idx="0">
+            <a:scrgbClr r="0" g="0" b="0"/>
+          </a:fillRef>
+          <a:effectRef idx="0">
+            <a:scrgbClr r="0" g="0" b="0"/>
+          </a:effectRef>
+          <a:fontRef idx="none"/>
+        </p:style>
+      </p:cxnSp>
     </p:spTree>
+    <p:extLst>
+      <p:ext uri="{BB962C8B-B14F-4D97-AF65-F5344CB8AC3E}">
+        <p14:creationId xmlns:p14="http://schemas.microsoft.com/office/powerpoint/2010/main" val="409384050"/>
+      </p:ext>
+    </p:extLst>
   </p:cSld>
   <p:clrMapOvr>
     <a:masterClrMapping/>
@@ -16427,169 +18160,9 @@
   <p:timing>
     <p:tnLst>
       <p:par>
-        <p:cTn id="1" dur="indefinite" restart="never" fill="hold" nodeType="tmRoot">
-          <p:childTnLst>
-            <p:seq concurrent="1" prevAc="none" nextAc="seek">
-              <p:cTn id="2" dur="indefinite" fill="hold" nodeType="mainSeq">
-                <p:childTnLst>
-                  <p:par>
-                    <p:cTn id="3" fill="hold">
-                      <p:stCondLst>
-                        <p:cond delay="indefinite"/>
-                      </p:stCondLst>
-                      <p:childTnLst>
-                        <p:par>
-                          <p:cTn id="4" fill="hold">
-                            <p:stCondLst>
-                              <p:cond delay="0"/>
-                            </p:stCondLst>
-                            <p:childTnLst>
-                              <p:par>
-                                <p:cTn id="5" presetID="1" presetClass="entr" presetSubtype="0" fill="hold" grpId="1" nodeType="clickEffect">
-                                  <p:stCondLst>
-                                    <p:cond delay="0"/>
-                                  </p:stCondLst>
-                                  <p:iterate>
-                                    <p:tmAbs val="0"/>
-                                  </p:iterate>
-                                  <p:childTnLst>
-                                    <p:set>
-                                      <p:cBhvr>
-                                        <p:cTn id="6" fill="hold"/>
-                                        <p:tgtEl>
-                                          <p:spTgt spid="195"/>
-                                        </p:tgtEl>
-                                        <p:attrNameLst>
-                                          <p:attrName>style.visibility</p:attrName>
-                                        </p:attrNameLst>
-                                      </p:cBhvr>
-                                      <p:to>
-                                        <p:strVal val="visible"/>
-                                      </p:to>
-                                    </p:set>
-                                  </p:childTnLst>
-                                </p:cTn>
-                              </p:par>
-                            </p:childTnLst>
-                          </p:cTn>
-                        </p:par>
-                      </p:childTnLst>
-                    </p:cTn>
-                  </p:par>
-                  <p:par>
-                    <p:cTn id="7" fill="hold">
-                      <p:stCondLst>
-                        <p:cond delay="indefinite"/>
-                      </p:stCondLst>
-                      <p:childTnLst>
-                        <p:par>
-                          <p:cTn id="8" fill="hold">
-                            <p:stCondLst>
-                              <p:cond delay="0"/>
-                            </p:stCondLst>
-                            <p:childTnLst>
-                              <p:par>
-                                <p:cTn id="9" presetID="1" presetClass="entr" presetSubtype="0" fill="hold" grpId="2" nodeType="clickEffect">
-                                  <p:stCondLst>
-                                    <p:cond delay="0"/>
-                                  </p:stCondLst>
-                                  <p:iterate>
-                                    <p:tmAbs val="0"/>
-                                  </p:iterate>
-                                  <p:childTnLst>
-                                    <p:set>
-                                      <p:cBhvr>
-                                        <p:cTn id="10" fill="hold"/>
-                                        <p:tgtEl>
-                                          <p:spTgt spid="196"/>
-                                        </p:tgtEl>
-                                        <p:attrNameLst>
-                                          <p:attrName>style.visibility</p:attrName>
-                                        </p:attrNameLst>
-                                      </p:cBhvr>
-                                      <p:to>
-                                        <p:strVal val="visible"/>
-                                      </p:to>
-                                    </p:set>
-                                  </p:childTnLst>
-                                </p:cTn>
-                              </p:par>
-                            </p:childTnLst>
-                          </p:cTn>
-                        </p:par>
-                      </p:childTnLst>
-                    </p:cTn>
-                  </p:par>
-                  <p:par>
-                    <p:cTn id="11" fill="hold">
-                      <p:stCondLst>
-                        <p:cond delay="indefinite"/>
-                      </p:stCondLst>
-                      <p:childTnLst>
-                        <p:par>
-                          <p:cTn id="12" fill="hold">
-                            <p:stCondLst>
-                              <p:cond delay="0"/>
-                            </p:stCondLst>
-                            <p:childTnLst>
-                              <p:par>
-                                <p:cTn id="13" presetID="1" presetClass="entr" presetSubtype="0" fill="hold" grpId="3" nodeType="clickEffect">
-                                  <p:stCondLst>
-                                    <p:cond delay="0"/>
-                                  </p:stCondLst>
-                                  <p:iterate>
-                                    <p:tmAbs val="0"/>
-                                  </p:iterate>
-                                  <p:childTnLst>
-                                    <p:set>
-                                      <p:cBhvr>
-                                        <p:cTn id="14" fill="hold"/>
-                                        <p:tgtEl>
-                                          <p:spTgt spid="197"/>
-                                        </p:tgtEl>
-                                        <p:attrNameLst>
-                                          <p:attrName>style.visibility</p:attrName>
-                                        </p:attrNameLst>
-                                      </p:cBhvr>
-                                      <p:to>
-                                        <p:strVal val="visible"/>
-                                      </p:to>
-                                    </p:set>
-                                  </p:childTnLst>
-                                </p:cTn>
-                              </p:par>
-                            </p:childTnLst>
-                          </p:cTn>
-                        </p:par>
-                      </p:childTnLst>
-                    </p:cTn>
-                  </p:par>
-                </p:childTnLst>
-              </p:cTn>
-              <p:prevCondLst>
-                <p:cond evt="onPrev" delay="0">
-                  <p:tgtEl>
-                    <p:sldTgt/>
-                  </p:tgtEl>
-                </p:cond>
-              </p:prevCondLst>
-              <p:nextCondLst>
-                <p:cond evt="onNext" delay="0">
-                  <p:tgtEl>
-                    <p:sldTgt/>
-                  </p:tgtEl>
-                </p:cond>
-              </p:nextCondLst>
-            </p:seq>
-          </p:childTnLst>
-        </p:cTn>
+        <p:cTn id="1" dur="indefinite" restart="never" nodeType="tmRoot"/>
       </p:par>
     </p:tnLst>
-    <p:bldLst>
-      <p:bldP spid="195" grpId="1" animBg="1" advAuto="0"/>
-      <p:bldP spid="196" grpId="2" animBg="1" advAuto="0"/>
-      <p:bldP spid="197" grpId="3" animBg="1" advAuto="0"/>
-    </p:bldLst>
   </p:timing>
 </p:sld>
 </file>
@@ -16613,7 +18186,7 @@
       </p:grpSpPr>
       <p:sp>
         <p:nvSpPr>
-          <p:cNvPr id="199" name="Shape 189"/>
+          <p:cNvPr id="183" name="Shape 189"/>
           <p:cNvSpPr/>
           <p:nvPr/>
         </p:nvSpPr>
@@ -16645,7 +18218,7 @@
       </p:sp>
       <p:sp>
         <p:nvSpPr>
-          <p:cNvPr id="200" name="Shape 190"/>
+          <p:cNvPr id="184" name="Shape 190"/>
           <p:cNvSpPr txBox="1"/>
           <p:nvPr/>
         </p:nvSpPr>
@@ -16662,7 +18235,7 @@
           </a:ln>
           <a:extLst>
             <a:ext uri="{C572A759-6A51-4108-AA02-DFA0A04FC94B}">
-              <ma14:wrappingTextBoxFlag xmlns="" xmlns:ma14="http://schemas.microsoft.com/office/mac/drawingml/2011/main" val="1"/>
+              <ma14:wrappingTextBoxFlag xmlns:ma14="http://schemas.microsoft.com/office/mac/drawingml/2011/main" xmlns="" val="1"/>
             </a:ext>
           </a:extLst>
         </p:spPr>
@@ -16689,7 +18262,7 @@
       </p:sp>
       <p:sp>
         <p:nvSpPr>
-          <p:cNvPr id="201" name="Shape 191"/>
+          <p:cNvPr id="185" name="Shape 191"/>
           <p:cNvSpPr txBox="1"/>
           <p:nvPr/>
         </p:nvSpPr>
@@ -16706,7 +18279,7 @@
           </a:ln>
           <a:extLst>
             <a:ext uri="{C572A759-6A51-4108-AA02-DFA0A04FC94B}">
-              <ma14:wrappingTextBoxFlag xmlns="" xmlns:ma14="http://schemas.microsoft.com/office/mac/drawingml/2011/main" val="1"/>
+              <ma14:wrappingTextBoxFlag xmlns:ma14="http://schemas.microsoft.com/office/mac/drawingml/2011/main" xmlns="" val="1"/>
             </a:ext>
           </a:extLst>
         </p:spPr>
@@ -16736,14 +18309,14 @@
       </p:sp>
       <p:sp>
         <p:nvSpPr>
-          <p:cNvPr id="202" name="Text"/>
+          <p:cNvPr id="186" name="Text"/>
           <p:cNvSpPr txBox="1"/>
           <p:nvPr/>
         </p:nvSpPr>
         <p:spPr>
           <a:xfrm>
-            <a:off x="-786591" y="4135530"/>
-            <a:ext cx="641408" cy="459739"/>
+            <a:off x="5786830" y="3236499"/>
+            <a:ext cx="618340" cy="383539"/>
           </a:xfrm>
           <a:prstGeom prst="rect">
             <a:avLst/>
@@ -16758,9 +18331,42 @@
           </a:bodyPr>
           <a:lstStyle/>
           <a:p>
+            <a:endParaRPr/>
+          </a:p>
+        </p:txBody>
+      </p:sp>
+      <p:sp>
+        <p:nvSpPr>
+          <p:cNvPr id="187" name="Four types of clones…"/>
+          <p:cNvSpPr txBox="1"/>
+          <p:nvPr/>
+        </p:nvSpPr>
+        <p:spPr>
+          <a:xfrm>
+            <a:off x="1965882" y="1585719"/>
+            <a:ext cx="8260236" cy="615998"/>
+          </a:xfrm>
+          <a:prstGeom prst="rect">
+            <a:avLst/>
+          </a:prstGeom>
+          <a:ln w="12700">
+            <a:miter lim="400000"/>
+          </a:ln>
+          <a:extLst>
+            <a:ext uri="{C572A759-6A51-4108-AA02-DFA0A04FC94B}">
+              <ma14:wrappingTextBoxFlag xmlns:ma14="http://schemas.microsoft.com/office/mac/drawingml/2011/main" xmlns="" val="1"/>
+            </a:ext>
+          </a:extLst>
+        </p:spPr>
+        <p:txBody>
+          <a:bodyPr lIns="45718" tIns="45718" rIns="45718" bIns="45718">
+            <a:spAutoFit/>
+          </a:bodyPr>
+          <a:lstStyle/>
+          <a:p>
             <a:pPr algn="l" defTabSz="457200">
               <a:lnSpc>
-                <a:spcPts val="4200"/>
+                <a:spcPts val="4600"/>
               </a:lnSpc>
               <a:spcBef>
                 <a:spcPts val="1200"/>
@@ -16775,87 +18381,245 @@
                 <a:sym typeface="Calibri Light"/>
               </a:defRPr>
             </a:pPr>
-            <a:endParaRPr/>
-          </a:p>
-        </p:txBody>
-      </p:sp>
-      <p:pic>
-        <p:nvPicPr>
-          <p:cNvPr id="203" name="WechatIMG34.jpeg" descr="WechatIMG34.jpeg"/>
-          <p:cNvPicPr>
-            <a:picLocks noChangeAspect="1"/>
-          </p:cNvPicPr>
-          <p:nvPr/>
-        </p:nvPicPr>
-        <p:blipFill>
-          <a:blip r:embed="rId2">
-            <a:extLst/>
-          </a:blip>
-          <a:stretch>
-            <a:fillRect/>
-          </a:stretch>
-        </p:blipFill>
-        <p:spPr>
-          <a:xfrm>
-            <a:off x="1839181" y="1243901"/>
-            <a:ext cx="8513638" cy="4370198"/>
-          </a:xfrm>
-          <a:prstGeom prst="rect">
-            <a:avLst/>
-          </a:prstGeom>
-          <a:ln w="12700">
-            <a:miter lim="400000"/>
-          </a:ln>
-        </p:spPr>
-      </p:pic>
-      <p:sp>
-        <p:nvSpPr>
-          <p:cNvPr id="204" name="FPR: False Positive Rate"/>
-          <p:cNvSpPr txBox="1"/>
-          <p:nvPr/>
-        </p:nvSpPr>
-        <p:spPr>
-          <a:xfrm>
-            <a:off x="4625288" y="5774102"/>
-            <a:ext cx="2941424" cy="396239"/>
-          </a:xfrm>
-          <a:prstGeom prst="rect">
-            <a:avLst/>
-          </a:prstGeom>
-          <a:ln w="12700">
-            <a:miter lim="400000"/>
-          </a:ln>
-          <a:extLst>
-            <a:ext uri="{C572A759-6A51-4108-AA02-DFA0A04FC94B}">
-              <ma14:wrappingTextBoxFlag xmlns="" xmlns:ma14="http://schemas.microsoft.com/office/mac/drawingml/2011/main" val="1"/>
-            </a:ext>
-          </a:extLst>
-        </p:spPr>
-        <p:txBody>
-          <a:bodyPr wrap="none" lIns="45718" tIns="45718" rIns="45718" bIns="45718">
+            <a:r>
+              <a:rPr lang="en-US" altLang="zh-CN" dirty="0" smtClean="0"/>
+              <a:t>Type 2</a:t>
+            </a:r>
+            <a:endParaRPr dirty="0"/>
+          </a:p>
+        </p:txBody>
+      </p:sp>
+      <p:cxnSp>
+        <p:nvCxnSpPr>
+          <p:cNvPr id="9" name="直接连接符 8"/>
+          <p:cNvCxnSpPr/>
+          <p:nvPr/>
+        </p:nvCxnSpPr>
+        <p:spPr>
+          <a:xfrm>
+            <a:off x="5891349" y="1585719"/>
+            <a:ext cx="0" cy="4148875"/>
+          </a:xfrm>
+          <a:prstGeom prst="line">
+            <a:avLst/>
+          </a:prstGeom>
+          <a:noFill/>
+          <a:ln w="25400" cap="flat">
+            <a:solidFill>
+              <a:schemeClr val="accent1"/>
+            </a:solidFill>
+            <a:prstDash val="solid"/>
+            <a:round/>
+          </a:ln>
+          <a:effectLst/>
+          <a:sp3d/>
+        </p:spPr>
+        <p:style>
+          <a:lnRef idx="0">
+            <a:scrgbClr r="0" g="0" b="0"/>
+          </a:lnRef>
+          <a:fillRef idx="0">
+            <a:scrgbClr r="0" g="0" b="0"/>
+          </a:fillRef>
+          <a:effectRef idx="0">
+            <a:scrgbClr r="0" g="0" b="0"/>
+          </a:effectRef>
+          <a:fontRef idx="none"/>
+        </p:style>
+      </p:cxnSp>
+      <p:sp>
+        <p:nvSpPr>
+          <p:cNvPr id="4" name="矩形 3"/>
+          <p:cNvSpPr/>
+          <p:nvPr/>
+        </p:nvSpPr>
+        <p:spPr>
+          <a:xfrm>
+            <a:off x="1965882" y="2650542"/>
+            <a:ext cx="6096000" cy="1938992"/>
+          </a:xfrm>
+          <a:prstGeom prst="rect">
+            <a:avLst/>
+          </a:prstGeom>
+        </p:spPr>
+        <p:txBody>
+          <a:bodyPr>
             <a:spAutoFit/>
           </a:bodyPr>
-          <a:lstStyle>
-            <a:lvl1pPr>
-              <a:defRPr b="0">
+          <a:lstStyle/>
+          <a:p>
+            <a:r>
+              <a:rPr lang="en-US" altLang="zh-CN" b="0" dirty="0">
                 <a:solidFill>
                   <a:srgbClr val="000000"/>
                 </a:solidFill>
-                <a:latin typeface="+mj-lt"/>
-                <a:ea typeface="+mj-ea"/>
-                <a:cs typeface="+mj-cs"/>
-                <a:sym typeface="Calibri Light"/>
-              </a:defRPr>
-            </a:lvl1pPr>
-          </a:lstStyle>
-          <a:p>
-            <a:r>
-              <a:t>FPR: False Positive Rate</a:t>
+                <a:latin typeface="Fira Code" panose="020B0509050000020004" pitchFamily="49" charset="0"/>
+              </a:rPr>
+              <a:t>if (a &gt;= b) {</a:t>
+            </a:r>
+          </a:p>
+          <a:p>
+            <a:r>
+              <a:rPr lang="en-US" altLang="zh-CN" b="0" dirty="0">
+                <a:solidFill>
+                  <a:srgbClr val="000000"/>
+                </a:solidFill>
+                <a:latin typeface="Fira Code" panose="020B0509050000020004" pitchFamily="49" charset="0"/>
+              </a:rPr>
+              <a:t>c = d + b; // Comment1</a:t>
+            </a:r>
+          </a:p>
+          <a:p>
+            <a:r>
+              <a:rPr lang="en-US" altLang="zh-CN" b="0" dirty="0">
+                <a:solidFill>
+                  <a:srgbClr val="000000"/>
+                </a:solidFill>
+                <a:latin typeface="Fira Code" panose="020B0509050000020004" pitchFamily="49" charset="0"/>
+              </a:rPr>
+              <a:t>d = d + 1;</a:t>
+            </a:r>
+          </a:p>
+          <a:p>
+            <a:r>
+              <a:rPr lang="en-US" altLang="zh-CN" b="0" dirty="0">
+                <a:solidFill>
+                  <a:srgbClr val="000000"/>
+                </a:solidFill>
+                <a:latin typeface="Fira Code" panose="020B0509050000020004" pitchFamily="49" charset="0"/>
+              </a:rPr>
+              <a:t>}</a:t>
+            </a:r>
+          </a:p>
+          <a:p>
+            <a:r>
+              <a:rPr lang="en-US" altLang="zh-CN" b="0" dirty="0">
+                <a:solidFill>
+                  <a:srgbClr val="000000"/>
+                </a:solidFill>
+                <a:latin typeface="Fira Code" panose="020B0509050000020004" pitchFamily="49" charset="0"/>
+              </a:rPr>
+              <a:t>else</a:t>
+            </a:r>
+          </a:p>
+          <a:p>
+            <a:r>
+              <a:rPr lang="en-US" altLang="zh-CN" b="0" dirty="0">
+                <a:solidFill>
+                  <a:srgbClr val="000000"/>
+                </a:solidFill>
+                <a:latin typeface="Fira Code" panose="020B0509050000020004" pitchFamily="49" charset="0"/>
+              </a:rPr>
+              <a:t>c = d - a; //Comment2</a:t>
+            </a:r>
+          </a:p>
+        </p:txBody>
+      </p:sp>
+      <p:sp>
+        <p:nvSpPr>
+          <p:cNvPr id="5" name="矩形 4"/>
+          <p:cNvSpPr/>
+          <p:nvPr/>
+        </p:nvSpPr>
+        <p:spPr>
+          <a:xfrm>
+            <a:off x="6405170" y="2650542"/>
+            <a:ext cx="6096000" cy="2246769"/>
+          </a:xfrm>
+          <a:prstGeom prst="rect">
+            <a:avLst/>
+          </a:prstGeom>
+        </p:spPr>
+        <p:txBody>
+          <a:bodyPr>
+            <a:spAutoFit/>
+          </a:bodyPr>
+          <a:lstStyle/>
+          <a:p>
+            <a:r>
+              <a:rPr lang="fr-FR" altLang="zh-CN" b="0" dirty="0">
+                <a:solidFill>
+                  <a:srgbClr val="000000"/>
+                </a:solidFill>
+                <a:latin typeface="Fira Code" panose="020B0509050000020004" pitchFamily="49" charset="0"/>
+              </a:rPr>
+              <a:t>if (m &gt;= n)</a:t>
+            </a:r>
+          </a:p>
+          <a:p>
+            <a:r>
+              <a:rPr lang="fr-FR" altLang="zh-CN" b="0" dirty="0">
+                <a:solidFill>
+                  <a:srgbClr val="000000"/>
+                </a:solidFill>
+                <a:latin typeface="Fira Code" panose="020B0509050000020004" pitchFamily="49" charset="0"/>
+              </a:rPr>
+              <a:t>{ // Comment1'</a:t>
+            </a:r>
+          </a:p>
+          <a:p>
+            <a:r>
+              <a:rPr lang="fr-FR" altLang="zh-CN" b="0" dirty="0">
+                <a:solidFill>
+                  <a:srgbClr val="000000"/>
+                </a:solidFill>
+                <a:latin typeface="Fira Code" panose="020B0509050000020004" pitchFamily="49" charset="0"/>
+              </a:rPr>
+              <a:t>y = x + n;</a:t>
+            </a:r>
+          </a:p>
+          <a:p>
+            <a:r>
+              <a:rPr lang="fr-FR" altLang="zh-CN" b="0" dirty="0">
+                <a:solidFill>
+                  <a:srgbClr val="000000"/>
+                </a:solidFill>
+                <a:latin typeface="Fira Code" panose="020B0509050000020004" pitchFamily="49" charset="0"/>
+              </a:rPr>
+              <a:t>x = x + 5; //Comment3</a:t>
+            </a:r>
+          </a:p>
+          <a:p>
+            <a:r>
+              <a:rPr lang="fr-FR" altLang="zh-CN" b="0" dirty="0">
+                <a:solidFill>
+                  <a:srgbClr val="000000"/>
+                </a:solidFill>
+                <a:latin typeface="Fira Code" panose="020B0509050000020004" pitchFamily="49" charset="0"/>
+              </a:rPr>
+              <a:t>}</a:t>
+            </a:r>
+          </a:p>
+          <a:p>
+            <a:r>
+              <a:rPr lang="fr-FR" altLang="zh-CN" b="0" dirty="0">
+                <a:solidFill>
+                  <a:srgbClr val="000000"/>
+                </a:solidFill>
+                <a:latin typeface="Fira Code" panose="020B0509050000020004" pitchFamily="49" charset="0"/>
+              </a:rPr>
+              <a:t>else</a:t>
+            </a:r>
+          </a:p>
+          <a:p>
+            <a:r>
+              <a:rPr lang="fr-FR" altLang="zh-CN" b="0" dirty="0">
+                <a:solidFill>
+                  <a:srgbClr val="000000"/>
+                </a:solidFill>
+                <a:latin typeface="Fira Code" panose="020B0509050000020004" pitchFamily="49" charset="0"/>
+              </a:rPr>
+              <a:t>y = x - m; //Comment2'</a:t>
             </a:r>
           </a:p>
         </p:txBody>
       </p:sp>
     </p:spTree>
+    <p:extLst>
+      <p:ext uri="{BB962C8B-B14F-4D97-AF65-F5344CB8AC3E}">
+        <p14:creationId xmlns:p14="http://schemas.microsoft.com/office/powerpoint/2010/main" val="1738391520"/>
+      </p:ext>
+    </p:extLst>
   </p:cSld>
   <p:clrMapOvr>
     <a:masterClrMapping/>
@@ -16890,7 +18654,7 @@
       </p:grpSpPr>
       <p:sp>
         <p:nvSpPr>
-          <p:cNvPr id="206" name="Shape 189"/>
+          <p:cNvPr id="183" name="Shape 189"/>
           <p:cNvSpPr/>
           <p:nvPr/>
         </p:nvSpPr>
@@ -16922,7 +18686,7 @@
       </p:sp>
       <p:sp>
         <p:nvSpPr>
-          <p:cNvPr id="207" name="Shape 190"/>
+          <p:cNvPr id="184" name="Shape 190"/>
           <p:cNvSpPr txBox="1"/>
           <p:nvPr/>
         </p:nvSpPr>
@@ -16939,7 +18703,7 @@
           </a:ln>
           <a:extLst>
             <a:ext uri="{C572A759-6A51-4108-AA02-DFA0A04FC94B}">
-              <ma14:wrappingTextBoxFlag xmlns="" xmlns:ma14="http://schemas.microsoft.com/office/mac/drawingml/2011/main" val="1"/>
+              <ma14:wrappingTextBoxFlag xmlns:ma14="http://schemas.microsoft.com/office/mac/drawingml/2011/main" xmlns="" val="1"/>
             </a:ext>
           </a:extLst>
         </p:spPr>
@@ -16966,7 +18730,7 @@
       </p:sp>
       <p:sp>
         <p:nvSpPr>
-          <p:cNvPr id="208" name="Shape 191"/>
+          <p:cNvPr id="185" name="Shape 191"/>
           <p:cNvSpPr txBox="1"/>
           <p:nvPr/>
         </p:nvSpPr>
@@ -16983,7 +18747,7 @@
           </a:ln>
           <a:extLst>
             <a:ext uri="{C572A759-6A51-4108-AA02-DFA0A04FC94B}">
-              <ma14:wrappingTextBoxFlag xmlns="" xmlns:ma14="http://schemas.microsoft.com/office/mac/drawingml/2011/main" val="1"/>
+              <ma14:wrappingTextBoxFlag xmlns:ma14="http://schemas.microsoft.com/office/mac/drawingml/2011/main" xmlns="" val="1"/>
             </a:ext>
           </a:extLst>
         </p:spPr>
@@ -17013,7 +18777,7 @@
       </p:sp>
       <p:sp>
         <p:nvSpPr>
-          <p:cNvPr id="209" name="Text"/>
+          <p:cNvPr id="186" name="Text"/>
           <p:cNvSpPr txBox="1"/>
           <p:nvPr/>
         </p:nvSpPr>
@@ -17041,14 +18805,14 @@
       </p:sp>
       <p:sp>
         <p:nvSpPr>
-          <p:cNvPr id="210" name="Text"/>
+          <p:cNvPr id="187" name="Four types of clones…"/>
           <p:cNvSpPr txBox="1"/>
           <p:nvPr/>
         </p:nvSpPr>
         <p:spPr>
           <a:xfrm>
-            <a:off x="-786591" y="4135530"/>
-            <a:ext cx="641408" cy="459739"/>
+            <a:off x="1965882" y="1585719"/>
+            <a:ext cx="8260236" cy="615998"/>
           </a:xfrm>
           <a:prstGeom prst="rect">
             <a:avLst/>
@@ -17056,59 +18820,14 @@
           <a:ln w="12700">
             <a:miter lim="400000"/>
           </a:ln>
-        </p:spPr>
-        <p:txBody>
-          <a:bodyPr wrap="none" lIns="45718" tIns="45718" rIns="45718" bIns="45718">
-            <a:spAutoFit/>
-          </a:bodyPr>
-          <a:lstStyle/>
-          <a:p>
-            <a:pPr algn="l" defTabSz="457200">
-              <a:lnSpc>
-                <a:spcPts val="4200"/>
-              </a:lnSpc>
-              <a:spcBef>
-                <a:spcPts val="1200"/>
-              </a:spcBef>
-              <a:defRPr sz="2400" b="0">
-                <a:solidFill>
-                  <a:srgbClr val="000000"/>
-                </a:solidFill>
-                <a:latin typeface="+mj-lt"/>
-                <a:ea typeface="+mj-ea"/>
-                <a:cs typeface="+mj-cs"/>
-                <a:sym typeface="Calibri Light"/>
-              </a:defRPr>
-            </a:pPr>
-            <a:endParaRPr/>
-          </a:p>
-        </p:txBody>
-      </p:sp>
-      <p:sp>
-        <p:nvSpPr>
-          <p:cNvPr id="211" name="Unique Characteristics of App Clones:…"/>
-          <p:cNvSpPr txBox="1"/>
-          <p:nvPr/>
-        </p:nvSpPr>
-        <p:spPr>
-          <a:xfrm>
-            <a:off x="1965882" y="1585719"/>
-            <a:ext cx="7667029" cy="2542539"/>
-          </a:xfrm>
-          <a:prstGeom prst="rect">
-            <a:avLst/>
-          </a:prstGeom>
-          <a:ln w="12700">
-            <a:miter lim="400000"/>
-          </a:ln>
           <a:extLst>
             <a:ext uri="{C572A759-6A51-4108-AA02-DFA0A04FC94B}">
-              <ma14:wrappingTextBoxFlag xmlns="" xmlns:ma14="http://schemas.microsoft.com/office/mac/drawingml/2011/main" val="1"/>
+              <ma14:wrappingTextBoxFlag xmlns:ma14="http://schemas.microsoft.com/office/mac/drawingml/2011/main" xmlns="" val="1"/>
             </a:ext>
           </a:extLst>
         </p:spPr>
         <p:txBody>
-          <a:bodyPr wrap="none" lIns="45718" tIns="45718" rIns="45718" bIns="45718">
+          <a:bodyPr lIns="45718" tIns="45718" rIns="45718" bIns="45718">
             <a:spAutoFit/>
           </a:bodyPr>
           <a:lstStyle/>
@@ -17131,104 +18850,222 @@
               </a:defRPr>
             </a:pPr>
             <a:r>
-              <a:t>Unique Characteristics of App Clones:</a:t>
-            </a:r>
-          </a:p>
-          <a:p>
-            <a:pPr algn="l" defTabSz="457200">
-              <a:lnSpc>
-                <a:spcPts val="4600"/>
-              </a:lnSpc>
-              <a:spcBef>
-                <a:spcPts val="1200"/>
-              </a:spcBef>
-              <a:defRPr sz="2400" b="0">
+              <a:rPr lang="en-US" altLang="zh-CN" dirty="0" smtClean="0"/>
+              <a:t>Type 3</a:t>
+            </a:r>
+            <a:endParaRPr dirty="0"/>
+          </a:p>
+        </p:txBody>
+      </p:sp>
+      <p:cxnSp>
+        <p:nvCxnSpPr>
+          <p:cNvPr id="7" name="直接连接符 6"/>
+          <p:cNvCxnSpPr/>
+          <p:nvPr/>
+        </p:nvCxnSpPr>
+        <p:spPr>
+          <a:xfrm>
+            <a:off x="5891349" y="1585719"/>
+            <a:ext cx="0" cy="4148875"/>
+          </a:xfrm>
+          <a:prstGeom prst="line">
+            <a:avLst/>
+          </a:prstGeom>
+          <a:noFill/>
+          <a:ln w="25400" cap="flat">
+            <a:solidFill>
+              <a:schemeClr val="accent1"/>
+            </a:solidFill>
+            <a:prstDash val="solid"/>
+            <a:round/>
+          </a:ln>
+          <a:effectLst/>
+          <a:sp3d/>
+        </p:spPr>
+        <p:style>
+          <a:lnRef idx="0">
+            <a:scrgbClr r="0" g="0" b="0"/>
+          </a:lnRef>
+          <a:fillRef idx="0">
+            <a:scrgbClr r="0" g="0" b="0"/>
+          </a:fillRef>
+          <a:effectRef idx="0">
+            <a:scrgbClr r="0" g="0" b="0"/>
+          </a:effectRef>
+          <a:fontRef idx="none"/>
+        </p:style>
+      </p:cxnSp>
+      <p:sp>
+        <p:nvSpPr>
+          <p:cNvPr id="2" name="矩形 1"/>
+          <p:cNvSpPr/>
+          <p:nvPr/>
+        </p:nvSpPr>
+        <p:spPr>
+          <a:xfrm>
+            <a:off x="1965882" y="2844548"/>
+            <a:ext cx="6096000" cy="1631216"/>
+          </a:xfrm>
+          <a:prstGeom prst="rect">
+            <a:avLst/>
+          </a:prstGeom>
+        </p:spPr>
+        <p:txBody>
+          <a:bodyPr>
+            <a:spAutoFit/>
+          </a:bodyPr>
+          <a:lstStyle/>
+          <a:p>
+            <a:r>
+              <a:rPr lang="en-US" altLang="zh-CN" b="0" dirty="0">
                 <a:solidFill>
                   <a:srgbClr val="000000"/>
                 </a:solidFill>
-                <a:latin typeface="+mj-lt"/>
-                <a:ea typeface="+mj-ea"/>
-                <a:cs typeface="+mj-cs"/>
-                <a:sym typeface="Calibri Light"/>
-              </a:defRPr>
-            </a:pPr>
-            <a:endParaRPr/>
-          </a:p>
-          <a:p>
-            <a:pPr marL="320842" indent="-320842" algn="l" defTabSz="457200">
-              <a:lnSpc>
-                <a:spcPts val="4600"/>
-              </a:lnSpc>
-              <a:spcBef>
-                <a:spcPts val="1200"/>
-              </a:spcBef>
-              <a:buSzPct val="100000"/>
-              <a:buAutoNum type="arabicPeriod"/>
-              <a:defRPr sz="2400" b="0">
+                <a:latin typeface="Fira Code" panose="020B0509050000020004" pitchFamily="49" charset="0"/>
+              </a:rPr>
+              <a:t>if (a &gt;= b) {</a:t>
+            </a:r>
+          </a:p>
+          <a:p>
+            <a:r>
+              <a:rPr lang="en-US" altLang="zh-CN" b="0" dirty="0">
                 <a:solidFill>
                   <a:srgbClr val="000000"/>
                 </a:solidFill>
-                <a:latin typeface="+mj-lt"/>
-                <a:ea typeface="+mj-ea"/>
-                <a:cs typeface="+mj-cs"/>
-                <a:sym typeface="Calibri Light"/>
-              </a:defRPr>
-            </a:pPr>
-            <a:r>
-              <a:t>A billion opcode problem</a:t>
-            </a:r>
-          </a:p>
-          <a:p>
-            <a:pPr marL="320842" indent="-320842" algn="l" defTabSz="457200">
-              <a:lnSpc>
-                <a:spcPts val="4600"/>
-              </a:lnSpc>
-              <a:spcBef>
-                <a:spcPts val="1200"/>
-              </a:spcBef>
-              <a:buSzPct val="100000"/>
-              <a:buAutoNum type="arabicPeriod"/>
-              <a:defRPr sz="2400" b="0">
+                <a:latin typeface="Fira Code" panose="020B0509050000020004" pitchFamily="49" charset="0"/>
+              </a:rPr>
+              <a:t>c = d + b; // Comment1</a:t>
+            </a:r>
+          </a:p>
+          <a:p>
+            <a:r>
+              <a:rPr lang="en-US" altLang="zh-CN" b="0" dirty="0">
                 <a:solidFill>
                   <a:srgbClr val="000000"/>
                 </a:solidFill>
-                <a:latin typeface="+mj-lt"/>
-                <a:ea typeface="+mj-ea"/>
-                <a:cs typeface="+mj-cs"/>
-                <a:sym typeface="Calibri Light"/>
-              </a:defRPr>
-            </a:pPr>
-            <a:r>
-              <a:t>Gap between code fragment clones and app clones</a:t>
-            </a:r>
-          </a:p>
-          <a:p>
-            <a:pPr marL="320842" indent="-320842" algn="l" defTabSz="457200">
-              <a:lnSpc>
-                <a:spcPts val="4600"/>
-              </a:lnSpc>
-              <a:spcBef>
-                <a:spcPts val="1200"/>
-              </a:spcBef>
-              <a:buSzPct val="100000"/>
-              <a:buAutoNum type="arabicPeriod"/>
-              <a:defRPr sz="2400" b="0">
+                <a:latin typeface="Fira Code" panose="020B0509050000020004" pitchFamily="49" charset="0"/>
+              </a:rPr>
+              <a:t>d = d + 1;}</a:t>
+            </a:r>
+          </a:p>
+          <a:p>
+            <a:r>
+              <a:rPr lang="en-US" altLang="zh-CN" b="0" dirty="0">
                 <a:solidFill>
                   <a:srgbClr val="000000"/>
                 </a:solidFill>
-                <a:latin typeface="+mj-lt"/>
-                <a:ea typeface="+mj-ea"/>
-                <a:cs typeface="+mj-cs"/>
-                <a:sym typeface="Calibri Light"/>
-              </a:defRPr>
-            </a:pPr>
-            <a:r>
-              <a:t>Type 2 and type 3 are prevalent on Android  markets </a:t>
+                <a:latin typeface="Fira Code" panose="020B0509050000020004" pitchFamily="49" charset="0"/>
+              </a:rPr>
+              <a:t>else</a:t>
+            </a:r>
+          </a:p>
+          <a:p>
+            <a:r>
+              <a:rPr lang="en-US" altLang="zh-CN" b="0" dirty="0">
+                <a:solidFill>
+                  <a:srgbClr val="000000"/>
+                </a:solidFill>
+                <a:latin typeface="Fira Code" panose="020B0509050000020004" pitchFamily="49" charset="0"/>
+              </a:rPr>
+              <a:t>c = d - a; //Comment2</a:t>
+            </a:r>
+          </a:p>
+        </p:txBody>
+      </p:sp>
+      <p:sp>
+        <p:nvSpPr>
+          <p:cNvPr id="3" name="矩形 2"/>
+          <p:cNvSpPr/>
+          <p:nvPr/>
+        </p:nvSpPr>
+        <p:spPr>
+          <a:xfrm>
+            <a:off x="6405170" y="2844548"/>
+            <a:ext cx="6096000" cy="1938992"/>
+          </a:xfrm>
+          <a:prstGeom prst="rect">
+            <a:avLst/>
+          </a:prstGeom>
+        </p:spPr>
+        <p:txBody>
+          <a:bodyPr>
+            <a:spAutoFit/>
+          </a:bodyPr>
+          <a:lstStyle/>
+          <a:p>
+            <a:r>
+              <a:rPr lang="en-US" altLang="zh-CN" b="0" dirty="0">
+                <a:solidFill>
+                  <a:srgbClr val="000000"/>
+                </a:solidFill>
+                <a:latin typeface="Fira Code" panose="020B0509050000020004" pitchFamily="49" charset="0"/>
+              </a:rPr>
+              <a:t>if (a &gt;= b) {</a:t>
+            </a:r>
+          </a:p>
+          <a:p>
+            <a:r>
+              <a:rPr lang="en-US" altLang="zh-CN" b="0" dirty="0">
+                <a:solidFill>
+                  <a:srgbClr val="000000"/>
+                </a:solidFill>
+                <a:latin typeface="Fira Code" panose="020B0509050000020004" pitchFamily="49" charset="0"/>
+              </a:rPr>
+              <a:t>c = d + b; // Comment1</a:t>
+            </a:r>
+          </a:p>
+          <a:p>
+            <a:r>
+              <a:rPr lang="en-US" altLang="zh-CN" b="0" dirty="0">
+                <a:solidFill>
+                  <a:srgbClr val="000000"/>
+                </a:solidFill>
+                <a:latin typeface="Fira Code" panose="020B0509050000020004" pitchFamily="49" charset="0"/>
+              </a:rPr>
+              <a:t>e = 1; // This statement is added</a:t>
+            </a:r>
+          </a:p>
+          <a:p>
+            <a:r>
+              <a:rPr lang="en-US" altLang="zh-CN" b="0" dirty="0">
+                <a:solidFill>
+                  <a:srgbClr val="000000"/>
+                </a:solidFill>
+                <a:latin typeface="Fira Code" panose="020B0509050000020004" pitchFamily="49" charset="0"/>
+              </a:rPr>
+              <a:t>d = d + 1; }</a:t>
+            </a:r>
+          </a:p>
+          <a:p>
+            <a:r>
+              <a:rPr lang="en-US" altLang="zh-CN" b="0" dirty="0">
+                <a:solidFill>
+                  <a:srgbClr val="000000"/>
+                </a:solidFill>
+                <a:latin typeface="Fira Code" panose="020B0509050000020004" pitchFamily="49" charset="0"/>
+              </a:rPr>
+              <a:t>else</a:t>
+            </a:r>
+          </a:p>
+          <a:p>
+            <a:r>
+              <a:rPr lang="en-US" altLang="zh-CN" b="0" dirty="0">
+                <a:solidFill>
+                  <a:srgbClr val="000000"/>
+                </a:solidFill>
+                <a:latin typeface="Fira Code" panose="020B0509050000020004" pitchFamily="49" charset="0"/>
+              </a:rPr>
+              <a:t>c = d - a; //Comment2</a:t>
             </a:r>
           </a:p>
         </p:txBody>
       </p:sp>
     </p:spTree>
+    <p:extLst>
+      <p:ext uri="{BB962C8B-B14F-4D97-AF65-F5344CB8AC3E}">
+        <p14:creationId xmlns:p14="http://schemas.microsoft.com/office/powerpoint/2010/main" val="2886438593"/>
+      </p:ext>
+    </p:extLst>
   </p:cSld>
   <p:clrMapOvr>
     <a:masterClrMapping/>

--- a/papers/AASSppt/AASS.pptx
+++ b/papers/AASSppt/AASS.pptx
@@ -5,7 +5,7 @@
     <p:sldMasterId id="2147483648" r:id="rId1"/>
   </p:sldMasterIdLst>
   <p:notesMasterIdLst>
-    <p:notesMasterId r:id="rId37"/>
+    <p:notesMasterId r:id="rId42"/>
   </p:notesMasterIdLst>
   <p:sldIdLst>
     <p:sldId id="256" r:id="rId2"/>
@@ -41,8 +41,13 @@
     <p:sldId id="283" r:id="rId32"/>
     <p:sldId id="284" r:id="rId33"/>
     <p:sldId id="285" r:id="rId34"/>
-    <p:sldId id="286" r:id="rId35"/>
-    <p:sldId id="287" r:id="rId36"/>
+    <p:sldId id="292" r:id="rId35"/>
+    <p:sldId id="293" r:id="rId36"/>
+    <p:sldId id="294" r:id="rId37"/>
+    <p:sldId id="295" r:id="rId38"/>
+    <p:sldId id="296" r:id="rId39"/>
+    <p:sldId id="286" r:id="rId40"/>
+    <p:sldId id="287" r:id="rId41"/>
   </p:sldIdLst>
   <p:sldSz cx="12192000" cy="6858000"/>
   <p:notesSz cx="6858000" cy="9144000"/>
@@ -3573,7 +3578,7 @@
           </a:ln>
           <a:extLst>
             <a:ext uri="{C572A759-6A51-4108-AA02-DFA0A04FC94B}">
-              <ma14:wrappingTextBoxFlag xmlns:ma14="http://schemas.microsoft.com/office/mac/drawingml/2011/main" xmlns="" val="1"/>
+              <ma14:wrappingTextBoxFlag xmlns="" xmlns:ma14="http://schemas.microsoft.com/office/mac/drawingml/2011/main" val="1"/>
             </a:ext>
           </a:extLst>
         </p:spPr>
@@ -3612,7 +3617,7 @@
           </a:ln>
           <a:extLst>
             <a:ext uri="{C572A759-6A51-4108-AA02-DFA0A04FC94B}">
-              <ma14:wrappingTextBoxFlag xmlns:ma14="http://schemas.microsoft.com/office/mac/drawingml/2011/main" xmlns="" val="1"/>
+              <ma14:wrappingTextBoxFlag xmlns="" xmlns:ma14="http://schemas.microsoft.com/office/mac/drawingml/2011/main" val="1"/>
             </a:ext>
           </a:extLst>
         </p:spPr>
@@ -4548,7 +4553,7 @@
           </a:ln>
           <a:extLst>
             <a:ext uri="{C572A759-6A51-4108-AA02-DFA0A04FC94B}">
-              <ma14:wrappingTextBoxFlag xmlns:ma14="http://schemas.microsoft.com/office/mac/drawingml/2011/main" xmlns="" val="1"/>
+              <ma14:wrappingTextBoxFlag xmlns="" xmlns:ma14="http://schemas.microsoft.com/office/mac/drawingml/2011/main" val="1"/>
             </a:ext>
           </a:extLst>
         </p:spPr>
@@ -4658,7 +4663,7 @@
           </a:ln>
           <a:extLst>
             <a:ext uri="{C572A759-6A51-4108-AA02-DFA0A04FC94B}">
-              <ma14:wrappingTextBoxFlag xmlns:ma14="http://schemas.microsoft.com/office/mac/drawingml/2011/main" xmlns="" val="1"/>
+              <ma14:wrappingTextBoxFlag xmlns="" xmlns:ma14="http://schemas.microsoft.com/office/mac/drawingml/2011/main" val="1"/>
             </a:ext>
           </a:extLst>
         </p:spPr>
@@ -4763,7 +4768,7 @@
           </a:ln>
           <a:extLst>
             <a:ext uri="{C572A759-6A51-4108-AA02-DFA0A04FC94B}">
-              <ma14:wrappingTextBoxFlag xmlns:ma14="http://schemas.microsoft.com/office/mac/drawingml/2011/main" xmlns="" val="1"/>
+              <ma14:wrappingTextBoxFlag xmlns="" xmlns:ma14="http://schemas.microsoft.com/office/mac/drawingml/2011/main" val="1"/>
             </a:ext>
           </a:extLst>
         </p:spPr>
@@ -4807,7 +4812,7 @@
           </a:ln>
           <a:extLst>
             <a:ext uri="{C572A759-6A51-4108-AA02-DFA0A04FC94B}">
-              <ma14:wrappingTextBoxFlag xmlns:ma14="http://schemas.microsoft.com/office/mac/drawingml/2011/main" xmlns="" val="1"/>
+              <ma14:wrappingTextBoxFlag xmlns="" xmlns:ma14="http://schemas.microsoft.com/office/mac/drawingml/2011/main" val="1"/>
             </a:ext>
           </a:extLst>
         </p:spPr>
@@ -4882,7 +4887,7 @@
           </a:ln>
           <a:extLst>
             <a:ext uri="{C572A759-6A51-4108-AA02-DFA0A04FC94B}">
-              <ma14:wrappingTextBoxFlag xmlns:ma14="http://schemas.microsoft.com/office/mac/drawingml/2011/main" xmlns="" val="1"/>
+              <ma14:wrappingTextBoxFlag xmlns="" xmlns:ma14="http://schemas.microsoft.com/office/mac/drawingml/2011/main" val="1"/>
             </a:ext>
           </a:extLst>
         </p:spPr>
@@ -5192,7 +5197,7 @@
           </a:ln>
           <a:extLst>
             <a:ext uri="{C572A759-6A51-4108-AA02-DFA0A04FC94B}">
-              <ma14:wrappingTextBoxFlag xmlns:ma14="http://schemas.microsoft.com/office/mac/drawingml/2011/main" xmlns="" val="1"/>
+              <ma14:wrappingTextBoxFlag xmlns="" xmlns:ma14="http://schemas.microsoft.com/office/mac/drawingml/2011/main" val="1"/>
             </a:ext>
           </a:extLst>
         </p:spPr>
@@ -5236,7 +5241,7 @@
           </a:ln>
           <a:extLst>
             <a:ext uri="{C572A759-6A51-4108-AA02-DFA0A04FC94B}">
-              <ma14:wrappingTextBoxFlag xmlns:ma14="http://schemas.microsoft.com/office/mac/drawingml/2011/main" xmlns="" val="1"/>
+              <ma14:wrappingTextBoxFlag xmlns="" xmlns:ma14="http://schemas.microsoft.com/office/mac/drawingml/2011/main" val="1"/>
             </a:ext>
           </a:extLst>
         </p:spPr>
@@ -5311,7 +5316,7 @@
           </a:ln>
           <a:extLst>
             <a:ext uri="{C572A759-6A51-4108-AA02-DFA0A04FC94B}">
-              <ma14:wrappingTextBoxFlag xmlns:ma14="http://schemas.microsoft.com/office/mac/drawingml/2011/main" xmlns="" val="1"/>
+              <ma14:wrappingTextBoxFlag xmlns="" xmlns:ma14="http://schemas.microsoft.com/office/mac/drawingml/2011/main" val="1"/>
             </a:ext>
           </a:extLst>
         </p:spPr>
@@ -5851,7 +5856,7 @@
           </a:ln>
           <a:extLst>
             <a:ext uri="{C572A759-6A51-4108-AA02-DFA0A04FC94B}">
-              <ma14:wrappingTextBoxFlag xmlns:ma14="http://schemas.microsoft.com/office/mac/drawingml/2011/main" xmlns="" val="1"/>
+              <ma14:wrappingTextBoxFlag xmlns="" xmlns:ma14="http://schemas.microsoft.com/office/mac/drawingml/2011/main" val="1"/>
             </a:ext>
           </a:extLst>
         </p:spPr>
@@ -5895,7 +5900,7 @@
           </a:ln>
           <a:extLst>
             <a:ext uri="{C572A759-6A51-4108-AA02-DFA0A04FC94B}">
-              <ma14:wrappingTextBoxFlag xmlns:ma14="http://schemas.microsoft.com/office/mac/drawingml/2011/main" xmlns="" val="1"/>
+              <ma14:wrappingTextBoxFlag xmlns="" xmlns:ma14="http://schemas.microsoft.com/office/mac/drawingml/2011/main" val="1"/>
             </a:ext>
           </a:extLst>
         </p:spPr>
@@ -6016,7 +6021,7 @@
           </a:ln>
           <a:extLst>
             <a:ext uri="{C572A759-6A51-4108-AA02-DFA0A04FC94B}">
-              <ma14:wrappingTextBoxFlag xmlns:ma14="http://schemas.microsoft.com/office/mac/drawingml/2011/main" xmlns="" val="1"/>
+              <ma14:wrappingTextBoxFlag xmlns="" xmlns:ma14="http://schemas.microsoft.com/office/mac/drawingml/2011/main" val="1"/>
             </a:ext>
           </a:extLst>
         </p:spPr>
@@ -6128,7 +6133,7 @@
           </a:ln>
           <a:extLst>
             <a:ext uri="{C572A759-6A51-4108-AA02-DFA0A04FC94B}">
-              <ma14:wrappingTextBoxFlag xmlns:ma14="http://schemas.microsoft.com/office/mac/drawingml/2011/main" xmlns="" val="1"/>
+              <ma14:wrappingTextBoxFlag xmlns="" xmlns:ma14="http://schemas.microsoft.com/office/mac/drawingml/2011/main" val="1"/>
             </a:ext>
           </a:extLst>
         </p:spPr>
@@ -6172,7 +6177,7 @@
           </a:ln>
           <a:extLst>
             <a:ext uri="{C572A759-6A51-4108-AA02-DFA0A04FC94B}">
-              <ma14:wrappingTextBoxFlag xmlns:ma14="http://schemas.microsoft.com/office/mac/drawingml/2011/main" xmlns="" val="1"/>
+              <ma14:wrappingTextBoxFlag xmlns="" xmlns:ma14="http://schemas.microsoft.com/office/mac/drawingml/2011/main" val="1"/>
             </a:ext>
           </a:extLst>
         </p:spPr>
@@ -6292,7 +6297,7 @@
           </a:ln>
           <a:extLst>
             <a:ext uri="{C572A759-6A51-4108-AA02-DFA0A04FC94B}">
-              <ma14:wrappingTextBoxFlag xmlns:ma14="http://schemas.microsoft.com/office/mac/drawingml/2011/main" xmlns="" val="1"/>
+              <ma14:wrappingTextBoxFlag xmlns="" xmlns:ma14="http://schemas.microsoft.com/office/mac/drawingml/2011/main" val="1"/>
             </a:ext>
           </a:extLst>
         </p:spPr>
@@ -6505,7 +6510,7 @@
           </a:ln>
           <a:extLst>
             <a:ext uri="{C572A759-6A51-4108-AA02-DFA0A04FC94B}">
-              <ma14:wrappingTextBoxFlag xmlns:ma14="http://schemas.microsoft.com/office/mac/drawingml/2011/main" xmlns="" val="1"/>
+              <ma14:wrappingTextBoxFlag xmlns="" xmlns:ma14="http://schemas.microsoft.com/office/mac/drawingml/2011/main" val="1"/>
             </a:ext>
           </a:extLst>
         </p:spPr>
@@ -6639,7 +6644,7 @@
           </a:ln>
           <a:extLst>
             <a:ext uri="{C572A759-6A51-4108-AA02-DFA0A04FC94B}">
-              <ma14:wrappingTextBoxFlag xmlns:ma14="http://schemas.microsoft.com/office/mac/drawingml/2011/main" xmlns="" val="1"/>
+              <ma14:wrappingTextBoxFlag xmlns="" xmlns:ma14="http://schemas.microsoft.com/office/mac/drawingml/2011/main" val="1"/>
             </a:ext>
           </a:extLst>
         </p:spPr>
@@ -6683,7 +6688,7 @@
           </a:ln>
           <a:extLst>
             <a:ext uri="{C572A759-6A51-4108-AA02-DFA0A04FC94B}">
-              <ma14:wrappingTextBoxFlag xmlns:ma14="http://schemas.microsoft.com/office/mac/drawingml/2011/main" xmlns="" val="1"/>
+              <ma14:wrappingTextBoxFlag xmlns="" xmlns:ma14="http://schemas.microsoft.com/office/mac/drawingml/2011/main" val="1"/>
             </a:ext>
           </a:extLst>
         </p:spPr>
@@ -6730,7 +6735,7 @@
           </a:ln>
           <a:extLst>
             <a:ext uri="{C572A759-6A51-4108-AA02-DFA0A04FC94B}">
-              <ma14:wrappingTextBoxFlag xmlns:ma14="http://schemas.microsoft.com/office/mac/drawingml/2011/main" xmlns="" val="1"/>
+              <ma14:wrappingTextBoxFlag xmlns="" xmlns:ma14="http://schemas.microsoft.com/office/mac/drawingml/2011/main" val="1"/>
             </a:ext>
           </a:extLst>
         </p:spPr>
@@ -6896,7 +6901,7 @@
           </a:ln>
           <a:extLst>
             <a:ext uri="{C572A759-6A51-4108-AA02-DFA0A04FC94B}">
-              <ma14:wrappingTextBoxFlag xmlns:ma14="http://schemas.microsoft.com/office/mac/drawingml/2011/main" xmlns="" val="1"/>
+              <ma14:wrappingTextBoxFlag xmlns="" xmlns:ma14="http://schemas.microsoft.com/office/mac/drawingml/2011/main" val="1"/>
             </a:ext>
           </a:extLst>
         </p:spPr>
@@ -6940,7 +6945,7 @@
           </a:ln>
           <a:extLst>
             <a:ext uri="{C572A759-6A51-4108-AA02-DFA0A04FC94B}">
-              <ma14:wrappingTextBoxFlag xmlns:ma14="http://schemas.microsoft.com/office/mac/drawingml/2011/main" xmlns="" val="1"/>
+              <ma14:wrappingTextBoxFlag xmlns="" xmlns:ma14="http://schemas.microsoft.com/office/mac/drawingml/2011/main" val="1"/>
             </a:ext>
           </a:extLst>
         </p:spPr>
@@ -6987,7 +6992,7 @@
           </a:ln>
           <a:extLst>
             <a:ext uri="{C572A759-6A51-4108-AA02-DFA0A04FC94B}">
-              <ma14:wrappingTextBoxFlag xmlns:ma14="http://schemas.microsoft.com/office/mac/drawingml/2011/main" xmlns="" val="1"/>
+              <ma14:wrappingTextBoxFlag xmlns="" xmlns:ma14="http://schemas.microsoft.com/office/mac/drawingml/2011/main" val="1"/>
             </a:ext>
           </a:extLst>
         </p:spPr>
@@ -7040,7 +7045,7 @@
           </a:ln>
           <a:extLst>
             <a:ext uri="{C572A759-6A51-4108-AA02-DFA0A04FC94B}">
-              <ma14:wrappingTextBoxFlag xmlns:ma14="http://schemas.microsoft.com/office/mac/drawingml/2011/main" xmlns="" val="1"/>
+              <ma14:wrappingTextBoxFlag xmlns="" xmlns:ma14="http://schemas.microsoft.com/office/mac/drawingml/2011/main" val="1"/>
             </a:ext>
           </a:extLst>
         </p:spPr>
@@ -7093,7 +7098,7 @@
           </a:ln>
           <a:extLst>
             <a:ext uri="{C572A759-6A51-4108-AA02-DFA0A04FC94B}">
-              <ma14:wrappingTextBoxFlag xmlns:ma14="http://schemas.microsoft.com/office/mac/drawingml/2011/main" xmlns="" val="1"/>
+              <ma14:wrappingTextBoxFlag xmlns="" xmlns:ma14="http://schemas.microsoft.com/office/mac/drawingml/2011/main" val="1"/>
             </a:ext>
           </a:extLst>
         </p:spPr>
@@ -7182,7 +7187,7 @@
           </a:ln>
           <a:extLst>
             <a:ext uri="{C572A759-6A51-4108-AA02-DFA0A04FC94B}">
-              <ma14:wrappingTextBoxFlag xmlns:ma14="http://schemas.microsoft.com/office/mac/drawingml/2011/main" xmlns="" val="1"/>
+              <ma14:wrappingTextBoxFlag xmlns="" xmlns:ma14="http://schemas.microsoft.com/office/mac/drawingml/2011/main" val="1"/>
             </a:ext>
           </a:extLst>
         </p:spPr>
@@ -7235,7 +7240,7 @@
           </a:ln>
           <a:extLst>
             <a:ext uri="{C572A759-6A51-4108-AA02-DFA0A04FC94B}">
-              <ma14:wrappingTextBoxFlag xmlns:ma14="http://schemas.microsoft.com/office/mac/drawingml/2011/main" xmlns="" val="1"/>
+              <ma14:wrappingTextBoxFlag xmlns="" xmlns:ma14="http://schemas.microsoft.com/office/mac/drawingml/2011/main" val="1"/>
             </a:ext>
           </a:extLst>
         </p:spPr>
@@ -7352,7 +7357,7 @@
           </a:ln>
           <a:extLst>
             <a:ext uri="{C572A759-6A51-4108-AA02-DFA0A04FC94B}">
-              <ma14:wrappingTextBoxFlag xmlns:ma14="http://schemas.microsoft.com/office/mac/drawingml/2011/main" xmlns="" val="1"/>
+              <ma14:wrappingTextBoxFlag xmlns="" xmlns:ma14="http://schemas.microsoft.com/office/mac/drawingml/2011/main" val="1"/>
             </a:ext>
           </a:extLst>
         </p:spPr>
@@ -7424,7 +7429,7 @@
           </a:ln>
           <a:extLst>
             <a:ext uri="{C572A759-6A51-4108-AA02-DFA0A04FC94B}">
-              <ma14:wrappingTextBoxFlag xmlns:ma14="http://schemas.microsoft.com/office/mac/drawingml/2011/main" xmlns="" val="1"/>
+              <ma14:wrappingTextBoxFlag xmlns="" xmlns:ma14="http://schemas.microsoft.com/office/mac/drawingml/2011/main" val="1"/>
             </a:ext>
           </a:extLst>
         </p:spPr>
@@ -7495,7 +7500,7 @@
           </a:ln>
           <a:extLst>
             <a:ext uri="{C572A759-6A51-4108-AA02-DFA0A04FC94B}">
-              <ma14:wrappingTextBoxFlag xmlns:ma14="http://schemas.microsoft.com/office/mac/drawingml/2011/main" xmlns="" val="1"/>
+              <ma14:wrappingTextBoxFlag xmlns="" xmlns:ma14="http://schemas.microsoft.com/office/mac/drawingml/2011/main" val="1"/>
             </a:ext>
           </a:extLst>
         </p:spPr>
@@ -7566,7 +7571,7 @@
           </a:ln>
           <a:extLst>
             <a:ext uri="{C572A759-6A51-4108-AA02-DFA0A04FC94B}">
-              <ma14:wrappingTextBoxFlag xmlns:ma14="http://schemas.microsoft.com/office/mac/drawingml/2011/main" xmlns="" val="1"/>
+              <ma14:wrappingTextBoxFlag xmlns="" xmlns:ma14="http://schemas.microsoft.com/office/mac/drawingml/2011/main" val="1"/>
             </a:ext>
           </a:extLst>
         </p:spPr>
@@ -7637,7 +7642,7 @@
           </a:ln>
           <a:extLst>
             <a:ext uri="{C572A759-6A51-4108-AA02-DFA0A04FC94B}">
-              <ma14:wrappingTextBoxFlag xmlns:ma14="http://schemas.microsoft.com/office/mac/drawingml/2011/main" xmlns="" val="1"/>
+              <ma14:wrappingTextBoxFlag xmlns="" xmlns:ma14="http://schemas.microsoft.com/office/mac/drawingml/2011/main" val="1"/>
             </a:ext>
           </a:extLst>
         </p:spPr>
@@ -7708,7 +7713,7 @@
           </a:ln>
           <a:extLst>
             <a:ext uri="{C572A759-6A51-4108-AA02-DFA0A04FC94B}">
-              <ma14:wrappingTextBoxFlag xmlns:ma14="http://schemas.microsoft.com/office/mac/drawingml/2011/main" xmlns="" val="1"/>
+              <ma14:wrappingTextBoxFlag xmlns="" xmlns:ma14="http://schemas.microsoft.com/office/mac/drawingml/2011/main" val="1"/>
             </a:ext>
           </a:extLst>
         </p:spPr>
@@ -8705,7 +8710,7 @@
           </a:ln>
           <a:extLst>
             <a:ext uri="{C572A759-6A51-4108-AA02-DFA0A04FC94B}">
-              <ma14:wrappingTextBoxFlag xmlns:ma14="http://schemas.microsoft.com/office/mac/drawingml/2011/main" xmlns="" val="1"/>
+              <ma14:wrappingTextBoxFlag xmlns="" xmlns:ma14="http://schemas.microsoft.com/office/mac/drawingml/2011/main" val="1"/>
             </a:ext>
           </a:extLst>
         </p:spPr>
@@ -8749,7 +8754,7 @@
           </a:ln>
           <a:extLst>
             <a:ext uri="{C572A759-6A51-4108-AA02-DFA0A04FC94B}">
-              <ma14:wrappingTextBoxFlag xmlns:ma14="http://schemas.microsoft.com/office/mac/drawingml/2011/main" xmlns="" val="1"/>
+              <ma14:wrappingTextBoxFlag xmlns="" xmlns:ma14="http://schemas.microsoft.com/office/mac/drawingml/2011/main" val="1"/>
             </a:ext>
           </a:extLst>
         </p:spPr>
@@ -8796,7 +8801,7 @@
           </a:ln>
           <a:extLst>
             <a:ext uri="{C572A759-6A51-4108-AA02-DFA0A04FC94B}">
-              <ma14:wrappingTextBoxFlag xmlns:ma14="http://schemas.microsoft.com/office/mac/drawingml/2011/main" xmlns="" val="1"/>
+              <ma14:wrappingTextBoxFlag xmlns="" xmlns:ma14="http://schemas.microsoft.com/office/mac/drawingml/2011/main" val="1"/>
             </a:ext>
           </a:extLst>
         </p:spPr>
@@ -8849,7 +8854,7 @@
           </a:ln>
           <a:extLst>
             <a:ext uri="{C572A759-6A51-4108-AA02-DFA0A04FC94B}">
-              <ma14:wrappingTextBoxFlag xmlns:ma14="http://schemas.microsoft.com/office/mac/drawingml/2011/main" xmlns="" val="1"/>
+              <ma14:wrappingTextBoxFlag xmlns="" xmlns:ma14="http://schemas.microsoft.com/office/mac/drawingml/2011/main" val="1"/>
             </a:ext>
           </a:extLst>
         </p:spPr>
@@ -9062,7 +9067,7 @@
           </a:ln>
           <a:extLst>
             <a:ext uri="{C572A759-6A51-4108-AA02-DFA0A04FC94B}">
-              <ma14:wrappingTextBoxFlag xmlns:ma14="http://schemas.microsoft.com/office/mac/drawingml/2011/main" xmlns="" val="1"/>
+              <ma14:wrappingTextBoxFlag xmlns="" xmlns:ma14="http://schemas.microsoft.com/office/mac/drawingml/2011/main" val="1"/>
             </a:ext>
           </a:extLst>
         </p:spPr>
@@ -9252,7 +9257,7 @@
           </a:ln>
           <a:extLst>
             <a:ext uri="{C572A759-6A51-4108-AA02-DFA0A04FC94B}">
-              <ma14:wrappingTextBoxFlag xmlns:ma14="http://schemas.microsoft.com/office/mac/drawingml/2011/main" xmlns="" val="1"/>
+              <ma14:wrappingTextBoxFlag xmlns="" xmlns:ma14="http://schemas.microsoft.com/office/mac/drawingml/2011/main" val="1"/>
             </a:ext>
           </a:extLst>
         </p:spPr>
@@ -9296,7 +9301,7 @@
           </a:ln>
           <a:extLst>
             <a:ext uri="{C572A759-6A51-4108-AA02-DFA0A04FC94B}">
-              <ma14:wrappingTextBoxFlag xmlns:ma14="http://schemas.microsoft.com/office/mac/drawingml/2011/main" xmlns="" val="1"/>
+              <ma14:wrappingTextBoxFlag xmlns="" xmlns:ma14="http://schemas.microsoft.com/office/mac/drawingml/2011/main" val="1"/>
             </a:ext>
           </a:extLst>
         </p:spPr>
@@ -9343,7 +9348,7 @@
           </a:ln>
           <a:extLst>
             <a:ext uri="{C572A759-6A51-4108-AA02-DFA0A04FC94B}">
-              <ma14:wrappingTextBoxFlag xmlns:ma14="http://schemas.microsoft.com/office/mac/drawingml/2011/main" xmlns="" val="1"/>
+              <ma14:wrappingTextBoxFlag xmlns="" xmlns:ma14="http://schemas.microsoft.com/office/mac/drawingml/2011/main" val="1"/>
             </a:ext>
           </a:extLst>
         </p:spPr>
@@ -9396,7 +9401,7 @@
           </a:ln>
           <a:extLst>
             <a:ext uri="{C572A759-6A51-4108-AA02-DFA0A04FC94B}">
-              <ma14:wrappingTextBoxFlag xmlns:ma14="http://schemas.microsoft.com/office/mac/drawingml/2011/main" xmlns="" val="1"/>
+              <ma14:wrappingTextBoxFlag xmlns="" xmlns:ma14="http://schemas.microsoft.com/office/mac/drawingml/2011/main" val="1"/>
             </a:ext>
           </a:extLst>
         </p:spPr>
@@ -9583,7 +9588,7 @@
           </a:ln>
           <a:extLst>
             <a:ext uri="{C572A759-6A51-4108-AA02-DFA0A04FC94B}">
-              <ma14:wrappingTextBoxFlag xmlns:ma14="http://schemas.microsoft.com/office/mac/drawingml/2011/main" xmlns="" val="1"/>
+              <ma14:wrappingTextBoxFlag xmlns="" xmlns:ma14="http://schemas.microsoft.com/office/mac/drawingml/2011/main" val="1"/>
             </a:ext>
           </a:extLst>
         </p:spPr>
@@ -9627,7 +9632,7 @@
           </a:ln>
           <a:extLst>
             <a:ext uri="{C572A759-6A51-4108-AA02-DFA0A04FC94B}">
-              <ma14:wrappingTextBoxFlag xmlns:ma14="http://schemas.microsoft.com/office/mac/drawingml/2011/main" xmlns="" val="1"/>
+              <ma14:wrappingTextBoxFlag xmlns="" xmlns:ma14="http://schemas.microsoft.com/office/mac/drawingml/2011/main" val="1"/>
             </a:ext>
           </a:extLst>
         </p:spPr>
@@ -9674,7 +9679,7 @@
           </a:ln>
           <a:extLst>
             <a:ext uri="{C572A759-6A51-4108-AA02-DFA0A04FC94B}">
-              <ma14:wrappingTextBoxFlag xmlns:ma14="http://schemas.microsoft.com/office/mac/drawingml/2011/main" xmlns="" val="1"/>
+              <ma14:wrappingTextBoxFlag xmlns="" xmlns:ma14="http://schemas.microsoft.com/office/mac/drawingml/2011/main" val="1"/>
             </a:ext>
           </a:extLst>
         </p:spPr>
@@ -9818,7 +9823,7 @@
           </a:ln>
           <a:extLst>
             <a:ext uri="{C572A759-6A51-4108-AA02-DFA0A04FC94B}">
-              <ma14:wrappingTextBoxFlag xmlns:ma14="http://schemas.microsoft.com/office/mac/drawingml/2011/main" xmlns="" val="1"/>
+              <ma14:wrappingTextBoxFlag xmlns="" xmlns:ma14="http://schemas.microsoft.com/office/mac/drawingml/2011/main" val="1"/>
             </a:ext>
           </a:extLst>
         </p:spPr>
@@ -9919,7 +9924,7 @@
           </a:ln>
           <a:extLst>
             <a:ext uri="{C572A759-6A51-4108-AA02-DFA0A04FC94B}">
-              <ma14:wrappingTextBoxFlag xmlns:ma14="http://schemas.microsoft.com/office/mac/drawingml/2011/main" xmlns="" val="1"/>
+              <ma14:wrappingTextBoxFlag xmlns="" xmlns:ma14="http://schemas.microsoft.com/office/mac/drawingml/2011/main" val="1"/>
             </a:ext>
           </a:extLst>
         </p:spPr>
@@ -9963,7 +9968,7 @@
           </a:ln>
           <a:extLst>
             <a:ext uri="{C572A759-6A51-4108-AA02-DFA0A04FC94B}">
-              <ma14:wrappingTextBoxFlag xmlns:ma14="http://schemas.microsoft.com/office/mac/drawingml/2011/main" xmlns="" val="1"/>
+              <ma14:wrappingTextBoxFlag xmlns="" xmlns:ma14="http://schemas.microsoft.com/office/mac/drawingml/2011/main" val="1"/>
             </a:ext>
           </a:extLst>
         </p:spPr>
@@ -10010,7 +10015,7 @@
           </a:ln>
           <a:extLst>
             <a:ext uri="{C572A759-6A51-4108-AA02-DFA0A04FC94B}">
-              <ma14:wrappingTextBoxFlag xmlns:ma14="http://schemas.microsoft.com/office/mac/drawingml/2011/main" xmlns="" val="1"/>
+              <ma14:wrappingTextBoxFlag xmlns="" xmlns:ma14="http://schemas.microsoft.com/office/mac/drawingml/2011/main" val="1"/>
             </a:ext>
           </a:extLst>
         </p:spPr>
@@ -10092,7 +10097,7 @@
           </a:ln>
           <a:extLst>
             <a:ext uri="{C572A759-6A51-4108-AA02-DFA0A04FC94B}">
-              <ma14:wrappingTextBoxFlag xmlns:ma14="http://schemas.microsoft.com/office/mac/drawingml/2011/main" xmlns="" val="1"/>
+              <ma14:wrappingTextBoxFlag xmlns="" xmlns:ma14="http://schemas.microsoft.com/office/mac/drawingml/2011/main" val="1"/>
             </a:ext>
           </a:extLst>
         </p:spPr>
@@ -10207,7 +10212,7 @@
           </a:ln>
           <a:extLst>
             <a:ext uri="{C572A759-6A51-4108-AA02-DFA0A04FC94B}">
-              <ma14:wrappingTextBoxFlag xmlns:ma14="http://schemas.microsoft.com/office/mac/drawingml/2011/main" xmlns="" val="1"/>
+              <ma14:wrappingTextBoxFlag xmlns="" xmlns:ma14="http://schemas.microsoft.com/office/mac/drawingml/2011/main" val="1"/>
             </a:ext>
           </a:extLst>
         </p:spPr>
@@ -10251,7 +10256,7 @@
           </a:ln>
           <a:extLst>
             <a:ext uri="{C572A759-6A51-4108-AA02-DFA0A04FC94B}">
-              <ma14:wrappingTextBoxFlag xmlns:ma14="http://schemas.microsoft.com/office/mac/drawingml/2011/main" xmlns="" val="1"/>
+              <ma14:wrappingTextBoxFlag xmlns="" xmlns:ma14="http://schemas.microsoft.com/office/mac/drawingml/2011/main" val="1"/>
             </a:ext>
           </a:extLst>
         </p:spPr>
@@ -10298,7 +10303,7 @@
           </a:ln>
           <a:extLst>
             <a:ext uri="{C572A759-6A51-4108-AA02-DFA0A04FC94B}">
-              <ma14:wrappingTextBoxFlag xmlns:ma14="http://schemas.microsoft.com/office/mac/drawingml/2011/main" xmlns="" val="1"/>
+              <ma14:wrappingTextBoxFlag xmlns="" xmlns:ma14="http://schemas.microsoft.com/office/mac/drawingml/2011/main" val="1"/>
             </a:ext>
           </a:extLst>
         </p:spPr>
@@ -10379,7 +10384,7 @@
           </a:ln>
           <a:extLst>
             <a:ext uri="{C572A759-6A51-4108-AA02-DFA0A04FC94B}">
-              <ma14:wrappingTextBoxFlag xmlns:ma14="http://schemas.microsoft.com/office/mac/drawingml/2011/main" xmlns="" val="1"/>
+              <ma14:wrappingTextBoxFlag xmlns="" xmlns:ma14="http://schemas.microsoft.com/office/mac/drawingml/2011/main" val="1"/>
             </a:ext>
           </a:extLst>
         </p:spPr>
@@ -10450,7 +10455,7 @@
           </a:ln>
           <a:extLst>
             <a:ext uri="{C572A759-6A51-4108-AA02-DFA0A04FC94B}">
-              <ma14:wrappingTextBoxFlag xmlns:ma14="http://schemas.microsoft.com/office/mac/drawingml/2011/main" xmlns="" val="1"/>
+              <ma14:wrappingTextBoxFlag xmlns="" xmlns:ma14="http://schemas.microsoft.com/office/mac/drawingml/2011/main" val="1"/>
             </a:ext>
           </a:extLst>
         </p:spPr>
@@ -10521,7 +10526,7 @@
           </a:ln>
           <a:extLst>
             <a:ext uri="{C572A759-6A51-4108-AA02-DFA0A04FC94B}">
-              <ma14:wrappingTextBoxFlag xmlns:ma14="http://schemas.microsoft.com/office/mac/drawingml/2011/main" xmlns="" val="1"/>
+              <ma14:wrappingTextBoxFlag xmlns="" xmlns:ma14="http://schemas.microsoft.com/office/mac/drawingml/2011/main" val="1"/>
             </a:ext>
           </a:extLst>
         </p:spPr>
@@ -10592,7 +10597,7 @@
           </a:ln>
           <a:extLst>
             <a:ext uri="{C572A759-6A51-4108-AA02-DFA0A04FC94B}">
-              <ma14:wrappingTextBoxFlag xmlns:ma14="http://schemas.microsoft.com/office/mac/drawingml/2011/main" xmlns="" val="1"/>
+              <ma14:wrappingTextBoxFlag xmlns="" xmlns:ma14="http://schemas.microsoft.com/office/mac/drawingml/2011/main" val="1"/>
             </a:ext>
           </a:extLst>
         </p:spPr>
@@ -10663,7 +10668,7 @@
           </a:ln>
           <a:extLst>
             <a:ext uri="{C572A759-6A51-4108-AA02-DFA0A04FC94B}">
-              <ma14:wrappingTextBoxFlag xmlns:ma14="http://schemas.microsoft.com/office/mac/drawingml/2011/main" xmlns="" val="1"/>
+              <ma14:wrappingTextBoxFlag xmlns="" xmlns:ma14="http://schemas.microsoft.com/office/mac/drawingml/2011/main" val="1"/>
             </a:ext>
           </a:extLst>
         </p:spPr>
@@ -10734,7 +10739,7 @@
           </a:ln>
           <a:extLst>
             <a:ext uri="{C572A759-6A51-4108-AA02-DFA0A04FC94B}">
-              <ma14:wrappingTextBoxFlag xmlns:ma14="http://schemas.microsoft.com/office/mac/drawingml/2011/main" xmlns="" val="1"/>
+              <ma14:wrappingTextBoxFlag xmlns="" xmlns:ma14="http://schemas.microsoft.com/office/mac/drawingml/2011/main" val="1"/>
             </a:ext>
           </a:extLst>
         </p:spPr>
@@ -11204,7 +11209,7 @@
           </a:ln>
           <a:extLst>
             <a:ext uri="{C572A759-6A51-4108-AA02-DFA0A04FC94B}">
-              <ma14:wrappingTextBoxFlag xmlns:ma14="http://schemas.microsoft.com/office/mac/drawingml/2011/main" xmlns="" val="1"/>
+              <ma14:wrappingTextBoxFlag xmlns="" xmlns:ma14="http://schemas.microsoft.com/office/mac/drawingml/2011/main" val="1"/>
             </a:ext>
           </a:extLst>
         </p:spPr>
@@ -11247,7 +11252,7 @@
           </a:ln>
           <a:extLst>
             <a:ext uri="{C572A759-6A51-4108-AA02-DFA0A04FC94B}">
-              <ma14:wrappingTextBoxFlag xmlns:ma14="http://schemas.microsoft.com/office/mac/drawingml/2011/main" xmlns="" val="1"/>
+              <ma14:wrappingTextBoxFlag xmlns="" xmlns:ma14="http://schemas.microsoft.com/office/mac/drawingml/2011/main" val="1"/>
             </a:ext>
           </a:extLst>
         </p:spPr>
@@ -11290,7 +11295,7 @@
           </a:ln>
           <a:extLst>
             <a:ext uri="{C572A759-6A51-4108-AA02-DFA0A04FC94B}">
-              <ma14:wrappingTextBoxFlag xmlns:ma14="http://schemas.microsoft.com/office/mac/drawingml/2011/main" xmlns="" val="1"/>
+              <ma14:wrappingTextBoxFlag xmlns="" xmlns:ma14="http://schemas.microsoft.com/office/mac/drawingml/2011/main" val="1"/>
             </a:ext>
           </a:extLst>
         </p:spPr>
@@ -11333,7 +11338,7 @@
           </a:ln>
           <a:extLst>
             <a:ext uri="{C572A759-6A51-4108-AA02-DFA0A04FC94B}">
-              <ma14:wrappingTextBoxFlag xmlns:ma14="http://schemas.microsoft.com/office/mac/drawingml/2011/main" xmlns="" val="1"/>
+              <ma14:wrappingTextBoxFlag xmlns="" xmlns:ma14="http://schemas.microsoft.com/office/mac/drawingml/2011/main" val="1"/>
             </a:ext>
           </a:extLst>
         </p:spPr>
@@ -11376,7 +11381,7 @@
           </a:ln>
           <a:extLst>
             <a:ext uri="{C572A759-6A51-4108-AA02-DFA0A04FC94B}">
-              <ma14:wrappingTextBoxFlag xmlns:ma14="http://schemas.microsoft.com/office/mac/drawingml/2011/main" xmlns="" val="1"/>
+              <ma14:wrappingTextBoxFlag xmlns="" xmlns:ma14="http://schemas.microsoft.com/office/mac/drawingml/2011/main" val="1"/>
             </a:ext>
           </a:extLst>
         </p:spPr>
@@ -11419,7 +11424,7 @@
           </a:ln>
           <a:extLst>
             <a:ext uri="{C572A759-6A51-4108-AA02-DFA0A04FC94B}">
-              <ma14:wrappingTextBoxFlag xmlns:ma14="http://schemas.microsoft.com/office/mac/drawingml/2011/main" xmlns="" val="1"/>
+              <ma14:wrappingTextBoxFlag xmlns="" xmlns:ma14="http://schemas.microsoft.com/office/mac/drawingml/2011/main" val="1"/>
             </a:ext>
           </a:extLst>
         </p:spPr>
@@ -11462,7 +11467,7 @@
           </a:ln>
           <a:extLst>
             <a:ext uri="{C572A759-6A51-4108-AA02-DFA0A04FC94B}">
-              <ma14:wrappingTextBoxFlag xmlns:ma14="http://schemas.microsoft.com/office/mac/drawingml/2011/main" xmlns="" val="1"/>
+              <ma14:wrappingTextBoxFlag xmlns="" xmlns:ma14="http://schemas.microsoft.com/office/mac/drawingml/2011/main" val="1"/>
             </a:ext>
           </a:extLst>
         </p:spPr>
@@ -11538,7 +11543,7 @@
           </a:ln>
           <a:extLst>
             <a:ext uri="{C572A759-6A51-4108-AA02-DFA0A04FC94B}">
-              <ma14:wrappingTextBoxFlag xmlns:ma14="http://schemas.microsoft.com/office/mac/drawingml/2011/main" xmlns="" val="1"/>
+              <ma14:wrappingTextBoxFlag xmlns="" xmlns:ma14="http://schemas.microsoft.com/office/mac/drawingml/2011/main" val="1"/>
             </a:ext>
           </a:extLst>
         </p:spPr>
@@ -11620,7 +11625,7 @@
           </a:ln>
           <a:extLst>
             <a:ext uri="{C572A759-6A51-4108-AA02-DFA0A04FC94B}">
-              <ma14:wrappingTextBoxFlag xmlns:ma14="http://schemas.microsoft.com/office/mac/drawingml/2011/main" xmlns="" val="1"/>
+              <ma14:wrappingTextBoxFlag xmlns="" xmlns:ma14="http://schemas.microsoft.com/office/mac/drawingml/2011/main" val="1"/>
             </a:ext>
           </a:extLst>
         </p:spPr>
@@ -11971,7 +11976,7 @@
           </a:ln>
           <a:extLst>
             <a:ext uri="{C572A759-6A51-4108-AA02-DFA0A04FC94B}">
-              <ma14:wrappingTextBoxFlag xmlns:ma14="http://schemas.microsoft.com/office/mac/drawingml/2011/main" xmlns="" val="1"/>
+              <ma14:wrappingTextBoxFlag xmlns="" xmlns:ma14="http://schemas.microsoft.com/office/mac/drawingml/2011/main" val="1"/>
             </a:ext>
           </a:extLst>
         </p:spPr>
@@ -12015,7 +12020,7 @@
           </a:ln>
           <a:extLst>
             <a:ext uri="{C572A759-6A51-4108-AA02-DFA0A04FC94B}">
-              <ma14:wrappingTextBoxFlag xmlns:ma14="http://schemas.microsoft.com/office/mac/drawingml/2011/main" xmlns="" val="1"/>
+              <ma14:wrappingTextBoxFlag xmlns="" xmlns:ma14="http://schemas.microsoft.com/office/mac/drawingml/2011/main" val="1"/>
             </a:ext>
           </a:extLst>
         </p:spPr>
@@ -12062,7 +12067,7 @@
           </a:ln>
           <a:extLst>
             <a:ext uri="{C572A759-6A51-4108-AA02-DFA0A04FC94B}">
-              <ma14:wrappingTextBoxFlag xmlns:ma14="http://schemas.microsoft.com/office/mac/drawingml/2011/main" xmlns="" val="1"/>
+              <ma14:wrappingTextBoxFlag xmlns="" xmlns:ma14="http://schemas.microsoft.com/office/mac/drawingml/2011/main" val="1"/>
             </a:ext>
           </a:extLst>
         </p:spPr>
@@ -12115,7 +12120,7 @@
           </a:ln>
           <a:extLst>
             <a:ext uri="{C572A759-6A51-4108-AA02-DFA0A04FC94B}">
-              <ma14:wrappingTextBoxFlag xmlns:ma14="http://schemas.microsoft.com/office/mac/drawingml/2011/main" xmlns="" val="1"/>
+              <ma14:wrappingTextBoxFlag xmlns="" xmlns:ma14="http://schemas.microsoft.com/office/mac/drawingml/2011/main" val="1"/>
             </a:ext>
           </a:extLst>
         </p:spPr>
@@ -12254,7 +12259,7 @@
           </a:ln>
           <a:extLst>
             <a:ext uri="{C572A759-6A51-4108-AA02-DFA0A04FC94B}">
-              <ma14:wrappingTextBoxFlag xmlns:ma14="http://schemas.microsoft.com/office/mac/drawingml/2011/main" xmlns="" val="1"/>
+              <ma14:wrappingTextBoxFlag xmlns="" xmlns:ma14="http://schemas.microsoft.com/office/mac/drawingml/2011/main" val="1"/>
             </a:ext>
           </a:extLst>
         </p:spPr>
@@ -12298,7 +12303,7 @@
           </a:ln>
           <a:extLst>
             <a:ext uri="{C572A759-6A51-4108-AA02-DFA0A04FC94B}">
-              <ma14:wrappingTextBoxFlag xmlns:ma14="http://schemas.microsoft.com/office/mac/drawingml/2011/main" xmlns="" val="1"/>
+              <ma14:wrappingTextBoxFlag xmlns="" xmlns:ma14="http://schemas.microsoft.com/office/mac/drawingml/2011/main" val="1"/>
             </a:ext>
           </a:extLst>
         </p:spPr>
@@ -12345,7 +12350,7 @@
           </a:ln>
           <a:extLst>
             <a:ext uri="{C572A759-6A51-4108-AA02-DFA0A04FC94B}">
-              <ma14:wrappingTextBoxFlag xmlns:ma14="http://schemas.microsoft.com/office/mac/drawingml/2011/main" xmlns="" val="1"/>
+              <ma14:wrappingTextBoxFlag xmlns="" xmlns:ma14="http://schemas.microsoft.com/office/mac/drawingml/2011/main" val="1"/>
             </a:ext>
           </a:extLst>
         </p:spPr>
@@ -12398,7 +12403,7 @@
           </a:ln>
           <a:extLst>
             <a:ext uri="{C572A759-6A51-4108-AA02-DFA0A04FC94B}">
-              <ma14:wrappingTextBoxFlag xmlns:ma14="http://schemas.microsoft.com/office/mac/drawingml/2011/main" xmlns="" val="1"/>
+              <ma14:wrappingTextBoxFlag xmlns="" xmlns:ma14="http://schemas.microsoft.com/office/mac/drawingml/2011/main" val="1"/>
             </a:ext>
           </a:extLst>
         </p:spPr>
@@ -12451,7 +12456,7 @@
           </a:ln>
           <a:extLst>
             <a:ext uri="{C572A759-6A51-4108-AA02-DFA0A04FC94B}">
-              <ma14:wrappingTextBoxFlag xmlns:ma14="http://schemas.microsoft.com/office/mac/drawingml/2011/main" xmlns="" val="1"/>
+              <ma14:wrappingTextBoxFlag xmlns="" xmlns:ma14="http://schemas.microsoft.com/office/mac/drawingml/2011/main" val="1"/>
             </a:ext>
           </a:extLst>
         </p:spPr>
@@ -12504,7 +12509,7 @@
           </a:ln>
           <a:extLst>
             <a:ext uri="{C572A759-6A51-4108-AA02-DFA0A04FC94B}">
-              <ma14:wrappingTextBoxFlag xmlns:ma14="http://schemas.microsoft.com/office/mac/drawingml/2011/main" xmlns="" val="1"/>
+              <ma14:wrappingTextBoxFlag xmlns="" xmlns:ma14="http://schemas.microsoft.com/office/mac/drawingml/2011/main" val="1"/>
             </a:ext>
           </a:extLst>
         </p:spPr>
@@ -12558,7 +12563,7 @@
           </a:ln>
           <a:extLst>
             <a:ext uri="{C572A759-6A51-4108-AA02-DFA0A04FC94B}">
-              <ma14:wrappingTextBoxFlag xmlns:ma14="http://schemas.microsoft.com/office/mac/drawingml/2011/main" xmlns="" val="1"/>
+              <ma14:wrappingTextBoxFlag xmlns="" xmlns:ma14="http://schemas.microsoft.com/office/mac/drawingml/2011/main" val="1"/>
             </a:ext>
           </a:extLst>
         </p:spPr>
@@ -13431,7 +13436,7 @@
           </a:ln>
           <a:extLst>
             <a:ext uri="{C572A759-6A51-4108-AA02-DFA0A04FC94B}">
-              <ma14:wrappingTextBoxFlag xmlns:ma14="http://schemas.microsoft.com/office/mac/drawingml/2011/main" xmlns="" val="1"/>
+              <ma14:wrappingTextBoxFlag xmlns="" xmlns:ma14="http://schemas.microsoft.com/office/mac/drawingml/2011/main" val="1"/>
             </a:ext>
           </a:extLst>
         </p:spPr>
@@ -13541,7 +13546,7 @@
           </a:ln>
           <a:extLst>
             <a:ext uri="{C572A759-6A51-4108-AA02-DFA0A04FC94B}">
-              <ma14:wrappingTextBoxFlag xmlns:ma14="http://schemas.microsoft.com/office/mac/drawingml/2011/main" xmlns="" val="1"/>
+              <ma14:wrappingTextBoxFlag xmlns="" xmlns:ma14="http://schemas.microsoft.com/office/mac/drawingml/2011/main" val="1"/>
             </a:ext>
           </a:extLst>
         </p:spPr>
@@ -13585,7 +13590,7 @@
           </a:ln>
           <a:extLst>
             <a:ext uri="{C572A759-6A51-4108-AA02-DFA0A04FC94B}">
-              <ma14:wrappingTextBoxFlag xmlns:ma14="http://schemas.microsoft.com/office/mac/drawingml/2011/main" xmlns="" val="1"/>
+              <ma14:wrappingTextBoxFlag xmlns="" xmlns:ma14="http://schemas.microsoft.com/office/mac/drawingml/2011/main" val="1"/>
             </a:ext>
           </a:extLst>
         </p:spPr>
@@ -13632,7 +13637,7 @@
           </a:ln>
           <a:extLst>
             <a:ext uri="{C572A759-6A51-4108-AA02-DFA0A04FC94B}">
-              <ma14:wrappingTextBoxFlag xmlns:ma14="http://schemas.microsoft.com/office/mac/drawingml/2011/main" xmlns="" val="1"/>
+              <ma14:wrappingTextBoxFlag xmlns="" xmlns:ma14="http://schemas.microsoft.com/office/mac/drawingml/2011/main" val="1"/>
             </a:ext>
           </a:extLst>
         </p:spPr>
@@ -13743,7 +13748,7 @@
           </a:ln>
           <a:extLst>
             <a:ext uri="{C572A759-6A51-4108-AA02-DFA0A04FC94B}">
-              <ma14:wrappingTextBoxFlag xmlns:ma14="http://schemas.microsoft.com/office/mac/drawingml/2011/main" xmlns="" val="1"/>
+              <ma14:wrappingTextBoxFlag xmlns="" xmlns:ma14="http://schemas.microsoft.com/office/mac/drawingml/2011/main" val="1"/>
             </a:ext>
           </a:extLst>
         </p:spPr>
@@ -14076,7 +14081,7 @@
           </a:ln>
           <a:extLst>
             <a:ext uri="{C572A759-6A51-4108-AA02-DFA0A04FC94B}">
-              <ma14:wrappingTextBoxFlag xmlns:ma14="http://schemas.microsoft.com/office/mac/drawingml/2011/main" xmlns="" val="1"/>
+              <ma14:wrappingTextBoxFlag xmlns="" xmlns:ma14="http://schemas.microsoft.com/office/mac/drawingml/2011/main" val="1"/>
             </a:ext>
           </a:extLst>
         </p:spPr>
@@ -14120,7 +14125,7 @@
           </a:ln>
           <a:extLst>
             <a:ext uri="{C572A759-6A51-4108-AA02-DFA0A04FC94B}">
-              <ma14:wrappingTextBoxFlag xmlns:ma14="http://schemas.microsoft.com/office/mac/drawingml/2011/main" xmlns="" val="1"/>
+              <ma14:wrappingTextBoxFlag xmlns="" xmlns:ma14="http://schemas.microsoft.com/office/mac/drawingml/2011/main" val="1"/>
             </a:ext>
           </a:extLst>
         </p:spPr>
@@ -14167,7 +14172,7 @@
           </a:ln>
           <a:extLst>
             <a:ext uri="{C572A759-6A51-4108-AA02-DFA0A04FC94B}">
-              <ma14:wrappingTextBoxFlag xmlns:ma14="http://schemas.microsoft.com/office/mac/drawingml/2011/main" xmlns="" val="1"/>
+              <ma14:wrappingTextBoxFlag xmlns="" xmlns:ma14="http://schemas.microsoft.com/office/mac/drawingml/2011/main" val="1"/>
             </a:ext>
           </a:extLst>
         </p:spPr>
@@ -14314,7 +14319,7 @@
           </a:ln>
           <a:extLst>
             <a:ext uri="{C572A759-6A51-4108-AA02-DFA0A04FC94B}">
-              <ma14:wrappingTextBoxFlag xmlns:ma14="http://schemas.microsoft.com/office/mac/drawingml/2011/main" xmlns="" val="1"/>
+              <ma14:wrappingTextBoxFlag xmlns="" xmlns:ma14="http://schemas.microsoft.com/office/mac/drawingml/2011/main" val="1"/>
             </a:ext>
           </a:extLst>
         </p:spPr>
@@ -14358,7 +14363,7 @@
           </a:ln>
           <a:extLst>
             <a:ext uri="{C572A759-6A51-4108-AA02-DFA0A04FC94B}">
-              <ma14:wrappingTextBoxFlag xmlns:ma14="http://schemas.microsoft.com/office/mac/drawingml/2011/main" xmlns="" val="1"/>
+              <ma14:wrappingTextBoxFlag xmlns="" xmlns:ma14="http://schemas.microsoft.com/office/mac/drawingml/2011/main" val="1"/>
             </a:ext>
           </a:extLst>
         </p:spPr>
@@ -14405,7 +14410,7 @@
           </a:ln>
           <a:extLst>
             <a:ext uri="{C572A759-6A51-4108-AA02-DFA0A04FC94B}">
-              <ma14:wrappingTextBoxFlag xmlns:ma14="http://schemas.microsoft.com/office/mac/drawingml/2011/main" xmlns="" val="1"/>
+              <ma14:wrappingTextBoxFlag xmlns="" xmlns:ma14="http://schemas.microsoft.com/office/mac/drawingml/2011/main" val="1"/>
             </a:ext>
           </a:extLst>
         </p:spPr>
@@ -14552,7 +14557,7 @@
           </a:ln>
           <a:extLst>
             <a:ext uri="{C572A759-6A51-4108-AA02-DFA0A04FC94B}">
-              <ma14:wrappingTextBoxFlag xmlns:ma14="http://schemas.microsoft.com/office/mac/drawingml/2011/main" xmlns="" val="1"/>
+              <ma14:wrappingTextBoxFlag xmlns="" xmlns:ma14="http://schemas.microsoft.com/office/mac/drawingml/2011/main" val="1"/>
             </a:ext>
           </a:extLst>
         </p:spPr>
@@ -14596,7 +14601,7 @@
           </a:ln>
           <a:extLst>
             <a:ext uri="{C572A759-6A51-4108-AA02-DFA0A04FC94B}">
-              <ma14:wrappingTextBoxFlag xmlns:ma14="http://schemas.microsoft.com/office/mac/drawingml/2011/main" xmlns="" val="1"/>
+              <ma14:wrappingTextBoxFlag xmlns="" xmlns:ma14="http://schemas.microsoft.com/office/mac/drawingml/2011/main" val="1"/>
             </a:ext>
           </a:extLst>
         </p:spPr>
@@ -14643,7 +14648,7 @@
           </a:ln>
           <a:extLst>
             <a:ext uri="{C572A759-6A51-4108-AA02-DFA0A04FC94B}">
-              <ma14:wrappingTextBoxFlag xmlns:ma14="http://schemas.microsoft.com/office/mac/drawingml/2011/main" xmlns="" val="1"/>
+              <ma14:wrappingTextBoxFlag xmlns="" xmlns:ma14="http://schemas.microsoft.com/office/mac/drawingml/2011/main" val="1"/>
             </a:ext>
           </a:extLst>
         </p:spPr>
@@ -14697,7 +14702,7 @@
           </a:ln>
           <a:extLst>
             <a:ext uri="{C572A759-6A51-4108-AA02-DFA0A04FC94B}">
-              <ma14:wrappingTextBoxFlag xmlns:ma14="http://schemas.microsoft.com/office/mac/drawingml/2011/main" xmlns="" val="1"/>
+              <ma14:wrappingTextBoxFlag xmlns="" xmlns:ma14="http://schemas.microsoft.com/office/mac/drawingml/2011/main" val="1"/>
             </a:ext>
           </a:extLst>
         </p:spPr>
@@ -14925,7 +14930,7 @@
           </a:ln>
           <a:extLst>
             <a:ext uri="{C572A759-6A51-4108-AA02-DFA0A04FC94B}">
-              <ma14:wrappingTextBoxFlag xmlns:ma14="http://schemas.microsoft.com/office/mac/drawingml/2011/main" xmlns="" val="1"/>
+              <ma14:wrappingTextBoxFlag xmlns="" xmlns:ma14="http://schemas.microsoft.com/office/mac/drawingml/2011/main" val="1"/>
             </a:ext>
           </a:extLst>
         </p:spPr>
@@ -15035,7 +15040,7 @@
           </a:ln>
           <a:extLst>
             <a:ext uri="{C572A759-6A51-4108-AA02-DFA0A04FC94B}">
-              <ma14:wrappingTextBoxFlag xmlns:ma14="http://schemas.microsoft.com/office/mac/drawingml/2011/main" xmlns="" val="1"/>
+              <ma14:wrappingTextBoxFlag xmlns="" xmlns:ma14="http://schemas.microsoft.com/office/mac/drawingml/2011/main" val="1"/>
             </a:ext>
           </a:extLst>
         </p:spPr>
@@ -15203,7 +15208,7 @@
           </a:ln>
           <a:extLst>
             <a:ext uri="{C572A759-6A51-4108-AA02-DFA0A04FC94B}">
-              <ma14:wrappingTextBoxFlag xmlns:ma14="http://schemas.microsoft.com/office/mac/drawingml/2011/main" xmlns="" val="1"/>
+              <ma14:wrappingTextBoxFlag xmlns="" xmlns:ma14="http://schemas.microsoft.com/office/mac/drawingml/2011/main" val="1"/>
             </a:ext>
           </a:extLst>
         </p:spPr>
@@ -15247,7 +15252,7 @@
           </a:ln>
           <a:extLst>
             <a:ext uri="{C572A759-6A51-4108-AA02-DFA0A04FC94B}">
-              <ma14:wrappingTextBoxFlag xmlns:ma14="http://schemas.microsoft.com/office/mac/drawingml/2011/main" xmlns="" val="1"/>
+              <ma14:wrappingTextBoxFlag xmlns="" xmlns:ma14="http://schemas.microsoft.com/office/mac/drawingml/2011/main" val="1"/>
             </a:ext>
           </a:extLst>
         </p:spPr>
@@ -15294,7 +15299,7 @@
           </a:ln>
           <a:extLst>
             <a:ext uri="{C572A759-6A51-4108-AA02-DFA0A04FC94B}">
-              <ma14:wrappingTextBoxFlag xmlns:ma14="http://schemas.microsoft.com/office/mac/drawingml/2011/main" xmlns="" val="1"/>
+              <ma14:wrappingTextBoxFlag xmlns="" xmlns:ma14="http://schemas.microsoft.com/office/mac/drawingml/2011/main" val="1"/>
             </a:ext>
           </a:extLst>
         </p:spPr>
@@ -15527,7 +15532,7 @@
           </a:ln>
           <a:extLst>
             <a:ext uri="{C572A759-6A51-4108-AA02-DFA0A04FC94B}">
-              <ma14:wrappingTextBoxFlag xmlns:ma14="http://schemas.microsoft.com/office/mac/drawingml/2011/main" xmlns="" val="1"/>
+              <ma14:wrappingTextBoxFlag xmlns="" xmlns:ma14="http://schemas.microsoft.com/office/mac/drawingml/2011/main" val="1"/>
             </a:ext>
           </a:extLst>
         </p:spPr>
@@ -15635,7 +15640,7 @@
           </a:ln>
           <a:extLst>
             <a:ext uri="{C572A759-6A51-4108-AA02-DFA0A04FC94B}">
-              <ma14:wrappingTextBoxFlag xmlns:ma14="http://schemas.microsoft.com/office/mac/drawingml/2011/main" xmlns="" val="1"/>
+              <ma14:wrappingTextBoxFlag xmlns="" xmlns:ma14="http://schemas.microsoft.com/office/mac/drawingml/2011/main" val="1"/>
             </a:ext>
           </a:extLst>
         </p:spPr>
@@ -15712,7 +15717,7 @@
           </a:ln>
           <a:extLst>
             <a:ext uri="{C572A759-6A51-4108-AA02-DFA0A04FC94B}">
-              <ma14:wrappingTextBoxFlag xmlns:ma14="http://schemas.microsoft.com/office/mac/drawingml/2011/main" xmlns="" val="1"/>
+              <ma14:wrappingTextBoxFlag xmlns="" xmlns:ma14="http://schemas.microsoft.com/office/mac/drawingml/2011/main" val="1"/>
             </a:ext>
           </a:extLst>
         </p:spPr>
@@ -15820,7 +15825,7 @@
           </a:ln>
           <a:extLst>
             <a:ext uri="{C572A759-6A51-4108-AA02-DFA0A04FC94B}">
-              <ma14:wrappingTextBoxFlag xmlns:ma14="http://schemas.microsoft.com/office/mac/drawingml/2011/main" xmlns="" val="1"/>
+              <ma14:wrappingTextBoxFlag xmlns="" xmlns:ma14="http://schemas.microsoft.com/office/mac/drawingml/2011/main" val="1"/>
             </a:ext>
           </a:extLst>
         </p:spPr>
@@ -15897,7 +15902,7 @@
           </a:ln>
           <a:extLst>
             <a:ext uri="{C572A759-6A51-4108-AA02-DFA0A04FC94B}">
-              <ma14:wrappingTextBoxFlag xmlns:ma14="http://schemas.microsoft.com/office/mac/drawingml/2011/main" xmlns="" val="1"/>
+              <ma14:wrappingTextBoxFlag xmlns="" xmlns:ma14="http://schemas.microsoft.com/office/mac/drawingml/2011/main" val="1"/>
             </a:ext>
           </a:extLst>
         </p:spPr>
@@ -15944,7 +15949,7 @@
           </a:ln>
           <a:extLst>
             <a:ext uri="{C572A759-6A51-4108-AA02-DFA0A04FC94B}">
-              <ma14:wrappingTextBoxFlag xmlns:ma14="http://schemas.microsoft.com/office/mac/drawingml/2011/main" xmlns="" val="1"/>
+              <ma14:wrappingTextBoxFlag xmlns="" xmlns:ma14="http://schemas.microsoft.com/office/mac/drawingml/2011/main" val="1"/>
             </a:ext>
           </a:extLst>
         </p:spPr>
@@ -16129,7 +16134,7 @@
           </a:ln>
           <a:extLst>
             <a:ext uri="{C572A759-6A51-4108-AA02-DFA0A04FC94B}">
-              <ma14:wrappingTextBoxFlag xmlns:ma14="http://schemas.microsoft.com/office/mac/drawingml/2011/main" xmlns="" val="1"/>
+              <ma14:wrappingTextBoxFlag xmlns="" xmlns:ma14="http://schemas.microsoft.com/office/mac/drawingml/2011/main" val="1"/>
             </a:ext>
           </a:extLst>
         </p:spPr>
@@ -16189,49 +16194,43 @@
       </p:grpSpPr>
       <p:sp>
         <p:nvSpPr>
-          <p:cNvPr id="428" name="Shape 720"/>
-          <p:cNvSpPr/>
-          <p:nvPr/>
-        </p:nvSpPr>
-        <p:spPr>
-          <a:xfrm>
-            <a:off x="1739900" y="-114302"/>
-            <a:ext cx="2093911" cy="1649417"/>
-          </a:xfrm>
-          <a:prstGeom prst="rect">
-            <a:avLst/>
-          </a:prstGeom>
-          <a:solidFill>
-            <a:srgbClr val="0070C0"/>
-          </a:solidFill>
-          <a:ln w="12700">
-            <a:solidFill>
-              <a:srgbClr val="FFFFFF"/>
-            </a:solidFill>
-            <a:miter/>
-          </a:ln>
-        </p:spPr>
-        <p:txBody>
-          <a:bodyPr lIns="45718" tIns="45718" rIns="45718" bIns="45718" anchor="ctr"/>
+          <p:cNvPr id="2" name="标题 1"/>
+          <p:cNvSpPr>
+            <a:spLocks noGrp="1"/>
+          </p:cNvSpPr>
+          <p:nvPr>
+            <p:ph type="title"/>
+          </p:nvPr>
+        </p:nvSpPr>
+        <p:spPr/>
+        <p:txBody>
+          <a:bodyPr/>
           <a:lstStyle/>
           <a:p>
-            <a:pPr algn="ctr">
-              <a:defRPr sz="1800" b="0"/>
-            </a:pPr>
-            <a:endParaRPr/>
-          </a:p>
-        </p:txBody>
-      </p:sp>
-      <p:sp>
-        <p:nvSpPr>
-          <p:cNvPr id="429" name="Shape 721"/>
+            <a:r>
+              <a:rPr lang="zh-CN" altLang="en-US" dirty="0" smtClean="0">
+                <a:latin typeface="黑体" panose="02010609060101010101" pitchFamily="49" charset="-122"/>
+                <a:ea typeface="黑体" panose="02010609060101010101" pitchFamily="49" charset="-122"/>
+              </a:rPr>
+              <a:t>实验</a:t>
+            </a:r>
+            <a:endParaRPr lang="zh-CN" altLang="en-US" dirty="0">
+              <a:latin typeface="黑体" panose="02010609060101010101" pitchFamily="49" charset="-122"/>
+              <a:ea typeface="黑体" panose="02010609060101010101" pitchFamily="49" charset="-122"/>
+            </a:endParaRPr>
+          </a:p>
+        </p:txBody>
+      </p:sp>
+      <p:sp>
+        <p:nvSpPr>
+          <p:cNvPr id="3" name="Limitation…"/>
           <p:cNvSpPr txBox="1"/>
           <p:nvPr/>
         </p:nvSpPr>
         <p:spPr>
           <a:xfrm>
-            <a:off x="2002026" y="520996"/>
-            <a:ext cx="1475739" cy="916939"/>
+            <a:off x="1627113" y="1691239"/>
+            <a:ext cx="9020110" cy="1344082"/>
           </a:xfrm>
           <a:prstGeom prst="rect">
             <a:avLst/>
@@ -16241,86 +16240,7 @@
           </a:ln>
           <a:extLst>
             <a:ext uri="{C572A759-6A51-4108-AA02-DFA0A04FC94B}">
-              <ma14:wrappingTextBoxFlag xmlns:ma14="http://schemas.microsoft.com/office/mac/drawingml/2011/main" xmlns="" val="1"/>
-            </a:ext>
-          </a:extLst>
-        </p:spPr>
-        <p:txBody>
-          <a:bodyPr wrap="none" lIns="45718" tIns="45718" rIns="45718" bIns="45718">
-            <a:spAutoFit/>
-          </a:bodyPr>
-          <a:lstStyle>
-            <a:lvl1pPr>
-              <a:defRPr sz="5400">
-                <a:latin typeface="方正超粗黑_GBK"/>
-                <a:ea typeface="方正超粗黑_GBK"/>
-                <a:cs typeface="方正超粗黑_GBK"/>
-                <a:sym typeface="方正超粗黑_GBK"/>
-              </a:defRPr>
-            </a:lvl1pPr>
-          </a:lstStyle>
-          <a:p>
-            <a:r>
-              <a:t>REF</a:t>
-            </a:r>
-          </a:p>
-        </p:txBody>
-      </p:sp>
-      <p:sp>
-        <p:nvSpPr>
-          <p:cNvPr id="430" name="Shape 722"/>
-          <p:cNvSpPr/>
-          <p:nvPr/>
-        </p:nvSpPr>
-        <p:spPr>
-          <a:xfrm>
-            <a:off x="1739900" y="6477000"/>
-            <a:ext cx="2093911" cy="1649415"/>
-          </a:xfrm>
-          <a:prstGeom prst="rect">
-            <a:avLst/>
-          </a:prstGeom>
-          <a:solidFill>
-            <a:srgbClr val="0070C0"/>
-          </a:solidFill>
-          <a:ln w="12700">
-            <a:solidFill>
-              <a:srgbClr val="FFFFFF"/>
-            </a:solidFill>
-            <a:miter/>
-          </a:ln>
-        </p:spPr>
-        <p:txBody>
-          <a:bodyPr lIns="45718" tIns="45718" rIns="45718" bIns="45718" anchor="ctr"/>
-          <a:lstStyle/>
-          <a:p>
-            <a:pPr algn="ctr">
-              <a:defRPr sz="1800" b="0"/>
-            </a:pPr>
-            <a:endParaRPr/>
-          </a:p>
-        </p:txBody>
-      </p:sp>
-      <p:sp>
-        <p:nvSpPr>
-          <p:cNvPr id="431" name="Shape 384"/>
-          <p:cNvSpPr txBox="1"/>
-          <p:nvPr/>
-        </p:nvSpPr>
-        <p:spPr>
-          <a:xfrm>
-            <a:off x="1739900" y="2170412"/>
-            <a:ext cx="9797293" cy="3277816"/>
-          </a:xfrm>
-          <a:prstGeom prst="rect">
-            <a:avLst/>
-          </a:prstGeom>
-          <a:ln w="12700">
-            <a:miter lim="400000"/>
-          </a:ln>
-          <a:extLst>
-            <a:ext uri="{C572A759-6A51-4108-AA02-DFA0A04FC94B}">
-              <ma14:wrappingTextBoxFlag xmlns:ma14="http://schemas.microsoft.com/office/mac/drawingml/2011/main" xmlns="" val="1"/>
+              <ma14:wrappingTextBoxFlag xmlns="" xmlns:ma14="http://schemas.microsoft.com/office/mac/drawingml/2011/main" val="1"/>
             </a:ext>
           </a:extLst>
         </p:spPr>
@@ -16330,145 +16250,69 @@
           </a:bodyPr>
           <a:lstStyle/>
           <a:p>
-            <a:pPr marL="307473" indent="-307473" algn="l">
-              <a:buSzPct val="100000"/>
-              <a:buAutoNum type="arabicPeriod"/>
-              <a:defRPr sz="2300" b="0">
-                <a:solidFill>
-                  <a:srgbClr val="0070C0"/>
-                </a:solidFill>
-                <a:latin typeface="黑体"/>
-                <a:ea typeface="黑体"/>
-                <a:cs typeface="黑体"/>
-                <a:sym typeface="黑体"/>
+            <a:pPr algn="l" defTabSz="457200">
+              <a:lnSpc>
+                <a:spcPts val="4500"/>
+              </a:lnSpc>
+              <a:spcBef>
+                <a:spcPts val="1200"/>
+              </a:spcBef>
+              <a:defRPr sz="2600" b="0">
+                <a:solidFill>
+                  <a:srgbClr val="000000"/>
+                </a:solidFill>
+                <a:latin typeface="+mj-lt"/>
+                <a:ea typeface="+mj-ea"/>
+                <a:cs typeface="+mj-cs"/>
+                <a:sym typeface="Calibri Light"/>
               </a:defRPr>
             </a:pPr>
             <a:r>
-              <a:rPr dirty="0">
+              <a:rPr lang="en-US" altLang="zh-CN" dirty="0" smtClean="0"/>
+              <a:t>1. Android APK</a:t>
+            </a:r>
+            <a:r>
+              <a:rPr lang="zh-CN" altLang="en-US" dirty="0" smtClean="0"/>
+              <a:t>文件的反编译</a:t>
+            </a:r>
+            <a:endParaRPr lang="en-US" altLang="zh-CN" dirty="0" smtClean="0"/>
+          </a:p>
+          <a:p>
+            <a:pPr algn="l" defTabSz="457200">
+              <a:lnSpc>
+                <a:spcPts val="4500"/>
+              </a:lnSpc>
+              <a:spcBef>
+                <a:spcPts val="1200"/>
+              </a:spcBef>
+              <a:defRPr sz="2600" b="0">
                 <a:solidFill>
                   <a:srgbClr val="000000"/>
                 </a:solidFill>
-              </a:rPr>
-              <a:t>Achieving Accuracy and Scalability Simultaneously in Detecting Application Clones on Android Markets</a:t>
-            </a:r>
-          </a:p>
-          <a:p>
-            <a:pPr algn="l">
-              <a:defRPr sz="2300" b="0">
-                <a:solidFill>
-                  <a:srgbClr val="0070C0"/>
-                </a:solidFill>
-                <a:latin typeface="黑体"/>
-                <a:ea typeface="黑体"/>
-                <a:cs typeface="黑体"/>
-                <a:sym typeface="黑体"/>
+                <a:latin typeface="+mj-lt"/>
+                <a:ea typeface="+mj-ea"/>
+                <a:cs typeface="+mj-cs"/>
+                <a:sym typeface="Calibri Light"/>
               </a:defRPr>
             </a:pPr>
-            <a:endParaRPr dirty="0">
-              <a:solidFill>
-                <a:srgbClr val="000000"/>
-              </a:solidFill>
-            </a:endParaRPr>
-          </a:p>
-          <a:p>
-            <a:pPr marL="307473" indent="-307473" algn="l">
-              <a:buSzPct val="100000"/>
-              <a:buAutoNum type="arabicPeriod" startAt="2"/>
-              <a:defRPr sz="2300" b="0">
-                <a:solidFill>
-                  <a:srgbClr val="0070C0"/>
-                </a:solidFill>
-                <a:latin typeface="黑体"/>
-                <a:ea typeface="黑体"/>
-                <a:cs typeface="黑体"/>
-                <a:sym typeface="黑体"/>
-              </a:defRPr>
-            </a:pPr>
-            <a:r>
-              <a:rPr dirty="0">
-                <a:solidFill>
-                  <a:srgbClr val="000000"/>
-                </a:solidFill>
-              </a:rPr>
-              <a:t>On Finding Duplication and Near-Duplication in Large Software System</a:t>
-            </a:r>
-          </a:p>
-          <a:p>
-            <a:pPr algn="l">
-              <a:defRPr sz="2300" b="0">
-                <a:solidFill>
-                  <a:srgbClr val="0070C0"/>
-                </a:solidFill>
-                <a:latin typeface="黑体"/>
-                <a:ea typeface="黑体"/>
-                <a:cs typeface="黑体"/>
-                <a:sym typeface="黑体"/>
-              </a:defRPr>
-            </a:pPr>
-            <a:endParaRPr dirty="0">
-              <a:solidFill>
-                <a:srgbClr val="000000"/>
-              </a:solidFill>
-            </a:endParaRPr>
-          </a:p>
-          <a:p>
-            <a:pPr marL="307473" indent="-307473" algn="l">
-              <a:buSzPct val="100000"/>
-              <a:buAutoNum type="arabicPeriod" startAt="3"/>
-              <a:defRPr sz="2300" b="0">
-                <a:solidFill>
-                  <a:srgbClr val="0070C0"/>
-                </a:solidFill>
-                <a:latin typeface="黑体"/>
-                <a:ea typeface="黑体"/>
-                <a:cs typeface="黑体"/>
-                <a:sym typeface="黑体"/>
-              </a:defRPr>
-            </a:pPr>
-            <a:r>
-              <a:rPr dirty="0" err="1">
-                <a:solidFill>
-                  <a:srgbClr val="000000"/>
-                </a:solidFill>
-              </a:rPr>
-              <a:t>CCFinder</a:t>
-            </a:r>
-            <a:r>
-              <a:rPr dirty="0">
-                <a:solidFill>
-                  <a:srgbClr val="000000"/>
-                </a:solidFill>
-              </a:rPr>
-              <a:t>: A </a:t>
-            </a:r>
-            <a:r>
-              <a:rPr dirty="0" err="1">
-                <a:solidFill>
-                  <a:srgbClr val="000000"/>
-                </a:solidFill>
-              </a:rPr>
-              <a:t>Multilinguistic</a:t>
-            </a:r>
-            <a:r>
-              <a:rPr dirty="0">
-                <a:solidFill>
-                  <a:srgbClr val="000000"/>
-                </a:solidFill>
-              </a:rPr>
-              <a:t> Token-Based Code Clone Detection System for Large Scale Source Code</a:t>
-            </a:r>
-            <a:r>
-              <a:rPr dirty="0"/>
-              <a:t/>
-            </a:r>
-            <a:br>
-              <a:rPr dirty="0"/>
-            </a:br>
-            <a:endParaRPr dirty="0"/>
+            <a:r>
+              <a:rPr lang="en-US" altLang="zh-CN" dirty="0" smtClean="0"/>
+              <a:t>2. APK</a:t>
+            </a:r>
+            <a:r>
+              <a:rPr lang="zh-CN" altLang="en-US" dirty="0" smtClean="0"/>
+              <a:t>文件的爬取</a:t>
+            </a:r>
+            <a:endParaRPr lang="en-US" altLang="zh-CN" dirty="0" smtClean="0"/>
           </a:p>
         </p:txBody>
       </p:sp>
     </p:spTree>
+    <p:extLst>
+      <p:ext uri="{BB962C8B-B14F-4D97-AF65-F5344CB8AC3E}">
+        <p14:creationId xmlns:p14="http://schemas.microsoft.com/office/powerpoint/2010/main" val="2040011828"/>
+      </p:ext>
+    </p:extLst>
   </p:cSld>
   <p:clrMapOvr>
     <a:masterClrMapping/>
@@ -16503,7 +16347,2467 @@
       </p:grpSpPr>
       <p:sp>
         <p:nvSpPr>
-          <p:cNvPr id="433" name="Shape 732"/>
+          <p:cNvPr id="2" name="标题 1"/>
+          <p:cNvSpPr>
+            <a:spLocks noGrp="1"/>
+          </p:cNvSpPr>
+          <p:nvPr>
+            <p:ph type="title"/>
+          </p:nvPr>
+        </p:nvSpPr>
+        <p:spPr/>
+        <p:txBody>
+          <a:bodyPr/>
+          <a:lstStyle/>
+          <a:p>
+            <a:r>
+              <a:rPr lang="zh-CN" altLang="en-US" dirty="0" smtClean="0">
+                <a:latin typeface="黑体" panose="02010609060101010101" pitchFamily="49" charset="-122"/>
+                <a:ea typeface="黑体" panose="02010609060101010101" pitchFamily="49" charset="-122"/>
+              </a:rPr>
+              <a:t>实验</a:t>
+            </a:r>
+            <a:endParaRPr lang="zh-CN" altLang="en-US" dirty="0">
+              <a:latin typeface="黑体" panose="02010609060101010101" pitchFamily="49" charset="-122"/>
+              <a:ea typeface="黑体" panose="02010609060101010101" pitchFamily="49" charset="-122"/>
+            </a:endParaRPr>
+          </a:p>
+        </p:txBody>
+      </p:sp>
+      <p:sp>
+        <p:nvSpPr>
+          <p:cNvPr id="3" name="Limitation…"/>
+          <p:cNvSpPr txBox="1"/>
+          <p:nvPr/>
+        </p:nvSpPr>
+        <p:spPr>
+          <a:xfrm>
+            <a:off x="1627113" y="1691239"/>
+            <a:ext cx="9020110" cy="611254"/>
+          </a:xfrm>
+          <a:prstGeom prst="rect">
+            <a:avLst/>
+          </a:prstGeom>
+          <a:ln w="12700">
+            <a:miter lim="400000"/>
+          </a:ln>
+          <a:extLst>
+            <a:ext uri="{C572A759-6A51-4108-AA02-DFA0A04FC94B}">
+              <ma14:wrappingTextBoxFlag xmlns="" xmlns:ma14="http://schemas.microsoft.com/office/mac/drawingml/2011/main" val="1"/>
+            </a:ext>
+          </a:extLst>
+        </p:spPr>
+        <p:txBody>
+          <a:bodyPr lIns="45718" tIns="45718" rIns="45718" bIns="45718">
+            <a:spAutoFit/>
+          </a:bodyPr>
+          <a:lstStyle/>
+          <a:p>
+            <a:pPr algn="l" defTabSz="457200">
+              <a:lnSpc>
+                <a:spcPts val="4500"/>
+              </a:lnSpc>
+              <a:spcBef>
+                <a:spcPts val="1200"/>
+              </a:spcBef>
+              <a:defRPr sz="2600" b="0">
+                <a:solidFill>
+                  <a:srgbClr val="000000"/>
+                </a:solidFill>
+                <a:latin typeface="+mj-lt"/>
+                <a:ea typeface="+mj-ea"/>
+                <a:cs typeface="+mj-cs"/>
+                <a:sym typeface="Calibri Light"/>
+              </a:defRPr>
+            </a:pPr>
+            <a:r>
+              <a:rPr lang="en-US" altLang="zh-CN" dirty="0" smtClean="0"/>
+              <a:t>1. Android APK</a:t>
+            </a:r>
+            <a:r>
+              <a:rPr lang="zh-CN" altLang="en-US" dirty="0" smtClean="0"/>
+              <a:t>文件的反编译</a:t>
+            </a:r>
+          </a:p>
+        </p:txBody>
+      </p:sp>
+      <p:sp>
+        <p:nvSpPr>
+          <p:cNvPr id="5" name="Limitation…"/>
+          <p:cNvSpPr txBox="1"/>
+          <p:nvPr/>
+        </p:nvSpPr>
+        <p:spPr>
+          <a:xfrm>
+            <a:off x="2886900" y="2718009"/>
+            <a:ext cx="1327072" cy="669410"/>
+          </a:xfrm>
+          <a:prstGeom prst="rect">
+            <a:avLst/>
+          </a:prstGeom>
+          <a:ln w="12700">
+            <a:miter lim="400000"/>
+          </a:ln>
+          <a:extLst>
+            <a:ext uri="{C572A759-6A51-4108-AA02-DFA0A04FC94B}">
+              <ma14:wrappingTextBoxFlag xmlns="" xmlns:ma14="http://schemas.microsoft.com/office/mac/drawingml/2011/main" val="1"/>
+            </a:ext>
+          </a:extLst>
+        </p:spPr>
+        <p:txBody>
+          <a:bodyPr wrap="square" lIns="45718" tIns="45718" rIns="45718" bIns="45718">
+            <a:spAutoFit/>
+          </a:bodyPr>
+          <a:lstStyle/>
+          <a:p>
+            <a:pPr algn="l" defTabSz="457200">
+              <a:lnSpc>
+                <a:spcPts val="4500"/>
+              </a:lnSpc>
+              <a:spcBef>
+                <a:spcPts val="1200"/>
+              </a:spcBef>
+              <a:defRPr sz="2600" b="0">
+                <a:solidFill>
+                  <a:srgbClr val="000000"/>
+                </a:solidFill>
+                <a:latin typeface="+mj-lt"/>
+                <a:ea typeface="+mj-ea"/>
+                <a:cs typeface="+mj-cs"/>
+                <a:sym typeface="Calibri Light"/>
+              </a:defRPr>
+            </a:pPr>
+            <a:r>
+              <a:rPr lang="en-US" altLang="zh-CN" dirty="0" smtClean="0"/>
+              <a:t>APK</a:t>
+            </a:r>
+            <a:r>
+              <a:rPr lang="zh-CN" altLang="en-US" dirty="0" smtClean="0"/>
+              <a:t>文件</a:t>
+            </a:r>
+          </a:p>
+        </p:txBody>
+      </p:sp>
+      <p:sp>
+        <p:nvSpPr>
+          <p:cNvPr id="6" name="Limitation…"/>
+          <p:cNvSpPr txBox="1"/>
+          <p:nvPr/>
+        </p:nvSpPr>
+        <p:spPr>
+          <a:xfrm>
+            <a:off x="3669281" y="3684784"/>
+            <a:ext cx="1982590" cy="669410"/>
+          </a:xfrm>
+          <a:prstGeom prst="rect">
+            <a:avLst/>
+          </a:prstGeom>
+          <a:ln w="12700">
+            <a:miter lim="400000"/>
+          </a:ln>
+          <a:extLst>
+            <a:ext uri="{C572A759-6A51-4108-AA02-DFA0A04FC94B}">
+              <ma14:wrappingTextBoxFlag xmlns="" xmlns:ma14="http://schemas.microsoft.com/office/mac/drawingml/2011/main" val="1"/>
+            </a:ext>
+          </a:extLst>
+        </p:spPr>
+        <p:txBody>
+          <a:bodyPr wrap="square" lIns="45718" tIns="45718" rIns="45718" bIns="45718">
+            <a:spAutoFit/>
+          </a:bodyPr>
+          <a:lstStyle/>
+          <a:p>
+            <a:pPr algn="l" defTabSz="457200">
+              <a:lnSpc>
+                <a:spcPts val="4500"/>
+              </a:lnSpc>
+              <a:spcBef>
+                <a:spcPts val="1200"/>
+              </a:spcBef>
+              <a:defRPr sz="2600" b="0">
+                <a:solidFill>
+                  <a:srgbClr val="000000"/>
+                </a:solidFill>
+                <a:latin typeface="+mj-lt"/>
+                <a:ea typeface="+mj-ea"/>
+                <a:cs typeface="+mj-cs"/>
+                <a:sym typeface="Calibri Light"/>
+              </a:defRPr>
+            </a:pPr>
+            <a:r>
+              <a:rPr lang="en-US" altLang="zh-CN" dirty="0" err="1"/>
+              <a:t>a</a:t>
+            </a:r>
+            <a:r>
+              <a:rPr lang="en-US" altLang="zh-CN" dirty="0" err="1" smtClean="0"/>
+              <a:t>pktool</a:t>
+            </a:r>
+            <a:r>
+              <a:rPr lang="zh-CN" altLang="en-US" dirty="0" smtClean="0"/>
+              <a:t>解压</a:t>
+            </a:r>
+          </a:p>
+        </p:txBody>
+      </p:sp>
+      <p:sp>
+        <p:nvSpPr>
+          <p:cNvPr id="7" name="Limitation…"/>
+          <p:cNvSpPr txBox="1"/>
+          <p:nvPr/>
+        </p:nvSpPr>
+        <p:spPr>
+          <a:xfrm>
+            <a:off x="5095508" y="2744135"/>
+            <a:ext cx="1327072" cy="611254"/>
+          </a:xfrm>
+          <a:prstGeom prst="rect">
+            <a:avLst/>
+          </a:prstGeom>
+          <a:ln w="12700">
+            <a:miter lim="400000"/>
+          </a:ln>
+          <a:extLst>
+            <a:ext uri="{C572A759-6A51-4108-AA02-DFA0A04FC94B}">
+              <ma14:wrappingTextBoxFlag xmlns="" xmlns:ma14="http://schemas.microsoft.com/office/mac/drawingml/2011/main" val="1"/>
+            </a:ext>
+          </a:extLst>
+        </p:spPr>
+        <p:txBody>
+          <a:bodyPr wrap="square" lIns="45718" tIns="45718" rIns="45718" bIns="45718">
+            <a:spAutoFit/>
+          </a:bodyPr>
+          <a:lstStyle/>
+          <a:p>
+            <a:pPr algn="l" defTabSz="457200">
+              <a:lnSpc>
+                <a:spcPts val="4500"/>
+              </a:lnSpc>
+              <a:spcBef>
+                <a:spcPts val="1200"/>
+              </a:spcBef>
+              <a:defRPr sz="2600" b="0">
+                <a:solidFill>
+                  <a:srgbClr val="000000"/>
+                </a:solidFill>
+                <a:latin typeface="+mj-lt"/>
+                <a:ea typeface="+mj-ea"/>
+                <a:cs typeface="+mj-cs"/>
+                <a:sym typeface="Calibri Light"/>
+              </a:defRPr>
+            </a:pPr>
+            <a:r>
+              <a:rPr lang="en-US" altLang="zh-CN" sz="2600" b="0" dirty="0" err="1">
+                <a:solidFill>
+                  <a:srgbClr val="000000"/>
+                </a:solidFill>
+                <a:sym typeface="Calibri Light"/>
+              </a:rPr>
+              <a:t>dex</a:t>
+            </a:r>
+            <a:r>
+              <a:rPr lang="zh-CN" altLang="en-US" sz="2600" b="0" dirty="0">
+                <a:solidFill>
+                  <a:srgbClr val="000000"/>
+                </a:solidFill>
+                <a:sym typeface="Calibri Light"/>
+              </a:rPr>
+              <a:t>文件</a:t>
+            </a:r>
+          </a:p>
+        </p:txBody>
+      </p:sp>
+      <p:sp>
+        <p:nvSpPr>
+          <p:cNvPr id="8" name="Limitation…"/>
+          <p:cNvSpPr txBox="1"/>
+          <p:nvPr/>
+        </p:nvSpPr>
+        <p:spPr>
+          <a:xfrm>
+            <a:off x="6168641" y="3684784"/>
+            <a:ext cx="1358943" cy="669410"/>
+          </a:xfrm>
+          <a:prstGeom prst="rect">
+            <a:avLst/>
+          </a:prstGeom>
+          <a:ln w="12700">
+            <a:miter lim="400000"/>
+          </a:ln>
+          <a:extLst>
+            <a:ext uri="{C572A759-6A51-4108-AA02-DFA0A04FC94B}">
+              <ma14:wrappingTextBoxFlag xmlns="" xmlns:ma14="http://schemas.microsoft.com/office/mac/drawingml/2011/main" val="1"/>
+            </a:ext>
+          </a:extLst>
+        </p:spPr>
+        <p:txBody>
+          <a:bodyPr wrap="square" lIns="45718" tIns="45718" rIns="45718" bIns="45718">
+            <a:spAutoFit/>
+          </a:bodyPr>
+          <a:lstStyle/>
+          <a:p>
+            <a:pPr algn="l" defTabSz="457200">
+              <a:lnSpc>
+                <a:spcPts val="4500"/>
+              </a:lnSpc>
+              <a:spcBef>
+                <a:spcPts val="1200"/>
+              </a:spcBef>
+              <a:defRPr sz="2600" b="0">
+                <a:solidFill>
+                  <a:srgbClr val="000000"/>
+                </a:solidFill>
+                <a:latin typeface="+mj-lt"/>
+                <a:ea typeface="+mj-ea"/>
+                <a:cs typeface="+mj-cs"/>
+                <a:sym typeface="Calibri Light"/>
+              </a:defRPr>
+            </a:pPr>
+            <a:r>
+              <a:rPr lang="en-US" altLang="zh-CN" dirty="0"/>
+              <a:t>dex2jar2</a:t>
+            </a:r>
+            <a:endParaRPr lang="zh-CN" altLang="en-US" dirty="0" smtClean="0"/>
+          </a:p>
+        </p:txBody>
+      </p:sp>
+      <p:sp>
+        <p:nvSpPr>
+          <p:cNvPr id="9" name="Limitation…"/>
+          <p:cNvSpPr txBox="1"/>
+          <p:nvPr/>
+        </p:nvSpPr>
+        <p:spPr>
+          <a:xfrm>
+            <a:off x="7304116" y="2718009"/>
+            <a:ext cx="1327072" cy="669410"/>
+          </a:xfrm>
+          <a:prstGeom prst="rect">
+            <a:avLst/>
+          </a:prstGeom>
+          <a:ln w="12700">
+            <a:miter lim="400000"/>
+          </a:ln>
+          <a:extLst>
+            <a:ext uri="{C572A759-6A51-4108-AA02-DFA0A04FC94B}">
+              <ma14:wrappingTextBoxFlag xmlns="" xmlns:ma14="http://schemas.microsoft.com/office/mac/drawingml/2011/main" val="1"/>
+            </a:ext>
+          </a:extLst>
+        </p:spPr>
+        <p:txBody>
+          <a:bodyPr wrap="square" lIns="45718" tIns="45718" rIns="45718" bIns="45718">
+            <a:spAutoFit/>
+          </a:bodyPr>
+          <a:lstStyle/>
+          <a:p>
+            <a:pPr algn="l" defTabSz="457200">
+              <a:lnSpc>
+                <a:spcPts val="4500"/>
+              </a:lnSpc>
+              <a:spcBef>
+                <a:spcPts val="1200"/>
+              </a:spcBef>
+              <a:defRPr sz="2600" b="0">
+                <a:solidFill>
+                  <a:srgbClr val="000000"/>
+                </a:solidFill>
+                <a:latin typeface="+mj-lt"/>
+                <a:ea typeface="+mj-ea"/>
+                <a:cs typeface="+mj-cs"/>
+                <a:sym typeface="Calibri Light"/>
+              </a:defRPr>
+            </a:pPr>
+            <a:r>
+              <a:rPr lang="en-US" altLang="zh-CN" sz="2600" b="0" dirty="0" smtClean="0">
+                <a:solidFill>
+                  <a:srgbClr val="000000"/>
+                </a:solidFill>
+                <a:sym typeface="Calibri Light"/>
+              </a:rPr>
+              <a:t>jar</a:t>
+            </a:r>
+            <a:r>
+              <a:rPr lang="zh-CN" altLang="en-US" sz="2600" b="0" dirty="0" smtClean="0">
+                <a:solidFill>
+                  <a:srgbClr val="000000"/>
+                </a:solidFill>
+                <a:sym typeface="Calibri Light"/>
+              </a:rPr>
+              <a:t>文</a:t>
+            </a:r>
+            <a:r>
+              <a:rPr lang="zh-CN" altLang="en-US" sz="2600" b="0" dirty="0">
+                <a:solidFill>
+                  <a:srgbClr val="000000"/>
+                </a:solidFill>
+                <a:sym typeface="Calibri Light"/>
+              </a:rPr>
+              <a:t>件</a:t>
+            </a:r>
+          </a:p>
+        </p:txBody>
+      </p:sp>
+      <p:sp>
+        <p:nvSpPr>
+          <p:cNvPr id="10" name="Limitation…"/>
+          <p:cNvSpPr txBox="1"/>
+          <p:nvPr/>
+        </p:nvSpPr>
+        <p:spPr>
+          <a:xfrm>
+            <a:off x="6781643" y="4818685"/>
+            <a:ext cx="1546186" cy="669410"/>
+          </a:xfrm>
+          <a:prstGeom prst="rect">
+            <a:avLst/>
+          </a:prstGeom>
+          <a:ln w="12700">
+            <a:miter lim="400000"/>
+          </a:ln>
+          <a:extLst>
+            <a:ext uri="{C572A759-6A51-4108-AA02-DFA0A04FC94B}">
+              <ma14:wrappingTextBoxFlag xmlns="" xmlns:ma14="http://schemas.microsoft.com/office/mac/drawingml/2011/main" val="1"/>
+            </a:ext>
+          </a:extLst>
+        </p:spPr>
+        <p:txBody>
+          <a:bodyPr wrap="square" lIns="45718" tIns="45718" rIns="45718" bIns="45718">
+            <a:spAutoFit/>
+          </a:bodyPr>
+          <a:lstStyle/>
+          <a:p>
+            <a:pPr algn="l" defTabSz="457200">
+              <a:lnSpc>
+                <a:spcPts val="4500"/>
+              </a:lnSpc>
+              <a:spcBef>
+                <a:spcPts val="1200"/>
+              </a:spcBef>
+              <a:defRPr sz="2600" b="0">
+                <a:solidFill>
+                  <a:srgbClr val="000000"/>
+                </a:solidFill>
+                <a:latin typeface="+mj-lt"/>
+                <a:ea typeface="+mj-ea"/>
+                <a:cs typeface="+mj-cs"/>
+                <a:sym typeface="Calibri Light"/>
+              </a:defRPr>
+            </a:pPr>
+            <a:r>
+              <a:rPr lang="en-US" altLang="zh-CN" sz="2600" b="0" dirty="0" smtClean="0">
+                <a:solidFill>
+                  <a:srgbClr val="000000"/>
+                </a:solidFill>
+                <a:sym typeface="Calibri Light"/>
+              </a:rPr>
+              <a:t>.class</a:t>
+            </a:r>
+            <a:r>
+              <a:rPr lang="zh-CN" altLang="en-US" sz="2600" b="0" dirty="0" smtClean="0">
+                <a:solidFill>
+                  <a:srgbClr val="000000"/>
+                </a:solidFill>
+                <a:sym typeface="Calibri Light"/>
+              </a:rPr>
+              <a:t>文</a:t>
+            </a:r>
+            <a:r>
+              <a:rPr lang="zh-CN" altLang="en-US" sz="2600" b="0" dirty="0">
+                <a:solidFill>
+                  <a:srgbClr val="000000"/>
+                </a:solidFill>
+                <a:sym typeface="Calibri Light"/>
+              </a:rPr>
+              <a:t>件</a:t>
+            </a:r>
+          </a:p>
+        </p:txBody>
+      </p:sp>
+      <p:sp>
+        <p:nvSpPr>
+          <p:cNvPr id="11" name="Limitation…"/>
+          <p:cNvSpPr txBox="1"/>
+          <p:nvPr/>
+        </p:nvSpPr>
+        <p:spPr>
+          <a:xfrm>
+            <a:off x="8907994" y="3768347"/>
+            <a:ext cx="727571" cy="669410"/>
+          </a:xfrm>
+          <a:prstGeom prst="rect">
+            <a:avLst/>
+          </a:prstGeom>
+          <a:ln w="12700">
+            <a:miter lim="400000"/>
+          </a:ln>
+          <a:extLst>
+            <a:ext uri="{C572A759-6A51-4108-AA02-DFA0A04FC94B}">
+              <ma14:wrappingTextBoxFlag xmlns="" xmlns:ma14="http://schemas.microsoft.com/office/mac/drawingml/2011/main" val="1"/>
+            </a:ext>
+          </a:extLst>
+        </p:spPr>
+        <p:txBody>
+          <a:bodyPr wrap="square" lIns="45718" tIns="45718" rIns="45718" bIns="45718">
+            <a:spAutoFit/>
+          </a:bodyPr>
+          <a:lstStyle/>
+          <a:p>
+            <a:pPr algn="l" defTabSz="457200">
+              <a:lnSpc>
+                <a:spcPts val="4500"/>
+              </a:lnSpc>
+              <a:spcBef>
+                <a:spcPts val="1200"/>
+              </a:spcBef>
+              <a:defRPr sz="2600" b="0">
+                <a:solidFill>
+                  <a:srgbClr val="000000"/>
+                </a:solidFill>
+                <a:latin typeface="+mj-lt"/>
+                <a:ea typeface="+mj-ea"/>
+                <a:cs typeface="+mj-cs"/>
+                <a:sym typeface="Calibri Light"/>
+              </a:defRPr>
+            </a:pPr>
+            <a:r>
+              <a:rPr lang="en-US" altLang="zh-CN" dirty="0" smtClean="0"/>
+              <a:t>7zip</a:t>
+            </a:r>
+            <a:endParaRPr lang="zh-CN" altLang="en-US" dirty="0" smtClean="0"/>
+          </a:p>
+        </p:txBody>
+      </p:sp>
+      <p:sp>
+        <p:nvSpPr>
+          <p:cNvPr id="12" name="Limitation…"/>
+          <p:cNvSpPr txBox="1"/>
+          <p:nvPr/>
+        </p:nvSpPr>
+        <p:spPr>
+          <a:xfrm>
+            <a:off x="5730249" y="5730046"/>
+            <a:ext cx="727571" cy="613113"/>
+          </a:xfrm>
+          <a:prstGeom prst="rect">
+            <a:avLst/>
+          </a:prstGeom>
+          <a:ln w="12700">
+            <a:miter lim="400000"/>
+          </a:ln>
+          <a:extLst>
+            <a:ext uri="{C572A759-6A51-4108-AA02-DFA0A04FC94B}">
+              <ma14:wrappingTextBoxFlag xmlns="" xmlns:ma14="http://schemas.microsoft.com/office/mac/drawingml/2011/main" val="1"/>
+            </a:ext>
+          </a:extLst>
+        </p:spPr>
+        <p:txBody>
+          <a:bodyPr wrap="square" lIns="45718" tIns="45718" rIns="45718" bIns="45718">
+            <a:spAutoFit/>
+          </a:bodyPr>
+          <a:lstStyle/>
+          <a:p>
+            <a:pPr algn="l" defTabSz="457200">
+              <a:lnSpc>
+                <a:spcPts val="4500"/>
+              </a:lnSpc>
+              <a:spcBef>
+                <a:spcPts val="1200"/>
+              </a:spcBef>
+              <a:defRPr sz="2600" b="0">
+                <a:solidFill>
+                  <a:srgbClr val="000000"/>
+                </a:solidFill>
+                <a:latin typeface="+mj-lt"/>
+                <a:ea typeface="+mj-ea"/>
+                <a:cs typeface="+mj-cs"/>
+                <a:sym typeface="Calibri Light"/>
+              </a:defRPr>
+            </a:pPr>
+            <a:r>
+              <a:rPr lang="en-US" altLang="zh-CN" dirty="0" smtClean="0"/>
+              <a:t>JAD</a:t>
+            </a:r>
+            <a:endParaRPr lang="zh-CN" altLang="en-US" dirty="0" smtClean="0"/>
+          </a:p>
+        </p:txBody>
+      </p:sp>
+      <p:sp>
+        <p:nvSpPr>
+          <p:cNvPr id="14" name="Limitation…"/>
+          <p:cNvSpPr txBox="1"/>
+          <p:nvPr/>
+        </p:nvSpPr>
+        <p:spPr>
+          <a:xfrm>
+            <a:off x="3881134" y="4818685"/>
+            <a:ext cx="1546186" cy="669410"/>
+          </a:xfrm>
+          <a:prstGeom prst="rect">
+            <a:avLst/>
+          </a:prstGeom>
+          <a:ln w="12700">
+            <a:miter lim="400000"/>
+          </a:ln>
+          <a:extLst>
+            <a:ext uri="{C572A759-6A51-4108-AA02-DFA0A04FC94B}">
+              <ma14:wrappingTextBoxFlag xmlns="" xmlns:ma14="http://schemas.microsoft.com/office/mac/drawingml/2011/main" val="1"/>
+            </a:ext>
+          </a:extLst>
+        </p:spPr>
+        <p:txBody>
+          <a:bodyPr wrap="square" lIns="45718" tIns="45718" rIns="45718" bIns="45718">
+            <a:spAutoFit/>
+          </a:bodyPr>
+          <a:lstStyle/>
+          <a:p>
+            <a:pPr algn="l" defTabSz="457200">
+              <a:lnSpc>
+                <a:spcPts val="4500"/>
+              </a:lnSpc>
+              <a:spcBef>
+                <a:spcPts val="1200"/>
+              </a:spcBef>
+              <a:defRPr sz="2600" b="0">
+                <a:solidFill>
+                  <a:srgbClr val="000000"/>
+                </a:solidFill>
+                <a:latin typeface="+mj-lt"/>
+                <a:ea typeface="+mj-ea"/>
+                <a:cs typeface="+mj-cs"/>
+                <a:sym typeface="Calibri Light"/>
+              </a:defRPr>
+            </a:pPr>
+            <a:r>
+              <a:rPr lang="en-US" altLang="zh-CN" sz="2600" b="0" dirty="0" smtClean="0">
+                <a:solidFill>
+                  <a:srgbClr val="000000"/>
+                </a:solidFill>
+                <a:sym typeface="Calibri Light"/>
+              </a:rPr>
+              <a:t>.java</a:t>
+            </a:r>
+            <a:r>
+              <a:rPr lang="zh-CN" altLang="en-US" sz="2600" b="0" dirty="0" smtClean="0">
+                <a:solidFill>
+                  <a:srgbClr val="000000"/>
+                </a:solidFill>
+                <a:sym typeface="Calibri Light"/>
+              </a:rPr>
+              <a:t>文</a:t>
+            </a:r>
+            <a:r>
+              <a:rPr lang="zh-CN" altLang="en-US" sz="2600" b="0" dirty="0">
+                <a:solidFill>
+                  <a:srgbClr val="000000"/>
+                </a:solidFill>
+                <a:sym typeface="Calibri Light"/>
+              </a:rPr>
+              <a:t>件</a:t>
+            </a:r>
+          </a:p>
+        </p:txBody>
+      </p:sp>
+      <p:cxnSp>
+        <p:nvCxnSpPr>
+          <p:cNvPr id="16" name="直接箭头连接符 15"/>
+          <p:cNvCxnSpPr>
+            <a:stCxn id="5" idx="3"/>
+            <a:endCxn id="7" idx="1"/>
+          </p:cNvCxnSpPr>
+          <p:nvPr/>
+        </p:nvCxnSpPr>
+        <p:spPr>
+          <a:xfrm flipV="1">
+            <a:off x="4213972" y="3049762"/>
+            <a:ext cx="881536" cy="2952"/>
+          </a:xfrm>
+          <a:prstGeom prst="straightConnector1">
+            <a:avLst/>
+          </a:prstGeom>
+          <a:noFill/>
+          <a:ln w="25400" cap="flat">
+            <a:solidFill>
+              <a:schemeClr val="accent1"/>
+            </a:solidFill>
+            <a:prstDash val="solid"/>
+            <a:round/>
+            <a:tailEnd type="triangle"/>
+          </a:ln>
+          <a:effectLst/>
+          <a:sp3d/>
+        </p:spPr>
+        <p:style>
+          <a:lnRef idx="0">
+            <a:scrgbClr r="0" g="0" b="0"/>
+          </a:lnRef>
+          <a:fillRef idx="0">
+            <a:scrgbClr r="0" g="0" b="0"/>
+          </a:fillRef>
+          <a:effectRef idx="0">
+            <a:scrgbClr r="0" g="0" b="0"/>
+          </a:effectRef>
+          <a:fontRef idx="none"/>
+        </p:style>
+      </p:cxnSp>
+      <p:cxnSp>
+        <p:nvCxnSpPr>
+          <p:cNvPr id="17" name="直接箭头连接符 16"/>
+          <p:cNvCxnSpPr/>
+          <p:nvPr/>
+        </p:nvCxnSpPr>
+        <p:spPr>
+          <a:xfrm flipV="1">
+            <a:off x="6407344" y="3100694"/>
+            <a:ext cx="881536" cy="2952"/>
+          </a:xfrm>
+          <a:prstGeom prst="straightConnector1">
+            <a:avLst/>
+          </a:prstGeom>
+          <a:noFill/>
+          <a:ln w="25400" cap="flat">
+            <a:solidFill>
+              <a:schemeClr val="accent1"/>
+            </a:solidFill>
+            <a:prstDash val="solid"/>
+            <a:round/>
+            <a:tailEnd type="triangle"/>
+          </a:ln>
+          <a:effectLst/>
+          <a:sp3d/>
+        </p:spPr>
+        <p:style>
+          <a:lnRef idx="0">
+            <a:scrgbClr r="0" g="0" b="0"/>
+          </a:lnRef>
+          <a:fillRef idx="0">
+            <a:scrgbClr r="0" g="0" b="0"/>
+          </a:fillRef>
+          <a:effectRef idx="0">
+            <a:scrgbClr r="0" g="0" b="0"/>
+          </a:effectRef>
+          <a:fontRef idx="none"/>
+        </p:style>
+      </p:cxnSp>
+      <p:cxnSp>
+        <p:nvCxnSpPr>
+          <p:cNvPr id="18" name="直接箭头连接符 17"/>
+          <p:cNvCxnSpPr>
+            <a:stCxn id="9" idx="2"/>
+            <a:endCxn id="10" idx="0"/>
+          </p:cNvCxnSpPr>
+          <p:nvPr/>
+        </p:nvCxnSpPr>
+        <p:spPr>
+          <a:xfrm flipH="1">
+            <a:off x="7554736" y="3387419"/>
+            <a:ext cx="412916" cy="1431266"/>
+          </a:xfrm>
+          <a:prstGeom prst="straightConnector1">
+            <a:avLst/>
+          </a:prstGeom>
+          <a:noFill/>
+          <a:ln w="25400" cap="flat">
+            <a:solidFill>
+              <a:schemeClr val="accent1"/>
+            </a:solidFill>
+            <a:prstDash val="solid"/>
+            <a:round/>
+            <a:tailEnd type="triangle"/>
+          </a:ln>
+          <a:effectLst/>
+          <a:sp3d/>
+        </p:spPr>
+        <p:style>
+          <a:lnRef idx="0">
+            <a:scrgbClr r="0" g="0" b="0"/>
+          </a:lnRef>
+          <a:fillRef idx="0">
+            <a:scrgbClr r="0" g="0" b="0"/>
+          </a:fillRef>
+          <a:effectRef idx="0">
+            <a:scrgbClr r="0" g="0" b="0"/>
+          </a:effectRef>
+          <a:fontRef idx="none"/>
+        </p:style>
+      </p:cxnSp>
+      <p:cxnSp>
+        <p:nvCxnSpPr>
+          <p:cNvPr id="19" name="直接箭头连接符 18"/>
+          <p:cNvCxnSpPr/>
+          <p:nvPr/>
+        </p:nvCxnSpPr>
+        <p:spPr>
+          <a:xfrm flipH="1" flipV="1">
+            <a:off x="4656715" y="3237741"/>
+            <a:ext cx="7722" cy="616985"/>
+          </a:xfrm>
+          <a:prstGeom prst="straightConnector1">
+            <a:avLst/>
+          </a:prstGeom>
+          <a:noFill/>
+          <a:ln w="25400" cap="flat">
+            <a:solidFill>
+              <a:schemeClr val="accent1"/>
+            </a:solidFill>
+            <a:prstDash val="solid"/>
+            <a:round/>
+            <a:tailEnd type="triangle"/>
+          </a:ln>
+          <a:effectLst/>
+          <a:sp3d/>
+        </p:spPr>
+        <p:style>
+          <a:lnRef idx="0">
+            <a:scrgbClr r="0" g="0" b="0"/>
+          </a:lnRef>
+          <a:fillRef idx="0">
+            <a:scrgbClr r="0" g="0" b="0"/>
+          </a:fillRef>
+          <a:effectRef idx="0">
+            <a:scrgbClr r="0" g="0" b="0"/>
+          </a:effectRef>
+          <a:fontRef idx="none"/>
+        </p:style>
+      </p:cxnSp>
+      <p:cxnSp>
+        <p:nvCxnSpPr>
+          <p:cNvPr id="21" name="直接箭头连接符 20"/>
+          <p:cNvCxnSpPr/>
+          <p:nvPr/>
+        </p:nvCxnSpPr>
+        <p:spPr>
+          <a:xfrm flipH="1" flipV="1">
+            <a:off x="6848112" y="3235151"/>
+            <a:ext cx="7722" cy="616985"/>
+          </a:xfrm>
+          <a:prstGeom prst="straightConnector1">
+            <a:avLst/>
+          </a:prstGeom>
+          <a:noFill/>
+          <a:ln w="25400" cap="flat">
+            <a:solidFill>
+              <a:schemeClr val="accent1"/>
+            </a:solidFill>
+            <a:prstDash val="solid"/>
+            <a:round/>
+            <a:tailEnd type="triangle"/>
+          </a:ln>
+          <a:effectLst/>
+          <a:sp3d/>
+        </p:spPr>
+        <p:style>
+          <a:lnRef idx="0">
+            <a:scrgbClr r="0" g="0" b="0"/>
+          </a:lnRef>
+          <a:fillRef idx="0">
+            <a:scrgbClr r="0" g="0" b="0"/>
+          </a:fillRef>
+          <a:effectRef idx="0">
+            <a:scrgbClr r="0" g="0" b="0"/>
+          </a:effectRef>
+          <a:fontRef idx="none"/>
+        </p:style>
+      </p:cxnSp>
+      <p:cxnSp>
+        <p:nvCxnSpPr>
+          <p:cNvPr id="22" name="直接箭头连接符 21"/>
+          <p:cNvCxnSpPr>
+            <a:stCxn id="11" idx="1"/>
+          </p:cNvCxnSpPr>
+          <p:nvPr/>
+        </p:nvCxnSpPr>
+        <p:spPr>
+          <a:xfrm flipH="1">
+            <a:off x="7831450" y="4103052"/>
+            <a:ext cx="1076544" cy="12938"/>
+          </a:xfrm>
+          <a:prstGeom prst="straightConnector1">
+            <a:avLst/>
+          </a:prstGeom>
+          <a:noFill/>
+          <a:ln w="25400" cap="flat">
+            <a:solidFill>
+              <a:schemeClr val="accent1"/>
+            </a:solidFill>
+            <a:prstDash val="solid"/>
+            <a:round/>
+            <a:tailEnd type="triangle"/>
+          </a:ln>
+          <a:effectLst/>
+          <a:sp3d/>
+        </p:spPr>
+        <p:style>
+          <a:lnRef idx="0">
+            <a:scrgbClr r="0" g="0" b="0"/>
+          </a:lnRef>
+          <a:fillRef idx="0">
+            <a:scrgbClr r="0" g="0" b="0"/>
+          </a:fillRef>
+          <a:effectRef idx="0">
+            <a:scrgbClr r="0" g="0" b="0"/>
+          </a:effectRef>
+          <a:fontRef idx="none"/>
+        </p:style>
+      </p:cxnSp>
+      <p:cxnSp>
+        <p:nvCxnSpPr>
+          <p:cNvPr id="33" name="直接箭头连接符 32"/>
+          <p:cNvCxnSpPr/>
+          <p:nvPr/>
+        </p:nvCxnSpPr>
+        <p:spPr>
+          <a:xfrm flipH="1">
+            <a:off x="5440896" y="5225329"/>
+            <a:ext cx="1142784" cy="0"/>
+          </a:xfrm>
+          <a:prstGeom prst="straightConnector1">
+            <a:avLst/>
+          </a:prstGeom>
+          <a:noFill/>
+          <a:ln w="25400" cap="flat">
+            <a:solidFill>
+              <a:schemeClr val="accent1"/>
+            </a:solidFill>
+            <a:prstDash val="solid"/>
+            <a:round/>
+            <a:tailEnd type="triangle"/>
+          </a:ln>
+          <a:effectLst/>
+          <a:sp3d/>
+        </p:spPr>
+        <p:style>
+          <a:lnRef idx="0">
+            <a:scrgbClr r="0" g="0" b="0"/>
+          </a:lnRef>
+          <a:fillRef idx="0">
+            <a:scrgbClr r="0" g="0" b="0"/>
+          </a:fillRef>
+          <a:effectRef idx="0">
+            <a:scrgbClr r="0" g="0" b="0"/>
+          </a:effectRef>
+          <a:fontRef idx="none"/>
+        </p:style>
+      </p:cxnSp>
+      <p:cxnSp>
+        <p:nvCxnSpPr>
+          <p:cNvPr id="34" name="直接箭头连接符 33"/>
+          <p:cNvCxnSpPr/>
+          <p:nvPr/>
+        </p:nvCxnSpPr>
+        <p:spPr>
+          <a:xfrm flipH="1" flipV="1">
+            <a:off x="5992868" y="5265576"/>
+            <a:ext cx="7722" cy="616985"/>
+          </a:xfrm>
+          <a:prstGeom prst="straightConnector1">
+            <a:avLst/>
+          </a:prstGeom>
+          <a:noFill/>
+          <a:ln w="25400" cap="flat">
+            <a:solidFill>
+              <a:schemeClr val="accent1"/>
+            </a:solidFill>
+            <a:prstDash val="solid"/>
+            <a:round/>
+            <a:tailEnd type="triangle"/>
+          </a:ln>
+          <a:effectLst/>
+          <a:sp3d/>
+        </p:spPr>
+        <p:style>
+          <a:lnRef idx="0">
+            <a:scrgbClr r="0" g="0" b="0"/>
+          </a:lnRef>
+          <a:fillRef idx="0">
+            <a:scrgbClr r="0" g="0" b="0"/>
+          </a:fillRef>
+          <a:effectRef idx="0">
+            <a:scrgbClr r="0" g="0" b="0"/>
+          </a:effectRef>
+          <a:fontRef idx="none"/>
+        </p:style>
+      </p:cxnSp>
+    </p:spTree>
+    <p:extLst>
+      <p:ext uri="{BB962C8B-B14F-4D97-AF65-F5344CB8AC3E}">
+        <p14:creationId xmlns:p14="http://schemas.microsoft.com/office/powerpoint/2010/main" val="1423625278"/>
+      </p:ext>
+    </p:extLst>
+  </p:cSld>
+  <p:clrMapOvr>
+    <a:masterClrMapping/>
+  </p:clrMapOvr>
+  <p:transition spd="med"/>
+  <p:timing>
+    <p:tnLst>
+      <p:par>
+        <p:cTn id="1" dur="indefinite" restart="never" nodeType="tmRoot">
+          <p:childTnLst>
+            <p:seq concurrent="1" nextAc="seek">
+              <p:cTn id="2" dur="indefinite" nodeType="mainSeq">
+                <p:childTnLst>
+                  <p:par>
+                    <p:cTn id="3" fill="hold">
+                      <p:stCondLst>
+                        <p:cond delay="indefinite"/>
+                      </p:stCondLst>
+                      <p:childTnLst>
+                        <p:par>
+                          <p:cTn id="4" fill="hold">
+                            <p:stCondLst>
+                              <p:cond delay="0"/>
+                            </p:stCondLst>
+                            <p:childTnLst>
+                              <p:par>
+                                <p:cTn id="5" presetID="1" presetClass="entr" presetSubtype="0" fill="hold" grpId="0" nodeType="clickEffect">
+                                  <p:stCondLst>
+                                    <p:cond delay="0"/>
+                                  </p:stCondLst>
+                                  <p:childTnLst>
+                                    <p:set>
+                                      <p:cBhvr>
+                                        <p:cTn id="6" dur="1" fill="hold">
+                                          <p:stCondLst>
+                                            <p:cond delay="0"/>
+                                          </p:stCondLst>
+                                        </p:cTn>
+                                        <p:tgtEl>
+                                          <p:spTgt spid="5"/>
+                                        </p:tgtEl>
+                                        <p:attrNameLst>
+                                          <p:attrName>style.visibility</p:attrName>
+                                        </p:attrNameLst>
+                                      </p:cBhvr>
+                                      <p:to>
+                                        <p:strVal val="visible"/>
+                                      </p:to>
+                                    </p:set>
+                                  </p:childTnLst>
+                                </p:cTn>
+                              </p:par>
+                            </p:childTnLst>
+                          </p:cTn>
+                        </p:par>
+                      </p:childTnLst>
+                    </p:cTn>
+                  </p:par>
+                  <p:par>
+                    <p:cTn id="7" fill="hold">
+                      <p:stCondLst>
+                        <p:cond delay="indefinite"/>
+                      </p:stCondLst>
+                      <p:childTnLst>
+                        <p:par>
+                          <p:cTn id="8" fill="hold">
+                            <p:stCondLst>
+                              <p:cond delay="0"/>
+                            </p:stCondLst>
+                            <p:childTnLst>
+                              <p:par>
+                                <p:cTn id="9" presetID="1" presetClass="entr" presetSubtype="0" fill="hold" nodeType="clickEffect">
+                                  <p:stCondLst>
+                                    <p:cond delay="0"/>
+                                  </p:stCondLst>
+                                  <p:childTnLst>
+                                    <p:set>
+                                      <p:cBhvr>
+                                        <p:cTn id="10" dur="1" fill="hold">
+                                          <p:stCondLst>
+                                            <p:cond delay="0"/>
+                                          </p:stCondLst>
+                                        </p:cTn>
+                                        <p:tgtEl>
+                                          <p:spTgt spid="16"/>
+                                        </p:tgtEl>
+                                        <p:attrNameLst>
+                                          <p:attrName>style.visibility</p:attrName>
+                                        </p:attrNameLst>
+                                      </p:cBhvr>
+                                      <p:to>
+                                        <p:strVal val="visible"/>
+                                      </p:to>
+                                    </p:set>
+                                  </p:childTnLst>
+                                </p:cTn>
+                              </p:par>
+                              <p:par>
+                                <p:cTn id="11" presetID="1" presetClass="entr" presetSubtype="0" fill="hold" grpId="0" nodeType="withEffect">
+                                  <p:stCondLst>
+                                    <p:cond delay="0"/>
+                                  </p:stCondLst>
+                                  <p:childTnLst>
+                                    <p:set>
+                                      <p:cBhvr>
+                                        <p:cTn id="12" dur="1" fill="hold">
+                                          <p:stCondLst>
+                                            <p:cond delay="0"/>
+                                          </p:stCondLst>
+                                        </p:cTn>
+                                        <p:tgtEl>
+                                          <p:spTgt spid="7"/>
+                                        </p:tgtEl>
+                                        <p:attrNameLst>
+                                          <p:attrName>style.visibility</p:attrName>
+                                        </p:attrNameLst>
+                                      </p:cBhvr>
+                                      <p:to>
+                                        <p:strVal val="visible"/>
+                                      </p:to>
+                                    </p:set>
+                                  </p:childTnLst>
+                                </p:cTn>
+                              </p:par>
+                              <p:par>
+                                <p:cTn id="13" presetID="1" presetClass="entr" presetSubtype="0" fill="hold" nodeType="withEffect">
+                                  <p:stCondLst>
+                                    <p:cond delay="0"/>
+                                  </p:stCondLst>
+                                  <p:childTnLst>
+                                    <p:set>
+                                      <p:cBhvr>
+                                        <p:cTn id="14" dur="1" fill="hold">
+                                          <p:stCondLst>
+                                            <p:cond delay="0"/>
+                                          </p:stCondLst>
+                                        </p:cTn>
+                                        <p:tgtEl>
+                                          <p:spTgt spid="19"/>
+                                        </p:tgtEl>
+                                        <p:attrNameLst>
+                                          <p:attrName>style.visibility</p:attrName>
+                                        </p:attrNameLst>
+                                      </p:cBhvr>
+                                      <p:to>
+                                        <p:strVal val="visible"/>
+                                      </p:to>
+                                    </p:set>
+                                  </p:childTnLst>
+                                </p:cTn>
+                              </p:par>
+                              <p:par>
+                                <p:cTn id="15" presetID="1" presetClass="entr" presetSubtype="0" fill="hold" grpId="0" nodeType="withEffect">
+                                  <p:stCondLst>
+                                    <p:cond delay="0"/>
+                                  </p:stCondLst>
+                                  <p:childTnLst>
+                                    <p:set>
+                                      <p:cBhvr>
+                                        <p:cTn id="16" dur="1" fill="hold">
+                                          <p:stCondLst>
+                                            <p:cond delay="0"/>
+                                          </p:stCondLst>
+                                        </p:cTn>
+                                        <p:tgtEl>
+                                          <p:spTgt spid="6"/>
+                                        </p:tgtEl>
+                                        <p:attrNameLst>
+                                          <p:attrName>style.visibility</p:attrName>
+                                        </p:attrNameLst>
+                                      </p:cBhvr>
+                                      <p:to>
+                                        <p:strVal val="visible"/>
+                                      </p:to>
+                                    </p:set>
+                                  </p:childTnLst>
+                                </p:cTn>
+                              </p:par>
+                            </p:childTnLst>
+                          </p:cTn>
+                        </p:par>
+                      </p:childTnLst>
+                    </p:cTn>
+                  </p:par>
+                  <p:par>
+                    <p:cTn id="17" fill="hold">
+                      <p:stCondLst>
+                        <p:cond delay="indefinite"/>
+                      </p:stCondLst>
+                      <p:childTnLst>
+                        <p:par>
+                          <p:cTn id="18" fill="hold">
+                            <p:stCondLst>
+                              <p:cond delay="0"/>
+                            </p:stCondLst>
+                            <p:childTnLst>
+                              <p:par>
+                                <p:cTn id="19" presetID="1" presetClass="entr" presetSubtype="0" fill="hold" nodeType="clickEffect">
+                                  <p:stCondLst>
+                                    <p:cond delay="0"/>
+                                  </p:stCondLst>
+                                  <p:childTnLst>
+                                    <p:set>
+                                      <p:cBhvr>
+                                        <p:cTn id="20" dur="1" fill="hold">
+                                          <p:stCondLst>
+                                            <p:cond delay="0"/>
+                                          </p:stCondLst>
+                                        </p:cTn>
+                                        <p:tgtEl>
+                                          <p:spTgt spid="17"/>
+                                        </p:tgtEl>
+                                        <p:attrNameLst>
+                                          <p:attrName>style.visibility</p:attrName>
+                                        </p:attrNameLst>
+                                      </p:cBhvr>
+                                      <p:to>
+                                        <p:strVal val="visible"/>
+                                      </p:to>
+                                    </p:set>
+                                  </p:childTnLst>
+                                </p:cTn>
+                              </p:par>
+                              <p:par>
+                                <p:cTn id="21" presetID="1" presetClass="entr" presetSubtype="0" fill="hold" nodeType="withEffect">
+                                  <p:stCondLst>
+                                    <p:cond delay="0"/>
+                                  </p:stCondLst>
+                                  <p:childTnLst>
+                                    <p:set>
+                                      <p:cBhvr>
+                                        <p:cTn id="22" dur="1" fill="hold">
+                                          <p:stCondLst>
+                                            <p:cond delay="0"/>
+                                          </p:stCondLst>
+                                        </p:cTn>
+                                        <p:tgtEl>
+                                          <p:spTgt spid="21"/>
+                                        </p:tgtEl>
+                                        <p:attrNameLst>
+                                          <p:attrName>style.visibility</p:attrName>
+                                        </p:attrNameLst>
+                                      </p:cBhvr>
+                                      <p:to>
+                                        <p:strVal val="visible"/>
+                                      </p:to>
+                                    </p:set>
+                                  </p:childTnLst>
+                                </p:cTn>
+                              </p:par>
+                              <p:par>
+                                <p:cTn id="23" presetID="1" presetClass="entr" presetSubtype="0" fill="hold" grpId="0" nodeType="withEffect">
+                                  <p:stCondLst>
+                                    <p:cond delay="0"/>
+                                  </p:stCondLst>
+                                  <p:childTnLst>
+                                    <p:set>
+                                      <p:cBhvr>
+                                        <p:cTn id="24" dur="1" fill="hold">
+                                          <p:stCondLst>
+                                            <p:cond delay="0"/>
+                                          </p:stCondLst>
+                                        </p:cTn>
+                                        <p:tgtEl>
+                                          <p:spTgt spid="8"/>
+                                        </p:tgtEl>
+                                        <p:attrNameLst>
+                                          <p:attrName>style.visibility</p:attrName>
+                                        </p:attrNameLst>
+                                      </p:cBhvr>
+                                      <p:to>
+                                        <p:strVal val="visible"/>
+                                      </p:to>
+                                    </p:set>
+                                  </p:childTnLst>
+                                </p:cTn>
+                              </p:par>
+                              <p:par>
+                                <p:cTn id="25" presetID="1" presetClass="entr" presetSubtype="0" fill="hold" grpId="0" nodeType="withEffect">
+                                  <p:stCondLst>
+                                    <p:cond delay="0"/>
+                                  </p:stCondLst>
+                                  <p:childTnLst>
+                                    <p:set>
+                                      <p:cBhvr>
+                                        <p:cTn id="26" dur="1" fill="hold">
+                                          <p:stCondLst>
+                                            <p:cond delay="0"/>
+                                          </p:stCondLst>
+                                        </p:cTn>
+                                        <p:tgtEl>
+                                          <p:spTgt spid="9"/>
+                                        </p:tgtEl>
+                                        <p:attrNameLst>
+                                          <p:attrName>style.visibility</p:attrName>
+                                        </p:attrNameLst>
+                                      </p:cBhvr>
+                                      <p:to>
+                                        <p:strVal val="visible"/>
+                                      </p:to>
+                                    </p:set>
+                                  </p:childTnLst>
+                                </p:cTn>
+                              </p:par>
+                            </p:childTnLst>
+                          </p:cTn>
+                        </p:par>
+                      </p:childTnLst>
+                    </p:cTn>
+                  </p:par>
+                  <p:par>
+                    <p:cTn id="27" fill="hold">
+                      <p:stCondLst>
+                        <p:cond delay="indefinite"/>
+                      </p:stCondLst>
+                      <p:childTnLst>
+                        <p:par>
+                          <p:cTn id="28" fill="hold">
+                            <p:stCondLst>
+                              <p:cond delay="0"/>
+                            </p:stCondLst>
+                            <p:childTnLst>
+                              <p:par>
+                                <p:cTn id="29" presetID="1" presetClass="entr" presetSubtype="0" fill="hold" nodeType="clickEffect">
+                                  <p:stCondLst>
+                                    <p:cond delay="0"/>
+                                  </p:stCondLst>
+                                  <p:childTnLst>
+                                    <p:set>
+                                      <p:cBhvr>
+                                        <p:cTn id="30" dur="1" fill="hold">
+                                          <p:stCondLst>
+                                            <p:cond delay="0"/>
+                                          </p:stCondLst>
+                                        </p:cTn>
+                                        <p:tgtEl>
+                                          <p:spTgt spid="18"/>
+                                        </p:tgtEl>
+                                        <p:attrNameLst>
+                                          <p:attrName>style.visibility</p:attrName>
+                                        </p:attrNameLst>
+                                      </p:cBhvr>
+                                      <p:to>
+                                        <p:strVal val="visible"/>
+                                      </p:to>
+                                    </p:set>
+                                  </p:childTnLst>
+                                </p:cTn>
+                              </p:par>
+                              <p:par>
+                                <p:cTn id="31" presetID="1" presetClass="entr" presetSubtype="0" fill="hold" nodeType="withEffect">
+                                  <p:stCondLst>
+                                    <p:cond delay="0"/>
+                                  </p:stCondLst>
+                                  <p:childTnLst>
+                                    <p:set>
+                                      <p:cBhvr>
+                                        <p:cTn id="32" dur="1" fill="hold">
+                                          <p:stCondLst>
+                                            <p:cond delay="0"/>
+                                          </p:stCondLst>
+                                        </p:cTn>
+                                        <p:tgtEl>
+                                          <p:spTgt spid="22"/>
+                                        </p:tgtEl>
+                                        <p:attrNameLst>
+                                          <p:attrName>style.visibility</p:attrName>
+                                        </p:attrNameLst>
+                                      </p:cBhvr>
+                                      <p:to>
+                                        <p:strVal val="visible"/>
+                                      </p:to>
+                                    </p:set>
+                                  </p:childTnLst>
+                                </p:cTn>
+                              </p:par>
+                              <p:par>
+                                <p:cTn id="33" presetID="1" presetClass="entr" presetSubtype="0" fill="hold" grpId="0" nodeType="withEffect">
+                                  <p:stCondLst>
+                                    <p:cond delay="0"/>
+                                  </p:stCondLst>
+                                  <p:childTnLst>
+                                    <p:set>
+                                      <p:cBhvr>
+                                        <p:cTn id="34" dur="1" fill="hold">
+                                          <p:stCondLst>
+                                            <p:cond delay="0"/>
+                                          </p:stCondLst>
+                                        </p:cTn>
+                                        <p:tgtEl>
+                                          <p:spTgt spid="11"/>
+                                        </p:tgtEl>
+                                        <p:attrNameLst>
+                                          <p:attrName>style.visibility</p:attrName>
+                                        </p:attrNameLst>
+                                      </p:cBhvr>
+                                      <p:to>
+                                        <p:strVal val="visible"/>
+                                      </p:to>
+                                    </p:set>
+                                  </p:childTnLst>
+                                </p:cTn>
+                              </p:par>
+                              <p:par>
+                                <p:cTn id="35" presetID="1" presetClass="entr" presetSubtype="0" fill="hold" grpId="0" nodeType="withEffect">
+                                  <p:stCondLst>
+                                    <p:cond delay="0"/>
+                                  </p:stCondLst>
+                                  <p:childTnLst>
+                                    <p:set>
+                                      <p:cBhvr>
+                                        <p:cTn id="36" dur="1" fill="hold">
+                                          <p:stCondLst>
+                                            <p:cond delay="0"/>
+                                          </p:stCondLst>
+                                        </p:cTn>
+                                        <p:tgtEl>
+                                          <p:spTgt spid="10"/>
+                                        </p:tgtEl>
+                                        <p:attrNameLst>
+                                          <p:attrName>style.visibility</p:attrName>
+                                        </p:attrNameLst>
+                                      </p:cBhvr>
+                                      <p:to>
+                                        <p:strVal val="visible"/>
+                                      </p:to>
+                                    </p:set>
+                                  </p:childTnLst>
+                                </p:cTn>
+                              </p:par>
+                            </p:childTnLst>
+                          </p:cTn>
+                        </p:par>
+                      </p:childTnLst>
+                    </p:cTn>
+                  </p:par>
+                  <p:par>
+                    <p:cTn id="37" fill="hold">
+                      <p:stCondLst>
+                        <p:cond delay="indefinite"/>
+                      </p:stCondLst>
+                      <p:childTnLst>
+                        <p:par>
+                          <p:cTn id="38" fill="hold">
+                            <p:stCondLst>
+                              <p:cond delay="0"/>
+                            </p:stCondLst>
+                            <p:childTnLst>
+                              <p:par>
+                                <p:cTn id="39" presetID="1" presetClass="entr" presetSubtype="0" fill="hold" nodeType="clickEffect">
+                                  <p:stCondLst>
+                                    <p:cond delay="0"/>
+                                  </p:stCondLst>
+                                  <p:childTnLst>
+                                    <p:set>
+                                      <p:cBhvr>
+                                        <p:cTn id="40" dur="1" fill="hold">
+                                          <p:stCondLst>
+                                            <p:cond delay="0"/>
+                                          </p:stCondLst>
+                                        </p:cTn>
+                                        <p:tgtEl>
+                                          <p:spTgt spid="33"/>
+                                        </p:tgtEl>
+                                        <p:attrNameLst>
+                                          <p:attrName>style.visibility</p:attrName>
+                                        </p:attrNameLst>
+                                      </p:cBhvr>
+                                      <p:to>
+                                        <p:strVal val="visible"/>
+                                      </p:to>
+                                    </p:set>
+                                  </p:childTnLst>
+                                </p:cTn>
+                              </p:par>
+                              <p:par>
+                                <p:cTn id="41" presetID="1" presetClass="entr" presetSubtype="0" fill="hold" nodeType="withEffect">
+                                  <p:stCondLst>
+                                    <p:cond delay="0"/>
+                                  </p:stCondLst>
+                                  <p:childTnLst>
+                                    <p:set>
+                                      <p:cBhvr>
+                                        <p:cTn id="42" dur="1" fill="hold">
+                                          <p:stCondLst>
+                                            <p:cond delay="0"/>
+                                          </p:stCondLst>
+                                        </p:cTn>
+                                        <p:tgtEl>
+                                          <p:spTgt spid="34"/>
+                                        </p:tgtEl>
+                                        <p:attrNameLst>
+                                          <p:attrName>style.visibility</p:attrName>
+                                        </p:attrNameLst>
+                                      </p:cBhvr>
+                                      <p:to>
+                                        <p:strVal val="visible"/>
+                                      </p:to>
+                                    </p:set>
+                                  </p:childTnLst>
+                                </p:cTn>
+                              </p:par>
+                              <p:par>
+                                <p:cTn id="43" presetID="1" presetClass="entr" presetSubtype="0" fill="hold" grpId="0" nodeType="withEffect">
+                                  <p:stCondLst>
+                                    <p:cond delay="0"/>
+                                  </p:stCondLst>
+                                  <p:childTnLst>
+                                    <p:set>
+                                      <p:cBhvr>
+                                        <p:cTn id="44" dur="1" fill="hold">
+                                          <p:stCondLst>
+                                            <p:cond delay="0"/>
+                                          </p:stCondLst>
+                                        </p:cTn>
+                                        <p:tgtEl>
+                                          <p:spTgt spid="14"/>
+                                        </p:tgtEl>
+                                        <p:attrNameLst>
+                                          <p:attrName>style.visibility</p:attrName>
+                                        </p:attrNameLst>
+                                      </p:cBhvr>
+                                      <p:to>
+                                        <p:strVal val="visible"/>
+                                      </p:to>
+                                    </p:set>
+                                  </p:childTnLst>
+                                </p:cTn>
+                              </p:par>
+                              <p:par>
+                                <p:cTn id="45" presetID="1" presetClass="entr" presetSubtype="0" fill="hold" grpId="0" nodeType="withEffect">
+                                  <p:stCondLst>
+                                    <p:cond delay="0"/>
+                                  </p:stCondLst>
+                                  <p:childTnLst>
+                                    <p:set>
+                                      <p:cBhvr>
+                                        <p:cTn id="46" dur="1" fill="hold">
+                                          <p:stCondLst>
+                                            <p:cond delay="0"/>
+                                          </p:stCondLst>
+                                        </p:cTn>
+                                        <p:tgtEl>
+                                          <p:spTgt spid="12"/>
+                                        </p:tgtEl>
+                                        <p:attrNameLst>
+                                          <p:attrName>style.visibility</p:attrName>
+                                        </p:attrNameLst>
+                                      </p:cBhvr>
+                                      <p:to>
+                                        <p:strVal val="visible"/>
+                                      </p:to>
+                                    </p:set>
+                                  </p:childTnLst>
+                                </p:cTn>
+                              </p:par>
+                            </p:childTnLst>
+                          </p:cTn>
+                        </p:par>
+                      </p:childTnLst>
+                    </p:cTn>
+                  </p:par>
+                </p:childTnLst>
+              </p:cTn>
+              <p:prevCondLst>
+                <p:cond evt="onPrev" delay="0">
+                  <p:tgtEl>
+                    <p:sldTgt/>
+                  </p:tgtEl>
+                </p:cond>
+              </p:prevCondLst>
+              <p:nextCondLst>
+                <p:cond evt="onNext" delay="0">
+                  <p:tgtEl>
+                    <p:sldTgt/>
+                  </p:tgtEl>
+                </p:cond>
+              </p:nextCondLst>
+            </p:seq>
+          </p:childTnLst>
+        </p:cTn>
+      </p:par>
+    </p:tnLst>
+    <p:bldLst>
+      <p:bldP spid="5" grpId="0" animBg="1"/>
+      <p:bldP spid="6" grpId="0" animBg="1"/>
+      <p:bldP spid="7" grpId="0" animBg="1"/>
+      <p:bldP spid="8" grpId="0" animBg="1"/>
+      <p:bldP spid="9" grpId="0" animBg="1"/>
+      <p:bldP spid="10" grpId="0" animBg="1"/>
+      <p:bldP spid="11" grpId="0" animBg="1"/>
+      <p:bldP spid="12" grpId="0" animBg="1"/>
+      <p:bldP spid="14" grpId="0" animBg="1"/>
+    </p:bldLst>
+  </p:timing>
+</p:sld>
+</file>
+
+<file path=ppt/slides/slide36.xml><?xml version="1.0" encoding="utf-8"?>
+<p:sld xmlns:a="http://schemas.openxmlformats.org/drawingml/2006/main" xmlns:r="http://schemas.openxmlformats.org/officeDocument/2006/relationships" xmlns:p="http://schemas.openxmlformats.org/presentationml/2006/main">
+  <p:cSld>
+    <p:spTree>
+      <p:nvGrpSpPr>
+        <p:cNvPr id="1" name=""/>
+        <p:cNvGrpSpPr/>
+        <p:nvPr/>
+      </p:nvGrpSpPr>
+      <p:grpSpPr>
+        <a:xfrm>
+          <a:off x="0" y="0"/>
+          <a:ext cx="0" cy="0"/>
+          <a:chOff x="0" y="0"/>
+          <a:chExt cx="0" cy="0"/>
+        </a:xfrm>
+      </p:grpSpPr>
+      <p:sp>
+        <p:nvSpPr>
+          <p:cNvPr id="2" name="标题 1"/>
+          <p:cNvSpPr>
+            <a:spLocks noGrp="1"/>
+          </p:cNvSpPr>
+          <p:nvPr>
+            <p:ph type="title"/>
+          </p:nvPr>
+        </p:nvSpPr>
+        <p:spPr/>
+        <p:txBody>
+          <a:bodyPr/>
+          <a:lstStyle/>
+          <a:p>
+            <a:r>
+              <a:rPr lang="zh-CN" altLang="en-US" dirty="0" smtClean="0">
+                <a:latin typeface="黑体" panose="02010609060101010101" pitchFamily="49" charset="-122"/>
+                <a:ea typeface="黑体" panose="02010609060101010101" pitchFamily="49" charset="-122"/>
+              </a:rPr>
+              <a:t>实验</a:t>
+            </a:r>
+            <a:endParaRPr lang="zh-CN" altLang="en-US" dirty="0">
+              <a:latin typeface="黑体" panose="02010609060101010101" pitchFamily="49" charset="-122"/>
+              <a:ea typeface="黑体" panose="02010609060101010101" pitchFamily="49" charset="-122"/>
+            </a:endParaRPr>
+          </a:p>
+        </p:txBody>
+      </p:sp>
+      <p:sp>
+        <p:nvSpPr>
+          <p:cNvPr id="3" name="Limitation…"/>
+          <p:cNvSpPr txBox="1"/>
+          <p:nvPr/>
+        </p:nvSpPr>
+        <p:spPr>
+          <a:xfrm>
+            <a:off x="1627113" y="1691239"/>
+            <a:ext cx="9020110" cy="3593287"/>
+          </a:xfrm>
+          <a:prstGeom prst="rect">
+            <a:avLst/>
+          </a:prstGeom>
+          <a:ln w="12700">
+            <a:miter lim="400000"/>
+          </a:ln>
+          <a:extLst>
+            <a:ext uri="{C572A759-6A51-4108-AA02-DFA0A04FC94B}">
+              <ma14:wrappingTextBoxFlag xmlns="" xmlns:ma14="http://schemas.microsoft.com/office/mac/drawingml/2011/main" val="1"/>
+            </a:ext>
+          </a:extLst>
+        </p:spPr>
+        <p:txBody>
+          <a:bodyPr lIns="45718" tIns="45718" rIns="45718" bIns="45718">
+            <a:spAutoFit/>
+          </a:bodyPr>
+          <a:lstStyle/>
+          <a:p>
+            <a:pPr marL="514350" indent="-514350" algn="l" defTabSz="457200">
+              <a:lnSpc>
+                <a:spcPts val="4500"/>
+              </a:lnSpc>
+              <a:spcBef>
+                <a:spcPts val="1200"/>
+              </a:spcBef>
+              <a:buAutoNum type="arabicPeriod"/>
+              <a:defRPr sz="2600" b="0">
+                <a:solidFill>
+                  <a:srgbClr val="000000"/>
+                </a:solidFill>
+                <a:latin typeface="+mj-lt"/>
+                <a:ea typeface="+mj-ea"/>
+                <a:cs typeface="+mj-cs"/>
+                <a:sym typeface="Calibri Light"/>
+              </a:defRPr>
+            </a:pPr>
+            <a:r>
+              <a:rPr lang="en-US" altLang="zh-CN" dirty="0" smtClean="0"/>
+              <a:t>Android APK</a:t>
+            </a:r>
+            <a:r>
+              <a:rPr lang="zh-CN" altLang="en-US" dirty="0" smtClean="0"/>
+              <a:t>文件的反编译</a:t>
+            </a:r>
+            <a:endParaRPr lang="en-US" altLang="zh-CN" dirty="0" smtClean="0"/>
+          </a:p>
+          <a:p>
+            <a:pPr algn="l" defTabSz="457200">
+              <a:lnSpc>
+                <a:spcPts val="4500"/>
+              </a:lnSpc>
+              <a:spcBef>
+                <a:spcPts val="1200"/>
+              </a:spcBef>
+              <a:defRPr sz="2600" b="0">
+                <a:solidFill>
+                  <a:srgbClr val="000000"/>
+                </a:solidFill>
+                <a:latin typeface="+mj-lt"/>
+                <a:ea typeface="+mj-ea"/>
+                <a:cs typeface="+mj-cs"/>
+                <a:sym typeface="Calibri Light"/>
+              </a:defRPr>
+            </a:pPr>
+            <a:r>
+              <a:rPr lang="en-US" altLang="zh-CN" dirty="0" smtClean="0"/>
+              <a:t>	</a:t>
+            </a:r>
+            <a:r>
+              <a:rPr lang="en-US" altLang="zh-CN" dirty="0" err="1" smtClean="0"/>
+              <a:t>apktool</a:t>
+            </a:r>
+            <a:r>
+              <a:rPr lang="en-US" altLang="zh-CN" dirty="0" smtClean="0"/>
+              <a:t> </a:t>
+            </a:r>
+            <a:r>
+              <a:rPr lang="en-US" altLang="zh-CN" dirty="0"/>
+              <a:t>d </a:t>
+            </a:r>
+            <a:r>
+              <a:rPr lang="en-US" altLang="zh-CN" dirty="0" err="1"/>
+              <a:t>test.apk</a:t>
+            </a:r>
+            <a:endParaRPr lang="en-US" altLang="zh-CN" dirty="0"/>
+          </a:p>
+          <a:p>
+            <a:pPr algn="l" defTabSz="457200">
+              <a:lnSpc>
+                <a:spcPts val="4500"/>
+              </a:lnSpc>
+              <a:spcBef>
+                <a:spcPts val="1200"/>
+              </a:spcBef>
+              <a:defRPr sz="2600" b="0">
+                <a:solidFill>
+                  <a:srgbClr val="000000"/>
+                </a:solidFill>
+                <a:latin typeface="+mj-lt"/>
+                <a:ea typeface="+mj-ea"/>
+                <a:cs typeface="+mj-cs"/>
+                <a:sym typeface="Calibri Light"/>
+              </a:defRPr>
+            </a:pPr>
+            <a:r>
+              <a:rPr lang="en-US" altLang="zh-CN" dirty="0" smtClean="0"/>
+              <a:t>	d2j-dex2jar.bat </a:t>
+            </a:r>
+            <a:r>
+              <a:rPr lang="en-US" altLang="zh-CN" dirty="0" err="1"/>
+              <a:t>classes.dex</a:t>
+            </a:r>
+            <a:endParaRPr lang="en-US" altLang="zh-CN" dirty="0"/>
+          </a:p>
+          <a:p>
+            <a:pPr algn="l" defTabSz="457200">
+              <a:lnSpc>
+                <a:spcPts val="4500"/>
+              </a:lnSpc>
+              <a:spcBef>
+                <a:spcPts val="1200"/>
+              </a:spcBef>
+              <a:defRPr sz="2600" b="0">
+                <a:solidFill>
+                  <a:srgbClr val="000000"/>
+                </a:solidFill>
+                <a:latin typeface="+mj-lt"/>
+                <a:ea typeface="+mj-ea"/>
+                <a:cs typeface="+mj-cs"/>
+                <a:sym typeface="Calibri Light"/>
+              </a:defRPr>
+            </a:pPr>
+            <a:r>
+              <a:rPr lang="en-US" altLang="zh-CN" dirty="0" smtClean="0"/>
+              <a:t>	7zip</a:t>
+            </a:r>
+            <a:r>
+              <a:rPr lang="zh-CN" altLang="en-US" dirty="0" smtClean="0"/>
+              <a:t>解压</a:t>
+            </a:r>
+            <a:endParaRPr lang="en-US" altLang="zh-CN" dirty="0" smtClean="0"/>
+          </a:p>
+          <a:p>
+            <a:pPr algn="l" defTabSz="457200">
+              <a:lnSpc>
+                <a:spcPts val="4500"/>
+              </a:lnSpc>
+              <a:spcBef>
+                <a:spcPts val="1200"/>
+              </a:spcBef>
+              <a:defRPr sz="2600" b="0">
+                <a:solidFill>
+                  <a:srgbClr val="000000"/>
+                </a:solidFill>
+                <a:latin typeface="+mj-lt"/>
+                <a:ea typeface="+mj-ea"/>
+                <a:cs typeface="+mj-cs"/>
+                <a:sym typeface="Calibri Light"/>
+              </a:defRPr>
+            </a:pPr>
+            <a:r>
+              <a:rPr lang="pt-BR" altLang="zh-CN" dirty="0" smtClean="0"/>
+              <a:t>	jad </a:t>
+            </a:r>
+            <a:r>
+              <a:rPr lang="pt-BR" altLang="zh-CN" dirty="0"/>
+              <a:t>-o -r -sjava -dsrc tree/**/*.class</a:t>
+            </a:r>
+            <a:endParaRPr lang="en-US" altLang="zh-CN" dirty="0"/>
+          </a:p>
+        </p:txBody>
+      </p:sp>
+      <p:pic>
+        <p:nvPicPr>
+          <p:cNvPr id="4" name="图片 3"/>
+          <p:cNvPicPr>
+            <a:picLocks noChangeAspect="1"/>
+          </p:cNvPicPr>
+          <p:nvPr/>
+        </p:nvPicPr>
+        <p:blipFill>
+          <a:blip r:embed="rId2">
+            <a:extLst>
+              <a:ext uri="{28A0092B-C50C-407E-A947-70E740481C1C}">
+                <a14:useLocalDpi xmlns:a14="http://schemas.microsoft.com/office/drawing/2010/main" val="0"/>
+              </a:ext>
+            </a:extLst>
+          </a:blip>
+          <a:stretch>
+            <a:fillRect/>
+          </a:stretch>
+        </p:blipFill>
+        <p:spPr>
+          <a:xfrm>
+            <a:off x="8078016" y="2063387"/>
+            <a:ext cx="895350" cy="876300"/>
+          </a:xfrm>
+          <a:prstGeom prst="rect">
+            <a:avLst/>
+          </a:prstGeom>
+        </p:spPr>
+      </p:pic>
+      <p:pic>
+        <p:nvPicPr>
+          <p:cNvPr id="13" name="图片 12"/>
+          <p:cNvPicPr>
+            <a:picLocks noChangeAspect="1"/>
+          </p:cNvPicPr>
+          <p:nvPr/>
+        </p:nvPicPr>
+        <p:blipFill>
+          <a:blip r:embed="rId3">
+            <a:extLst>
+              <a:ext uri="{28A0092B-C50C-407E-A947-70E740481C1C}">
+                <a14:useLocalDpi xmlns:a14="http://schemas.microsoft.com/office/drawing/2010/main" val="0"/>
+              </a:ext>
+            </a:extLst>
+          </a:blip>
+          <a:stretch>
+            <a:fillRect/>
+          </a:stretch>
+        </p:blipFill>
+        <p:spPr>
+          <a:xfrm>
+            <a:off x="8030391" y="4389176"/>
+            <a:ext cx="990600" cy="895350"/>
+          </a:xfrm>
+          <a:prstGeom prst="rect">
+            <a:avLst/>
+          </a:prstGeom>
+        </p:spPr>
+      </p:pic>
+      <p:cxnSp>
+        <p:nvCxnSpPr>
+          <p:cNvPr id="20" name="直接箭头连接符 19"/>
+          <p:cNvCxnSpPr/>
+          <p:nvPr/>
+        </p:nvCxnSpPr>
+        <p:spPr>
+          <a:xfrm>
+            <a:off x="8525691" y="3108960"/>
+            <a:ext cx="0" cy="1058091"/>
+          </a:xfrm>
+          <a:prstGeom prst="straightConnector1">
+            <a:avLst/>
+          </a:prstGeom>
+          <a:noFill/>
+          <a:ln w="25400" cap="flat">
+            <a:solidFill>
+              <a:schemeClr val="accent1"/>
+            </a:solidFill>
+            <a:prstDash val="solid"/>
+            <a:round/>
+            <a:tailEnd type="triangle"/>
+          </a:ln>
+          <a:effectLst/>
+          <a:sp3d/>
+        </p:spPr>
+        <p:style>
+          <a:lnRef idx="0">
+            <a:scrgbClr r="0" g="0" b="0"/>
+          </a:lnRef>
+          <a:fillRef idx="0">
+            <a:scrgbClr r="0" g="0" b="0"/>
+          </a:fillRef>
+          <a:effectRef idx="0">
+            <a:scrgbClr r="0" g="0" b="0"/>
+          </a:effectRef>
+          <a:fontRef idx="none"/>
+        </p:style>
+      </p:cxnSp>
+    </p:spTree>
+    <p:extLst>
+      <p:ext uri="{BB962C8B-B14F-4D97-AF65-F5344CB8AC3E}">
+        <p14:creationId xmlns:p14="http://schemas.microsoft.com/office/powerpoint/2010/main" val="1799820789"/>
+      </p:ext>
+    </p:extLst>
+  </p:cSld>
+  <p:clrMapOvr>
+    <a:masterClrMapping/>
+  </p:clrMapOvr>
+  <p:transition spd="med"/>
+  <p:timing>
+    <p:tnLst>
+      <p:par>
+        <p:cTn id="1" dur="indefinite" restart="never" nodeType="tmRoot">
+          <p:childTnLst>
+            <p:seq concurrent="1" nextAc="seek">
+              <p:cTn id="2" dur="indefinite" nodeType="mainSeq">
+                <p:childTnLst>
+                  <p:par>
+                    <p:cTn id="3" fill="hold">
+                      <p:stCondLst>
+                        <p:cond delay="indefinite"/>
+                      </p:stCondLst>
+                      <p:childTnLst>
+                        <p:par>
+                          <p:cTn id="4" fill="hold">
+                            <p:stCondLst>
+                              <p:cond delay="0"/>
+                            </p:stCondLst>
+                            <p:childTnLst>
+                              <p:par>
+                                <p:cTn id="5" presetID="1" presetClass="entr" presetSubtype="0" fill="hold" nodeType="clickEffect">
+                                  <p:stCondLst>
+                                    <p:cond delay="0"/>
+                                  </p:stCondLst>
+                                  <p:childTnLst>
+                                    <p:set>
+                                      <p:cBhvr>
+                                        <p:cTn id="6" dur="1" fill="hold">
+                                          <p:stCondLst>
+                                            <p:cond delay="0"/>
+                                          </p:stCondLst>
+                                        </p:cTn>
+                                        <p:tgtEl>
+                                          <p:spTgt spid="4"/>
+                                        </p:tgtEl>
+                                        <p:attrNameLst>
+                                          <p:attrName>style.visibility</p:attrName>
+                                        </p:attrNameLst>
+                                      </p:cBhvr>
+                                      <p:to>
+                                        <p:strVal val="visible"/>
+                                      </p:to>
+                                    </p:set>
+                                  </p:childTnLst>
+                                </p:cTn>
+                              </p:par>
+                              <p:par>
+                                <p:cTn id="7" presetID="1" presetClass="entr" presetSubtype="0" fill="hold" nodeType="withEffect">
+                                  <p:stCondLst>
+                                    <p:cond delay="0"/>
+                                  </p:stCondLst>
+                                  <p:childTnLst>
+                                    <p:set>
+                                      <p:cBhvr>
+                                        <p:cTn id="8" dur="1" fill="hold">
+                                          <p:stCondLst>
+                                            <p:cond delay="0"/>
+                                          </p:stCondLst>
+                                        </p:cTn>
+                                        <p:tgtEl>
+                                          <p:spTgt spid="13"/>
+                                        </p:tgtEl>
+                                        <p:attrNameLst>
+                                          <p:attrName>style.visibility</p:attrName>
+                                        </p:attrNameLst>
+                                      </p:cBhvr>
+                                      <p:to>
+                                        <p:strVal val="visible"/>
+                                      </p:to>
+                                    </p:set>
+                                  </p:childTnLst>
+                                </p:cTn>
+                              </p:par>
+                              <p:par>
+                                <p:cTn id="9" presetID="1" presetClass="entr" presetSubtype="0" fill="hold" nodeType="withEffect">
+                                  <p:stCondLst>
+                                    <p:cond delay="0"/>
+                                  </p:stCondLst>
+                                  <p:childTnLst>
+                                    <p:set>
+                                      <p:cBhvr>
+                                        <p:cTn id="10" dur="1" fill="hold">
+                                          <p:stCondLst>
+                                            <p:cond delay="0"/>
+                                          </p:stCondLst>
+                                        </p:cTn>
+                                        <p:tgtEl>
+                                          <p:spTgt spid="20"/>
+                                        </p:tgtEl>
+                                        <p:attrNameLst>
+                                          <p:attrName>style.visibility</p:attrName>
+                                        </p:attrNameLst>
+                                      </p:cBhvr>
+                                      <p:to>
+                                        <p:strVal val="visible"/>
+                                      </p:to>
+                                    </p:set>
+                                  </p:childTnLst>
+                                </p:cTn>
+                              </p:par>
+                            </p:childTnLst>
+                          </p:cTn>
+                        </p:par>
+                      </p:childTnLst>
+                    </p:cTn>
+                  </p:par>
+                </p:childTnLst>
+              </p:cTn>
+              <p:prevCondLst>
+                <p:cond evt="onPrev" delay="0">
+                  <p:tgtEl>
+                    <p:sldTgt/>
+                  </p:tgtEl>
+                </p:cond>
+              </p:prevCondLst>
+              <p:nextCondLst>
+                <p:cond evt="onNext" delay="0">
+                  <p:tgtEl>
+                    <p:sldTgt/>
+                  </p:tgtEl>
+                </p:cond>
+              </p:nextCondLst>
+            </p:seq>
+          </p:childTnLst>
+        </p:cTn>
+      </p:par>
+    </p:tnLst>
+  </p:timing>
+</p:sld>
+</file>
+
+<file path=ppt/slides/slide37.xml><?xml version="1.0" encoding="utf-8"?>
+<p:sld xmlns:a="http://schemas.openxmlformats.org/drawingml/2006/main" xmlns:r="http://schemas.openxmlformats.org/officeDocument/2006/relationships" xmlns:p="http://schemas.openxmlformats.org/presentationml/2006/main">
+  <p:cSld>
+    <p:spTree>
+      <p:nvGrpSpPr>
+        <p:cNvPr id="1" name=""/>
+        <p:cNvGrpSpPr/>
+        <p:nvPr/>
+      </p:nvGrpSpPr>
+      <p:grpSpPr>
+        <a:xfrm>
+          <a:off x="0" y="0"/>
+          <a:ext cx="0" cy="0"/>
+          <a:chOff x="0" y="0"/>
+          <a:chExt cx="0" cy="0"/>
+        </a:xfrm>
+      </p:grpSpPr>
+      <p:sp>
+        <p:nvSpPr>
+          <p:cNvPr id="2" name="标题 1"/>
+          <p:cNvSpPr>
+            <a:spLocks noGrp="1"/>
+          </p:cNvSpPr>
+          <p:nvPr>
+            <p:ph type="title"/>
+          </p:nvPr>
+        </p:nvSpPr>
+        <p:spPr/>
+        <p:txBody>
+          <a:bodyPr/>
+          <a:lstStyle/>
+          <a:p>
+            <a:r>
+              <a:rPr lang="zh-CN" altLang="en-US" dirty="0" smtClean="0">
+                <a:latin typeface="黑体" panose="02010609060101010101" pitchFamily="49" charset="-122"/>
+                <a:ea typeface="黑体" panose="02010609060101010101" pitchFamily="49" charset="-122"/>
+              </a:rPr>
+              <a:t>实验</a:t>
+            </a:r>
+            <a:endParaRPr lang="zh-CN" altLang="en-US" dirty="0">
+              <a:latin typeface="黑体" panose="02010609060101010101" pitchFamily="49" charset="-122"/>
+              <a:ea typeface="黑体" panose="02010609060101010101" pitchFamily="49" charset="-122"/>
+            </a:endParaRPr>
+          </a:p>
+        </p:txBody>
+      </p:sp>
+      <p:sp>
+        <p:nvSpPr>
+          <p:cNvPr id="3" name="Limitation…"/>
+          <p:cNvSpPr txBox="1"/>
+          <p:nvPr/>
+        </p:nvSpPr>
+        <p:spPr>
+          <a:xfrm>
+            <a:off x="1627113" y="1691239"/>
+            <a:ext cx="9020110" cy="2708430"/>
+          </a:xfrm>
+          <a:prstGeom prst="rect">
+            <a:avLst/>
+          </a:prstGeom>
+          <a:ln w="12700">
+            <a:miter lim="400000"/>
+          </a:ln>
+          <a:extLst>
+            <a:ext uri="{C572A759-6A51-4108-AA02-DFA0A04FC94B}">
+              <ma14:wrappingTextBoxFlag xmlns="" xmlns:ma14="http://schemas.microsoft.com/office/mac/drawingml/2011/main" val="1"/>
+            </a:ext>
+          </a:extLst>
+        </p:spPr>
+        <p:txBody>
+          <a:bodyPr lIns="45718" tIns="45718" rIns="45718" bIns="45718">
+            <a:spAutoFit/>
+          </a:bodyPr>
+          <a:lstStyle/>
+          <a:p>
+            <a:pPr algn="l" defTabSz="457200">
+              <a:lnSpc>
+                <a:spcPts val="4500"/>
+              </a:lnSpc>
+              <a:spcBef>
+                <a:spcPts val="1200"/>
+              </a:spcBef>
+              <a:defRPr sz="2600" b="0">
+                <a:solidFill>
+                  <a:srgbClr val="000000"/>
+                </a:solidFill>
+                <a:latin typeface="+mj-lt"/>
+                <a:ea typeface="+mj-ea"/>
+                <a:cs typeface="+mj-cs"/>
+                <a:sym typeface="Calibri Light"/>
+              </a:defRPr>
+            </a:pPr>
+            <a:r>
+              <a:rPr lang="en-US" altLang="zh-CN" dirty="0" smtClean="0"/>
+              <a:t>2. APK</a:t>
+            </a:r>
+            <a:r>
+              <a:rPr lang="zh-CN" altLang="en-US" dirty="0" smtClean="0"/>
+              <a:t>文件的爬取</a:t>
+            </a:r>
+            <a:endParaRPr lang="en-US" altLang="zh-CN" dirty="0" smtClean="0"/>
+          </a:p>
+          <a:p>
+            <a:pPr algn="l" defTabSz="457200">
+              <a:lnSpc>
+                <a:spcPts val="4500"/>
+              </a:lnSpc>
+              <a:spcBef>
+                <a:spcPts val="1200"/>
+              </a:spcBef>
+              <a:defRPr sz="2600" b="0">
+                <a:solidFill>
+                  <a:srgbClr val="000000"/>
+                </a:solidFill>
+                <a:latin typeface="+mj-lt"/>
+                <a:ea typeface="+mj-ea"/>
+                <a:cs typeface="+mj-cs"/>
+                <a:sym typeface="Calibri Light"/>
+              </a:defRPr>
+            </a:pPr>
+            <a:r>
+              <a:rPr lang="en-US" altLang="zh-CN" dirty="0">
+                <a:hlinkClick r:id="rId2"/>
+              </a:rPr>
+              <a:t>https://</a:t>
+            </a:r>
+            <a:r>
+              <a:rPr lang="en-US" altLang="zh-CN" dirty="0" smtClean="0">
+                <a:hlinkClick r:id="rId2"/>
+              </a:rPr>
+              <a:t>github.com/QyMars/APKSpider</a:t>
+            </a:r>
+            <a:endParaRPr lang="en-US" altLang="zh-CN" dirty="0" smtClean="0"/>
+          </a:p>
+          <a:p>
+            <a:pPr algn="l" defTabSz="457200">
+              <a:lnSpc>
+                <a:spcPts val="4500"/>
+              </a:lnSpc>
+              <a:spcBef>
+                <a:spcPts val="1200"/>
+              </a:spcBef>
+              <a:defRPr sz="2600" b="0">
+                <a:solidFill>
+                  <a:srgbClr val="000000"/>
+                </a:solidFill>
+                <a:latin typeface="+mj-lt"/>
+                <a:ea typeface="+mj-ea"/>
+                <a:cs typeface="+mj-cs"/>
+                <a:sym typeface="Calibri Light"/>
+              </a:defRPr>
+            </a:pPr>
+            <a:r>
+              <a:rPr lang="en-US" altLang="zh-CN" dirty="0" err="1" smtClean="0"/>
+              <a:t>APKSpider</a:t>
+            </a:r>
+            <a:r>
+              <a:rPr lang="en-US" altLang="zh-CN" dirty="0"/>
+              <a:t> </a:t>
+            </a:r>
+            <a:r>
+              <a:rPr lang="zh-CN" altLang="en-US" sz="2400" b="0" dirty="0" smtClean="0">
+                <a:solidFill>
+                  <a:srgbClr val="000000"/>
+                </a:solidFill>
+                <a:latin typeface="黑体" panose="02010609060101010101" pitchFamily="49" charset="-122"/>
+                <a:ea typeface="黑体" panose="02010609060101010101" pitchFamily="49" charset="-122"/>
+              </a:rPr>
+              <a:t>使</a:t>
+            </a:r>
+            <a:r>
+              <a:rPr lang="zh-CN" altLang="en-US" sz="2400" b="0" dirty="0">
+                <a:solidFill>
+                  <a:srgbClr val="000000"/>
+                </a:solidFill>
+                <a:latin typeface="黑体" panose="02010609060101010101" pitchFamily="49" charset="-122"/>
+                <a:ea typeface="黑体" panose="02010609060101010101" pitchFamily="49" charset="-122"/>
+              </a:rPr>
+              <a:t>用</a:t>
+            </a:r>
+            <a:r>
+              <a:rPr lang="en-US" altLang="zh-CN" sz="2400" b="0" dirty="0">
+                <a:solidFill>
+                  <a:srgbClr val="000000"/>
+                </a:solidFill>
+                <a:latin typeface="黑体" panose="02010609060101010101" pitchFamily="49" charset="-122"/>
+                <a:ea typeface="黑体" panose="02010609060101010101" pitchFamily="49" charset="-122"/>
+              </a:rPr>
+              <a:t>Python</a:t>
+            </a:r>
+            <a:r>
+              <a:rPr lang="zh-CN" altLang="en-US" sz="2400" b="0" dirty="0">
+                <a:solidFill>
+                  <a:srgbClr val="000000"/>
+                </a:solidFill>
+                <a:latin typeface="黑体" panose="02010609060101010101" pitchFamily="49" charset="-122"/>
+                <a:ea typeface="黑体" panose="02010609060101010101" pitchFamily="49" charset="-122"/>
+              </a:rPr>
+              <a:t>实现对于小米商城中的</a:t>
+            </a:r>
+            <a:r>
+              <a:rPr lang="en-US" altLang="zh-CN" sz="2400" b="0" dirty="0">
+                <a:solidFill>
+                  <a:srgbClr val="000000"/>
+                </a:solidFill>
+                <a:latin typeface="黑体" panose="02010609060101010101" pitchFamily="49" charset="-122"/>
+                <a:ea typeface="黑体" panose="02010609060101010101" pitchFamily="49" charset="-122"/>
+              </a:rPr>
+              <a:t>APK</a:t>
+            </a:r>
+            <a:r>
+              <a:rPr lang="zh-CN" altLang="en-US" sz="2400" b="0" dirty="0">
+                <a:solidFill>
+                  <a:srgbClr val="000000"/>
+                </a:solidFill>
+                <a:latin typeface="黑体" panose="02010609060101010101" pitchFamily="49" charset="-122"/>
+                <a:ea typeface="黑体" panose="02010609060101010101" pitchFamily="49" charset="-122"/>
+              </a:rPr>
+              <a:t>进行爬取，实现自动化爬取功</a:t>
+            </a:r>
+            <a:r>
+              <a:rPr lang="zh-CN" altLang="en-US" sz="2400" b="0" dirty="0" smtClean="0">
+                <a:solidFill>
+                  <a:srgbClr val="000000"/>
+                </a:solidFill>
+                <a:latin typeface="黑体" panose="02010609060101010101" pitchFamily="49" charset="-122"/>
+                <a:ea typeface="黑体" panose="02010609060101010101" pitchFamily="49" charset="-122"/>
+              </a:rPr>
+              <a:t>能</a:t>
+            </a:r>
+            <a:endParaRPr lang="zh-CN" altLang="en-US" sz="2400" b="0" dirty="0">
+              <a:solidFill>
+                <a:srgbClr val="000000"/>
+              </a:solidFill>
+              <a:latin typeface="黑体" panose="02010609060101010101" pitchFamily="49" charset="-122"/>
+              <a:ea typeface="黑体" panose="02010609060101010101" pitchFamily="49" charset="-122"/>
+            </a:endParaRPr>
+          </a:p>
+        </p:txBody>
+      </p:sp>
+    </p:spTree>
+    <p:extLst>
+      <p:ext uri="{BB962C8B-B14F-4D97-AF65-F5344CB8AC3E}">
+        <p14:creationId xmlns:p14="http://schemas.microsoft.com/office/powerpoint/2010/main" val="3346625805"/>
+      </p:ext>
+    </p:extLst>
+  </p:cSld>
+  <p:clrMapOvr>
+    <a:masterClrMapping/>
+  </p:clrMapOvr>
+  <p:transition spd="med"/>
+  <p:timing>
+    <p:tnLst>
+      <p:par>
+        <p:cTn id="1" dur="indefinite" restart="never" nodeType="tmRoot"/>
+      </p:par>
+    </p:tnLst>
+  </p:timing>
+</p:sld>
+</file>
+
+<file path=ppt/slides/slide38.xml><?xml version="1.0" encoding="utf-8"?>
+<p:sld xmlns:a="http://schemas.openxmlformats.org/drawingml/2006/main" xmlns:r="http://schemas.openxmlformats.org/officeDocument/2006/relationships" xmlns:p="http://schemas.openxmlformats.org/presentationml/2006/main">
+  <p:cSld>
+    <p:spTree>
+      <p:nvGrpSpPr>
+        <p:cNvPr id="1" name=""/>
+        <p:cNvGrpSpPr/>
+        <p:nvPr/>
+      </p:nvGrpSpPr>
+      <p:grpSpPr>
+        <a:xfrm>
+          <a:off x="0" y="0"/>
+          <a:ext cx="0" cy="0"/>
+          <a:chOff x="0" y="0"/>
+          <a:chExt cx="0" cy="0"/>
+        </a:xfrm>
+      </p:grpSpPr>
+      <p:sp>
+        <p:nvSpPr>
+          <p:cNvPr id="3" name="Limitation…"/>
+          <p:cNvSpPr txBox="1"/>
+          <p:nvPr/>
+        </p:nvSpPr>
+        <p:spPr>
+          <a:xfrm>
+            <a:off x="1627113" y="1691239"/>
+            <a:ext cx="9020110" cy="611254"/>
+          </a:xfrm>
+          <a:prstGeom prst="rect">
+            <a:avLst/>
+          </a:prstGeom>
+          <a:ln w="12700">
+            <a:miter lim="400000"/>
+          </a:ln>
+          <a:extLst>
+            <a:ext uri="{C572A759-6A51-4108-AA02-DFA0A04FC94B}">
+              <ma14:wrappingTextBoxFlag xmlns="" xmlns:ma14="http://schemas.microsoft.com/office/mac/drawingml/2011/main" val="1"/>
+            </a:ext>
+          </a:extLst>
+        </p:spPr>
+        <p:txBody>
+          <a:bodyPr lIns="45718" tIns="45718" rIns="45718" bIns="45718">
+            <a:spAutoFit/>
+          </a:bodyPr>
+          <a:lstStyle/>
+          <a:p>
+            <a:pPr algn="l" defTabSz="457200">
+              <a:lnSpc>
+                <a:spcPts val="4500"/>
+              </a:lnSpc>
+              <a:spcBef>
+                <a:spcPts val="1200"/>
+              </a:spcBef>
+              <a:defRPr sz="2600" b="0">
+                <a:solidFill>
+                  <a:srgbClr val="000000"/>
+                </a:solidFill>
+                <a:latin typeface="+mj-lt"/>
+                <a:ea typeface="+mj-ea"/>
+                <a:cs typeface="+mj-cs"/>
+                <a:sym typeface="Calibri Light"/>
+              </a:defRPr>
+            </a:pPr>
+            <a:r>
+              <a:rPr lang="en-US" altLang="zh-CN" dirty="0" smtClean="0"/>
+              <a:t>2. APK</a:t>
+            </a:r>
+            <a:r>
+              <a:rPr lang="zh-CN" altLang="en-US" dirty="0" smtClean="0"/>
+              <a:t>文件的爬取</a:t>
+            </a:r>
+            <a:endParaRPr lang="en-US" altLang="zh-CN" dirty="0" smtClean="0"/>
+          </a:p>
+        </p:txBody>
+      </p:sp>
+      <p:pic>
+        <p:nvPicPr>
+          <p:cNvPr id="4" name="图片 3"/>
+          <p:cNvPicPr>
+            <a:picLocks noChangeAspect="1"/>
+          </p:cNvPicPr>
+          <p:nvPr/>
+        </p:nvPicPr>
+        <p:blipFill>
+          <a:blip r:embed="rId2">
+            <a:extLst>
+              <a:ext uri="{28A0092B-C50C-407E-A947-70E740481C1C}">
+                <a14:useLocalDpi xmlns:a14="http://schemas.microsoft.com/office/drawing/2010/main" val="0"/>
+              </a:ext>
+            </a:extLst>
+          </a:blip>
+          <a:stretch>
+            <a:fillRect/>
+          </a:stretch>
+        </p:blipFill>
+        <p:spPr>
+          <a:xfrm>
+            <a:off x="1342571" y="0"/>
+            <a:ext cx="9506858" cy="6892472"/>
+          </a:xfrm>
+          <a:prstGeom prst="rect">
+            <a:avLst/>
+          </a:prstGeom>
+        </p:spPr>
+      </p:pic>
+    </p:spTree>
+    <p:extLst>
+      <p:ext uri="{BB962C8B-B14F-4D97-AF65-F5344CB8AC3E}">
+        <p14:creationId xmlns:p14="http://schemas.microsoft.com/office/powerpoint/2010/main" val="3320103028"/>
+      </p:ext>
+    </p:extLst>
+  </p:cSld>
+  <p:clrMapOvr>
+    <a:masterClrMapping/>
+  </p:clrMapOvr>
+  <p:transition spd="med"/>
+  <p:timing>
+    <p:tnLst>
+      <p:par>
+        <p:cTn id="1" dur="indefinite" restart="never" nodeType="tmRoot"/>
+      </p:par>
+    </p:tnLst>
+  </p:timing>
+</p:sld>
+</file>
+
+<file path=ppt/slides/slide39.xml><?xml version="1.0" encoding="utf-8"?>
+<p:sld xmlns:a="http://schemas.openxmlformats.org/drawingml/2006/main" xmlns:r="http://schemas.openxmlformats.org/officeDocument/2006/relationships" xmlns:p="http://schemas.openxmlformats.org/presentationml/2006/main">
+  <p:cSld>
+    <p:spTree>
+      <p:nvGrpSpPr>
+        <p:cNvPr id="1" name=""/>
+        <p:cNvGrpSpPr/>
+        <p:nvPr/>
+      </p:nvGrpSpPr>
+      <p:grpSpPr>
+        <a:xfrm>
+          <a:off x="0" y="0"/>
+          <a:ext cx="0" cy="0"/>
+          <a:chOff x="0" y="0"/>
+          <a:chExt cx="0" cy="0"/>
+        </a:xfrm>
+      </p:grpSpPr>
+      <p:sp>
+        <p:nvSpPr>
+          <p:cNvPr id="428" name="Shape 720"/>
           <p:cNvSpPr/>
           <p:nvPr/>
         </p:nvSpPr>
@@ -16538,14 +18842,14 @@
       </p:sp>
       <p:sp>
         <p:nvSpPr>
-          <p:cNvPr id="434" name="Shape 733"/>
+          <p:cNvPr id="429" name="Shape 721"/>
           <p:cNvSpPr txBox="1"/>
           <p:nvPr/>
         </p:nvSpPr>
         <p:spPr>
           <a:xfrm>
-            <a:off x="2002026" y="520996"/>
-            <a:ext cx="1552087" cy="916939"/>
+            <a:off x="2207262" y="467775"/>
+            <a:ext cx="1159185" cy="923326"/>
           </a:xfrm>
           <a:prstGeom prst="rect">
             <a:avLst/>
@@ -16555,12 +18859,12 @@
           </a:ln>
           <a:extLst>
             <a:ext uri="{C572A759-6A51-4108-AA02-DFA0A04FC94B}">
-              <ma14:wrappingTextBoxFlag xmlns:ma14="http://schemas.microsoft.com/office/mac/drawingml/2011/main" xmlns="" val="1"/>
+              <ma14:wrappingTextBoxFlag xmlns="" xmlns:ma14="http://schemas.microsoft.com/office/mac/drawingml/2011/main" val="1"/>
             </a:ext>
           </a:extLst>
         </p:spPr>
         <p:txBody>
-          <a:bodyPr wrap="none" lIns="45718" tIns="45718" rIns="45718" bIns="45718">
+          <a:bodyPr wrap="square" lIns="45718" tIns="45718" rIns="45718" bIns="45718">
             <a:spAutoFit/>
           </a:bodyPr>
           <a:lstStyle>
@@ -16575,14 +18879,15 @@
           </a:lstStyle>
           <a:p>
             <a:r>
-              <a:t>END</a:t>
-            </a:r>
-          </a:p>
-        </p:txBody>
-      </p:sp>
-      <p:sp>
-        <p:nvSpPr>
-          <p:cNvPr id="435" name="Shape 734"/>
+              <a:rPr dirty="0"/>
+              <a:t>REF</a:t>
+            </a:r>
+          </a:p>
+        </p:txBody>
+      </p:sp>
+      <p:sp>
+        <p:nvSpPr>
+          <p:cNvPr id="430" name="Shape 722"/>
           <p:cNvSpPr/>
           <p:nvPr/>
         </p:nvSpPr>
@@ -16617,14 +18922,14 @@
       </p:sp>
       <p:sp>
         <p:nvSpPr>
-          <p:cNvPr id="436" name="Shape 735"/>
+          <p:cNvPr id="431" name="Shape 384"/>
           <p:cNvSpPr txBox="1"/>
           <p:nvPr/>
         </p:nvSpPr>
         <p:spPr>
           <a:xfrm>
-            <a:off x="6258490" y="3783886"/>
-            <a:ext cx="3035981" cy="916939"/>
+            <a:off x="1739900" y="2170412"/>
+            <a:ext cx="9797293" cy="3277816"/>
           </a:xfrm>
           <a:prstGeom prst="rect">
             <a:avLst/>
@@ -16634,7 +18939,7 @@
           </a:ln>
           <a:extLst>
             <a:ext uri="{C572A759-6A51-4108-AA02-DFA0A04FC94B}">
-              <ma14:wrappingTextBoxFlag xmlns:ma14="http://schemas.microsoft.com/office/mac/drawingml/2011/main" xmlns="" val="1"/>
+              <ma14:wrappingTextBoxFlag xmlns="" xmlns:ma14="http://schemas.microsoft.com/office/mac/drawingml/2011/main" val="1"/>
             </a:ext>
           </a:extLst>
         </p:spPr>
@@ -16642,23 +18947,143 @@
           <a:bodyPr lIns="45718" tIns="45718" rIns="45718" bIns="45718">
             <a:spAutoFit/>
           </a:bodyPr>
-          <a:lstStyle>
-            <a:lvl1pPr>
-              <a:defRPr sz="5400">
-                <a:solidFill>
-                  <a:srgbClr val="1470C0"/>
-                </a:solidFill>
-                <a:latin typeface="方正超粗黑_GBK"/>
-                <a:ea typeface="方正超粗黑_GBK"/>
-                <a:cs typeface="方正超粗黑_GBK"/>
-                <a:sym typeface="方正超粗黑_GBK"/>
+          <a:lstStyle/>
+          <a:p>
+            <a:pPr marL="307473" indent="-307473" algn="l">
+              <a:buSzPct val="100000"/>
+              <a:buAutoNum type="arabicPeriod"/>
+              <a:defRPr sz="2300" b="0">
+                <a:solidFill>
+                  <a:srgbClr val="0070C0"/>
+                </a:solidFill>
+                <a:latin typeface="黑体"/>
+                <a:ea typeface="黑体"/>
+                <a:cs typeface="黑体"/>
+                <a:sym typeface="黑体"/>
               </a:defRPr>
-            </a:lvl1pPr>
-          </a:lstStyle>
-          <a:p>
-            <a:r>
-              <a:t>THANKS</a:t>
-            </a:r>
+            </a:pPr>
+            <a:r>
+              <a:rPr dirty="0">
+                <a:solidFill>
+                  <a:srgbClr val="000000"/>
+                </a:solidFill>
+              </a:rPr>
+              <a:t>Achieving Accuracy and Scalability Simultaneously in Detecting Application Clones on Android Markets</a:t>
+            </a:r>
+          </a:p>
+          <a:p>
+            <a:pPr algn="l">
+              <a:defRPr sz="2300" b="0">
+                <a:solidFill>
+                  <a:srgbClr val="0070C0"/>
+                </a:solidFill>
+                <a:latin typeface="黑体"/>
+                <a:ea typeface="黑体"/>
+                <a:cs typeface="黑体"/>
+                <a:sym typeface="黑体"/>
+              </a:defRPr>
+            </a:pPr>
+            <a:endParaRPr dirty="0">
+              <a:solidFill>
+                <a:srgbClr val="000000"/>
+              </a:solidFill>
+            </a:endParaRPr>
+          </a:p>
+          <a:p>
+            <a:pPr marL="307473" indent="-307473" algn="l">
+              <a:buSzPct val="100000"/>
+              <a:buAutoNum type="arabicPeriod" startAt="2"/>
+              <a:defRPr sz="2300" b="0">
+                <a:solidFill>
+                  <a:srgbClr val="0070C0"/>
+                </a:solidFill>
+                <a:latin typeface="黑体"/>
+                <a:ea typeface="黑体"/>
+                <a:cs typeface="黑体"/>
+                <a:sym typeface="黑体"/>
+              </a:defRPr>
+            </a:pPr>
+            <a:r>
+              <a:rPr dirty="0">
+                <a:solidFill>
+                  <a:srgbClr val="000000"/>
+                </a:solidFill>
+              </a:rPr>
+              <a:t>On Finding Duplication and Near-Duplication in Large Software System</a:t>
+            </a:r>
+          </a:p>
+          <a:p>
+            <a:pPr algn="l">
+              <a:defRPr sz="2300" b="0">
+                <a:solidFill>
+                  <a:srgbClr val="0070C0"/>
+                </a:solidFill>
+                <a:latin typeface="黑体"/>
+                <a:ea typeface="黑体"/>
+                <a:cs typeface="黑体"/>
+                <a:sym typeface="黑体"/>
+              </a:defRPr>
+            </a:pPr>
+            <a:endParaRPr dirty="0">
+              <a:solidFill>
+                <a:srgbClr val="000000"/>
+              </a:solidFill>
+            </a:endParaRPr>
+          </a:p>
+          <a:p>
+            <a:pPr marL="307473" indent="-307473" algn="l">
+              <a:buSzPct val="100000"/>
+              <a:buAutoNum type="arabicPeriod" startAt="3"/>
+              <a:defRPr sz="2300" b="0">
+                <a:solidFill>
+                  <a:srgbClr val="0070C0"/>
+                </a:solidFill>
+                <a:latin typeface="黑体"/>
+                <a:ea typeface="黑体"/>
+                <a:cs typeface="黑体"/>
+                <a:sym typeface="黑体"/>
+              </a:defRPr>
+            </a:pPr>
+            <a:r>
+              <a:rPr dirty="0" err="1">
+                <a:solidFill>
+                  <a:srgbClr val="000000"/>
+                </a:solidFill>
+              </a:rPr>
+              <a:t>CCFinder</a:t>
+            </a:r>
+            <a:r>
+              <a:rPr dirty="0">
+                <a:solidFill>
+                  <a:srgbClr val="000000"/>
+                </a:solidFill>
+              </a:rPr>
+              <a:t>: A </a:t>
+            </a:r>
+            <a:r>
+              <a:rPr dirty="0" err="1">
+                <a:solidFill>
+                  <a:srgbClr val="000000"/>
+                </a:solidFill>
+              </a:rPr>
+              <a:t>Multilinguistic</a:t>
+            </a:r>
+            <a:r>
+              <a:rPr dirty="0">
+                <a:solidFill>
+                  <a:srgbClr val="000000"/>
+                </a:solidFill>
+              </a:rPr>
+              <a:t> Token-Based Code Clone Detection System for Large Scale Source Code</a:t>
+            </a:r>
+            <a:r>
+              <a:rPr dirty="0"/>
+              <a:t/>
+            </a:r>
+            <a:br>
+              <a:rPr dirty="0"/>
+            </a:br>
+            <a:endParaRPr dirty="0"/>
           </a:p>
         </p:txBody>
       </p:sp>
@@ -16746,7 +19171,7 @@
           </a:ln>
           <a:extLst>
             <a:ext uri="{C572A759-6A51-4108-AA02-DFA0A04FC94B}">
-              <ma14:wrappingTextBoxFlag xmlns:ma14="http://schemas.microsoft.com/office/mac/drawingml/2011/main" xmlns="" val="1"/>
+              <ma14:wrappingTextBoxFlag xmlns="" xmlns:ma14="http://schemas.microsoft.com/office/mac/drawingml/2011/main" val="1"/>
             </a:ext>
           </a:extLst>
         </p:spPr>
@@ -16810,6 +19235,200 @@
     <a:masterClrMapping/>
   </p:clrMapOvr>
   <p:transition spd="med"/>
+</p:sld>
+</file>
+
+<file path=ppt/slides/slide40.xml><?xml version="1.0" encoding="utf-8"?>
+<p:sld xmlns:a="http://schemas.openxmlformats.org/drawingml/2006/main" xmlns:r="http://schemas.openxmlformats.org/officeDocument/2006/relationships" xmlns:p="http://schemas.openxmlformats.org/presentationml/2006/main">
+  <p:cSld>
+    <p:spTree>
+      <p:nvGrpSpPr>
+        <p:cNvPr id="1" name=""/>
+        <p:cNvGrpSpPr/>
+        <p:nvPr/>
+      </p:nvGrpSpPr>
+      <p:grpSpPr>
+        <a:xfrm>
+          <a:off x="0" y="0"/>
+          <a:ext cx="0" cy="0"/>
+          <a:chOff x="0" y="0"/>
+          <a:chExt cx="0" cy="0"/>
+        </a:xfrm>
+      </p:grpSpPr>
+      <p:sp>
+        <p:nvSpPr>
+          <p:cNvPr id="433" name="Shape 732"/>
+          <p:cNvSpPr/>
+          <p:nvPr/>
+        </p:nvSpPr>
+        <p:spPr>
+          <a:xfrm>
+            <a:off x="1739900" y="-114302"/>
+            <a:ext cx="2093911" cy="1649417"/>
+          </a:xfrm>
+          <a:prstGeom prst="rect">
+            <a:avLst/>
+          </a:prstGeom>
+          <a:solidFill>
+            <a:srgbClr val="0070C0"/>
+          </a:solidFill>
+          <a:ln w="12700">
+            <a:solidFill>
+              <a:srgbClr val="FFFFFF"/>
+            </a:solidFill>
+            <a:miter/>
+          </a:ln>
+        </p:spPr>
+        <p:txBody>
+          <a:bodyPr lIns="45718" tIns="45718" rIns="45718" bIns="45718" anchor="ctr"/>
+          <a:lstStyle/>
+          <a:p>
+            <a:pPr algn="ctr">
+              <a:defRPr sz="1800" b="0"/>
+            </a:pPr>
+            <a:endParaRPr/>
+          </a:p>
+        </p:txBody>
+      </p:sp>
+      <p:sp>
+        <p:nvSpPr>
+          <p:cNvPr id="434" name="Shape 733"/>
+          <p:cNvSpPr txBox="1"/>
+          <p:nvPr/>
+        </p:nvSpPr>
+        <p:spPr>
+          <a:xfrm>
+            <a:off x="2002026" y="520996"/>
+            <a:ext cx="1552087" cy="916939"/>
+          </a:xfrm>
+          <a:prstGeom prst="rect">
+            <a:avLst/>
+          </a:prstGeom>
+          <a:ln w="12700">
+            <a:miter lim="400000"/>
+          </a:ln>
+          <a:extLst>
+            <a:ext uri="{C572A759-6A51-4108-AA02-DFA0A04FC94B}">
+              <ma14:wrappingTextBoxFlag xmlns="" xmlns:ma14="http://schemas.microsoft.com/office/mac/drawingml/2011/main" val="1"/>
+            </a:ext>
+          </a:extLst>
+        </p:spPr>
+        <p:txBody>
+          <a:bodyPr wrap="none" lIns="45718" tIns="45718" rIns="45718" bIns="45718">
+            <a:spAutoFit/>
+          </a:bodyPr>
+          <a:lstStyle>
+            <a:lvl1pPr>
+              <a:defRPr sz="5400">
+                <a:latin typeface="方正超粗黑_GBK"/>
+                <a:ea typeface="方正超粗黑_GBK"/>
+                <a:cs typeface="方正超粗黑_GBK"/>
+                <a:sym typeface="方正超粗黑_GBK"/>
+              </a:defRPr>
+            </a:lvl1pPr>
+          </a:lstStyle>
+          <a:p>
+            <a:r>
+              <a:t>END</a:t>
+            </a:r>
+          </a:p>
+        </p:txBody>
+      </p:sp>
+      <p:sp>
+        <p:nvSpPr>
+          <p:cNvPr id="435" name="Shape 734"/>
+          <p:cNvSpPr/>
+          <p:nvPr/>
+        </p:nvSpPr>
+        <p:spPr>
+          <a:xfrm>
+            <a:off x="1739900" y="6477000"/>
+            <a:ext cx="2093911" cy="1649415"/>
+          </a:xfrm>
+          <a:prstGeom prst="rect">
+            <a:avLst/>
+          </a:prstGeom>
+          <a:solidFill>
+            <a:srgbClr val="0070C0"/>
+          </a:solidFill>
+          <a:ln w="12700">
+            <a:solidFill>
+              <a:srgbClr val="FFFFFF"/>
+            </a:solidFill>
+            <a:miter/>
+          </a:ln>
+        </p:spPr>
+        <p:txBody>
+          <a:bodyPr lIns="45718" tIns="45718" rIns="45718" bIns="45718" anchor="ctr"/>
+          <a:lstStyle/>
+          <a:p>
+            <a:pPr algn="ctr">
+              <a:defRPr sz="1800" b="0"/>
+            </a:pPr>
+            <a:endParaRPr/>
+          </a:p>
+        </p:txBody>
+      </p:sp>
+      <p:sp>
+        <p:nvSpPr>
+          <p:cNvPr id="436" name="Shape 735"/>
+          <p:cNvSpPr txBox="1"/>
+          <p:nvPr/>
+        </p:nvSpPr>
+        <p:spPr>
+          <a:xfrm>
+            <a:off x="6258490" y="3783886"/>
+            <a:ext cx="3035981" cy="916939"/>
+          </a:xfrm>
+          <a:prstGeom prst="rect">
+            <a:avLst/>
+          </a:prstGeom>
+          <a:ln w="12700">
+            <a:miter lim="400000"/>
+          </a:ln>
+          <a:extLst>
+            <a:ext uri="{C572A759-6A51-4108-AA02-DFA0A04FC94B}">
+              <ma14:wrappingTextBoxFlag xmlns="" xmlns:ma14="http://schemas.microsoft.com/office/mac/drawingml/2011/main" val="1"/>
+            </a:ext>
+          </a:extLst>
+        </p:spPr>
+        <p:txBody>
+          <a:bodyPr lIns="45718" tIns="45718" rIns="45718" bIns="45718">
+            <a:spAutoFit/>
+          </a:bodyPr>
+          <a:lstStyle>
+            <a:lvl1pPr>
+              <a:defRPr sz="5400">
+                <a:solidFill>
+                  <a:srgbClr val="1470C0"/>
+                </a:solidFill>
+                <a:latin typeface="方正超粗黑_GBK"/>
+                <a:ea typeface="方正超粗黑_GBK"/>
+                <a:cs typeface="方正超粗黑_GBK"/>
+                <a:sym typeface="方正超粗黑_GBK"/>
+              </a:defRPr>
+            </a:lvl1pPr>
+          </a:lstStyle>
+          <a:p>
+            <a:r>
+              <a:t>THANKS</a:t>
+            </a:r>
+          </a:p>
+        </p:txBody>
+      </p:sp>
+    </p:spTree>
+  </p:cSld>
+  <p:clrMapOvr>
+    <a:masterClrMapping/>
+  </p:clrMapOvr>
+  <p:transition spd="med"/>
+  <p:timing>
+    <p:tnLst>
+      <p:par>
+        <p:cTn id="1" dur="indefinite" restart="never" nodeType="tmRoot"/>
+      </p:par>
+    </p:tnLst>
+  </p:timing>
 </p:sld>
 </file>
 
@@ -16881,7 +19500,7 @@
           </a:ln>
           <a:extLst>
             <a:ext uri="{C572A759-6A51-4108-AA02-DFA0A04FC94B}">
-              <ma14:wrappingTextBoxFlag xmlns:ma14="http://schemas.microsoft.com/office/mac/drawingml/2011/main" xmlns="" val="1"/>
+              <ma14:wrappingTextBoxFlag xmlns="" xmlns:ma14="http://schemas.microsoft.com/office/mac/drawingml/2011/main" val="1"/>
             </a:ext>
           </a:extLst>
         </p:spPr>
@@ -16925,7 +19544,7 @@
           </a:ln>
           <a:extLst>
             <a:ext uri="{C572A759-6A51-4108-AA02-DFA0A04FC94B}">
-              <ma14:wrappingTextBoxFlag xmlns:ma14="http://schemas.microsoft.com/office/mac/drawingml/2011/main" xmlns="" val="1"/>
+              <ma14:wrappingTextBoxFlag xmlns="" xmlns:ma14="http://schemas.microsoft.com/office/mac/drawingml/2011/main" val="1"/>
             </a:ext>
           </a:extLst>
         </p:spPr>
@@ -16973,7 +19592,7 @@
           </a:ln>
           <a:extLst>
             <a:ext uri="{C572A759-6A51-4108-AA02-DFA0A04FC94B}">
-              <ma14:wrappingTextBoxFlag xmlns:ma14="http://schemas.microsoft.com/office/mac/drawingml/2011/main" xmlns="" val="1"/>
+              <ma14:wrappingTextBoxFlag xmlns="" xmlns:ma14="http://schemas.microsoft.com/office/mac/drawingml/2011/main" val="1"/>
             </a:ext>
           </a:extLst>
         </p:spPr>
@@ -17030,7 +19649,7 @@
           </a:ln>
           <a:extLst>
             <a:ext uri="{C572A759-6A51-4108-AA02-DFA0A04FC94B}">
-              <ma14:wrappingTextBoxFlag xmlns:ma14="http://schemas.microsoft.com/office/mac/drawingml/2011/main" xmlns="" val="1"/>
+              <ma14:wrappingTextBoxFlag xmlns="" xmlns:ma14="http://schemas.microsoft.com/office/mac/drawingml/2011/main" val="1"/>
             </a:ext>
           </a:extLst>
         </p:spPr>
@@ -17429,7 +20048,7 @@
           </a:ln>
           <a:extLst>
             <a:ext uri="{C572A759-6A51-4108-AA02-DFA0A04FC94B}">
-              <ma14:wrappingTextBoxFlag xmlns:ma14="http://schemas.microsoft.com/office/mac/drawingml/2011/main" xmlns="" val="1"/>
+              <ma14:wrappingTextBoxFlag xmlns="" xmlns:ma14="http://schemas.microsoft.com/office/mac/drawingml/2011/main" val="1"/>
             </a:ext>
           </a:extLst>
         </p:spPr>
@@ -17473,7 +20092,7 @@
           </a:ln>
           <a:extLst>
             <a:ext uri="{C572A759-6A51-4108-AA02-DFA0A04FC94B}">
-              <ma14:wrappingTextBoxFlag xmlns:ma14="http://schemas.microsoft.com/office/mac/drawingml/2011/main" xmlns="" val="1"/>
+              <ma14:wrappingTextBoxFlag xmlns="" xmlns:ma14="http://schemas.microsoft.com/office/mac/drawingml/2011/main" val="1"/>
             </a:ext>
           </a:extLst>
         </p:spPr>
@@ -17548,7 +20167,7 @@
           </a:ln>
           <a:extLst>
             <a:ext uri="{C572A759-6A51-4108-AA02-DFA0A04FC94B}">
-              <ma14:wrappingTextBoxFlag xmlns:ma14="http://schemas.microsoft.com/office/mac/drawingml/2011/main" xmlns="" val="1"/>
+              <ma14:wrappingTextBoxFlag xmlns="" xmlns:ma14="http://schemas.microsoft.com/office/mac/drawingml/2011/main" val="1"/>
             </a:ext>
           </a:extLst>
         </p:spPr>
@@ -17771,7 +20390,7 @@
           </a:ln>
           <a:extLst>
             <a:ext uri="{C572A759-6A51-4108-AA02-DFA0A04FC94B}">
-              <ma14:wrappingTextBoxFlag xmlns:ma14="http://schemas.microsoft.com/office/mac/drawingml/2011/main" xmlns="" val="1"/>
+              <ma14:wrappingTextBoxFlag xmlns="" xmlns:ma14="http://schemas.microsoft.com/office/mac/drawingml/2011/main" val="1"/>
             </a:ext>
           </a:extLst>
         </p:spPr>
@@ -17815,7 +20434,7 @@
           </a:ln>
           <a:extLst>
             <a:ext uri="{C572A759-6A51-4108-AA02-DFA0A04FC94B}">
-              <ma14:wrappingTextBoxFlag xmlns:ma14="http://schemas.microsoft.com/office/mac/drawingml/2011/main" xmlns="" val="1"/>
+              <ma14:wrappingTextBoxFlag xmlns="" xmlns:ma14="http://schemas.microsoft.com/office/mac/drawingml/2011/main" val="1"/>
             </a:ext>
           </a:extLst>
         </p:spPr>
@@ -17890,7 +20509,7 @@
           </a:ln>
           <a:extLst>
             <a:ext uri="{C572A759-6A51-4108-AA02-DFA0A04FC94B}">
-              <ma14:wrappingTextBoxFlag xmlns:ma14="http://schemas.microsoft.com/office/mac/drawingml/2011/main" xmlns="" val="1"/>
+              <ma14:wrappingTextBoxFlag xmlns="" xmlns:ma14="http://schemas.microsoft.com/office/mac/drawingml/2011/main" val="1"/>
             </a:ext>
           </a:extLst>
         </p:spPr>
@@ -18235,7 +20854,7 @@
           </a:ln>
           <a:extLst>
             <a:ext uri="{C572A759-6A51-4108-AA02-DFA0A04FC94B}">
-              <ma14:wrappingTextBoxFlag xmlns:ma14="http://schemas.microsoft.com/office/mac/drawingml/2011/main" xmlns="" val="1"/>
+              <ma14:wrappingTextBoxFlag xmlns="" xmlns:ma14="http://schemas.microsoft.com/office/mac/drawingml/2011/main" val="1"/>
             </a:ext>
           </a:extLst>
         </p:spPr>
@@ -18279,7 +20898,7 @@
           </a:ln>
           <a:extLst>
             <a:ext uri="{C572A759-6A51-4108-AA02-DFA0A04FC94B}">
-              <ma14:wrappingTextBoxFlag xmlns:ma14="http://schemas.microsoft.com/office/mac/drawingml/2011/main" xmlns="" val="1"/>
+              <ma14:wrappingTextBoxFlag xmlns="" xmlns:ma14="http://schemas.microsoft.com/office/mac/drawingml/2011/main" val="1"/>
             </a:ext>
           </a:extLst>
         </p:spPr>
@@ -18354,7 +20973,7 @@
           </a:ln>
           <a:extLst>
             <a:ext uri="{C572A759-6A51-4108-AA02-DFA0A04FC94B}">
-              <ma14:wrappingTextBoxFlag xmlns:ma14="http://schemas.microsoft.com/office/mac/drawingml/2011/main" xmlns="" val="1"/>
+              <ma14:wrappingTextBoxFlag xmlns="" xmlns:ma14="http://schemas.microsoft.com/office/mac/drawingml/2011/main" val="1"/>
             </a:ext>
           </a:extLst>
         </p:spPr>
@@ -18703,7 +21322,7 @@
           </a:ln>
           <a:extLst>
             <a:ext uri="{C572A759-6A51-4108-AA02-DFA0A04FC94B}">
-              <ma14:wrappingTextBoxFlag xmlns:ma14="http://schemas.microsoft.com/office/mac/drawingml/2011/main" xmlns="" val="1"/>
+              <ma14:wrappingTextBoxFlag xmlns="" xmlns:ma14="http://schemas.microsoft.com/office/mac/drawingml/2011/main" val="1"/>
             </a:ext>
           </a:extLst>
         </p:spPr>
@@ -18747,7 +21366,7 @@
           </a:ln>
           <a:extLst>
             <a:ext uri="{C572A759-6A51-4108-AA02-DFA0A04FC94B}">
-              <ma14:wrappingTextBoxFlag xmlns:ma14="http://schemas.microsoft.com/office/mac/drawingml/2011/main" xmlns="" val="1"/>
+              <ma14:wrappingTextBoxFlag xmlns="" xmlns:ma14="http://schemas.microsoft.com/office/mac/drawingml/2011/main" val="1"/>
             </a:ext>
           </a:extLst>
         </p:spPr>
@@ -18822,7 +21441,7 @@
           </a:ln>
           <a:extLst>
             <a:ext uri="{C572A759-6A51-4108-AA02-DFA0A04FC94B}">
-              <ma14:wrappingTextBoxFlag xmlns:ma14="http://schemas.microsoft.com/office/mac/drawingml/2011/main" xmlns="" val="1"/>
+              <ma14:wrappingTextBoxFlag xmlns="" xmlns:ma14="http://schemas.microsoft.com/office/mac/drawingml/2011/main" val="1"/>
             </a:ext>
           </a:extLst>
         </p:spPr>

--- a/papers/AASSppt/AASS.pptx
+++ b/papers/AASSppt/AASS.pptx
@@ -20,15 +20,15 @@
     <p:sldId id="291" r:id="rId11"/>
     <p:sldId id="262" r:id="rId12"/>
     <p:sldId id="263" r:id="rId13"/>
-    <p:sldId id="264" r:id="rId14"/>
-    <p:sldId id="265" r:id="rId15"/>
-    <p:sldId id="266" r:id="rId16"/>
-    <p:sldId id="268" r:id="rId17"/>
-    <p:sldId id="269" r:id="rId18"/>
-    <p:sldId id="270" r:id="rId19"/>
-    <p:sldId id="271" r:id="rId20"/>
-    <p:sldId id="272" r:id="rId21"/>
-    <p:sldId id="273" r:id="rId22"/>
+    <p:sldId id="265" r:id="rId14"/>
+    <p:sldId id="266" r:id="rId15"/>
+    <p:sldId id="268" r:id="rId16"/>
+    <p:sldId id="269" r:id="rId17"/>
+    <p:sldId id="270" r:id="rId18"/>
+    <p:sldId id="271" r:id="rId19"/>
+    <p:sldId id="272" r:id="rId20"/>
+    <p:sldId id="273" r:id="rId21"/>
+    <p:sldId id="297" r:id="rId22"/>
     <p:sldId id="274" r:id="rId23"/>
     <p:sldId id="275" r:id="rId24"/>
     <p:sldId id="276" r:id="rId25"/>
@@ -541,6 +541,10 @@
           </p:nvPr>
         </p:nvSpPr>
         <p:spPr>
+          <a:xfrm>
+            <a:off x="381000" y="685800"/>
+            <a:ext cx="6096000" cy="3429000"/>
+          </a:xfrm>
           <a:prstGeom prst="rect">
             <a:avLst/>
           </a:prstGeom>
@@ -585,6 +589,81 @@
 </file>
 
 <file path=ppt/notesSlides/notesSlide10.xml><?xml version="1.0" encoding="utf-8"?>
+<p:notes xmlns:a="http://schemas.openxmlformats.org/drawingml/2006/main" xmlns:r="http://schemas.openxmlformats.org/officeDocument/2006/relationships" xmlns:p="http://schemas.openxmlformats.org/presentationml/2006/main">
+  <p:cSld>
+    <p:spTree>
+      <p:nvGrpSpPr>
+        <p:cNvPr id="1" name=""/>
+        <p:cNvGrpSpPr/>
+        <p:nvPr/>
+      </p:nvGrpSpPr>
+      <p:grpSpPr>
+        <a:xfrm>
+          <a:off x="0" y="0"/>
+          <a:ext cx="0" cy="0"/>
+          <a:chOff x="0" y="0"/>
+          <a:chExt cx="0" cy="0"/>
+        </a:xfrm>
+      </p:grpSpPr>
+      <p:sp>
+        <p:nvSpPr>
+          <p:cNvPr id="368" name="Shape 368"/>
+          <p:cNvSpPr>
+            <a:spLocks noGrp="1" noRot="1" noChangeAspect="1"/>
+          </p:cNvSpPr>
+          <p:nvPr>
+            <p:ph type="sldImg"/>
+          </p:nvPr>
+        </p:nvSpPr>
+        <p:spPr>
+          <a:xfrm>
+            <a:off x="381000" y="685800"/>
+            <a:ext cx="6096000" cy="3429000"/>
+          </a:xfrm>
+          <a:prstGeom prst="rect">
+            <a:avLst/>
+          </a:prstGeom>
+        </p:spPr>
+        <p:txBody>
+          <a:bodyPr/>
+          <a:lstStyle/>
+          <a:p>
+            <a:endParaRPr/>
+          </a:p>
+        </p:txBody>
+      </p:sp>
+      <p:sp>
+        <p:nvSpPr>
+          <p:cNvPr id="369" name="Shape 369"/>
+          <p:cNvSpPr>
+            <a:spLocks noGrp="1"/>
+          </p:cNvSpPr>
+          <p:nvPr>
+            <p:ph type="body" sz="quarter" idx="1"/>
+          </p:nvPr>
+        </p:nvSpPr>
+        <p:spPr>
+          <a:prstGeom prst="rect">
+            <a:avLst/>
+          </a:prstGeom>
+        </p:spPr>
+        <p:txBody>
+          <a:bodyPr/>
+          <a:lstStyle/>
+          <a:p>
+            <a:endParaRPr dirty="0"/>
+          </a:p>
+        </p:txBody>
+      </p:sp>
+    </p:spTree>
+  </p:cSld>
+  <p:clrMapOvr>
+    <a:masterClrMapping/>
+  </p:clrMapOvr>
+</p:notes>
+</file>
+
+<file path=ppt/notesSlides/notesSlide11.xml><?xml version="1.0" encoding="utf-8"?>
 <p:notes xmlns:a="http://schemas.openxmlformats.org/drawingml/2006/main" xmlns:r="http://schemas.openxmlformats.org/officeDocument/2006/relationships" xmlns:p="http://schemas.openxmlformats.org/presentationml/2006/main">
   <p:cSld>
     <p:spTree>
@@ -903,6 +982,10 @@
           </p:nvPr>
         </p:nvSpPr>
         <p:spPr>
+          <a:xfrm>
+            <a:off x="381000" y="685800"/>
+            <a:ext cx="6096000" cy="3429000"/>
+          </a:xfrm>
           <a:prstGeom prst="rect">
             <a:avLst/>
           </a:prstGeom>
@@ -1230,6 +1313,10 @@
           </p:nvPr>
         </p:nvSpPr>
         <p:spPr>
+          <a:xfrm>
+            <a:off x="381000" y="685800"/>
+            <a:ext cx="6096000" cy="3429000"/>
+          </a:xfrm>
           <a:prstGeom prst="rect">
             <a:avLst/>
           </a:prstGeom>
@@ -1292,7 +1379,7 @@
       </p:grpSpPr>
       <p:sp>
         <p:nvSpPr>
-          <p:cNvPr id="348" name="Shape 348"/>
+          <p:cNvPr id="340" name="Shape 340"/>
           <p:cNvSpPr>
             <a:spLocks noGrp="1" noRot="1" noChangeAspect="1"/>
           </p:cNvSpPr>
@@ -1301,6 +1388,10 @@
           </p:nvPr>
         </p:nvSpPr>
         <p:spPr>
+          <a:xfrm>
+            <a:off x="381000" y="685800"/>
+            <a:ext cx="6096000" cy="3429000"/>
+          </a:xfrm>
           <a:prstGeom prst="rect">
             <a:avLst/>
           </a:prstGeom>
@@ -1315,7 +1406,7 @@
       </p:sp>
       <p:sp>
         <p:nvSpPr>
-          <p:cNvPr id="349" name="Shape 349"/>
+          <p:cNvPr id="341" name="Shape 341"/>
           <p:cNvSpPr>
             <a:spLocks noGrp="1"/>
           </p:cNvSpPr>
@@ -1337,6 +1428,11 @@
         </p:txBody>
       </p:sp>
     </p:spTree>
+    <p:extLst>
+      <p:ext uri="{BB962C8B-B14F-4D97-AF65-F5344CB8AC3E}">
+        <p14:creationId xmlns:p14="http://schemas.microsoft.com/office/powerpoint/2010/main" val="1871717049"/>
+      </p:ext>
+    </p:extLst>
   </p:cSld>
   <p:clrMapOvr>
     <a:masterClrMapping/>
@@ -1363,7 +1459,7 @@
       </p:grpSpPr>
       <p:sp>
         <p:nvSpPr>
-          <p:cNvPr id="368" name="Shape 368"/>
+          <p:cNvPr id="348" name="Shape 348"/>
           <p:cNvSpPr>
             <a:spLocks noGrp="1" noRot="1" noChangeAspect="1"/>
           </p:cNvSpPr>
@@ -1390,7 +1486,7 @@
       </p:sp>
       <p:sp>
         <p:nvSpPr>
-          <p:cNvPr id="369" name="Shape 369"/>
+          <p:cNvPr id="349" name="Shape 349"/>
           <p:cNvSpPr>
             <a:spLocks noGrp="1"/>
           </p:cNvSpPr>
@@ -3578,7 +3674,7 @@
           </a:ln>
           <a:extLst>
             <a:ext uri="{C572A759-6A51-4108-AA02-DFA0A04FC94B}">
-              <ma14:wrappingTextBoxFlag xmlns="" xmlns:ma14="http://schemas.microsoft.com/office/mac/drawingml/2011/main" val="1"/>
+              <ma14:wrappingTextBoxFlag xmlns:ma14="http://schemas.microsoft.com/office/mac/drawingml/2011/main" xmlns="" val="1"/>
             </a:ext>
           </a:extLst>
         </p:spPr>
@@ -3617,7 +3713,7 @@
           </a:ln>
           <a:extLst>
             <a:ext uri="{C572A759-6A51-4108-AA02-DFA0A04FC94B}">
-              <ma14:wrappingTextBoxFlag xmlns="" xmlns:ma14="http://schemas.microsoft.com/office/mac/drawingml/2011/main" val="1"/>
+              <ma14:wrappingTextBoxFlag xmlns:ma14="http://schemas.microsoft.com/office/mac/drawingml/2011/main" xmlns="" val="1"/>
             </a:ext>
           </a:extLst>
         </p:spPr>
@@ -4553,7 +4649,7 @@
           </a:ln>
           <a:extLst>
             <a:ext uri="{C572A759-6A51-4108-AA02-DFA0A04FC94B}">
-              <ma14:wrappingTextBoxFlag xmlns="" xmlns:ma14="http://schemas.microsoft.com/office/mac/drawingml/2011/main" val="1"/>
+              <ma14:wrappingTextBoxFlag xmlns:ma14="http://schemas.microsoft.com/office/mac/drawingml/2011/main" xmlns="" val="1"/>
             </a:ext>
           </a:extLst>
         </p:spPr>
@@ -4663,7 +4759,7 @@
           </a:ln>
           <a:extLst>
             <a:ext uri="{C572A759-6A51-4108-AA02-DFA0A04FC94B}">
-              <ma14:wrappingTextBoxFlag xmlns="" xmlns:ma14="http://schemas.microsoft.com/office/mac/drawingml/2011/main" val="1"/>
+              <ma14:wrappingTextBoxFlag xmlns:ma14="http://schemas.microsoft.com/office/mac/drawingml/2011/main" xmlns="" val="1"/>
             </a:ext>
           </a:extLst>
         </p:spPr>
@@ -4697,6 +4793,13 @@
     <a:masterClrMapping/>
   </p:clrMapOvr>
   <p:transition spd="med"/>
+  <p:timing>
+    <p:tnLst>
+      <p:par>
+        <p:cTn id="1" dur="indefinite" restart="never" nodeType="tmRoot"/>
+      </p:par>
+    </p:tnLst>
+  </p:timing>
 </p:sld>
 </file>
 
@@ -4768,7 +4871,7 @@
           </a:ln>
           <a:extLst>
             <a:ext uri="{C572A759-6A51-4108-AA02-DFA0A04FC94B}">
-              <ma14:wrappingTextBoxFlag xmlns="" xmlns:ma14="http://schemas.microsoft.com/office/mac/drawingml/2011/main" val="1"/>
+              <ma14:wrappingTextBoxFlag xmlns:ma14="http://schemas.microsoft.com/office/mac/drawingml/2011/main" xmlns="" val="1"/>
             </a:ext>
           </a:extLst>
         </p:spPr>
@@ -4812,7 +4915,7 @@
           </a:ln>
           <a:extLst>
             <a:ext uri="{C572A759-6A51-4108-AA02-DFA0A04FC94B}">
-              <ma14:wrappingTextBoxFlag xmlns="" xmlns:ma14="http://schemas.microsoft.com/office/mac/drawingml/2011/main" val="1"/>
+              <ma14:wrappingTextBoxFlag xmlns:ma14="http://schemas.microsoft.com/office/mac/drawingml/2011/main" xmlns="" val="1"/>
             </a:ext>
           </a:extLst>
         </p:spPr>
@@ -4887,7 +4990,7 @@
           </a:ln>
           <a:extLst>
             <a:ext uri="{C572A759-6A51-4108-AA02-DFA0A04FC94B}">
-              <ma14:wrappingTextBoxFlag xmlns="" xmlns:ma14="http://schemas.microsoft.com/office/mac/drawingml/2011/main" val="1"/>
+              <ma14:wrappingTextBoxFlag xmlns:ma14="http://schemas.microsoft.com/office/mac/drawingml/2011/main" xmlns="" val="1"/>
             </a:ext>
           </a:extLst>
         </p:spPr>
@@ -5197,7 +5300,7 @@
           </a:ln>
           <a:extLst>
             <a:ext uri="{C572A759-6A51-4108-AA02-DFA0A04FC94B}">
-              <ma14:wrappingTextBoxFlag xmlns="" xmlns:ma14="http://schemas.microsoft.com/office/mac/drawingml/2011/main" val="1"/>
+              <ma14:wrappingTextBoxFlag xmlns:ma14="http://schemas.microsoft.com/office/mac/drawingml/2011/main" xmlns="" val="1"/>
             </a:ext>
           </a:extLst>
         </p:spPr>
@@ -5241,7 +5344,7 @@
           </a:ln>
           <a:extLst>
             <a:ext uri="{C572A759-6A51-4108-AA02-DFA0A04FC94B}">
-              <ma14:wrappingTextBoxFlag xmlns="" xmlns:ma14="http://schemas.microsoft.com/office/mac/drawingml/2011/main" val="1"/>
+              <ma14:wrappingTextBoxFlag xmlns:ma14="http://schemas.microsoft.com/office/mac/drawingml/2011/main" xmlns="" val="1"/>
             </a:ext>
           </a:extLst>
         </p:spPr>
@@ -5316,7 +5419,7 @@
           </a:ln>
           <a:extLst>
             <a:ext uri="{C572A759-6A51-4108-AA02-DFA0A04FC94B}">
-              <ma14:wrappingTextBoxFlag xmlns="" xmlns:ma14="http://schemas.microsoft.com/office/mac/drawingml/2011/main" val="1"/>
+              <ma14:wrappingTextBoxFlag xmlns:ma14="http://schemas.microsoft.com/office/mac/drawingml/2011/main" xmlns="" val="1"/>
             </a:ext>
           </a:extLst>
         </p:spPr>
@@ -5856,7 +5959,7 @@
           </a:ln>
           <a:extLst>
             <a:ext uri="{C572A759-6A51-4108-AA02-DFA0A04FC94B}">
-              <ma14:wrappingTextBoxFlag xmlns="" xmlns:ma14="http://schemas.microsoft.com/office/mac/drawingml/2011/main" val="1"/>
+              <ma14:wrappingTextBoxFlag xmlns:ma14="http://schemas.microsoft.com/office/mac/drawingml/2011/main" xmlns="" val="1"/>
             </a:ext>
           </a:extLst>
         </p:spPr>
@@ -5900,7 +6003,7 @@
           </a:ln>
           <a:extLst>
             <a:ext uri="{C572A759-6A51-4108-AA02-DFA0A04FC94B}">
-              <ma14:wrappingTextBoxFlag xmlns="" xmlns:ma14="http://schemas.microsoft.com/office/mac/drawingml/2011/main" val="1"/>
+              <ma14:wrappingTextBoxFlag xmlns:ma14="http://schemas.microsoft.com/office/mac/drawingml/2011/main" xmlns="" val="1"/>
             </a:ext>
           </a:extLst>
         </p:spPr>
@@ -6021,7 +6124,7 @@
           </a:ln>
           <a:extLst>
             <a:ext uri="{C572A759-6A51-4108-AA02-DFA0A04FC94B}">
-              <ma14:wrappingTextBoxFlag xmlns="" xmlns:ma14="http://schemas.microsoft.com/office/mac/drawingml/2011/main" val="1"/>
+              <ma14:wrappingTextBoxFlag xmlns:ma14="http://schemas.microsoft.com/office/mac/drawingml/2011/main" xmlns="" val="1"/>
             </a:ext>
           </a:extLst>
         </p:spPr>
@@ -6084,23 +6187,105 @@
       </p:grpSpPr>
       <p:sp>
         <p:nvSpPr>
-          <p:cNvPr id="206" name="Shape 189"/>
+          <p:cNvPr id="213" name="Shape 316"/>
           <p:cNvSpPr/>
           <p:nvPr/>
         </p:nvSpPr>
         <p:spPr>
           <a:xfrm>
-            <a:off x="425106" y="0"/>
-            <a:ext cx="1208014" cy="1041622"/>
+            <a:off x="0" y="0"/>
+            <a:ext cx="12192000" cy="6858000"/>
           </a:xfrm>
           <a:prstGeom prst="rect">
             <a:avLst/>
           </a:prstGeom>
           <a:solidFill>
-            <a:srgbClr val="219DC9"/>
+            <a:srgbClr val="002A7E"/>
           </a:solidFill>
           <a:ln w="12700">
             <a:miter lim="400000"/>
+          </a:ln>
+        </p:spPr>
+        <p:txBody>
+          <a:bodyPr lIns="45718" tIns="45718" rIns="45718" bIns="45718" anchor="ctr"/>
+          <a:lstStyle/>
+          <a:p>
+            <a:pPr algn="ctr">
+              <a:defRPr sz="1800" b="0">
+                <a:solidFill>
+                  <a:srgbClr val="31CDA8"/>
+                </a:solidFill>
+              </a:defRPr>
+            </a:pPr>
+            <a:endParaRPr/>
+          </a:p>
+        </p:txBody>
+      </p:sp>
+      <p:sp>
+        <p:nvSpPr>
+          <p:cNvPr id="214" name="Shape 317"/>
+          <p:cNvSpPr txBox="1"/>
+          <p:nvPr/>
+        </p:nvSpPr>
+        <p:spPr>
+          <a:xfrm>
+            <a:off x="3452330" y="2967337"/>
+            <a:ext cx="5287340" cy="923326"/>
+          </a:xfrm>
+          <a:prstGeom prst="rect">
+            <a:avLst/>
+          </a:prstGeom>
+          <a:ln w="12700">
+            <a:miter lim="400000"/>
+          </a:ln>
+          <a:extLst>
+            <a:ext uri="{C572A759-6A51-4108-AA02-DFA0A04FC94B}">
+              <ma14:wrappingTextBoxFlag xmlns:ma14="http://schemas.microsoft.com/office/mac/drawingml/2011/main" xmlns="" val="1"/>
+            </a:ext>
+          </a:extLst>
+        </p:spPr>
+        <p:txBody>
+          <a:bodyPr wrap="square" lIns="45718" tIns="45718" rIns="45718" bIns="45718">
+            <a:spAutoFit/>
+          </a:bodyPr>
+          <a:lstStyle>
+            <a:lvl1pPr>
+              <a:defRPr sz="5400">
+                <a:latin typeface="方正超粗黑_GBK"/>
+                <a:ea typeface="方正超粗黑_GBK"/>
+                <a:cs typeface="方正超粗黑_GBK"/>
+                <a:sym typeface="方正超粗黑_GBK"/>
+              </a:defRPr>
+            </a:lvl1pPr>
+          </a:lstStyle>
+          <a:p>
+            <a:r>
+              <a:rPr lang="en-US" altLang="zh-CN" dirty="0" smtClean="0"/>
+              <a:t>Centroid of CFG</a:t>
+            </a:r>
+            <a:endParaRPr dirty="0"/>
+          </a:p>
+        </p:txBody>
+      </p:sp>
+      <p:sp>
+        <p:nvSpPr>
+          <p:cNvPr id="215" name="Shape 318"/>
+          <p:cNvSpPr/>
+          <p:nvPr/>
+        </p:nvSpPr>
+        <p:spPr>
+          <a:xfrm>
+            <a:off x="3452330" y="2857500"/>
+            <a:ext cx="5287340" cy="1143000"/>
+          </a:xfrm>
+          <a:prstGeom prst="rect">
+            <a:avLst/>
+          </a:prstGeom>
+          <a:ln w="12700">
+            <a:solidFill>
+              <a:srgbClr val="FFFFFF"/>
+            </a:solidFill>
+            <a:miter/>
           </a:ln>
         </p:spPr>
         <p:txBody>
@@ -6111,314 +6296,6 @@
               <a:defRPr sz="1800" b="0"/>
             </a:pPr>
             <a:endParaRPr/>
-          </a:p>
-        </p:txBody>
-      </p:sp>
-      <p:sp>
-        <p:nvSpPr>
-          <p:cNvPr id="207" name="Shape 190"/>
-          <p:cNvSpPr txBox="1"/>
-          <p:nvPr/>
-        </p:nvSpPr>
-        <p:spPr>
-          <a:xfrm>
-            <a:off x="811954" y="202040"/>
-            <a:ext cx="434315" cy="637539"/>
-          </a:xfrm>
-          <a:prstGeom prst="rect">
-            <a:avLst/>
-          </a:prstGeom>
-          <a:ln w="12700">
-            <a:miter lim="400000"/>
-          </a:ln>
-          <a:extLst>
-            <a:ext uri="{C572A759-6A51-4108-AA02-DFA0A04FC94B}">
-              <ma14:wrappingTextBoxFlag xmlns="" xmlns:ma14="http://schemas.microsoft.com/office/mac/drawingml/2011/main" val="1"/>
-            </a:ext>
-          </a:extLst>
-        </p:spPr>
-        <p:txBody>
-          <a:bodyPr wrap="none" lIns="45718" tIns="45718" rIns="45718" bIns="45718">
-            <a:spAutoFit/>
-          </a:bodyPr>
-          <a:lstStyle>
-            <a:lvl1pPr>
-              <a:defRPr sz="3600">
-                <a:latin typeface="方正大黑_GBK"/>
-                <a:ea typeface="方正大黑_GBK"/>
-                <a:cs typeface="方正大黑_GBK"/>
-                <a:sym typeface="方正大黑_GBK"/>
-              </a:defRPr>
-            </a:lvl1pPr>
-          </a:lstStyle>
-          <a:p>
-            <a:r>
-              <a:t>A</a:t>
-            </a:r>
-          </a:p>
-        </p:txBody>
-      </p:sp>
-      <p:sp>
-        <p:nvSpPr>
-          <p:cNvPr id="208" name="Shape 191"/>
-          <p:cNvSpPr txBox="1"/>
-          <p:nvPr/>
-        </p:nvSpPr>
-        <p:spPr>
-          <a:xfrm>
-            <a:off x="1633120" y="641512"/>
-            <a:ext cx="1233744" cy="396239"/>
-          </a:xfrm>
-          <a:prstGeom prst="rect">
-            <a:avLst/>
-          </a:prstGeom>
-          <a:ln w="12700">
-            <a:miter lim="400000"/>
-          </a:ln>
-          <a:extLst>
-            <a:ext uri="{C572A759-6A51-4108-AA02-DFA0A04FC94B}">
-              <ma14:wrappingTextBoxFlag xmlns="" xmlns:ma14="http://schemas.microsoft.com/office/mac/drawingml/2011/main" val="1"/>
-            </a:ext>
-          </a:extLst>
-        </p:spPr>
-        <p:txBody>
-          <a:bodyPr wrap="none" lIns="45718" tIns="45718" rIns="45718" bIns="45718">
-            <a:spAutoFit/>
-          </a:bodyPr>
-          <a:lstStyle>
-            <a:lvl1pPr>
-              <a:defRPr>
-                <a:solidFill>
-                  <a:srgbClr val="219DC9"/>
-                </a:solidFill>
-                <a:latin typeface="微软雅黑"/>
-                <a:ea typeface="微软雅黑"/>
-                <a:cs typeface="微软雅黑"/>
-                <a:sym typeface="微软雅黑"/>
-              </a:defRPr>
-            </a:lvl1pPr>
-          </a:lstStyle>
-          <a:p>
-            <a:r>
-              <a:t>Overview</a:t>
-            </a:r>
-          </a:p>
-        </p:txBody>
-      </p:sp>
-      <p:sp>
-        <p:nvSpPr>
-          <p:cNvPr id="209" name="Text"/>
-          <p:cNvSpPr txBox="1"/>
-          <p:nvPr/>
-        </p:nvSpPr>
-        <p:spPr>
-          <a:xfrm>
-            <a:off x="5786830" y="3236499"/>
-            <a:ext cx="618340" cy="383539"/>
-          </a:xfrm>
-          <a:prstGeom prst="rect">
-            <a:avLst/>
-          </a:prstGeom>
-          <a:ln w="12700">
-            <a:miter lim="400000"/>
-          </a:ln>
-        </p:spPr>
-        <p:txBody>
-          <a:bodyPr wrap="none" lIns="45718" tIns="45718" rIns="45718" bIns="45718">
-            <a:spAutoFit/>
-          </a:bodyPr>
-          <a:lstStyle/>
-          <a:p>
-            <a:endParaRPr/>
-          </a:p>
-        </p:txBody>
-      </p:sp>
-      <p:sp>
-        <p:nvSpPr>
-          <p:cNvPr id="210" name="Text"/>
-          <p:cNvSpPr txBox="1"/>
-          <p:nvPr/>
-        </p:nvSpPr>
-        <p:spPr>
-          <a:xfrm>
-            <a:off x="-786591" y="4135530"/>
-            <a:ext cx="641408" cy="459739"/>
-          </a:xfrm>
-          <a:prstGeom prst="rect">
-            <a:avLst/>
-          </a:prstGeom>
-          <a:ln w="12700">
-            <a:miter lim="400000"/>
-          </a:ln>
-        </p:spPr>
-        <p:txBody>
-          <a:bodyPr wrap="none" lIns="45718" tIns="45718" rIns="45718" bIns="45718">
-            <a:spAutoFit/>
-          </a:bodyPr>
-          <a:lstStyle/>
-          <a:p>
-            <a:pPr algn="l" defTabSz="457200">
-              <a:lnSpc>
-                <a:spcPts val="4200"/>
-              </a:lnSpc>
-              <a:spcBef>
-                <a:spcPts val="1200"/>
-              </a:spcBef>
-              <a:defRPr sz="2400" b="0">
-                <a:solidFill>
-                  <a:srgbClr val="000000"/>
-                </a:solidFill>
-                <a:latin typeface="+mj-lt"/>
-                <a:ea typeface="+mj-ea"/>
-                <a:cs typeface="+mj-cs"/>
-                <a:sym typeface="Calibri Light"/>
-              </a:defRPr>
-            </a:pPr>
-            <a:endParaRPr/>
-          </a:p>
-        </p:txBody>
-      </p:sp>
-      <p:sp>
-        <p:nvSpPr>
-          <p:cNvPr id="211" name="Unique Characteristics of App Clones:…"/>
-          <p:cNvSpPr txBox="1"/>
-          <p:nvPr/>
-        </p:nvSpPr>
-        <p:spPr>
-          <a:xfrm>
-            <a:off x="1965882" y="1585719"/>
-            <a:ext cx="7667029" cy="2542539"/>
-          </a:xfrm>
-          <a:prstGeom prst="rect">
-            <a:avLst/>
-          </a:prstGeom>
-          <a:ln w="12700">
-            <a:miter lim="400000"/>
-          </a:ln>
-          <a:extLst>
-            <a:ext uri="{C572A759-6A51-4108-AA02-DFA0A04FC94B}">
-              <ma14:wrappingTextBoxFlag xmlns="" xmlns:ma14="http://schemas.microsoft.com/office/mac/drawingml/2011/main" val="1"/>
-            </a:ext>
-          </a:extLst>
-        </p:spPr>
-        <p:txBody>
-          <a:bodyPr wrap="none" lIns="45718" tIns="45718" rIns="45718" bIns="45718">
-            <a:spAutoFit/>
-          </a:bodyPr>
-          <a:lstStyle/>
-          <a:p>
-            <a:pPr algn="l" defTabSz="457200">
-              <a:lnSpc>
-                <a:spcPts val="4600"/>
-              </a:lnSpc>
-              <a:spcBef>
-                <a:spcPts val="1200"/>
-              </a:spcBef>
-              <a:defRPr sz="2400" b="0">
-                <a:solidFill>
-                  <a:srgbClr val="000000"/>
-                </a:solidFill>
-                <a:latin typeface="+mj-lt"/>
-                <a:ea typeface="+mj-ea"/>
-                <a:cs typeface="+mj-cs"/>
-                <a:sym typeface="Calibri Light"/>
-              </a:defRPr>
-            </a:pPr>
-            <a:r>
-              <a:t>Unique Characteristics of App Clones:</a:t>
-            </a:r>
-          </a:p>
-          <a:p>
-            <a:pPr algn="l" defTabSz="457200">
-              <a:lnSpc>
-                <a:spcPts val="4600"/>
-              </a:lnSpc>
-              <a:spcBef>
-                <a:spcPts val="1200"/>
-              </a:spcBef>
-              <a:defRPr sz="2400" b="0">
-                <a:solidFill>
-                  <a:srgbClr val="000000"/>
-                </a:solidFill>
-                <a:latin typeface="+mj-lt"/>
-                <a:ea typeface="+mj-ea"/>
-                <a:cs typeface="+mj-cs"/>
-                <a:sym typeface="Calibri Light"/>
-              </a:defRPr>
-            </a:pPr>
-            <a:endParaRPr/>
-          </a:p>
-          <a:p>
-            <a:pPr marL="320842" indent="-320842" algn="l" defTabSz="457200">
-              <a:lnSpc>
-                <a:spcPts val="4600"/>
-              </a:lnSpc>
-              <a:spcBef>
-                <a:spcPts val="1200"/>
-              </a:spcBef>
-              <a:buSzPct val="100000"/>
-              <a:buAutoNum type="arabicPeriod"/>
-              <a:defRPr sz="2400" b="0">
-                <a:solidFill>
-                  <a:srgbClr val="000000"/>
-                </a:solidFill>
-                <a:latin typeface="+mj-lt"/>
-                <a:ea typeface="+mj-ea"/>
-                <a:cs typeface="+mj-cs"/>
-                <a:sym typeface="Calibri Light"/>
-              </a:defRPr>
-            </a:pPr>
-            <a:r>
-              <a:t>A billion opcode problem</a:t>
-            </a:r>
-          </a:p>
-          <a:p>
-            <a:pPr marL="320842" indent="-320842" algn="l" defTabSz="457200">
-              <a:lnSpc>
-                <a:spcPts val="4600"/>
-              </a:lnSpc>
-              <a:spcBef>
-                <a:spcPts val="1200"/>
-              </a:spcBef>
-              <a:buSzPct val="100000"/>
-              <a:buAutoNum type="arabicPeriod"/>
-              <a:defRPr sz="2400" b="0">
-                <a:solidFill>
-                  <a:srgbClr val="000000"/>
-                </a:solidFill>
-                <a:latin typeface="+mj-lt"/>
-                <a:ea typeface="+mj-ea"/>
-                <a:cs typeface="+mj-cs"/>
-                <a:sym typeface="Calibri Light"/>
-              </a:defRPr>
-            </a:pPr>
-            <a:r>
-              <a:t>Gap between code fragment clones and app clones</a:t>
-            </a:r>
-          </a:p>
-          <a:p>
-            <a:pPr marL="320842" indent="-320842" algn="l" defTabSz="457200">
-              <a:lnSpc>
-                <a:spcPts val="4600"/>
-              </a:lnSpc>
-              <a:spcBef>
-                <a:spcPts val="1200"/>
-              </a:spcBef>
-              <a:buSzPct val="100000"/>
-              <a:buAutoNum type="arabicPeriod"/>
-              <a:defRPr sz="2400" b="0">
-                <a:solidFill>
-                  <a:srgbClr val="000000"/>
-                </a:solidFill>
-                <a:latin typeface="+mj-lt"/>
-                <a:ea typeface="+mj-ea"/>
-                <a:cs typeface="+mj-cs"/>
-                <a:sym typeface="Calibri Light"/>
-              </a:defRPr>
-            </a:pPr>
-            <a:r>
-              <a:t>Type 2 and type 3 are prevalent on Android  markets </a:t>
-            </a:r>
           </a:p>
         </p:txBody>
       </p:sp>
@@ -6457,14 +6334,14 @@
       </p:grpSpPr>
       <p:sp>
         <p:nvSpPr>
-          <p:cNvPr id="213" name="Shape 316"/>
+          <p:cNvPr id="217" name="Shape 380"/>
           <p:cNvSpPr/>
           <p:nvPr/>
         </p:nvSpPr>
         <p:spPr>
           <a:xfrm>
-            <a:off x="0" y="0"/>
-            <a:ext cx="12192000" cy="6858000"/>
+            <a:off x="419100" y="0"/>
+            <a:ext cx="1208013" cy="1041622"/>
           </a:xfrm>
           <a:prstGeom prst="rect">
             <a:avLst/>
@@ -6481,11 +6358,7 @@
           <a:lstStyle/>
           <a:p>
             <a:pPr algn="ctr">
-              <a:defRPr sz="1800" b="0">
-                <a:solidFill>
-                  <a:srgbClr val="31CDA8"/>
-                </a:solidFill>
-              </a:defRPr>
+              <a:defRPr sz="1800" b="0"/>
             </a:pPr>
             <a:endParaRPr/>
           </a:p>
@@ -6493,14 +6366,14 @@
       </p:sp>
       <p:sp>
         <p:nvSpPr>
-          <p:cNvPr id="214" name="Shape 317"/>
+          <p:cNvPr id="218" name="Shape 381"/>
           <p:cNvSpPr txBox="1"/>
           <p:nvPr/>
         </p:nvSpPr>
         <p:spPr>
           <a:xfrm>
-            <a:off x="4644786" y="2970530"/>
-            <a:ext cx="2902428" cy="916939"/>
+            <a:off x="805949" y="202040"/>
+            <a:ext cx="434314" cy="637539"/>
           </a:xfrm>
           <a:prstGeom prst="rect">
             <a:avLst/>
@@ -6510,60 +6383,181 @@
           </a:ln>
           <a:extLst>
             <a:ext uri="{C572A759-6A51-4108-AA02-DFA0A04FC94B}">
-              <ma14:wrappingTextBoxFlag xmlns="" xmlns:ma14="http://schemas.microsoft.com/office/mac/drawingml/2011/main" val="1"/>
+              <ma14:wrappingTextBoxFlag xmlns:ma14="http://schemas.microsoft.com/office/mac/drawingml/2011/main" xmlns="" val="1"/>
             </a:ext>
           </a:extLst>
         </p:spPr>
         <p:txBody>
-          <a:bodyPr wrap="square" lIns="45718" tIns="45718" rIns="45718" bIns="45718">
+          <a:bodyPr wrap="none" lIns="45718" tIns="45718" rIns="45718" bIns="45718">
             <a:spAutoFit/>
           </a:bodyPr>
           <a:lstStyle>
             <a:lvl1pPr>
-              <a:defRPr sz="5400">
-                <a:latin typeface="方正超粗黑_GBK"/>
-                <a:ea typeface="方正超粗黑_GBK"/>
-                <a:cs typeface="方正超粗黑_GBK"/>
-                <a:sym typeface="方正超粗黑_GBK"/>
+              <a:defRPr sz="3600">
+                <a:latin typeface="方正大黑_GBK"/>
+                <a:ea typeface="方正大黑_GBK"/>
+                <a:cs typeface="方正大黑_GBK"/>
+                <a:sym typeface="方正大黑_GBK"/>
               </a:defRPr>
             </a:lvl1pPr>
           </a:lstStyle>
           <a:p>
             <a:r>
-              <a:t>Approach</a:t>
-            </a:r>
-          </a:p>
-        </p:txBody>
-      </p:sp>
-      <p:sp>
-        <p:nvSpPr>
-          <p:cNvPr id="215" name="Shape 318"/>
-          <p:cNvSpPr/>
-          <p:nvPr/>
-        </p:nvSpPr>
-        <p:spPr>
-          <a:xfrm>
-            <a:off x="4388206" y="2857500"/>
-            <a:ext cx="3415588" cy="1143000"/>
+              <a:t>B</a:t>
+            </a:r>
+          </a:p>
+        </p:txBody>
+      </p:sp>
+      <p:sp>
+        <p:nvSpPr>
+          <p:cNvPr id="219" name="Shape 382"/>
+          <p:cNvSpPr txBox="1"/>
+          <p:nvPr/>
+        </p:nvSpPr>
+        <p:spPr>
+          <a:xfrm>
+            <a:off x="1627112" y="641517"/>
+            <a:ext cx="2147379" cy="400105"/>
           </a:xfrm>
           <a:prstGeom prst="rect">
             <a:avLst/>
           </a:prstGeom>
           <a:ln w="12700">
-            <a:solidFill>
-              <a:srgbClr val="FFFFFF"/>
-            </a:solidFill>
-            <a:miter/>
-          </a:ln>
-        </p:spPr>
-        <p:txBody>
-          <a:bodyPr lIns="45718" tIns="45718" rIns="45718" bIns="45718" anchor="ctr"/>
+            <a:miter lim="400000"/>
+          </a:ln>
+          <a:extLst>
+            <a:ext uri="{C572A759-6A51-4108-AA02-DFA0A04FC94B}">
+              <ma14:wrappingTextBoxFlag xmlns:ma14="http://schemas.microsoft.com/office/mac/drawingml/2011/main" xmlns="" val="1"/>
+            </a:ext>
+          </a:extLst>
+        </p:spPr>
+        <p:txBody>
+          <a:bodyPr wrap="none" lIns="45718" tIns="45718" rIns="45718" bIns="45718">
+            <a:spAutoFit/>
+          </a:bodyPr>
+          <a:lstStyle>
+            <a:lvl1pPr>
+              <a:defRPr>
+                <a:solidFill>
+                  <a:srgbClr val="002A7E"/>
+                </a:solidFill>
+                <a:latin typeface="微软雅黑"/>
+                <a:ea typeface="微软雅黑"/>
+                <a:cs typeface="微软雅黑"/>
+                <a:sym typeface="微软雅黑"/>
+              </a:defRPr>
+            </a:lvl1pPr>
+          </a:lstStyle>
+          <a:p>
+            <a:r>
+              <a:rPr lang="en-US" dirty="0" smtClean="0"/>
+              <a:t>Centroid of CFG</a:t>
+            </a:r>
+            <a:endParaRPr dirty="0"/>
+          </a:p>
+        </p:txBody>
+      </p:sp>
+      <p:sp>
+        <p:nvSpPr>
+          <p:cNvPr id="220" name="Step 1: Geometry-characteristic-based encoding of dependency graph.…"/>
+          <p:cNvSpPr txBox="1"/>
+          <p:nvPr/>
+        </p:nvSpPr>
+        <p:spPr>
+          <a:xfrm>
+            <a:off x="1968500" y="1587500"/>
+            <a:ext cx="8255000" cy="2059938"/>
+          </a:xfrm>
+          <a:prstGeom prst="rect">
+            <a:avLst/>
+          </a:prstGeom>
+          <a:ln w="12700">
+            <a:miter lim="400000"/>
+          </a:ln>
+          <a:extLst>
+            <a:ext uri="{C572A759-6A51-4108-AA02-DFA0A04FC94B}">
+              <ma14:wrappingTextBoxFlag xmlns:ma14="http://schemas.microsoft.com/office/mac/drawingml/2011/main" xmlns="" val="1"/>
+            </a:ext>
+          </a:extLst>
+        </p:spPr>
+        <p:txBody>
+          <a:bodyPr lIns="45718" tIns="45718" rIns="45718" bIns="45718">
+            <a:spAutoFit/>
+          </a:bodyPr>
           <a:lstStyle/>
           <a:p>
-            <a:pPr algn="ctr">
-              <a:defRPr sz="1800" b="0"/>
+            <a:pPr algn="l" defTabSz="457200">
+              <a:lnSpc>
+                <a:spcPts val="6200"/>
+              </a:lnSpc>
+              <a:spcBef>
+                <a:spcPts val="1200"/>
+              </a:spcBef>
+              <a:defRPr sz="2400" b="0">
+                <a:solidFill>
+                  <a:srgbClr val="46443C"/>
+                </a:solidFill>
+                <a:latin typeface="+mj-lt"/>
+                <a:ea typeface="+mj-ea"/>
+                <a:cs typeface="+mj-cs"/>
+                <a:sym typeface="Calibri Light"/>
+              </a:defRPr>
             </a:pPr>
-            <a:endParaRPr/>
+            <a:r>
+              <a:rPr dirty="0"/>
+              <a:t>Step 1: Geometry-characteristic-based encoding of dependency graph. </a:t>
+            </a:r>
+          </a:p>
+          <a:p>
+            <a:pPr algn="l" defTabSz="457200">
+              <a:lnSpc>
+                <a:spcPts val="6200"/>
+              </a:lnSpc>
+              <a:spcBef>
+                <a:spcPts val="1200"/>
+              </a:spcBef>
+              <a:defRPr sz="2400" b="0">
+                <a:solidFill>
+                  <a:srgbClr val="46443C"/>
+                </a:solidFill>
+                <a:latin typeface="+mj-lt"/>
+                <a:ea typeface="+mj-ea"/>
+                <a:cs typeface="+mj-cs"/>
+                <a:sym typeface="Calibri Light"/>
+              </a:defRPr>
+            </a:pPr>
+            <a:r>
+              <a:rPr dirty="0"/>
+              <a:t>Step 2: Localized global comparison. </a:t>
+            </a:r>
+            <a:endParaRPr dirty="0">
+              <a:solidFill>
+                <a:srgbClr val="000000"/>
+              </a:solidFill>
+            </a:endParaRPr>
+          </a:p>
+          <a:p>
+            <a:pPr algn="l" defTabSz="457200">
+              <a:lnSpc>
+                <a:spcPts val="6200"/>
+              </a:lnSpc>
+              <a:spcBef>
+                <a:spcPts val="1200"/>
+              </a:spcBef>
+              <a:defRPr sz="2400" b="0">
+                <a:solidFill>
+                  <a:srgbClr val="46443C"/>
+                </a:solidFill>
+                <a:latin typeface="+mj-lt"/>
+                <a:ea typeface="+mj-ea"/>
+                <a:cs typeface="+mj-cs"/>
+                <a:sym typeface="Calibri Light"/>
+              </a:defRPr>
+            </a:pPr>
+            <a:r>
+              <a:rPr dirty="0"/>
+              <a:t>Step 3: Core-functionality- based grouping. </a:t>
+            </a:r>
           </a:p>
         </p:txBody>
       </p:sp>
@@ -6573,6 +6567,13 @@
     <a:masterClrMapping/>
   </p:clrMapOvr>
   <p:transition spd="med"/>
+  <p:timing>
+    <p:tnLst>
+      <p:par>
+        <p:cTn id="1" dur="indefinite" restart="never" nodeType="tmRoot"/>
+      </p:par>
+    </p:tnLst>
+  </p:timing>
 </p:sld>
 </file>
 
@@ -6595,7 +6596,7 @@
       </p:grpSpPr>
       <p:sp>
         <p:nvSpPr>
-          <p:cNvPr id="217" name="Shape 380"/>
+          <p:cNvPr id="232" name="Shape 380"/>
           <p:cNvSpPr/>
           <p:nvPr/>
         </p:nvSpPr>
@@ -6627,7 +6628,7 @@
       </p:sp>
       <p:sp>
         <p:nvSpPr>
-          <p:cNvPr id="218" name="Shape 381"/>
+          <p:cNvPr id="233" name="Shape 381"/>
           <p:cNvSpPr txBox="1"/>
           <p:nvPr/>
         </p:nvSpPr>
@@ -6644,7 +6645,7 @@
           </a:ln>
           <a:extLst>
             <a:ext uri="{C572A759-6A51-4108-AA02-DFA0A04FC94B}">
-              <ma14:wrappingTextBoxFlag xmlns="" xmlns:ma14="http://schemas.microsoft.com/office/mac/drawingml/2011/main" val="1"/>
+              <ma14:wrappingTextBoxFlag xmlns:ma14="http://schemas.microsoft.com/office/mac/drawingml/2011/main" xmlns="" val="1"/>
             </a:ext>
           </a:extLst>
         </p:spPr>
@@ -6671,14 +6672,14 @@
       </p:sp>
       <p:sp>
         <p:nvSpPr>
-          <p:cNvPr id="219" name="Shape 382"/>
+          <p:cNvPr id="235" name="CFG is the control flow graph of a method."/>
           <p:cNvSpPr txBox="1"/>
           <p:nvPr/>
         </p:nvSpPr>
         <p:spPr>
           <a:xfrm>
-            <a:off x="1638300" y="647700"/>
-            <a:ext cx="1289555" cy="396238"/>
+            <a:off x="1968500" y="1587500"/>
+            <a:ext cx="8961842" cy="459738"/>
           </a:xfrm>
           <a:prstGeom prst="rect">
             <a:avLst/>
@@ -6688,311 +6689,7 @@
           </a:ln>
           <a:extLst>
             <a:ext uri="{C572A759-6A51-4108-AA02-DFA0A04FC94B}">
-              <ma14:wrappingTextBoxFlag xmlns="" xmlns:ma14="http://schemas.microsoft.com/office/mac/drawingml/2011/main" val="1"/>
-            </a:ext>
-          </a:extLst>
-        </p:spPr>
-        <p:txBody>
-          <a:bodyPr wrap="none" lIns="45718" tIns="45718" rIns="45718" bIns="45718">
-            <a:spAutoFit/>
-          </a:bodyPr>
-          <a:lstStyle>
-            <a:lvl1pPr>
-              <a:defRPr>
-                <a:solidFill>
-                  <a:srgbClr val="002A7E"/>
-                </a:solidFill>
-                <a:latin typeface="微软雅黑"/>
-                <a:ea typeface="微软雅黑"/>
-                <a:cs typeface="微软雅黑"/>
-                <a:sym typeface="微软雅黑"/>
-              </a:defRPr>
-            </a:lvl1pPr>
-          </a:lstStyle>
-          <a:p>
-            <a:r>
-              <a:t>Approach</a:t>
-            </a:r>
-          </a:p>
-        </p:txBody>
-      </p:sp>
-      <p:sp>
-        <p:nvSpPr>
-          <p:cNvPr id="220" name="Step 1: Geometry-characteristic-based encoding of dependency graph.…"/>
-          <p:cNvSpPr txBox="1"/>
-          <p:nvPr/>
-        </p:nvSpPr>
-        <p:spPr>
-          <a:xfrm>
-            <a:off x="1968500" y="1587500"/>
-            <a:ext cx="8255000" cy="2059938"/>
-          </a:xfrm>
-          <a:prstGeom prst="rect">
-            <a:avLst/>
-          </a:prstGeom>
-          <a:ln w="12700">
-            <a:miter lim="400000"/>
-          </a:ln>
-          <a:extLst>
-            <a:ext uri="{C572A759-6A51-4108-AA02-DFA0A04FC94B}">
-              <ma14:wrappingTextBoxFlag xmlns="" xmlns:ma14="http://schemas.microsoft.com/office/mac/drawingml/2011/main" val="1"/>
-            </a:ext>
-          </a:extLst>
-        </p:spPr>
-        <p:txBody>
-          <a:bodyPr lIns="45718" tIns="45718" rIns="45718" bIns="45718">
-            <a:spAutoFit/>
-          </a:bodyPr>
-          <a:lstStyle/>
-          <a:p>
-            <a:pPr algn="l" defTabSz="457200">
-              <a:lnSpc>
-                <a:spcPts val="6200"/>
-              </a:lnSpc>
-              <a:spcBef>
-                <a:spcPts val="1200"/>
-              </a:spcBef>
-              <a:defRPr sz="2400" b="0">
-                <a:solidFill>
-                  <a:srgbClr val="46443C"/>
-                </a:solidFill>
-                <a:latin typeface="+mj-lt"/>
-                <a:ea typeface="+mj-ea"/>
-                <a:cs typeface="+mj-cs"/>
-                <a:sym typeface="Calibri Light"/>
-              </a:defRPr>
-            </a:pPr>
-            <a:r>
-              <a:t>Step 1: Geometry-characteristic-based encoding of dependency graph. </a:t>
-            </a:r>
-          </a:p>
-          <a:p>
-            <a:pPr algn="l" defTabSz="457200">
-              <a:lnSpc>
-                <a:spcPts val="6200"/>
-              </a:lnSpc>
-              <a:spcBef>
-                <a:spcPts val="1200"/>
-              </a:spcBef>
-              <a:defRPr sz="2400" b="0">
-                <a:solidFill>
-                  <a:srgbClr val="46443C"/>
-                </a:solidFill>
-                <a:latin typeface="+mj-lt"/>
-                <a:ea typeface="+mj-ea"/>
-                <a:cs typeface="+mj-cs"/>
-                <a:sym typeface="Calibri Light"/>
-              </a:defRPr>
-            </a:pPr>
-            <a:r>
-              <a:t>Step 2: Localized global comparison. </a:t>
-            </a:r>
-            <a:endParaRPr>
-              <a:solidFill>
-                <a:srgbClr val="000000"/>
-              </a:solidFill>
-            </a:endParaRPr>
-          </a:p>
-          <a:p>
-            <a:pPr algn="l" defTabSz="457200">
-              <a:lnSpc>
-                <a:spcPts val="6200"/>
-              </a:lnSpc>
-              <a:spcBef>
-                <a:spcPts val="1200"/>
-              </a:spcBef>
-              <a:defRPr sz="2400" b="0">
-                <a:solidFill>
-                  <a:srgbClr val="46443C"/>
-                </a:solidFill>
-                <a:latin typeface="+mj-lt"/>
-                <a:ea typeface="+mj-ea"/>
-                <a:cs typeface="+mj-cs"/>
-                <a:sym typeface="Calibri Light"/>
-              </a:defRPr>
-            </a:pPr>
-            <a:r>
-              <a:t>Step 3: Core-functionality- based grouping. </a:t>
-            </a:r>
-          </a:p>
-        </p:txBody>
-      </p:sp>
-    </p:spTree>
-  </p:cSld>
-  <p:clrMapOvr>
-    <a:masterClrMapping/>
-  </p:clrMapOvr>
-  <p:transition spd="med"/>
-  <p:timing>
-    <p:tnLst>
-      <p:par>
-        <p:cTn id="1" dur="indefinite" restart="never" nodeType="tmRoot"/>
-      </p:par>
-    </p:tnLst>
-  </p:timing>
-</p:sld>
-</file>
-
-<file path=ppt/slides/slide16.xml><?xml version="1.0" encoding="utf-8"?>
-<p:sld xmlns:a="http://schemas.openxmlformats.org/drawingml/2006/main" xmlns:r="http://schemas.openxmlformats.org/officeDocument/2006/relationships" xmlns:p="http://schemas.openxmlformats.org/presentationml/2006/main">
-  <p:cSld>
-    <p:spTree>
-      <p:nvGrpSpPr>
-        <p:cNvPr id="1" name=""/>
-        <p:cNvGrpSpPr/>
-        <p:nvPr/>
-      </p:nvGrpSpPr>
-      <p:grpSpPr>
-        <a:xfrm>
-          <a:off x="0" y="0"/>
-          <a:ext cx="0" cy="0"/>
-          <a:chOff x="0" y="0"/>
-          <a:chExt cx="0" cy="0"/>
-        </a:xfrm>
-      </p:grpSpPr>
-      <p:sp>
-        <p:nvSpPr>
-          <p:cNvPr id="232" name="Shape 380"/>
-          <p:cNvSpPr/>
-          <p:nvPr/>
-        </p:nvSpPr>
-        <p:spPr>
-          <a:xfrm>
-            <a:off x="419100" y="0"/>
-            <a:ext cx="1208013" cy="1041622"/>
-          </a:xfrm>
-          <a:prstGeom prst="rect">
-            <a:avLst/>
-          </a:prstGeom>
-          <a:solidFill>
-            <a:srgbClr val="002A7E"/>
-          </a:solidFill>
-          <a:ln w="12700">
-            <a:miter lim="400000"/>
-          </a:ln>
-        </p:spPr>
-        <p:txBody>
-          <a:bodyPr lIns="45718" tIns="45718" rIns="45718" bIns="45718" anchor="ctr"/>
-          <a:lstStyle/>
-          <a:p>
-            <a:pPr algn="ctr">
-              <a:defRPr sz="1800" b="0"/>
-            </a:pPr>
-            <a:endParaRPr/>
-          </a:p>
-        </p:txBody>
-      </p:sp>
-      <p:sp>
-        <p:nvSpPr>
-          <p:cNvPr id="233" name="Shape 381"/>
-          <p:cNvSpPr txBox="1"/>
-          <p:nvPr/>
-        </p:nvSpPr>
-        <p:spPr>
-          <a:xfrm>
-            <a:off x="805949" y="202040"/>
-            <a:ext cx="434314" cy="637539"/>
-          </a:xfrm>
-          <a:prstGeom prst="rect">
-            <a:avLst/>
-          </a:prstGeom>
-          <a:ln w="12700">
-            <a:miter lim="400000"/>
-          </a:ln>
-          <a:extLst>
-            <a:ext uri="{C572A759-6A51-4108-AA02-DFA0A04FC94B}">
-              <ma14:wrappingTextBoxFlag xmlns="" xmlns:ma14="http://schemas.microsoft.com/office/mac/drawingml/2011/main" val="1"/>
-            </a:ext>
-          </a:extLst>
-        </p:spPr>
-        <p:txBody>
-          <a:bodyPr wrap="none" lIns="45718" tIns="45718" rIns="45718" bIns="45718">
-            <a:spAutoFit/>
-          </a:bodyPr>
-          <a:lstStyle>
-            <a:lvl1pPr>
-              <a:defRPr sz="3600">
-                <a:latin typeface="方正大黑_GBK"/>
-                <a:ea typeface="方正大黑_GBK"/>
-                <a:cs typeface="方正大黑_GBK"/>
-                <a:sym typeface="方正大黑_GBK"/>
-              </a:defRPr>
-            </a:lvl1pPr>
-          </a:lstStyle>
-          <a:p>
-            <a:r>
-              <a:t>B</a:t>
-            </a:r>
-          </a:p>
-        </p:txBody>
-      </p:sp>
-      <p:sp>
-        <p:nvSpPr>
-          <p:cNvPr id="234" name="Shape 382"/>
-          <p:cNvSpPr txBox="1"/>
-          <p:nvPr/>
-        </p:nvSpPr>
-        <p:spPr>
-          <a:xfrm>
-            <a:off x="1638300" y="647700"/>
-            <a:ext cx="1289555" cy="396238"/>
-          </a:xfrm>
-          <a:prstGeom prst="rect">
-            <a:avLst/>
-          </a:prstGeom>
-          <a:ln w="12700">
-            <a:miter lim="400000"/>
-          </a:ln>
-          <a:extLst>
-            <a:ext uri="{C572A759-6A51-4108-AA02-DFA0A04FC94B}">
-              <ma14:wrappingTextBoxFlag xmlns="" xmlns:ma14="http://schemas.microsoft.com/office/mac/drawingml/2011/main" val="1"/>
-            </a:ext>
-          </a:extLst>
-        </p:spPr>
-        <p:txBody>
-          <a:bodyPr wrap="none" lIns="45718" tIns="45718" rIns="45718" bIns="45718">
-            <a:spAutoFit/>
-          </a:bodyPr>
-          <a:lstStyle>
-            <a:lvl1pPr>
-              <a:defRPr>
-                <a:solidFill>
-                  <a:srgbClr val="002A7E"/>
-                </a:solidFill>
-                <a:latin typeface="微软雅黑"/>
-                <a:ea typeface="微软雅黑"/>
-                <a:cs typeface="微软雅黑"/>
-                <a:sym typeface="微软雅黑"/>
-              </a:defRPr>
-            </a:lvl1pPr>
-          </a:lstStyle>
-          <a:p>
-            <a:r>
-              <a:t>Approach</a:t>
-            </a:r>
-          </a:p>
-        </p:txBody>
-      </p:sp>
-      <p:sp>
-        <p:nvSpPr>
-          <p:cNvPr id="235" name="CFG is the control flow graph of a method."/>
-          <p:cNvSpPr txBox="1"/>
-          <p:nvPr/>
-        </p:nvSpPr>
-        <p:spPr>
-          <a:xfrm>
-            <a:off x="1968500" y="1587500"/>
-            <a:ext cx="8961842" cy="459738"/>
-          </a:xfrm>
-          <a:prstGeom prst="rect">
-            <a:avLst/>
-          </a:prstGeom>
-          <a:ln w="12700">
-            <a:miter lim="400000"/>
-          </a:ln>
-          <a:extLst>
-            <a:ext uri="{C572A759-6A51-4108-AA02-DFA0A04FC94B}">
-              <ma14:wrappingTextBoxFlag xmlns="" xmlns:ma14="http://schemas.microsoft.com/office/mac/drawingml/2011/main" val="1"/>
+              <ma14:wrappingTextBoxFlag xmlns:ma14="http://schemas.microsoft.com/office/mac/drawingml/2011/main" xmlns="" val="1"/>
             </a:ext>
           </a:extLst>
         </p:spPr>
@@ -7045,7 +6742,7 @@
           </a:ln>
           <a:extLst>
             <a:ext uri="{C572A759-6A51-4108-AA02-DFA0A04FC94B}">
-              <ma14:wrappingTextBoxFlag xmlns="" xmlns:ma14="http://schemas.microsoft.com/office/mac/drawingml/2011/main" val="1"/>
+              <ma14:wrappingTextBoxFlag xmlns:ma14="http://schemas.microsoft.com/office/mac/drawingml/2011/main" xmlns="" val="1"/>
             </a:ext>
           </a:extLst>
         </p:spPr>
@@ -7098,7 +6795,7 @@
           </a:ln>
           <a:extLst>
             <a:ext uri="{C572A759-6A51-4108-AA02-DFA0A04FC94B}">
-              <ma14:wrappingTextBoxFlag xmlns="" xmlns:ma14="http://schemas.microsoft.com/office/mac/drawingml/2011/main" val="1"/>
+              <ma14:wrappingTextBoxFlag xmlns:ma14="http://schemas.microsoft.com/office/mac/drawingml/2011/main" xmlns="" val="1"/>
             </a:ext>
           </a:extLst>
         </p:spPr>
@@ -7187,7 +6884,7 @@
           </a:ln>
           <a:extLst>
             <a:ext uri="{C572A759-6A51-4108-AA02-DFA0A04FC94B}">
-              <ma14:wrappingTextBoxFlag xmlns="" xmlns:ma14="http://schemas.microsoft.com/office/mac/drawingml/2011/main" val="1"/>
+              <ma14:wrappingTextBoxFlag xmlns:ma14="http://schemas.microsoft.com/office/mac/drawingml/2011/main" xmlns="" val="1"/>
             </a:ext>
           </a:extLst>
         </p:spPr>
@@ -7240,7 +6937,7 @@
           </a:ln>
           <a:extLst>
             <a:ext uri="{C572A759-6A51-4108-AA02-DFA0A04FC94B}">
-              <ma14:wrappingTextBoxFlag xmlns="" xmlns:ma14="http://schemas.microsoft.com/office/mac/drawingml/2011/main" val="1"/>
+              <ma14:wrappingTextBoxFlag xmlns:ma14="http://schemas.microsoft.com/office/mac/drawingml/2011/main" xmlns="" val="1"/>
             </a:ext>
           </a:extLst>
         </p:spPr>
@@ -7357,7 +7054,7 @@
           </a:ln>
           <a:extLst>
             <a:ext uri="{C572A759-6A51-4108-AA02-DFA0A04FC94B}">
-              <ma14:wrappingTextBoxFlag xmlns="" xmlns:ma14="http://schemas.microsoft.com/office/mac/drawingml/2011/main" val="1"/>
+              <ma14:wrappingTextBoxFlag xmlns:ma14="http://schemas.microsoft.com/office/mac/drawingml/2011/main" xmlns="" val="1"/>
             </a:ext>
           </a:extLst>
         </p:spPr>
@@ -7429,7 +7126,7 @@
           </a:ln>
           <a:extLst>
             <a:ext uri="{C572A759-6A51-4108-AA02-DFA0A04FC94B}">
-              <ma14:wrappingTextBoxFlag xmlns="" xmlns:ma14="http://schemas.microsoft.com/office/mac/drawingml/2011/main" val="1"/>
+              <ma14:wrappingTextBoxFlag xmlns:ma14="http://schemas.microsoft.com/office/mac/drawingml/2011/main" xmlns="" val="1"/>
             </a:ext>
           </a:extLst>
         </p:spPr>
@@ -7500,7 +7197,7 @@
           </a:ln>
           <a:extLst>
             <a:ext uri="{C572A759-6A51-4108-AA02-DFA0A04FC94B}">
-              <ma14:wrappingTextBoxFlag xmlns="" xmlns:ma14="http://schemas.microsoft.com/office/mac/drawingml/2011/main" val="1"/>
+              <ma14:wrappingTextBoxFlag xmlns:ma14="http://schemas.microsoft.com/office/mac/drawingml/2011/main" xmlns="" val="1"/>
             </a:ext>
           </a:extLst>
         </p:spPr>
@@ -7571,7 +7268,7 @@
           </a:ln>
           <a:extLst>
             <a:ext uri="{C572A759-6A51-4108-AA02-DFA0A04FC94B}">
-              <ma14:wrappingTextBoxFlag xmlns="" xmlns:ma14="http://schemas.microsoft.com/office/mac/drawingml/2011/main" val="1"/>
+              <ma14:wrappingTextBoxFlag xmlns:ma14="http://schemas.microsoft.com/office/mac/drawingml/2011/main" xmlns="" val="1"/>
             </a:ext>
           </a:extLst>
         </p:spPr>
@@ -7642,7 +7339,7 @@
           </a:ln>
           <a:extLst>
             <a:ext uri="{C572A759-6A51-4108-AA02-DFA0A04FC94B}">
-              <ma14:wrappingTextBoxFlag xmlns="" xmlns:ma14="http://schemas.microsoft.com/office/mac/drawingml/2011/main" val="1"/>
+              <ma14:wrappingTextBoxFlag xmlns:ma14="http://schemas.microsoft.com/office/mac/drawingml/2011/main" xmlns="" val="1"/>
             </a:ext>
           </a:extLst>
         </p:spPr>
@@ -7713,7 +7410,7 @@
           </a:ln>
           <a:extLst>
             <a:ext uri="{C572A759-6A51-4108-AA02-DFA0A04FC94B}">
-              <ma14:wrappingTextBoxFlag xmlns="" xmlns:ma14="http://schemas.microsoft.com/office/mac/drawingml/2011/main" val="1"/>
+              <ma14:wrappingTextBoxFlag xmlns:ma14="http://schemas.microsoft.com/office/mac/drawingml/2011/main" xmlns="" val="1"/>
             </a:ext>
           </a:extLst>
         </p:spPr>
@@ -8020,6 +7717,55 @@
               </a:defRPr>
             </a:pPr>
             <a:endParaRPr/>
+          </a:p>
+        </p:txBody>
+      </p:sp>
+      <p:sp>
+        <p:nvSpPr>
+          <p:cNvPr id="32" name="Shape 382"/>
+          <p:cNvSpPr txBox="1"/>
+          <p:nvPr/>
+        </p:nvSpPr>
+        <p:spPr>
+          <a:xfrm>
+            <a:off x="1627112" y="641517"/>
+            <a:ext cx="2147379" cy="400105"/>
+          </a:xfrm>
+          <a:prstGeom prst="rect">
+            <a:avLst/>
+          </a:prstGeom>
+          <a:ln w="12700">
+            <a:miter lim="400000"/>
+          </a:ln>
+          <a:extLst>
+            <a:ext uri="{C572A759-6A51-4108-AA02-DFA0A04FC94B}">
+              <ma14:wrappingTextBoxFlag xmlns:ma14="http://schemas.microsoft.com/office/mac/drawingml/2011/main" xmlns="" val="1"/>
+            </a:ext>
+          </a:extLst>
+        </p:spPr>
+        <p:txBody>
+          <a:bodyPr wrap="none" lIns="45718" tIns="45718" rIns="45718" bIns="45718">
+            <a:spAutoFit/>
+          </a:bodyPr>
+          <a:lstStyle>
+            <a:lvl1pPr>
+              <a:defRPr>
+                <a:solidFill>
+                  <a:srgbClr val="002A7E"/>
+                </a:solidFill>
+                <a:latin typeface="微软雅黑"/>
+                <a:ea typeface="微软雅黑"/>
+                <a:cs typeface="微软雅黑"/>
+                <a:sym typeface="微软雅黑"/>
+              </a:defRPr>
+            </a:lvl1pPr>
+          </a:lstStyle>
+          <a:p>
+            <a:r>
+              <a:rPr lang="en-US" dirty="0" smtClean="0"/>
+              <a:t>Centroid of CFG</a:t>
+            </a:r>
+            <a:endParaRPr dirty="0"/>
           </a:p>
         </p:txBody>
       </p:sp>
@@ -8642,7 +8388,7 @@
 </p:sld>
 </file>
 
-<file path=ppt/slides/slide17.xml><?xml version="1.0" encoding="utf-8"?>
+<file path=ppt/slides/slide16.xml><?xml version="1.0" encoding="utf-8"?>
 <p:sld xmlns:a="http://schemas.openxmlformats.org/drawingml/2006/main" xmlns:r="http://schemas.openxmlformats.org/officeDocument/2006/relationships" xmlns:p="http://schemas.openxmlformats.org/presentationml/2006/main">
   <p:cSld>
     <p:spTree>
@@ -8710,7 +8456,7 @@
           </a:ln>
           <a:extLst>
             <a:ext uri="{C572A759-6A51-4108-AA02-DFA0A04FC94B}">
-              <ma14:wrappingTextBoxFlag xmlns="" xmlns:ma14="http://schemas.microsoft.com/office/mac/drawingml/2011/main" val="1"/>
+              <ma14:wrappingTextBoxFlag xmlns:ma14="http://schemas.microsoft.com/office/mac/drawingml/2011/main" xmlns="" val="1"/>
             </a:ext>
           </a:extLst>
         </p:spPr>
@@ -8737,14 +8483,14 @@
       </p:sp>
       <p:sp>
         <p:nvSpPr>
-          <p:cNvPr id="267" name="Shape 382"/>
+          <p:cNvPr id="268" name="Centroid (Physical Model) 质心"/>
           <p:cNvSpPr txBox="1"/>
           <p:nvPr/>
         </p:nvSpPr>
         <p:spPr>
           <a:xfrm>
-            <a:off x="1638300" y="647700"/>
-            <a:ext cx="1289555" cy="396238"/>
+            <a:off x="1963649" y="1587500"/>
+            <a:ext cx="4315561" cy="510538"/>
           </a:xfrm>
           <a:prstGeom prst="rect">
             <a:avLst/>
@@ -8754,54 +8500,7 @@
           </a:ln>
           <a:extLst>
             <a:ext uri="{C572A759-6A51-4108-AA02-DFA0A04FC94B}">
-              <ma14:wrappingTextBoxFlag xmlns="" xmlns:ma14="http://schemas.microsoft.com/office/mac/drawingml/2011/main" val="1"/>
-            </a:ext>
-          </a:extLst>
-        </p:spPr>
-        <p:txBody>
-          <a:bodyPr wrap="none" lIns="45718" tIns="45718" rIns="45718" bIns="45718">
-            <a:spAutoFit/>
-          </a:bodyPr>
-          <a:lstStyle>
-            <a:lvl1pPr>
-              <a:defRPr>
-                <a:solidFill>
-                  <a:srgbClr val="002A7E"/>
-                </a:solidFill>
-                <a:latin typeface="微软雅黑"/>
-                <a:ea typeface="微软雅黑"/>
-                <a:cs typeface="微软雅黑"/>
-                <a:sym typeface="微软雅黑"/>
-              </a:defRPr>
-            </a:lvl1pPr>
-          </a:lstStyle>
-          <a:p>
-            <a:r>
-              <a:t>Approach</a:t>
-            </a:r>
-          </a:p>
-        </p:txBody>
-      </p:sp>
-      <p:sp>
-        <p:nvSpPr>
-          <p:cNvPr id="268" name="Centroid (Physical Model) 质心"/>
-          <p:cNvSpPr txBox="1"/>
-          <p:nvPr/>
-        </p:nvSpPr>
-        <p:spPr>
-          <a:xfrm>
-            <a:off x="1963649" y="1587500"/>
-            <a:ext cx="4315561" cy="510538"/>
-          </a:xfrm>
-          <a:prstGeom prst="rect">
-            <a:avLst/>
-          </a:prstGeom>
-          <a:ln w="12700">
-            <a:miter lim="400000"/>
-          </a:ln>
-          <a:extLst>
-            <a:ext uri="{C572A759-6A51-4108-AA02-DFA0A04FC94B}">
-              <ma14:wrappingTextBoxFlag xmlns="" xmlns:ma14="http://schemas.microsoft.com/office/mac/drawingml/2011/main" val="1"/>
+              <ma14:wrappingTextBoxFlag xmlns:ma14="http://schemas.microsoft.com/office/mac/drawingml/2011/main" xmlns="" val="1"/>
             </a:ext>
           </a:extLst>
         </p:spPr>
@@ -8854,7 +8553,7 @@
           </a:ln>
           <a:extLst>
             <a:ext uri="{C572A759-6A51-4108-AA02-DFA0A04FC94B}">
-              <ma14:wrappingTextBoxFlag xmlns="" xmlns:ma14="http://schemas.microsoft.com/office/mac/drawingml/2011/main" val="1"/>
+              <ma14:wrappingTextBoxFlag xmlns:ma14="http://schemas.microsoft.com/office/mac/drawingml/2011/main" xmlns="" val="1"/>
             </a:ext>
           </a:extLst>
         </p:spPr>
@@ -9067,7 +8766,7 @@
           </a:ln>
           <a:extLst>
             <a:ext uri="{C572A759-6A51-4108-AA02-DFA0A04FC94B}">
-              <ma14:wrappingTextBoxFlag xmlns="" xmlns:ma14="http://schemas.microsoft.com/office/mac/drawingml/2011/main" val="1"/>
+              <ma14:wrappingTextBoxFlag xmlns:ma14="http://schemas.microsoft.com/office/mac/drawingml/2011/main" xmlns="" val="1"/>
             </a:ext>
           </a:extLst>
         </p:spPr>
@@ -9099,6 +8798,55 @@
               <a:rPr dirty="0"/>
               <a:t>When two objects are identical, their centroids are also the same.</a:t>
             </a:r>
+          </a:p>
+        </p:txBody>
+      </p:sp>
+      <p:sp>
+        <p:nvSpPr>
+          <p:cNvPr id="12" name="Shape 382"/>
+          <p:cNvSpPr txBox="1"/>
+          <p:nvPr/>
+        </p:nvSpPr>
+        <p:spPr>
+          <a:xfrm>
+            <a:off x="1627112" y="641517"/>
+            <a:ext cx="2147379" cy="400105"/>
+          </a:xfrm>
+          <a:prstGeom prst="rect">
+            <a:avLst/>
+          </a:prstGeom>
+          <a:ln w="12700">
+            <a:miter lim="400000"/>
+          </a:ln>
+          <a:extLst>
+            <a:ext uri="{C572A759-6A51-4108-AA02-DFA0A04FC94B}">
+              <ma14:wrappingTextBoxFlag xmlns:ma14="http://schemas.microsoft.com/office/mac/drawingml/2011/main" xmlns="" val="1"/>
+            </a:ext>
+          </a:extLst>
+        </p:spPr>
+        <p:txBody>
+          <a:bodyPr wrap="none" lIns="45718" tIns="45718" rIns="45718" bIns="45718">
+            <a:spAutoFit/>
+          </a:bodyPr>
+          <a:lstStyle>
+            <a:lvl1pPr>
+              <a:defRPr>
+                <a:solidFill>
+                  <a:srgbClr val="002A7E"/>
+                </a:solidFill>
+                <a:latin typeface="微软雅黑"/>
+                <a:ea typeface="微软雅黑"/>
+                <a:cs typeface="微软雅黑"/>
+                <a:sym typeface="微软雅黑"/>
+              </a:defRPr>
+            </a:lvl1pPr>
+          </a:lstStyle>
+          <a:p>
+            <a:r>
+              <a:rPr lang="en-US" dirty="0" smtClean="0"/>
+              <a:t>Centroid of CFG</a:t>
+            </a:r>
+            <a:endParaRPr dirty="0"/>
           </a:p>
         </p:txBody>
       </p:sp>
@@ -9189,6 +8937,339 @@
 </p:sld>
 </file>
 
+<file path=ppt/slides/slide17.xml><?xml version="1.0" encoding="utf-8"?>
+<p:sld xmlns:a="http://schemas.openxmlformats.org/drawingml/2006/main" xmlns:r="http://schemas.openxmlformats.org/officeDocument/2006/relationships" xmlns:p="http://schemas.openxmlformats.org/presentationml/2006/main">
+  <p:cSld>
+    <p:spTree>
+      <p:nvGrpSpPr>
+        <p:cNvPr id="1" name=""/>
+        <p:cNvGrpSpPr/>
+        <p:nvPr/>
+      </p:nvGrpSpPr>
+      <p:grpSpPr>
+        <a:xfrm>
+          <a:off x="0" y="0"/>
+          <a:ext cx="0" cy="0"/>
+          <a:chOff x="0" y="0"/>
+          <a:chExt cx="0" cy="0"/>
+        </a:xfrm>
+      </p:grpSpPr>
+      <p:sp>
+        <p:nvSpPr>
+          <p:cNvPr id="278" name="Shape 380"/>
+          <p:cNvSpPr/>
+          <p:nvPr/>
+        </p:nvSpPr>
+        <p:spPr>
+          <a:xfrm>
+            <a:off x="419100" y="0"/>
+            <a:ext cx="1208013" cy="1041622"/>
+          </a:xfrm>
+          <a:prstGeom prst="rect">
+            <a:avLst/>
+          </a:prstGeom>
+          <a:solidFill>
+            <a:srgbClr val="002A7E"/>
+          </a:solidFill>
+          <a:ln w="12700">
+            <a:miter lim="400000"/>
+          </a:ln>
+        </p:spPr>
+        <p:txBody>
+          <a:bodyPr lIns="45718" tIns="45718" rIns="45718" bIns="45718" anchor="ctr"/>
+          <a:lstStyle/>
+          <a:p>
+            <a:pPr algn="ctr">
+              <a:defRPr sz="1800" b="0"/>
+            </a:pPr>
+            <a:endParaRPr/>
+          </a:p>
+        </p:txBody>
+      </p:sp>
+      <p:sp>
+        <p:nvSpPr>
+          <p:cNvPr id="279" name="Shape 381"/>
+          <p:cNvSpPr txBox="1"/>
+          <p:nvPr/>
+        </p:nvSpPr>
+        <p:spPr>
+          <a:xfrm>
+            <a:off x="805949" y="202040"/>
+            <a:ext cx="434314" cy="637539"/>
+          </a:xfrm>
+          <a:prstGeom prst="rect">
+            <a:avLst/>
+          </a:prstGeom>
+          <a:ln w="12700">
+            <a:miter lim="400000"/>
+          </a:ln>
+          <a:extLst>
+            <a:ext uri="{C572A759-6A51-4108-AA02-DFA0A04FC94B}">
+              <ma14:wrappingTextBoxFlag xmlns:ma14="http://schemas.microsoft.com/office/mac/drawingml/2011/main" xmlns="" val="1"/>
+            </a:ext>
+          </a:extLst>
+        </p:spPr>
+        <p:txBody>
+          <a:bodyPr wrap="none" lIns="45718" tIns="45718" rIns="45718" bIns="45718">
+            <a:spAutoFit/>
+          </a:bodyPr>
+          <a:lstStyle>
+            <a:lvl1pPr>
+              <a:defRPr sz="3600">
+                <a:latin typeface="方正大黑_GBK"/>
+                <a:ea typeface="方正大黑_GBK"/>
+                <a:cs typeface="方正大黑_GBK"/>
+                <a:sym typeface="方正大黑_GBK"/>
+              </a:defRPr>
+            </a:lvl1pPr>
+          </a:lstStyle>
+          <a:p>
+            <a:r>
+              <a:t>B</a:t>
+            </a:r>
+          </a:p>
+        </p:txBody>
+      </p:sp>
+      <p:sp>
+        <p:nvSpPr>
+          <p:cNvPr id="281" name="3D-CFG"/>
+          <p:cNvSpPr txBox="1"/>
+          <p:nvPr/>
+        </p:nvSpPr>
+        <p:spPr>
+          <a:xfrm>
+            <a:off x="1963649" y="1587500"/>
+            <a:ext cx="1221841" cy="459738"/>
+          </a:xfrm>
+          <a:prstGeom prst="rect">
+            <a:avLst/>
+          </a:prstGeom>
+          <a:ln w="12700">
+            <a:miter lim="400000"/>
+          </a:ln>
+          <a:extLst>
+            <a:ext uri="{C572A759-6A51-4108-AA02-DFA0A04FC94B}">
+              <ma14:wrappingTextBoxFlag xmlns:ma14="http://schemas.microsoft.com/office/mac/drawingml/2011/main" xmlns="" val="1"/>
+            </a:ext>
+          </a:extLst>
+        </p:spPr>
+        <p:txBody>
+          <a:bodyPr wrap="none" lIns="45718" tIns="45718" rIns="45718" bIns="45718">
+            <a:spAutoFit/>
+          </a:bodyPr>
+          <a:lstStyle>
+            <a:lvl1pPr algn="l" defTabSz="457200">
+              <a:lnSpc>
+                <a:spcPts val="6200"/>
+              </a:lnSpc>
+              <a:spcBef>
+                <a:spcPts val="1200"/>
+              </a:spcBef>
+              <a:defRPr sz="2400" b="0">
+                <a:solidFill>
+                  <a:srgbClr val="46443C"/>
+                </a:solidFill>
+                <a:latin typeface="+mj-lt"/>
+                <a:ea typeface="+mj-ea"/>
+                <a:cs typeface="+mj-cs"/>
+                <a:sym typeface="Calibri Light"/>
+              </a:defRPr>
+            </a:lvl1pPr>
+          </a:lstStyle>
+          <a:p>
+            <a:r>
+              <a:t>3D-CFG</a:t>
+            </a:r>
+          </a:p>
+        </p:txBody>
+      </p:sp>
+      <p:sp>
+        <p:nvSpPr>
+          <p:cNvPr id="282" name="A 3D-CFG is a CFG in which each node has a unique coordinate. The coordinate is a vector &lt; x, y, z &gt;.…"/>
+          <p:cNvSpPr txBox="1"/>
+          <p:nvPr/>
+        </p:nvSpPr>
+        <p:spPr>
+          <a:xfrm>
+            <a:off x="2128968" y="2590800"/>
+            <a:ext cx="7934064" cy="2910838"/>
+          </a:xfrm>
+          <a:prstGeom prst="rect">
+            <a:avLst/>
+          </a:prstGeom>
+          <a:ln w="12700">
+            <a:miter lim="400000"/>
+          </a:ln>
+          <a:extLst>
+            <a:ext uri="{C572A759-6A51-4108-AA02-DFA0A04FC94B}">
+              <ma14:wrappingTextBoxFlag xmlns:ma14="http://schemas.microsoft.com/office/mac/drawingml/2011/main" xmlns="" val="1"/>
+            </a:ext>
+          </a:extLst>
+        </p:spPr>
+        <p:txBody>
+          <a:bodyPr lIns="45718" tIns="45718" rIns="45718" bIns="45718">
+            <a:spAutoFit/>
+          </a:bodyPr>
+          <a:lstStyle/>
+          <a:p>
+            <a:pPr algn="l" defTabSz="457200">
+              <a:lnSpc>
+                <a:spcPts val="4200"/>
+              </a:lnSpc>
+              <a:spcBef>
+                <a:spcPts val="1200"/>
+              </a:spcBef>
+              <a:defRPr sz="2400" b="0">
+                <a:solidFill>
+                  <a:srgbClr val="000000"/>
+                </a:solidFill>
+                <a:latin typeface="+mj-lt"/>
+                <a:ea typeface="+mj-ea"/>
+                <a:cs typeface="+mj-cs"/>
+                <a:sym typeface="Calibri Light"/>
+              </a:defRPr>
+            </a:pPr>
+            <a:r>
+              <a:rPr dirty="0"/>
+              <a:t>A 3D-CFG is a CFG in which each node has a unique coordinate. The coordinate is a vector &lt; x, y, z &gt;. </a:t>
+            </a:r>
+          </a:p>
+          <a:p>
+            <a:pPr algn="l" defTabSz="457200">
+              <a:lnSpc>
+                <a:spcPts val="4200"/>
+              </a:lnSpc>
+              <a:spcBef>
+                <a:spcPts val="1200"/>
+              </a:spcBef>
+              <a:defRPr sz="2400" b="0">
+                <a:solidFill>
+                  <a:srgbClr val="000000"/>
+                </a:solidFill>
+                <a:latin typeface="+mj-lt"/>
+                <a:ea typeface="+mj-ea"/>
+                <a:cs typeface="+mj-cs"/>
+                <a:sym typeface="Calibri Light"/>
+              </a:defRPr>
+            </a:pPr>
+            <a:r>
+              <a:rPr dirty="0"/>
+              <a:t>x is the sequence number in the CFG. </a:t>
+            </a:r>
+          </a:p>
+          <a:p>
+            <a:pPr algn="l" defTabSz="457200">
+              <a:lnSpc>
+                <a:spcPts val="4200"/>
+              </a:lnSpc>
+              <a:spcBef>
+                <a:spcPts val="1200"/>
+              </a:spcBef>
+              <a:defRPr sz="2400" b="0">
+                <a:solidFill>
+                  <a:srgbClr val="000000"/>
+                </a:solidFill>
+                <a:latin typeface="+mj-lt"/>
+                <a:ea typeface="+mj-ea"/>
+                <a:cs typeface="+mj-cs"/>
+                <a:sym typeface="Calibri Light"/>
+              </a:defRPr>
+            </a:pPr>
+            <a:r>
+              <a:rPr dirty="0"/>
+              <a:t>y is the number of outgoing edges of the node.</a:t>
+            </a:r>
+          </a:p>
+          <a:p>
+            <a:pPr algn="l" defTabSz="457200">
+              <a:lnSpc>
+                <a:spcPts val="4200"/>
+              </a:lnSpc>
+              <a:spcBef>
+                <a:spcPts val="1200"/>
+              </a:spcBef>
+              <a:defRPr sz="2400" b="0">
+                <a:solidFill>
+                  <a:srgbClr val="000000"/>
+                </a:solidFill>
+                <a:latin typeface="+mj-lt"/>
+                <a:ea typeface="+mj-ea"/>
+                <a:cs typeface="+mj-cs"/>
+                <a:sym typeface="Calibri Light"/>
+              </a:defRPr>
+            </a:pPr>
+            <a:r>
+              <a:rPr dirty="0"/>
+              <a:t>z is the depth of loop of the node. </a:t>
+            </a:r>
+          </a:p>
+        </p:txBody>
+      </p:sp>
+      <p:sp>
+        <p:nvSpPr>
+          <p:cNvPr id="7" name="Shape 382"/>
+          <p:cNvSpPr txBox="1"/>
+          <p:nvPr/>
+        </p:nvSpPr>
+        <p:spPr>
+          <a:xfrm>
+            <a:off x="1627112" y="641517"/>
+            <a:ext cx="2147379" cy="400105"/>
+          </a:xfrm>
+          <a:prstGeom prst="rect">
+            <a:avLst/>
+          </a:prstGeom>
+          <a:ln w="12700">
+            <a:miter lim="400000"/>
+          </a:ln>
+          <a:extLst>
+            <a:ext uri="{C572A759-6A51-4108-AA02-DFA0A04FC94B}">
+              <ma14:wrappingTextBoxFlag xmlns:ma14="http://schemas.microsoft.com/office/mac/drawingml/2011/main" xmlns="" val="1"/>
+            </a:ext>
+          </a:extLst>
+        </p:spPr>
+        <p:txBody>
+          <a:bodyPr wrap="none" lIns="45718" tIns="45718" rIns="45718" bIns="45718">
+            <a:spAutoFit/>
+          </a:bodyPr>
+          <a:lstStyle>
+            <a:lvl1pPr>
+              <a:defRPr>
+                <a:solidFill>
+                  <a:srgbClr val="002A7E"/>
+                </a:solidFill>
+                <a:latin typeface="微软雅黑"/>
+                <a:ea typeface="微软雅黑"/>
+                <a:cs typeface="微软雅黑"/>
+                <a:sym typeface="微软雅黑"/>
+              </a:defRPr>
+            </a:lvl1pPr>
+          </a:lstStyle>
+          <a:p>
+            <a:r>
+              <a:rPr lang="en-US" dirty="0" smtClean="0"/>
+              <a:t>Centroid of CFG</a:t>
+            </a:r>
+            <a:endParaRPr dirty="0"/>
+          </a:p>
+        </p:txBody>
+      </p:sp>
+    </p:spTree>
+  </p:cSld>
+  <p:clrMapOvr>
+    <a:masterClrMapping/>
+  </p:clrMapOvr>
+  <p:transition spd="med"/>
+  <p:timing>
+    <p:tnLst>
+      <p:par>
+        <p:cTn id="1" dur="indefinite" restart="never" nodeType="tmRoot"/>
+      </p:par>
+    </p:tnLst>
+  </p:timing>
+</p:sld>
+</file>
+
 <file path=ppt/slides/slide18.xml><?xml version="1.0" encoding="utf-8"?>
 <p:sld xmlns:a="http://schemas.openxmlformats.org/drawingml/2006/main" xmlns:r="http://schemas.openxmlformats.org/officeDocument/2006/relationships" xmlns:p="http://schemas.openxmlformats.org/presentationml/2006/main">
   <p:cSld>
@@ -9208,7 +9289,7 @@
       </p:grpSpPr>
       <p:sp>
         <p:nvSpPr>
-          <p:cNvPr id="278" name="Shape 380"/>
+          <p:cNvPr id="286" name="Shape 380"/>
           <p:cNvSpPr/>
           <p:nvPr/>
         </p:nvSpPr>
@@ -9240,7 +9321,7 @@
       </p:sp>
       <p:sp>
         <p:nvSpPr>
-          <p:cNvPr id="279" name="Shape 381"/>
+          <p:cNvPr id="287" name="Shape 381"/>
           <p:cNvSpPr txBox="1"/>
           <p:nvPr/>
         </p:nvSpPr>
@@ -9257,7 +9338,7 @@
           </a:ln>
           <a:extLst>
             <a:ext uri="{C572A759-6A51-4108-AA02-DFA0A04FC94B}">
-              <ma14:wrappingTextBoxFlag xmlns="" xmlns:ma14="http://schemas.microsoft.com/office/mac/drawingml/2011/main" val="1"/>
+              <ma14:wrappingTextBoxFlag xmlns:ma14="http://schemas.microsoft.com/office/mac/drawingml/2011/main" xmlns="" val="1"/>
             </a:ext>
           </a:extLst>
         </p:spPr>
@@ -9284,14 +9365,14 @@
       </p:sp>
       <p:sp>
         <p:nvSpPr>
-          <p:cNvPr id="280" name="Shape 382"/>
+          <p:cNvPr id="289" name="3D CFG"/>
           <p:cNvSpPr txBox="1"/>
           <p:nvPr/>
         </p:nvSpPr>
         <p:spPr>
           <a:xfrm>
-            <a:off x="1638300" y="647700"/>
-            <a:ext cx="1289555" cy="396238"/>
+            <a:off x="1963649" y="1587500"/>
+            <a:ext cx="1205077" cy="459738"/>
           </a:xfrm>
           <a:prstGeom prst="rect">
             <a:avLst/>
@@ -9301,54 +9382,7 @@
           </a:ln>
           <a:extLst>
             <a:ext uri="{C572A759-6A51-4108-AA02-DFA0A04FC94B}">
-              <ma14:wrappingTextBoxFlag xmlns="" xmlns:ma14="http://schemas.microsoft.com/office/mac/drawingml/2011/main" val="1"/>
-            </a:ext>
-          </a:extLst>
-        </p:spPr>
-        <p:txBody>
-          <a:bodyPr wrap="none" lIns="45718" tIns="45718" rIns="45718" bIns="45718">
-            <a:spAutoFit/>
-          </a:bodyPr>
-          <a:lstStyle>
-            <a:lvl1pPr>
-              <a:defRPr>
-                <a:solidFill>
-                  <a:srgbClr val="002A7E"/>
-                </a:solidFill>
-                <a:latin typeface="微软雅黑"/>
-                <a:ea typeface="微软雅黑"/>
-                <a:cs typeface="微软雅黑"/>
-                <a:sym typeface="微软雅黑"/>
-              </a:defRPr>
-            </a:lvl1pPr>
-          </a:lstStyle>
-          <a:p>
-            <a:r>
-              <a:t>Approach</a:t>
-            </a:r>
-          </a:p>
-        </p:txBody>
-      </p:sp>
-      <p:sp>
-        <p:nvSpPr>
-          <p:cNvPr id="281" name="3D-CFG"/>
-          <p:cNvSpPr txBox="1"/>
-          <p:nvPr/>
-        </p:nvSpPr>
-        <p:spPr>
-          <a:xfrm>
-            <a:off x="1963649" y="1587500"/>
-            <a:ext cx="1221841" cy="459738"/>
-          </a:xfrm>
-          <a:prstGeom prst="rect">
-            <a:avLst/>
-          </a:prstGeom>
-          <a:ln w="12700">
-            <a:miter lim="400000"/>
-          </a:ln>
-          <a:extLst>
-            <a:ext uri="{C572A759-6A51-4108-AA02-DFA0A04FC94B}">
-              <ma14:wrappingTextBoxFlag xmlns="" xmlns:ma14="http://schemas.microsoft.com/office/mac/drawingml/2011/main" val="1"/>
+              <ma14:wrappingTextBoxFlag xmlns:ma14="http://schemas.microsoft.com/office/mac/drawingml/2011/main" xmlns="" val="1"/>
             </a:ext>
           </a:extLst>
         </p:spPr>
@@ -9377,21 +9411,31 @@
           </a:lstStyle>
           <a:p>
             <a:r>
-              <a:t>3D-CFG</a:t>
-            </a:r>
-          </a:p>
-        </p:txBody>
-      </p:sp>
-      <p:sp>
-        <p:nvSpPr>
-          <p:cNvPr id="282" name="A 3D-CFG is a CFG in which each node has a unique coordinate. The coordinate is a vector &lt; x, y, z &gt;.…"/>
-          <p:cNvSpPr txBox="1"/>
-          <p:nvPr/>
-        </p:nvSpPr>
-        <p:spPr>
-          <a:xfrm>
-            <a:off x="2128968" y="2590800"/>
-            <a:ext cx="7934064" cy="2910838"/>
+              <a:t>3D CFG</a:t>
+            </a:r>
+          </a:p>
+        </p:txBody>
+      </p:sp>
+      <p:pic>
+        <p:nvPicPr>
+          <p:cNvPr id="290" name="fig3.jpeg" descr="fig3.jpeg"/>
+          <p:cNvPicPr>
+            <a:picLocks noChangeAspect="1"/>
+          </p:cNvPicPr>
+          <p:nvPr/>
+        </p:nvPicPr>
+        <p:blipFill>
+          <a:blip r:embed="rId3">
+            <a:extLst/>
+          </a:blip>
+          <a:stretch>
+            <a:fillRect/>
+          </a:stretch>
+        </p:blipFill>
+        <p:spPr>
+          <a:xfrm>
+            <a:off x="1860888" y="1219774"/>
+            <a:ext cx="8470224" cy="4418452"/>
           </a:xfrm>
           <a:prstGeom prst="rect">
             <a:avLst/>
@@ -9399,108 +9443,54 @@
           <a:ln w="12700">
             <a:miter lim="400000"/>
           </a:ln>
+        </p:spPr>
+      </p:pic>
+      <p:sp>
+        <p:nvSpPr>
+          <p:cNvPr id="7" name="Shape 382"/>
+          <p:cNvSpPr txBox="1"/>
+          <p:nvPr/>
+        </p:nvSpPr>
+        <p:spPr>
+          <a:xfrm>
+            <a:off x="1627112" y="641517"/>
+            <a:ext cx="2147379" cy="400105"/>
+          </a:xfrm>
+          <a:prstGeom prst="rect">
+            <a:avLst/>
+          </a:prstGeom>
+          <a:ln w="12700">
+            <a:miter lim="400000"/>
+          </a:ln>
           <a:extLst>
             <a:ext uri="{C572A759-6A51-4108-AA02-DFA0A04FC94B}">
-              <ma14:wrappingTextBoxFlag xmlns="" xmlns:ma14="http://schemas.microsoft.com/office/mac/drawingml/2011/main" val="1"/>
+              <ma14:wrappingTextBoxFlag xmlns:ma14="http://schemas.microsoft.com/office/mac/drawingml/2011/main" xmlns="" val="1"/>
             </a:ext>
           </a:extLst>
         </p:spPr>
         <p:txBody>
-          <a:bodyPr lIns="45718" tIns="45718" rIns="45718" bIns="45718">
+          <a:bodyPr wrap="none" lIns="45718" tIns="45718" rIns="45718" bIns="45718">
             <a:spAutoFit/>
           </a:bodyPr>
-          <a:lstStyle/>
-          <a:p>
-            <a:pPr algn="l" defTabSz="457200">
-              <a:lnSpc>
-                <a:spcPts val="4200"/>
-              </a:lnSpc>
-              <a:spcBef>
-                <a:spcPts val="1200"/>
-              </a:spcBef>
-              <a:defRPr sz="2400" b="0">
-                <a:solidFill>
-                  <a:srgbClr val="000000"/>
-                </a:solidFill>
-                <a:latin typeface="+mj-lt"/>
-                <a:ea typeface="+mj-ea"/>
-                <a:cs typeface="+mj-cs"/>
-                <a:sym typeface="Calibri Light"/>
-              </a:defRPr>
-            </a:pPr>
-            <a:r>
-              <a:rPr dirty="0"/>
-              <a:t>A 3D-CFG is a CFG in which each node has a unique coordinate. The coordinate is a vector &lt; x, y, z &gt;. </a:t>
-            </a:r>
-          </a:p>
-          <a:p>
-            <a:pPr algn="l" defTabSz="457200">
-              <a:lnSpc>
-                <a:spcPts val="4200"/>
-              </a:lnSpc>
-              <a:spcBef>
-                <a:spcPts val="1200"/>
-              </a:spcBef>
-              <a:defRPr sz="2400" b="0">
-                <a:solidFill>
-                  <a:srgbClr val="000000"/>
-                </a:solidFill>
-                <a:latin typeface="+mj-lt"/>
-                <a:ea typeface="+mj-ea"/>
-                <a:cs typeface="+mj-cs"/>
-                <a:sym typeface="Calibri Light"/>
-              </a:defRPr>
-            </a:pPr>
-            <a:r>
-              <a:rPr dirty="0"/>
-              <a:t>x is the sequence number in the CFG. </a:t>
-            </a:r>
-          </a:p>
-          <a:p>
-            <a:pPr algn="l" defTabSz="457200">
-              <a:lnSpc>
-                <a:spcPts val="4200"/>
-              </a:lnSpc>
-              <a:spcBef>
-                <a:spcPts val="1200"/>
-              </a:spcBef>
-              <a:defRPr sz="2400" b="0">
-                <a:solidFill>
-                  <a:srgbClr val="000000"/>
-                </a:solidFill>
-                <a:latin typeface="+mj-lt"/>
-                <a:ea typeface="+mj-ea"/>
-                <a:cs typeface="+mj-cs"/>
-                <a:sym typeface="Calibri Light"/>
-              </a:defRPr>
-            </a:pPr>
-            <a:r>
-              <a:rPr dirty="0"/>
-              <a:t>y is the number of outgoing edges of the node.</a:t>
-            </a:r>
-          </a:p>
-          <a:p>
-            <a:pPr algn="l" defTabSz="457200">
-              <a:lnSpc>
-                <a:spcPts val="4200"/>
-              </a:lnSpc>
-              <a:spcBef>
-                <a:spcPts val="1200"/>
-              </a:spcBef>
-              <a:defRPr sz="2400" b="0">
-                <a:solidFill>
-                  <a:srgbClr val="000000"/>
-                </a:solidFill>
-                <a:latin typeface="+mj-lt"/>
-                <a:ea typeface="+mj-ea"/>
-                <a:cs typeface="+mj-cs"/>
-                <a:sym typeface="Calibri Light"/>
-              </a:defRPr>
-            </a:pPr>
-            <a:r>
-              <a:rPr dirty="0"/>
-              <a:t>z is the depth of loop of the node. </a:t>
-            </a:r>
+          <a:lstStyle>
+            <a:lvl1pPr>
+              <a:defRPr>
+                <a:solidFill>
+                  <a:srgbClr val="002A7E"/>
+                </a:solidFill>
+                <a:latin typeface="微软雅黑"/>
+                <a:ea typeface="微软雅黑"/>
+                <a:cs typeface="微软雅黑"/>
+                <a:sym typeface="微软雅黑"/>
+              </a:defRPr>
+            </a:lvl1pPr>
+          </a:lstStyle>
+          <a:p>
+            <a:r>
+              <a:rPr lang="en-US" dirty="0" smtClean="0"/>
+              <a:t>Centroid of CFG</a:t>
+            </a:r>
+            <a:endParaRPr dirty="0"/>
           </a:p>
         </p:txBody>
       </p:sp>
@@ -9539,7 +9529,7 @@
       </p:grpSpPr>
       <p:sp>
         <p:nvSpPr>
-          <p:cNvPr id="286" name="Shape 380"/>
+          <p:cNvPr id="294" name="Shape 380"/>
           <p:cNvSpPr/>
           <p:nvPr/>
         </p:nvSpPr>
@@ -9571,7 +9561,7 @@
       </p:sp>
       <p:sp>
         <p:nvSpPr>
-          <p:cNvPr id="287" name="Shape 381"/>
+          <p:cNvPr id="295" name="Shape 381"/>
           <p:cNvSpPr txBox="1"/>
           <p:nvPr/>
         </p:nvSpPr>
@@ -9588,7 +9578,7 @@
           </a:ln>
           <a:extLst>
             <a:ext uri="{C572A759-6A51-4108-AA02-DFA0A04FC94B}">
-              <ma14:wrappingTextBoxFlag xmlns="" xmlns:ma14="http://schemas.microsoft.com/office/mac/drawingml/2011/main" val="1"/>
+              <ma14:wrappingTextBoxFlag xmlns:ma14="http://schemas.microsoft.com/office/mac/drawingml/2011/main" xmlns="" val="1"/>
             </a:ext>
           </a:extLst>
         </p:spPr>
@@ -9615,14 +9605,14 @@
       </p:sp>
       <p:sp>
         <p:nvSpPr>
-          <p:cNvPr id="288" name="Shape 382"/>
+          <p:cNvPr id="297" name="Centroid of 3D-CFG"/>
           <p:cNvSpPr txBox="1"/>
           <p:nvPr/>
         </p:nvSpPr>
         <p:spPr>
           <a:xfrm>
-            <a:off x="1638300" y="647700"/>
-            <a:ext cx="1289555" cy="396238"/>
+            <a:off x="1963649" y="1587500"/>
+            <a:ext cx="2808630" cy="459738"/>
           </a:xfrm>
           <a:prstGeom prst="rect">
             <a:avLst/>
@@ -9632,54 +9622,7 @@
           </a:ln>
           <a:extLst>
             <a:ext uri="{C572A759-6A51-4108-AA02-DFA0A04FC94B}">
-              <ma14:wrappingTextBoxFlag xmlns="" xmlns:ma14="http://schemas.microsoft.com/office/mac/drawingml/2011/main" val="1"/>
-            </a:ext>
-          </a:extLst>
-        </p:spPr>
-        <p:txBody>
-          <a:bodyPr wrap="none" lIns="45718" tIns="45718" rIns="45718" bIns="45718">
-            <a:spAutoFit/>
-          </a:bodyPr>
-          <a:lstStyle>
-            <a:lvl1pPr>
-              <a:defRPr>
-                <a:solidFill>
-                  <a:srgbClr val="002A7E"/>
-                </a:solidFill>
-                <a:latin typeface="微软雅黑"/>
-                <a:ea typeface="微软雅黑"/>
-                <a:cs typeface="微软雅黑"/>
-                <a:sym typeface="微软雅黑"/>
-              </a:defRPr>
-            </a:lvl1pPr>
-          </a:lstStyle>
-          <a:p>
-            <a:r>
-              <a:t>Approach</a:t>
-            </a:r>
-          </a:p>
-        </p:txBody>
-      </p:sp>
-      <p:sp>
-        <p:nvSpPr>
-          <p:cNvPr id="289" name="3D CFG"/>
-          <p:cNvSpPr txBox="1"/>
-          <p:nvPr/>
-        </p:nvSpPr>
-        <p:spPr>
-          <a:xfrm>
-            <a:off x="1963649" y="1587500"/>
-            <a:ext cx="1205077" cy="459738"/>
-          </a:xfrm>
-          <a:prstGeom prst="rect">
-            <a:avLst/>
-          </a:prstGeom>
-          <a:ln w="12700">
-            <a:miter lim="400000"/>
-          </a:ln>
-          <a:extLst>
-            <a:ext uri="{C572A759-6A51-4108-AA02-DFA0A04FC94B}">
-              <ma14:wrappingTextBoxFlag xmlns="" xmlns:ma14="http://schemas.microsoft.com/office/mac/drawingml/2011/main" val="1"/>
+              <ma14:wrappingTextBoxFlag xmlns:ma14="http://schemas.microsoft.com/office/mac/drawingml/2011/main" xmlns="" val="1"/>
             </a:ext>
           </a:extLst>
         </p:spPr>
@@ -9708,14 +9651,14 @@
           </a:lstStyle>
           <a:p>
             <a:r>
-              <a:t>3D CFG</a:t>
+              <a:t>Centroid of 3D-CFG</a:t>
             </a:r>
           </a:p>
         </p:txBody>
       </p:sp>
       <p:pic>
         <p:nvPicPr>
-          <p:cNvPr id="290" name="fig3.jpeg" descr="fig3.jpeg"/>
+          <p:cNvPr id="298" name="Definition 3.2.tiff" descr="Definition 3.2.tiff"/>
           <p:cNvPicPr>
             <a:picLocks noChangeAspect="1"/>
           </p:cNvPicPr>
@@ -9731,8 +9674,8 @@
         </p:blipFill>
         <p:spPr>
           <a:xfrm>
-            <a:off x="1860888" y="1219774"/>
-            <a:ext cx="8470224" cy="4418452"/>
+            <a:off x="1481935" y="2458080"/>
+            <a:ext cx="9899938" cy="2318829"/>
           </a:xfrm>
           <a:prstGeom prst="rect">
             <a:avLst/>
@@ -9742,6 +9685,105 @@
           </a:ln>
         </p:spPr>
       </p:pic>
+      <p:sp>
+        <p:nvSpPr>
+          <p:cNvPr id="299" name="In the equation, e(p, q) is an edge in the 3D-CFG. This edge connects two nodes p and q. &lt; xp,  yp,  zp &gt; is the coordinate of node p. πp is the number of statements in the basic block of p."/>
+          <p:cNvSpPr txBox="1"/>
+          <p:nvPr/>
+        </p:nvSpPr>
+        <p:spPr>
+          <a:xfrm>
+            <a:off x="1481935" y="4564545"/>
+            <a:ext cx="9762274" cy="424728"/>
+          </a:xfrm>
+          <a:prstGeom prst="rect">
+            <a:avLst/>
+          </a:prstGeom>
+          <a:ln w="12700">
+            <a:miter lim="400000"/>
+          </a:ln>
+          <a:extLst>
+            <a:ext uri="{C572A759-6A51-4108-AA02-DFA0A04FC94B}">
+              <ma14:wrappingTextBoxFlag xmlns:ma14="http://schemas.microsoft.com/office/mac/drawingml/2011/main" xmlns="" val="1"/>
+            </a:ext>
+          </a:extLst>
+        </p:spPr>
+        <p:txBody>
+          <a:bodyPr lIns="45718" tIns="45718" rIns="45718" bIns="45718">
+            <a:spAutoFit/>
+          </a:bodyPr>
+          <a:lstStyle/>
+          <a:p>
+            <a:pPr algn="l">
+              <a:lnSpc>
+                <a:spcPct val="90000"/>
+              </a:lnSpc>
+              <a:spcBef>
+                <a:spcPts val="1000"/>
+              </a:spcBef>
+              <a:defRPr sz="2400" b="0">
+                <a:solidFill>
+                  <a:srgbClr val="000000"/>
+                </a:solidFill>
+                <a:latin typeface="+mj-lt"/>
+                <a:ea typeface="+mj-ea"/>
+                <a:cs typeface="+mj-cs"/>
+                <a:sym typeface="Calibri Light"/>
+              </a:defRPr>
+            </a:pPr>
+            <a:endParaRPr dirty="0"/>
+          </a:p>
+        </p:txBody>
+      </p:sp>
+      <p:sp>
+        <p:nvSpPr>
+          <p:cNvPr id="8" name="Shape 382"/>
+          <p:cNvSpPr txBox="1"/>
+          <p:nvPr/>
+        </p:nvSpPr>
+        <p:spPr>
+          <a:xfrm>
+            <a:off x="1627112" y="641517"/>
+            <a:ext cx="2147379" cy="400105"/>
+          </a:xfrm>
+          <a:prstGeom prst="rect">
+            <a:avLst/>
+          </a:prstGeom>
+          <a:ln w="12700">
+            <a:miter lim="400000"/>
+          </a:ln>
+          <a:extLst>
+            <a:ext uri="{C572A759-6A51-4108-AA02-DFA0A04FC94B}">
+              <ma14:wrappingTextBoxFlag xmlns:ma14="http://schemas.microsoft.com/office/mac/drawingml/2011/main" xmlns="" val="1"/>
+            </a:ext>
+          </a:extLst>
+        </p:spPr>
+        <p:txBody>
+          <a:bodyPr wrap="none" lIns="45718" tIns="45718" rIns="45718" bIns="45718">
+            <a:spAutoFit/>
+          </a:bodyPr>
+          <a:lstStyle>
+            <a:lvl1pPr>
+              <a:defRPr>
+                <a:solidFill>
+                  <a:srgbClr val="002A7E"/>
+                </a:solidFill>
+                <a:latin typeface="微软雅黑"/>
+                <a:ea typeface="微软雅黑"/>
+                <a:cs typeface="微软雅黑"/>
+                <a:sym typeface="微软雅黑"/>
+              </a:defRPr>
+            </a:lvl1pPr>
+          </a:lstStyle>
+          <a:p>
+            <a:r>
+              <a:rPr lang="en-US" dirty="0" smtClean="0"/>
+              <a:t>Centroid of CFG</a:t>
+            </a:r>
+            <a:endParaRPr dirty="0"/>
+          </a:p>
+        </p:txBody>
+      </p:sp>
     </p:spTree>
   </p:cSld>
   <p:clrMapOvr>
@@ -9823,7 +9865,7 @@
           </a:ln>
           <a:extLst>
             <a:ext uri="{C572A759-6A51-4108-AA02-DFA0A04FC94B}">
-              <ma14:wrappingTextBoxFlag xmlns="" xmlns:ma14="http://schemas.microsoft.com/office/mac/drawingml/2011/main" val="1"/>
+              <ma14:wrappingTextBoxFlag xmlns:ma14="http://schemas.microsoft.com/office/mac/drawingml/2011/main" xmlns="" val="1"/>
             </a:ext>
           </a:extLst>
         </p:spPr>
@@ -9853,6 +9895,13 @@
     <a:masterClrMapping/>
   </p:clrMapOvr>
   <p:transition spd="med"/>
+  <p:timing>
+    <p:tnLst>
+      <p:par>
+        <p:cTn id="1" dur="indefinite" restart="never" nodeType="tmRoot"/>
+      </p:par>
+    </p:tnLst>
+  </p:timing>
 </p:sld>
 </file>
 
@@ -9875,7 +9924,7 @@
       </p:grpSpPr>
       <p:sp>
         <p:nvSpPr>
-          <p:cNvPr id="294" name="Shape 380"/>
+          <p:cNvPr id="303" name="Shape 380"/>
           <p:cNvSpPr/>
           <p:nvPr/>
         </p:nvSpPr>
@@ -9907,7 +9956,7 @@
       </p:sp>
       <p:sp>
         <p:nvSpPr>
-          <p:cNvPr id="295" name="Shape 381"/>
+          <p:cNvPr id="304" name="Shape 381"/>
           <p:cNvSpPr txBox="1"/>
           <p:nvPr/>
         </p:nvSpPr>
@@ -9924,7 +9973,7 @@
           </a:ln>
           <a:extLst>
             <a:ext uri="{C572A759-6A51-4108-AA02-DFA0A04FC94B}">
-              <ma14:wrappingTextBoxFlag xmlns="" xmlns:ma14="http://schemas.microsoft.com/office/mac/drawingml/2011/main" val="1"/>
+              <ma14:wrappingTextBoxFlag xmlns:ma14="http://schemas.microsoft.com/office/mac/drawingml/2011/main" xmlns="" val="1"/>
             </a:ext>
           </a:extLst>
         </p:spPr>
@@ -9951,14 +10000,14 @@
       </p:sp>
       <p:sp>
         <p:nvSpPr>
-          <p:cNvPr id="296" name="Shape 382"/>
+          <p:cNvPr id="306" name="Centroid of 3D-CFG"/>
           <p:cNvSpPr txBox="1"/>
           <p:nvPr/>
         </p:nvSpPr>
         <p:spPr>
           <a:xfrm>
-            <a:off x="1638300" y="647700"/>
-            <a:ext cx="1289555" cy="396238"/>
+            <a:off x="1963649" y="1587500"/>
+            <a:ext cx="2808630" cy="459738"/>
           </a:xfrm>
           <a:prstGeom prst="rect">
             <a:avLst/>
@@ -9968,54 +10017,7 @@
           </a:ln>
           <a:extLst>
             <a:ext uri="{C572A759-6A51-4108-AA02-DFA0A04FC94B}">
-              <ma14:wrappingTextBoxFlag xmlns="" xmlns:ma14="http://schemas.microsoft.com/office/mac/drawingml/2011/main" val="1"/>
-            </a:ext>
-          </a:extLst>
-        </p:spPr>
-        <p:txBody>
-          <a:bodyPr wrap="none" lIns="45718" tIns="45718" rIns="45718" bIns="45718">
-            <a:spAutoFit/>
-          </a:bodyPr>
-          <a:lstStyle>
-            <a:lvl1pPr>
-              <a:defRPr>
-                <a:solidFill>
-                  <a:srgbClr val="002A7E"/>
-                </a:solidFill>
-                <a:latin typeface="微软雅黑"/>
-                <a:ea typeface="微软雅黑"/>
-                <a:cs typeface="微软雅黑"/>
-                <a:sym typeface="微软雅黑"/>
-              </a:defRPr>
-            </a:lvl1pPr>
-          </a:lstStyle>
-          <a:p>
-            <a:r>
-              <a:t>Approach</a:t>
-            </a:r>
-          </a:p>
-        </p:txBody>
-      </p:sp>
-      <p:sp>
-        <p:nvSpPr>
-          <p:cNvPr id="297" name="Centroid of 3D-CFG"/>
-          <p:cNvSpPr txBox="1"/>
-          <p:nvPr/>
-        </p:nvSpPr>
-        <p:spPr>
-          <a:xfrm>
-            <a:off x="1963649" y="1587500"/>
-            <a:ext cx="2808630" cy="459738"/>
-          </a:xfrm>
-          <a:prstGeom prst="rect">
-            <a:avLst/>
-          </a:prstGeom>
-          <a:ln w="12700">
-            <a:miter lim="400000"/>
-          </a:ln>
-          <a:extLst>
-            <a:ext uri="{C572A759-6A51-4108-AA02-DFA0A04FC94B}">
-              <ma14:wrappingTextBoxFlag xmlns="" xmlns:ma14="http://schemas.microsoft.com/office/mac/drawingml/2011/main" val="1"/>
+              <ma14:wrappingTextBoxFlag xmlns:ma14="http://schemas.microsoft.com/office/mac/drawingml/2011/main" xmlns="" val="1"/>
             </a:ext>
           </a:extLst>
         </p:spPr>
@@ -10049,26 +10051,44 @@
           </a:p>
         </p:txBody>
       </p:sp>
-      <p:pic>
-        <p:nvPicPr>
-          <p:cNvPr id="298" name="Definition 3.2.tiff" descr="Definition 3.2.tiff"/>
-          <p:cNvPicPr>
-            <a:picLocks noChangeAspect="1"/>
-          </p:cNvPicPr>
-          <p:nvPr/>
-        </p:nvPicPr>
-        <p:blipFill>
-          <a:blip r:embed="rId3">
-            <a:extLst/>
-          </a:blip>
-          <a:stretch>
-            <a:fillRect/>
-          </a:stretch>
-        </p:blipFill>
-        <p:spPr>
-          <a:xfrm>
-            <a:off x="1481935" y="2458080"/>
-            <a:ext cx="9899938" cy="2318829"/>
+      <p:sp>
+        <p:nvSpPr>
+          <p:cNvPr id="307" name="Circle"/>
+          <p:cNvSpPr/>
+          <p:nvPr/>
+        </p:nvSpPr>
+        <p:spPr>
+          <a:xfrm>
+            <a:off x="3585518" y="2418289"/>
+            <a:ext cx="434339" cy="434339"/>
+          </a:xfrm>
+          <a:prstGeom prst="ellipse">
+            <a:avLst/>
+          </a:prstGeom>
+          <a:ln w="25400">
+            <a:solidFill>
+              <a:schemeClr val="accent1"/>
+            </a:solidFill>
+          </a:ln>
+        </p:spPr>
+        <p:txBody>
+          <a:bodyPr lIns="45718" tIns="45718" rIns="45718" bIns="45718" anchor="ctr"/>
+          <a:lstStyle/>
+          <a:p>
+            <a:endParaRPr/>
+          </a:p>
+        </p:txBody>
+      </p:sp>
+      <p:sp>
+        <p:nvSpPr>
+          <p:cNvPr id="308" name="A"/>
+          <p:cNvSpPr txBox="1"/>
+          <p:nvPr/>
+        </p:nvSpPr>
+        <p:spPr>
+          <a:xfrm>
+            <a:off x="3682889" y="2443689"/>
+            <a:ext cx="264997" cy="383539"/>
           </a:xfrm>
           <a:prstGeom prst="rect">
             <a:avLst/>
@@ -10076,187 +10096,9 @@
           <a:ln w="12700">
             <a:miter lim="400000"/>
           </a:ln>
-        </p:spPr>
-      </p:pic>
-      <p:sp>
-        <p:nvSpPr>
-          <p:cNvPr id="299" name="In the equation, e(p, q) is an edge in the 3D-CFG. This edge connects two nodes p and q. &lt; xp,  yp,  zp &gt; is the coordinate of node p. πp is the number of statements in the basic block of p."/>
-          <p:cNvSpPr txBox="1"/>
-          <p:nvPr/>
-        </p:nvSpPr>
-        <p:spPr>
-          <a:xfrm>
-            <a:off x="1481935" y="4564545"/>
-            <a:ext cx="9762274" cy="424728"/>
-          </a:xfrm>
-          <a:prstGeom prst="rect">
-            <a:avLst/>
-          </a:prstGeom>
-          <a:ln w="12700">
-            <a:miter lim="400000"/>
-          </a:ln>
           <a:extLst>
             <a:ext uri="{C572A759-6A51-4108-AA02-DFA0A04FC94B}">
-              <ma14:wrappingTextBoxFlag xmlns="" xmlns:ma14="http://schemas.microsoft.com/office/mac/drawingml/2011/main" val="1"/>
-            </a:ext>
-          </a:extLst>
-        </p:spPr>
-        <p:txBody>
-          <a:bodyPr lIns="45718" tIns="45718" rIns="45718" bIns="45718">
-            <a:spAutoFit/>
-          </a:bodyPr>
-          <a:lstStyle/>
-          <a:p>
-            <a:pPr algn="l">
-              <a:lnSpc>
-                <a:spcPct val="90000"/>
-              </a:lnSpc>
-              <a:spcBef>
-                <a:spcPts val="1000"/>
-              </a:spcBef>
-              <a:defRPr sz="2400" b="0">
-                <a:solidFill>
-                  <a:srgbClr val="000000"/>
-                </a:solidFill>
-                <a:latin typeface="+mj-lt"/>
-                <a:ea typeface="+mj-ea"/>
-                <a:cs typeface="+mj-cs"/>
-                <a:sym typeface="Calibri Light"/>
-              </a:defRPr>
-            </a:pPr>
-            <a:endParaRPr dirty="0"/>
-          </a:p>
-        </p:txBody>
-      </p:sp>
-    </p:spTree>
-  </p:cSld>
-  <p:clrMapOvr>
-    <a:masterClrMapping/>
-  </p:clrMapOvr>
-  <p:transition spd="med"/>
-  <p:timing>
-    <p:tnLst>
-      <p:par>
-        <p:cTn id="1" dur="indefinite" restart="never" nodeType="tmRoot"/>
-      </p:par>
-    </p:tnLst>
-  </p:timing>
-</p:sld>
-</file>
-
-<file path=ppt/slides/slide21.xml><?xml version="1.0" encoding="utf-8"?>
-<p:sld xmlns:a="http://schemas.openxmlformats.org/drawingml/2006/main" xmlns:r="http://schemas.openxmlformats.org/officeDocument/2006/relationships" xmlns:p="http://schemas.openxmlformats.org/presentationml/2006/main">
-  <p:cSld>
-    <p:spTree>
-      <p:nvGrpSpPr>
-        <p:cNvPr id="1" name=""/>
-        <p:cNvGrpSpPr/>
-        <p:nvPr/>
-      </p:nvGrpSpPr>
-      <p:grpSpPr>
-        <a:xfrm>
-          <a:off x="0" y="0"/>
-          <a:ext cx="0" cy="0"/>
-          <a:chOff x="0" y="0"/>
-          <a:chExt cx="0" cy="0"/>
-        </a:xfrm>
-      </p:grpSpPr>
-      <p:sp>
-        <p:nvSpPr>
-          <p:cNvPr id="303" name="Shape 380"/>
-          <p:cNvSpPr/>
-          <p:nvPr/>
-        </p:nvSpPr>
-        <p:spPr>
-          <a:xfrm>
-            <a:off x="419100" y="0"/>
-            <a:ext cx="1208013" cy="1041622"/>
-          </a:xfrm>
-          <a:prstGeom prst="rect">
-            <a:avLst/>
-          </a:prstGeom>
-          <a:solidFill>
-            <a:srgbClr val="002A7E"/>
-          </a:solidFill>
-          <a:ln w="12700">
-            <a:miter lim="400000"/>
-          </a:ln>
-        </p:spPr>
-        <p:txBody>
-          <a:bodyPr lIns="45718" tIns="45718" rIns="45718" bIns="45718" anchor="ctr"/>
-          <a:lstStyle/>
-          <a:p>
-            <a:pPr algn="ctr">
-              <a:defRPr sz="1800" b="0"/>
-            </a:pPr>
-            <a:endParaRPr/>
-          </a:p>
-        </p:txBody>
-      </p:sp>
-      <p:sp>
-        <p:nvSpPr>
-          <p:cNvPr id="304" name="Shape 381"/>
-          <p:cNvSpPr txBox="1"/>
-          <p:nvPr/>
-        </p:nvSpPr>
-        <p:spPr>
-          <a:xfrm>
-            <a:off x="805949" y="202040"/>
-            <a:ext cx="434314" cy="637539"/>
-          </a:xfrm>
-          <a:prstGeom prst="rect">
-            <a:avLst/>
-          </a:prstGeom>
-          <a:ln w="12700">
-            <a:miter lim="400000"/>
-          </a:ln>
-          <a:extLst>
-            <a:ext uri="{C572A759-6A51-4108-AA02-DFA0A04FC94B}">
-              <ma14:wrappingTextBoxFlag xmlns="" xmlns:ma14="http://schemas.microsoft.com/office/mac/drawingml/2011/main" val="1"/>
-            </a:ext>
-          </a:extLst>
-        </p:spPr>
-        <p:txBody>
-          <a:bodyPr wrap="none" lIns="45718" tIns="45718" rIns="45718" bIns="45718">
-            <a:spAutoFit/>
-          </a:bodyPr>
-          <a:lstStyle>
-            <a:lvl1pPr>
-              <a:defRPr sz="3600">
-                <a:latin typeface="方正大黑_GBK"/>
-                <a:ea typeface="方正大黑_GBK"/>
-                <a:cs typeface="方正大黑_GBK"/>
-                <a:sym typeface="方正大黑_GBK"/>
-              </a:defRPr>
-            </a:lvl1pPr>
-          </a:lstStyle>
-          <a:p>
-            <a:r>
-              <a:t>B</a:t>
-            </a:r>
-          </a:p>
-        </p:txBody>
-      </p:sp>
-      <p:sp>
-        <p:nvSpPr>
-          <p:cNvPr id="305" name="Shape 382"/>
-          <p:cNvSpPr txBox="1"/>
-          <p:nvPr/>
-        </p:nvSpPr>
-        <p:spPr>
-          <a:xfrm>
-            <a:off x="1638300" y="647700"/>
-            <a:ext cx="1289555" cy="396238"/>
-          </a:xfrm>
-          <a:prstGeom prst="rect">
-            <a:avLst/>
-          </a:prstGeom>
-          <a:ln w="12700">
-            <a:miter lim="400000"/>
-          </a:ln>
-          <a:extLst>
-            <a:ext uri="{C572A759-6A51-4108-AA02-DFA0A04FC94B}">
-              <ma14:wrappingTextBoxFlag xmlns="" xmlns:ma14="http://schemas.microsoft.com/office/mac/drawingml/2011/main" val="1"/>
+              <ma14:wrappingTextBoxFlag xmlns:ma14="http://schemas.microsoft.com/office/mac/drawingml/2011/main" xmlns="" val="1"/>
             </a:ext>
           </a:extLst>
         </p:spPr>
@@ -10268,84 +10110,27 @@
             <a:lvl1pPr>
               <a:defRPr>
                 <a:solidFill>
-                  <a:srgbClr val="002A7E"/>
-                </a:solidFill>
-                <a:latin typeface="微软雅黑"/>
-                <a:ea typeface="微软雅黑"/>
-                <a:cs typeface="微软雅黑"/>
-                <a:sym typeface="微软雅黑"/>
+                  <a:srgbClr val="000000"/>
+                </a:solidFill>
               </a:defRPr>
             </a:lvl1pPr>
           </a:lstStyle>
           <a:p>
             <a:r>
-              <a:t>Approach</a:t>
-            </a:r>
-          </a:p>
-        </p:txBody>
-      </p:sp>
-      <p:sp>
-        <p:nvSpPr>
-          <p:cNvPr id="306" name="Centroid of 3D-CFG"/>
-          <p:cNvSpPr txBox="1"/>
-          <p:nvPr/>
-        </p:nvSpPr>
-        <p:spPr>
-          <a:xfrm>
-            <a:off x="1963649" y="1587500"/>
-            <a:ext cx="2808630" cy="459738"/>
-          </a:xfrm>
-          <a:prstGeom prst="rect">
-            <a:avLst/>
-          </a:prstGeom>
-          <a:ln w="12700">
-            <a:miter lim="400000"/>
-          </a:ln>
-          <a:extLst>
-            <a:ext uri="{C572A759-6A51-4108-AA02-DFA0A04FC94B}">
-              <ma14:wrappingTextBoxFlag xmlns="" xmlns:ma14="http://schemas.microsoft.com/office/mac/drawingml/2011/main" val="1"/>
-            </a:ext>
-          </a:extLst>
-        </p:spPr>
-        <p:txBody>
-          <a:bodyPr wrap="none" lIns="45718" tIns="45718" rIns="45718" bIns="45718">
-            <a:spAutoFit/>
-          </a:bodyPr>
-          <a:lstStyle>
-            <a:lvl1pPr algn="l" defTabSz="457200">
-              <a:lnSpc>
-                <a:spcPts val="6200"/>
-              </a:lnSpc>
-              <a:spcBef>
-                <a:spcPts val="1200"/>
-              </a:spcBef>
-              <a:defRPr sz="2400" b="0">
-                <a:solidFill>
-                  <a:srgbClr val="46443C"/>
-                </a:solidFill>
-                <a:latin typeface="+mj-lt"/>
-                <a:ea typeface="+mj-ea"/>
-                <a:cs typeface="+mj-cs"/>
-                <a:sym typeface="Calibri Light"/>
-              </a:defRPr>
-            </a:lvl1pPr>
-          </a:lstStyle>
-          <a:p>
-            <a:r>
-              <a:t>Centroid of 3D-CFG</a:t>
-            </a:r>
-          </a:p>
-        </p:txBody>
-      </p:sp>
-      <p:sp>
-        <p:nvSpPr>
-          <p:cNvPr id="307" name="Circle"/>
+              <a:t>A</a:t>
+            </a:r>
+          </a:p>
+        </p:txBody>
+      </p:sp>
+      <p:sp>
+        <p:nvSpPr>
+          <p:cNvPr id="309" name="Circle"/>
           <p:cNvSpPr/>
           <p:nvPr/>
         </p:nvSpPr>
         <p:spPr>
           <a:xfrm>
-            <a:off x="3585518" y="2418289"/>
+            <a:off x="3585518" y="3128313"/>
             <a:ext cx="434339" cy="434339"/>
           </a:xfrm>
           <a:prstGeom prst="ellipse">
@@ -10367,14 +10152,14 @@
       </p:sp>
       <p:sp>
         <p:nvSpPr>
-          <p:cNvPr id="308" name="A"/>
+          <p:cNvPr id="310" name="B"/>
           <p:cNvSpPr txBox="1"/>
           <p:nvPr/>
         </p:nvSpPr>
         <p:spPr>
           <a:xfrm>
-            <a:off x="3682889" y="2443689"/>
-            <a:ext cx="264997" cy="383539"/>
+            <a:off x="3682889" y="3153713"/>
+            <a:ext cx="255323" cy="383539"/>
           </a:xfrm>
           <a:prstGeom prst="rect">
             <a:avLst/>
@@ -10384,7 +10169,7 @@
           </a:ln>
           <a:extLst>
             <a:ext uri="{C572A759-6A51-4108-AA02-DFA0A04FC94B}">
-              <ma14:wrappingTextBoxFlag xmlns="" xmlns:ma14="http://schemas.microsoft.com/office/mac/drawingml/2011/main" val="1"/>
+              <ma14:wrappingTextBoxFlag xmlns:ma14="http://schemas.microsoft.com/office/mac/drawingml/2011/main" xmlns="" val="1"/>
             </a:ext>
           </a:extLst>
         </p:spPr>
@@ -10403,20 +10188,20 @@
           </a:lstStyle>
           <a:p>
             <a:r>
-              <a:t>A</a:t>
-            </a:r>
-          </a:p>
-        </p:txBody>
-      </p:sp>
-      <p:sp>
-        <p:nvSpPr>
-          <p:cNvPr id="309" name="Circle"/>
+              <a:t>B</a:t>
+            </a:r>
+          </a:p>
+        </p:txBody>
+      </p:sp>
+      <p:sp>
+        <p:nvSpPr>
+          <p:cNvPr id="311" name="Circle"/>
           <p:cNvSpPr/>
           <p:nvPr/>
         </p:nvSpPr>
         <p:spPr>
           <a:xfrm>
-            <a:off x="3585518" y="3128313"/>
+            <a:off x="2887018" y="3853389"/>
             <a:ext cx="434339" cy="434339"/>
           </a:xfrm>
           <a:prstGeom prst="ellipse">
@@ -10438,14 +10223,14 @@
       </p:sp>
       <p:sp>
         <p:nvSpPr>
-          <p:cNvPr id="310" name="B"/>
+          <p:cNvPr id="312" name="C"/>
           <p:cNvSpPr txBox="1"/>
           <p:nvPr/>
         </p:nvSpPr>
         <p:spPr>
           <a:xfrm>
-            <a:off x="3682889" y="3153713"/>
-            <a:ext cx="255323" cy="383539"/>
+            <a:off x="2971688" y="3878789"/>
+            <a:ext cx="259541" cy="383539"/>
           </a:xfrm>
           <a:prstGeom prst="rect">
             <a:avLst/>
@@ -10455,7 +10240,7 @@
           </a:ln>
           <a:extLst>
             <a:ext uri="{C572A759-6A51-4108-AA02-DFA0A04FC94B}">
-              <ma14:wrappingTextBoxFlag xmlns="" xmlns:ma14="http://schemas.microsoft.com/office/mac/drawingml/2011/main" val="1"/>
+              <ma14:wrappingTextBoxFlag xmlns:ma14="http://schemas.microsoft.com/office/mac/drawingml/2011/main" xmlns="" val="1"/>
             </a:ext>
           </a:extLst>
         </p:spPr>
@@ -10474,20 +10259,20 @@
           </a:lstStyle>
           <a:p>
             <a:r>
-              <a:t>B</a:t>
-            </a:r>
-          </a:p>
-        </p:txBody>
-      </p:sp>
-      <p:sp>
-        <p:nvSpPr>
-          <p:cNvPr id="311" name="Circle"/>
+              <a:t>C</a:t>
+            </a:r>
+          </a:p>
+        </p:txBody>
+      </p:sp>
+      <p:sp>
+        <p:nvSpPr>
+          <p:cNvPr id="313" name="Circle"/>
           <p:cNvSpPr/>
           <p:nvPr/>
         </p:nvSpPr>
         <p:spPr>
           <a:xfrm>
-            <a:off x="2887018" y="3853389"/>
+            <a:off x="4271318" y="3827989"/>
             <a:ext cx="434339" cy="434339"/>
           </a:xfrm>
           <a:prstGeom prst="ellipse">
@@ -10509,14 +10294,14 @@
       </p:sp>
       <p:sp>
         <p:nvSpPr>
-          <p:cNvPr id="312" name="C"/>
+          <p:cNvPr id="314" name="E"/>
           <p:cNvSpPr txBox="1"/>
           <p:nvPr/>
         </p:nvSpPr>
         <p:spPr>
           <a:xfrm>
-            <a:off x="2971688" y="3878789"/>
-            <a:ext cx="259541" cy="383539"/>
+            <a:off x="4368689" y="3853389"/>
+            <a:ext cx="248626" cy="383539"/>
           </a:xfrm>
           <a:prstGeom prst="rect">
             <a:avLst/>
@@ -10526,7 +10311,7 @@
           </a:ln>
           <a:extLst>
             <a:ext uri="{C572A759-6A51-4108-AA02-DFA0A04FC94B}">
-              <ma14:wrappingTextBoxFlag xmlns="" xmlns:ma14="http://schemas.microsoft.com/office/mac/drawingml/2011/main" val="1"/>
+              <ma14:wrappingTextBoxFlag xmlns:ma14="http://schemas.microsoft.com/office/mac/drawingml/2011/main" xmlns="" val="1"/>
             </a:ext>
           </a:extLst>
         </p:spPr>
@@ -10545,20 +10330,20 @@
           </a:lstStyle>
           <a:p>
             <a:r>
-              <a:t>C</a:t>
-            </a:r>
-          </a:p>
-        </p:txBody>
-      </p:sp>
-      <p:sp>
-        <p:nvSpPr>
-          <p:cNvPr id="313" name="Circle"/>
+              <a:t>E</a:t>
+            </a:r>
+          </a:p>
+        </p:txBody>
+      </p:sp>
+      <p:sp>
+        <p:nvSpPr>
+          <p:cNvPr id="315" name="Circle"/>
           <p:cNvSpPr/>
           <p:nvPr/>
         </p:nvSpPr>
         <p:spPr>
           <a:xfrm>
-            <a:off x="4271318" y="3827989"/>
+            <a:off x="2893368" y="4684062"/>
             <a:ext cx="434339" cy="434339"/>
           </a:xfrm>
           <a:prstGeom prst="ellipse">
@@ -10580,14 +10365,14 @@
       </p:sp>
       <p:sp>
         <p:nvSpPr>
-          <p:cNvPr id="314" name="E"/>
+          <p:cNvPr id="316" name="D"/>
           <p:cNvSpPr txBox="1"/>
           <p:nvPr/>
         </p:nvSpPr>
         <p:spPr>
           <a:xfrm>
-            <a:off x="4368689" y="3853389"/>
-            <a:ext cx="248626" cy="383539"/>
+            <a:off x="2978038" y="4709462"/>
+            <a:ext cx="267354" cy="383539"/>
           </a:xfrm>
           <a:prstGeom prst="rect">
             <a:avLst/>
@@ -10597,7 +10382,7 @@
           </a:ln>
           <a:extLst>
             <a:ext uri="{C572A759-6A51-4108-AA02-DFA0A04FC94B}">
-              <ma14:wrappingTextBoxFlag xmlns="" xmlns:ma14="http://schemas.microsoft.com/office/mac/drawingml/2011/main" val="1"/>
+              <ma14:wrappingTextBoxFlag xmlns:ma14="http://schemas.microsoft.com/office/mac/drawingml/2011/main" xmlns="" val="1"/>
             </a:ext>
           </a:extLst>
         </p:spPr>
@@ -10616,20 +10401,20 @@
           </a:lstStyle>
           <a:p>
             <a:r>
-              <a:t>E</a:t>
-            </a:r>
-          </a:p>
-        </p:txBody>
-      </p:sp>
-      <p:sp>
-        <p:nvSpPr>
-          <p:cNvPr id="315" name="Circle"/>
+              <a:t>D</a:t>
+            </a:r>
+          </a:p>
+        </p:txBody>
+      </p:sp>
+      <p:sp>
+        <p:nvSpPr>
+          <p:cNvPr id="317" name="Circle"/>
           <p:cNvSpPr/>
           <p:nvPr/>
         </p:nvSpPr>
         <p:spPr>
           <a:xfrm>
-            <a:off x="2893368" y="4684062"/>
+            <a:off x="4277668" y="4658662"/>
             <a:ext cx="434339" cy="434339"/>
           </a:xfrm>
           <a:prstGeom prst="ellipse">
@@ -10651,14 +10436,14 @@
       </p:sp>
       <p:sp>
         <p:nvSpPr>
-          <p:cNvPr id="316" name="D"/>
+          <p:cNvPr id="318" name="F"/>
           <p:cNvSpPr txBox="1"/>
           <p:nvPr/>
         </p:nvSpPr>
         <p:spPr>
           <a:xfrm>
-            <a:off x="2978038" y="4709462"/>
-            <a:ext cx="267354" cy="383539"/>
+            <a:off x="4375039" y="4684062"/>
+            <a:ext cx="252347" cy="383539"/>
           </a:xfrm>
           <a:prstGeom prst="rect">
             <a:avLst/>
@@ -10668,7 +10453,7 @@
           </a:ln>
           <a:extLst>
             <a:ext uri="{C572A759-6A51-4108-AA02-DFA0A04FC94B}">
-              <ma14:wrappingTextBoxFlag xmlns="" xmlns:ma14="http://schemas.microsoft.com/office/mac/drawingml/2011/main" val="1"/>
+              <ma14:wrappingTextBoxFlag xmlns:ma14="http://schemas.microsoft.com/office/mac/drawingml/2011/main" xmlns="" val="1"/>
             </a:ext>
           </a:extLst>
         </p:spPr>
@@ -10687,49 +10472,448 @@
           </a:lstStyle>
           <a:p>
             <a:r>
-              <a:t>D</a:t>
-            </a:r>
-          </a:p>
-        </p:txBody>
-      </p:sp>
-      <p:sp>
-        <p:nvSpPr>
-          <p:cNvPr id="317" name="Circle"/>
+              <a:t>F</a:t>
+            </a:r>
+          </a:p>
+        </p:txBody>
+      </p:sp>
+      <p:sp>
+        <p:nvSpPr>
+          <p:cNvPr id="319" name="Line"/>
           <p:cNvSpPr/>
           <p:nvPr/>
         </p:nvSpPr>
         <p:spPr>
           <a:xfrm>
-            <a:off x="4277668" y="4658662"/>
-            <a:ext cx="434339" cy="434339"/>
-          </a:xfrm>
-          <a:prstGeom prst="ellipse">
+            <a:off x="3802687" y="2844610"/>
+            <a:ext cx="1" cy="263150"/>
+          </a:xfrm>
+          <a:prstGeom prst="line">
             <a:avLst/>
           </a:prstGeom>
           <a:ln w="25400">
             <a:solidFill>
               <a:schemeClr val="accent1"/>
             </a:solidFill>
-          </a:ln>
-        </p:spPr>
-        <p:txBody>
-          <a:bodyPr lIns="45718" tIns="45718" rIns="45718" bIns="45718" anchor="ctr"/>
+            <a:tailEnd type="triangle"/>
+          </a:ln>
+        </p:spPr>
+        <p:txBody>
+          <a:bodyPr lIns="45718" tIns="45718" rIns="45718" bIns="45718"/>
           <a:lstStyle/>
           <a:p>
+            <a:pPr>
+              <a:defRPr>
+                <a:solidFill>
+                  <a:srgbClr val="219DC9"/>
+                </a:solidFill>
+              </a:defRPr>
+            </a:pPr>
             <a:endParaRPr/>
           </a:p>
         </p:txBody>
       </p:sp>
       <p:sp>
         <p:nvSpPr>
-          <p:cNvPr id="318" name="F"/>
+          <p:cNvPr id="320" name="Line"/>
+          <p:cNvSpPr/>
+          <p:nvPr/>
+        </p:nvSpPr>
+        <p:spPr>
+          <a:xfrm>
+            <a:off x="3104187" y="4297479"/>
+            <a:ext cx="1" cy="376833"/>
+          </a:xfrm>
+          <a:prstGeom prst="line">
+            <a:avLst/>
+          </a:prstGeom>
+          <a:ln w="25400">
+            <a:solidFill>
+              <a:schemeClr val="accent1"/>
+            </a:solidFill>
+            <a:tailEnd type="triangle"/>
+          </a:ln>
+        </p:spPr>
+        <p:txBody>
+          <a:bodyPr lIns="45718" tIns="45718" rIns="45718" bIns="45718"/>
+          <a:lstStyle/>
+          <a:p>
+            <a:pPr>
+              <a:defRPr>
+                <a:solidFill>
+                  <a:srgbClr val="219DC9"/>
+                </a:solidFill>
+              </a:defRPr>
+            </a:pPr>
+            <a:endParaRPr/>
+          </a:p>
+        </p:txBody>
+      </p:sp>
+      <p:sp>
+        <p:nvSpPr>
+          <p:cNvPr id="321" name="Line"/>
+          <p:cNvSpPr/>
+          <p:nvPr/>
+        </p:nvSpPr>
+        <p:spPr>
+          <a:xfrm>
+            <a:off x="4494836" y="4272079"/>
+            <a:ext cx="1" cy="376833"/>
+          </a:xfrm>
+          <a:prstGeom prst="line">
+            <a:avLst/>
+          </a:prstGeom>
+          <a:ln w="25400">
+            <a:solidFill>
+              <a:schemeClr val="accent1"/>
+            </a:solidFill>
+            <a:tailEnd type="triangle"/>
+          </a:ln>
+        </p:spPr>
+        <p:txBody>
+          <a:bodyPr lIns="45718" tIns="45718" rIns="45718" bIns="45718"/>
+          <a:lstStyle/>
+          <a:p>
+            <a:pPr>
+              <a:defRPr>
+                <a:solidFill>
+                  <a:srgbClr val="219DC9"/>
+                </a:solidFill>
+              </a:defRPr>
+            </a:pPr>
+            <a:endParaRPr/>
+          </a:p>
+        </p:txBody>
+      </p:sp>
+      <p:sp>
+        <p:nvSpPr>
+          <p:cNvPr id="322" name="Line"/>
+          <p:cNvSpPr/>
+          <p:nvPr/>
+        </p:nvSpPr>
+        <p:spPr>
+          <a:xfrm flipH="1">
+            <a:off x="3085017" y="3457738"/>
+            <a:ext cx="529246" cy="373906"/>
+          </a:xfrm>
+          <a:prstGeom prst="line">
+            <a:avLst/>
+          </a:prstGeom>
+          <a:ln w="25400">
+            <a:solidFill>
+              <a:schemeClr val="accent1"/>
+            </a:solidFill>
+            <a:tailEnd type="triangle"/>
+          </a:ln>
+        </p:spPr>
+        <p:txBody>
+          <a:bodyPr lIns="45718" tIns="45718" rIns="45718" bIns="45718"/>
+          <a:lstStyle/>
+          <a:p>
+            <a:pPr>
+              <a:defRPr>
+                <a:solidFill>
+                  <a:srgbClr val="219DC9"/>
+                </a:solidFill>
+              </a:defRPr>
+            </a:pPr>
+            <a:endParaRPr/>
+          </a:p>
+        </p:txBody>
+      </p:sp>
+      <p:sp>
+        <p:nvSpPr>
+          <p:cNvPr id="323" name="Line"/>
+          <p:cNvSpPr/>
+          <p:nvPr/>
+        </p:nvSpPr>
+        <p:spPr>
+          <a:xfrm>
+            <a:off x="3980562" y="3474000"/>
+            <a:ext cx="545620" cy="341628"/>
+          </a:xfrm>
+          <a:prstGeom prst="line">
+            <a:avLst/>
+          </a:prstGeom>
+          <a:ln w="25400">
+            <a:solidFill>
+              <a:schemeClr val="accent1"/>
+            </a:solidFill>
+            <a:tailEnd type="triangle"/>
+          </a:ln>
+        </p:spPr>
+        <p:txBody>
+          <a:bodyPr lIns="45718" tIns="45718" rIns="45718" bIns="45718"/>
+          <a:lstStyle/>
+          <a:p>
+            <a:pPr>
+              <a:defRPr>
+                <a:solidFill>
+                  <a:srgbClr val="219DC9"/>
+                </a:solidFill>
+              </a:defRPr>
+            </a:pPr>
+            <a:endParaRPr/>
+          </a:p>
+        </p:txBody>
+      </p:sp>
+      <p:sp>
+        <p:nvSpPr>
+          <p:cNvPr id="324" name="Line"/>
+          <p:cNvSpPr/>
+          <p:nvPr/>
+        </p:nvSpPr>
+        <p:spPr>
+          <a:xfrm>
+            <a:off x="2550544" y="4063119"/>
+            <a:ext cx="329151" cy="1"/>
+          </a:xfrm>
+          <a:prstGeom prst="line">
+            <a:avLst/>
+          </a:prstGeom>
+          <a:ln w="25400">
+            <a:solidFill>
+              <a:schemeClr val="accent1"/>
+            </a:solidFill>
+          </a:ln>
+        </p:spPr>
+        <p:txBody>
+          <a:bodyPr lIns="45718" tIns="45718" rIns="45718" bIns="45718"/>
+          <a:lstStyle/>
+          <a:p>
+            <a:pPr>
+              <a:defRPr>
+                <a:solidFill>
+                  <a:srgbClr val="219DC9"/>
+                </a:solidFill>
+              </a:defRPr>
+            </a:pPr>
+            <a:endParaRPr/>
+          </a:p>
+        </p:txBody>
+      </p:sp>
+      <p:sp>
+        <p:nvSpPr>
+          <p:cNvPr id="325" name="Line"/>
+          <p:cNvSpPr/>
+          <p:nvPr/>
+        </p:nvSpPr>
+        <p:spPr>
+          <a:xfrm>
+            <a:off x="2560831" y="3330561"/>
+            <a:ext cx="1" cy="742520"/>
+          </a:xfrm>
+          <a:prstGeom prst="line">
+            <a:avLst/>
+          </a:prstGeom>
+          <a:ln w="25400">
+            <a:solidFill>
+              <a:schemeClr val="accent1"/>
+            </a:solidFill>
+          </a:ln>
+        </p:spPr>
+        <p:txBody>
+          <a:bodyPr lIns="45718" tIns="45718" rIns="45718" bIns="45718"/>
+          <a:lstStyle/>
+          <a:p>
+            <a:pPr>
+              <a:defRPr>
+                <a:solidFill>
+                  <a:srgbClr val="219DC9"/>
+                </a:solidFill>
+              </a:defRPr>
+            </a:pPr>
+            <a:endParaRPr/>
+          </a:p>
+        </p:txBody>
+      </p:sp>
+      <p:sp>
+        <p:nvSpPr>
+          <p:cNvPr id="326" name="Line"/>
+          <p:cNvSpPr/>
+          <p:nvPr/>
+        </p:nvSpPr>
+        <p:spPr>
+          <a:xfrm>
+            <a:off x="2551105" y="3345481"/>
+            <a:ext cx="1001793" cy="1"/>
+          </a:xfrm>
+          <a:prstGeom prst="line">
+            <a:avLst/>
+          </a:prstGeom>
+          <a:ln w="25400">
+            <a:solidFill>
+              <a:schemeClr val="accent1"/>
+            </a:solidFill>
+            <a:tailEnd type="triangle"/>
+          </a:ln>
+        </p:spPr>
+        <p:txBody>
+          <a:bodyPr lIns="45718" tIns="45718" rIns="45718" bIns="45718"/>
+          <a:lstStyle/>
+          <a:p>
+            <a:pPr>
+              <a:defRPr>
+                <a:solidFill>
+                  <a:srgbClr val="219DC9"/>
+                </a:solidFill>
+              </a:defRPr>
+            </a:pPr>
+            <a:endParaRPr/>
+          </a:p>
+        </p:txBody>
+      </p:sp>
+      <p:sp>
+        <p:nvSpPr>
+          <p:cNvPr id="327" name="Line"/>
+          <p:cNvSpPr/>
+          <p:nvPr/>
+        </p:nvSpPr>
+        <p:spPr>
+          <a:xfrm flipV="1">
+            <a:off x="3103503" y="5116661"/>
+            <a:ext cx="1" cy="550456"/>
+          </a:xfrm>
+          <a:prstGeom prst="line">
+            <a:avLst/>
+          </a:prstGeom>
+          <a:ln w="25400">
+            <a:solidFill>
+              <a:schemeClr val="accent1"/>
+            </a:solidFill>
+          </a:ln>
+        </p:spPr>
+        <p:txBody>
+          <a:bodyPr lIns="45718" tIns="45718" rIns="45718" bIns="45718"/>
+          <a:lstStyle/>
+          <a:p>
+            <a:pPr>
+              <a:defRPr>
+                <a:solidFill>
+                  <a:srgbClr val="219DC9"/>
+                </a:solidFill>
+              </a:defRPr>
+            </a:pPr>
+            <a:endParaRPr/>
+          </a:p>
+        </p:txBody>
+      </p:sp>
+      <p:sp>
+        <p:nvSpPr>
+          <p:cNvPr id="328" name="Line"/>
+          <p:cNvSpPr/>
+          <p:nvPr/>
+        </p:nvSpPr>
+        <p:spPr>
+          <a:xfrm>
+            <a:off x="3099083" y="5658383"/>
+            <a:ext cx="1890343" cy="1"/>
+          </a:xfrm>
+          <a:prstGeom prst="line">
+            <a:avLst/>
+          </a:prstGeom>
+          <a:ln w="25400">
+            <a:solidFill>
+              <a:schemeClr val="accent1"/>
+            </a:solidFill>
+          </a:ln>
+        </p:spPr>
+        <p:txBody>
+          <a:bodyPr lIns="45718" tIns="45718" rIns="45718" bIns="45718"/>
+          <a:lstStyle/>
+          <a:p>
+            <a:pPr>
+              <a:defRPr>
+                <a:solidFill>
+                  <a:srgbClr val="219DC9"/>
+                </a:solidFill>
+              </a:defRPr>
+            </a:pPr>
+            <a:endParaRPr/>
+          </a:p>
+        </p:txBody>
+      </p:sp>
+      <p:sp>
+        <p:nvSpPr>
+          <p:cNvPr id="329" name="Line"/>
+          <p:cNvSpPr/>
+          <p:nvPr/>
+        </p:nvSpPr>
+        <p:spPr>
+          <a:xfrm flipH="1">
+            <a:off x="4976108" y="3329983"/>
+            <a:ext cx="1" cy="2338409"/>
+          </a:xfrm>
+          <a:prstGeom prst="line">
+            <a:avLst/>
+          </a:prstGeom>
+          <a:ln w="25400">
+            <a:solidFill>
+              <a:schemeClr val="accent1"/>
+            </a:solidFill>
+          </a:ln>
+        </p:spPr>
+        <p:txBody>
+          <a:bodyPr lIns="45718" tIns="45718" rIns="45718" bIns="45718"/>
+          <a:lstStyle/>
+          <a:p>
+            <a:pPr>
+              <a:defRPr>
+                <a:solidFill>
+                  <a:srgbClr val="219DC9"/>
+                </a:solidFill>
+              </a:defRPr>
+            </a:pPr>
+            <a:endParaRPr/>
+          </a:p>
+        </p:txBody>
+      </p:sp>
+      <p:sp>
+        <p:nvSpPr>
+          <p:cNvPr id="330" name="Line"/>
+          <p:cNvSpPr/>
+          <p:nvPr/>
+        </p:nvSpPr>
+        <p:spPr>
+          <a:xfrm flipH="1">
+            <a:off x="4015777" y="3345482"/>
+            <a:ext cx="970870" cy="1"/>
+          </a:xfrm>
+          <a:prstGeom prst="line">
+            <a:avLst/>
+          </a:prstGeom>
+          <a:ln w="25400">
+            <a:solidFill>
+              <a:schemeClr val="accent1"/>
+            </a:solidFill>
+            <a:tailEnd type="triangle"/>
+          </a:ln>
+        </p:spPr>
+        <p:txBody>
+          <a:bodyPr lIns="45718" tIns="45718" rIns="45718" bIns="45718"/>
+          <a:lstStyle/>
+          <a:p>
+            <a:pPr>
+              <a:defRPr>
+                <a:solidFill>
+                  <a:srgbClr val="219DC9"/>
+                </a:solidFill>
+              </a:defRPr>
+            </a:pPr>
+            <a:endParaRPr/>
+          </a:p>
+        </p:txBody>
+      </p:sp>
+      <p:sp>
+        <p:nvSpPr>
+          <p:cNvPr id="331" name="5"/>
           <p:cNvSpPr txBox="1"/>
           <p:nvPr/>
         </p:nvSpPr>
         <p:spPr>
           <a:xfrm>
-            <a:off x="4375039" y="4684062"/>
-            <a:ext cx="252347" cy="383539"/>
+            <a:off x="4059607" y="2443689"/>
+            <a:ext cx="237340" cy="383539"/>
           </a:xfrm>
           <a:prstGeom prst="rect">
             <a:avLst/>
@@ -10739,7 +10923,373 @@
           </a:ln>
           <a:extLst>
             <a:ext uri="{C572A759-6A51-4108-AA02-DFA0A04FC94B}">
-              <ma14:wrappingTextBoxFlag xmlns="" xmlns:ma14="http://schemas.microsoft.com/office/mac/drawingml/2011/main" val="1"/>
+              <ma14:wrappingTextBoxFlag xmlns:ma14="http://schemas.microsoft.com/office/mac/drawingml/2011/main" xmlns="" val="1"/>
+            </a:ext>
+          </a:extLst>
+        </p:spPr>
+        <p:txBody>
+          <a:bodyPr wrap="none" lIns="45718" tIns="45718" rIns="45718" bIns="45718">
+            <a:spAutoFit/>
+          </a:bodyPr>
+          <a:lstStyle>
+            <a:lvl1pPr>
+              <a:defRPr b="0">
+                <a:solidFill>
+                  <a:srgbClr val="000000"/>
+                </a:solidFill>
+              </a:defRPr>
+            </a:lvl1pPr>
+          </a:lstStyle>
+          <a:p>
+            <a:r>
+              <a:t>5</a:t>
+            </a:r>
+          </a:p>
+        </p:txBody>
+      </p:sp>
+      <p:sp>
+        <p:nvSpPr>
+          <p:cNvPr id="332" name="3"/>
+          <p:cNvSpPr txBox="1"/>
+          <p:nvPr/>
+        </p:nvSpPr>
+        <p:spPr>
+          <a:xfrm>
+            <a:off x="4044254" y="2953462"/>
+            <a:ext cx="237340" cy="383539"/>
+          </a:xfrm>
+          <a:prstGeom prst="rect">
+            <a:avLst/>
+          </a:prstGeom>
+          <a:ln w="12700">
+            <a:miter lim="400000"/>
+          </a:ln>
+          <a:extLst>
+            <a:ext uri="{C572A759-6A51-4108-AA02-DFA0A04FC94B}">
+              <ma14:wrappingTextBoxFlag xmlns:ma14="http://schemas.microsoft.com/office/mac/drawingml/2011/main" xmlns="" val="1"/>
+            </a:ext>
+          </a:extLst>
+        </p:spPr>
+        <p:txBody>
+          <a:bodyPr wrap="none" lIns="45718" tIns="45718" rIns="45718" bIns="45718">
+            <a:spAutoFit/>
+          </a:bodyPr>
+          <a:lstStyle>
+            <a:lvl1pPr>
+              <a:defRPr b="0">
+                <a:solidFill>
+                  <a:srgbClr val="000000"/>
+                </a:solidFill>
+              </a:defRPr>
+            </a:lvl1pPr>
+          </a:lstStyle>
+          <a:p>
+            <a:r>
+              <a:t>3</a:t>
+            </a:r>
+          </a:p>
+        </p:txBody>
+      </p:sp>
+      <p:sp>
+        <p:nvSpPr>
+          <p:cNvPr id="333" name="4"/>
+          <p:cNvSpPr txBox="1"/>
+          <p:nvPr/>
+        </p:nvSpPr>
+        <p:spPr>
+          <a:xfrm>
+            <a:off x="3352440" y="3888437"/>
+            <a:ext cx="237340" cy="383539"/>
+          </a:xfrm>
+          <a:prstGeom prst="rect">
+            <a:avLst/>
+          </a:prstGeom>
+          <a:ln w="12700">
+            <a:miter lim="400000"/>
+          </a:ln>
+          <a:extLst>
+            <a:ext uri="{C572A759-6A51-4108-AA02-DFA0A04FC94B}">
+              <ma14:wrappingTextBoxFlag xmlns:ma14="http://schemas.microsoft.com/office/mac/drawingml/2011/main" xmlns="" val="1"/>
+            </a:ext>
+          </a:extLst>
+        </p:spPr>
+        <p:txBody>
+          <a:bodyPr wrap="none" lIns="45718" tIns="45718" rIns="45718" bIns="45718">
+            <a:spAutoFit/>
+          </a:bodyPr>
+          <a:lstStyle>
+            <a:lvl1pPr>
+              <a:defRPr b="0">
+                <a:solidFill>
+                  <a:srgbClr val="000000"/>
+                </a:solidFill>
+              </a:defRPr>
+            </a:lvl1pPr>
+          </a:lstStyle>
+          <a:p>
+            <a:r>
+              <a:t>4</a:t>
+            </a:r>
+          </a:p>
+        </p:txBody>
+      </p:sp>
+      <p:sp>
+        <p:nvSpPr>
+          <p:cNvPr id="334" name="2"/>
+          <p:cNvSpPr txBox="1"/>
+          <p:nvPr/>
+        </p:nvSpPr>
+        <p:spPr>
+          <a:xfrm>
+            <a:off x="3352440" y="4708544"/>
+            <a:ext cx="237340" cy="383539"/>
+          </a:xfrm>
+          <a:prstGeom prst="rect">
+            <a:avLst/>
+          </a:prstGeom>
+          <a:ln w="12700">
+            <a:miter lim="400000"/>
+          </a:ln>
+          <a:extLst>
+            <a:ext uri="{C572A759-6A51-4108-AA02-DFA0A04FC94B}">
+              <ma14:wrappingTextBoxFlag xmlns:ma14="http://schemas.microsoft.com/office/mac/drawingml/2011/main" xmlns="" val="1"/>
+            </a:ext>
+          </a:extLst>
+        </p:spPr>
+        <p:txBody>
+          <a:bodyPr wrap="none" lIns="45718" tIns="45718" rIns="45718" bIns="45718">
+            <a:spAutoFit/>
+          </a:bodyPr>
+          <a:lstStyle>
+            <a:lvl1pPr>
+              <a:defRPr b="0">
+                <a:solidFill>
+                  <a:srgbClr val="000000"/>
+                </a:solidFill>
+              </a:defRPr>
+            </a:lvl1pPr>
+          </a:lstStyle>
+          <a:p>
+            <a:r>
+              <a:t>2</a:t>
+            </a:r>
+          </a:p>
+        </p:txBody>
+      </p:sp>
+      <p:sp>
+        <p:nvSpPr>
+          <p:cNvPr id="335" name="1"/>
+          <p:cNvSpPr txBox="1"/>
+          <p:nvPr/>
+        </p:nvSpPr>
+        <p:spPr>
+          <a:xfrm>
+            <a:off x="4719202" y="3853389"/>
+            <a:ext cx="237340" cy="383539"/>
+          </a:xfrm>
+          <a:prstGeom prst="rect">
+            <a:avLst/>
+          </a:prstGeom>
+          <a:ln w="12700">
+            <a:miter lim="400000"/>
+          </a:ln>
+          <a:extLst>
+            <a:ext uri="{C572A759-6A51-4108-AA02-DFA0A04FC94B}">
+              <ma14:wrappingTextBoxFlag xmlns:ma14="http://schemas.microsoft.com/office/mac/drawingml/2011/main" xmlns="" val="1"/>
+            </a:ext>
+          </a:extLst>
+        </p:spPr>
+        <p:txBody>
+          <a:bodyPr wrap="none" lIns="45718" tIns="45718" rIns="45718" bIns="45718">
+            <a:spAutoFit/>
+          </a:bodyPr>
+          <a:lstStyle>
+            <a:lvl1pPr>
+              <a:defRPr b="0">
+                <a:solidFill>
+                  <a:srgbClr val="000000"/>
+                </a:solidFill>
+              </a:defRPr>
+            </a:lvl1pPr>
+          </a:lstStyle>
+          <a:p>
+            <a:r>
+              <a:t>1</a:t>
+            </a:r>
+          </a:p>
+        </p:txBody>
+      </p:sp>
+      <p:sp>
+        <p:nvSpPr>
+          <p:cNvPr id="336" name="0"/>
+          <p:cNvSpPr txBox="1"/>
+          <p:nvPr/>
+        </p:nvSpPr>
+        <p:spPr>
+          <a:xfrm>
+            <a:off x="4719202" y="4680107"/>
+            <a:ext cx="237340" cy="383539"/>
+          </a:xfrm>
+          <a:prstGeom prst="rect">
+            <a:avLst/>
+          </a:prstGeom>
+          <a:ln w="12700">
+            <a:miter lim="400000"/>
+          </a:ln>
+          <a:extLst>
+            <a:ext uri="{C572A759-6A51-4108-AA02-DFA0A04FC94B}">
+              <ma14:wrappingTextBoxFlag xmlns:ma14="http://schemas.microsoft.com/office/mac/drawingml/2011/main" xmlns="" val="1"/>
+            </a:ext>
+          </a:extLst>
+        </p:spPr>
+        <p:txBody>
+          <a:bodyPr wrap="none" lIns="45718" tIns="45718" rIns="45718" bIns="45718">
+            <a:spAutoFit/>
+          </a:bodyPr>
+          <a:lstStyle>
+            <a:lvl1pPr>
+              <a:defRPr b="0">
+                <a:solidFill>
+                  <a:srgbClr val="000000"/>
+                </a:solidFill>
+              </a:defRPr>
+            </a:lvl1pPr>
+          </a:lstStyle>
+          <a:p>
+            <a:r>
+              <a:t>0</a:t>
+            </a:r>
+          </a:p>
+        </p:txBody>
+      </p:sp>
+      <p:pic>
+        <p:nvPicPr>
+          <p:cNvPr id="7" name="图片 6"/>
+          <p:cNvPicPr>
+            <a:picLocks noChangeAspect="1"/>
+          </p:cNvPicPr>
+          <p:nvPr/>
+        </p:nvPicPr>
+        <p:blipFill>
+          <a:blip r:embed="rId3" cstate="print">
+            <a:extLst>
+              <a:ext uri="{28A0092B-C50C-407E-A947-70E740481C1C}">
+                <a14:useLocalDpi xmlns:a14="http://schemas.microsoft.com/office/drawing/2010/main" val="0"/>
+              </a:ext>
+            </a:extLst>
+          </a:blip>
+          <a:stretch>
+            <a:fillRect/>
+          </a:stretch>
+        </p:blipFill>
+        <p:spPr>
+          <a:xfrm>
+            <a:off x="5758428" y="1873051"/>
+            <a:ext cx="4920757" cy="4030772"/>
+          </a:xfrm>
+          <a:prstGeom prst="rect">
+            <a:avLst/>
+          </a:prstGeom>
+        </p:spPr>
+      </p:pic>
+      <p:sp>
+        <p:nvSpPr>
+          <p:cNvPr id="4" name="矩形 3"/>
+          <p:cNvSpPr/>
+          <p:nvPr/>
+        </p:nvSpPr>
+        <p:spPr>
+          <a:xfrm>
+            <a:off x="9194397" y="2400145"/>
+            <a:ext cx="1867989" cy="3775166"/>
+          </a:xfrm>
+          <a:prstGeom prst="rect">
+            <a:avLst/>
+          </a:prstGeom>
+          <a:solidFill>
+            <a:schemeClr val="bg1"/>
+          </a:solidFill>
+          <a:ln w="25400" cap="flat">
+            <a:solidFill>
+              <a:schemeClr val="bg1"/>
+            </a:solidFill>
+            <a:prstDash val="solid"/>
+            <a:round/>
+          </a:ln>
+          <a:effectLst/>
+          <a:sp3d/>
+        </p:spPr>
+        <p:style>
+          <a:lnRef idx="0">
+            <a:scrgbClr r="0" g="0" b="0"/>
+          </a:lnRef>
+          <a:fillRef idx="0">
+            <a:scrgbClr r="0" g="0" b="0"/>
+          </a:fillRef>
+          <a:effectRef idx="0">
+            <a:scrgbClr r="0" g="0" b="0"/>
+          </a:effectRef>
+          <a:fontRef idx="none"/>
+        </p:style>
+        <p:txBody>
+          <a:bodyPr rot="0" spcFirstLastPara="1" vertOverflow="overflow" horzOverflow="overflow" vert="horz" wrap="square" lIns="45718" tIns="45718" rIns="45718" bIns="45718" numCol="1" spcCol="38100" rtlCol="0" anchor="ctr">
+            <a:spAutoFit/>
+          </a:bodyPr>
+          <a:lstStyle/>
+          <a:p>
+            <a:pPr marL="0" marR="0" indent="0" algn="just" defTabSz="914400" rtl="0" fontAlgn="auto" latinLnBrk="0" hangingPunct="0">
+              <a:lnSpc>
+                <a:spcPct val="100000"/>
+              </a:lnSpc>
+              <a:spcBef>
+                <a:spcPts val="0"/>
+              </a:spcBef>
+              <a:spcAft>
+                <a:spcPts val="0"/>
+              </a:spcAft>
+              <a:buClrTx/>
+              <a:buSzTx/>
+              <a:buFontTx/>
+              <a:buNone/>
+              <a:tabLst/>
+            </a:pPr>
+            <a:endParaRPr kumimoji="0" lang="zh-CN" altLang="en-US" sz="2000" b="1" i="0" u="none" strike="noStrike" cap="none" spc="0" normalizeH="0" baseline="0">
+              <a:ln>
+                <a:noFill/>
+              </a:ln>
+              <a:solidFill>
+                <a:srgbClr val="FFFFFF"/>
+              </a:solidFill>
+              <a:effectLst/>
+              <a:uFillTx/>
+              <a:latin typeface="+mn-lt"/>
+              <a:ea typeface="+mn-ea"/>
+              <a:cs typeface="+mn-cs"/>
+              <a:sym typeface="Calibri"/>
+            </a:endParaRPr>
+          </a:p>
+        </p:txBody>
+      </p:sp>
+      <p:sp>
+        <p:nvSpPr>
+          <p:cNvPr id="38" name="Shape 382"/>
+          <p:cNvSpPr txBox="1"/>
+          <p:nvPr/>
+        </p:nvSpPr>
+        <p:spPr>
+          <a:xfrm>
+            <a:off x="1627112" y="641517"/>
+            <a:ext cx="2147379" cy="400105"/>
+          </a:xfrm>
+          <a:prstGeom prst="rect">
+            <a:avLst/>
+          </a:prstGeom>
+          <a:ln w="12700">
+            <a:miter lim="400000"/>
+          </a:ln>
+          <a:extLst>
+            <a:ext uri="{C572A759-6A51-4108-AA02-DFA0A04FC94B}">
+              <ma14:wrappingTextBoxFlag xmlns:ma14="http://schemas.microsoft.com/office/mac/drawingml/2011/main" xmlns="" val="1"/>
             </a:ext>
           </a:extLst>
         </p:spPr>
@@ -10751,912 +11301,21 @@
             <a:lvl1pPr>
               <a:defRPr>
                 <a:solidFill>
-                  <a:srgbClr val="000000"/>
-                </a:solidFill>
+                  <a:srgbClr val="002A7E"/>
+                </a:solidFill>
+                <a:latin typeface="微软雅黑"/>
+                <a:ea typeface="微软雅黑"/>
+                <a:cs typeface="微软雅黑"/>
+                <a:sym typeface="微软雅黑"/>
               </a:defRPr>
             </a:lvl1pPr>
           </a:lstStyle>
           <a:p>
             <a:r>
-              <a:t>F</a:t>
-            </a:r>
-          </a:p>
-        </p:txBody>
-      </p:sp>
-      <p:sp>
-        <p:nvSpPr>
-          <p:cNvPr id="319" name="Line"/>
-          <p:cNvSpPr/>
-          <p:nvPr/>
-        </p:nvSpPr>
-        <p:spPr>
-          <a:xfrm>
-            <a:off x="3802687" y="2844610"/>
-            <a:ext cx="1" cy="263150"/>
-          </a:xfrm>
-          <a:prstGeom prst="line">
-            <a:avLst/>
-          </a:prstGeom>
-          <a:ln w="25400">
-            <a:solidFill>
-              <a:schemeClr val="accent1"/>
-            </a:solidFill>
-            <a:tailEnd type="triangle"/>
-          </a:ln>
-        </p:spPr>
-        <p:txBody>
-          <a:bodyPr lIns="45718" tIns="45718" rIns="45718" bIns="45718"/>
-          <a:lstStyle/>
-          <a:p>
-            <a:pPr>
-              <a:defRPr>
-                <a:solidFill>
-                  <a:srgbClr val="219DC9"/>
-                </a:solidFill>
-              </a:defRPr>
-            </a:pPr>
-            <a:endParaRPr/>
-          </a:p>
-        </p:txBody>
-      </p:sp>
-      <p:sp>
-        <p:nvSpPr>
-          <p:cNvPr id="320" name="Line"/>
-          <p:cNvSpPr/>
-          <p:nvPr/>
-        </p:nvSpPr>
-        <p:spPr>
-          <a:xfrm>
-            <a:off x="3104187" y="4297479"/>
-            <a:ext cx="1" cy="376833"/>
-          </a:xfrm>
-          <a:prstGeom prst="line">
-            <a:avLst/>
-          </a:prstGeom>
-          <a:ln w="25400">
-            <a:solidFill>
-              <a:schemeClr val="accent1"/>
-            </a:solidFill>
-            <a:tailEnd type="triangle"/>
-          </a:ln>
-        </p:spPr>
-        <p:txBody>
-          <a:bodyPr lIns="45718" tIns="45718" rIns="45718" bIns="45718"/>
-          <a:lstStyle/>
-          <a:p>
-            <a:pPr>
-              <a:defRPr>
-                <a:solidFill>
-                  <a:srgbClr val="219DC9"/>
-                </a:solidFill>
-              </a:defRPr>
-            </a:pPr>
-            <a:endParaRPr/>
-          </a:p>
-        </p:txBody>
-      </p:sp>
-      <p:sp>
-        <p:nvSpPr>
-          <p:cNvPr id="321" name="Line"/>
-          <p:cNvSpPr/>
-          <p:nvPr/>
-        </p:nvSpPr>
-        <p:spPr>
-          <a:xfrm>
-            <a:off x="4494836" y="4272079"/>
-            <a:ext cx="1" cy="376833"/>
-          </a:xfrm>
-          <a:prstGeom prst="line">
-            <a:avLst/>
-          </a:prstGeom>
-          <a:ln w="25400">
-            <a:solidFill>
-              <a:schemeClr val="accent1"/>
-            </a:solidFill>
-            <a:tailEnd type="triangle"/>
-          </a:ln>
-        </p:spPr>
-        <p:txBody>
-          <a:bodyPr lIns="45718" tIns="45718" rIns="45718" bIns="45718"/>
-          <a:lstStyle/>
-          <a:p>
-            <a:pPr>
-              <a:defRPr>
-                <a:solidFill>
-                  <a:srgbClr val="219DC9"/>
-                </a:solidFill>
-              </a:defRPr>
-            </a:pPr>
-            <a:endParaRPr/>
-          </a:p>
-        </p:txBody>
-      </p:sp>
-      <p:sp>
-        <p:nvSpPr>
-          <p:cNvPr id="322" name="Line"/>
-          <p:cNvSpPr/>
-          <p:nvPr/>
-        </p:nvSpPr>
-        <p:spPr>
-          <a:xfrm flipH="1">
-            <a:off x="3085017" y="3457738"/>
-            <a:ext cx="529246" cy="373906"/>
-          </a:xfrm>
-          <a:prstGeom prst="line">
-            <a:avLst/>
-          </a:prstGeom>
-          <a:ln w="25400">
-            <a:solidFill>
-              <a:schemeClr val="accent1"/>
-            </a:solidFill>
-            <a:tailEnd type="triangle"/>
-          </a:ln>
-        </p:spPr>
-        <p:txBody>
-          <a:bodyPr lIns="45718" tIns="45718" rIns="45718" bIns="45718"/>
-          <a:lstStyle/>
-          <a:p>
-            <a:pPr>
-              <a:defRPr>
-                <a:solidFill>
-                  <a:srgbClr val="219DC9"/>
-                </a:solidFill>
-              </a:defRPr>
-            </a:pPr>
-            <a:endParaRPr/>
-          </a:p>
-        </p:txBody>
-      </p:sp>
-      <p:sp>
-        <p:nvSpPr>
-          <p:cNvPr id="323" name="Line"/>
-          <p:cNvSpPr/>
-          <p:nvPr/>
-        </p:nvSpPr>
-        <p:spPr>
-          <a:xfrm>
-            <a:off x="3980562" y="3474000"/>
-            <a:ext cx="545620" cy="341628"/>
-          </a:xfrm>
-          <a:prstGeom prst="line">
-            <a:avLst/>
-          </a:prstGeom>
-          <a:ln w="25400">
-            <a:solidFill>
-              <a:schemeClr val="accent1"/>
-            </a:solidFill>
-            <a:tailEnd type="triangle"/>
-          </a:ln>
-        </p:spPr>
-        <p:txBody>
-          <a:bodyPr lIns="45718" tIns="45718" rIns="45718" bIns="45718"/>
-          <a:lstStyle/>
-          <a:p>
-            <a:pPr>
-              <a:defRPr>
-                <a:solidFill>
-                  <a:srgbClr val="219DC9"/>
-                </a:solidFill>
-              </a:defRPr>
-            </a:pPr>
-            <a:endParaRPr/>
-          </a:p>
-        </p:txBody>
-      </p:sp>
-      <p:sp>
-        <p:nvSpPr>
-          <p:cNvPr id="324" name="Line"/>
-          <p:cNvSpPr/>
-          <p:nvPr/>
-        </p:nvSpPr>
-        <p:spPr>
-          <a:xfrm>
-            <a:off x="2550544" y="4063119"/>
-            <a:ext cx="329151" cy="1"/>
-          </a:xfrm>
-          <a:prstGeom prst="line">
-            <a:avLst/>
-          </a:prstGeom>
-          <a:ln w="25400">
-            <a:solidFill>
-              <a:schemeClr val="accent1"/>
-            </a:solidFill>
-          </a:ln>
-        </p:spPr>
-        <p:txBody>
-          <a:bodyPr lIns="45718" tIns="45718" rIns="45718" bIns="45718"/>
-          <a:lstStyle/>
-          <a:p>
-            <a:pPr>
-              <a:defRPr>
-                <a:solidFill>
-                  <a:srgbClr val="219DC9"/>
-                </a:solidFill>
-              </a:defRPr>
-            </a:pPr>
-            <a:endParaRPr/>
-          </a:p>
-        </p:txBody>
-      </p:sp>
-      <p:sp>
-        <p:nvSpPr>
-          <p:cNvPr id="325" name="Line"/>
-          <p:cNvSpPr/>
-          <p:nvPr/>
-        </p:nvSpPr>
-        <p:spPr>
-          <a:xfrm>
-            <a:off x="2560831" y="3330561"/>
-            <a:ext cx="1" cy="742520"/>
-          </a:xfrm>
-          <a:prstGeom prst="line">
-            <a:avLst/>
-          </a:prstGeom>
-          <a:ln w="25400">
-            <a:solidFill>
-              <a:schemeClr val="accent1"/>
-            </a:solidFill>
-          </a:ln>
-        </p:spPr>
-        <p:txBody>
-          <a:bodyPr lIns="45718" tIns="45718" rIns="45718" bIns="45718"/>
-          <a:lstStyle/>
-          <a:p>
-            <a:pPr>
-              <a:defRPr>
-                <a:solidFill>
-                  <a:srgbClr val="219DC9"/>
-                </a:solidFill>
-              </a:defRPr>
-            </a:pPr>
-            <a:endParaRPr/>
-          </a:p>
-        </p:txBody>
-      </p:sp>
-      <p:sp>
-        <p:nvSpPr>
-          <p:cNvPr id="326" name="Line"/>
-          <p:cNvSpPr/>
-          <p:nvPr/>
-        </p:nvSpPr>
-        <p:spPr>
-          <a:xfrm>
-            <a:off x="2551105" y="3345481"/>
-            <a:ext cx="1001793" cy="1"/>
-          </a:xfrm>
-          <a:prstGeom prst="line">
-            <a:avLst/>
-          </a:prstGeom>
-          <a:ln w="25400">
-            <a:solidFill>
-              <a:schemeClr val="accent1"/>
-            </a:solidFill>
-            <a:tailEnd type="triangle"/>
-          </a:ln>
-        </p:spPr>
-        <p:txBody>
-          <a:bodyPr lIns="45718" tIns="45718" rIns="45718" bIns="45718"/>
-          <a:lstStyle/>
-          <a:p>
-            <a:pPr>
-              <a:defRPr>
-                <a:solidFill>
-                  <a:srgbClr val="219DC9"/>
-                </a:solidFill>
-              </a:defRPr>
-            </a:pPr>
-            <a:endParaRPr/>
-          </a:p>
-        </p:txBody>
-      </p:sp>
-      <p:sp>
-        <p:nvSpPr>
-          <p:cNvPr id="327" name="Line"/>
-          <p:cNvSpPr/>
-          <p:nvPr/>
-        </p:nvSpPr>
-        <p:spPr>
-          <a:xfrm flipV="1">
-            <a:off x="3103503" y="5116661"/>
-            <a:ext cx="1" cy="550456"/>
-          </a:xfrm>
-          <a:prstGeom prst="line">
-            <a:avLst/>
-          </a:prstGeom>
-          <a:ln w="25400">
-            <a:solidFill>
-              <a:schemeClr val="accent1"/>
-            </a:solidFill>
-          </a:ln>
-        </p:spPr>
-        <p:txBody>
-          <a:bodyPr lIns="45718" tIns="45718" rIns="45718" bIns="45718"/>
-          <a:lstStyle/>
-          <a:p>
-            <a:pPr>
-              <a:defRPr>
-                <a:solidFill>
-                  <a:srgbClr val="219DC9"/>
-                </a:solidFill>
-              </a:defRPr>
-            </a:pPr>
-            <a:endParaRPr/>
-          </a:p>
-        </p:txBody>
-      </p:sp>
-      <p:sp>
-        <p:nvSpPr>
-          <p:cNvPr id="328" name="Line"/>
-          <p:cNvSpPr/>
-          <p:nvPr/>
-        </p:nvSpPr>
-        <p:spPr>
-          <a:xfrm>
-            <a:off x="3099083" y="5658383"/>
-            <a:ext cx="1890343" cy="1"/>
-          </a:xfrm>
-          <a:prstGeom prst="line">
-            <a:avLst/>
-          </a:prstGeom>
-          <a:ln w="25400">
-            <a:solidFill>
-              <a:schemeClr val="accent1"/>
-            </a:solidFill>
-          </a:ln>
-        </p:spPr>
-        <p:txBody>
-          <a:bodyPr lIns="45718" tIns="45718" rIns="45718" bIns="45718"/>
-          <a:lstStyle/>
-          <a:p>
-            <a:pPr>
-              <a:defRPr>
-                <a:solidFill>
-                  <a:srgbClr val="219DC9"/>
-                </a:solidFill>
-              </a:defRPr>
-            </a:pPr>
-            <a:endParaRPr/>
-          </a:p>
-        </p:txBody>
-      </p:sp>
-      <p:sp>
-        <p:nvSpPr>
-          <p:cNvPr id="329" name="Line"/>
-          <p:cNvSpPr/>
-          <p:nvPr/>
-        </p:nvSpPr>
-        <p:spPr>
-          <a:xfrm flipH="1">
-            <a:off x="4976108" y="3329983"/>
-            <a:ext cx="1" cy="2338409"/>
-          </a:xfrm>
-          <a:prstGeom prst="line">
-            <a:avLst/>
-          </a:prstGeom>
-          <a:ln w="25400">
-            <a:solidFill>
-              <a:schemeClr val="accent1"/>
-            </a:solidFill>
-          </a:ln>
-        </p:spPr>
-        <p:txBody>
-          <a:bodyPr lIns="45718" tIns="45718" rIns="45718" bIns="45718"/>
-          <a:lstStyle/>
-          <a:p>
-            <a:pPr>
-              <a:defRPr>
-                <a:solidFill>
-                  <a:srgbClr val="219DC9"/>
-                </a:solidFill>
-              </a:defRPr>
-            </a:pPr>
-            <a:endParaRPr/>
-          </a:p>
-        </p:txBody>
-      </p:sp>
-      <p:sp>
-        <p:nvSpPr>
-          <p:cNvPr id="330" name="Line"/>
-          <p:cNvSpPr/>
-          <p:nvPr/>
-        </p:nvSpPr>
-        <p:spPr>
-          <a:xfrm flipH="1">
-            <a:off x="4015777" y="3345482"/>
-            <a:ext cx="970870" cy="1"/>
-          </a:xfrm>
-          <a:prstGeom prst="line">
-            <a:avLst/>
-          </a:prstGeom>
-          <a:ln w="25400">
-            <a:solidFill>
-              <a:schemeClr val="accent1"/>
-            </a:solidFill>
-            <a:tailEnd type="triangle"/>
-          </a:ln>
-        </p:spPr>
-        <p:txBody>
-          <a:bodyPr lIns="45718" tIns="45718" rIns="45718" bIns="45718"/>
-          <a:lstStyle/>
-          <a:p>
-            <a:pPr>
-              <a:defRPr>
-                <a:solidFill>
-                  <a:srgbClr val="219DC9"/>
-                </a:solidFill>
-              </a:defRPr>
-            </a:pPr>
-            <a:endParaRPr/>
-          </a:p>
-        </p:txBody>
-      </p:sp>
-      <p:sp>
-        <p:nvSpPr>
-          <p:cNvPr id="331" name="5"/>
-          <p:cNvSpPr txBox="1"/>
-          <p:nvPr/>
-        </p:nvSpPr>
-        <p:spPr>
-          <a:xfrm>
-            <a:off x="4059607" y="2443689"/>
-            <a:ext cx="237340" cy="383539"/>
-          </a:xfrm>
-          <a:prstGeom prst="rect">
-            <a:avLst/>
-          </a:prstGeom>
-          <a:ln w="12700">
-            <a:miter lim="400000"/>
-          </a:ln>
-          <a:extLst>
-            <a:ext uri="{C572A759-6A51-4108-AA02-DFA0A04FC94B}">
-              <ma14:wrappingTextBoxFlag xmlns="" xmlns:ma14="http://schemas.microsoft.com/office/mac/drawingml/2011/main" val="1"/>
-            </a:ext>
-          </a:extLst>
-        </p:spPr>
-        <p:txBody>
-          <a:bodyPr wrap="none" lIns="45718" tIns="45718" rIns="45718" bIns="45718">
-            <a:spAutoFit/>
-          </a:bodyPr>
-          <a:lstStyle>
-            <a:lvl1pPr>
-              <a:defRPr b="0">
-                <a:solidFill>
-                  <a:srgbClr val="000000"/>
-                </a:solidFill>
-              </a:defRPr>
-            </a:lvl1pPr>
-          </a:lstStyle>
-          <a:p>
-            <a:r>
-              <a:t>5</a:t>
-            </a:r>
-          </a:p>
-        </p:txBody>
-      </p:sp>
-      <p:sp>
-        <p:nvSpPr>
-          <p:cNvPr id="332" name="3"/>
-          <p:cNvSpPr txBox="1"/>
-          <p:nvPr/>
-        </p:nvSpPr>
-        <p:spPr>
-          <a:xfrm>
-            <a:off x="4044254" y="2953462"/>
-            <a:ext cx="237340" cy="383539"/>
-          </a:xfrm>
-          <a:prstGeom prst="rect">
-            <a:avLst/>
-          </a:prstGeom>
-          <a:ln w="12700">
-            <a:miter lim="400000"/>
-          </a:ln>
-          <a:extLst>
-            <a:ext uri="{C572A759-6A51-4108-AA02-DFA0A04FC94B}">
-              <ma14:wrappingTextBoxFlag xmlns="" xmlns:ma14="http://schemas.microsoft.com/office/mac/drawingml/2011/main" val="1"/>
-            </a:ext>
-          </a:extLst>
-        </p:spPr>
-        <p:txBody>
-          <a:bodyPr wrap="none" lIns="45718" tIns="45718" rIns="45718" bIns="45718">
-            <a:spAutoFit/>
-          </a:bodyPr>
-          <a:lstStyle>
-            <a:lvl1pPr>
-              <a:defRPr b="0">
-                <a:solidFill>
-                  <a:srgbClr val="000000"/>
-                </a:solidFill>
-              </a:defRPr>
-            </a:lvl1pPr>
-          </a:lstStyle>
-          <a:p>
-            <a:r>
-              <a:t>3</a:t>
-            </a:r>
-          </a:p>
-        </p:txBody>
-      </p:sp>
-      <p:sp>
-        <p:nvSpPr>
-          <p:cNvPr id="333" name="4"/>
-          <p:cNvSpPr txBox="1"/>
-          <p:nvPr/>
-        </p:nvSpPr>
-        <p:spPr>
-          <a:xfrm>
-            <a:off x="3352440" y="3888437"/>
-            <a:ext cx="237340" cy="383539"/>
-          </a:xfrm>
-          <a:prstGeom prst="rect">
-            <a:avLst/>
-          </a:prstGeom>
-          <a:ln w="12700">
-            <a:miter lim="400000"/>
-          </a:ln>
-          <a:extLst>
-            <a:ext uri="{C572A759-6A51-4108-AA02-DFA0A04FC94B}">
-              <ma14:wrappingTextBoxFlag xmlns="" xmlns:ma14="http://schemas.microsoft.com/office/mac/drawingml/2011/main" val="1"/>
-            </a:ext>
-          </a:extLst>
-        </p:spPr>
-        <p:txBody>
-          <a:bodyPr wrap="none" lIns="45718" tIns="45718" rIns="45718" bIns="45718">
-            <a:spAutoFit/>
-          </a:bodyPr>
-          <a:lstStyle>
-            <a:lvl1pPr>
-              <a:defRPr b="0">
-                <a:solidFill>
-                  <a:srgbClr val="000000"/>
-                </a:solidFill>
-              </a:defRPr>
-            </a:lvl1pPr>
-          </a:lstStyle>
-          <a:p>
-            <a:r>
-              <a:t>4</a:t>
-            </a:r>
-          </a:p>
-        </p:txBody>
-      </p:sp>
-      <p:sp>
-        <p:nvSpPr>
-          <p:cNvPr id="334" name="2"/>
-          <p:cNvSpPr txBox="1"/>
-          <p:nvPr/>
-        </p:nvSpPr>
-        <p:spPr>
-          <a:xfrm>
-            <a:off x="3352440" y="4708544"/>
-            <a:ext cx="237340" cy="383539"/>
-          </a:xfrm>
-          <a:prstGeom prst="rect">
-            <a:avLst/>
-          </a:prstGeom>
-          <a:ln w="12700">
-            <a:miter lim="400000"/>
-          </a:ln>
-          <a:extLst>
-            <a:ext uri="{C572A759-6A51-4108-AA02-DFA0A04FC94B}">
-              <ma14:wrappingTextBoxFlag xmlns="" xmlns:ma14="http://schemas.microsoft.com/office/mac/drawingml/2011/main" val="1"/>
-            </a:ext>
-          </a:extLst>
-        </p:spPr>
-        <p:txBody>
-          <a:bodyPr wrap="none" lIns="45718" tIns="45718" rIns="45718" bIns="45718">
-            <a:spAutoFit/>
-          </a:bodyPr>
-          <a:lstStyle>
-            <a:lvl1pPr>
-              <a:defRPr b="0">
-                <a:solidFill>
-                  <a:srgbClr val="000000"/>
-                </a:solidFill>
-              </a:defRPr>
-            </a:lvl1pPr>
-          </a:lstStyle>
-          <a:p>
-            <a:r>
-              <a:t>2</a:t>
-            </a:r>
-          </a:p>
-        </p:txBody>
-      </p:sp>
-      <p:sp>
-        <p:nvSpPr>
-          <p:cNvPr id="335" name="1"/>
-          <p:cNvSpPr txBox="1"/>
-          <p:nvPr/>
-        </p:nvSpPr>
-        <p:spPr>
-          <a:xfrm>
-            <a:off x="4719202" y="3853389"/>
-            <a:ext cx="237340" cy="383539"/>
-          </a:xfrm>
-          <a:prstGeom prst="rect">
-            <a:avLst/>
-          </a:prstGeom>
-          <a:ln w="12700">
-            <a:miter lim="400000"/>
-          </a:ln>
-          <a:extLst>
-            <a:ext uri="{C572A759-6A51-4108-AA02-DFA0A04FC94B}">
-              <ma14:wrappingTextBoxFlag xmlns="" xmlns:ma14="http://schemas.microsoft.com/office/mac/drawingml/2011/main" val="1"/>
-            </a:ext>
-          </a:extLst>
-        </p:spPr>
-        <p:txBody>
-          <a:bodyPr wrap="none" lIns="45718" tIns="45718" rIns="45718" bIns="45718">
-            <a:spAutoFit/>
-          </a:bodyPr>
-          <a:lstStyle>
-            <a:lvl1pPr>
-              <a:defRPr b="0">
-                <a:solidFill>
-                  <a:srgbClr val="000000"/>
-                </a:solidFill>
-              </a:defRPr>
-            </a:lvl1pPr>
-          </a:lstStyle>
-          <a:p>
-            <a:r>
-              <a:t>1</a:t>
-            </a:r>
-          </a:p>
-        </p:txBody>
-      </p:sp>
-      <p:sp>
-        <p:nvSpPr>
-          <p:cNvPr id="336" name="0"/>
-          <p:cNvSpPr txBox="1"/>
-          <p:nvPr/>
-        </p:nvSpPr>
-        <p:spPr>
-          <a:xfrm>
-            <a:off x="4719202" y="4680107"/>
-            <a:ext cx="237340" cy="383539"/>
-          </a:xfrm>
-          <a:prstGeom prst="rect">
-            <a:avLst/>
-          </a:prstGeom>
-          <a:ln w="12700">
-            <a:miter lim="400000"/>
-          </a:ln>
-          <a:extLst>
-            <a:ext uri="{C572A759-6A51-4108-AA02-DFA0A04FC94B}">
-              <ma14:wrappingTextBoxFlag xmlns="" xmlns:ma14="http://schemas.microsoft.com/office/mac/drawingml/2011/main" val="1"/>
-            </a:ext>
-          </a:extLst>
-        </p:spPr>
-        <p:txBody>
-          <a:bodyPr wrap="none" lIns="45718" tIns="45718" rIns="45718" bIns="45718">
-            <a:spAutoFit/>
-          </a:bodyPr>
-          <a:lstStyle>
-            <a:lvl1pPr>
-              <a:defRPr b="0">
-                <a:solidFill>
-                  <a:srgbClr val="000000"/>
-                </a:solidFill>
-              </a:defRPr>
-            </a:lvl1pPr>
-          </a:lstStyle>
-          <a:p>
-            <a:r>
-              <a:t>0</a:t>
-            </a:r>
-          </a:p>
-        </p:txBody>
-      </p:sp>
-      <p:sp>
-        <p:nvSpPr>
-          <p:cNvPr id="337" name="π=(5+3)+(3+4)+(3+1)+(4+3)+(4+2)+(2+3)+(1+0)…"/>
-          <p:cNvSpPr txBox="1"/>
-          <p:nvPr/>
-        </p:nvSpPr>
-        <p:spPr>
-          <a:xfrm>
-            <a:off x="5449526" y="2792731"/>
-            <a:ext cx="5569252" cy="1272539"/>
-          </a:xfrm>
-          <a:prstGeom prst="rect">
-            <a:avLst/>
-          </a:prstGeom>
-          <a:ln w="12700">
-            <a:miter lim="400000"/>
-          </a:ln>
-          <a:extLst>
-            <a:ext uri="{C572A759-6A51-4108-AA02-DFA0A04FC94B}">
-              <ma14:wrappingTextBoxFlag xmlns="" xmlns:ma14="http://schemas.microsoft.com/office/mac/drawingml/2011/main" val="1"/>
-            </a:ext>
-          </a:extLst>
-        </p:spPr>
-        <p:txBody>
-          <a:bodyPr lIns="45718" tIns="45718" rIns="45718" bIns="45718">
-            <a:spAutoFit/>
-          </a:bodyPr>
-          <a:lstStyle/>
-          <a:p>
-            <a:pPr algn="l" defTabSz="457200">
-              <a:lnSpc>
-                <a:spcPts val="3600"/>
-              </a:lnSpc>
-              <a:spcBef>
-                <a:spcPts val="1200"/>
-              </a:spcBef>
-              <a:defRPr sz="1900" b="0">
-                <a:solidFill>
-                  <a:srgbClr val="000000"/>
-                </a:solidFill>
-                <a:latin typeface="+mj-lt"/>
-                <a:ea typeface="+mj-ea"/>
-                <a:cs typeface="+mj-cs"/>
-                <a:sym typeface="Calibri Light"/>
-              </a:defRPr>
-            </a:pPr>
-            <a:r>
-              <a:rPr dirty="0"/>
-              <a:t>π=(5+3)+(3+4)+(3+1)+(4+3)+(4+2)+(2+3)+(1+0) </a:t>
-            </a:r>
-          </a:p>
-          <a:p>
-            <a:pPr algn="l" defTabSz="457200">
-              <a:lnSpc>
-                <a:spcPts val="3600"/>
-              </a:lnSpc>
-              <a:spcBef>
-                <a:spcPts val="1200"/>
-              </a:spcBef>
-              <a:defRPr sz="1900" b="0">
-                <a:solidFill>
-                  <a:srgbClr val="000000"/>
-                </a:solidFill>
-                <a:latin typeface="+mj-lt"/>
-                <a:ea typeface="+mj-ea"/>
-                <a:cs typeface="+mj-cs"/>
-                <a:sym typeface="Calibri Light"/>
-              </a:defRPr>
-            </a:pPr>
-            <a:r>
-              <a:rPr dirty="0"/>
-              <a:t>  = 38 </a:t>
-            </a:r>
-          </a:p>
-        </p:txBody>
-      </p:sp>
-      <p:sp>
-        <p:nvSpPr>
-          <p:cNvPr id="338" name="Cx=(5×1+3×2×5+4×3×3+2×4×2+1×5×2)/38…"/>
-          <p:cNvSpPr txBox="1"/>
-          <p:nvPr/>
-        </p:nvSpPr>
-        <p:spPr>
-          <a:xfrm>
-            <a:off x="5426036" y="3919055"/>
-            <a:ext cx="5070093" cy="828039"/>
-          </a:xfrm>
-          <a:prstGeom prst="rect">
-            <a:avLst/>
-          </a:prstGeom>
-          <a:ln w="12700">
-            <a:miter lim="400000"/>
-          </a:ln>
-          <a:extLst>
-            <a:ext uri="{C572A759-6A51-4108-AA02-DFA0A04FC94B}">
-              <ma14:wrappingTextBoxFlag xmlns="" xmlns:ma14="http://schemas.microsoft.com/office/mac/drawingml/2011/main" val="1"/>
-            </a:ext>
-          </a:extLst>
-        </p:spPr>
-        <p:txBody>
-          <a:bodyPr wrap="none" lIns="45718" tIns="45718" rIns="45718" bIns="45718">
-            <a:spAutoFit/>
-          </a:bodyPr>
-          <a:lstStyle>
-            <a:lvl1pPr algn="l" defTabSz="457200">
-              <a:lnSpc>
-                <a:spcPts val="3100"/>
-              </a:lnSpc>
-              <a:spcBef>
-                <a:spcPts val="1200"/>
-              </a:spcBef>
-              <a:defRPr sz="1900" b="0">
-                <a:solidFill>
-                  <a:srgbClr val="000000"/>
-                </a:solidFill>
-                <a:latin typeface="+mj-lt"/>
-                <a:ea typeface="+mj-ea"/>
-                <a:cs typeface="+mj-cs"/>
-                <a:sym typeface="Calibri Light"/>
-              </a:defRPr>
-            </a:lvl1pPr>
-            <a:lvl2pPr indent="228600" algn="l" defTabSz="457200">
-              <a:lnSpc>
-                <a:spcPts val="3100"/>
-              </a:lnSpc>
-              <a:spcBef>
-                <a:spcPts val="1200"/>
-              </a:spcBef>
-              <a:defRPr sz="1900" b="0">
-                <a:solidFill>
-                  <a:srgbClr val="000000"/>
-                </a:solidFill>
-                <a:latin typeface="+mj-lt"/>
-                <a:ea typeface="+mj-ea"/>
-                <a:cs typeface="+mj-cs"/>
-                <a:sym typeface="Calibri Light"/>
-              </a:defRPr>
-            </a:lvl2pPr>
-          </a:lstStyle>
-          <a:p>
-            <a:r>
-              <a:rPr dirty="0" err="1"/>
-              <a:t>Cx</a:t>
-            </a:r>
-            <a:r>
-              <a:rPr dirty="0"/>
-              <a:t>=(5×1+3×2×5+4×3×3+2×4×2+1×5×2)/38</a:t>
-            </a:r>
-          </a:p>
-          <a:p>
-            <a:pPr lvl="1"/>
-            <a:r>
-              <a:rPr dirty="0"/>
-              <a:t>= 2.5526 </a:t>
-            </a:r>
-          </a:p>
-        </p:txBody>
-      </p:sp>
-      <p:sp>
-        <p:nvSpPr>
-          <p:cNvPr id="339" name="c =&lt; 2.5526, 1.7105, 0.8158, 38 &gt;."/>
-          <p:cNvSpPr txBox="1"/>
-          <p:nvPr/>
-        </p:nvSpPr>
-        <p:spPr>
-          <a:xfrm>
-            <a:off x="5426036" y="4908360"/>
-            <a:ext cx="4137659" cy="396239"/>
-          </a:xfrm>
-          <a:prstGeom prst="rect">
-            <a:avLst/>
-          </a:prstGeom>
-          <a:ln w="12700">
-            <a:miter lim="400000"/>
-          </a:ln>
-          <a:extLst>
-            <a:ext uri="{C572A759-6A51-4108-AA02-DFA0A04FC94B}">
-              <ma14:wrappingTextBoxFlag xmlns="" xmlns:ma14="http://schemas.microsoft.com/office/mac/drawingml/2011/main" val="1"/>
-            </a:ext>
-          </a:extLst>
-        </p:spPr>
-        <p:txBody>
-          <a:bodyPr wrap="none" lIns="45718" tIns="45718" rIns="45718" bIns="45718">
-            <a:spAutoFit/>
-          </a:bodyPr>
-          <a:lstStyle>
-            <a:lvl1pPr algn="l" defTabSz="457200">
-              <a:lnSpc>
-                <a:spcPts val="3800"/>
-              </a:lnSpc>
-              <a:spcBef>
-                <a:spcPts val="1200"/>
-              </a:spcBef>
-              <a:defRPr b="0">
-                <a:solidFill>
-                  <a:srgbClr val="000000"/>
-                </a:solidFill>
-                <a:latin typeface="+mj-lt"/>
-                <a:ea typeface="+mj-ea"/>
-                <a:cs typeface="+mj-cs"/>
-                <a:sym typeface="Calibri Light"/>
-              </a:defRPr>
-            </a:lvl1pPr>
-          </a:lstStyle>
-          <a:p>
-            <a:r>
-              <a:rPr dirty="0"/>
-              <a:t>c =&lt; 2.5526, 1.7105, 0.8158, 38 &gt;. </a:t>
-            </a:r>
+              <a:rPr lang="en-US" dirty="0" smtClean="0"/>
+              <a:t>Centroid of CFG</a:t>
+            </a:r>
+            <a:endParaRPr dirty="0"/>
           </a:p>
         </p:txBody>
       </p:sp>
@@ -11687,191 +11346,35 @@
                             </p:stCondLst>
                             <p:childTnLst>
                               <p:par>
-                                <p:cTn id="5" presetID="1" presetClass="entr" presetSubtype="0" fill="hold" nodeType="clickEffect">
+                                <p:cTn id="5" presetID="10" presetClass="exit" presetSubtype="0" fill="hold" grpId="0" nodeType="clickEffect">
                                   <p:stCondLst>
                                     <p:cond delay="0"/>
                                   </p:stCondLst>
                                   <p:childTnLst>
+                                    <p:animEffect transition="out" filter="fade">
+                                      <p:cBhvr>
+                                        <p:cTn id="6" dur="500"/>
+                                        <p:tgtEl>
+                                          <p:spTgt spid="4"/>
+                                        </p:tgtEl>
+                                      </p:cBhvr>
+                                    </p:animEffect>
                                     <p:set>
                                       <p:cBhvr>
-                                        <p:cTn id="6" dur="1" fill="hold">
+                                        <p:cTn id="7" dur="1" fill="hold">
                                           <p:stCondLst>
-                                            <p:cond delay="0"/>
+                                            <p:cond delay="499"/>
                                           </p:stCondLst>
                                         </p:cTn>
                                         <p:tgtEl>
-                                          <p:spTgt spid="337">
-                                            <p:txEl>
-                                              <p:pRg st="0" end="0"/>
-                                            </p:txEl>
-                                          </p:spTgt>
+                                          <p:spTgt spid="4"/>
                                         </p:tgtEl>
                                         <p:attrNameLst>
                                           <p:attrName>style.visibility</p:attrName>
                                         </p:attrNameLst>
                                       </p:cBhvr>
                                       <p:to>
-                                        <p:strVal val="visible"/>
-                                      </p:to>
-                                    </p:set>
-                                  </p:childTnLst>
-                                </p:cTn>
-                              </p:par>
-                              <p:par>
-                                <p:cTn id="7" presetID="1" presetClass="entr" presetSubtype="0" fill="hold" nodeType="withEffect">
-                                  <p:stCondLst>
-                                    <p:cond delay="0"/>
-                                  </p:stCondLst>
-                                  <p:childTnLst>
-                                    <p:set>
-                                      <p:cBhvr>
-                                        <p:cTn id="8" dur="1" fill="hold">
-                                          <p:stCondLst>
-                                            <p:cond delay="0"/>
-                                          </p:stCondLst>
-                                        </p:cTn>
-                                        <p:tgtEl>
-                                          <p:spTgt spid="337">
-                                            <p:txEl>
-                                              <p:pRg st="1" end="1"/>
-                                            </p:txEl>
-                                          </p:spTgt>
-                                        </p:tgtEl>
-                                        <p:attrNameLst>
-                                          <p:attrName>style.visibility</p:attrName>
-                                        </p:attrNameLst>
-                                      </p:cBhvr>
-                                      <p:to>
-                                        <p:strVal val="visible"/>
-                                      </p:to>
-                                    </p:set>
-                                  </p:childTnLst>
-                                </p:cTn>
-                              </p:par>
-                            </p:childTnLst>
-                          </p:cTn>
-                        </p:par>
-                      </p:childTnLst>
-                    </p:cTn>
-                  </p:par>
-                  <p:par>
-                    <p:cTn id="9" fill="hold">
-                      <p:stCondLst>
-                        <p:cond delay="indefinite"/>
-                      </p:stCondLst>
-                      <p:childTnLst>
-                        <p:par>
-                          <p:cTn id="10" fill="hold">
-                            <p:stCondLst>
-                              <p:cond delay="0"/>
-                            </p:stCondLst>
-                            <p:childTnLst>
-                              <p:par>
-                                <p:cTn id="11" presetID="1" presetClass="entr" presetSubtype="0" fill="hold" nodeType="clickEffect">
-                                  <p:stCondLst>
-                                    <p:cond delay="0"/>
-                                  </p:stCondLst>
-                                  <p:childTnLst>
-                                    <p:set>
-                                      <p:cBhvr>
-                                        <p:cTn id="12" dur="1" fill="hold">
-                                          <p:stCondLst>
-                                            <p:cond delay="0"/>
-                                          </p:stCondLst>
-                                        </p:cTn>
-                                        <p:tgtEl>
-                                          <p:spTgt spid="338">
-                                            <p:txEl>
-                                              <p:pRg st="0" end="0"/>
-                                            </p:txEl>
-                                          </p:spTgt>
-                                        </p:tgtEl>
-                                        <p:attrNameLst>
-                                          <p:attrName>style.visibility</p:attrName>
-                                        </p:attrNameLst>
-                                      </p:cBhvr>
-                                      <p:to>
-                                        <p:strVal val="visible"/>
-                                      </p:to>
-                                    </p:set>
-                                  </p:childTnLst>
-                                </p:cTn>
-                              </p:par>
-                              <p:par>
-                                <p:cTn id="13" presetID="1" presetClass="entr" presetSubtype="0" fill="hold" nodeType="withEffect">
-                                  <p:stCondLst>
-                                    <p:cond delay="0"/>
-                                  </p:stCondLst>
-                                  <p:childTnLst>
-                                    <p:set>
-                                      <p:cBhvr>
-                                        <p:cTn id="14" dur="1" fill="hold">
-                                          <p:stCondLst>
-                                            <p:cond delay="0"/>
-                                          </p:stCondLst>
-                                        </p:cTn>
-                                        <p:tgtEl>
-                                          <p:spTgt spid="338">
-                                            <p:txEl>
-                                              <p:pRg st="1" end="1"/>
-                                            </p:txEl>
-                                          </p:spTgt>
-                                        </p:tgtEl>
-                                        <p:attrNameLst>
-                                          <p:attrName>style.visibility</p:attrName>
-                                        </p:attrNameLst>
-                                      </p:cBhvr>
-                                      <p:to>
-                                        <p:strVal val="visible"/>
-                                      </p:to>
-                                    </p:set>
-                                  </p:childTnLst>
-                                </p:cTn>
-                              </p:par>
-                            </p:childTnLst>
-                          </p:cTn>
-                        </p:par>
-                      </p:childTnLst>
-                    </p:cTn>
-                  </p:par>
-                  <p:par>
-                    <p:cTn id="15" fill="hold">
-                      <p:stCondLst>
-                        <p:cond delay="indefinite"/>
-                      </p:stCondLst>
-                      <p:childTnLst>
-                        <p:par>
-                          <p:cTn id="16" fill="hold">
-                            <p:stCondLst>
-                              <p:cond delay="0"/>
-                            </p:stCondLst>
-                            <p:childTnLst>
-                              <p:par>
-                                <p:cTn id="17" presetID="1" presetClass="entr" presetSubtype="0" fill="hold" nodeType="clickEffect">
-                                  <p:stCondLst>
-                                    <p:cond delay="0"/>
-                                  </p:stCondLst>
-                                  <p:childTnLst>
-                                    <p:set>
-                                      <p:cBhvr>
-                                        <p:cTn id="18" dur="1" fill="hold">
-                                          <p:stCondLst>
-                                            <p:cond delay="0"/>
-                                          </p:stCondLst>
-                                        </p:cTn>
-                                        <p:tgtEl>
-                                          <p:spTgt spid="339">
-                                            <p:txEl>
-                                              <p:pRg st="0" end="0"/>
-                                            </p:txEl>
-                                          </p:spTgt>
-                                        </p:tgtEl>
-                                        <p:attrNameLst>
-                                          <p:attrName>style.visibility</p:attrName>
-                                        </p:attrNameLst>
-                                      </p:cBhvr>
-                                      <p:to>
-                                        <p:strVal val="visible"/>
+                                        <p:strVal val="hidden"/>
                                       </p:to>
                                     </p:set>
                                   </p:childTnLst>
@@ -11904,6 +11407,1548 @@
         </p:cTn>
       </p:par>
     </p:tnLst>
+    <p:bldLst>
+      <p:bldP spid="4" grpId="0" animBg="1"/>
+    </p:bldLst>
+  </p:timing>
+</p:sld>
+</file>
+
+<file path=ppt/slides/slide21.xml><?xml version="1.0" encoding="utf-8"?>
+<p:sld xmlns:a="http://schemas.openxmlformats.org/drawingml/2006/main" xmlns:r="http://schemas.openxmlformats.org/officeDocument/2006/relationships" xmlns:p="http://schemas.openxmlformats.org/presentationml/2006/main">
+  <p:cSld>
+    <p:spTree>
+      <p:nvGrpSpPr>
+        <p:cNvPr id="1" name=""/>
+        <p:cNvGrpSpPr/>
+        <p:nvPr/>
+      </p:nvGrpSpPr>
+      <p:grpSpPr>
+        <a:xfrm>
+          <a:off x="0" y="0"/>
+          <a:ext cx="0" cy="0"/>
+          <a:chOff x="0" y="0"/>
+          <a:chExt cx="0" cy="0"/>
+        </a:xfrm>
+      </p:grpSpPr>
+      <p:sp>
+        <p:nvSpPr>
+          <p:cNvPr id="303" name="Shape 380"/>
+          <p:cNvSpPr/>
+          <p:nvPr/>
+        </p:nvSpPr>
+        <p:spPr>
+          <a:xfrm>
+            <a:off x="419100" y="0"/>
+            <a:ext cx="1208013" cy="1041622"/>
+          </a:xfrm>
+          <a:prstGeom prst="rect">
+            <a:avLst/>
+          </a:prstGeom>
+          <a:solidFill>
+            <a:srgbClr val="002A7E"/>
+          </a:solidFill>
+          <a:ln w="12700">
+            <a:miter lim="400000"/>
+          </a:ln>
+        </p:spPr>
+        <p:txBody>
+          <a:bodyPr lIns="45718" tIns="45718" rIns="45718" bIns="45718" anchor="ctr"/>
+          <a:lstStyle/>
+          <a:p>
+            <a:pPr algn="ctr">
+              <a:defRPr sz="1800" b="0"/>
+            </a:pPr>
+            <a:endParaRPr/>
+          </a:p>
+        </p:txBody>
+      </p:sp>
+      <p:sp>
+        <p:nvSpPr>
+          <p:cNvPr id="304" name="Shape 381"/>
+          <p:cNvSpPr txBox="1"/>
+          <p:nvPr/>
+        </p:nvSpPr>
+        <p:spPr>
+          <a:xfrm>
+            <a:off x="805949" y="202040"/>
+            <a:ext cx="434314" cy="637539"/>
+          </a:xfrm>
+          <a:prstGeom prst="rect">
+            <a:avLst/>
+          </a:prstGeom>
+          <a:ln w="12700">
+            <a:miter lim="400000"/>
+          </a:ln>
+          <a:extLst>
+            <a:ext uri="{C572A759-6A51-4108-AA02-DFA0A04FC94B}">
+              <ma14:wrappingTextBoxFlag xmlns:ma14="http://schemas.microsoft.com/office/mac/drawingml/2011/main" xmlns="" val="1"/>
+            </a:ext>
+          </a:extLst>
+        </p:spPr>
+        <p:txBody>
+          <a:bodyPr wrap="none" lIns="45718" tIns="45718" rIns="45718" bIns="45718">
+            <a:spAutoFit/>
+          </a:bodyPr>
+          <a:lstStyle>
+            <a:lvl1pPr>
+              <a:defRPr sz="3600">
+                <a:latin typeface="方正大黑_GBK"/>
+                <a:ea typeface="方正大黑_GBK"/>
+                <a:cs typeface="方正大黑_GBK"/>
+                <a:sym typeface="方正大黑_GBK"/>
+              </a:defRPr>
+            </a:lvl1pPr>
+          </a:lstStyle>
+          <a:p>
+            <a:r>
+              <a:t>B</a:t>
+            </a:r>
+          </a:p>
+        </p:txBody>
+      </p:sp>
+      <p:sp>
+        <p:nvSpPr>
+          <p:cNvPr id="306" name="Centroid of 3D-CFG"/>
+          <p:cNvSpPr txBox="1"/>
+          <p:nvPr/>
+        </p:nvSpPr>
+        <p:spPr>
+          <a:xfrm>
+            <a:off x="1963649" y="1587500"/>
+            <a:ext cx="2808630" cy="459738"/>
+          </a:xfrm>
+          <a:prstGeom prst="rect">
+            <a:avLst/>
+          </a:prstGeom>
+          <a:ln w="12700">
+            <a:miter lim="400000"/>
+          </a:ln>
+          <a:extLst>
+            <a:ext uri="{C572A759-6A51-4108-AA02-DFA0A04FC94B}">
+              <ma14:wrappingTextBoxFlag xmlns:ma14="http://schemas.microsoft.com/office/mac/drawingml/2011/main" xmlns="" val="1"/>
+            </a:ext>
+          </a:extLst>
+        </p:spPr>
+        <p:txBody>
+          <a:bodyPr wrap="none" lIns="45718" tIns="45718" rIns="45718" bIns="45718">
+            <a:spAutoFit/>
+          </a:bodyPr>
+          <a:lstStyle>
+            <a:lvl1pPr algn="l" defTabSz="457200">
+              <a:lnSpc>
+                <a:spcPts val="6200"/>
+              </a:lnSpc>
+              <a:spcBef>
+                <a:spcPts val="1200"/>
+              </a:spcBef>
+              <a:defRPr sz="2400" b="0">
+                <a:solidFill>
+                  <a:srgbClr val="46443C"/>
+                </a:solidFill>
+                <a:latin typeface="+mj-lt"/>
+                <a:ea typeface="+mj-ea"/>
+                <a:cs typeface="+mj-cs"/>
+                <a:sym typeface="Calibri Light"/>
+              </a:defRPr>
+            </a:lvl1pPr>
+          </a:lstStyle>
+          <a:p>
+            <a:r>
+              <a:t>Centroid of 3D-CFG</a:t>
+            </a:r>
+          </a:p>
+        </p:txBody>
+      </p:sp>
+      <p:sp>
+        <p:nvSpPr>
+          <p:cNvPr id="307" name="Circle"/>
+          <p:cNvSpPr/>
+          <p:nvPr/>
+        </p:nvSpPr>
+        <p:spPr>
+          <a:xfrm>
+            <a:off x="3585518" y="2418289"/>
+            <a:ext cx="434339" cy="434339"/>
+          </a:xfrm>
+          <a:prstGeom prst="ellipse">
+            <a:avLst/>
+          </a:prstGeom>
+          <a:ln w="25400">
+            <a:solidFill>
+              <a:schemeClr val="accent1"/>
+            </a:solidFill>
+          </a:ln>
+        </p:spPr>
+        <p:txBody>
+          <a:bodyPr lIns="45718" tIns="45718" rIns="45718" bIns="45718" anchor="ctr"/>
+          <a:lstStyle/>
+          <a:p>
+            <a:endParaRPr/>
+          </a:p>
+        </p:txBody>
+      </p:sp>
+      <p:sp>
+        <p:nvSpPr>
+          <p:cNvPr id="308" name="A"/>
+          <p:cNvSpPr txBox="1"/>
+          <p:nvPr/>
+        </p:nvSpPr>
+        <p:spPr>
+          <a:xfrm>
+            <a:off x="3682889" y="2443689"/>
+            <a:ext cx="264997" cy="383539"/>
+          </a:xfrm>
+          <a:prstGeom prst="rect">
+            <a:avLst/>
+          </a:prstGeom>
+          <a:ln w="12700">
+            <a:miter lim="400000"/>
+          </a:ln>
+          <a:extLst>
+            <a:ext uri="{C572A759-6A51-4108-AA02-DFA0A04FC94B}">
+              <ma14:wrappingTextBoxFlag xmlns:ma14="http://schemas.microsoft.com/office/mac/drawingml/2011/main" xmlns="" val="1"/>
+            </a:ext>
+          </a:extLst>
+        </p:spPr>
+        <p:txBody>
+          <a:bodyPr wrap="none" lIns="45718" tIns="45718" rIns="45718" bIns="45718">
+            <a:spAutoFit/>
+          </a:bodyPr>
+          <a:lstStyle>
+            <a:lvl1pPr>
+              <a:defRPr>
+                <a:solidFill>
+                  <a:srgbClr val="000000"/>
+                </a:solidFill>
+              </a:defRPr>
+            </a:lvl1pPr>
+          </a:lstStyle>
+          <a:p>
+            <a:r>
+              <a:t>A</a:t>
+            </a:r>
+          </a:p>
+        </p:txBody>
+      </p:sp>
+      <p:sp>
+        <p:nvSpPr>
+          <p:cNvPr id="309" name="Circle"/>
+          <p:cNvSpPr/>
+          <p:nvPr/>
+        </p:nvSpPr>
+        <p:spPr>
+          <a:xfrm>
+            <a:off x="3585518" y="3128313"/>
+            <a:ext cx="434339" cy="434339"/>
+          </a:xfrm>
+          <a:prstGeom prst="ellipse">
+            <a:avLst/>
+          </a:prstGeom>
+          <a:ln w="25400">
+            <a:solidFill>
+              <a:schemeClr val="accent1"/>
+            </a:solidFill>
+          </a:ln>
+        </p:spPr>
+        <p:txBody>
+          <a:bodyPr lIns="45718" tIns="45718" rIns="45718" bIns="45718" anchor="ctr"/>
+          <a:lstStyle/>
+          <a:p>
+            <a:endParaRPr/>
+          </a:p>
+        </p:txBody>
+      </p:sp>
+      <p:sp>
+        <p:nvSpPr>
+          <p:cNvPr id="310" name="B"/>
+          <p:cNvSpPr txBox="1"/>
+          <p:nvPr/>
+        </p:nvSpPr>
+        <p:spPr>
+          <a:xfrm>
+            <a:off x="3682889" y="3153713"/>
+            <a:ext cx="255323" cy="383539"/>
+          </a:xfrm>
+          <a:prstGeom prst="rect">
+            <a:avLst/>
+          </a:prstGeom>
+          <a:ln w="12700">
+            <a:miter lim="400000"/>
+          </a:ln>
+          <a:extLst>
+            <a:ext uri="{C572A759-6A51-4108-AA02-DFA0A04FC94B}">
+              <ma14:wrappingTextBoxFlag xmlns:ma14="http://schemas.microsoft.com/office/mac/drawingml/2011/main" xmlns="" val="1"/>
+            </a:ext>
+          </a:extLst>
+        </p:spPr>
+        <p:txBody>
+          <a:bodyPr wrap="none" lIns="45718" tIns="45718" rIns="45718" bIns="45718">
+            <a:spAutoFit/>
+          </a:bodyPr>
+          <a:lstStyle>
+            <a:lvl1pPr>
+              <a:defRPr>
+                <a:solidFill>
+                  <a:srgbClr val="000000"/>
+                </a:solidFill>
+              </a:defRPr>
+            </a:lvl1pPr>
+          </a:lstStyle>
+          <a:p>
+            <a:r>
+              <a:t>B</a:t>
+            </a:r>
+          </a:p>
+        </p:txBody>
+      </p:sp>
+      <p:sp>
+        <p:nvSpPr>
+          <p:cNvPr id="311" name="Circle"/>
+          <p:cNvSpPr/>
+          <p:nvPr/>
+        </p:nvSpPr>
+        <p:spPr>
+          <a:xfrm>
+            <a:off x="2887018" y="3853389"/>
+            <a:ext cx="434339" cy="434339"/>
+          </a:xfrm>
+          <a:prstGeom prst="ellipse">
+            <a:avLst/>
+          </a:prstGeom>
+          <a:ln w="25400">
+            <a:solidFill>
+              <a:schemeClr val="accent1"/>
+            </a:solidFill>
+          </a:ln>
+        </p:spPr>
+        <p:txBody>
+          <a:bodyPr lIns="45718" tIns="45718" rIns="45718" bIns="45718" anchor="ctr"/>
+          <a:lstStyle/>
+          <a:p>
+            <a:endParaRPr/>
+          </a:p>
+        </p:txBody>
+      </p:sp>
+      <p:sp>
+        <p:nvSpPr>
+          <p:cNvPr id="312" name="C"/>
+          <p:cNvSpPr txBox="1"/>
+          <p:nvPr/>
+        </p:nvSpPr>
+        <p:spPr>
+          <a:xfrm>
+            <a:off x="2971688" y="3878789"/>
+            <a:ext cx="259541" cy="383539"/>
+          </a:xfrm>
+          <a:prstGeom prst="rect">
+            <a:avLst/>
+          </a:prstGeom>
+          <a:ln w="12700">
+            <a:miter lim="400000"/>
+          </a:ln>
+          <a:extLst>
+            <a:ext uri="{C572A759-6A51-4108-AA02-DFA0A04FC94B}">
+              <ma14:wrappingTextBoxFlag xmlns:ma14="http://schemas.microsoft.com/office/mac/drawingml/2011/main" xmlns="" val="1"/>
+            </a:ext>
+          </a:extLst>
+        </p:spPr>
+        <p:txBody>
+          <a:bodyPr wrap="none" lIns="45718" tIns="45718" rIns="45718" bIns="45718">
+            <a:spAutoFit/>
+          </a:bodyPr>
+          <a:lstStyle>
+            <a:lvl1pPr>
+              <a:defRPr>
+                <a:solidFill>
+                  <a:srgbClr val="000000"/>
+                </a:solidFill>
+              </a:defRPr>
+            </a:lvl1pPr>
+          </a:lstStyle>
+          <a:p>
+            <a:r>
+              <a:t>C</a:t>
+            </a:r>
+          </a:p>
+        </p:txBody>
+      </p:sp>
+      <p:sp>
+        <p:nvSpPr>
+          <p:cNvPr id="313" name="Circle"/>
+          <p:cNvSpPr/>
+          <p:nvPr/>
+        </p:nvSpPr>
+        <p:spPr>
+          <a:xfrm>
+            <a:off x="4271318" y="3827989"/>
+            <a:ext cx="434339" cy="434339"/>
+          </a:xfrm>
+          <a:prstGeom prst="ellipse">
+            <a:avLst/>
+          </a:prstGeom>
+          <a:ln w="25400">
+            <a:solidFill>
+              <a:schemeClr val="accent1"/>
+            </a:solidFill>
+          </a:ln>
+        </p:spPr>
+        <p:txBody>
+          <a:bodyPr lIns="45718" tIns="45718" rIns="45718" bIns="45718" anchor="ctr"/>
+          <a:lstStyle/>
+          <a:p>
+            <a:endParaRPr/>
+          </a:p>
+        </p:txBody>
+      </p:sp>
+      <p:sp>
+        <p:nvSpPr>
+          <p:cNvPr id="314" name="E"/>
+          <p:cNvSpPr txBox="1"/>
+          <p:nvPr/>
+        </p:nvSpPr>
+        <p:spPr>
+          <a:xfrm>
+            <a:off x="4368689" y="3853389"/>
+            <a:ext cx="248626" cy="383539"/>
+          </a:xfrm>
+          <a:prstGeom prst="rect">
+            <a:avLst/>
+          </a:prstGeom>
+          <a:ln w="12700">
+            <a:miter lim="400000"/>
+          </a:ln>
+          <a:extLst>
+            <a:ext uri="{C572A759-6A51-4108-AA02-DFA0A04FC94B}">
+              <ma14:wrappingTextBoxFlag xmlns:ma14="http://schemas.microsoft.com/office/mac/drawingml/2011/main" xmlns="" val="1"/>
+            </a:ext>
+          </a:extLst>
+        </p:spPr>
+        <p:txBody>
+          <a:bodyPr wrap="none" lIns="45718" tIns="45718" rIns="45718" bIns="45718">
+            <a:spAutoFit/>
+          </a:bodyPr>
+          <a:lstStyle>
+            <a:lvl1pPr>
+              <a:defRPr>
+                <a:solidFill>
+                  <a:srgbClr val="000000"/>
+                </a:solidFill>
+              </a:defRPr>
+            </a:lvl1pPr>
+          </a:lstStyle>
+          <a:p>
+            <a:r>
+              <a:t>E</a:t>
+            </a:r>
+          </a:p>
+        </p:txBody>
+      </p:sp>
+      <p:sp>
+        <p:nvSpPr>
+          <p:cNvPr id="315" name="Circle"/>
+          <p:cNvSpPr/>
+          <p:nvPr/>
+        </p:nvSpPr>
+        <p:spPr>
+          <a:xfrm>
+            <a:off x="2893368" y="4684062"/>
+            <a:ext cx="434339" cy="434339"/>
+          </a:xfrm>
+          <a:prstGeom prst="ellipse">
+            <a:avLst/>
+          </a:prstGeom>
+          <a:ln w="25400">
+            <a:solidFill>
+              <a:schemeClr val="accent1"/>
+            </a:solidFill>
+          </a:ln>
+        </p:spPr>
+        <p:txBody>
+          <a:bodyPr lIns="45718" tIns="45718" rIns="45718" bIns="45718" anchor="ctr"/>
+          <a:lstStyle/>
+          <a:p>
+            <a:endParaRPr/>
+          </a:p>
+        </p:txBody>
+      </p:sp>
+      <p:sp>
+        <p:nvSpPr>
+          <p:cNvPr id="316" name="D"/>
+          <p:cNvSpPr txBox="1"/>
+          <p:nvPr/>
+        </p:nvSpPr>
+        <p:spPr>
+          <a:xfrm>
+            <a:off x="2978038" y="4709462"/>
+            <a:ext cx="267354" cy="383539"/>
+          </a:xfrm>
+          <a:prstGeom prst="rect">
+            <a:avLst/>
+          </a:prstGeom>
+          <a:ln w="12700">
+            <a:miter lim="400000"/>
+          </a:ln>
+          <a:extLst>
+            <a:ext uri="{C572A759-6A51-4108-AA02-DFA0A04FC94B}">
+              <ma14:wrappingTextBoxFlag xmlns:ma14="http://schemas.microsoft.com/office/mac/drawingml/2011/main" xmlns="" val="1"/>
+            </a:ext>
+          </a:extLst>
+        </p:spPr>
+        <p:txBody>
+          <a:bodyPr wrap="none" lIns="45718" tIns="45718" rIns="45718" bIns="45718">
+            <a:spAutoFit/>
+          </a:bodyPr>
+          <a:lstStyle>
+            <a:lvl1pPr>
+              <a:defRPr>
+                <a:solidFill>
+                  <a:srgbClr val="000000"/>
+                </a:solidFill>
+              </a:defRPr>
+            </a:lvl1pPr>
+          </a:lstStyle>
+          <a:p>
+            <a:r>
+              <a:t>D</a:t>
+            </a:r>
+          </a:p>
+        </p:txBody>
+      </p:sp>
+      <p:sp>
+        <p:nvSpPr>
+          <p:cNvPr id="317" name="Circle"/>
+          <p:cNvSpPr/>
+          <p:nvPr/>
+        </p:nvSpPr>
+        <p:spPr>
+          <a:xfrm>
+            <a:off x="4277668" y="4658662"/>
+            <a:ext cx="434339" cy="434339"/>
+          </a:xfrm>
+          <a:prstGeom prst="ellipse">
+            <a:avLst/>
+          </a:prstGeom>
+          <a:ln w="25400">
+            <a:solidFill>
+              <a:schemeClr val="accent1"/>
+            </a:solidFill>
+          </a:ln>
+        </p:spPr>
+        <p:txBody>
+          <a:bodyPr lIns="45718" tIns="45718" rIns="45718" bIns="45718" anchor="ctr"/>
+          <a:lstStyle/>
+          <a:p>
+            <a:endParaRPr/>
+          </a:p>
+        </p:txBody>
+      </p:sp>
+      <p:sp>
+        <p:nvSpPr>
+          <p:cNvPr id="318" name="F"/>
+          <p:cNvSpPr txBox="1"/>
+          <p:nvPr/>
+        </p:nvSpPr>
+        <p:spPr>
+          <a:xfrm>
+            <a:off x="4375039" y="4684062"/>
+            <a:ext cx="252347" cy="383539"/>
+          </a:xfrm>
+          <a:prstGeom prst="rect">
+            <a:avLst/>
+          </a:prstGeom>
+          <a:ln w="12700">
+            <a:miter lim="400000"/>
+          </a:ln>
+          <a:extLst>
+            <a:ext uri="{C572A759-6A51-4108-AA02-DFA0A04FC94B}">
+              <ma14:wrappingTextBoxFlag xmlns:ma14="http://schemas.microsoft.com/office/mac/drawingml/2011/main" xmlns="" val="1"/>
+            </a:ext>
+          </a:extLst>
+        </p:spPr>
+        <p:txBody>
+          <a:bodyPr wrap="none" lIns="45718" tIns="45718" rIns="45718" bIns="45718">
+            <a:spAutoFit/>
+          </a:bodyPr>
+          <a:lstStyle>
+            <a:lvl1pPr>
+              <a:defRPr>
+                <a:solidFill>
+                  <a:srgbClr val="000000"/>
+                </a:solidFill>
+              </a:defRPr>
+            </a:lvl1pPr>
+          </a:lstStyle>
+          <a:p>
+            <a:r>
+              <a:t>F</a:t>
+            </a:r>
+          </a:p>
+        </p:txBody>
+      </p:sp>
+      <p:sp>
+        <p:nvSpPr>
+          <p:cNvPr id="319" name="Line"/>
+          <p:cNvSpPr/>
+          <p:nvPr/>
+        </p:nvSpPr>
+        <p:spPr>
+          <a:xfrm>
+            <a:off x="3802687" y="2844610"/>
+            <a:ext cx="1" cy="263150"/>
+          </a:xfrm>
+          <a:prstGeom prst="line">
+            <a:avLst/>
+          </a:prstGeom>
+          <a:ln w="25400">
+            <a:solidFill>
+              <a:schemeClr val="accent1"/>
+            </a:solidFill>
+            <a:tailEnd type="triangle"/>
+          </a:ln>
+        </p:spPr>
+        <p:txBody>
+          <a:bodyPr lIns="45718" tIns="45718" rIns="45718" bIns="45718"/>
+          <a:lstStyle/>
+          <a:p>
+            <a:pPr>
+              <a:defRPr>
+                <a:solidFill>
+                  <a:srgbClr val="219DC9"/>
+                </a:solidFill>
+              </a:defRPr>
+            </a:pPr>
+            <a:endParaRPr/>
+          </a:p>
+        </p:txBody>
+      </p:sp>
+      <p:sp>
+        <p:nvSpPr>
+          <p:cNvPr id="320" name="Line"/>
+          <p:cNvSpPr/>
+          <p:nvPr/>
+        </p:nvSpPr>
+        <p:spPr>
+          <a:xfrm>
+            <a:off x="3104187" y="4297479"/>
+            <a:ext cx="1" cy="376833"/>
+          </a:xfrm>
+          <a:prstGeom prst="line">
+            <a:avLst/>
+          </a:prstGeom>
+          <a:ln w="25400">
+            <a:solidFill>
+              <a:schemeClr val="accent1"/>
+            </a:solidFill>
+            <a:tailEnd type="triangle"/>
+          </a:ln>
+        </p:spPr>
+        <p:txBody>
+          <a:bodyPr lIns="45718" tIns="45718" rIns="45718" bIns="45718"/>
+          <a:lstStyle/>
+          <a:p>
+            <a:pPr>
+              <a:defRPr>
+                <a:solidFill>
+                  <a:srgbClr val="219DC9"/>
+                </a:solidFill>
+              </a:defRPr>
+            </a:pPr>
+            <a:endParaRPr/>
+          </a:p>
+        </p:txBody>
+      </p:sp>
+      <p:sp>
+        <p:nvSpPr>
+          <p:cNvPr id="321" name="Line"/>
+          <p:cNvSpPr/>
+          <p:nvPr/>
+        </p:nvSpPr>
+        <p:spPr>
+          <a:xfrm>
+            <a:off x="4494836" y="4272079"/>
+            <a:ext cx="1" cy="376833"/>
+          </a:xfrm>
+          <a:prstGeom prst="line">
+            <a:avLst/>
+          </a:prstGeom>
+          <a:ln w="25400">
+            <a:solidFill>
+              <a:schemeClr val="accent1"/>
+            </a:solidFill>
+            <a:tailEnd type="triangle"/>
+          </a:ln>
+        </p:spPr>
+        <p:txBody>
+          <a:bodyPr lIns="45718" tIns="45718" rIns="45718" bIns="45718"/>
+          <a:lstStyle/>
+          <a:p>
+            <a:pPr>
+              <a:defRPr>
+                <a:solidFill>
+                  <a:srgbClr val="219DC9"/>
+                </a:solidFill>
+              </a:defRPr>
+            </a:pPr>
+            <a:endParaRPr/>
+          </a:p>
+        </p:txBody>
+      </p:sp>
+      <p:sp>
+        <p:nvSpPr>
+          <p:cNvPr id="322" name="Line"/>
+          <p:cNvSpPr/>
+          <p:nvPr/>
+        </p:nvSpPr>
+        <p:spPr>
+          <a:xfrm flipH="1">
+            <a:off x="3085017" y="3457738"/>
+            <a:ext cx="529246" cy="373906"/>
+          </a:xfrm>
+          <a:prstGeom prst="line">
+            <a:avLst/>
+          </a:prstGeom>
+          <a:ln w="25400">
+            <a:solidFill>
+              <a:schemeClr val="accent1"/>
+            </a:solidFill>
+            <a:tailEnd type="triangle"/>
+          </a:ln>
+        </p:spPr>
+        <p:txBody>
+          <a:bodyPr lIns="45718" tIns="45718" rIns="45718" bIns="45718"/>
+          <a:lstStyle/>
+          <a:p>
+            <a:pPr>
+              <a:defRPr>
+                <a:solidFill>
+                  <a:srgbClr val="219DC9"/>
+                </a:solidFill>
+              </a:defRPr>
+            </a:pPr>
+            <a:endParaRPr/>
+          </a:p>
+        </p:txBody>
+      </p:sp>
+      <p:sp>
+        <p:nvSpPr>
+          <p:cNvPr id="323" name="Line"/>
+          <p:cNvSpPr/>
+          <p:nvPr/>
+        </p:nvSpPr>
+        <p:spPr>
+          <a:xfrm>
+            <a:off x="3980562" y="3474000"/>
+            <a:ext cx="545620" cy="341628"/>
+          </a:xfrm>
+          <a:prstGeom prst="line">
+            <a:avLst/>
+          </a:prstGeom>
+          <a:ln w="25400">
+            <a:solidFill>
+              <a:schemeClr val="accent1"/>
+            </a:solidFill>
+            <a:tailEnd type="triangle"/>
+          </a:ln>
+        </p:spPr>
+        <p:txBody>
+          <a:bodyPr lIns="45718" tIns="45718" rIns="45718" bIns="45718"/>
+          <a:lstStyle/>
+          <a:p>
+            <a:pPr>
+              <a:defRPr>
+                <a:solidFill>
+                  <a:srgbClr val="219DC9"/>
+                </a:solidFill>
+              </a:defRPr>
+            </a:pPr>
+            <a:endParaRPr/>
+          </a:p>
+        </p:txBody>
+      </p:sp>
+      <p:sp>
+        <p:nvSpPr>
+          <p:cNvPr id="324" name="Line"/>
+          <p:cNvSpPr/>
+          <p:nvPr/>
+        </p:nvSpPr>
+        <p:spPr>
+          <a:xfrm>
+            <a:off x="2550544" y="4063119"/>
+            <a:ext cx="329151" cy="1"/>
+          </a:xfrm>
+          <a:prstGeom prst="line">
+            <a:avLst/>
+          </a:prstGeom>
+          <a:ln w="25400">
+            <a:solidFill>
+              <a:schemeClr val="accent1"/>
+            </a:solidFill>
+          </a:ln>
+        </p:spPr>
+        <p:txBody>
+          <a:bodyPr lIns="45718" tIns="45718" rIns="45718" bIns="45718"/>
+          <a:lstStyle/>
+          <a:p>
+            <a:pPr>
+              <a:defRPr>
+                <a:solidFill>
+                  <a:srgbClr val="219DC9"/>
+                </a:solidFill>
+              </a:defRPr>
+            </a:pPr>
+            <a:endParaRPr/>
+          </a:p>
+        </p:txBody>
+      </p:sp>
+      <p:sp>
+        <p:nvSpPr>
+          <p:cNvPr id="325" name="Line"/>
+          <p:cNvSpPr/>
+          <p:nvPr/>
+        </p:nvSpPr>
+        <p:spPr>
+          <a:xfrm>
+            <a:off x="2560831" y="3330561"/>
+            <a:ext cx="1" cy="742520"/>
+          </a:xfrm>
+          <a:prstGeom prst="line">
+            <a:avLst/>
+          </a:prstGeom>
+          <a:ln w="25400">
+            <a:solidFill>
+              <a:schemeClr val="accent1"/>
+            </a:solidFill>
+          </a:ln>
+        </p:spPr>
+        <p:txBody>
+          <a:bodyPr lIns="45718" tIns="45718" rIns="45718" bIns="45718"/>
+          <a:lstStyle/>
+          <a:p>
+            <a:pPr>
+              <a:defRPr>
+                <a:solidFill>
+                  <a:srgbClr val="219DC9"/>
+                </a:solidFill>
+              </a:defRPr>
+            </a:pPr>
+            <a:endParaRPr/>
+          </a:p>
+        </p:txBody>
+      </p:sp>
+      <p:sp>
+        <p:nvSpPr>
+          <p:cNvPr id="326" name="Line"/>
+          <p:cNvSpPr/>
+          <p:nvPr/>
+        </p:nvSpPr>
+        <p:spPr>
+          <a:xfrm>
+            <a:off x="2551105" y="3345481"/>
+            <a:ext cx="1001793" cy="1"/>
+          </a:xfrm>
+          <a:prstGeom prst="line">
+            <a:avLst/>
+          </a:prstGeom>
+          <a:ln w="25400">
+            <a:solidFill>
+              <a:schemeClr val="accent1"/>
+            </a:solidFill>
+            <a:tailEnd type="triangle"/>
+          </a:ln>
+        </p:spPr>
+        <p:txBody>
+          <a:bodyPr lIns="45718" tIns="45718" rIns="45718" bIns="45718"/>
+          <a:lstStyle/>
+          <a:p>
+            <a:pPr>
+              <a:defRPr>
+                <a:solidFill>
+                  <a:srgbClr val="219DC9"/>
+                </a:solidFill>
+              </a:defRPr>
+            </a:pPr>
+            <a:endParaRPr/>
+          </a:p>
+        </p:txBody>
+      </p:sp>
+      <p:sp>
+        <p:nvSpPr>
+          <p:cNvPr id="327" name="Line"/>
+          <p:cNvSpPr/>
+          <p:nvPr/>
+        </p:nvSpPr>
+        <p:spPr>
+          <a:xfrm flipV="1">
+            <a:off x="3103503" y="5116661"/>
+            <a:ext cx="1" cy="550456"/>
+          </a:xfrm>
+          <a:prstGeom prst="line">
+            <a:avLst/>
+          </a:prstGeom>
+          <a:ln w="25400">
+            <a:solidFill>
+              <a:schemeClr val="accent1"/>
+            </a:solidFill>
+          </a:ln>
+        </p:spPr>
+        <p:txBody>
+          <a:bodyPr lIns="45718" tIns="45718" rIns="45718" bIns="45718"/>
+          <a:lstStyle/>
+          <a:p>
+            <a:pPr>
+              <a:defRPr>
+                <a:solidFill>
+                  <a:srgbClr val="219DC9"/>
+                </a:solidFill>
+              </a:defRPr>
+            </a:pPr>
+            <a:endParaRPr/>
+          </a:p>
+        </p:txBody>
+      </p:sp>
+      <p:sp>
+        <p:nvSpPr>
+          <p:cNvPr id="328" name="Line"/>
+          <p:cNvSpPr/>
+          <p:nvPr/>
+        </p:nvSpPr>
+        <p:spPr>
+          <a:xfrm>
+            <a:off x="3099083" y="5658383"/>
+            <a:ext cx="1890343" cy="1"/>
+          </a:xfrm>
+          <a:prstGeom prst="line">
+            <a:avLst/>
+          </a:prstGeom>
+          <a:ln w="25400">
+            <a:solidFill>
+              <a:schemeClr val="accent1"/>
+            </a:solidFill>
+          </a:ln>
+        </p:spPr>
+        <p:txBody>
+          <a:bodyPr lIns="45718" tIns="45718" rIns="45718" bIns="45718"/>
+          <a:lstStyle/>
+          <a:p>
+            <a:pPr>
+              <a:defRPr>
+                <a:solidFill>
+                  <a:srgbClr val="219DC9"/>
+                </a:solidFill>
+              </a:defRPr>
+            </a:pPr>
+            <a:endParaRPr/>
+          </a:p>
+        </p:txBody>
+      </p:sp>
+      <p:sp>
+        <p:nvSpPr>
+          <p:cNvPr id="329" name="Line"/>
+          <p:cNvSpPr/>
+          <p:nvPr/>
+        </p:nvSpPr>
+        <p:spPr>
+          <a:xfrm flipH="1">
+            <a:off x="4976108" y="3329983"/>
+            <a:ext cx="1" cy="2338409"/>
+          </a:xfrm>
+          <a:prstGeom prst="line">
+            <a:avLst/>
+          </a:prstGeom>
+          <a:ln w="25400">
+            <a:solidFill>
+              <a:schemeClr val="accent1"/>
+            </a:solidFill>
+          </a:ln>
+        </p:spPr>
+        <p:txBody>
+          <a:bodyPr lIns="45718" tIns="45718" rIns="45718" bIns="45718"/>
+          <a:lstStyle/>
+          <a:p>
+            <a:pPr>
+              <a:defRPr>
+                <a:solidFill>
+                  <a:srgbClr val="219DC9"/>
+                </a:solidFill>
+              </a:defRPr>
+            </a:pPr>
+            <a:endParaRPr/>
+          </a:p>
+        </p:txBody>
+      </p:sp>
+      <p:sp>
+        <p:nvSpPr>
+          <p:cNvPr id="330" name="Line"/>
+          <p:cNvSpPr/>
+          <p:nvPr/>
+        </p:nvSpPr>
+        <p:spPr>
+          <a:xfrm flipH="1">
+            <a:off x="4015777" y="3345482"/>
+            <a:ext cx="970870" cy="1"/>
+          </a:xfrm>
+          <a:prstGeom prst="line">
+            <a:avLst/>
+          </a:prstGeom>
+          <a:ln w="25400">
+            <a:solidFill>
+              <a:schemeClr val="accent1"/>
+            </a:solidFill>
+            <a:tailEnd type="triangle"/>
+          </a:ln>
+        </p:spPr>
+        <p:txBody>
+          <a:bodyPr lIns="45718" tIns="45718" rIns="45718" bIns="45718"/>
+          <a:lstStyle/>
+          <a:p>
+            <a:pPr>
+              <a:defRPr>
+                <a:solidFill>
+                  <a:srgbClr val="219DC9"/>
+                </a:solidFill>
+              </a:defRPr>
+            </a:pPr>
+            <a:endParaRPr/>
+          </a:p>
+        </p:txBody>
+      </p:sp>
+      <p:sp>
+        <p:nvSpPr>
+          <p:cNvPr id="331" name="5"/>
+          <p:cNvSpPr txBox="1"/>
+          <p:nvPr/>
+        </p:nvSpPr>
+        <p:spPr>
+          <a:xfrm>
+            <a:off x="4059607" y="2443689"/>
+            <a:ext cx="237340" cy="383539"/>
+          </a:xfrm>
+          <a:prstGeom prst="rect">
+            <a:avLst/>
+          </a:prstGeom>
+          <a:ln w="12700">
+            <a:miter lim="400000"/>
+          </a:ln>
+          <a:extLst>
+            <a:ext uri="{C572A759-6A51-4108-AA02-DFA0A04FC94B}">
+              <ma14:wrappingTextBoxFlag xmlns:ma14="http://schemas.microsoft.com/office/mac/drawingml/2011/main" xmlns="" val="1"/>
+            </a:ext>
+          </a:extLst>
+        </p:spPr>
+        <p:txBody>
+          <a:bodyPr wrap="none" lIns="45718" tIns="45718" rIns="45718" bIns="45718">
+            <a:spAutoFit/>
+          </a:bodyPr>
+          <a:lstStyle>
+            <a:lvl1pPr>
+              <a:defRPr b="0">
+                <a:solidFill>
+                  <a:srgbClr val="000000"/>
+                </a:solidFill>
+              </a:defRPr>
+            </a:lvl1pPr>
+          </a:lstStyle>
+          <a:p>
+            <a:r>
+              <a:t>5</a:t>
+            </a:r>
+          </a:p>
+        </p:txBody>
+      </p:sp>
+      <p:sp>
+        <p:nvSpPr>
+          <p:cNvPr id="332" name="3"/>
+          <p:cNvSpPr txBox="1"/>
+          <p:nvPr/>
+        </p:nvSpPr>
+        <p:spPr>
+          <a:xfrm>
+            <a:off x="4044254" y="2953462"/>
+            <a:ext cx="237340" cy="383539"/>
+          </a:xfrm>
+          <a:prstGeom prst="rect">
+            <a:avLst/>
+          </a:prstGeom>
+          <a:ln w="12700">
+            <a:miter lim="400000"/>
+          </a:ln>
+          <a:extLst>
+            <a:ext uri="{C572A759-6A51-4108-AA02-DFA0A04FC94B}">
+              <ma14:wrappingTextBoxFlag xmlns:ma14="http://schemas.microsoft.com/office/mac/drawingml/2011/main" xmlns="" val="1"/>
+            </a:ext>
+          </a:extLst>
+        </p:spPr>
+        <p:txBody>
+          <a:bodyPr wrap="none" lIns="45718" tIns="45718" rIns="45718" bIns="45718">
+            <a:spAutoFit/>
+          </a:bodyPr>
+          <a:lstStyle>
+            <a:lvl1pPr>
+              <a:defRPr b="0">
+                <a:solidFill>
+                  <a:srgbClr val="000000"/>
+                </a:solidFill>
+              </a:defRPr>
+            </a:lvl1pPr>
+          </a:lstStyle>
+          <a:p>
+            <a:r>
+              <a:t>3</a:t>
+            </a:r>
+          </a:p>
+        </p:txBody>
+      </p:sp>
+      <p:sp>
+        <p:nvSpPr>
+          <p:cNvPr id="333" name="4"/>
+          <p:cNvSpPr txBox="1"/>
+          <p:nvPr/>
+        </p:nvSpPr>
+        <p:spPr>
+          <a:xfrm>
+            <a:off x="3352440" y="3888437"/>
+            <a:ext cx="237340" cy="383539"/>
+          </a:xfrm>
+          <a:prstGeom prst="rect">
+            <a:avLst/>
+          </a:prstGeom>
+          <a:ln w="12700">
+            <a:miter lim="400000"/>
+          </a:ln>
+          <a:extLst>
+            <a:ext uri="{C572A759-6A51-4108-AA02-DFA0A04FC94B}">
+              <ma14:wrappingTextBoxFlag xmlns:ma14="http://schemas.microsoft.com/office/mac/drawingml/2011/main" xmlns="" val="1"/>
+            </a:ext>
+          </a:extLst>
+        </p:spPr>
+        <p:txBody>
+          <a:bodyPr wrap="none" lIns="45718" tIns="45718" rIns="45718" bIns="45718">
+            <a:spAutoFit/>
+          </a:bodyPr>
+          <a:lstStyle>
+            <a:lvl1pPr>
+              <a:defRPr b="0">
+                <a:solidFill>
+                  <a:srgbClr val="000000"/>
+                </a:solidFill>
+              </a:defRPr>
+            </a:lvl1pPr>
+          </a:lstStyle>
+          <a:p>
+            <a:r>
+              <a:t>4</a:t>
+            </a:r>
+          </a:p>
+        </p:txBody>
+      </p:sp>
+      <p:sp>
+        <p:nvSpPr>
+          <p:cNvPr id="334" name="2"/>
+          <p:cNvSpPr txBox="1"/>
+          <p:nvPr/>
+        </p:nvSpPr>
+        <p:spPr>
+          <a:xfrm>
+            <a:off x="3352440" y="4708544"/>
+            <a:ext cx="237340" cy="383539"/>
+          </a:xfrm>
+          <a:prstGeom prst="rect">
+            <a:avLst/>
+          </a:prstGeom>
+          <a:ln w="12700">
+            <a:miter lim="400000"/>
+          </a:ln>
+          <a:extLst>
+            <a:ext uri="{C572A759-6A51-4108-AA02-DFA0A04FC94B}">
+              <ma14:wrappingTextBoxFlag xmlns:ma14="http://schemas.microsoft.com/office/mac/drawingml/2011/main" xmlns="" val="1"/>
+            </a:ext>
+          </a:extLst>
+        </p:spPr>
+        <p:txBody>
+          <a:bodyPr wrap="none" lIns="45718" tIns="45718" rIns="45718" bIns="45718">
+            <a:spAutoFit/>
+          </a:bodyPr>
+          <a:lstStyle>
+            <a:lvl1pPr>
+              <a:defRPr b="0">
+                <a:solidFill>
+                  <a:srgbClr val="000000"/>
+                </a:solidFill>
+              </a:defRPr>
+            </a:lvl1pPr>
+          </a:lstStyle>
+          <a:p>
+            <a:r>
+              <a:t>2</a:t>
+            </a:r>
+          </a:p>
+        </p:txBody>
+      </p:sp>
+      <p:sp>
+        <p:nvSpPr>
+          <p:cNvPr id="335" name="1"/>
+          <p:cNvSpPr txBox="1"/>
+          <p:nvPr/>
+        </p:nvSpPr>
+        <p:spPr>
+          <a:xfrm>
+            <a:off x="4719202" y="3853389"/>
+            <a:ext cx="237340" cy="383539"/>
+          </a:xfrm>
+          <a:prstGeom prst="rect">
+            <a:avLst/>
+          </a:prstGeom>
+          <a:ln w="12700">
+            <a:miter lim="400000"/>
+          </a:ln>
+          <a:extLst>
+            <a:ext uri="{C572A759-6A51-4108-AA02-DFA0A04FC94B}">
+              <ma14:wrappingTextBoxFlag xmlns:ma14="http://schemas.microsoft.com/office/mac/drawingml/2011/main" xmlns="" val="1"/>
+            </a:ext>
+          </a:extLst>
+        </p:spPr>
+        <p:txBody>
+          <a:bodyPr wrap="none" lIns="45718" tIns="45718" rIns="45718" bIns="45718">
+            <a:spAutoFit/>
+          </a:bodyPr>
+          <a:lstStyle>
+            <a:lvl1pPr>
+              <a:defRPr b="0">
+                <a:solidFill>
+                  <a:srgbClr val="000000"/>
+                </a:solidFill>
+              </a:defRPr>
+            </a:lvl1pPr>
+          </a:lstStyle>
+          <a:p>
+            <a:r>
+              <a:t>1</a:t>
+            </a:r>
+          </a:p>
+        </p:txBody>
+      </p:sp>
+      <p:sp>
+        <p:nvSpPr>
+          <p:cNvPr id="336" name="0"/>
+          <p:cNvSpPr txBox="1"/>
+          <p:nvPr/>
+        </p:nvSpPr>
+        <p:spPr>
+          <a:xfrm>
+            <a:off x="4719202" y="4680107"/>
+            <a:ext cx="237340" cy="383539"/>
+          </a:xfrm>
+          <a:prstGeom prst="rect">
+            <a:avLst/>
+          </a:prstGeom>
+          <a:ln w="12700">
+            <a:miter lim="400000"/>
+          </a:ln>
+          <a:extLst>
+            <a:ext uri="{C572A759-6A51-4108-AA02-DFA0A04FC94B}">
+              <ma14:wrappingTextBoxFlag xmlns:ma14="http://schemas.microsoft.com/office/mac/drawingml/2011/main" xmlns="" val="1"/>
+            </a:ext>
+          </a:extLst>
+        </p:spPr>
+        <p:txBody>
+          <a:bodyPr wrap="none" lIns="45718" tIns="45718" rIns="45718" bIns="45718">
+            <a:spAutoFit/>
+          </a:bodyPr>
+          <a:lstStyle>
+            <a:lvl1pPr>
+              <a:defRPr b="0">
+                <a:solidFill>
+                  <a:srgbClr val="000000"/>
+                </a:solidFill>
+              </a:defRPr>
+            </a:lvl1pPr>
+          </a:lstStyle>
+          <a:p>
+            <a:r>
+              <a:t>0</a:t>
+            </a:r>
+          </a:p>
+        </p:txBody>
+      </p:sp>
+      <p:sp>
+        <p:nvSpPr>
+          <p:cNvPr id="337" name="π=(5+3)+(3+4)+(3+1)+(4+3)+(4+2)+(2+3)+(1+0)…"/>
+          <p:cNvSpPr txBox="1"/>
+          <p:nvPr/>
+        </p:nvSpPr>
+        <p:spPr>
+          <a:xfrm>
+            <a:off x="5449526" y="2792731"/>
+            <a:ext cx="5569252" cy="1272539"/>
+          </a:xfrm>
+          <a:prstGeom prst="rect">
+            <a:avLst/>
+          </a:prstGeom>
+          <a:ln w="12700">
+            <a:miter lim="400000"/>
+          </a:ln>
+          <a:extLst>
+            <a:ext uri="{C572A759-6A51-4108-AA02-DFA0A04FC94B}">
+              <ma14:wrappingTextBoxFlag xmlns:ma14="http://schemas.microsoft.com/office/mac/drawingml/2011/main" xmlns="" val="1"/>
+            </a:ext>
+          </a:extLst>
+        </p:spPr>
+        <p:txBody>
+          <a:bodyPr lIns="45718" tIns="45718" rIns="45718" bIns="45718">
+            <a:spAutoFit/>
+          </a:bodyPr>
+          <a:lstStyle/>
+          <a:p>
+            <a:pPr algn="l" defTabSz="457200">
+              <a:lnSpc>
+                <a:spcPts val="3600"/>
+              </a:lnSpc>
+              <a:spcBef>
+                <a:spcPts val="1200"/>
+              </a:spcBef>
+              <a:defRPr sz="1900" b="0">
+                <a:solidFill>
+                  <a:srgbClr val="000000"/>
+                </a:solidFill>
+                <a:latin typeface="+mj-lt"/>
+                <a:ea typeface="+mj-ea"/>
+                <a:cs typeface="+mj-cs"/>
+                <a:sym typeface="Calibri Light"/>
+              </a:defRPr>
+            </a:pPr>
+            <a:r>
+              <a:rPr dirty="0"/>
+              <a:t>π=(5+3)+(3+4)+(3+1)+(4+3)+(4+2)+(2+3)+(1+0) </a:t>
+            </a:r>
+          </a:p>
+          <a:p>
+            <a:pPr algn="l" defTabSz="457200">
+              <a:lnSpc>
+                <a:spcPts val="3600"/>
+              </a:lnSpc>
+              <a:spcBef>
+                <a:spcPts val="1200"/>
+              </a:spcBef>
+              <a:defRPr sz="1900" b="0">
+                <a:solidFill>
+                  <a:srgbClr val="000000"/>
+                </a:solidFill>
+                <a:latin typeface="+mj-lt"/>
+                <a:ea typeface="+mj-ea"/>
+                <a:cs typeface="+mj-cs"/>
+                <a:sym typeface="Calibri Light"/>
+              </a:defRPr>
+            </a:pPr>
+            <a:r>
+              <a:rPr dirty="0"/>
+              <a:t>  = 38 </a:t>
+            </a:r>
+          </a:p>
+        </p:txBody>
+      </p:sp>
+      <p:sp>
+        <p:nvSpPr>
+          <p:cNvPr id="338" name="Cx=(5×1+3×2×5+4×3×3+2×4×2+1×5×2)/38…"/>
+          <p:cNvSpPr txBox="1"/>
+          <p:nvPr/>
+        </p:nvSpPr>
+        <p:spPr>
+          <a:xfrm>
+            <a:off x="5426036" y="3919055"/>
+            <a:ext cx="5070093" cy="828039"/>
+          </a:xfrm>
+          <a:prstGeom prst="rect">
+            <a:avLst/>
+          </a:prstGeom>
+          <a:ln w="12700">
+            <a:miter lim="400000"/>
+          </a:ln>
+          <a:extLst>
+            <a:ext uri="{C572A759-6A51-4108-AA02-DFA0A04FC94B}">
+              <ma14:wrappingTextBoxFlag xmlns:ma14="http://schemas.microsoft.com/office/mac/drawingml/2011/main" xmlns="" val="1"/>
+            </a:ext>
+          </a:extLst>
+        </p:spPr>
+        <p:txBody>
+          <a:bodyPr wrap="none" lIns="45718" tIns="45718" rIns="45718" bIns="45718">
+            <a:spAutoFit/>
+          </a:bodyPr>
+          <a:lstStyle>
+            <a:lvl1pPr algn="l" defTabSz="457200">
+              <a:lnSpc>
+                <a:spcPts val="3100"/>
+              </a:lnSpc>
+              <a:spcBef>
+                <a:spcPts val="1200"/>
+              </a:spcBef>
+              <a:defRPr sz="1900" b="0">
+                <a:solidFill>
+                  <a:srgbClr val="000000"/>
+                </a:solidFill>
+                <a:latin typeface="+mj-lt"/>
+                <a:ea typeface="+mj-ea"/>
+                <a:cs typeface="+mj-cs"/>
+                <a:sym typeface="Calibri Light"/>
+              </a:defRPr>
+            </a:lvl1pPr>
+            <a:lvl2pPr indent="228600" algn="l" defTabSz="457200">
+              <a:lnSpc>
+                <a:spcPts val="3100"/>
+              </a:lnSpc>
+              <a:spcBef>
+                <a:spcPts val="1200"/>
+              </a:spcBef>
+              <a:defRPr sz="1900" b="0">
+                <a:solidFill>
+                  <a:srgbClr val="000000"/>
+                </a:solidFill>
+                <a:latin typeface="+mj-lt"/>
+                <a:ea typeface="+mj-ea"/>
+                <a:cs typeface="+mj-cs"/>
+                <a:sym typeface="Calibri Light"/>
+              </a:defRPr>
+            </a:lvl2pPr>
+          </a:lstStyle>
+          <a:p>
+            <a:r>
+              <a:rPr dirty="0" err="1"/>
+              <a:t>Cx</a:t>
+            </a:r>
+            <a:r>
+              <a:rPr dirty="0"/>
+              <a:t>=(5×1+3×2×5+4×3×3+2×4×2+1×5×2)/38</a:t>
+            </a:r>
+          </a:p>
+          <a:p>
+            <a:pPr lvl="1"/>
+            <a:r>
+              <a:rPr dirty="0"/>
+              <a:t>= 2.5526 </a:t>
+            </a:r>
+          </a:p>
+        </p:txBody>
+      </p:sp>
+      <p:sp>
+        <p:nvSpPr>
+          <p:cNvPr id="339" name="c =&lt; 2.5526, 1.7105, 0.8158, 38 &gt;."/>
+          <p:cNvSpPr txBox="1"/>
+          <p:nvPr/>
+        </p:nvSpPr>
+        <p:spPr>
+          <a:xfrm>
+            <a:off x="5426036" y="4908360"/>
+            <a:ext cx="4137659" cy="396239"/>
+          </a:xfrm>
+          <a:prstGeom prst="rect">
+            <a:avLst/>
+          </a:prstGeom>
+          <a:ln w="12700">
+            <a:miter lim="400000"/>
+          </a:ln>
+          <a:extLst>
+            <a:ext uri="{C572A759-6A51-4108-AA02-DFA0A04FC94B}">
+              <ma14:wrappingTextBoxFlag xmlns:ma14="http://schemas.microsoft.com/office/mac/drawingml/2011/main" xmlns="" val="1"/>
+            </a:ext>
+          </a:extLst>
+        </p:spPr>
+        <p:txBody>
+          <a:bodyPr wrap="none" lIns="45718" tIns="45718" rIns="45718" bIns="45718">
+            <a:spAutoFit/>
+          </a:bodyPr>
+          <a:lstStyle>
+            <a:lvl1pPr algn="l" defTabSz="457200">
+              <a:lnSpc>
+                <a:spcPts val="3800"/>
+              </a:lnSpc>
+              <a:spcBef>
+                <a:spcPts val="1200"/>
+              </a:spcBef>
+              <a:defRPr b="0">
+                <a:solidFill>
+                  <a:srgbClr val="000000"/>
+                </a:solidFill>
+                <a:latin typeface="+mj-lt"/>
+                <a:ea typeface="+mj-ea"/>
+                <a:cs typeface="+mj-cs"/>
+                <a:sym typeface="Calibri Light"/>
+              </a:defRPr>
+            </a:lvl1pPr>
+          </a:lstStyle>
+          <a:p>
+            <a:r>
+              <a:rPr dirty="0"/>
+              <a:t>c =&lt; 2.5526, 1.7105, 0.8158, 38 &gt;. </a:t>
+            </a:r>
+          </a:p>
+        </p:txBody>
+      </p:sp>
+      <p:sp>
+        <p:nvSpPr>
+          <p:cNvPr id="39" name="Shape 382"/>
+          <p:cNvSpPr txBox="1"/>
+          <p:nvPr/>
+        </p:nvSpPr>
+        <p:spPr>
+          <a:xfrm>
+            <a:off x="1627112" y="641517"/>
+            <a:ext cx="2147379" cy="400105"/>
+          </a:xfrm>
+          <a:prstGeom prst="rect">
+            <a:avLst/>
+          </a:prstGeom>
+          <a:ln w="12700">
+            <a:miter lim="400000"/>
+          </a:ln>
+          <a:extLst>
+            <a:ext uri="{C572A759-6A51-4108-AA02-DFA0A04FC94B}">
+              <ma14:wrappingTextBoxFlag xmlns:ma14="http://schemas.microsoft.com/office/mac/drawingml/2011/main" xmlns="" val="1"/>
+            </a:ext>
+          </a:extLst>
+        </p:spPr>
+        <p:txBody>
+          <a:bodyPr wrap="none" lIns="45718" tIns="45718" rIns="45718" bIns="45718">
+            <a:spAutoFit/>
+          </a:bodyPr>
+          <a:lstStyle>
+            <a:lvl1pPr>
+              <a:defRPr>
+                <a:solidFill>
+                  <a:srgbClr val="002A7E"/>
+                </a:solidFill>
+                <a:latin typeface="微软雅黑"/>
+                <a:ea typeface="微软雅黑"/>
+                <a:cs typeface="微软雅黑"/>
+                <a:sym typeface="微软雅黑"/>
+              </a:defRPr>
+            </a:lvl1pPr>
+          </a:lstStyle>
+          <a:p>
+            <a:r>
+              <a:rPr lang="en-US" dirty="0" smtClean="0"/>
+              <a:t>Centroid of CFG</a:t>
+            </a:r>
+            <a:endParaRPr dirty="0"/>
+          </a:p>
+        </p:txBody>
+      </p:sp>
+    </p:spTree>
+    <p:extLst>
+      <p:ext uri="{BB962C8B-B14F-4D97-AF65-F5344CB8AC3E}">
+        <p14:creationId xmlns:p14="http://schemas.microsoft.com/office/powerpoint/2010/main" val="156824323"/>
+      </p:ext>
+    </p:extLst>
+  </p:cSld>
+  <p:clrMapOvr>
+    <a:masterClrMapping/>
+  </p:clrMapOvr>
+  <p:transition spd="med"/>
+  <p:timing>
+    <p:tnLst>
+      <p:par>
+        <p:cTn id="1" dur="indefinite" restart="never" nodeType="tmRoot"/>
+      </p:par>
+    </p:tnLst>
   </p:timing>
 </p:sld>
 </file>
@@ -11976,7 +13021,7 @@
           </a:ln>
           <a:extLst>
             <a:ext uri="{C572A759-6A51-4108-AA02-DFA0A04FC94B}">
-              <ma14:wrappingTextBoxFlag xmlns="" xmlns:ma14="http://schemas.microsoft.com/office/mac/drawingml/2011/main" val="1"/>
+              <ma14:wrappingTextBoxFlag xmlns:ma14="http://schemas.microsoft.com/office/mac/drawingml/2011/main" xmlns="" val="1"/>
             </a:ext>
           </a:extLst>
         </p:spPr>
@@ -12003,14 +13048,14 @@
       </p:sp>
       <p:sp>
         <p:nvSpPr>
-          <p:cNvPr id="345" name="Shape 382"/>
+          <p:cNvPr id="346" name="Centroid of 3D-CFG"/>
           <p:cNvSpPr txBox="1"/>
           <p:nvPr/>
         </p:nvSpPr>
         <p:spPr>
           <a:xfrm>
-            <a:off x="1638300" y="647700"/>
-            <a:ext cx="1289555" cy="396238"/>
+            <a:off x="1963649" y="1587500"/>
+            <a:ext cx="2808630" cy="459738"/>
           </a:xfrm>
           <a:prstGeom prst="rect">
             <a:avLst/>
@@ -12020,54 +13065,7 @@
           </a:ln>
           <a:extLst>
             <a:ext uri="{C572A759-6A51-4108-AA02-DFA0A04FC94B}">
-              <ma14:wrappingTextBoxFlag xmlns="" xmlns:ma14="http://schemas.microsoft.com/office/mac/drawingml/2011/main" val="1"/>
-            </a:ext>
-          </a:extLst>
-        </p:spPr>
-        <p:txBody>
-          <a:bodyPr wrap="none" lIns="45718" tIns="45718" rIns="45718" bIns="45718">
-            <a:spAutoFit/>
-          </a:bodyPr>
-          <a:lstStyle>
-            <a:lvl1pPr>
-              <a:defRPr>
-                <a:solidFill>
-                  <a:srgbClr val="002A7E"/>
-                </a:solidFill>
-                <a:latin typeface="微软雅黑"/>
-                <a:ea typeface="微软雅黑"/>
-                <a:cs typeface="微软雅黑"/>
-                <a:sym typeface="微软雅黑"/>
-              </a:defRPr>
-            </a:lvl1pPr>
-          </a:lstStyle>
-          <a:p>
-            <a:r>
-              <a:t>Approach</a:t>
-            </a:r>
-          </a:p>
-        </p:txBody>
-      </p:sp>
-      <p:sp>
-        <p:nvSpPr>
-          <p:cNvPr id="346" name="Centroid of 3D-CFG"/>
-          <p:cNvSpPr txBox="1"/>
-          <p:nvPr/>
-        </p:nvSpPr>
-        <p:spPr>
-          <a:xfrm>
-            <a:off x="1963649" y="1587500"/>
-            <a:ext cx="2808630" cy="459738"/>
-          </a:xfrm>
-          <a:prstGeom prst="rect">
-            <a:avLst/>
-          </a:prstGeom>
-          <a:ln w="12700">
-            <a:miter lim="400000"/>
-          </a:ln>
-          <a:extLst>
-            <a:ext uri="{C572A759-6A51-4108-AA02-DFA0A04FC94B}">
-              <ma14:wrappingTextBoxFlag xmlns="" xmlns:ma14="http://schemas.microsoft.com/office/mac/drawingml/2011/main" val="1"/>
+              <ma14:wrappingTextBoxFlag xmlns:ma14="http://schemas.microsoft.com/office/mac/drawingml/2011/main" xmlns="" val="1"/>
             </a:ext>
           </a:extLst>
         </p:spPr>
@@ -12120,7 +13118,7 @@
           </a:ln>
           <a:extLst>
             <a:ext uri="{C572A759-6A51-4108-AA02-DFA0A04FC94B}">
-              <ma14:wrappingTextBoxFlag xmlns="" xmlns:ma14="http://schemas.microsoft.com/office/mac/drawingml/2011/main" val="1"/>
+              <ma14:wrappingTextBoxFlag xmlns:ma14="http://schemas.microsoft.com/office/mac/drawingml/2011/main" xmlns="" val="1"/>
             </a:ext>
           </a:extLst>
         </p:spPr>
@@ -12172,6 +13170,55 @@
             <a:r>
               <a:t>P2) When a method changes a little, its centroid will not change a lot. </a:t>
             </a:r>
+          </a:p>
+        </p:txBody>
+      </p:sp>
+      <p:sp>
+        <p:nvSpPr>
+          <p:cNvPr id="7" name="Shape 382"/>
+          <p:cNvSpPr txBox="1"/>
+          <p:nvPr/>
+        </p:nvSpPr>
+        <p:spPr>
+          <a:xfrm>
+            <a:off x="1627112" y="641517"/>
+            <a:ext cx="2147379" cy="400105"/>
+          </a:xfrm>
+          <a:prstGeom prst="rect">
+            <a:avLst/>
+          </a:prstGeom>
+          <a:ln w="12700">
+            <a:miter lim="400000"/>
+          </a:ln>
+          <a:extLst>
+            <a:ext uri="{C572A759-6A51-4108-AA02-DFA0A04FC94B}">
+              <ma14:wrappingTextBoxFlag xmlns:ma14="http://schemas.microsoft.com/office/mac/drawingml/2011/main" xmlns="" val="1"/>
+            </a:ext>
+          </a:extLst>
+        </p:spPr>
+        <p:txBody>
+          <a:bodyPr wrap="none" lIns="45718" tIns="45718" rIns="45718" bIns="45718">
+            <a:spAutoFit/>
+          </a:bodyPr>
+          <a:lstStyle>
+            <a:lvl1pPr>
+              <a:defRPr>
+                <a:solidFill>
+                  <a:srgbClr val="002A7E"/>
+                </a:solidFill>
+                <a:latin typeface="微软雅黑"/>
+                <a:ea typeface="微软雅黑"/>
+                <a:cs typeface="微软雅黑"/>
+                <a:sym typeface="微软雅黑"/>
+              </a:defRPr>
+            </a:lvl1pPr>
+          </a:lstStyle>
+          <a:p>
+            <a:r>
+              <a:rPr lang="en-US" dirty="0" smtClean="0"/>
+              <a:t>Centroid of CFG</a:t>
+            </a:r>
+            <a:endParaRPr dirty="0"/>
           </a:p>
         </p:txBody>
       </p:sp>
@@ -12259,7 +13306,7 @@
           </a:ln>
           <a:extLst>
             <a:ext uri="{C572A759-6A51-4108-AA02-DFA0A04FC94B}">
-              <ma14:wrappingTextBoxFlag xmlns="" xmlns:ma14="http://schemas.microsoft.com/office/mac/drawingml/2011/main" val="1"/>
+              <ma14:wrappingTextBoxFlag xmlns:ma14="http://schemas.microsoft.com/office/mac/drawingml/2011/main" xmlns="" val="1"/>
             </a:ext>
           </a:extLst>
         </p:spPr>
@@ -12286,14 +13333,14 @@
       </p:sp>
       <p:sp>
         <p:nvSpPr>
-          <p:cNvPr id="353" name="Shape 382"/>
+          <p:cNvPr id="354" name="APK files"/>
           <p:cNvSpPr txBox="1"/>
           <p:nvPr/>
         </p:nvSpPr>
         <p:spPr>
           <a:xfrm>
-            <a:off x="1638300" y="647700"/>
-            <a:ext cx="1289555" cy="396238"/>
+            <a:off x="2263479" y="1148708"/>
+            <a:ext cx="1769874" cy="459739"/>
           </a:xfrm>
           <a:prstGeom prst="rect">
             <a:avLst/>
@@ -12303,54 +13350,7 @@
           </a:ln>
           <a:extLst>
             <a:ext uri="{C572A759-6A51-4108-AA02-DFA0A04FC94B}">
-              <ma14:wrappingTextBoxFlag xmlns="" xmlns:ma14="http://schemas.microsoft.com/office/mac/drawingml/2011/main" val="1"/>
-            </a:ext>
-          </a:extLst>
-        </p:spPr>
-        <p:txBody>
-          <a:bodyPr wrap="none" lIns="45718" tIns="45718" rIns="45718" bIns="45718">
-            <a:spAutoFit/>
-          </a:bodyPr>
-          <a:lstStyle>
-            <a:lvl1pPr>
-              <a:defRPr>
-                <a:solidFill>
-                  <a:srgbClr val="002A7E"/>
-                </a:solidFill>
-                <a:latin typeface="微软雅黑"/>
-                <a:ea typeface="微软雅黑"/>
-                <a:cs typeface="微软雅黑"/>
-                <a:sym typeface="微软雅黑"/>
-              </a:defRPr>
-            </a:lvl1pPr>
-          </a:lstStyle>
-          <a:p>
-            <a:r>
-              <a:t>Approach</a:t>
-            </a:r>
-          </a:p>
-        </p:txBody>
-      </p:sp>
-      <p:sp>
-        <p:nvSpPr>
-          <p:cNvPr id="354" name="APK files"/>
-          <p:cNvSpPr txBox="1"/>
-          <p:nvPr/>
-        </p:nvSpPr>
-        <p:spPr>
-          <a:xfrm>
-            <a:off x="2263479" y="1148708"/>
-            <a:ext cx="1769874" cy="459739"/>
-          </a:xfrm>
-          <a:prstGeom prst="rect">
-            <a:avLst/>
-          </a:prstGeom>
-          <a:ln w="12700">
-            <a:miter lim="400000"/>
-          </a:ln>
-          <a:extLst>
-            <a:ext uri="{C572A759-6A51-4108-AA02-DFA0A04FC94B}">
-              <ma14:wrappingTextBoxFlag xmlns="" xmlns:ma14="http://schemas.microsoft.com/office/mac/drawingml/2011/main" val="1"/>
+              <ma14:wrappingTextBoxFlag xmlns:ma14="http://schemas.microsoft.com/office/mac/drawingml/2011/main" xmlns="" val="1"/>
             </a:ext>
           </a:extLst>
         </p:spPr>
@@ -12403,7 +13403,7 @@
           </a:ln>
           <a:extLst>
             <a:ext uri="{C572A759-6A51-4108-AA02-DFA0A04FC94B}">
-              <ma14:wrappingTextBoxFlag xmlns="" xmlns:ma14="http://schemas.microsoft.com/office/mac/drawingml/2011/main" val="1"/>
+              <ma14:wrappingTextBoxFlag xmlns:ma14="http://schemas.microsoft.com/office/mac/drawingml/2011/main" xmlns="" val="1"/>
             </a:ext>
           </a:extLst>
         </p:spPr>
@@ -12456,7 +13456,7 @@
           </a:ln>
           <a:extLst>
             <a:ext uri="{C572A759-6A51-4108-AA02-DFA0A04FC94B}">
-              <ma14:wrappingTextBoxFlag xmlns="" xmlns:ma14="http://schemas.microsoft.com/office/mac/drawingml/2011/main" val="1"/>
+              <ma14:wrappingTextBoxFlag xmlns:ma14="http://schemas.microsoft.com/office/mac/drawingml/2011/main" xmlns="" val="1"/>
             </a:ext>
           </a:extLst>
         </p:spPr>
@@ -12509,7 +13509,7 @@
           </a:ln>
           <a:extLst>
             <a:ext uri="{C572A759-6A51-4108-AA02-DFA0A04FC94B}">
-              <ma14:wrappingTextBoxFlag xmlns="" xmlns:ma14="http://schemas.microsoft.com/office/mac/drawingml/2011/main" val="1"/>
+              <ma14:wrappingTextBoxFlag xmlns:ma14="http://schemas.microsoft.com/office/mac/drawingml/2011/main" xmlns="" val="1"/>
             </a:ext>
           </a:extLst>
         </p:spPr>
@@ -12563,7 +13563,7 @@
           </a:ln>
           <a:extLst>
             <a:ext uri="{C572A759-6A51-4108-AA02-DFA0A04FC94B}">
-              <ma14:wrappingTextBoxFlag xmlns="" xmlns:ma14="http://schemas.microsoft.com/office/mac/drawingml/2011/main" val="1"/>
+              <ma14:wrappingTextBoxFlag xmlns:ma14="http://schemas.microsoft.com/office/mac/drawingml/2011/main" xmlns="" val="1"/>
             </a:ext>
           </a:extLst>
         </p:spPr>
@@ -12884,6 +13884,55 @@
               </a:defRPr>
             </a:pPr>
             <a:endParaRPr/>
+          </a:p>
+        </p:txBody>
+      </p:sp>
+      <p:sp>
+        <p:nvSpPr>
+          <p:cNvPr id="19" name="Shape 382"/>
+          <p:cNvSpPr txBox="1"/>
+          <p:nvPr/>
+        </p:nvSpPr>
+        <p:spPr>
+          <a:xfrm>
+            <a:off x="1627112" y="641517"/>
+            <a:ext cx="2147379" cy="400105"/>
+          </a:xfrm>
+          <a:prstGeom prst="rect">
+            <a:avLst/>
+          </a:prstGeom>
+          <a:ln w="12700">
+            <a:miter lim="400000"/>
+          </a:ln>
+          <a:extLst>
+            <a:ext uri="{C572A759-6A51-4108-AA02-DFA0A04FC94B}">
+              <ma14:wrappingTextBoxFlag xmlns:ma14="http://schemas.microsoft.com/office/mac/drawingml/2011/main" xmlns="" val="1"/>
+            </a:ext>
+          </a:extLst>
+        </p:spPr>
+        <p:txBody>
+          <a:bodyPr wrap="none" lIns="45718" tIns="45718" rIns="45718" bIns="45718">
+            <a:spAutoFit/>
+          </a:bodyPr>
+          <a:lstStyle>
+            <a:lvl1pPr>
+              <a:defRPr>
+                <a:solidFill>
+                  <a:srgbClr val="002A7E"/>
+                </a:solidFill>
+                <a:latin typeface="微软雅黑"/>
+                <a:ea typeface="微软雅黑"/>
+                <a:cs typeface="微软雅黑"/>
+                <a:sym typeface="微软雅黑"/>
+              </a:defRPr>
+            </a:lvl1pPr>
+          </a:lstStyle>
+          <a:p>
+            <a:r>
+              <a:rPr lang="en-US" dirty="0" smtClean="0"/>
+              <a:t>Centroid of CFG</a:t>
+            </a:r>
+            <a:endParaRPr dirty="0"/>
           </a:p>
         </p:txBody>
       </p:sp>
@@ -13436,7 +14485,7 @@
           </a:ln>
           <a:extLst>
             <a:ext uri="{C572A759-6A51-4108-AA02-DFA0A04FC94B}">
-              <ma14:wrappingTextBoxFlag xmlns="" xmlns:ma14="http://schemas.microsoft.com/office/mac/drawingml/2011/main" val="1"/>
+              <ma14:wrappingTextBoxFlag xmlns:ma14="http://schemas.microsoft.com/office/mac/drawingml/2011/main" xmlns="" val="1"/>
             </a:ext>
           </a:extLst>
         </p:spPr>
@@ -13546,7 +14595,7 @@
           </a:ln>
           <a:extLst>
             <a:ext uri="{C572A759-6A51-4108-AA02-DFA0A04FC94B}">
-              <ma14:wrappingTextBoxFlag xmlns="" xmlns:ma14="http://schemas.microsoft.com/office/mac/drawingml/2011/main" val="1"/>
+              <ma14:wrappingTextBoxFlag xmlns:ma14="http://schemas.microsoft.com/office/mac/drawingml/2011/main" xmlns="" val="1"/>
             </a:ext>
           </a:extLst>
         </p:spPr>
@@ -13590,7 +14639,7 @@
           </a:ln>
           <a:extLst>
             <a:ext uri="{C572A759-6A51-4108-AA02-DFA0A04FC94B}">
-              <ma14:wrappingTextBoxFlag xmlns="" xmlns:ma14="http://schemas.microsoft.com/office/mac/drawingml/2011/main" val="1"/>
+              <ma14:wrappingTextBoxFlag xmlns:ma14="http://schemas.microsoft.com/office/mac/drawingml/2011/main" xmlns="" val="1"/>
             </a:ext>
           </a:extLst>
         </p:spPr>
@@ -13637,7 +14686,7 @@
           </a:ln>
           <a:extLst>
             <a:ext uri="{C572A759-6A51-4108-AA02-DFA0A04FC94B}">
-              <ma14:wrappingTextBoxFlag xmlns="" xmlns:ma14="http://schemas.microsoft.com/office/mac/drawingml/2011/main" val="1"/>
+              <ma14:wrappingTextBoxFlag xmlns:ma14="http://schemas.microsoft.com/office/mac/drawingml/2011/main" xmlns="" val="1"/>
             </a:ext>
           </a:extLst>
         </p:spPr>
@@ -13748,7 +14797,7 @@
           </a:ln>
           <a:extLst>
             <a:ext uri="{C572A759-6A51-4108-AA02-DFA0A04FC94B}">
-              <ma14:wrappingTextBoxFlag xmlns="" xmlns:ma14="http://schemas.microsoft.com/office/mac/drawingml/2011/main" val="1"/>
+              <ma14:wrappingTextBoxFlag xmlns:ma14="http://schemas.microsoft.com/office/mac/drawingml/2011/main" xmlns="" val="1"/>
             </a:ext>
           </a:extLst>
         </p:spPr>
@@ -14081,7 +15130,7 @@
           </a:ln>
           <a:extLst>
             <a:ext uri="{C572A759-6A51-4108-AA02-DFA0A04FC94B}">
-              <ma14:wrappingTextBoxFlag xmlns="" xmlns:ma14="http://schemas.microsoft.com/office/mac/drawingml/2011/main" val="1"/>
+              <ma14:wrappingTextBoxFlag xmlns:ma14="http://schemas.microsoft.com/office/mac/drawingml/2011/main" xmlns="" val="1"/>
             </a:ext>
           </a:extLst>
         </p:spPr>
@@ -14125,7 +15174,7 @@
           </a:ln>
           <a:extLst>
             <a:ext uri="{C572A759-6A51-4108-AA02-DFA0A04FC94B}">
-              <ma14:wrappingTextBoxFlag xmlns="" xmlns:ma14="http://schemas.microsoft.com/office/mac/drawingml/2011/main" val="1"/>
+              <ma14:wrappingTextBoxFlag xmlns:ma14="http://schemas.microsoft.com/office/mac/drawingml/2011/main" xmlns="" val="1"/>
             </a:ext>
           </a:extLst>
         </p:spPr>
@@ -14172,7 +15221,7 @@
           </a:ln>
           <a:extLst>
             <a:ext uri="{C572A759-6A51-4108-AA02-DFA0A04FC94B}">
-              <ma14:wrappingTextBoxFlag xmlns="" xmlns:ma14="http://schemas.microsoft.com/office/mac/drawingml/2011/main" val="1"/>
+              <ma14:wrappingTextBoxFlag xmlns:ma14="http://schemas.microsoft.com/office/mac/drawingml/2011/main" xmlns="" val="1"/>
             </a:ext>
           </a:extLst>
         </p:spPr>
@@ -14319,7 +15368,7 @@
           </a:ln>
           <a:extLst>
             <a:ext uri="{C572A759-6A51-4108-AA02-DFA0A04FC94B}">
-              <ma14:wrappingTextBoxFlag xmlns="" xmlns:ma14="http://schemas.microsoft.com/office/mac/drawingml/2011/main" val="1"/>
+              <ma14:wrappingTextBoxFlag xmlns:ma14="http://schemas.microsoft.com/office/mac/drawingml/2011/main" xmlns="" val="1"/>
             </a:ext>
           </a:extLst>
         </p:spPr>
@@ -14363,7 +15412,7 @@
           </a:ln>
           <a:extLst>
             <a:ext uri="{C572A759-6A51-4108-AA02-DFA0A04FC94B}">
-              <ma14:wrappingTextBoxFlag xmlns="" xmlns:ma14="http://schemas.microsoft.com/office/mac/drawingml/2011/main" val="1"/>
+              <ma14:wrappingTextBoxFlag xmlns:ma14="http://schemas.microsoft.com/office/mac/drawingml/2011/main" xmlns="" val="1"/>
             </a:ext>
           </a:extLst>
         </p:spPr>
@@ -14410,7 +15459,7 @@
           </a:ln>
           <a:extLst>
             <a:ext uri="{C572A759-6A51-4108-AA02-DFA0A04FC94B}">
-              <ma14:wrappingTextBoxFlag xmlns="" xmlns:ma14="http://schemas.microsoft.com/office/mac/drawingml/2011/main" val="1"/>
+              <ma14:wrappingTextBoxFlag xmlns:ma14="http://schemas.microsoft.com/office/mac/drawingml/2011/main" xmlns="" val="1"/>
             </a:ext>
           </a:extLst>
         </p:spPr>
@@ -14557,7 +15606,7 @@
           </a:ln>
           <a:extLst>
             <a:ext uri="{C572A759-6A51-4108-AA02-DFA0A04FC94B}">
-              <ma14:wrappingTextBoxFlag xmlns="" xmlns:ma14="http://schemas.microsoft.com/office/mac/drawingml/2011/main" val="1"/>
+              <ma14:wrappingTextBoxFlag xmlns:ma14="http://schemas.microsoft.com/office/mac/drawingml/2011/main" xmlns="" val="1"/>
             </a:ext>
           </a:extLst>
         </p:spPr>
@@ -14601,7 +15650,7 @@
           </a:ln>
           <a:extLst>
             <a:ext uri="{C572A759-6A51-4108-AA02-DFA0A04FC94B}">
-              <ma14:wrappingTextBoxFlag xmlns="" xmlns:ma14="http://schemas.microsoft.com/office/mac/drawingml/2011/main" val="1"/>
+              <ma14:wrappingTextBoxFlag xmlns:ma14="http://schemas.microsoft.com/office/mac/drawingml/2011/main" xmlns="" val="1"/>
             </a:ext>
           </a:extLst>
         </p:spPr>
@@ -14648,7 +15697,7 @@
           </a:ln>
           <a:extLst>
             <a:ext uri="{C572A759-6A51-4108-AA02-DFA0A04FC94B}">
-              <ma14:wrappingTextBoxFlag xmlns="" xmlns:ma14="http://schemas.microsoft.com/office/mac/drawingml/2011/main" val="1"/>
+              <ma14:wrappingTextBoxFlag xmlns:ma14="http://schemas.microsoft.com/office/mac/drawingml/2011/main" xmlns="" val="1"/>
             </a:ext>
           </a:extLst>
         </p:spPr>
@@ -14702,7 +15751,7 @@
           </a:ln>
           <a:extLst>
             <a:ext uri="{C572A759-6A51-4108-AA02-DFA0A04FC94B}">
-              <ma14:wrappingTextBoxFlag xmlns="" xmlns:ma14="http://schemas.microsoft.com/office/mac/drawingml/2011/main" val="1"/>
+              <ma14:wrappingTextBoxFlag xmlns:ma14="http://schemas.microsoft.com/office/mac/drawingml/2011/main" xmlns="" val="1"/>
             </a:ext>
           </a:extLst>
         </p:spPr>
@@ -14930,7 +15979,7 @@
           </a:ln>
           <a:extLst>
             <a:ext uri="{C572A759-6A51-4108-AA02-DFA0A04FC94B}">
-              <ma14:wrappingTextBoxFlag xmlns="" xmlns:ma14="http://schemas.microsoft.com/office/mac/drawingml/2011/main" val="1"/>
+              <ma14:wrappingTextBoxFlag xmlns:ma14="http://schemas.microsoft.com/office/mac/drawingml/2011/main" xmlns="" val="1"/>
             </a:ext>
           </a:extLst>
         </p:spPr>
@@ -15040,7 +16089,7 @@
           </a:ln>
           <a:extLst>
             <a:ext uri="{C572A759-6A51-4108-AA02-DFA0A04FC94B}">
-              <ma14:wrappingTextBoxFlag xmlns="" xmlns:ma14="http://schemas.microsoft.com/office/mac/drawingml/2011/main" val="1"/>
+              <ma14:wrappingTextBoxFlag xmlns:ma14="http://schemas.microsoft.com/office/mac/drawingml/2011/main" xmlns="" val="1"/>
             </a:ext>
           </a:extLst>
         </p:spPr>
@@ -15137,6 +16186,13 @@
     <a:masterClrMapping/>
   </p:clrMapOvr>
   <p:transition spd="med"/>
+  <p:timing>
+    <p:tnLst>
+      <p:par>
+        <p:cTn id="1" dur="indefinite" restart="never" nodeType="tmRoot"/>
+      </p:par>
+    </p:tnLst>
+  </p:timing>
 </p:sld>
 </file>
 
@@ -15208,7 +16264,7 @@
           </a:ln>
           <a:extLst>
             <a:ext uri="{C572A759-6A51-4108-AA02-DFA0A04FC94B}">
-              <ma14:wrappingTextBoxFlag xmlns="" xmlns:ma14="http://schemas.microsoft.com/office/mac/drawingml/2011/main" val="1"/>
+              <ma14:wrappingTextBoxFlag xmlns:ma14="http://schemas.microsoft.com/office/mac/drawingml/2011/main" xmlns="" val="1"/>
             </a:ext>
           </a:extLst>
         </p:spPr>
@@ -15252,7 +16308,7 @@
           </a:ln>
           <a:extLst>
             <a:ext uri="{C572A759-6A51-4108-AA02-DFA0A04FC94B}">
-              <ma14:wrappingTextBoxFlag xmlns="" xmlns:ma14="http://schemas.microsoft.com/office/mac/drawingml/2011/main" val="1"/>
+              <ma14:wrappingTextBoxFlag xmlns:ma14="http://schemas.microsoft.com/office/mac/drawingml/2011/main" xmlns="" val="1"/>
             </a:ext>
           </a:extLst>
         </p:spPr>
@@ -15299,7 +16355,7 @@
           </a:ln>
           <a:extLst>
             <a:ext uri="{C572A759-6A51-4108-AA02-DFA0A04FC94B}">
-              <ma14:wrappingTextBoxFlag xmlns="" xmlns:ma14="http://schemas.microsoft.com/office/mac/drawingml/2011/main" val="1"/>
+              <ma14:wrappingTextBoxFlag xmlns:ma14="http://schemas.microsoft.com/office/mac/drawingml/2011/main" xmlns="" val="1"/>
             </a:ext>
           </a:extLst>
         </p:spPr>
@@ -15532,7 +16588,7 @@
           </a:ln>
           <a:extLst>
             <a:ext uri="{C572A759-6A51-4108-AA02-DFA0A04FC94B}">
-              <ma14:wrappingTextBoxFlag xmlns="" xmlns:ma14="http://schemas.microsoft.com/office/mac/drawingml/2011/main" val="1"/>
+              <ma14:wrappingTextBoxFlag xmlns:ma14="http://schemas.microsoft.com/office/mac/drawingml/2011/main" xmlns="" val="1"/>
             </a:ext>
           </a:extLst>
         </p:spPr>
@@ -15640,7 +16696,7 @@
           </a:ln>
           <a:extLst>
             <a:ext uri="{C572A759-6A51-4108-AA02-DFA0A04FC94B}">
-              <ma14:wrappingTextBoxFlag xmlns="" xmlns:ma14="http://schemas.microsoft.com/office/mac/drawingml/2011/main" val="1"/>
+              <ma14:wrappingTextBoxFlag xmlns:ma14="http://schemas.microsoft.com/office/mac/drawingml/2011/main" xmlns="" val="1"/>
             </a:ext>
           </a:extLst>
         </p:spPr>
@@ -15717,7 +16773,7 @@
           </a:ln>
           <a:extLst>
             <a:ext uri="{C572A759-6A51-4108-AA02-DFA0A04FC94B}">
-              <ma14:wrappingTextBoxFlag xmlns="" xmlns:ma14="http://schemas.microsoft.com/office/mac/drawingml/2011/main" val="1"/>
+              <ma14:wrappingTextBoxFlag xmlns:ma14="http://schemas.microsoft.com/office/mac/drawingml/2011/main" xmlns="" val="1"/>
             </a:ext>
           </a:extLst>
         </p:spPr>
@@ -15825,7 +16881,7 @@
           </a:ln>
           <a:extLst>
             <a:ext uri="{C572A759-6A51-4108-AA02-DFA0A04FC94B}">
-              <ma14:wrappingTextBoxFlag xmlns="" xmlns:ma14="http://schemas.microsoft.com/office/mac/drawingml/2011/main" val="1"/>
+              <ma14:wrappingTextBoxFlag xmlns:ma14="http://schemas.microsoft.com/office/mac/drawingml/2011/main" xmlns="" val="1"/>
             </a:ext>
           </a:extLst>
         </p:spPr>
@@ -15902,7 +16958,7 @@
           </a:ln>
           <a:extLst>
             <a:ext uri="{C572A759-6A51-4108-AA02-DFA0A04FC94B}">
-              <ma14:wrappingTextBoxFlag xmlns="" xmlns:ma14="http://schemas.microsoft.com/office/mac/drawingml/2011/main" val="1"/>
+              <ma14:wrappingTextBoxFlag xmlns:ma14="http://schemas.microsoft.com/office/mac/drawingml/2011/main" xmlns="" val="1"/>
             </a:ext>
           </a:extLst>
         </p:spPr>
@@ -15949,7 +17005,7 @@
           </a:ln>
           <a:extLst>
             <a:ext uri="{C572A759-6A51-4108-AA02-DFA0A04FC94B}">
-              <ma14:wrappingTextBoxFlag xmlns="" xmlns:ma14="http://schemas.microsoft.com/office/mac/drawingml/2011/main" val="1"/>
+              <ma14:wrappingTextBoxFlag xmlns:ma14="http://schemas.microsoft.com/office/mac/drawingml/2011/main" xmlns="" val="1"/>
             </a:ext>
           </a:extLst>
         </p:spPr>
@@ -16134,7 +17190,7 @@
           </a:ln>
           <a:extLst>
             <a:ext uri="{C572A759-6A51-4108-AA02-DFA0A04FC94B}">
-              <ma14:wrappingTextBoxFlag xmlns="" xmlns:ma14="http://schemas.microsoft.com/office/mac/drawingml/2011/main" val="1"/>
+              <ma14:wrappingTextBoxFlag xmlns:ma14="http://schemas.microsoft.com/office/mac/drawingml/2011/main" xmlns="" val="1"/>
             </a:ext>
           </a:extLst>
         </p:spPr>
@@ -16240,7 +17296,7 @@
           </a:ln>
           <a:extLst>
             <a:ext uri="{C572A759-6A51-4108-AA02-DFA0A04FC94B}">
-              <ma14:wrappingTextBoxFlag xmlns="" xmlns:ma14="http://schemas.microsoft.com/office/mac/drawingml/2011/main" val="1"/>
+              <ma14:wrappingTextBoxFlag xmlns:ma14="http://schemas.microsoft.com/office/mac/drawingml/2011/main" xmlns="" val="1"/>
             </a:ext>
           </a:extLst>
         </p:spPr>
@@ -16393,7 +17449,7 @@
           </a:ln>
           <a:extLst>
             <a:ext uri="{C572A759-6A51-4108-AA02-DFA0A04FC94B}">
-              <ma14:wrappingTextBoxFlag xmlns="" xmlns:ma14="http://schemas.microsoft.com/office/mac/drawingml/2011/main" val="1"/>
+              <ma14:wrappingTextBoxFlag xmlns:ma14="http://schemas.microsoft.com/office/mac/drawingml/2011/main" xmlns="" val="1"/>
             </a:ext>
           </a:extLst>
         </p:spPr>
@@ -16450,7 +17506,7 @@
           </a:ln>
           <a:extLst>
             <a:ext uri="{C572A759-6A51-4108-AA02-DFA0A04FC94B}">
-              <ma14:wrappingTextBoxFlag xmlns="" xmlns:ma14="http://schemas.microsoft.com/office/mac/drawingml/2011/main" val="1"/>
+              <ma14:wrappingTextBoxFlag xmlns:ma14="http://schemas.microsoft.com/office/mac/drawingml/2011/main" xmlns="" val="1"/>
             </a:ext>
           </a:extLst>
         </p:spPr>
@@ -16507,7 +17563,7 @@
           </a:ln>
           <a:extLst>
             <a:ext uri="{C572A759-6A51-4108-AA02-DFA0A04FC94B}">
-              <ma14:wrappingTextBoxFlag xmlns="" xmlns:ma14="http://schemas.microsoft.com/office/mac/drawingml/2011/main" val="1"/>
+              <ma14:wrappingTextBoxFlag xmlns:ma14="http://schemas.microsoft.com/office/mac/drawingml/2011/main" xmlns="" val="1"/>
             </a:ext>
           </a:extLst>
         </p:spPr>
@@ -16568,7 +17624,7 @@
           </a:ln>
           <a:extLst>
             <a:ext uri="{C572A759-6A51-4108-AA02-DFA0A04FC94B}">
-              <ma14:wrappingTextBoxFlag xmlns="" xmlns:ma14="http://schemas.microsoft.com/office/mac/drawingml/2011/main" val="1"/>
+              <ma14:wrappingTextBoxFlag xmlns:ma14="http://schemas.microsoft.com/office/mac/drawingml/2011/main" xmlns="" val="1"/>
             </a:ext>
           </a:extLst>
         </p:spPr>
@@ -16635,7 +17691,7 @@
           </a:ln>
           <a:extLst>
             <a:ext uri="{C572A759-6A51-4108-AA02-DFA0A04FC94B}">
-              <ma14:wrappingTextBoxFlag xmlns="" xmlns:ma14="http://schemas.microsoft.com/office/mac/drawingml/2011/main" val="1"/>
+              <ma14:wrappingTextBoxFlag xmlns:ma14="http://schemas.microsoft.com/office/mac/drawingml/2011/main" xmlns="" val="1"/>
             </a:ext>
           </a:extLst>
         </p:spPr>
@@ -16689,7 +17745,7 @@
           </a:ln>
           <a:extLst>
             <a:ext uri="{C572A759-6A51-4108-AA02-DFA0A04FC94B}">
-              <ma14:wrappingTextBoxFlag xmlns="" xmlns:ma14="http://schemas.microsoft.com/office/mac/drawingml/2011/main" val="1"/>
+              <ma14:wrappingTextBoxFlag xmlns:ma14="http://schemas.microsoft.com/office/mac/drawingml/2011/main" xmlns="" val="1"/>
             </a:ext>
           </a:extLst>
         </p:spPr>
@@ -16765,7 +17821,7 @@
           </a:ln>
           <a:extLst>
             <a:ext uri="{C572A759-6A51-4108-AA02-DFA0A04FC94B}">
-              <ma14:wrappingTextBoxFlag xmlns="" xmlns:ma14="http://schemas.microsoft.com/office/mac/drawingml/2011/main" val="1"/>
+              <ma14:wrappingTextBoxFlag xmlns:ma14="http://schemas.microsoft.com/office/mac/drawingml/2011/main" xmlns="" val="1"/>
             </a:ext>
           </a:extLst>
         </p:spPr>
@@ -16841,7 +17897,7 @@
           </a:ln>
           <a:extLst>
             <a:ext uri="{C572A759-6A51-4108-AA02-DFA0A04FC94B}">
-              <ma14:wrappingTextBoxFlag xmlns="" xmlns:ma14="http://schemas.microsoft.com/office/mac/drawingml/2011/main" val="1"/>
+              <ma14:wrappingTextBoxFlag xmlns:ma14="http://schemas.microsoft.com/office/mac/drawingml/2011/main" xmlns="" val="1"/>
             </a:ext>
           </a:extLst>
         </p:spPr>
@@ -16895,7 +17951,7 @@
           </a:ln>
           <a:extLst>
             <a:ext uri="{C572A759-6A51-4108-AA02-DFA0A04FC94B}">
-              <ma14:wrappingTextBoxFlag xmlns="" xmlns:ma14="http://schemas.microsoft.com/office/mac/drawingml/2011/main" val="1"/>
+              <ma14:wrappingTextBoxFlag xmlns:ma14="http://schemas.microsoft.com/office/mac/drawingml/2011/main" xmlns="" val="1"/>
             </a:ext>
           </a:extLst>
         </p:spPr>
@@ -16949,7 +18005,7 @@
           </a:ln>
           <a:extLst>
             <a:ext uri="{C572A759-6A51-4108-AA02-DFA0A04FC94B}">
-              <ma14:wrappingTextBoxFlag xmlns="" xmlns:ma14="http://schemas.microsoft.com/office/mac/drawingml/2011/main" val="1"/>
+              <ma14:wrappingTextBoxFlag xmlns:ma14="http://schemas.microsoft.com/office/mac/drawingml/2011/main" xmlns="" val="1"/>
             </a:ext>
           </a:extLst>
         </p:spPr>
@@ -17995,7 +19051,7 @@
           </a:ln>
           <a:extLst>
             <a:ext uri="{C572A759-6A51-4108-AA02-DFA0A04FC94B}">
-              <ma14:wrappingTextBoxFlag xmlns="" xmlns:ma14="http://schemas.microsoft.com/office/mac/drawingml/2011/main" val="1"/>
+              <ma14:wrappingTextBoxFlag xmlns:ma14="http://schemas.microsoft.com/office/mac/drawingml/2011/main" xmlns="" val="1"/>
             </a:ext>
           </a:extLst>
         </p:spPr>
@@ -18466,7 +19522,7 @@
           </a:ln>
           <a:extLst>
             <a:ext uri="{C572A759-6A51-4108-AA02-DFA0A04FC94B}">
-              <ma14:wrappingTextBoxFlag xmlns="" xmlns:ma14="http://schemas.microsoft.com/office/mac/drawingml/2011/main" val="1"/>
+              <ma14:wrappingTextBoxFlag xmlns:ma14="http://schemas.microsoft.com/office/mac/drawingml/2011/main" xmlns="" val="1"/>
             </a:ext>
           </a:extLst>
         </p:spPr>
@@ -18698,7 +19754,7 @@
           </a:ln>
           <a:extLst>
             <a:ext uri="{C572A759-6A51-4108-AA02-DFA0A04FC94B}">
-              <ma14:wrappingTextBoxFlag xmlns="" xmlns:ma14="http://schemas.microsoft.com/office/mac/drawingml/2011/main" val="1"/>
+              <ma14:wrappingTextBoxFlag xmlns:ma14="http://schemas.microsoft.com/office/mac/drawingml/2011/main" xmlns="" val="1"/>
             </a:ext>
           </a:extLst>
         </p:spPr>
@@ -18859,7 +19915,7 @@
           </a:ln>
           <a:extLst>
             <a:ext uri="{C572A759-6A51-4108-AA02-DFA0A04FC94B}">
-              <ma14:wrappingTextBoxFlag xmlns="" xmlns:ma14="http://schemas.microsoft.com/office/mac/drawingml/2011/main" val="1"/>
+              <ma14:wrappingTextBoxFlag xmlns:ma14="http://schemas.microsoft.com/office/mac/drawingml/2011/main" xmlns="" val="1"/>
             </a:ext>
           </a:extLst>
         </p:spPr>
@@ -18939,7 +19995,7 @@
           </a:ln>
           <a:extLst>
             <a:ext uri="{C572A759-6A51-4108-AA02-DFA0A04FC94B}">
-              <ma14:wrappingTextBoxFlag xmlns="" xmlns:ma14="http://schemas.microsoft.com/office/mac/drawingml/2011/main" val="1"/>
+              <ma14:wrappingTextBoxFlag xmlns:ma14="http://schemas.microsoft.com/office/mac/drawingml/2011/main" xmlns="" val="1"/>
             </a:ext>
           </a:extLst>
         </p:spPr>
@@ -19171,7 +20227,7 @@
           </a:ln>
           <a:extLst>
             <a:ext uri="{C572A759-6A51-4108-AA02-DFA0A04FC94B}">
-              <ma14:wrappingTextBoxFlag xmlns="" xmlns:ma14="http://schemas.microsoft.com/office/mac/drawingml/2011/main" val="1"/>
+              <ma14:wrappingTextBoxFlag xmlns:ma14="http://schemas.microsoft.com/office/mac/drawingml/2011/main" xmlns="" val="1"/>
             </a:ext>
           </a:extLst>
         </p:spPr>
@@ -19235,6 +20291,13 @@
     <a:masterClrMapping/>
   </p:clrMapOvr>
   <p:transition spd="med"/>
+  <p:timing>
+    <p:tnLst>
+      <p:par>
+        <p:cTn id="1" dur="indefinite" restart="never" nodeType="tmRoot"/>
+      </p:par>
+    </p:tnLst>
+  </p:timing>
 </p:sld>
 </file>
 
@@ -19309,7 +20372,7 @@
           </a:ln>
           <a:extLst>
             <a:ext uri="{C572A759-6A51-4108-AA02-DFA0A04FC94B}">
-              <ma14:wrappingTextBoxFlag xmlns="" xmlns:ma14="http://schemas.microsoft.com/office/mac/drawingml/2011/main" val="1"/>
+              <ma14:wrappingTextBoxFlag xmlns:ma14="http://schemas.microsoft.com/office/mac/drawingml/2011/main" xmlns="" val="1"/>
             </a:ext>
           </a:extLst>
         </p:spPr>
@@ -19388,7 +20451,7 @@
           </a:ln>
           <a:extLst>
             <a:ext uri="{C572A759-6A51-4108-AA02-DFA0A04FC94B}">
-              <ma14:wrappingTextBoxFlag xmlns="" xmlns:ma14="http://schemas.microsoft.com/office/mac/drawingml/2011/main" val="1"/>
+              <ma14:wrappingTextBoxFlag xmlns:ma14="http://schemas.microsoft.com/office/mac/drawingml/2011/main" xmlns="" val="1"/>
             </a:ext>
           </a:extLst>
         </p:spPr>
@@ -19500,7 +20563,7 @@
           </a:ln>
           <a:extLst>
             <a:ext uri="{C572A759-6A51-4108-AA02-DFA0A04FC94B}">
-              <ma14:wrappingTextBoxFlag xmlns="" xmlns:ma14="http://schemas.microsoft.com/office/mac/drawingml/2011/main" val="1"/>
+              <ma14:wrappingTextBoxFlag xmlns:ma14="http://schemas.microsoft.com/office/mac/drawingml/2011/main" xmlns="" val="1"/>
             </a:ext>
           </a:extLst>
         </p:spPr>
@@ -19544,7 +20607,7 @@
           </a:ln>
           <a:extLst>
             <a:ext uri="{C572A759-6A51-4108-AA02-DFA0A04FC94B}">
-              <ma14:wrappingTextBoxFlag xmlns="" xmlns:ma14="http://schemas.microsoft.com/office/mac/drawingml/2011/main" val="1"/>
+              <ma14:wrappingTextBoxFlag xmlns:ma14="http://schemas.microsoft.com/office/mac/drawingml/2011/main" xmlns="" val="1"/>
             </a:ext>
           </a:extLst>
         </p:spPr>
@@ -19582,7 +20645,7 @@
         <p:spPr>
           <a:xfrm>
             <a:off x="1969515" y="1443219"/>
-            <a:ext cx="9316793" cy="1708156"/>
+            <a:ext cx="9316793" cy="1116135"/>
           </a:xfrm>
           <a:prstGeom prst="rect">
             <a:avLst/>
@@ -19592,7 +20655,7 @@
           </a:ln>
           <a:extLst>
             <a:ext uri="{C572A759-6A51-4108-AA02-DFA0A04FC94B}">
-              <ma14:wrappingTextBoxFlag xmlns="" xmlns:ma14="http://schemas.microsoft.com/office/mac/drawingml/2011/main" val="1"/>
+              <ma14:wrappingTextBoxFlag xmlns:ma14="http://schemas.microsoft.com/office/mac/drawingml/2011/main" xmlns="" val="1"/>
             </a:ext>
           </a:extLst>
         </p:spPr>
@@ -19622,7 +20685,7 @@
           <a:p>
             <a:r>
               <a:rPr dirty="0">
-                <a:latin typeface="黑体" panose="02010609060101010101" pitchFamily="49" charset="-122"/>
+                <a:latin typeface="Calibri Light" panose="020F0302020204030204" pitchFamily="34" charset="0"/>
                 <a:ea typeface="黑体" panose="02010609060101010101" pitchFamily="49" charset="-122"/>
               </a:rPr>
               <a:t>Code clones, or similar fragments of source code, bring unwanted problems such as inconsistencies, potential bugs and code smells. </a:t>
@@ -19638,8 +20701,8 @@
         </p:nvSpPr>
         <p:spPr>
           <a:xfrm>
-            <a:off x="1969515" y="3282994"/>
-            <a:ext cx="5935275" cy="1015659"/>
+            <a:off x="1969515" y="2941772"/>
+            <a:ext cx="5770165" cy="1200325"/>
           </a:xfrm>
           <a:prstGeom prst="rect">
             <a:avLst/>
@@ -19649,7 +20712,7 @@
           </a:ln>
           <a:extLst>
             <a:ext uri="{C572A759-6A51-4108-AA02-DFA0A04FC94B}">
-              <ma14:wrappingTextBoxFlag xmlns="" xmlns:ma14="http://schemas.microsoft.com/office/mac/drawingml/2011/main" val="1"/>
+              <ma14:wrappingTextBoxFlag xmlns:ma14="http://schemas.microsoft.com/office/mac/drawingml/2011/main" xmlns="" val="1"/>
             </a:ext>
           </a:extLst>
         </p:spPr>
@@ -19671,12 +20734,23 @@
               </a:defRPr>
             </a:pPr>
             <a:r>
-              <a:rPr dirty="0">
-                <a:latin typeface="黑体" panose="02010609060101010101" pitchFamily="49" charset="-122"/>
+              <a:rPr sz="2400" b="0" dirty="0">
+                <a:latin typeface="Calibri Light" panose="020F0302020204030204" pitchFamily="34" charset="0"/>
                 <a:ea typeface="黑体" panose="02010609060101010101" pitchFamily="49" charset="-122"/>
               </a:rPr>
-              <a:t>Developers lost advertising revenue and users</a:t>
-            </a:r>
+              <a:t>Developers lost advertising revenue and </a:t>
+            </a:r>
+            <a:r>
+              <a:rPr sz="2400" b="0" dirty="0" smtClean="0">
+                <a:latin typeface="Calibri Light" panose="020F0302020204030204" pitchFamily="34" charset="0"/>
+                <a:ea typeface="黑体" panose="02010609060101010101" pitchFamily="49" charset="-122"/>
+              </a:rPr>
+              <a:t>users</a:t>
+            </a:r>
+            <a:endParaRPr lang="en-US" sz="2400" b="0" dirty="0" smtClean="0">
+              <a:latin typeface="Calibri Light" panose="020F0302020204030204" pitchFamily="34" charset="0"/>
+              <a:ea typeface="黑体" panose="02010609060101010101" pitchFamily="49" charset="-122"/>
+            </a:endParaRPr>
           </a:p>
           <a:p>
             <a:pPr>
@@ -19690,8 +20764,8 @@
                 <a:sym typeface="Times"/>
               </a:defRPr>
             </a:pPr>
-            <a:endParaRPr dirty="0">
-              <a:latin typeface="黑体" panose="02010609060101010101" pitchFamily="49" charset="-122"/>
+            <a:endParaRPr sz="2400" b="0" dirty="0">
+              <a:latin typeface="Calibri Light" panose="020F0302020204030204" pitchFamily="34" charset="0"/>
               <a:ea typeface="黑体" panose="02010609060101010101" pitchFamily="49" charset="-122"/>
             </a:endParaRPr>
           </a:p>
@@ -19708,8 +20782,8 @@
               </a:defRPr>
             </a:pPr>
             <a:r>
-              <a:rPr dirty="0">
-                <a:latin typeface="黑体" panose="02010609060101010101" pitchFamily="49" charset="-122"/>
+              <a:rPr sz="2400" b="0" dirty="0">
+                <a:latin typeface="Calibri Light" panose="020F0302020204030204" pitchFamily="34" charset="0"/>
                 <a:ea typeface="黑体" panose="02010609060101010101" pitchFamily="49" charset="-122"/>
               </a:rPr>
               <a:t>Malware prefers to use clones as carriers</a:t>
@@ -20048,7 +21122,7 @@
           </a:ln>
           <a:extLst>
             <a:ext uri="{C572A759-6A51-4108-AA02-DFA0A04FC94B}">
-              <ma14:wrappingTextBoxFlag xmlns="" xmlns:ma14="http://schemas.microsoft.com/office/mac/drawingml/2011/main" val="1"/>
+              <ma14:wrappingTextBoxFlag xmlns:ma14="http://schemas.microsoft.com/office/mac/drawingml/2011/main" xmlns="" val="1"/>
             </a:ext>
           </a:extLst>
         </p:spPr>
@@ -20092,7 +21166,7 @@
           </a:ln>
           <a:extLst>
             <a:ext uri="{C572A759-6A51-4108-AA02-DFA0A04FC94B}">
-              <ma14:wrappingTextBoxFlag xmlns="" xmlns:ma14="http://schemas.microsoft.com/office/mac/drawingml/2011/main" val="1"/>
+              <ma14:wrappingTextBoxFlag xmlns:ma14="http://schemas.microsoft.com/office/mac/drawingml/2011/main" xmlns="" val="1"/>
             </a:ext>
           </a:extLst>
         </p:spPr>
@@ -20167,7 +21241,7 @@
           </a:ln>
           <a:extLst>
             <a:ext uri="{C572A759-6A51-4108-AA02-DFA0A04FC94B}">
-              <ma14:wrappingTextBoxFlag xmlns="" xmlns:ma14="http://schemas.microsoft.com/office/mac/drawingml/2011/main" val="1"/>
+              <ma14:wrappingTextBoxFlag xmlns:ma14="http://schemas.microsoft.com/office/mac/drawingml/2011/main" xmlns="" val="1"/>
             </a:ext>
           </a:extLst>
         </p:spPr>
@@ -20390,7 +21464,7 @@
           </a:ln>
           <a:extLst>
             <a:ext uri="{C572A759-6A51-4108-AA02-DFA0A04FC94B}">
-              <ma14:wrappingTextBoxFlag xmlns="" xmlns:ma14="http://schemas.microsoft.com/office/mac/drawingml/2011/main" val="1"/>
+              <ma14:wrappingTextBoxFlag xmlns:ma14="http://schemas.microsoft.com/office/mac/drawingml/2011/main" xmlns="" val="1"/>
             </a:ext>
           </a:extLst>
         </p:spPr>
@@ -20434,7 +21508,7 @@
           </a:ln>
           <a:extLst>
             <a:ext uri="{C572A759-6A51-4108-AA02-DFA0A04FC94B}">
-              <ma14:wrappingTextBoxFlag xmlns="" xmlns:ma14="http://schemas.microsoft.com/office/mac/drawingml/2011/main" val="1"/>
+              <ma14:wrappingTextBoxFlag xmlns:ma14="http://schemas.microsoft.com/office/mac/drawingml/2011/main" xmlns="" val="1"/>
             </a:ext>
           </a:extLst>
         </p:spPr>
@@ -20509,7 +21583,7 @@
           </a:ln>
           <a:extLst>
             <a:ext uri="{C572A759-6A51-4108-AA02-DFA0A04FC94B}">
-              <ma14:wrappingTextBoxFlag xmlns="" xmlns:ma14="http://schemas.microsoft.com/office/mac/drawingml/2011/main" val="1"/>
+              <ma14:wrappingTextBoxFlag xmlns:ma14="http://schemas.microsoft.com/office/mac/drawingml/2011/main" xmlns="" val="1"/>
             </a:ext>
           </a:extLst>
         </p:spPr>
@@ -20854,7 +21928,7 @@
           </a:ln>
           <a:extLst>
             <a:ext uri="{C572A759-6A51-4108-AA02-DFA0A04FC94B}">
-              <ma14:wrappingTextBoxFlag xmlns="" xmlns:ma14="http://schemas.microsoft.com/office/mac/drawingml/2011/main" val="1"/>
+              <ma14:wrappingTextBoxFlag xmlns:ma14="http://schemas.microsoft.com/office/mac/drawingml/2011/main" xmlns="" val="1"/>
             </a:ext>
           </a:extLst>
         </p:spPr>
@@ -20898,7 +21972,7 @@
           </a:ln>
           <a:extLst>
             <a:ext uri="{C572A759-6A51-4108-AA02-DFA0A04FC94B}">
-              <ma14:wrappingTextBoxFlag xmlns="" xmlns:ma14="http://schemas.microsoft.com/office/mac/drawingml/2011/main" val="1"/>
+              <ma14:wrappingTextBoxFlag xmlns:ma14="http://schemas.microsoft.com/office/mac/drawingml/2011/main" xmlns="" val="1"/>
             </a:ext>
           </a:extLst>
         </p:spPr>
@@ -20973,7 +22047,7 @@
           </a:ln>
           <a:extLst>
             <a:ext uri="{C572A759-6A51-4108-AA02-DFA0A04FC94B}">
-              <ma14:wrappingTextBoxFlag xmlns="" xmlns:ma14="http://schemas.microsoft.com/office/mac/drawingml/2011/main" val="1"/>
+              <ma14:wrappingTextBoxFlag xmlns:ma14="http://schemas.microsoft.com/office/mac/drawingml/2011/main" xmlns="" val="1"/>
             </a:ext>
           </a:extLst>
         </p:spPr>
@@ -21322,7 +22396,7 @@
           </a:ln>
           <a:extLst>
             <a:ext uri="{C572A759-6A51-4108-AA02-DFA0A04FC94B}">
-              <ma14:wrappingTextBoxFlag xmlns="" xmlns:ma14="http://schemas.microsoft.com/office/mac/drawingml/2011/main" val="1"/>
+              <ma14:wrappingTextBoxFlag xmlns:ma14="http://schemas.microsoft.com/office/mac/drawingml/2011/main" xmlns="" val="1"/>
             </a:ext>
           </a:extLst>
         </p:spPr>
@@ -21366,7 +22440,7 @@
           </a:ln>
           <a:extLst>
             <a:ext uri="{C572A759-6A51-4108-AA02-DFA0A04FC94B}">
-              <ma14:wrappingTextBoxFlag xmlns="" xmlns:ma14="http://schemas.microsoft.com/office/mac/drawingml/2011/main" val="1"/>
+              <ma14:wrappingTextBoxFlag xmlns:ma14="http://schemas.microsoft.com/office/mac/drawingml/2011/main" xmlns="" val="1"/>
             </a:ext>
           </a:extLst>
         </p:spPr>
@@ -21441,7 +22515,7 @@
           </a:ln>
           <a:extLst>
             <a:ext uri="{C572A759-6A51-4108-AA02-DFA0A04FC94B}">
-              <ma14:wrappingTextBoxFlag xmlns="" xmlns:ma14="http://schemas.microsoft.com/office/mac/drawingml/2011/main" val="1"/>
+              <ma14:wrappingTextBoxFlag xmlns:ma14="http://schemas.microsoft.com/office/mac/drawingml/2011/main" xmlns="" val="1"/>
             </a:ext>
           </a:extLst>
         </p:spPr>

--- a/papers/AASSppt/AASS.pptx
+++ b/papers/AASSppt/AASS.pptx
@@ -3735,7 +3735,7 @@
           </a:ln>
           <a:extLst>
             <a:ext uri="{C572A759-6A51-4108-AA02-DFA0A04FC94B}">
-              <ma14:wrappingTextBoxFlag xmlns="" xmlns:ma14="http://schemas.microsoft.com/office/mac/drawingml/2011/main" val="1"/>
+              <ma14:wrappingTextBoxFlag xmlns:ma14="http://schemas.microsoft.com/office/mac/drawingml/2011/main" xmlns="" val="1"/>
             </a:ext>
           </a:extLst>
         </p:spPr>
@@ -3774,7 +3774,7 @@
           </a:ln>
           <a:extLst>
             <a:ext uri="{C572A759-6A51-4108-AA02-DFA0A04FC94B}">
-              <ma14:wrappingTextBoxFlag xmlns="" xmlns:ma14="http://schemas.microsoft.com/office/mac/drawingml/2011/main" val="1"/>
+              <ma14:wrappingTextBoxFlag xmlns:ma14="http://schemas.microsoft.com/office/mac/drawingml/2011/main" xmlns="" val="1"/>
             </a:ext>
           </a:extLst>
         </p:spPr>
@@ -4710,7 +4710,7 @@
           </a:ln>
           <a:extLst>
             <a:ext uri="{C572A759-6A51-4108-AA02-DFA0A04FC94B}">
-              <ma14:wrappingTextBoxFlag xmlns="" xmlns:ma14="http://schemas.microsoft.com/office/mac/drawingml/2011/main" val="1"/>
+              <ma14:wrappingTextBoxFlag xmlns:ma14="http://schemas.microsoft.com/office/mac/drawingml/2011/main" xmlns="" val="1"/>
             </a:ext>
           </a:extLst>
         </p:spPr>
@@ -4820,7 +4820,7 @@
           </a:ln>
           <a:extLst>
             <a:ext uri="{C572A759-6A51-4108-AA02-DFA0A04FC94B}">
-              <ma14:wrappingTextBoxFlag xmlns="" xmlns:ma14="http://schemas.microsoft.com/office/mac/drawingml/2011/main" val="1"/>
+              <ma14:wrappingTextBoxFlag xmlns:ma14="http://schemas.microsoft.com/office/mac/drawingml/2011/main" xmlns="" val="1"/>
             </a:ext>
           </a:extLst>
         </p:spPr>
@@ -4932,7 +4932,7 @@
           </a:ln>
           <a:extLst>
             <a:ext uri="{C572A759-6A51-4108-AA02-DFA0A04FC94B}">
-              <ma14:wrappingTextBoxFlag xmlns="" xmlns:ma14="http://schemas.microsoft.com/office/mac/drawingml/2011/main" val="1"/>
+              <ma14:wrappingTextBoxFlag xmlns:ma14="http://schemas.microsoft.com/office/mac/drawingml/2011/main" xmlns="" val="1"/>
             </a:ext>
           </a:extLst>
         </p:spPr>
@@ -4976,7 +4976,7 @@
           </a:ln>
           <a:extLst>
             <a:ext uri="{C572A759-6A51-4108-AA02-DFA0A04FC94B}">
-              <ma14:wrappingTextBoxFlag xmlns="" xmlns:ma14="http://schemas.microsoft.com/office/mac/drawingml/2011/main" val="1"/>
+              <ma14:wrappingTextBoxFlag xmlns:ma14="http://schemas.microsoft.com/office/mac/drawingml/2011/main" xmlns="" val="1"/>
             </a:ext>
           </a:extLst>
         </p:spPr>
@@ -5051,7 +5051,7 @@
           </a:ln>
           <a:extLst>
             <a:ext uri="{C572A759-6A51-4108-AA02-DFA0A04FC94B}">
-              <ma14:wrappingTextBoxFlag xmlns="" xmlns:ma14="http://schemas.microsoft.com/office/mac/drawingml/2011/main" val="1"/>
+              <ma14:wrappingTextBoxFlag xmlns:ma14="http://schemas.microsoft.com/office/mac/drawingml/2011/main" xmlns="" val="1"/>
             </a:ext>
           </a:extLst>
         </p:spPr>
@@ -5361,7 +5361,7 @@
           </a:ln>
           <a:extLst>
             <a:ext uri="{C572A759-6A51-4108-AA02-DFA0A04FC94B}">
-              <ma14:wrappingTextBoxFlag xmlns="" xmlns:ma14="http://schemas.microsoft.com/office/mac/drawingml/2011/main" val="1"/>
+              <ma14:wrappingTextBoxFlag xmlns:ma14="http://schemas.microsoft.com/office/mac/drawingml/2011/main" xmlns="" val="1"/>
             </a:ext>
           </a:extLst>
         </p:spPr>
@@ -5405,7 +5405,7 @@
           </a:ln>
           <a:extLst>
             <a:ext uri="{C572A759-6A51-4108-AA02-DFA0A04FC94B}">
-              <ma14:wrappingTextBoxFlag xmlns="" xmlns:ma14="http://schemas.microsoft.com/office/mac/drawingml/2011/main" val="1"/>
+              <ma14:wrappingTextBoxFlag xmlns:ma14="http://schemas.microsoft.com/office/mac/drawingml/2011/main" xmlns="" val="1"/>
             </a:ext>
           </a:extLst>
         </p:spPr>
@@ -5480,7 +5480,7 @@
           </a:ln>
           <a:extLst>
             <a:ext uri="{C572A759-6A51-4108-AA02-DFA0A04FC94B}">
-              <ma14:wrappingTextBoxFlag xmlns="" xmlns:ma14="http://schemas.microsoft.com/office/mac/drawingml/2011/main" val="1"/>
+              <ma14:wrappingTextBoxFlag xmlns:ma14="http://schemas.microsoft.com/office/mac/drawingml/2011/main" xmlns="" val="1"/>
             </a:ext>
           </a:extLst>
         </p:spPr>
@@ -6020,7 +6020,7 @@
           </a:ln>
           <a:extLst>
             <a:ext uri="{C572A759-6A51-4108-AA02-DFA0A04FC94B}">
-              <ma14:wrappingTextBoxFlag xmlns="" xmlns:ma14="http://schemas.microsoft.com/office/mac/drawingml/2011/main" val="1"/>
+              <ma14:wrappingTextBoxFlag xmlns:ma14="http://schemas.microsoft.com/office/mac/drawingml/2011/main" xmlns="" val="1"/>
             </a:ext>
           </a:extLst>
         </p:spPr>
@@ -6064,7 +6064,7 @@
           </a:ln>
           <a:extLst>
             <a:ext uri="{C572A759-6A51-4108-AA02-DFA0A04FC94B}">
-              <ma14:wrappingTextBoxFlag xmlns="" xmlns:ma14="http://schemas.microsoft.com/office/mac/drawingml/2011/main" val="1"/>
+              <ma14:wrappingTextBoxFlag xmlns:ma14="http://schemas.microsoft.com/office/mac/drawingml/2011/main" xmlns="" val="1"/>
             </a:ext>
           </a:extLst>
         </p:spPr>
@@ -6185,7 +6185,7 @@
           </a:ln>
           <a:extLst>
             <a:ext uri="{C572A759-6A51-4108-AA02-DFA0A04FC94B}">
-              <ma14:wrappingTextBoxFlag xmlns="" xmlns:ma14="http://schemas.microsoft.com/office/mac/drawingml/2011/main" val="1"/>
+              <ma14:wrappingTextBoxFlag xmlns:ma14="http://schemas.microsoft.com/office/mac/drawingml/2011/main" xmlns="" val="1"/>
             </a:ext>
           </a:extLst>
         </p:spPr>
@@ -6301,7 +6301,7 @@
           </a:ln>
           <a:extLst>
             <a:ext uri="{C572A759-6A51-4108-AA02-DFA0A04FC94B}">
-              <ma14:wrappingTextBoxFlag xmlns="" xmlns:ma14="http://schemas.microsoft.com/office/mac/drawingml/2011/main" val="1"/>
+              <ma14:wrappingTextBoxFlag xmlns:ma14="http://schemas.microsoft.com/office/mac/drawingml/2011/main" xmlns="" val="1"/>
             </a:ext>
           </a:extLst>
         </p:spPr>
@@ -6444,7 +6444,7 @@
           </a:ln>
           <a:extLst>
             <a:ext uri="{C572A759-6A51-4108-AA02-DFA0A04FC94B}">
-              <ma14:wrappingTextBoxFlag xmlns="" xmlns:ma14="http://schemas.microsoft.com/office/mac/drawingml/2011/main" val="1"/>
+              <ma14:wrappingTextBoxFlag xmlns:ma14="http://schemas.microsoft.com/office/mac/drawingml/2011/main" xmlns="" val="1"/>
             </a:ext>
           </a:extLst>
         </p:spPr>
@@ -6488,7 +6488,7 @@
           </a:ln>
           <a:extLst>
             <a:ext uri="{C572A759-6A51-4108-AA02-DFA0A04FC94B}">
-              <ma14:wrappingTextBoxFlag xmlns="" xmlns:ma14="http://schemas.microsoft.com/office/mac/drawingml/2011/main" val="1"/>
+              <ma14:wrappingTextBoxFlag xmlns:ma14="http://schemas.microsoft.com/office/mac/drawingml/2011/main" xmlns="" val="1"/>
             </a:ext>
           </a:extLst>
         </p:spPr>
@@ -6541,7 +6541,7 @@
           </a:ln>
           <a:extLst>
             <a:ext uri="{C572A759-6A51-4108-AA02-DFA0A04FC94B}">
-              <ma14:wrappingTextBoxFlag xmlns="" xmlns:ma14="http://schemas.microsoft.com/office/mac/drawingml/2011/main" val="1"/>
+              <ma14:wrappingTextBoxFlag xmlns:ma14="http://schemas.microsoft.com/office/mac/drawingml/2011/main" xmlns="" val="1"/>
             </a:ext>
           </a:extLst>
         </p:spPr>
@@ -6594,7 +6594,7 @@
           </a:ln>
           <a:extLst>
             <a:ext uri="{C572A759-6A51-4108-AA02-DFA0A04FC94B}">
-              <ma14:wrappingTextBoxFlag xmlns="" xmlns:ma14="http://schemas.microsoft.com/office/mac/drawingml/2011/main" val="1"/>
+              <ma14:wrappingTextBoxFlag xmlns:ma14="http://schemas.microsoft.com/office/mac/drawingml/2011/main" xmlns="" val="1"/>
             </a:ext>
           </a:extLst>
         </p:spPr>
@@ -6683,7 +6683,7 @@
           </a:ln>
           <a:extLst>
             <a:ext uri="{C572A759-6A51-4108-AA02-DFA0A04FC94B}">
-              <ma14:wrappingTextBoxFlag xmlns="" xmlns:ma14="http://schemas.microsoft.com/office/mac/drawingml/2011/main" val="1"/>
+              <ma14:wrappingTextBoxFlag xmlns:ma14="http://schemas.microsoft.com/office/mac/drawingml/2011/main" xmlns="" val="1"/>
             </a:ext>
           </a:extLst>
         </p:spPr>
@@ -6736,7 +6736,7 @@
           </a:ln>
           <a:extLst>
             <a:ext uri="{C572A759-6A51-4108-AA02-DFA0A04FC94B}">
-              <ma14:wrappingTextBoxFlag xmlns="" xmlns:ma14="http://schemas.microsoft.com/office/mac/drawingml/2011/main" val="1"/>
+              <ma14:wrappingTextBoxFlag xmlns:ma14="http://schemas.microsoft.com/office/mac/drawingml/2011/main" xmlns="" val="1"/>
             </a:ext>
           </a:extLst>
         </p:spPr>
@@ -6853,7 +6853,7 @@
           </a:ln>
           <a:extLst>
             <a:ext uri="{C572A759-6A51-4108-AA02-DFA0A04FC94B}">
-              <ma14:wrappingTextBoxFlag xmlns="" xmlns:ma14="http://schemas.microsoft.com/office/mac/drawingml/2011/main" val="1"/>
+              <ma14:wrappingTextBoxFlag xmlns:ma14="http://schemas.microsoft.com/office/mac/drawingml/2011/main" xmlns="" val="1"/>
             </a:ext>
           </a:extLst>
         </p:spPr>
@@ -6925,7 +6925,7 @@
           </a:ln>
           <a:extLst>
             <a:ext uri="{C572A759-6A51-4108-AA02-DFA0A04FC94B}">
-              <ma14:wrappingTextBoxFlag xmlns="" xmlns:ma14="http://schemas.microsoft.com/office/mac/drawingml/2011/main" val="1"/>
+              <ma14:wrappingTextBoxFlag xmlns:ma14="http://schemas.microsoft.com/office/mac/drawingml/2011/main" xmlns="" val="1"/>
             </a:ext>
           </a:extLst>
         </p:spPr>
@@ -6996,7 +6996,7 @@
           </a:ln>
           <a:extLst>
             <a:ext uri="{C572A759-6A51-4108-AA02-DFA0A04FC94B}">
-              <ma14:wrappingTextBoxFlag xmlns="" xmlns:ma14="http://schemas.microsoft.com/office/mac/drawingml/2011/main" val="1"/>
+              <ma14:wrappingTextBoxFlag xmlns:ma14="http://schemas.microsoft.com/office/mac/drawingml/2011/main" xmlns="" val="1"/>
             </a:ext>
           </a:extLst>
         </p:spPr>
@@ -7067,7 +7067,7 @@
           </a:ln>
           <a:extLst>
             <a:ext uri="{C572A759-6A51-4108-AA02-DFA0A04FC94B}">
-              <ma14:wrappingTextBoxFlag xmlns="" xmlns:ma14="http://schemas.microsoft.com/office/mac/drawingml/2011/main" val="1"/>
+              <ma14:wrappingTextBoxFlag xmlns:ma14="http://schemas.microsoft.com/office/mac/drawingml/2011/main" xmlns="" val="1"/>
             </a:ext>
           </a:extLst>
         </p:spPr>
@@ -7138,7 +7138,7 @@
           </a:ln>
           <a:extLst>
             <a:ext uri="{C572A759-6A51-4108-AA02-DFA0A04FC94B}">
-              <ma14:wrappingTextBoxFlag xmlns="" xmlns:ma14="http://schemas.microsoft.com/office/mac/drawingml/2011/main" val="1"/>
+              <ma14:wrappingTextBoxFlag xmlns:ma14="http://schemas.microsoft.com/office/mac/drawingml/2011/main" xmlns="" val="1"/>
             </a:ext>
           </a:extLst>
         </p:spPr>
@@ -7209,7 +7209,7 @@
           </a:ln>
           <a:extLst>
             <a:ext uri="{C572A759-6A51-4108-AA02-DFA0A04FC94B}">
-              <ma14:wrappingTextBoxFlag xmlns="" xmlns:ma14="http://schemas.microsoft.com/office/mac/drawingml/2011/main" val="1"/>
+              <ma14:wrappingTextBoxFlag xmlns:ma14="http://schemas.microsoft.com/office/mac/drawingml/2011/main" xmlns="" val="1"/>
             </a:ext>
           </a:extLst>
         </p:spPr>
@@ -7538,7 +7538,7 @@
           </a:ln>
           <a:extLst>
             <a:ext uri="{C572A759-6A51-4108-AA02-DFA0A04FC94B}">
-              <ma14:wrappingTextBoxFlag xmlns="" xmlns:ma14="http://schemas.microsoft.com/office/mac/drawingml/2011/main" val="1"/>
+              <ma14:wrappingTextBoxFlag xmlns:ma14="http://schemas.microsoft.com/office/mac/drawingml/2011/main" xmlns="" val="1"/>
             </a:ext>
           </a:extLst>
         </p:spPr>
@@ -8255,7 +8255,7 @@
           </a:ln>
           <a:extLst>
             <a:ext uri="{C572A759-6A51-4108-AA02-DFA0A04FC94B}">
-              <ma14:wrappingTextBoxFlag xmlns="" xmlns:ma14="http://schemas.microsoft.com/office/mac/drawingml/2011/main" val="1"/>
+              <ma14:wrappingTextBoxFlag xmlns:ma14="http://schemas.microsoft.com/office/mac/drawingml/2011/main" xmlns="" val="1"/>
             </a:ext>
           </a:extLst>
         </p:spPr>
@@ -8299,7 +8299,7 @@
           </a:ln>
           <a:extLst>
             <a:ext uri="{C572A759-6A51-4108-AA02-DFA0A04FC94B}">
-              <ma14:wrappingTextBoxFlag xmlns="" xmlns:ma14="http://schemas.microsoft.com/office/mac/drawingml/2011/main" val="1"/>
+              <ma14:wrappingTextBoxFlag xmlns:ma14="http://schemas.microsoft.com/office/mac/drawingml/2011/main" xmlns="" val="1"/>
             </a:ext>
           </a:extLst>
         </p:spPr>
@@ -8352,7 +8352,7 @@
           </a:ln>
           <a:extLst>
             <a:ext uri="{C572A759-6A51-4108-AA02-DFA0A04FC94B}">
-              <ma14:wrappingTextBoxFlag xmlns="" xmlns:ma14="http://schemas.microsoft.com/office/mac/drawingml/2011/main" val="1"/>
+              <ma14:wrappingTextBoxFlag xmlns:ma14="http://schemas.microsoft.com/office/mac/drawingml/2011/main" xmlns="" val="1"/>
             </a:ext>
           </a:extLst>
         </p:spPr>
@@ -8565,7 +8565,7 @@
           </a:ln>
           <a:extLst>
             <a:ext uri="{C572A759-6A51-4108-AA02-DFA0A04FC94B}">
-              <ma14:wrappingTextBoxFlag xmlns="" xmlns:ma14="http://schemas.microsoft.com/office/mac/drawingml/2011/main" val="1"/>
+              <ma14:wrappingTextBoxFlag xmlns:ma14="http://schemas.microsoft.com/office/mac/drawingml/2011/main" xmlns="" val="1"/>
             </a:ext>
           </a:extLst>
         </p:spPr>
@@ -8619,7 +8619,7 @@
           </a:ln>
           <a:extLst>
             <a:ext uri="{C572A759-6A51-4108-AA02-DFA0A04FC94B}">
-              <ma14:wrappingTextBoxFlag xmlns="" xmlns:ma14="http://schemas.microsoft.com/office/mac/drawingml/2011/main" val="1"/>
+              <ma14:wrappingTextBoxFlag xmlns:ma14="http://schemas.microsoft.com/office/mac/drawingml/2011/main" xmlns="" val="1"/>
             </a:ext>
           </a:extLst>
         </p:spPr>
@@ -8804,7 +8804,7 @@
           </a:ln>
           <a:extLst>
             <a:ext uri="{C572A759-6A51-4108-AA02-DFA0A04FC94B}">
-              <ma14:wrappingTextBoxFlag xmlns="" xmlns:ma14="http://schemas.microsoft.com/office/mac/drawingml/2011/main" val="1"/>
+              <ma14:wrappingTextBoxFlag xmlns:ma14="http://schemas.microsoft.com/office/mac/drawingml/2011/main" xmlns="" val="1"/>
             </a:ext>
           </a:extLst>
         </p:spPr>
@@ -8848,7 +8848,7 @@
           </a:ln>
           <a:extLst>
             <a:ext uri="{C572A759-6A51-4108-AA02-DFA0A04FC94B}">
-              <ma14:wrappingTextBoxFlag xmlns="" xmlns:ma14="http://schemas.microsoft.com/office/mac/drawingml/2011/main" val="1"/>
+              <ma14:wrappingTextBoxFlag xmlns:ma14="http://schemas.microsoft.com/office/mac/drawingml/2011/main" xmlns="" val="1"/>
             </a:ext>
           </a:extLst>
         </p:spPr>
@@ -8901,7 +8901,7 @@
           </a:ln>
           <a:extLst>
             <a:ext uri="{C572A759-6A51-4108-AA02-DFA0A04FC94B}">
-              <ma14:wrappingTextBoxFlag xmlns="" xmlns:ma14="http://schemas.microsoft.com/office/mac/drawingml/2011/main" val="1"/>
+              <ma14:wrappingTextBoxFlag xmlns:ma14="http://schemas.microsoft.com/office/mac/drawingml/2011/main" xmlns="" val="1"/>
             </a:ext>
           </a:extLst>
         </p:spPr>
@@ -9023,7 +9023,7 @@
           </a:ln>
           <a:extLst>
             <a:ext uri="{C572A759-6A51-4108-AA02-DFA0A04FC94B}">
-              <ma14:wrappingTextBoxFlag xmlns="" xmlns:ma14="http://schemas.microsoft.com/office/mac/drawingml/2011/main" val="1"/>
+              <ma14:wrappingTextBoxFlag xmlns:ma14="http://schemas.microsoft.com/office/mac/drawingml/2011/main" xmlns="" val="1"/>
             </a:ext>
           </a:extLst>
         </p:spPr>
@@ -9137,7 +9137,7 @@
           </a:ln>
           <a:extLst>
             <a:ext uri="{C572A759-6A51-4108-AA02-DFA0A04FC94B}">
-              <ma14:wrappingTextBoxFlag xmlns="" xmlns:ma14="http://schemas.microsoft.com/office/mac/drawingml/2011/main" val="1"/>
+              <ma14:wrappingTextBoxFlag xmlns:ma14="http://schemas.microsoft.com/office/mac/drawingml/2011/main" xmlns="" val="1"/>
             </a:ext>
           </a:extLst>
         </p:spPr>
@@ -9181,7 +9181,7 @@
           </a:ln>
           <a:extLst>
             <a:ext uri="{C572A759-6A51-4108-AA02-DFA0A04FC94B}">
-              <ma14:wrappingTextBoxFlag xmlns="" xmlns:ma14="http://schemas.microsoft.com/office/mac/drawingml/2011/main" val="1"/>
+              <ma14:wrappingTextBoxFlag xmlns:ma14="http://schemas.microsoft.com/office/mac/drawingml/2011/main" xmlns="" val="1"/>
             </a:ext>
           </a:extLst>
         </p:spPr>
@@ -9263,7 +9263,7 @@
           </a:ln>
           <a:extLst>
             <a:ext uri="{C572A759-6A51-4108-AA02-DFA0A04FC94B}">
-              <ma14:wrappingTextBoxFlag xmlns="" xmlns:ma14="http://schemas.microsoft.com/office/mac/drawingml/2011/main" val="1"/>
+              <ma14:wrappingTextBoxFlag xmlns:ma14="http://schemas.microsoft.com/office/mac/drawingml/2011/main" xmlns="" val="1"/>
             </a:ext>
           </a:extLst>
         </p:spPr>
@@ -9377,7 +9377,7 @@
           </a:ln>
           <a:extLst>
             <a:ext uri="{C572A759-6A51-4108-AA02-DFA0A04FC94B}">
-              <ma14:wrappingTextBoxFlag xmlns="" xmlns:ma14="http://schemas.microsoft.com/office/mac/drawingml/2011/main" val="1"/>
+              <ma14:wrappingTextBoxFlag xmlns:ma14="http://schemas.microsoft.com/office/mac/drawingml/2011/main" xmlns="" val="1"/>
             </a:ext>
           </a:extLst>
         </p:spPr>
@@ -9421,7 +9421,7 @@
           </a:ln>
           <a:extLst>
             <a:ext uri="{C572A759-6A51-4108-AA02-DFA0A04FC94B}">
-              <ma14:wrappingTextBoxFlag xmlns="" xmlns:ma14="http://schemas.microsoft.com/office/mac/drawingml/2011/main" val="1"/>
+              <ma14:wrappingTextBoxFlag xmlns:ma14="http://schemas.microsoft.com/office/mac/drawingml/2011/main" xmlns="" val="1"/>
             </a:ext>
           </a:extLst>
         </p:spPr>
@@ -9503,7 +9503,7 @@
           </a:ln>
           <a:extLst>
             <a:ext uri="{C572A759-6A51-4108-AA02-DFA0A04FC94B}">
-              <ma14:wrappingTextBoxFlag xmlns="" xmlns:ma14="http://schemas.microsoft.com/office/mac/drawingml/2011/main" val="1"/>
+              <ma14:wrappingTextBoxFlag xmlns:ma14="http://schemas.microsoft.com/office/mac/drawingml/2011/main" xmlns="" val="1"/>
             </a:ext>
           </a:extLst>
         </p:spPr>
@@ -9553,7 +9553,7 @@
           </a:ln>
           <a:extLst>
             <a:ext uri="{C572A759-6A51-4108-AA02-DFA0A04FC94B}">
-              <ma14:wrappingTextBoxFlag xmlns="" xmlns:ma14="http://schemas.microsoft.com/office/mac/drawingml/2011/main" val="1"/>
+              <ma14:wrappingTextBoxFlag xmlns:ma14="http://schemas.microsoft.com/office/mac/drawingml/2011/main" xmlns="" val="1"/>
             </a:ext>
           </a:extLst>
         </p:spPr>
@@ -9667,7 +9667,7 @@
           </a:ln>
           <a:extLst>
             <a:ext uri="{C572A759-6A51-4108-AA02-DFA0A04FC94B}">
-              <ma14:wrappingTextBoxFlag xmlns="" xmlns:ma14="http://schemas.microsoft.com/office/mac/drawingml/2011/main" val="1"/>
+              <ma14:wrappingTextBoxFlag xmlns:ma14="http://schemas.microsoft.com/office/mac/drawingml/2011/main" xmlns="" val="1"/>
             </a:ext>
           </a:extLst>
         </p:spPr>
@@ -9711,7 +9711,7 @@
           </a:ln>
           <a:extLst>
             <a:ext uri="{C572A759-6A51-4108-AA02-DFA0A04FC94B}">
-              <ma14:wrappingTextBoxFlag xmlns="" xmlns:ma14="http://schemas.microsoft.com/office/mac/drawingml/2011/main" val="1"/>
+              <ma14:wrappingTextBoxFlag xmlns:ma14="http://schemas.microsoft.com/office/mac/drawingml/2011/main" xmlns="" val="1"/>
             </a:ext>
           </a:extLst>
         </p:spPr>
@@ -9792,7 +9792,7 @@
           </a:ln>
           <a:extLst>
             <a:ext uri="{C572A759-6A51-4108-AA02-DFA0A04FC94B}">
-              <ma14:wrappingTextBoxFlag xmlns="" xmlns:ma14="http://schemas.microsoft.com/office/mac/drawingml/2011/main" val="1"/>
+              <ma14:wrappingTextBoxFlag xmlns:ma14="http://schemas.microsoft.com/office/mac/drawingml/2011/main" xmlns="" val="1"/>
             </a:ext>
           </a:extLst>
         </p:spPr>
@@ -9863,7 +9863,7 @@
           </a:ln>
           <a:extLst>
             <a:ext uri="{C572A759-6A51-4108-AA02-DFA0A04FC94B}">
-              <ma14:wrappingTextBoxFlag xmlns="" xmlns:ma14="http://schemas.microsoft.com/office/mac/drawingml/2011/main" val="1"/>
+              <ma14:wrappingTextBoxFlag xmlns:ma14="http://schemas.microsoft.com/office/mac/drawingml/2011/main" xmlns="" val="1"/>
             </a:ext>
           </a:extLst>
         </p:spPr>
@@ -9934,7 +9934,7 @@
           </a:ln>
           <a:extLst>
             <a:ext uri="{C572A759-6A51-4108-AA02-DFA0A04FC94B}">
-              <ma14:wrappingTextBoxFlag xmlns="" xmlns:ma14="http://schemas.microsoft.com/office/mac/drawingml/2011/main" val="1"/>
+              <ma14:wrappingTextBoxFlag xmlns:ma14="http://schemas.microsoft.com/office/mac/drawingml/2011/main" xmlns="" val="1"/>
             </a:ext>
           </a:extLst>
         </p:spPr>
@@ -10005,7 +10005,7 @@
           </a:ln>
           <a:extLst>
             <a:ext uri="{C572A759-6A51-4108-AA02-DFA0A04FC94B}">
-              <ma14:wrappingTextBoxFlag xmlns="" xmlns:ma14="http://schemas.microsoft.com/office/mac/drawingml/2011/main" val="1"/>
+              <ma14:wrappingTextBoxFlag xmlns:ma14="http://schemas.microsoft.com/office/mac/drawingml/2011/main" xmlns="" val="1"/>
             </a:ext>
           </a:extLst>
         </p:spPr>
@@ -10076,7 +10076,7 @@
           </a:ln>
           <a:extLst>
             <a:ext uri="{C572A759-6A51-4108-AA02-DFA0A04FC94B}">
-              <ma14:wrappingTextBoxFlag xmlns="" xmlns:ma14="http://schemas.microsoft.com/office/mac/drawingml/2011/main" val="1"/>
+              <ma14:wrappingTextBoxFlag xmlns:ma14="http://schemas.microsoft.com/office/mac/drawingml/2011/main" xmlns="" val="1"/>
             </a:ext>
           </a:extLst>
         </p:spPr>
@@ -10147,7 +10147,7 @@
           </a:ln>
           <a:extLst>
             <a:ext uri="{C572A759-6A51-4108-AA02-DFA0A04FC94B}">
-              <ma14:wrappingTextBoxFlag xmlns="" xmlns:ma14="http://schemas.microsoft.com/office/mac/drawingml/2011/main" val="1"/>
+              <ma14:wrappingTextBoxFlag xmlns:ma14="http://schemas.microsoft.com/office/mac/drawingml/2011/main" xmlns="" val="1"/>
             </a:ext>
           </a:extLst>
         </p:spPr>
@@ -10617,7 +10617,7 @@
           </a:ln>
           <a:extLst>
             <a:ext uri="{C572A759-6A51-4108-AA02-DFA0A04FC94B}">
-              <ma14:wrappingTextBoxFlag xmlns="" xmlns:ma14="http://schemas.microsoft.com/office/mac/drawingml/2011/main" val="1"/>
+              <ma14:wrappingTextBoxFlag xmlns:ma14="http://schemas.microsoft.com/office/mac/drawingml/2011/main" xmlns="" val="1"/>
             </a:ext>
           </a:extLst>
         </p:spPr>
@@ -10660,7 +10660,7 @@
           </a:ln>
           <a:extLst>
             <a:ext uri="{C572A759-6A51-4108-AA02-DFA0A04FC94B}">
-              <ma14:wrappingTextBoxFlag xmlns="" xmlns:ma14="http://schemas.microsoft.com/office/mac/drawingml/2011/main" val="1"/>
+              <ma14:wrappingTextBoxFlag xmlns:ma14="http://schemas.microsoft.com/office/mac/drawingml/2011/main" xmlns="" val="1"/>
             </a:ext>
           </a:extLst>
         </p:spPr>
@@ -10703,7 +10703,7 @@
           </a:ln>
           <a:extLst>
             <a:ext uri="{C572A759-6A51-4108-AA02-DFA0A04FC94B}">
-              <ma14:wrappingTextBoxFlag xmlns="" xmlns:ma14="http://schemas.microsoft.com/office/mac/drawingml/2011/main" val="1"/>
+              <ma14:wrappingTextBoxFlag xmlns:ma14="http://schemas.microsoft.com/office/mac/drawingml/2011/main" xmlns="" val="1"/>
             </a:ext>
           </a:extLst>
         </p:spPr>
@@ -10746,7 +10746,7 @@
           </a:ln>
           <a:extLst>
             <a:ext uri="{C572A759-6A51-4108-AA02-DFA0A04FC94B}">
-              <ma14:wrappingTextBoxFlag xmlns="" xmlns:ma14="http://schemas.microsoft.com/office/mac/drawingml/2011/main" val="1"/>
+              <ma14:wrappingTextBoxFlag xmlns:ma14="http://schemas.microsoft.com/office/mac/drawingml/2011/main" xmlns="" val="1"/>
             </a:ext>
           </a:extLst>
         </p:spPr>
@@ -10789,7 +10789,7 @@
           </a:ln>
           <a:extLst>
             <a:ext uri="{C572A759-6A51-4108-AA02-DFA0A04FC94B}">
-              <ma14:wrappingTextBoxFlag xmlns="" xmlns:ma14="http://schemas.microsoft.com/office/mac/drawingml/2011/main" val="1"/>
+              <ma14:wrappingTextBoxFlag xmlns:ma14="http://schemas.microsoft.com/office/mac/drawingml/2011/main" xmlns="" val="1"/>
             </a:ext>
           </a:extLst>
         </p:spPr>
@@ -10832,7 +10832,7 @@
           </a:ln>
           <a:extLst>
             <a:ext uri="{C572A759-6A51-4108-AA02-DFA0A04FC94B}">
-              <ma14:wrappingTextBoxFlag xmlns="" xmlns:ma14="http://schemas.microsoft.com/office/mac/drawingml/2011/main" val="1"/>
+              <ma14:wrappingTextBoxFlag xmlns:ma14="http://schemas.microsoft.com/office/mac/drawingml/2011/main" xmlns="" val="1"/>
             </a:ext>
           </a:extLst>
         </p:spPr>
@@ -10983,7 +10983,7 @@
           </a:ln>
           <a:extLst>
             <a:ext uri="{C572A759-6A51-4108-AA02-DFA0A04FC94B}">
-              <ma14:wrappingTextBoxFlag xmlns="" xmlns:ma14="http://schemas.microsoft.com/office/mac/drawingml/2011/main" val="1"/>
+              <ma14:wrappingTextBoxFlag xmlns:ma14="http://schemas.microsoft.com/office/mac/drawingml/2011/main" xmlns="" val="1"/>
             </a:ext>
           </a:extLst>
         </p:spPr>
@@ -11173,7 +11173,7 @@
           </a:ln>
           <a:extLst>
             <a:ext uri="{C572A759-6A51-4108-AA02-DFA0A04FC94B}">
-              <ma14:wrappingTextBoxFlag xmlns="" xmlns:ma14="http://schemas.microsoft.com/office/mac/drawingml/2011/main" val="1"/>
+              <ma14:wrappingTextBoxFlag xmlns:ma14="http://schemas.microsoft.com/office/mac/drawingml/2011/main" xmlns="" val="1"/>
             </a:ext>
           </a:extLst>
         </p:spPr>
@@ -11281,7 +11281,7 @@
           </a:ln>
           <a:extLst>
             <a:ext uri="{C572A759-6A51-4108-AA02-DFA0A04FC94B}">
-              <ma14:wrappingTextBoxFlag xmlns="" xmlns:ma14="http://schemas.microsoft.com/office/mac/drawingml/2011/main" val="1"/>
+              <ma14:wrappingTextBoxFlag xmlns:ma14="http://schemas.microsoft.com/office/mac/drawingml/2011/main" xmlns="" val="1"/>
             </a:ext>
           </a:extLst>
         </p:spPr>
@@ -11325,7 +11325,7 @@
           </a:ln>
           <a:extLst>
             <a:ext uri="{C572A759-6A51-4108-AA02-DFA0A04FC94B}">
-              <ma14:wrappingTextBoxFlag xmlns="" xmlns:ma14="http://schemas.microsoft.com/office/mac/drawingml/2011/main" val="1"/>
+              <ma14:wrappingTextBoxFlag xmlns:ma14="http://schemas.microsoft.com/office/mac/drawingml/2011/main" xmlns="" val="1"/>
             </a:ext>
           </a:extLst>
         </p:spPr>
@@ -11406,7 +11406,7 @@
           </a:ln>
           <a:extLst>
             <a:ext uri="{C572A759-6A51-4108-AA02-DFA0A04FC94B}">
-              <ma14:wrappingTextBoxFlag xmlns="" xmlns:ma14="http://schemas.microsoft.com/office/mac/drawingml/2011/main" val="1"/>
+              <ma14:wrappingTextBoxFlag xmlns:ma14="http://schemas.microsoft.com/office/mac/drawingml/2011/main" xmlns="" val="1"/>
             </a:ext>
           </a:extLst>
         </p:spPr>
@@ -11477,7 +11477,7 @@
           </a:ln>
           <a:extLst>
             <a:ext uri="{C572A759-6A51-4108-AA02-DFA0A04FC94B}">
-              <ma14:wrappingTextBoxFlag xmlns="" xmlns:ma14="http://schemas.microsoft.com/office/mac/drawingml/2011/main" val="1"/>
+              <ma14:wrappingTextBoxFlag xmlns:ma14="http://schemas.microsoft.com/office/mac/drawingml/2011/main" xmlns="" val="1"/>
             </a:ext>
           </a:extLst>
         </p:spPr>
@@ -11548,7 +11548,7 @@
           </a:ln>
           <a:extLst>
             <a:ext uri="{C572A759-6A51-4108-AA02-DFA0A04FC94B}">
-              <ma14:wrappingTextBoxFlag xmlns="" xmlns:ma14="http://schemas.microsoft.com/office/mac/drawingml/2011/main" val="1"/>
+              <ma14:wrappingTextBoxFlag xmlns:ma14="http://schemas.microsoft.com/office/mac/drawingml/2011/main" xmlns="" val="1"/>
             </a:ext>
           </a:extLst>
         </p:spPr>
@@ -11619,7 +11619,7 @@
           </a:ln>
           <a:extLst>
             <a:ext uri="{C572A759-6A51-4108-AA02-DFA0A04FC94B}">
-              <ma14:wrappingTextBoxFlag xmlns="" xmlns:ma14="http://schemas.microsoft.com/office/mac/drawingml/2011/main" val="1"/>
+              <ma14:wrappingTextBoxFlag xmlns:ma14="http://schemas.microsoft.com/office/mac/drawingml/2011/main" xmlns="" val="1"/>
             </a:ext>
           </a:extLst>
         </p:spPr>
@@ -11690,7 +11690,7 @@
           </a:ln>
           <a:extLst>
             <a:ext uri="{C572A759-6A51-4108-AA02-DFA0A04FC94B}">
-              <ma14:wrappingTextBoxFlag xmlns="" xmlns:ma14="http://schemas.microsoft.com/office/mac/drawingml/2011/main" val="1"/>
+              <ma14:wrappingTextBoxFlag xmlns:ma14="http://schemas.microsoft.com/office/mac/drawingml/2011/main" xmlns="" val="1"/>
             </a:ext>
           </a:extLst>
         </p:spPr>
@@ -11761,7 +11761,7 @@
           </a:ln>
           <a:extLst>
             <a:ext uri="{C572A759-6A51-4108-AA02-DFA0A04FC94B}">
-              <ma14:wrappingTextBoxFlag xmlns="" xmlns:ma14="http://schemas.microsoft.com/office/mac/drawingml/2011/main" val="1"/>
+              <ma14:wrappingTextBoxFlag xmlns:ma14="http://schemas.microsoft.com/office/mac/drawingml/2011/main" xmlns="" val="1"/>
             </a:ext>
           </a:extLst>
         </p:spPr>
@@ -12231,7 +12231,7 @@
           </a:ln>
           <a:extLst>
             <a:ext uri="{C572A759-6A51-4108-AA02-DFA0A04FC94B}">
-              <ma14:wrappingTextBoxFlag xmlns="" xmlns:ma14="http://schemas.microsoft.com/office/mac/drawingml/2011/main" val="1"/>
+              <ma14:wrappingTextBoxFlag xmlns:ma14="http://schemas.microsoft.com/office/mac/drawingml/2011/main" xmlns="" val="1"/>
             </a:ext>
           </a:extLst>
         </p:spPr>
@@ -12274,7 +12274,7 @@
           </a:ln>
           <a:extLst>
             <a:ext uri="{C572A759-6A51-4108-AA02-DFA0A04FC94B}">
-              <ma14:wrappingTextBoxFlag xmlns="" xmlns:ma14="http://schemas.microsoft.com/office/mac/drawingml/2011/main" val="1"/>
+              <ma14:wrappingTextBoxFlag xmlns:ma14="http://schemas.microsoft.com/office/mac/drawingml/2011/main" xmlns="" val="1"/>
             </a:ext>
           </a:extLst>
         </p:spPr>
@@ -12317,7 +12317,7 @@
           </a:ln>
           <a:extLst>
             <a:ext uri="{C572A759-6A51-4108-AA02-DFA0A04FC94B}">
-              <ma14:wrappingTextBoxFlag xmlns="" xmlns:ma14="http://schemas.microsoft.com/office/mac/drawingml/2011/main" val="1"/>
+              <ma14:wrappingTextBoxFlag xmlns:ma14="http://schemas.microsoft.com/office/mac/drawingml/2011/main" xmlns="" val="1"/>
             </a:ext>
           </a:extLst>
         </p:spPr>
@@ -12360,7 +12360,7 @@
           </a:ln>
           <a:extLst>
             <a:ext uri="{C572A759-6A51-4108-AA02-DFA0A04FC94B}">
-              <ma14:wrappingTextBoxFlag xmlns="" xmlns:ma14="http://schemas.microsoft.com/office/mac/drawingml/2011/main" val="1"/>
+              <ma14:wrappingTextBoxFlag xmlns:ma14="http://schemas.microsoft.com/office/mac/drawingml/2011/main" xmlns="" val="1"/>
             </a:ext>
           </a:extLst>
         </p:spPr>
@@ -12403,7 +12403,7 @@
           </a:ln>
           <a:extLst>
             <a:ext uri="{C572A759-6A51-4108-AA02-DFA0A04FC94B}">
-              <ma14:wrappingTextBoxFlag xmlns="" xmlns:ma14="http://schemas.microsoft.com/office/mac/drawingml/2011/main" val="1"/>
+              <ma14:wrappingTextBoxFlag xmlns:ma14="http://schemas.microsoft.com/office/mac/drawingml/2011/main" xmlns="" val="1"/>
             </a:ext>
           </a:extLst>
         </p:spPr>
@@ -12446,7 +12446,7 @@
           </a:ln>
           <a:extLst>
             <a:ext uri="{C572A759-6A51-4108-AA02-DFA0A04FC94B}">
-              <ma14:wrappingTextBoxFlag xmlns="" xmlns:ma14="http://schemas.microsoft.com/office/mac/drawingml/2011/main" val="1"/>
+              <ma14:wrappingTextBoxFlag xmlns:ma14="http://schemas.microsoft.com/office/mac/drawingml/2011/main" xmlns="" val="1"/>
             </a:ext>
           </a:extLst>
         </p:spPr>
@@ -12489,7 +12489,7 @@
           </a:ln>
           <a:extLst>
             <a:ext uri="{C572A759-6A51-4108-AA02-DFA0A04FC94B}">
-              <ma14:wrappingTextBoxFlag xmlns="" xmlns:ma14="http://schemas.microsoft.com/office/mac/drawingml/2011/main" val="1"/>
+              <ma14:wrappingTextBoxFlag xmlns:ma14="http://schemas.microsoft.com/office/mac/drawingml/2011/main" xmlns="" val="1"/>
             </a:ext>
           </a:extLst>
         </p:spPr>
@@ -12565,7 +12565,7 @@
           </a:ln>
           <a:extLst>
             <a:ext uri="{C572A759-6A51-4108-AA02-DFA0A04FC94B}">
-              <ma14:wrappingTextBoxFlag xmlns="" xmlns:ma14="http://schemas.microsoft.com/office/mac/drawingml/2011/main" val="1"/>
+              <ma14:wrappingTextBoxFlag xmlns:ma14="http://schemas.microsoft.com/office/mac/drawingml/2011/main" xmlns="" val="1"/>
             </a:ext>
           </a:extLst>
         </p:spPr>
@@ -12647,7 +12647,7 @@
           </a:ln>
           <a:extLst>
             <a:ext uri="{C572A759-6A51-4108-AA02-DFA0A04FC94B}">
-              <ma14:wrappingTextBoxFlag xmlns="" xmlns:ma14="http://schemas.microsoft.com/office/mac/drawingml/2011/main" val="1"/>
+              <ma14:wrappingTextBoxFlag xmlns:ma14="http://schemas.microsoft.com/office/mac/drawingml/2011/main" xmlns="" val="1"/>
             </a:ext>
           </a:extLst>
         </p:spPr>
@@ -12701,7 +12701,7 @@
           </a:ln>
           <a:extLst>
             <a:ext uri="{C572A759-6A51-4108-AA02-DFA0A04FC94B}">
-              <ma14:wrappingTextBoxFlag xmlns="" xmlns:ma14="http://schemas.microsoft.com/office/mac/drawingml/2011/main" val="1"/>
+              <ma14:wrappingTextBoxFlag xmlns:ma14="http://schemas.microsoft.com/office/mac/drawingml/2011/main" xmlns="" val="1"/>
             </a:ext>
           </a:extLst>
         </p:spPr>
@@ -12820,7 +12820,7 @@
           </a:ln>
           <a:extLst>
             <a:ext uri="{C572A759-6A51-4108-AA02-DFA0A04FC94B}">
-              <ma14:wrappingTextBoxFlag xmlns="" xmlns:ma14="http://schemas.microsoft.com/office/mac/drawingml/2011/main" val="1"/>
+              <ma14:wrappingTextBoxFlag xmlns:ma14="http://schemas.microsoft.com/office/mac/drawingml/2011/main" xmlns="" val="1"/>
             </a:ext>
           </a:extLst>
         </p:spPr>
@@ -12864,7 +12864,7 @@
           </a:ln>
           <a:extLst>
             <a:ext uri="{C572A759-6A51-4108-AA02-DFA0A04FC94B}">
-              <ma14:wrappingTextBoxFlag xmlns="" xmlns:ma14="http://schemas.microsoft.com/office/mac/drawingml/2011/main" val="1"/>
+              <ma14:wrappingTextBoxFlag xmlns:ma14="http://schemas.microsoft.com/office/mac/drawingml/2011/main" xmlns="" val="1"/>
             </a:ext>
           </a:extLst>
         </p:spPr>
@@ -12917,7 +12917,7 @@
           </a:ln>
           <a:extLst>
             <a:ext uri="{C572A759-6A51-4108-AA02-DFA0A04FC94B}">
-              <ma14:wrappingTextBoxFlag xmlns="" xmlns:ma14="http://schemas.microsoft.com/office/mac/drawingml/2011/main" val="1"/>
+              <ma14:wrappingTextBoxFlag xmlns:ma14="http://schemas.microsoft.com/office/mac/drawingml/2011/main" xmlns="" val="1"/>
             </a:ext>
           </a:extLst>
         </p:spPr>
@@ -12991,7 +12991,7 @@
           </a:ln>
           <a:extLst>
             <a:ext uri="{C572A759-6A51-4108-AA02-DFA0A04FC94B}">
-              <ma14:wrappingTextBoxFlag xmlns="" xmlns:ma14="http://schemas.microsoft.com/office/mac/drawingml/2011/main" val="1"/>
+              <ma14:wrappingTextBoxFlag xmlns:ma14="http://schemas.microsoft.com/office/mac/drawingml/2011/main" xmlns="" val="1"/>
             </a:ext>
           </a:extLst>
         </p:spPr>
@@ -13105,7 +13105,7 @@
           </a:ln>
           <a:extLst>
             <a:ext uri="{C572A759-6A51-4108-AA02-DFA0A04FC94B}">
-              <ma14:wrappingTextBoxFlag xmlns="" xmlns:ma14="http://schemas.microsoft.com/office/mac/drawingml/2011/main" val="1"/>
+              <ma14:wrappingTextBoxFlag xmlns:ma14="http://schemas.microsoft.com/office/mac/drawingml/2011/main" xmlns="" val="1"/>
             </a:ext>
           </a:extLst>
         </p:spPr>
@@ -13149,7 +13149,7 @@
           </a:ln>
           <a:extLst>
             <a:ext uri="{C572A759-6A51-4108-AA02-DFA0A04FC94B}">
-              <ma14:wrappingTextBoxFlag xmlns="" xmlns:ma14="http://schemas.microsoft.com/office/mac/drawingml/2011/main" val="1"/>
+              <ma14:wrappingTextBoxFlag xmlns:ma14="http://schemas.microsoft.com/office/mac/drawingml/2011/main" xmlns="" val="1"/>
             </a:ext>
           </a:extLst>
         </p:spPr>
@@ -13202,7 +13202,7 @@
           </a:ln>
           <a:extLst>
             <a:ext uri="{C572A759-6A51-4108-AA02-DFA0A04FC94B}">
-              <ma14:wrappingTextBoxFlag xmlns="" xmlns:ma14="http://schemas.microsoft.com/office/mac/drawingml/2011/main" val="1"/>
+              <ma14:wrappingTextBoxFlag xmlns:ma14="http://schemas.microsoft.com/office/mac/drawingml/2011/main" xmlns="" val="1"/>
             </a:ext>
           </a:extLst>
         </p:spPr>
@@ -13255,7 +13255,7 @@
           </a:ln>
           <a:extLst>
             <a:ext uri="{C572A759-6A51-4108-AA02-DFA0A04FC94B}">
-              <ma14:wrappingTextBoxFlag xmlns="" xmlns:ma14="http://schemas.microsoft.com/office/mac/drawingml/2011/main" val="1"/>
+              <ma14:wrappingTextBoxFlag xmlns:ma14="http://schemas.microsoft.com/office/mac/drawingml/2011/main" xmlns="" val="1"/>
             </a:ext>
           </a:extLst>
         </p:spPr>
@@ -13308,7 +13308,7 @@
           </a:ln>
           <a:extLst>
             <a:ext uri="{C572A759-6A51-4108-AA02-DFA0A04FC94B}">
-              <ma14:wrappingTextBoxFlag xmlns="" xmlns:ma14="http://schemas.microsoft.com/office/mac/drawingml/2011/main" val="1"/>
+              <ma14:wrappingTextBoxFlag xmlns:ma14="http://schemas.microsoft.com/office/mac/drawingml/2011/main" xmlns="" val="1"/>
             </a:ext>
           </a:extLst>
         </p:spPr>
@@ -13362,7 +13362,7 @@
           </a:ln>
           <a:extLst>
             <a:ext uri="{C572A759-6A51-4108-AA02-DFA0A04FC94B}">
-              <ma14:wrappingTextBoxFlag xmlns="" xmlns:ma14="http://schemas.microsoft.com/office/mac/drawingml/2011/main" val="1"/>
+              <ma14:wrappingTextBoxFlag xmlns:ma14="http://schemas.microsoft.com/office/mac/drawingml/2011/main" xmlns="" val="1"/>
             </a:ext>
           </a:extLst>
         </p:spPr>
@@ -13705,7 +13705,7 @@
           </a:ln>
           <a:extLst>
             <a:ext uri="{C572A759-6A51-4108-AA02-DFA0A04FC94B}">
-              <ma14:wrappingTextBoxFlag xmlns="" xmlns:ma14="http://schemas.microsoft.com/office/mac/drawingml/2011/main" val="1"/>
+              <ma14:wrappingTextBoxFlag xmlns:ma14="http://schemas.microsoft.com/office/mac/drawingml/2011/main" xmlns="" val="1"/>
             </a:ext>
           </a:extLst>
         </p:spPr>
@@ -14284,7 +14284,7 @@
           </a:ln>
           <a:extLst>
             <a:ext uri="{C572A759-6A51-4108-AA02-DFA0A04FC94B}">
-              <ma14:wrappingTextBoxFlag xmlns="" xmlns:ma14="http://schemas.microsoft.com/office/mac/drawingml/2011/main" val="1"/>
+              <ma14:wrappingTextBoxFlag xmlns:ma14="http://schemas.microsoft.com/office/mac/drawingml/2011/main" xmlns="" val="1"/>
             </a:ext>
           </a:extLst>
         </p:spPr>
@@ -14394,7 +14394,7 @@
           </a:ln>
           <a:extLst>
             <a:ext uri="{C572A759-6A51-4108-AA02-DFA0A04FC94B}">
-              <ma14:wrappingTextBoxFlag xmlns="" xmlns:ma14="http://schemas.microsoft.com/office/mac/drawingml/2011/main" val="1"/>
+              <ma14:wrappingTextBoxFlag xmlns:ma14="http://schemas.microsoft.com/office/mac/drawingml/2011/main" xmlns="" val="1"/>
             </a:ext>
           </a:extLst>
         </p:spPr>
@@ -14438,7 +14438,7 @@
           </a:ln>
           <a:extLst>
             <a:ext uri="{C572A759-6A51-4108-AA02-DFA0A04FC94B}">
-              <ma14:wrappingTextBoxFlag xmlns="" xmlns:ma14="http://schemas.microsoft.com/office/mac/drawingml/2011/main" val="1"/>
+              <ma14:wrappingTextBoxFlag xmlns:ma14="http://schemas.microsoft.com/office/mac/drawingml/2011/main" xmlns="" val="1"/>
             </a:ext>
           </a:extLst>
         </p:spPr>
@@ -14485,7 +14485,7 @@
           </a:ln>
           <a:extLst>
             <a:ext uri="{C572A759-6A51-4108-AA02-DFA0A04FC94B}">
-              <ma14:wrappingTextBoxFlag xmlns="" xmlns:ma14="http://schemas.microsoft.com/office/mac/drawingml/2011/main" val="1"/>
+              <ma14:wrappingTextBoxFlag xmlns:ma14="http://schemas.microsoft.com/office/mac/drawingml/2011/main" xmlns="" val="1"/>
             </a:ext>
           </a:extLst>
         </p:spPr>
@@ -14596,7 +14596,7 @@
           </a:ln>
           <a:extLst>
             <a:ext uri="{C572A759-6A51-4108-AA02-DFA0A04FC94B}">
-              <ma14:wrappingTextBoxFlag xmlns="" xmlns:ma14="http://schemas.microsoft.com/office/mac/drawingml/2011/main" val="1"/>
+              <ma14:wrappingTextBoxFlag xmlns:ma14="http://schemas.microsoft.com/office/mac/drawingml/2011/main" xmlns="" val="1"/>
             </a:ext>
           </a:extLst>
         </p:spPr>
@@ -14929,7 +14929,7 @@
           </a:ln>
           <a:extLst>
             <a:ext uri="{C572A759-6A51-4108-AA02-DFA0A04FC94B}">
-              <ma14:wrappingTextBoxFlag xmlns="" xmlns:ma14="http://schemas.microsoft.com/office/mac/drawingml/2011/main" val="1"/>
+              <ma14:wrappingTextBoxFlag xmlns:ma14="http://schemas.microsoft.com/office/mac/drawingml/2011/main" xmlns="" val="1"/>
             </a:ext>
           </a:extLst>
         </p:spPr>
@@ -14973,7 +14973,7 @@
           </a:ln>
           <a:extLst>
             <a:ext uri="{C572A759-6A51-4108-AA02-DFA0A04FC94B}">
-              <ma14:wrappingTextBoxFlag xmlns="" xmlns:ma14="http://schemas.microsoft.com/office/mac/drawingml/2011/main" val="1"/>
+              <ma14:wrappingTextBoxFlag xmlns:ma14="http://schemas.microsoft.com/office/mac/drawingml/2011/main" xmlns="" val="1"/>
             </a:ext>
           </a:extLst>
         </p:spPr>
@@ -15020,7 +15020,7 @@
           </a:ln>
           <a:extLst>
             <a:ext uri="{C572A759-6A51-4108-AA02-DFA0A04FC94B}">
-              <ma14:wrappingTextBoxFlag xmlns="" xmlns:ma14="http://schemas.microsoft.com/office/mac/drawingml/2011/main" val="1"/>
+              <ma14:wrappingTextBoxFlag xmlns:ma14="http://schemas.microsoft.com/office/mac/drawingml/2011/main" xmlns="" val="1"/>
             </a:ext>
           </a:extLst>
         </p:spPr>
@@ -15167,7 +15167,7 @@
           </a:ln>
           <a:extLst>
             <a:ext uri="{C572A759-6A51-4108-AA02-DFA0A04FC94B}">
-              <ma14:wrappingTextBoxFlag xmlns="" xmlns:ma14="http://schemas.microsoft.com/office/mac/drawingml/2011/main" val="1"/>
+              <ma14:wrappingTextBoxFlag xmlns:ma14="http://schemas.microsoft.com/office/mac/drawingml/2011/main" xmlns="" val="1"/>
             </a:ext>
           </a:extLst>
         </p:spPr>
@@ -15211,7 +15211,7 @@
           </a:ln>
           <a:extLst>
             <a:ext uri="{C572A759-6A51-4108-AA02-DFA0A04FC94B}">
-              <ma14:wrappingTextBoxFlag xmlns="" xmlns:ma14="http://schemas.microsoft.com/office/mac/drawingml/2011/main" val="1"/>
+              <ma14:wrappingTextBoxFlag xmlns:ma14="http://schemas.microsoft.com/office/mac/drawingml/2011/main" xmlns="" val="1"/>
             </a:ext>
           </a:extLst>
         </p:spPr>
@@ -15258,7 +15258,7 @@
           </a:ln>
           <a:extLst>
             <a:ext uri="{C572A759-6A51-4108-AA02-DFA0A04FC94B}">
-              <ma14:wrappingTextBoxFlag xmlns="" xmlns:ma14="http://schemas.microsoft.com/office/mac/drawingml/2011/main" val="1"/>
+              <ma14:wrappingTextBoxFlag xmlns:ma14="http://schemas.microsoft.com/office/mac/drawingml/2011/main" xmlns="" val="1"/>
             </a:ext>
           </a:extLst>
         </p:spPr>
@@ -15405,7 +15405,7 @@
           </a:ln>
           <a:extLst>
             <a:ext uri="{C572A759-6A51-4108-AA02-DFA0A04FC94B}">
-              <ma14:wrappingTextBoxFlag xmlns="" xmlns:ma14="http://schemas.microsoft.com/office/mac/drawingml/2011/main" val="1"/>
+              <ma14:wrappingTextBoxFlag xmlns:ma14="http://schemas.microsoft.com/office/mac/drawingml/2011/main" xmlns="" val="1"/>
             </a:ext>
           </a:extLst>
         </p:spPr>
@@ -15449,7 +15449,7 @@
           </a:ln>
           <a:extLst>
             <a:ext uri="{C572A759-6A51-4108-AA02-DFA0A04FC94B}">
-              <ma14:wrappingTextBoxFlag xmlns="" xmlns:ma14="http://schemas.microsoft.com/office/mac/drawingml/2011/main" val="1"/>
+              <ma14:wrappingTextBoxFlag xmlns:ma14="http://schemas.microsoft.com/office/mac/drawingml/2011/main" xmlns="" val="1"/>
             </a:ext>
           </a:extLst>
         </p:spPr>
@@ -15496,7 +15496,7 @@
           </a:ln>
           <a:extLst>
             <a:ext uri="{C572A759-6A51-4108-AA02-DFA0A04FC94B}">
-              <ma14:wrappingTextBoxFlag xmlns="" xmlns:ma14="http://schemas.microsoft.com/office/mac/drawingml/2011/main" val="1"/>
+              <ma14:wrappingTextBoxFlag xmlns:ma14="http://schemas.microsoft.com/office/mac/drawingml/2011/main" xmlns="" val="1"/>
             </a:ext>
           </a:extLst>
         </p:spPr>
@@ -15550,7 +15550,7 @@
           </a:ln>
           <a:extLst>
             <a:ext uri="{C572A759-6A51-4108-AA02-DFA0A04FC94B}">
-              <ma14:wrappingTextBoxFlag xmlns="" xmlns:ma14="http://schemas.microsoft.com/office/mac/drawingml/2011/main" val="1"/>
+              <ma14:wrappingTextBoxFlag xmlns:ma14="http://schemas.microsoft.com/office/mac/drawingml/2011/main" xmlns="" val="1"/>
             </a:ext>
           </a:extLst>
         </p:spPr>
@@ -15778,7 +15778,7 @@
           </a:ln>
           <a:extLst>
             <a:ext uri="{C572A759-6A51-4108-AA02-DFA0A04FC94B}">
-              <ma14:wrappingTextBoxFlag xmlns="" xmlns:ma14="http://schemas.microsoft.com/office/mac/drawingml/2011/main" val="1"/>
+              <ma14:wrappingTextBoxFlag xmlns:ma14="http://schemas.microsoft.com/office/mac/drawingml/2011/main" xmlns="" val="1"/>
             </a:ext>
           </a:extLst>
         </p:spPr>
@@ -15887,7 +15887,7 @@
           </a:ln>
           <a:extLst>
             <a:ext uri="{C572A759-6A51-4108-AA02-DFA0A04FC94B}">
-              <ma14:wrappingTextBoxFlag xmlns="" xmlns:ma14="http://schemas.microsoft.com/office/mac/drawingml/2011/main" val="1"/>
+              <ma14:wrappingTextBoxFlag xmlns:ma14="http://schemas.microsoft.com/office/mac/drawingml/2011/main" xmlns="" val="1"/>
             </a:ext>
           </a:extLst>
         </p:spPr>
@@ -15931,7 +15931,7 @@
           </a:ln>
           <a:extLst>
             <a:ext uri="{C572A759-6A51-4108-AA02-DFA0A04FC94B}">
-              <ma14:wrappingTextBoxFlag xmlns="" xmlns:ma14="http://schemas.microsoft.com/office/mac/drawingml/2011/main" val="1"/>
+              <ma14:wrappingTextBoxFlag xmlns:ma14="http://schemas.microsoft.com/office/mac/drawingml/2011/main" xmlns="" val="1"/>
             </a:ext>
           </a:extLst>
         </p:spPr>
@@ -15978,7 +15978,7 @@
           </a:ln>
           <a:extLst>
             <a:ext uri="{C572A759-6A51-4108-AA02-DFA0A04FC94B}">
-              <ma14:wrappingTextBoxFlag xmlns="" xmlns:ma14="http://schemas.microsoft.com/office/mac/drawingml/2011/main" val="1"/>
+              <ma14:wrappingTextBoxFlag xmlns:ma14="http://schemas.microsoft.com/office/mac/drawingml/2011/main" xmlns="" val="1"/>
             </a:ext>
           </a:extLst>
         </p:spPr>
@@ -16244,7 +16244,7 @@
           </a:ln>
           <a:extLst>
             <a:ext uri="{C572A759-6A51-4108-AA02-DFA0A04FC94B}">
-              <ma14:wrappingTextBoxFlag xmlns="" xmlns:ma14="http://schemas.microsoft.com/office/mac/drawingml/2011/main" val="1"/>
+              <ma14:wrappingTextBoxFlag xmlns:ma14="http://schemas.microsoft.com/office/mac/drawingml/2011/main" xmlns="" val="1"/>
             </a:ext>
           </a:extLst>
         </p:spPr>
@@ -16387,7 +16387,7 @@
           </a:ln>
           <a:extLst>
             <a:ext uri="{C572A759-6A51-4108-AA02-DFA0A04FC94B}">
-              <ma14:wrappingTextBoxFlag xmlns="" xmlns:ma14="http://schemas.microsoft.com/office/mac/drawingml/2011/main" val="1"/>
+              <ma14:wrappingTextBoxFlag xmlns:ma14="http://schemas.microsoft.com/office/mac/drawingml/2011/main" xmlns="" val="1"/>
             </a:ext>
           </a:extLst>
         </p:spPr>
@@ -16495,7 +16495,7 @@
           </a:ln>
           <a:extLst>
             <a:ext uri="{C572A759-6A51-4108-AA02-DFA0A04FC94B}">
-              <ma14:wrappingTextBoxFlag xmlns="" xmlns:ma14="http://schemas.microsoft.com/office/mac/drawingml/2011/main" val="1"/>
+              <ma14:wrappingTextBoxFlag xmlns:ma14="http://schemas.microsoft.com/office/mac/drawingml/2011/main" xmlns="" val="1"/>
             </a:ext>
           </a:extLst>
         </p:spPr>
@@ -16572,7 +16572,7 @@
           </a:ln>
           <a:extLst>
             <a:ext uri="{C572A759-6A51-4108-AA02-DFA0A04FC94B}">
-              <ma14:wrappingTextBoxFlag xmlns="" xmlns:ma14="http://schemas.microsoft.com/office/mac/drawingml/2011/main" val="1"/>
+              <ma14:wrappingTextBoxFlag xmlns:ma14="http://schemas.microsoft.com/office/mac/drawingml/2011/main" xmlns="" val="1"/>
             </a:ext>
           </a:extLst>
         </p:spPr>
@@ -16680,7 +16680,7 @@
           </a:ln>
           <a:extLst>
             <a:ext uri="{C572A759-6A51-4108-AA02-DFA0A04FC94B}">
-              <ma14:wrappingTextBoxFlag xmlns="" xmlns:ma14="http://schemas.microsoft.com/office/mac/drawingml/2011/main" val="1"/>
+              <ma14:wrappingTextBoxFlag xmlns:ma14="http://schemas.microsoft.com/office/mac/drawingml/2011/main" xmlns="" val="1"/>
             </a:ext>
           </a:extLst>
         </p:spPr>
@@ -16757,7 +16757,7 @@
           </a:ln>
           <a:extLst>
             <a:ext uri="{C572A759-6A51-4108-AA02-DFA0A04FC94B}">
-              <ma14:wrappingTextBoxFlag xmlns="" xmlns:ma14="http://schemas.microsoft.com/office/mac/drawingml/2011/main" val="1"/>
+              <ma14:wrappingTextBoxFlag xmlns:ma14="http://schemas.microsoft.com/office/mac/drawingml/2011/main" xmlns="" val="1"/>
             </a:ext>
           </a:extLst>
         </p:spPr>
@@ -16804,7 +16804,7 @@
           </a:ln>
           <a:extLst>
             <a:ext uri="{C572A759-6A51-4108-AA02-DFA0A04FC94B}">
-              <ma14:wrappingTextBoxFlag xmlns="" xmlns:ma14="http://schemas.microsoft.com/office/mac/drawingml/2011/main" val="1"/>
+              <ma14:wrappingTextBoxFlag xmlns:ma14="http://schemas.microsoft.com/office/mac/drawingml/2011/main" xmlns="" val="1"/>
             </a:ext>
           </a:extLst>
         </p:spPr>
@@ -16989,7 +16989,7 @@
           </a:ln>
           <a:extLst>
             <a:ext uri="{C572A759-6A51-4108-AA02-DFA0A04FC94B}">
-              <ma14:wrappingTextBoxFlag xmlns="" xmlns:ma14="http://schemas.microsoft.com/office/mac/drawingml/2011/main" val="1"/>
+              <ma14:wrappingTextBoxFlag xmlns:ma14="http://schemas.microsoft.com/office/mac/drawingml/2011/main" xmlns="" val="1"/>
             </a:ext>
           </a:extLst>
         </p:spPr>
@@ -17095,7 +17095,7 @@
           </a:ln>
           <a:extLst>
             <a:ext uri="{C572A759-6A51-4108-AA02-DFA0A04FC94B}">
-              <ma14:wrappingTextBoxFlag xmlns="" xmlns:ma14="http://schemas.microsoft.com/office/mac/drawingml/2011/main" val="1"/>
+              <ma14:wrappingTextBoxFlag xmlns:ma14="http://schemas.microsoft.com/office/mac/drawingml/2011/main" xmlns="" val="1"/>
             </a:ext>
           </a:extLst>
         </p:spPr>
@@ -17248,7 +17248,7 @@
           </a:ln>
           <a:extLst>
             <a:ext uri="{C572A759-6A51-4108-AA02-DFA0A04FC94B}">
-              <ma14:wrappingTextBoxFlag xmlns="" xmlns:ma14="http://schemas.microsoft.com/office/mac/drawingml/2011/main" val="1"/>
+              <ma14:wrappingTextBoxFlag xmlns:ma14="http://schemas.microsoft.com/office/mac/drawingml/2011/main" xmlns="" val="1"/>
             </a:ext>
           </a:extLst>
         </p:spPr>
@@ -17305,7 +17305,7 @@
           </a:ln>
           <a:extLst>
             <a:ext uri="{C572A759-6A51-4108-AA02-DFA0A04FC94B}">
-              <ma14:wrappingTextBoxFlag xmlns="" xmlns:ma14="http://schemas.microsoft.com/office/mac/drawingml/2011/main" val="1"/>
+              <ma14:wrappingTextBoxFlag xmlns:ma14="http://schemas.microsoft.com/office/mac/drawingml/2011/main" xmlns="" val="1"/>
             </a:ext>
           </a:extLst>
         </p:spPr>
@@ -17362,7 +17362,7 @@
           </a:ln>
           <a:extLst>
             <a:ext uri="{C572A759-6A51-4108-AA02-DFA0A04FC94B}">
-              <ma14:wrappingTextBoxFlag xmlns="" xmlns:ma14="http://schemas.microsoft.com/office/mac/drawingml/2011/main" val="1"/>
+              <ma14:wrappingTextBoxFlag xmlns:ma14="http://schemas.microsoft.com/office/mac/drawingml/2011/main" xmlns="" val="1"/>
             </a:ext>
           </a:extLst>
         </p:spPr>
@@ -17423,7 +17423,7 @@
           </a:ln>
           <a:extLst>
             <a:ext uri="{C572A759-6A51-4108-AA02-DFA0A04FC94B}">
-              <ma14:wrappingTextBoxFlag xmlns="" xmlns:ma14="http://schemas.microsoft.com/office/mac/drawingml/2011/main" val="1"/>
+              <ma14:wrappingTextBoxFlag xmlns:ma14="http://schemas.microsoft.com/office/mac/drawingml/2011/main" xmlns="" val="1"/>
             </a:ext>
           </a:extLst>
         </p:spPr>
@@ -17490,7 +17490,7 @@
           </a:ln>
           <a:extLst>
             <a:ext uri="{C572A759-6A51-4108-AA02-DFA0A04FC94B}">
-              <ma14:wrappingTextBoxFlag xmlns="" xmlns:ma14="http://schemas.microsoft.com/office/mac/drawingml/2011/main" val="1"/>
+              <ma14:wrappingTextBoxFlag xmlns:ma14="http://schemas.microsoft.com/office/mac/drawingml/2011/main" xmlns="" val="1"/>
             </a:ext>
           </a:extLst>
         </p:spPr>
@@ -17544,7 +17544,7 @@
           </a:ln>
           <a:extLst>
             <a:ext uri="{C572A759-6A51-4108-AA02-DFA0A04FC94B}">
-              <ma14:wrappingTextBoxFlag xmlns="" xmlns:ma14="http://schemas.microsoft.com/office/mac/drawingml/2011/main" val="1"/>
+              <ma14:wrappingTextBoxFlag xmlns:ma14="http://schemas.microsoft.com/office/mac/drawingml/2011/main" xmlns="" val="1"/>
             </a:ext>
           </a:extLst>
         </p:spPr>
@@ -17620,7 +17620,7 @@
           </a:ln>
           <a:extLst>
             <a:ext uri="{C572A759-6A51-4108-AA02-DFA0A04FC94B}">
-              <ma14:wrappingTextBoxFlag xmlns="" xmlns:ma14="http://schemas.microsoft.com/office/mac/drawingml/2011/main" val="1"/>
+              <ma14:wrappingTextBoxFlag xmlns:ma14="http://schemas.microsoft.com/office/mac/drawingml/2011/main" xmlns="" val="1"/>
             </a:ext>
           </a:extLst>
         </p:spPr>
@@ -17696,7 +17696,7 @@
           </a:ln>
           <a:extLst>
             <a:ext uri="{C572A759-6A51-4108-AA02-DFA0A04FC94B}">
-              <ma14:wrappingTextBoxFlag xmlns="" xmlns:ma14="http://schemas.microsoft.com/office/mac/drawingml/2011/main" val="1"/>
+              <ma14:wrappingTextBoxFlag xmlns:ma14="http://schemas.microsoft.com/office/mac/drawingml/2011/main" xmlns="" val="1"/>
             </a:ext>
           </a:extLst>
         </p:spPr>
@@ -17750,7 +17750,7 @@
           </a:ln>
           <a:extLst>
             <a:ext uri="{C572A759-6A51-4108-AA02-DFA0A04FC94B}">
-              <ma14:wrappingTextBoxFlag xmlns="" xmlns:ma14="http://schemas.microsoft.com/office/mac/drawingml/2011/main" val="1"/>
+              <ma14:wrappingTextBoxFlag xmlns:ma14="http://schemas.microsoft.com/office/mac/drawingml/2011/main" xmlns="" val="1"/>
             </a:ext>
           </a:extLst>
         </p:spPr>
@@ -17804,7 +17804,7 @@
           </a:ln>
           <a:extLst>
             <a:ext uri="{C572A759-6A51-4108-AA02-DFA0A04FC94B}">
-              <ma14:wrappingTextBoxFlag xmlns="" xmlns:ma14="http://schemas.microsoft.com/office/mac/drawingml/2011/main" val="1"/>
+              <ma14:wrappingTextBoxFlag xmlns:ma14="http://schemas.microsoft.com/office/mac/drawingml/2011/main" xmlns="" val="1"/>
             </a:ext>
           </a:extLst>
         </p:spPr>
@@ -18850,7 +18850,7 @@
           </a:ln>
           <a:extLst>
             <a:ext uri="{C572A759-6A51-4108-AA02-DFA0A04FC94B}">
-              <ma14:wrappingTextBoxFlag xmlns="" xmlns:ma14="http://schemas.microsoft.com/office/mac/drawingml/2011/main" val="1"/>
+              <ma14:wrappingTextBoxFlag xmlns:ma14="http://schemas.microsoft.com/office/mac/drawingml/2011/main" xmlns="" val="1"/>
             </a:ext>
           </a:extLst>
         </p:spPr>
@@ -19321,7 +19321,7 @@
           </a:ln>
           <a:extLst>
             <a:ext uri="{C572A759-6A51-4108-AA02-DFA0A04FC94B}">
-              <ma14:wrappingTextBoxFlag xmlns="" xmlns:ma14="http://schemas.microsoft.com/office/mac/drawingml/2011/main" val="1"/>
+              <ma14:wrappingTextBoxFlag xmlns:ma14="http://schemas.microsoft.com/office/mac/drawingml/2011/main" xmlns="" val="1"/>
             </a:ext>
           </a:extLst>
         </p:spPr>
@@ -19553,7 +19553,7 @@
           </a:ln>
           <a:extLst>
             <a:ext uri="{C572A759-6A51-4108-AA02-DFA0A04FC94B}">
-              <ma14:wrappingTextBoxFlag xmlns="" xmlns:ma14="http://schemas.microsoft.com/office/mac/drawingml/2011/main" val="1"/>
+              <ma14:wrappingTextBoxFlag xmlns:ma14="http://schemas.microsoft.com/office/mac/drawingml/2011/main" xmlns="" val="1"/>
             </a:ext>
           </a:extLst>
         </p:spPr>
@@ -19714,7 +19714,7 @@
           </a:ln>
           <a:extLst>
             <a:ext uri="{C572A759-6A51-4108-AA02-DFA0A04FC94B}">
-              <ma14:wrappingTextBoxFlag xmlns="" xmlns:ma14="http://schemas.microsoft.com/office/mac/drawingml/2011/main" val="1"/>
+              <ma14:wrappingTextBoxFlag xmlns:ma14="http://schemas.microsoft.com/office/mac/drawingml/2011/main" xmlns="" val="1"/>
             </a:ext>
           </a:extLst>
         </p:spPr>
@@ -19794,7 +19794,7 @@
           </a:ln>
           <a:extLst>
             <a:ext uri="{C572A759-6A51-4108-AA02-DFA0A04FC94B}">
-              <ma14:wrappingTextBoxFlag xmlns="" xmlns:ma14="http://schemas.microsoft.com/office/mac/drawingml/2011/main" val="1"/>
+              <ma14:wrappingTextBoxFlag xmlns:ma14="http://schemas.microsoft.com/office/mac/drawingml/2011/main" xmlns="" val="1"/>
             </a:ext>
           </a:extLst>
         </p:spPr>
@@ -20018,8 +20018,8 @@
         </p:nvSpPr>
         <p:spPr>
           <a:xfrm>
-            <a:off x="2002026" y="520996"/>
-            <a:ext cx="1552087" cy="916939"/>
+            <a:off x="2213793" y="618176"/>
+            <a:ext cx="1146123" cy="916939"/>
           </a:xfrm>
           <a:prstGeom prst="rect">
             <a:avLst/>
@@ -20029,12 +20029,12 @@
           </a:ln>
           <a:extLst>
             <a:ext uri="{C572A759-6A51-4108-AA02-DFA0A04FC94B}">
-              <ma14:wrappingTextBoxFlag xmlns="" xmlns:ma14="http://schemas.microsoft.com/office/mac/drawingml/2011/main" val="1"/>
+              <ma14:wrappingTextBoxFlag xmlns:ma14="http://schemas.microsoft.com/office/mac/drawingml/2011/main" xmlns="" val="1"/>
             </a:ext>
           </a:extLst>
         </p:spPr>
         <p:txBody>
-          <a:bodyPr wrap="none" lIns="45718" tIns="45718" rIns="45718" bIns="45718">
+          <a:bodyPr wrap="square" lIns="45718" tIns="45718" rIns="45718" bIns="45718">
             <a:spAutoFit/>
           </a:bodyPr>
           <a:lstStyle>
@@ -20049,6 +20049,7 @@
           </a:lstStyle>
           <a:p>
             <a:r>
+              <a:rPr dirty="0"/>
               <a:t>END</a:t>
             </a:r>
           </a:p>
@@ -20108,7 +20109,7 @@
           </a:ln>
           <a:extLst>
             <a:ext uri="{C572A759-6A51-4108-AA02-DFA0A04FC94B}">
-              <ma14:wrappingTextBoxFlag xmlns="" xmlns:ma14="http://schemas.microsoft.com/office/mac/drawingml/2011/main" val="1"/>
+              <ma14:wrappingTextBoxFlag xmlns:ma14="http://schemas.microsoft.com/office/mac/drawingml/2011/main" xmlns="" val="1"/>
             </a:ext>
           </a:extLst>
         </p:spPr>
@@ -20220,7 +20221,7 @@
           </a:ln>
           <a:extLst>
             <a:ext uri="{C572A759-6A51-4108-AA02-DFA0A04FC94B}">
-              <ma14:wrappingTextBoxFlag xmlns="" xmlns:ma14="http://schemas.microsoft.com/office/mac/drawingml/2011/main" val="1"/>
+              <ma14:wrappingTextBoxFlag xmlns:ma14="http://schemas.microsoft.com/office/mac/drawingml/2011/main" xmlns="" val="1"/>
             </a:ext>
           </a:extLst>
         </p:spPr>
@@ -20362,7 +20363,7 @@
           </a:ln>
           <a:extLst>
             <a:ext uri="{C572A759-6A51-4108-AA02-DFA0A04FC94B}">
-              <ma14:wrappingTextBoxFlag xmlns="" xmlns:ma14="http://schemas.microsoft.com/office/mac/drawingml/2011/main" val="1"/>
+              <ma14:wrappingTextBoxFlag xmlns:ma14="http://schemas.microsoft.com/office/mac/drawingml/2011/main" xmlns="" val="1"/>
             </a:ext>
           </a:extLst>
         </p:spPr>
@@ -20406,7 +20407,7 @@
           </a:ln>
           <a:extLst>
             <a:ext uri="{C572A759-6A51-4108-AA02-DFA0A04FC94B}">
-              <ma14:wrappingTextBoxFlag xmlns="" xmlns:ma14="http://schemas.microsoft.com/office/mac/drawingml/2011/main" val="1"/>
+              <ma14:wrappingTextBoxFlag xmlns:ma14="http://schemas.microsoft.com/office/mac/drawingml/2011/main" xmlns="" val="1"/>
             </a:ext>
           </a:extLst>
         </p:spPr>
@@ -20454,7 +20455,7 @@
           </a:ln>
           <a:extLst>
             <a:ext uri="{C572A759-6A51-4108-AA02-DFA0A04FC94B}">
-              <ma14:wrappingTextBoxFlag xmlns="" xmlns:ma14="http://schemas.microsoft.com/office/mac/drawingml/2011/main" val="1"/>
+              <ma14:wrappingTextBoxFlag xmlns:ma14="http://schemas.microsoft.com/office/mac/drawingml/2011/main" xmlns="" val="1"/>
             </a:ext>
           </a:extLst>
         </p:spPr>
@@ -20511,7 +20512,7 @@
           </a:ln>
           <a:extLst>
             <a:ext uri="{C572A759-6A51-4108-AA02-DFA0A04FC94B}">
-              <ma14:wrappingTextBoxFlag xmlns="" xmlns:ma14="http://schemas.microsoft.com/office/mac/drawingml/2011/main" val="1"/>
+              <ma14:wrappingTextBoxFlag xmlns:ma14="http://schemas.microsoft.com/office/mac/drawingml/2011/main" xmlns="" val="1"/>
             </a:ext>
           </a:extLst>
         </p:spPr>
@@ -20921,7 +20922,7 @@
           </a:ln>
           <a:extLst>
             <a:ext uri="{C572A759-6A51-4108-AA02-DFA0A04FC94B}">
-              <ma14:wrappingTextBoxFlag xmlns="" xmlns:ma14="http://schemas.microsoft.com/office/mac/drawingml/2011/main" val="1"/>
+              <ma14:wrappingTextBoxFlag xmlns:ma14="http://schemas.microsoft.com/office/mac/drawingml/2011/main" xmlns="" val="1"/>
             </a:ext>
           </a:extLst>
         </p:spPr>
@@ -20965,7 +20966,7 @@
           </a:ln>
           <a:extLst>
             <a:ext uri="{C572A759-6A51-4108-AA02-DFA0A04FC94B}">
-              <ma14:wrappingTextBoxFlag xmlns="" xmlns:ma14="http://schemas.microsoft.com/office/mac/drawingml/2011/main" val="1"/>
+              <ma14:wrappingTextBoxFlag xmlns:ma14="http://schemas.microsoft.com/office/mac/drawingml/2011/main" xmlns="" val="1"/>
             </a:ext>
           </a:extLst>
         </p:spPr>
@@ -21040,7 +21041,7 @@
           </a:ln>
           <a:extLst>
             <a:ext uri="{C572A759-6A51-4108-AA02-DFA0A04FC94B}">
-              <ma14:wrappingTextBoxFlag xmlns="" xmlns:ma14="http://schemas.microsoft.com/office/mac/drawingml/2011/main" val="1"/>
+              <ma14:wrappingTextBoxFlag xmlns:ma14="http://schemas.microsoft.com/office/mac/drawingml/2011/main" xmlns="" val="1"/>
             </a:ext>
           </a:extLst>
         </p:spPr>
@@ -21263,7 +21264,7 @@
           </a:ln>
           <a:extLst>
             <a:ext uri="{C572A759-6A51-4108-AA02-DFA0A04FC94B}">
-              <ma14:wrappingTextBoxFlag xmlns="" xmlns:ma14="http://schemas.microsoft.com/office/mac/drawingml/2011/main" val="1"/>
+              <ma14:wrappingTextBoxFlag xmlns:ma14="http://schemas.microsoft.com/office/mac/drawingml/2011/main" xmlns="" val="1"/>
             </a:ext>
           </a:extLst>
         </p:spPr>
@@ -21307,7 +21308,7 @@
           </a:ln>
           <a:extLst>
             <a:ext uri="{C572A759-6A51-4108-AA02-DFA0A04FC94B}">
-              <ma14:wrappingTextBoxFlag xmlns="" xmlns:ma14="http://schemas.microsoft.com/office/mac/drawingml/2011/main" val="1"/>
+              <ma14:wrappingTextBoxFlag xmlns:ma14="http://schemas.microsoft.com/office/mac/drawingml/2011/main" xmlns="" val="1"/>
             </a:ext>
           </a:extLst>
         </p:spPr>
@@ -21382,7 +21383,7 @@
           </a:ln>
           <a:extLst>
             <a:ext uri="{C572A759-6A51-4108-AA02-DFA0A04FC94B}">
-              <ma14:wrappingTextBoxFlag xmlns="" xmlns:ma14="http://schemas.microsoft.com/office/mac/drawingml/2011/main" val="1"/>
+              <ma14:wrappingTextBoxFlag xmlns:ma14="http://schemas.microsoft.com/office/mac/drawingml/2011/main" xmlns="" val="1"/>
             </a:ext>
           </a:extLst>
         </p:spPr>
@@ -21727,7 +21728,7 @@
           </a:ln>
           <a:extLst>
             <a:ext uri="{C572A759-6A51-4108-AA02-DFA0A04FC94B}">
-              <ma14:wrappingTextBoxFlag xmlns="" xmlns:ma14="http://schemas.microsoft.com/office/mac/drawingml/2011/main" val="1"/>
+              <ma14:wrappingTextBoxFlag xmlns:ma14="http://schemas.microsoft.com/office/mac/drawingml/2011/main" xmlns="" val="1"/>
             </a:ext>
           </a:extLst>
         </p:spPr>
@@ -21771,7 +21772,7 @@
           </a:ln>
           <a:extLst>
             <a:ext uri="{C572A759-6A51-4108-AA02-DFA0A04FC94B}">
-              <ma14:wrappingTextBoxFlag xmlns="" xmlns:ma14="http://schemas.microsoft.com/office/mac/drawingml/2011/main" val="1"/>
+              <ma14:wrappingTextBoxFlag xmlns:ma14="http://schemas.microsoft.com/office/mac/drawingml/2011/main" xmlns="" val="1"/>
             </a:ext>
           </a:extLst>
         </p:spPr>
@@ -21846,7 +21847,7 @@
           </a:ln>
           <a:extLst>
             <a:ext uri="{C572A759-6A51-4108-AA02-DFA0A04FC94B}">
-              <ma14:wrappingTextBoxFlag xmlns="" xmlns:ma14="http://schemas.microsoft.com/office/mac/drawingml/2011/main" val="1"/>
+              <ma14:wrappingTextBoxFlag xmlns:ma14="http://schemas.microsoft.com/office/mac/drawingml/2011/main" xmlns="" val="1"/>
             </a:ext>
           </a:extLst>
         </p:spPr>
@@ -22195,7 +22196,7 @@
           </a:ln>
           <a:extLst>
             <a:ext uri="{C572A759-6A51-4108-AA02-DFA0A04FC94B}">
-              <ma14:wrappingTextBoxFlag xmlns="" xmlns:ma14="http://schemas.microsoft.com/office/mac/drawingml/2011/main" val="1"/>
+              <ma14:wrappingTextBoxFlag xmlns:ma14="http://schemas.microsoft.com/office/mac/drawingml/2011/main" xmlns="" val="1"/>
             </a:ext>
           </a:extLst>
         </p:spPr>
@@ -22239,7 +22240,7 @@
           </a:ln>
           <a:extLst>
             <a:ext uri="{C572A759-6A51-4108-AA02-DFA0A04FC94B}">
-              <ma14:wrappingTextBoxFlag xmlns="" xmlns:ma14="http://schemas.microsoft.com/office/mac/drawingml/2011/main" val="1"/>
+              <ma14:wrappingTextBoxFlag xmlns:ma14="http://schemas.microsoft.com/office/mac/drawingml/2011/main" xmlns="" val="1"/>
             </a:ext>
           </a:extLst>
         </p:spPr>
@@ -22314,7 +22315,7 @@
           </a:ln>
           <a:extLst>
             <a:ext uri="{C572A759-6A51-4108-AA02-DFA0A04FC94B}">
-              <ma14:wrappingTextBoxFlag xmlns="" xmlns:ma14="http://schemas.microsoft.com/office/mac/drawingml/2011/main" val="1"/>
+              <ma14:wrappingTextBoxFlag xmlns:ma14="http://schemas.microsoft.com/office/mac/drawingml/2011/main" xmlns="" val="1"/>
             </a:ext>
           </a:extLst>
         </p:spPr>

--- a/papers/AASSppt/AASS.pptx
+++ b/papers/AASSppt/AASS.pptx
@@ -790,6 +790,72 @@
 </p:notes>
 </file>
 
+<file path=ppt/notesSlides/notesSlide12.xml><?xml version="1.0" encoding="utf-8"?>
+<p:notes xmlns:a="http://schemas.openxmlformats.org/drawingml/2006/main" xmlns:r="http://schemas.openxmlformats.org/officeDocument/2006/relationships" xmlns:p="http://schemas.openxmlformats.org/presentationml/2006/main">
+  <p:cSld>
+    <p:spTree>
+      <p:nvGrpSpPr>
+        <p:cNvPr id="1" name=""/>
+        <p:cNvGrpSpPr/>
+        <p:nvPr/>
+      </p:nvGrpSpPr>
+      <p:grpSpPr>
+        <a:xfrm>
+          <a:off x="0" y="0"/>
+          <a:ext cx="0" cy="0"/>
+          <a:chOff x="0" y="0"/>
+          <a:chExt cx="0" cy="0"/>
+        </a:xfrm>
+      </p:grpSpPr>
+      <p:sp>
+        <p:nvSpPr>
+          <p:cNvPr id="2" name="幻灯片图像占位符 1"/>
+          <p:cNvSpPr>
+            <a:spLocks noGrp="1" noRot="1" noChangeAspect="1"/>
+          </p:cNvSpPr>
+          <p:nvPr>
+            <p:ph type="sldImg"/>
+          </p:nvPr>
+        </p:nvSpPr>
+        <p:spPr>
+          <a:xfrm>
+            <a:off x="381000" y="685800"/>
+            <a:ext cx="6096000" cy="3429000"/>
+          </a:xfrm>
+        </p:spPr>
+      </p:sp>
+      <p:sp>
+        <p:nvSpPr>
+          <p:cNvPr id="3" name="备注占位符 2"/>
+          <p:cNvSpPr>
+            <a:spLocks noGrp="1"/>
+          </p:cNvSpPr>
+          <p:nvPr>
+            <p:ph type="body" idx="1"/>
+          </p:nvPr>
+        </p:nvSpPr>
+        <p:spPr/>
+        <p:txBody>
+          <a:bodyPr/>
+          <a:lstStyle/>
+          <a:p>
+            <a:endParaRPr lang="zh-CN" altLang="en-US" dirty="0"/>
+          </a:p>
+        </p:txBody>
+      </p:sp>
+    </p:spTree>
+    <p:extLst>
+      <p:ext uri="{BB962C8B-B14F-4D97-AF65-F5344CB8AC3E}">
+        <p14:creationId xmlns:p14="http://schemas.microsoft.com/office/powerpoint/2010/main" val="3428411374"/>
+      </p:ext>
+    </p:extLst>
+  </p:cSld>
+  <p:clrMapOvr>
+    <a:masterClrMapping/>
+  </p:clrMapOvr>
+</p:notes>
+</file>
+
 <file path=ppt/notesSlides/notesSlide2.xml><?xml version="1.0" encoding="utf-8"?>
 <p:notes xmlns:a="http://schemas.openxmlformats.org/drawingml/2006/main" xmlns:r="http://schemas.openxmlformats.org/officeDocument/2006/relationships" xmlns:p="http://schemas.openxmlformats.org/presentationml/2006/main">
   <p:cSld>
@@ -3735,7 +3801,7 @@
           </a:ln>
           <a:extLst>
             <a:ext uri="{C572A759-6A51-4108-AA02-DFA0A04FC94B}">
-              <ma14:wrappingTextBoxFlag xmlns:ma14="http://schemas.microsoft.com/office/mac/drawingml/2011/main" xmlns="" val="1"/>
+              <ma14:wrappingTextBoxFlag xmlns="" xmlns:ma14="http://schemas.microsoft.com/office/mac/drawingml/2011/main" val="1"/>
             </a:ext>
           </a:extLst>
         </p:spPr>
@@ -3774,7 +3840,7 @@
           </a:ln>
           <a:extLst>
             <a:ext uri="{C572A759-6A51-4108-AA02-DFA0A04FC94B}">
-              <ma14:wrappingTextBoxFlag xmlns:ma14="http://schemas.microsoft.com/office/mac/drawingml/2011/main" xmlns="" val="1"/>
+              <ma14:wrappingTextBoxFlag xmlns="" xmlns:ma14="http://schemas.microsoft.com/office/mac/drawingml/2011/main" val="1"/>
             </a:ext>
           </a:extLst>
         </p:spPr>
@@ -4710,7 +4776,7 @@
           </a:ln>
           <a:extLst>
             <a:ext uri="{C572A759-6A51-4108-AA02-DFA0A04FC94B}">
-              <ma14:wrappingTextBoxFlag xmlns:ma14="http://schemas.microsoft.com/office/mac/drawingml/2011/main" xmlns="" val="1"/>
+              <ma14:wrappingTextBoxFlag xmlns="" xmlns:ma14="http://schemas.microsoft.com/office/mac/drawingml/2011/main" val="1"/>
             </a:ext>
           </a:extLst>
         </p:spPr>
@@ -4820,7 +4886,7 @@
           </a:ln>
           <a:extLst>
             <a:ext uri="{C572A759-6A51-4108-AA02-DFA0A04FC94B}">
-              <ma14:wrappingTextBoxFlag xmlns:ma14="http://schemas.microsoft.com/office/mac/drawingml/2011/main" xmlns="" val="1"/>
+              <ma14:wrappingTextBoxFlag xmlns="" xmlns:ma14="http://schemas.microsoft.com/office/mac/drawingml/2011/main" val="1"/>
             </a:ext>
           </a:extLst>
         </p:spPr>
@@ -4932,7 +4998,7 @@
           </a:ln>
           <a:extLst>
             <a:ext uri="{C572A759-6A51-4108-AA02-DFA0A04FC94B}">
-              <ma14:wrappingTextBoxFlag xmlns:ma14="http://schemas.microsoft.com/office/mac/drawingml/2011/main" xmlns="" val="1"/>
+              <ma14:wrappingTextBoxFlag xmlns="" xmlns:ma14="http://schemas.microsoft.com/office/mac/drawingml/2011/main" val="1"/>
             </a:ext>
           </a:extLst>
         </p:spPr>
@@ -4976,7 +5042,7 @@
           </a:ln>
           <a:extLst>
             <a:ext uri="{C572A759-6A51-4108-AA02-DFA0A04FC94B}">
-              <ma14:wrappingTextBoxFlag xmlns:ma14="http://schemas.microsoft.com/office/mac/drawingml/2011/main" xmlns="" val="1"/>
+              <ma14:wrappingTextBoxFlag xmlns="" xmlns:ma14="http://schemas.microsoft.com/office/mac/drawingml/2011/main" val="1"/>
             </a:ext>
           </a:extLst>
         </p:spPr>
@@ -5051,7 +5117,7 @@
           </a:ln>
           <a:extLst>
             <a:ext uri="{C572A759-6A51-4108-AA02-DFA0A04FC94B}">
-              <ma14:wrappingTextBoxFlag xmlns:ma14="http://schemas.microsoft.com/office/mac/drawingml/2011/main" xmlns="" val="1"/>
+              <ma14:wrappingTextBoxFlag xmlns="" xmlns:ma14="http://schemas.microsoft.com/office/mac/drawingml/2011/main" val="1"/>
             </a:ext>
           </a:extLst>
         </p:spPr>
@@ -5361,7 +5427,7 @@
           </a:ln>
           <a:extLst>
             <a:ext uri="{C572A759-6A51-4108-AA02-DFA0A04FC94B}">
-              <ma14:wrappingTextBoxFlag xmlns:ma14="http://schemas.microsoft.com/office/mac/drawingml/2011/main" xmlns="" val="1"/>
+              <ma14:wrappingTextBoxFlag xmlns="" xmlns:ma14="http://schemas.microsoft.com/office/mac/drawingml/2011/main" val="1"/>
             </a:ext>
           </a:extLst>
         </p:spPr>
@@ -5405,7 +5471,7 @@
           </a:ln>
           <a:extLst>
             <a:ext uri="{C572A759-6A51-4108-AA02-DFA0A04FC94B}">
-              <ma14:wrappingTextBoxFlag xmlns:ma14="http://schemas.microsoft.com/office/mac/drawingml/2011/main" xmlns="" val="1"/>
+              <ma14:wrappingTextBoxFlag xmlns="" xmlns:ma14="http://schemas.microsoft.com/office/mac/drawingml/2011/main" val="1"/>
             </a:ext>
           </a:extLst>
         </p:spPr>
@@ -5480,7 +5546,7 @@
           </a:ln>
           <a:extLst>
             <a:ext uri="{C572A759-6A51-4108-AA02-DFA0A04FC94B}">
-              <ma14:wrappingTextBoxFlag xmlns:ma14="http://schemas.microsoft.com/office/mac/drawingml/2011/main" xmlns="" val="1"/>
+              <ma14:wrappingTextBoxFlag xmlns="" xmlns:ma14="http://schemas.microsoft.com/office/mac/drawingml/2011/main" val="1"/>
             </a:ext>
           </a:extLst>
         </p:spPr>
@@ -6020,7 +6086,7 @@
           </a:ln>
           <a:extLst>
             <a:ext uri="{C572A759-6A51-4108-AA02-DFA0A04FC94B}">
-              <ma14:wrappingTextBoxFlag xmlns:ma14="http://schemas.microsoft.com/office/mac/drawingml/2011/main" xmlns="" val="1"/>
+              <ma14:wrappingTextBoxFlag xmlns="" xmlns:ma14="http://schemas.microsoft.com/office/mac/drawingml/2011/main" val="1"/>
             </a:ext>
           </a:extLst>
         </p:spPr>
@@ -6064,7 +6130,7 @@
           </a:ln>
           <a:extLst>
             <a:ext uri="{C572A759-6A51-4108-AA02-DFA0A04FC94B}">
-              <ma14:wrappingTextBoxFlag xmlns:ma14="http://schemas.microsoft.com/office/mac/drawingml/2011/main" xmlns="" val="1"/>
+              <ma14:wrappingTextBoxFlag xmlns="" xmlns:ma14="http://schemas.microsoft.com/office/mac/drawingml/2011/main" val="1"/>
             </a:ext>
           </a:extLst>
         </p:spPr>
@@ -6185,7 +6251,7 @@
           </a:ln>
           <a:extLst>
             <a:ext uri="{C572A759-6A51-4108-AA02-DFA0A04FC94B}">
-              <ma14:wrappingTextBoxFlag xmlns:ma14="http://schemas.microsoft.com/office/mac/drawingml/2011/main" xmlns="" val="1"/>
+              <ma14:wrappingTextBoxFlag xmlns="" xmlns:ma14="http://schemas.microsoft.com/office/mac/drawingml/2011/main" val="1"/>
             </a:ext>
           </a:extLst>
         </p:spPr>
@@ -6301,7 +6367,7 @@
           </a:ln>
           <a:extLst>
             <a:ext uri="{C572A759-6A51-4108-AA02-DFA0A04FC94B}">
-              <ma14:wrappingTextBoxFlag xmlns:ma14="http://schemas.microsoft.com/office/mac/drawingml/2011/main" xmlns="" val="1"/>
+              <ma14:wrappingTextBoxFlag xmlns="" xmlns:ma14="http://schemas.microsoft.com/office/mac/drawingml/2011/main" val="1"/>
             </a:ext>
           </a:extLst>
         </p:spPr>
@@ -6444,7 +6510,7 @@
           </a:ln>
           <a:extLst>
             <a:ext uri="{C572A759-6A51-4108-AA02-DFA0A04FC94B}">
-              <ma14:wrappingTextBoxFlag xmlns:ma14="http://schemas.microsoft.com/office/mac/drawingml/2011/main" xmlns="" val="1"/>
+              <ma14:wrappingTextBoxFlag xmlns="" xmlns:ma14="http://schemas.microsoft.com/office/mac/drawingml/2011/main" val="1"/>
             </a:ext>
           </a:extLst>
         </p:spPr>
@@ -6488,7 +6554,7 @@
           </a:ln>
           <a:extLst>
             <a:ext uri="{C572A759-6A51-4108-AA02-DFA0A04FC94B}">
-              <ma14:wrappingTextBoxFlag xmlns:ma14="http://schemas.microsoft.com/office/mac/drawingml/2011/main" xmlns="" val="1"/>
+              <ma14:wrappingTextBoxFlag xmlns="" xmlns:ma14="http://schemas.microsoft.com/office/mac/drawingml/2011/main" val="1"/>
             </a:ext>
           </a:extLst>
         </p:spPr>
@@ -6541,7 +6607,7 @@
           </a:ln>
           <a:extLst>
             <a:ext uri="{C572A759-6A51-4108-AA02-DFA0A04FC94B}">
-              <ma14:wrappingTextBoxFlag xmlns:ma14="http://schemas.microsoft.com/office/mac/drawingml/2011/main" xmlns="" val="1"/>
+              <ma14:wrappingTextBoxFlag xmlns="" xmlns:ma14="http://schemas.microsoft.com/office/mac/drawingml/2011/main" val="1"/>
             </a:ext>
           </a:extLst>
         </p:spPr>
@@ -6594,7 +6660,7 @@
           </a:ln>
           <a:extLst>
             <a:ext uri="{C572A759-6A51-4108-AA02-DFA0A04FC94B}">
-              <ma14:wrappingTextBoxFlag xmlns:ma14="http://schemas.microsoft.com/office/mac/drawingml/2011/main" xmlns="" val="1"/>
+              <ma14:wrappingTextBoxFlag xmlns="" xmlns:ma14="http://schemas.microsoft.com/office/mac/drawingml/2011/main" val="1"/>
             </a:ext>
           </a:extLst>
         </p:spPr>
@@ -6683,7 +6749,7 @@
           </a:ln>
           <a:extLst>
             <a:ext uri="{C572A759-6A51-4108-AA02-DFA0A04FC94B}">
-              <ma14:wrappingTextBoxFlag xmlns:ma14="http://schemas.microsoft.com/office/mac/drawingml/2011/main" xmlns="" val="1"/>
+              <ma14:wrappingTextBoxFlag xmlns="" xmlns:ma14="http://schemas.microsoft.com/office/mac/drawingml/2011/main" val="1"/>
             </a:ext>
           </a:extLst>
         </p:spPr>
@@ -6736,7 +6802,7 @@
           </a:ln>
           <a:extLst>
             <a:ext uri="{C572A759-6A51-4108-AA02-DFA0A04FC94B}">
-              <ma14:wrappingTextBoxFlag xmlns:ma14="http://schemas.microsoft.com/office/mac/drawingml/2011/main" xmlns="" val="1"/>
+              <ma14:wrappingTextBoxFlag xmlns="" xmlns:ma14="http://schemas.microsoft.com/office/mac/drawingml/2011/main" val="1"/>
             </a:ext>
           </a:extLst>
         </p:spPr>
@@ -6853,7 +6919,7 @@
           </a:ln>
           <a:extLst>
             <a:ext uri="{C572A759-6A51-4108-AA02-DFA0A04FC94B}">
-              <ma14:wrappingTextBoxFlag xmlns:ma14="http://schemas.microsoft.com/office/mac/drawingml/2011/main" xmlns="" val="1"/>
+              <ma14:wrappingTextBoxFlag xmlns="" xmlns:ma14="http://schemas.microsoft.com/office/mac/drawingml/2011/main" val="1"/>
             </a:ext>
           </a:extLst>
         </p:spPr>
@@ -6925,7 +6991,7 @@
           </a:ln>
           <a:extLst>
             <a:ext uri="{C572A759-6A51-4108-AA02-DFA0A04FC94B}">
-              <ma14:wrappingTextBoxFlag xmlns:ma14="http://schemas.microsoft.com/office/mac/drawingml/2011/main" xmlns="" val="1"/>
+              <ma14:wrappingTextBoxFlag xmlns="" xmlns:ma14="http://schemas.microsoft.com/office/mac/drawingml/2011/main" val="1"/>
             </a:ext>
           </a:extLst>
         </p:spPr>
@@ -6996,7 +7062,7 @@
           </a:ln>
           <a:extLst>
             <a:ext uri="{C572A759-6A51-4108-AA02-DFA0A04FC94B}">
-              <ma14:wrappingTextBoxFlag xmlns:ma14="http://schemas.microsoft.com/office/mac/drawingml/2011/main" xmlns="" val="1"/>
+              <ma14:wrappingTextBoxFlag xmlns="" xmlns:ma14="http://schemas.microsoft.com/office/mac/drawingml/2011/main" val="1"/>
             </a:ext>
           </a:extLst>
         </p:spPr>
@@ -7067,7 +7133,7 @@
           </a:ln>
           <a:extLst>
             <a:ext uri="{C572A759-6A51-4108-AA02-DFA0A04FC94B}">
-              <ma14:wrappingTextBoxFlag xmlns:ma14="http://schemas.microsoft.com/office/mac/drawingml/2011/main" xmlns="" val="1"/>
+              <ma14:wrappingTextBoxFlag xmlns="" xmlns:ma14="http://schemas.microsoft.com/office/mac/drawingml/2011/main" val="1"/>
             </a:ext>
           </a:extLst>
         </p:spPr>
@@ -7138,7 +7204,7 @@
           </a:ln>
           <a:extLst>
             <a:ext uri="{C572A759-6A51-4108-AA02-DFA0A04FC94B}">
-              <ma14:wrappingTextBoxFlag xmlns:ma14="http://schemas.microsoft.com/office/mac/drawingml/2011/main" xmlns="" val="1"/>
+              <ma14:wrappingTextBoxFlag xmlns="" xmlns:ma14="http://schemas.microsoft.com/office/mac/drawingml/2011/main" val="1"/>
             </a:ext>
           </a:extLst>
         </p:spPr>
@@ -7209,7 +7275,7 @@
           </a:ln>
           <a:extLst>
             <a:ext uri="{C572A759-6A51-4108-AA02-DFA0A04FC94B}">
-              <ma14:wrappingTextBoxFlag xmlns:ma14="http://schemas.microsoft.com/office/mac/drawingml/2011/main" xmlns="" val="1"/>
+              <ma14:wrappingTextBoxFlag xmlns="" xmlns:ma14="http://schemas.microsoft.com/office/mac/drawingml/2011/main" val="1"/>
             </a:ext>
           </a:extLst>
         </p:spPr>
@@ -7538,7 +7604,7 @@
           </a:ln>
           <a:extLst>
             <a:ext uri="{C572A759-6A51-4108-AA02-DFA0A04FC94B}">
-              <ma14:wrappingTextBoxFlag xmlns:ma14="http://schemas.microsoft.com/office/mac/drawingml/2011/main" xmlns="" val="1"/>
+              <ma14:wrappingTextBoxFlag xmlns="" xmlns:ma14="http://schemas.microsoft.com/office/mac/drawingml/2011/main" val="1"/>
             </a:ext>
           </a:extLst>
         </p:spPr>
@@ -8255,7 +8321,7 @@
           </a:ln>
           <a:extLst>
             <a:ext uri="{C572A759-6A51-4108-AA02-DFA0A04FC94B}">
-              <ma14:wrappingTextBoxFlag xmlns:ma14="http://schemas.microsoft.com/office/mac/drawingml/2011/main" xmlns="" val="1"/>
+              <ma14:wrappingTextBoxFlag xmlns="" xmlns:ma14="http://schemas.microsoft.com/office/mac/drawingml/2011/main" val="1"/>
             </a:ext>
           </a:extLst>
         </p:spPr>
@@ -8299,7 +8365,7 @@
           </a:ln>
           <a:extLst>
             <a:ext uri="{C572A759-6A51-4108-AA02-DFA0A04FC94B}">
-              <ma14:wrappingTextBoxFlag xmlns:ma14="http://schemas.microsoft.com/office/mac/drawingml/2011/main" xmlns="" val="1"/>
+              <ma14:wrappingTextBoxFlag xmlns="" xmlns:ma14="http://schemas.microsoft.com/office/mac/drawingml/2011/main" val="1"/>
             </a:ext>
           </a:extLst>
         </p:spPr>
@@ -8352,7 +8418,7 @@
           </a:ln>
           <a:extLst>
             <a:ext uri="{C572A759-6A51-4108-AA02-DFA0A04FC94B}">
-              <ma14:wrappingTextBoxFlag xmlns:ma14="http://schemas.microsoft.com/office/mac/drawingml/2011/main" xmlns="" val="1"/>
+              <ma14:wrappingTextBoxFlag xmlns="" xmlns:ma14="http://schemas.microsoft.com/office/mac/drawingml/2011/main" val="1"/>
             </a:ext>
           </a:extLst>
         </p:spPr>
@@ -8565,7 +8631,7 @@
           </a:ln>
           <a:extLst>
             <a:ext uri="{C572A759-6A51-4108-AA02-DFA0A04FC94B}">
-              <ma14:wrappingTextBoxFlag xmlns:ma14="http://schemas.microsoft.com/office/mac/drawingml/2011/main" xmlns="" val="1"/>
+              <ma14:wrappingTextBoxFlag xmlns="" xmlns:ma14="http://schemas.microsoft.com/office/mac/drawingml/2011/main" val="1"/>
             </a:ext>
           </a:extLst>
         </p:spPr>
@@ -8619,7 +8685,7 @@
           </a:ln>
           <a:extLst>
             <a:ext uri="{C572A759-6A51-4108-AA02-DFA0A04FC94B}">
-              <ma14:wrappingTextBoxFlag xmlns:ma14="http://schemas.microsoft.com/office/mac/drawingml/2011/main" xmlns="" val="1"/>
+              <ma14:wrappingTextBoxFlag xmlns="" xmlns:ma14="http://schemas.microsoft.com/office/mac/drawingml/2011/main" val="1"/>
             </a:ext>
           </a:extLst>
         </p:spPr>
@@ -8804,7 +8870,7 @@
           </a:ln>
           <a:extLst>
             <a:ext uri="{C572A759-6A51-4108-AA02-DFA0A04FC94B}">
-              <ma14:wrappingTextBoxFlag xmlns:ma14="http://schemas.microsoft.com/office/mac/drawingml/2011/main" xmlns="" val="1"/>
+              <ma14:wrappingTextBoxFlag xmlns="" xmlns:ma14="http://schemas.microsoft.com/office/mac/drawingml/2011/main" val="1"/>
             </a:ext>
           </a:extLst>
         </p:spPr>
@@ -8848,7 +8914,7 @@
           </a:ln>
           <a:extLst>
             <a:ext uri="{C572A759-6A51-4108-AA02-DFA0A04FC94B}">
-              <ma14:wrappingTextBoxFlag xmlns:ma14="http://schemas.microsoft.com/office/mac/drawingml/2011/main" xmlns="" val="1"/>
+              <ma14:wrappingTextBoxFlag xmlns="" xmlns:ma14="http://schemas.microsoft.com/office/mac/drawingml/2011/main" val="1"/>
             </a:ext>
           </a:extLst>
         </p:spPr>
@@ -8901,7 +8967,7 @@
           </a:ln>
           <a:extLst>
             <a:ext uri="{C572A759-6A51-4108-AA02-DFA0A04FC94B}">
-              <ma14:wrappingTextBoxFlag xmlns:ma14="http://schemas.microsoft.com/office/mac/drawingml/2011/main" xmlns="" val="1"/>
+              <ma14:wrappingTextBoxFlag xmlns="" xmlns:ma14="http://schemas.microsoft.com/office/mac/drawingml/2011/main" val="1"/>
             </a:ext>
           </a:extLst>
         </p:spPr>
@@ -9023,7 +9089,7 @@
           </a:ln>
           <a:extLst>
             <a:ext uri="{C572A759-6A51-4108-AA02-DFA0A04FC94B}">
-              <ma14:wrappingTextBoxFlag xmlns:ma14="http://schemas.microsoft.com/office/mac/drawingml/2011/main" xmlns="" val="1"/>
+              <ma14:wrappingTextBoxFlag xmlns="" xmlns:ma14="http://schemas.microsoft.com/office/mac/drawingml/2011/main" val="1"/>
             </a:ext>
           </a:extLst>
         </p:spPr>
@@ -9137,7 +9203,7 @@
           </a:ln>
           <a:extLst>
             <a:ext uri="{C572A759-6A51-4108-AA02-DFA0A04FC94B}">
-              <ma14:wrappingTextBoxFlag xmlns:ma14="http://schemas.microsoft.com/office/mac/drawingml/2011/main" xmlns="" val="1"/>
+              <ma14:wrappingTextBoxFlag xmlns="" xmlns:ma14="http://schemas.microsoft.com/office/mac/drawingml/2011/main" val="1"/>
             </a:ext>
           </a:extLst>
         </p:spPr>
@@ -9181,7 +9247,7 @@
           </a:ln>
           <a:extLst>
             <a:ext uri="{C572A759-6A51-4108-AA02-DFA0A04FC94B}">
-              <ma14:wrappingTextBoxFlag xmlns:ma14="http://schemas.microsoft.com/office/mac/drawingml/2011/main" xmlns="" val="1"/>
+              <ma14:wrappingTextBoxFlag xmlns="" xmlns:ma14="http://schemas.microsoft.com/office/mac/drawingml/2011/main" val="1"/>
             </a:ext>
           </a:extLst>
         </p:spPr>
@@ -9263,7 +9329,7 @@
           </a:ln>
           <a:extLst>
             <a:ext uri="{C572A759-6A51-4108-AA02-DFA0A04FC94B}">
-              <ma14:wrappingTextBoxFlag xmlns:ma14="http://schemas.microsoft.com/office/mac/drawingml/2011/main" xmlns="" val="1"/>
+              <ma14:wrappingTextBoxFlag xmlns="" xmlns:ma14="http://schemas.microsoft.com/office/mac/drawingml/2011/main" val="1"/>
             </a:ext>
           </a:extLst>
         </p:spPr>
@@ -9377,7 +9443,7 @@
           </a:ln>
           <a:extLst>
             <a:ext uri="{C572A759-6A51-4108-AA02-DFA0A04FC94B}">
-              <ma14:wrappingTextBoxFlag xmlns:ma14="http://schemas.microsoft.com/office/mac/drawingml/2011/main" xmlns="" val="1"/>
+              <ma14:wrappingTextBoxFlag xmlns="" xmlns:ma14="http://schemas.microsoft.com/office/mac/drawingml/2011/main" val="1"/>
             </a:ext>
           </a:extLst>
         </p:spPr>
@@ -9421,7 +9487,7 @@
           </a:ln>
           <a:extLst>
             <a:ext uri="{C572A759-6A51-4108-AA02-DFA0A04FC94B}">
-              <ma14:wrappingTextBoxFlag xmlns:ma14="http://schemas.microsoft.com/office/mac/drawingml/2011/main" xmlns="" val="1"/>
+              <ma14:wrappingTextBoxFlag xmlns="" xmlns:ma14="http://schemas.microsoft.com/office/mac/drawingml/2011/main" val="1"/>
             </a:ext>
           </a:extLst>
         </p:spPr>
@@ -9503,7 +9569,7 @@
           </a:ln>
           <a:extLst>
             <a:ext uri="{C572A759-6A51-4108-AA02-DFA0A04FC94B}">
-              <ma14:wrappingTextBoxFlag xmlns:ma14="http://schemas.microsoft.com/office/mac/drawingml/2011/main" xmlns="" val="1"/>
+              <ma14:wrappingTextBoxFlag xmlns="" xmlns:ma14="http://schemas.microsoft.com/office/mac/drawingml/2011/main" val="1"/>
             </a:ext>
           </a:extLst>
         </p:spPr>
@@ -9553,7 +9619,7 @@
           </a:ln>
           <a:extLst>
             <a:ext uri="{C572A759-6A51-4108-AA02-DFA0A04FC94B}">
-              <ma14:wrappingTextBoxFlag xmlns:ma14="http://schemas.microsoft.com/office/mac/drawingml/2011/main" xmlns="" val="1"/>
+              <ma14:wrappingTextBoxFlag xmlns="" xmlns:ma14="http://schemas.microsoft.com/office/mac/drawingml/2011/main" val="1"/>
             </a:ext>
           </a:extLst>
         </p:spPr>
@@ -9667,7 +9733,7 @@
           </a:ln>
           <a:extLst>
             <a:ext uri="{C572A759-6A51-4108-AA02-DFA0A04FC94B}">
-              <ma14:wrappingTextBoxFlag xmlns:ma14="http://schemas.microsoft.com/office/mac/drawingml/2011/main" xmlns="" val="1"/>
+              <ma14:wrappingTextBoxFlag xmlns="" xmlns:ma14="http://schemas.microsoft.com/office/mac/drawingml/2011/main" val="1"/>
             </a:ext>
           </a:extLst>
         </p:spPr>
@@ -9711,7 +9777,7 @@
           </a:ln>
           <a:extLst>
             <a:ext uri="{C572A759-6A51-4108-AA02-DFA0A04FC94B}">
-              <ma14:wrappingTextBoxFlag xmlns:ma14="http://schemas.microsoft.com/office/mac/drawingml/2011/main" xmlns="" val="1"/>
+              <ma14:wrappingTextBoxFlag xmlns="" xmlns:ma14="http://schemas.microsoft.com/office/mac/drawingml/2011/main" val="1"/>
             </a:ext>
           </a:extLst>
         </p:spPr>
@@ -9792,7 +9858,7 @@
           </a:ln>
           <a:extLst>
             <a:ext uri="{C572A759-6A51-4108-AA02-DFA0A04FC94B}">
-              <ma14:wrappingTextBoxFlag xmlns:ma14="http://schemas.microsoft.com/office/mac/drawingml/2011/main" xmlns="" val="1"/>
+              <ma14:wrappingTextBoxFlag xmlns="" xmlns:ma14="http://schemas.microsoft.com/office/mac/drawingml/2011/main" val="1"/>
             </a:ext>
           </a:extLst>
         </p:spPr>
@@ -9863,7 +9929,7 @@
           </a:ln>
           <a:extLst>
             <a:ext uri="{C572A759-6A51-4108-AA02-DFA0A04FC94B}">
-              <ma14:wrappingTextBoxFlag xmlns:ma14="http://schemas.microsoft.com/office/mac/drawingml/2011/main" xmlns="" val="1"/>
+              <ma14:wrappingTextBoxFlag xmlns="" xmlns:ma14="http://schemas.microsoft.com/office/mac/drawingml/2011/main" val="1"/>
             </a:ext>
           </a:extLst>
         </p:spPr>
@@ -9934,7 +10000,7 @@
           </a:ln>
           <a:extLst>
             <a:ext uri="{C572A759-6A51-4108-AA02-DFA0A04FC94B}">
-              <ma14:wrappingTextBoxFlag xmlns:ma14="http://schemas.microsoft.com/office/mac/drawingml/2011/main" xmlns="" val="1"/>
+              <ma14:wrappingTextBoxFlag xmlns="" xmlns:ma14="http://schemas.microsoft.com/office/mac/drawingml/2011/main" val="1"/>
             </a:ext>
           </a:extLst>
         </p:spPr>
@@ -10005,7 +10071,7 @@
           </a:ln>
           <a:extLst>
             <a:ext uri="{C572A759-6A51-4108-AA02-DFA0A04FC94B}">
-              <ma14:wrappingTextBoxFlag xmlns:ma14="http://schemas.microsoft.com/office/mac/drawingml/2011/main" xmlns="" val="1"/>
+              <ma14:wrappingTextBoxFlag xmlns="" xmlns:ma14="http://schemas.microsoft.com/office/mac/drawingml/2011/main" val="1"/>
             </a:ext>
           </a:extLst>
         </p:spPr>
@@ -10076,7 +10142,7 @@
           </a:ln>
           <a:extLst>
             <a:ext uri="{C572A759-6A51-4108-AA02-DFA0A04FC94B}">
-              <ma14:wrappingTextBoxFlag xmlns:ma14="http://schemas.microsoft.com/office/mac/drawingml/2011/main" xmlns="" val="1"/>
+              <ma14:wrappingTextBoxFlag xmlns="" xmlns:ma14="http://schemas.microsoft.com/office/mac/drawingml/2011/main" val="1"/>
             </a:ext>
           </a:extLst>
         </p:spPr>
@@ -10147,7 +10213,7 @@
           </a:ln>
           <a:extLst>
             <a:ext uri="{C572A759-6A51-4108-AA02-DFA0A04FC94B}">
-              <ma14:wrappingTextBoxFlag xmlns:ma14="http://schemas.microsoft.com/office/mac/drawingml/2011/main" xmlns="" val="1"/>
+              <ma14:wrappingTextBoxFlag xmlns="" xmlns:ma14="http://schemas.microsoft.com/office/mac/drawingml/2011/main" val="1"/>
             </a:ext>
           </a:extLst>
         </p:spPr>
@@ -10617,7 +10683,7 @@
           </a:ln>
           <a:extLst>
             <a:ext uri="{C572A759-6A51-4108-AA02-DFA0A04FC94B}">
-              <ma14:wrappingTextBoxFlag xmlns:ma14="http://schemas.microsoft.com/office/mac/drawingml/2011/main" xmlns="" val="1"/>
+              <ma14:wrappingTextBoxFlag xmlns="" xmlns:ma14="http://schemas.microsoft.com/office/mac/drawingml/2011/main" val="1"/>
             </a:ext>
           </a:extLst>
         </p:spPr>
@@ -10660,7 +10726,7 @@
           </a:ln>
           <a:extLst>
             <a:ext uri="{C572A759-6A51-4108-AA02-DFA0A04FC94B}">
-              <ma14:wrappingTextBoxFlag xmlns:ma14="http://schemas.microsoft.com/office/mac/drawingml/2011/main" xmlns="" val="1"/>
+              <ma14:wrappingTextBoxFlag xmlns="" xmlns:ma14="http://schemas.microsoft.com/office/mac/drawingml/2011/main" val="1"/>
             </a:ext>
           </a:extLst>
         </p:spPr>
@@ -10703,7 +10769,7 @@
           </a:ln>
           <a:extLst>
             <a:ext uri="{C572A759-6A51-4108-AA02-DFA0A04FC94B}">
-              <ma14:wrappingTextBoxFlag xmlns:ma14="http://schemas.microsoft.com/office/mac/drawingml/2011/main" xmlns="" val="1"/>
+              <ma14:wrappingTextBoxFlag xmlns="" xmlns:ma14="http://schemas.microsoft.com/office/mac/drawingml/2011/main" val="1"/>
             </a:ext>
           </a:extLst>
         </p:spPr>
@@ -10746,7 +10812,7 @@
           </a:ln>
           <a:extLst>
             <a:ext uri="{C572A759-6A51-4108-AA02-DFA0A04FC94B}">
-              <ma14:wrappingTextBoxFlag xmlns:ma14="http://schemas.microsoft.com/office/mac/drawingml/2011/main" xmlns="" val="1"/>
+              <ma14:wrappingTextBoxFlag xmlns="" xmlns:ma14="http://schemas.microsoft.com/office/mac/drawingml/2011/main" val="1"/>
             </a:ext>
           </a:extLst>
         </p:spPr>
@@ -10789,7 +10855,7 @@
           </a:ln>
           <a:extLst>
             <a:ext uri="{C572A759-6A51-4108-AA02-DFA0A04FC94B}">
-              <ma14:wrappingTextBoxFlag xmlns:ma14="http://schemas.microsoft.com/office/mac/drawingml/2011/main" xmlns="" val="1"/>
+              <ma14:wrappingTextBoxFlag xmlns="" xmlns:ma14="http://schemas.microsoft.com/office/mac/drawingml/2011/main" val="1"/>
             </a:ext>
           </a:extLst>
         </p:spPr>
@@ -10832,7 +10898,7 @@
           </a:ln>
           <a:extLst>
             <a:ext uri="{C572A759-6A51-4108-AA02-DFA0A04FC94B}">
-              <ma14:wrappingTextBoxFlag xmlns:ma14="http://schemas.microsoft.com/office/mac/drawingml/2011/main" xmlns="" val="1"/>
+              <ma14:wrappingTextBoxFlag xmlns="" xmlns:ma14="http://schemas.microsoft.com/office/mac/drawingml/2011/main" val="1"/>
             </a:ext>
           </a:extLst>
         </p:spPr>
@@ -10983,7 +11049,7 @@
           </a:ln>
           <a:extLst>
             <a:ext uri="{C572A759-6A51-4108-AA02-DFA0A04FC94B}">
-              <ma14:wrappingTextBoxFlag xmlns:ma14="http://schemas.microsoft.com/office/mac/drawingml/2011/main" xmlns="" val="1"/>
+              <ma14:wrappingTextBoxFlag xmlns="" xmlns:ma14="http://schemas.microsoft.com/office/mac/drawingml/2011/main" val="1"/>
             </a:ext>
           </a:extLst>
         </p:spPr>
@@ -11173,7 +11239,7 @@
           </a:ln>
           <a:extLst>
             <a:ext uri="{C572A759-6A51-4108-AA02-DFA0A04FC94B}">
-              <ma14:wrappingTextBoxFlag xmlns:ma14="http://schemas.microsoft.com/office/mac/drawingml/2011/main" xmlns="" val="1"/>
+              <ma14:wrappingTextBoxFlag xmlns="" xmlns:ma14="http://schemas.microsoft.com/office/mac/drawingml/2011/main" val="1"/>
             </a:ext>
           </a:extLst>
         </p:spPr>
@@ -11281,7 +11347,7 @@
           </a:ln>
           <a:extLst>
             <a:ext uri="{C572A759-6A51-4108-AA02-DFA0A04FC94B}">
-              <ma14:wrappingTextBoxFlag xmlns:ma14="http://schemas.microsoft.com/office/mac/drawingml/2011/main" xmlns="" val="1"/>
+              <ma14:wrappingTextBoxFlag xmlns="" xmlns:ma14="http://schemas.microsoft.com/office/mac/drawingml/2011/main" val="1"/>
             </a:ext>
           </a:extLst>
         </p:spPr>
@@ -11325,7 +11391,7 @@
           </a:ln>
           <a:extLst>
             <a:ext uri="{C572A759-6A51-4108-AA02-DFA0A04FC94B}">
-              <ma14:wrappingTextBoxFlag xmlns:ma14="http://schemas.microsoft.com/office/mac/drawingml/2011/main" xmlns="" val="1"/>
+              <ma14:wrappingTextBoxFlag xmlns="" xmlns:ma14="http://schemas.microsoft.com/office/mac/drawingml/2011/main" val="1"/>
             </a:ext>
           </a:extLst>
         </p:spPr>
@@ -11406,7 +11472,7 @@
           </a:ln>
           <a:extLst>
             <a:ext uri="{C572A759-6A51-4108-AA02-DFA0A04FC94B}">
-              <ma14:wrappingTextBoxFlag xmlns:ma14="http://schemas.microsoft.com/office/mac/drawingml/2011/main" xmlns="" val="1"/>
+              <ma14:wrappingTextBoxFlag xmlns="" xmlns:ma14="http://schemas.microsoft.com/office/mac/drawingml/2011/main" val="1"/>
             </a:ext>
           </a:extLst>
         </p:spPr>
@@ -11477,7 +11543,7 @@
           </a:ln>
           <a:extLst>
             <a:ext uri="{C572A759-6A51-4108-AA02-DFA0A04FC94B}">
-              <ma14:wrappingTextBoxFlag xmlns:ma14="http://schemas.microsoft.com/office/mac/drawingml/2011/main" xmlns="" val="1"/>
+              <ma14:wrappingTextBoxFlag xmlns="" xmlns:ma14="http://schemas.microsoft.com/office/mac/drawingml/2011/main" val="1"/>
             </a:ext>
           </a:extLst>
         </p:spPr>
@@ -11548,7 +11614,7 @@
           </a:ln>
           <a:extLst>
             <a:ext uri="{C572A759-6A51-4108-AA02-DFA0A04FC94B}">
-              <ma14:wrappingTextBoxFlag xmlns:ma14="http://schemas.microsoft.com/office/mac/drawingml/2011/main" xmlns="" val="1"/>
+              <ma14:wrappingTextBoxFlag xmlns="" xmlns:ma14="http://schemas.microsoft.com/office/mac/drawingml/2011/main" val="1"/>
             </a:ext>
           </a:extLst>
         </p:spPr>
@@ -11619,7 +11685,7 @@
           </a:ln>
           <a:extLst>
             <a:ext uri="{C572A759-6A51-4108-AA02-DFA0A04FC94B}">
-              <ma14:wrappingTextBoxFlag xmlns:ma14="http://schemas.microsoft.com/office/mac/drawingml/2011/main" xmlns="" val="1"/>
+              <ma14:wrappingTextBoxFlag xmlns="" xmlns:ma14="http://schemas.microsoft.com/office/mac/drawingml/2011/main" val="1"/>
             </a:ext>
           </a:extLst>
         </p:spPr>
@@ -11690,7 +11756,7 @@
           </a:ln>
           <a:extLst>
             <a:ext uri="{C572A759-6A51-4108-AA02-DFA0A04FC94B}">
-              <ma14:wrappingTextBoxFlag xmlns:ma14="http://schemas.microsoft.com/office/mac/drawingml/2011/main" xmlns="" val="1"/>
+              <ma14:wrappingTextBoxFlag xmlns="" xmlns:ma14="http://schemas.microsoft.com/office/mac/drawingml/2011/main" val="1"/>
             </a:ext>
           </a:extLst>
         </p:spPr>
@@ -11761,7 +11827,7 @@
           </a:ln>
           <a:extLst>
             <a:ext uri="{C572A759-6A51-4108-AA02-DFA0A04FC94B}">
-              <ma14:wrappingTextBoxFlag xmlns:ma14="http://schemas.microsoft.com/office/mac/drawingml/2011/main" xmlns="" val="1"/>
+              <ma14:wrappingTextBoxFlag xmlns="" xmlns:ma14="http://schemas.microsoft.com/office/mac/drawingml/2011/main" val="1"/>
             </a:ext>
           </a:extLst>
         </p:spPr>
@@ -12231,7 +12297,7 @@
           </a:ln>
           <a:extLst>
             <a:ext uri="{C572A759-6A51-4108-AA02-DFA0A04FC94B}">
-              <ma14:wrappingTextBoxFlag xmlns:ma14="http://schemas.microsoft.com/office/mac/drawingml/2011/main" xmlns="" val="1"/>
+              <ma14:wrappingTextBoxFlag xmlns="" xmlns:ma14="http://schemas.microsoft.com/office/mac/drawingml/2011/main" val="1"/>
             </a:ext>
           </a:extLst>
         </p:spPr>
@@ -12274,7 +12340,7 @@
           </a:ln>
           <a:extLst>
             <a:ext uri="{C572A759-6A51-4108-AA02-DFA0A04FC94B}">
-              <ma14:wrappingTextBoxFlag xmlns:ma14="http://schemas.microsoft.com/office/mac/drawingml/2011/main" xmlns="" val="1"/>
+              <ma14:wrappingTextBoxFlag xmlns="" xmlns:ma14="http://schemas.microsoft.com/office/mac/drawingml/2011/main" val="1"/>
             </a:ext>
           </a:extLst>
         </p:spPr>
@@ -12317,7 +12383,7 @@
           </a:ln>
           <a:extLst>
             <a:ext uri="{C572A759-6A51-4108-AA02-DFA0A04FC94B}">
-              <ma14:wrappingTextBoxFlag xmlns:ma14="http://schemas.microsoft.com/office/mac/drawingml/2011/main" xmlns="" val="1"/>
+              <ma14:wrappingTextBoxFlag xmlns="" xmlns:ma14="http://schemas.microsoft.com/office/mac/drawingml/2011/main" val="1"/>
             </a:ext>
           </a:extLst>
         </p:spPr>
@@ -12360,7 +12426,7 @@
           </a:ln>
           <a:extLst>
             <a:ext uri="{C572A759-6A51-4108-AA02-DFA0A04FC94B}">
-              <ma14:wrappingTextBoxFlag xmlns:ma14="http://schemas.microsoft.com/office/mac/drawingml/2011/main" xmlns="" val="1"/>
+              <ma14:wrappingTextBoxFlag xmlns="" xmlns:ma14="http://schemas.microsoft.com/office/mac/drawingml/2011/main" val="1"/>
             </a:ext>
           </a:extLst>
         </p:spPr>
@@ -12403,7 +12469,7 @@
           </a:ln>
           <a:extLst>
             <a:ext uri="{C572A759-6A51-4108-AA02-DFA0A04FC94B}">
-              <ma14:wrappingTextBoxFlag xmlns:ma14="http://schemas.microsoft.com/office/mac/drawingml/2011/main" xmlns="" val="1"/>
+              <ma14:wrappingTextBoxFlag xmlns="" xmlns:ma14="http://schemas.microsoft.com/office/mac/drawingml/2011/main" val="1"/>
             </a:ext>
           </a:extLst>
         </p:spPr>
@@ -12446,7 +12512,7 @@
           </a:ln>
           <a:extLst>
             <a:ext uri="{C572A759-6A51-4108-AA02-DFA0A04FC94B}">
-              <ma14:wrappingTextBoxFlag xmlns:ma14="http://schemas.microsoft.com/office/mac/drawingml/2011/main" xmlns="" val="1"/>
+              <ma14:wrappingTextBoxFlag xmlns="" xmlns:ma14="http://schemas.microsoft.com/office/mac/drawingml/2011/main" val="1"/>
             </a:ext>
           </a:extLst>
         </p:spPr>
@@ -12489,7 +12555,7 @@
           </a:ln>
           <a:extLst>
             <a:ext uri="{C572A759-6A51-4108-AA02-DFA0A04FC94B}">
-              <ma14:wrappingTextBoxFlag xmlns:ma14="http://schemas.microsoft.com/office/mac/drawingml/2011/main" xmlns="" val="1"/>
+              <ma14:wrappingTextBoxFlag xmlns="" xmlns:ma14="http://schemas.microsoft.com/office/mac/drawingml/2011/main" val="1"/>
             </a:ext>
           </a:extLst>
         </p:spPr>
@@ -12565,7 +12631,7 @@
           </a:ln>
           <a:extLst>
             <a:ext uri="{C572A759-6A51-4108-AA02-DFA0A04FC94B}">
-              <ma14:wrappingTextBoxFlag xmlns:ma14="http://schemas.microsoft.com/office/mac/drawingml/2011/main" xmlns="" val="1"/>
+              <ma14:wrappingTextBoxFlag xmlns="" xmlns:ma14="http://schemas.microsoft.com/office/mac/drawingml/2011/main" val="1"/>
             </a:ext>
           </a:extLst>
         </p:spPr>
@@ -12647,7 +12713,7 @@
           </a:ln>
           <a:extLst>
             <a:ext uri="{C572A759-6A51-4108-AA02-DFA0A04FC94B}">
-              <ma14:wrappingTextBoxFlag xmlns:ma14="http://schemas.microsoft.com/office/mac/drawingml/2011/main" xmlns="" val="1"/>
+              <ma14:wrappingTextBoxFlag xmlns="" xmlns:ma14="http://schemas.microsoft.com/office/mac/drawingml/2011/main" val="1"/>
             </a:ext>
           </a:extLst>
         </p:spPr>
@@ -12701,7 +12767,7 @@
           </a:ln>
           <a:extLst>
             <a:ext uri="{C572A759-6A51-4108-AA02-DFA0A04FC94B}">
-              <ma14:wrappingTextBoxFlag xmlns:ma14="http://schemas.microsoft.com/office/mac/drawingml/2011/main" xmlns="" val="1"/>
+              <ma14:wrappingTextBoxFlag xmlns="" xmlns:ma14="http://schemas.microsoft.com/office/mac/drawingml/2011/main" val="1"/>
             </a:ext>
           </a:extLst>
         </p:spPr>
@@ -12820,7 +12886,7 @@
           </a:ln>
           <a:extLst>
             <a:ext uri="{C572A759-6A51-4108-AA02-DFA0A04FC94B}">
-              <ma14:wrappingTextBoxFlag xmlns:ma14="http://schemas.microsoft.com/office/mac/drawingml/2011/main" xmlns="" val="1"/>
+              <ma14:wrappingTextBoxFlag xmlns="" xmlns:ma14="http://schemas.microsoft.com/office/mac/drawingml/2011/main" val="1"/>
             </a:ext>
           </a:extLst>
         </p:spPr>
@@ -12864,7 +12930,7 @@
           </a:ln>
           <a:extLst>
             <a:ext uri="{C572A759-6A51-4108-AA02-DFA0A04FC94B}">
-              <ma14:wrappingTextBoxFlag xmlns:ma14="http://schemas.microsoft.com/office/mac/drawingml/2011/main" xmlns="" val="1"/>
+              <ma14:wrappingTextBoxFlag xmlns="" xmlns:ma14="http://schemas.microsoft.com/office/mac/drawingml/2011/main" val="1"/>
             </a:ext>
           </a:extLst>
         </p:spPr>
@@ -12917,7 +12983,7 @@
           </a:ln>
           <a:extLst>
             <a:ext uri="{C572A759-6A51-4108-AA02-DFA0A04FC94B}">
-              <ma14:wrappingTextBoxFlag xmlns:ma14="http://schemas.microsoft.com/office/mac/drawingml/2011/main" xmlns="" val="1"/>
+              <ma14:wrappingTextBoxFlag xmlns="" xmlns:ma14="http://schemas.microsoft.com/office/mac/drawingml/2011/main" val="1"/>
             </a:ext>
           </a:extLst>
         </p:spPr>
@@ -12991,7 +13057,7 @@
           </a:ln>
           <a:extLst>
             <a:ext uri="{C572A759-6A51-4108-AA02-DFA0A04FC94B}">
-              <ma14:wrappingTextBoxFlag xmlns:ma14="http://schemas.microsoft.com/office/mac/drawingml/2011/main" xmlns="" val="1"/>
+              <ma14:wrappingTextBoxFlag xmlns="" xmlns:ma14="http://schemas.microsoft.com/office/mac/drawingml/2011/main" val="1"/>
             </a:ext>
           </a:extLst>
         </p:spPr>
@@ -13105,7 +13171,7 @@
           </a:ln>
           <a:extLst>
             <a:ext uri="{C572A759-6A51-4108-AA02-DFA0A04FC94B}">
-              <ma14:wrappingTextBoxFlag xmlns:ma14="http://schemas.microsoft.com/office/mac/drawingml/2011/main" xmlns="" val="1"/>
+              <ma14:wrappingTextBoxFlag xmlns="" xmlns:ma14="http://schemas.microsoft.com/office/mac/drawingml/2011/main" val="1"/>
             </a:ext>
           </a:extLst>
         </p:spPr>
@@ -13149,7 +13215,7 @@
           </a:ln>
           <a:extLst>
             <a:ext uri="{C572A759-6A51-4108-AA02-DFA0A04FC94B}">
-              <ma14:wrappingTextBoxFlag xmlns:ma14="http://schemas.microsoft.com/office/mac/drawingml/2011/main" xmlns="" val="1"/>
+              <ma14:wrappingTextBoxFlag xmlns="" xmlns:ma14="http://schemas.microsoft.com/office/mac/drawingml/2011/main" val="1"/>
             </a:ext>
           </a:extLst>
         </p:spPr>
@@ -13202,7 +13268,7 @@
           </a:ln>
           <a:extLst>
             <a:ext uri="{C572A759-6A51-4108-AA02-DFA0A04FC94B}">
-              <ma14:wrappingTextBoxFlag xmlns:ma14="http://schemas.microsoft.com/office/mac/drawingml/2011/main" xmlns="" val="1"/>
+              <ma14:wrappingTextBoxFlag xmlns="" xmlns:ma14="http://schemas.microsoft.com/office/mac/drawingml/2011/main" val="1"/>
             </a:ext>
           </a:extLst>
         </p:spPr>
@@ -13255,7 +13321,7 @@
           </a:ln>
           <a:extLst>
             <a:ext uri="{C572A759-6A51-4108-AA02-DFA0A04FC94B}">
-              <ma14:wrappingTextBoxFlag xmlns:ma14="http://schemas.microsoft.com/office/mac/drawingml/2011/main" xmlns="" val="1"/>
+              <ma14:wrappingTextBoxFlag xmlns="" xmlns:ma14="http://schemas.microsoft.com/office/mac/drawingml/2011/main" val="1"/>
             </a:ext>
           </a:extLst>
         </p:spPr>
@@ -13308,7 +13374,7 @@
           </a:ln>
           <a:extLst>
             <a:ext uri="{C572A759-6A51-4108-AA02-DFA0A04FC94B}">
-              <ma14:wrappingTextBoxFlag xmlns:ma14="http://schemas.microsoft.com/office/mac/drawingml/2011/main" xmlns="" val="1"/>
+              <ma14:wrappingTextBoxFlag xmlns="" xmlns:ma14="http://schemas.microsoft.com/office/mac/drawingml/2011/main" val="1"/>
             </a:ext>
           </a:extLst>
         </p:spPr>
@@ -13362,7 +13428,7 @@
           </a:ln>
           <a:extLst>
             <a:ext uri="{C572A759-6A51-4108-AA02-DFA0A04FC94B}">
-              <ma14:wrappingTextBoxFlag xmlns:ma14="http://schemas.microsoft.com/office/mac/drawingml/2011/main" xmlns="" val="1"/>
+              <ma14:wrappingTextBoxFlag xmlns="" xmlns:ma14="http://schemas.microsoft.com/office/mac/drawingml/2011/main" val="1"/>
             </a:ext>
           </a:extLst>
         </p:spPr>
@@ -13705,7 +13771,7 @@
           </a:ln>
           <a:extLst>
             <a:ext uri="{C572A759-6A51-4108-AA02-DFA0A04FC94B}">
-              <ma14:wrappingTextBoxFlag xmlns:ma14="http://schemas.microsoft.com/office/mac/drawingml/2011/main" xmlns="" val="1"/>
+              <ma14:wrappingTextBoxFlag xmlns="" xmlns:ma14="http://schemas.microsoft.com/office/mac/drawingml/2011/main" val="1"/>
             </a:ext>
           </a:extLst>
         </p:spPr>
@@ -14284,7 +14350,7 @@
           </a:ln>
           <a:extLst>
             <a:ext uri="{C572A759-6A51-4108-AA02-DFA0A04FC94B}">
-              <ma14:wrappingTextBoxFlag xmlns:ma14="http://schemas.microsoft.com/office/mac/drawingml/2011/main" xmlns="" val="1"/>
+              <ma14:wrappingTextBoxFlag xmlns="" xmlns:ma14="http://schemas.microsoft.com/office/mac/drawingml/2011/main" val="1"/>
             </a:ext>
           </a:extLst>
         </p:spPr>
@@ -14394,7 +14460,7 @@
           </a:ln>
           <a:extLst>
             <a:ext uri="{C572A759-6A51-4108-AA02-DFA0A04FC94B}">
-              <ma14:wrappingTextBoxFlag xmlns:ma14="http://schemas.microsoft.com/office/mac/drawingml/2011/main" xmlns="" val="1"/>
+              <ma14:wrappingTextBoxFlag xmlns="" xmlns:ma14="http://schemas.microsoft.com/office/mac/drawingml/2011/main" val="1"/>
             </a:ext>
           </a:extLst>
         </p:spPr>
@@ -14438,7 +14504,7 @@
           </a:ln>
           <a:extLst>
             <a:ext uri="{C572A759-6A51-4108-AA02-DFA0A04FC94B}">
-              <ma14:wrappingTextBoxFlag xmlns:ma14="http://schemas.microsoft.com/office/mac/drawingml/2011/main" xmlns="" val="1"/>
+              <ma14:wrappingTextBoxFlag xmlns="" xmlns:ma14="http://schemas.microsoft.com/office/mac/drawingml/2011/main" val="1"/>
             </a:ext>
           </a:extLst>
         </p:spPr>
@@ -14485,7 +14551,7 @@
           </a:ln>
           <a:extLst>
             <a:ext uri="{C572A759-6A51-4108-AA02-DFA0A04FC94B}">
-              <ma14:wrappingTextBoxFlag xmlns:ma14="http://schemas.microsoft.com/office/mac/drawingml/2011/main" xmlns="" val="1"/>
+              <ma14:wrappingTextBoxFlag xmlns="" xmlns:ma14="http://schemas.microsoft.com/office/mac/drawingml/2011/main" val="1"/>
             </a:ext>
           </a:extLst>
         </p:spPr>
@@ -14528,7 +14594,7 @@
           <p:nvPr/>
         </p:nvPicPr>
         <p:blipFill>
-          <a:blip r:embed="rId2">
+          <a:blip r:embed="rId3">
             <a:extLst/>
           </a:blip>
           <a:stretch>
@@ -14557,7 +14623,7 @@
           <p:nvPr/>
         </p:nvPicPr>
         <p:blipFill>
-          <a:blip r:embed="rId3">
+          <a:blip r:embed="rId4">
             <a:extLst/>
           </a:blip>
           <a:stretch>
@@ -14596,7 +14662,7 @@
           </a:ln>
           <a:extLst>
             <a:ext uri="{C572A759-6A51-4108-AA02-DFA0A04FC94B}">
-              <ma14:wrappingTextBoxFlag xmlns:ma14="http://schemas.microsoft.com/office/mac/drawingml/2011/main" xmlns="" val="1"/>
+              <ma14:wrappingTextBoxFlag xmlns="" xmlns:ma14="http://schemas.microsoft.com/office/mac/drawingml/2011/main" val="1"/>
             </a:ext>
           </a:extLst>
         </p:spPr>
@@ -14640,7 +14706,7 @@
           <p:nvPr/>
         </p:nvPicPr>
         <p:blipFill>
-          <a:blip r:embed="rId4">
+          <a:blip r:embed="rId5">
             <a:extLst/>
           </a:blip>
           <a:stretch>
@@ -14669,7 +14735,7 @@
           <p:nvPr/>
         </p:nvPicPr>
         <p:blipFill>
-          <a:blip r:embed="rId5">
+          <a:blip r:embed="rId6">
             <a:extLst/>
           </a:blip>
           <a:stretch>
@@ -14720,6 +14786,144 @@
           </a:p>
         </p:txBody>
       </p:sp>
+      <p:sp>
+        <p:nvSpPr>
+          <p:cNvPr id="13" name="矩形 12"/>
+          <p:cNvSpPr/>
+          <p:nvPr/>
+        </p:nvSpPr>
+        <p:spPr>
+          <a:xfrm rot="5400000">
+            <a:off x="1921028" y="3792942"/>
+            <a:ext cx="771310" cy="3775166"/>
+          </a:xfrm>
+          <a:prstGeom prst="rect">
+            <a:avLst/>
+          </a:prstGeom>
+          <a:solidFill>
+            <a:schemeClr val="bg1"/>
+          </a:solidFill>
+          <a:ln w="25400" cap="flat">
+            <a:solidFill>
+              <a:schemeClr val="bg1"/>
+            </a:solidFill>
+            <a:prstDash val="solid"/>
+            <a:round/>
+          </a:ln>
+          <a:effectLst/>
+          <a:sp3d/>
+        </p:spPr>
+        <p:style>
+          <a:lnRef idx="0">
+            <a:scrgbClr r="0" g="0" b="0"/>
+          </a:lnRef>
+          <a:fillRef idx="0">
+            <a:scrgbClr r="0" g="0" b="0"/>
+          </a:fillRef>
+          <a:effectRef idx="0">
+            <a:scrgbClr r="0" g="0" b="0"/>
+          </a:effectRef>
+          <a:fontRef idx="none"/>
+        </p:style>
+        <p:txBody>
+          <a:bodyPr rot="0" spcFirstLastPara="1" vertOverflow="overflow" horzOverflow="overflow" vert="horz" wrap="square" lIns="45718" tIns="45718" rIns="45718" bIns="45718" numCol="1" spcCol="38100" rtlCol="0" anchor="ctr">
+            <a:spAutoFit/>
+          </a:bodyPr>
+          <a:lstStyle/>
+          <a:p>
+            <a:pPr marL="0" marR="0" indent="0" algn="just" defTabSz="914400" rtl="0" fontAlgn="auto" latinLnBrk="0" hangingPunct="0">
+              <a:lnSpc>
+                <a:spcPct val="100000"/>
+              </a:lnSpc>
+              <a:spcBef>
+                <a:spcPts val="0"/>
+              </a:spcBef>
+              <a:spcAft>
+                <a:spcPts val="0"/>
+              </a:spcAft>
+              <a:buClrTx/>
+              <a:buSzTx/>
+              <a:buFontTx/>
+              <a:buNone/>
+              <a:tabLst/>
+            </a:pPr>
+            <a:endParaRPr kumimoji="0" lang="zh-CN" altLang="en-US" sz="2000" b="1" i="0" u="none" strike="noStrike" cap="none" spc="0" normalizeH="0" baseline="0">
+              <a:ln>
+                <a:noFill/>
+              </a:ln>
+              <a:solidFill>
+                <a:srgbClr val="FFFFFF"/>
+              </a:solidFill>
+              <a:effectLst/>
+              <a:uFillTx/>
+              <a:latin typeface="+mn-lt"/>
+              <a:ea typeface="+mn-ea"/>
+              <a:cs typeface="+mn-cs"/>
+              <a:sym typeface="Calibri"/>
+            </a:endParaRPr>
+          </a:p>
+        </p:txBody>
+      </p:sp>
+      <p:pic>
+        <p:nvPicPr>
+          <p:cNvPr id="2" name="图片 1"/>
+          <p:cNvPicPr>
+            <a:picLocks noChangeAspect="1"/>
+          </p:cNvPicPr>
+          <p:nvPr/>
+        </p:nvPicPr>
+        <p:blipFill>
+          <a:blip r:embed="rId7">
+            <a:extLst>
+              <a:ext uri="{28A0092B-C50C-407E-A947-70E740481C1C}">
+                <a14:useLocalDpi xmlns:a14="http://schemas.microsoft.com/office/drawing/2010/main" val="0"/>
+              </a:ext>
+            </a:extLst>
+          </a:blip>
+          <a:stretch>
+            <a:fillRect/>
+          </a:stretch>
+        </p:blipFill>
+        <p:spPr>
+          <a:xfrm>
+            <a:off x="1585945" y="5493787"/>
+            <a:ext cx="6860188" cy="500840"/>
+          </a:xfrm>
+          <a:prstGeom prst="rect">
+            <a:avLst/>
+          </a:prstGeom>
+        </p:spPr>
+      </p:pic>
+      <p:pic>
+        <p:nvPicPr>
+          <p:cNvPr id="3" name="图片 2"/>
+          <p:cNvPicPr>
+            <a:picLocks noChangeAspect="1"/>
+          </p:cNvPicPr>
+          <p:nvPr/>
+        </p:nvPicPr>
+        <p:blipFill>
+          <a:blip r:embed="rId8">
+            <a:extLst>
+              <a:ext uri="{28A0092B-C50C-407E-A947-70E740481C1C}">
+                <a14:useLocalDpi xmlns:a14="http://schemas.microsoft.com/office/drawing/2010/main" val="0"/>
+              </a:ext>
+            </a:extLst>
+          </a:blip>
+          <a:stretch>
+            <a:fillRect/>
+          </a:stretch>
+        </p:blipFill>
+        <p:spPr>
+          <a:xfrm>
+            <a:off x="1635601" y="5911793"/>
+            <a:ext cx="8020319" cy="465231"/>
+          </a:xfrm>
+          <a:prstGeom prst="rect">
+            <a:avLst/>
+          </a:prstGeom>
+        </p:spPr>
+      </p:pic>
     </p:spTree>
   </p:cSld>
   <p:clrMapOvr>
@@ -14833,6 +15037,96 @@
                       </p:childTnLst>
                     </p:cTn>
                   </p:par>
+                  <p:par>
+                    <p:cTn id="11" fill="hold">
+                      <p:stCondLst>
+                        <p:cond delay="indefinite"/>
+                      </p:stCondLst>
+                      <p:childTnLst>
+                        <p:par>
+                          <p:cTn id="12" fill="hold">
+                            <p:stCondLst>
+                              <p:cond delay="0"/>
+                            </p:stCondLst>
+                            <p:childTnLst>
+                              <p:par>
+                                <p:cTn id="13" presetID="1" presetClass="entr" presetSubtype="0" fill="hold" nodeType="clickEffect">
+                                  <p:stCondLst>
+                                    <p:cond delay="0"/>
+                                  </p:stCondLst>
+                                  <p:childTnLst>
+                                    <p:set>
+                                      <p:cBhvr>
+                                        <p:cTn id="14" dur="1" fill="hold">
+                                          <p:stCondLst>
+                                            <p:cond delay="0"/>
+                                          </p:stCondLst>
+                                        </p:cTn>
+                                        <p:tgtEl>
+                                          <p:spTgt spid="2"/>
+                                        </p:tgtEl>
+                                        <p:attrNameLst>
+                                          <p:attrName>style.visibility</p:attrName>
+                                        </p:attrNameLst>
+                                      </p:cBhvr>
+                                      <p:to>
+                                        <p:strVal val="visible"/>
+                                      </p:to>
+                                    </p:set>
+                                  </p:childTnLst>
+                                </p:cTn>
+                              </p:par>
+                            </p:childTnLst>
+                          </p:cTn>
+                        </p:par>
+                      </p:childTnLst>
+                    </p:cTn>
+                  </p:par>
+                  <p:par>
+                    <p:cTn id="15" fill="hold">
+                      <p:stCondLst>
+                        <p:cond delay="indefinite"/>
+                      </p:stCondLst>
+                      <p:childTnLst>
+                        <p:par>
+                          <p:cTn id="16" fill="hold">
+                            <p:stCondLst>
+                              <p:cond delay="0"/>
+                            </p:stCondLst>
+                            <p:childTnLst>
+                              <p:par>
+                                <p:cTn id="17" presetID="1" presetClass="entr" presetSubtype="0" fill="hold" nodeType="clickEffect">
+                                  <p:stCondLst>
+                                    <p:cond delay="0"/>
+                                  </p:stCondLst>
+                                  <p:childTnLst>
+                                    <p:set>
+                                      <p:cBhvr>
+                                        <p:cTn id="18" dur="1" fill="hold">
+                                          <p:stCondLst>
+                                            <p:cond delay="0"/>
+                                          </p:stCondLst>
+                                        </p:cTn>
+                                        <p:tgtEl>
+                                          <p:spTgt spid="3"/>
+                                        </p:tgtEl>
+                                        <p:attrNameLst>
+                                          <p:attrName>style.visibility</p:attrName>
+                                        </p:attrNameLst>
+                                      </p:cBhvr>
+                                      <p:to>
+                                        <p:strVal val="visible"/>
+                                      </p:to>
+                                    </p:set>
+                                  </p:childTnLst>
+                                </p:cTn>
+                              </p:par>
+                            </p:childTnLst>
+                          </p:cTn>
+                        </p:par>
+                      </p:childTnLst>
+                    </p:cTn>
+                  </p:par>
                 </p:childTnLst>
               </p:cTn>
               <p:prevCondLst>
@@ -14929,7 +15223,7 @@
           </a:ln>
           <a:extLst>
             <a:ext uri="{C572A759-6A51-4108-AA02-DFA0A04FC94B}">
-              <ma14:wrappingTextBoxFlag xmlns:ma14="http://schemas.microsoft.com/office/mac/drawingml/2011/main" xmlns="" val="1"/>
+              <ma14:wrappingTextBoxFlag xmlns="" xmlns:ma14="http://schemas.microsoft.com/office/mac/drawingml/2011/main" val="1"/>
             </a:ext>
           </a:extLst>
         </p:spPr>
@@ -14973,7 +15267,7 @@
           </a:ln>
           <a:extLst>
             <a:ext uri="{C572A759-6A51-4108-AA02-DFA0A04FC94B}">
-              <ma14:wrappingTextBoxFlag xmlns:ma14="http://schemas.microsoft.com/office/mac/drawingml/2011/main" xmlns="" val="1"/>
+              <ma14:wrappingTextBoxFlag xmlns="" xmlns:ma14="http://schemas.microsoft.com/office/mac/drawingml/2011/main" val="1"/>
             </a:ext>
           </a:extLst>
         </p:spPr>
@@ -15020,7 +15314,7 @@
           </a:ln>
           <a:extLst>
             <a:ext uri="{C572A759-6A51-4108-AA02-DFA0A04FC94B}">
-              <ma14:wrappingTextBoxFlag xmlns:ma14="http://schemas.microsoft.com/office/mac/drawingml/2011/main" xmlns="" val="1"/>
+              <ma14:wrappingTextBoxFlag xmlns="" xmlns:ma14="http://schemas.microsoft.com/office/mac/drawingml/2011/main" val="1"/>
             </a:ext>
           </a:extLst>
         </p:spPr>
@@ -15167,7 +15461,7 @@
           </a:ln>
           <a:extLst>
             <a:ext uri="{C572A759-6A51-4108-AA02-DFA0A04FC94B}">
-              <ma14:wrappingTextBoxFlag xmlns:ma14="http://schemas.microsoft.com/office/mac/drawingml/2011/main" xmlns="" val="1"/>
+              <ma14:wrappingTextBoxFlag xmlns="" xmlns:ma14="http://schemas.microsoft.com/office/mac/drawingml/2011/main" val="1"/>
             </a:ext>
           </a:extLst>
         </p:spPr>
@@ -15211,7 +15505,7 @@
           </a:ln>
           <a:extLst>
             <a:ext uri="{C572A759-6A51-4108-AA02-DFA0A04FC94B}">
-              <ma14:wrappingTextBoxFlag xmlns:ma14="http://schemas.microsoft.com/office/mac/drawingml/2011/main" xmlns="" val="1"/>
+              <ma14:wrappingTextBoxFlag xmlns="" xmlns:ma14="http://schemas.microsoft.com/office/mac/drawingml/2011/main" val="1"/>
             </a:ext>
           </a:extLst>
         </p:spPr>
@@ -15258,7 +15552,7 @@
           </a:ln>
           <a:extLst>
             <a:ext uri="{C572A759-6A51-4108-AA02-DFA0A04FC94B}">
-              <ma14:wrappingTextBoxFlag xmlns:ma14="http://schemas.microsoft.com/office/mac/drawingml/2011/main" xmlns="" val="1"/>
+              <ma14:wrappingTextBoxFlag xmlns="" xmlns:ma14="http://schemas.microsoft.com/office/mac/drawingml/2011/main" val="1"/>
             </a:ext>
           </a:extLst>
         </p:spPr>
@@ -15405,7 +15699,7 @@
           </a:ln>
           <a:extLst>
             <a:ext uri="{C572A759-6A51-4108-AA02-DFA0A04FC94B}">
-              <ma14:wrappingTextBoxFlag xmlns:ma14="http://schemas.microsoft.com/office/mac/drawingml/2011/main" xmlns="" val="1"/>
+              <ma14:wrappingTextBoxFlag xmlns="" xmlns:ma14="http://schemas.microsoft.com/office/mac/drawingml/2011/main" val="1"/>
             </a:ext>
           </a:extLst>
         </p:spPr>
@@ -15449,7 +15743,7 @@
           </a:ln>
           <a:extLst>
             <a:ext uri="{C572A759-6A51-4108-AA02-DFA0A04FC94B}">
-              <ma14:wrappingTextBoxFlag xmlns:ma14="http://schemas.microsoft.com/office/mac/drawingml/2011/main" xmlns="" val="1"/>
+              <ma14:wrappingTextBoxFlag xmlns="" xmlns:ma14="http://schemas.microsoft.com/office/mac/drawingml/2011/main" val="1"/>
             </a:ext>
           </a:extLst>
         </p:spPr>
@@ -15496,7 +15790,7 @@
           </a:ln>
           <a:extLst>
             <a:ext uri="{C572A759-6A51-4108-AA02-DFA0A04FC94B}">
-              <ma14:wrappingTextBoxFlag xmlns:ma14="http://schemas.microsoft.com/office/mac/drawingml/2011/main" xmlns="" val="1"/>
+              <ma14:wrappingTextBoxFlag xmlns="" xmlns:ma14="http://schemas.microsoft.com/office/mac/drawingml/2011/main" val="1"/>
             </a:ext>
           </a:extLst>
         </p:spPr>
@@ -15550,7 +15844,7 @@
           </a:ln>
           <a:extLst>
             <a:ext uri="{C572A759-6A51-4108-AA02-DFA0A04FC94B}">
-              <ma14:wrappingTextBoxFlag xmlns:ma14="http://schemas.microsoft.com/office/mac/drawingml/2011/main" xmlns="" val="1"/>
+              <ma14:wrappingTextBoxFlag xmlns="" xmlns:ma14="http://schemas.microsoft.com/office/mac/drawingml/2011/main" val="1"/>
             </a:ext>
           </a:extLst>
         </p:spPr>
@@ -15778,7 +16072,7 @@
           </a:ln>
           <a:extLst>
             <a:ext uri="{C572A759-6A51-4108-AA02-DFA0A04FC94B}">
-              <ma14:wrappingTextBoxFlag xmlns:ma14="http://schemas.microsoft.com/office/mac/drawingml/2011/main" xmlns="" val="1"/>
+              <ma14:wrappingTextBoxFlag xmlns="" xmlns:ma14="http://schemas.microsoft.com/office/mac/drawingml/2011/main" val="1"/>
             </a:ext>
           </a:extLst>
         </p:spPr>
@@ -15887,7 +16181,7 @@
           </a:ln>
           <a:extLst>
             <a:ext uri="{C572A759-6A51-4108-AA02-DFA0A04FC94B}">
-              <ma14:wrappingTextBoxFlag xmlns:ma14="http://schemas.microsoft.com/office/mac/drawingml/2011/main" xmlns="" val="1"/>
+              <ma14:wrappingTextBoxFlag xmlns="" xmlns:ma14="http://schemas.microsoft.com/office/mac/drawingml/2011/main" val="1"/>
             </a:ext>
           </a:extLst>
         </p:spPr>
@@ -15931,7 +16225,7 @@
           </a:ln>
           <a:extLst>
             <a:ext uri="{C572A759-6A51-4108-AA02-DFA0A04FC94B}">
-              <ma14:wrappingTextBoxFlag xmlns:ma14="http://schemas.microsoft.com/office/mac/drawingml/2011/main" xmlns="" val="1"/>
+              <ma14:wrappingTextBoxFlag xmlns="" xmlns:ma14="http://schemas.microsoft.com/office/mac/drawingml/2011/main" val="1"/>
             </a:ext>
           </a:extLst>
         </p:spPr>
@@ -15978,7 +16272,7 @@
           </a:ln>
           <a:extLst>
             <a:ext uri="{C572A759-6A51-4108-AA02-DFA0A04FC94B}">
-              <ma14:wrappingTextBoxFlag xmlns:ma14="http://schemas.microsoft.com/office/mac/drawingml/2011/main" xmlns="" val="1"/>
+              <ma14:wrappingTextBoxFlag xmlns="" xmlns:ma14="http://schemas.microsoft.com/office/mac/drawingml/2011/main" val="1"/>
             </a:ext>
           </a:extLst>
         </p:spPr>
@@ -16244,7 +16538,7 @@
           </a:ln>
           <a:extLst>
             <a:ext uri="{C572A759-6A51-4108-AA02-DFA0A04FC94B}">
-              <ma14:wrappingTextBoxFlag xmlns:ma14="http://schemas.microsoft.com/office/mac/drawingml/2011/main" xmlns="" val="1"/>
+              <ma14:wrappingTextBoxFlag xmlns="" xmlns:ma14="http://schemas.microsoft.com/office/mac/drawingml/2011/main" val="1"/>
             </a:ext>
           </a:extLst>
         </p:spPr>
@@ -16387,7 +16681,7 @@
           </a:ln>
           <a:extLst>
             <a:ext uri="{C572A759-6A51-4108-AA02-DFA0A04FC94B}">
-              <ma14:wrappingTextBoxFlag xmlns:ma14="http://schemas.microsoft.com/office/mac/drawingml/2011/main" xmlns="" val="1"/>
+              <ma14:wrappingTextBoxFlag xmlns="" xmlns:ma14="http://schemas.microsoft.com/office/mac/drawingml/2011/main" val="1"/>
             </a:ext>
           </a:extLst>
         </p:spPr>
@@ -16495,7 +16789,7 @@
           </a:ln>
           <a:extLst>
             <a:ext uri="{C572A759-6A51-4108-AA02-DFA0A04FC94B}">
-              <ma14:wrappingTextBoxFlag xmlns:ma14="http://schemas.microsoft.com/office/mac/drawingml/2011/main" xmlns="" val="1"/>
+              <ma14:wrappingTextBoxFlag xmlns="" xmlns:ma14="http://schemas.microsoft.com/office/mac/drawingml/2011/main" val="1"/>
             </a:ext>
           </a:extLst>
         </p:spPr>
@@ -16572,7 +16866,7 @@
           </a:ln>
           <a:extLst>
             <a:ext uri="{C572A759-6A51-4108-AA02-DFA0A04FC94B}">
-              <ma14:wrappingTextBoxFlag xmlns:ma14="http://schemas.microsoft.com/office/mac/drawingml/2011/main" xmlns="" val="1"/>
+              <ma14:wrappingTextBoxFlag xmlns="" xmlns:ma14="http://schemas.microsoft.com/office/mac/drawingml/2011/main" val="1"/>
             </a:ext>
           </a:extLst>
         </p:spPr>
@@ -16680,7 +16974,7 @@
           </a:ln>
           <a:extLst>
             <a:ext uri="{C572A759-6A51-4108-AA02-DFA0A04FC94B}">
-              <ma14:wrappingTextBoxFlag xmlns:ma14="http://schemas.microsoft.com/office/mac/drawingml/2011/main" xmlns="" val="1"/>
+              <ma14:wrappingTextBoxFlag xmlns="" xmlns:ma14="http://schemas.microsoft.com/office/mac/drawingml/2011/main" val="1"/>
             </a:ext>
           </a:extLst>
         </p:spPr>
@@ -16757,7 +17051,7 @@
           </a:ln>
           <a:extLst>
             <a:ext uri="{C572A759-6A51-4108-AA02-DFA0A04FC94B}">
-              <ma14:wrappingTextBoxFlag xmlns:ma14="http://schemas.microsoft.com/office/mac/drawingml/2011/main" xmlns="" val="1"/>
+              <ma14:wrappingTextBoxFlag xmlns="" xmlns:ma14="http://schemas.microsoft.com/office/mac/drawingml/2011/main" val="1"/>
             </a:ext>
           </a:extLst>
         </p:spPr>
@@ -16804,7 +17098,7 @@
           </a:ln>
           <a:extLst>
             <a:ext uri="{C572A759-6A51-4108-AA02-DFA0A04FC94B}">
-              <ma14:wrappingTextBoxFlag xmlns:ma14="http://schemas.microsoft.com/office/mac/drawingml/2011/main" xmlns="" val="1"/>
+              <ma14:wrappingTextBoxFlag xmlns="" xmlns:ma14="http://schemas.microsoft.com/office/mac/drawingml/2011/main" val="1"/>
             </a:ext>
           </a:extLst>
         </p:spPr>
@@ -16989,7 +17283,7 @@
           </a:ln>
           <a:extLst>
             <a:ext uri="{C572A759-6A51-4108-AA02-DFA0A04FC94B}">
-              <ma14:wrappingTextBoxFlag xmlns:ma14="http://schemas.microsoft.com/office/mac/drawingml/2011/main" xmlns="" val="1"/>
+              <ma14:wrappingTextBoxFlag xmlns="" xmlns:ma14="http://schemas.microsoft.com/office/mac/drawingml/2011/main" val="1"/>
             </a:ext>
           </a:extLst>
         </p:spPr>
@@ -17023,7 +17317,226 @@
   <p:timing>
     <p:tnLst>
       <p:par>
-        <p:cTn id="1" dur="indefinite" restart="never" nodeType="tmRoot"/>
+        <p:cTn id="1" dur="indefinite" restart="never" nodeType="tmRoot">
+          <p:childTnLst>
+            <p:seq concurrent="1" nextAc="seek">
+              <p:cTn id="2" dur="indefinite" nodeType="mainSeq">
+                <p:childTnLst>
+                  <p:par>
+                    <p:cTn id="3" fill="hold">
+                      <p:stCondLst>
+                        <p:cond delay="indefinite"/>
+                      </p:stCondLst>
+                      <p:childTnLst>
+                        <p:par>
+                          <p:cTn id="4" fill="hold">
+                            <p:stCondLst>
+                              <p:cond delay="0"/>
+                            </p:stCondLst>
+                            <p:childTnLst>
+                              <p:par>
+                                <p:cTn id="5" presetID="1" presetClass="entr" presetSubtype="0" fill="hold" nodeType="clickEffect">
+                                  <p:stCondLst>
+                                    <p:cond delay="0"/>
+                                  </p:stCondLst>
+                                  <p:childTnLst>
+                                    <p:set>
+                                      <p:cBhvr>
+                                        <p:cTn id="6" dur="1" fill="hold">
+                                          <p:stCondLst>
+                                            <p:cond delay="0"/>
+                                          </p:stCondLst>
+                                        </p:cTn>
+                                        <p:tgtEl>
+                                          <p:spTgt spid="424">
+                                            <p:txEl>
+                                              <p:pRg st="1" end="1"/>
+                                            </p:txEl>
+                                          </p:spTgt>
+                                        </p:tgtEl>
+                                        <p:attrNameLst>
+                                          <p:attrName>style.visibility</p:attrName>
+                                        </p:attrNameLst>
+                                      </p:cBhvr>
+                                      <p:to>
+                                        <p:strVal val="visible"/>
+                                      </p:to>
+                                    </p:set>
+                                  </p:childTnLst>
+                                </p:cTn>
+                              </p:par>
+                            </p:childTnLst>
+                          </p:cTn>
+                        </p:par>
+                      </p:childTnLst>
+                    </p:cTn>
+                  </p:par>
+                  <p:par>
+                    <p:cTn id="7" fill="hold">
+                      <p:stCondLst>
+                        <p:cond delay="indefinite"/>
+                      </p:stCondLst>
+                      <p:childTnLst>
+                        <p:par>
+                          <p:cTn id="8" fill="hold">
+                            <p:stCondLst>
+                              <p:cond delay="0"/>
+                            </p:stCondLst>
+                            <p:childTnLst>
+                              <p:par>
+                                <p:cTn id="9" presetID="1" presetClass="entr" presetSubtype="0" fill="hold" nodeType="clickEffect">
+                                  <p:stCondLst>
+                                    <p:cond delay="0"/>
+                                  </p:stCondLst>
+                                  <p:childTnLst>
+                                    <p:set>
+                                      <p:cBhvr>
+                                        <p:cTn id="10" dur="1" fill="hold">
+                                          <p:stCondLst>
+                                            <p:cond delay="0"/>
+                                          </p:stCondLst>
+                                        </p:cTn>
+                                        <p:tgtEl>
+                                          <p:spTgt spid="424">
+                                            <p:txEl>
+                                              <p:pRg st="2" end="2"/>
+                                            </p:txEl>
+                                          </p:spTgt>
+                                        </p:tgtEl>
+                                        <p:attrNameLst>
+                                          <p:attrName>style.visibility</p:attrName>
+                                        </p:attrNameLst>
+                                      </p:cBhvr>
+                                      <p:to>
+                                        <p:strVal val="visible"/>
+                                      </p:to>
+                                    </p:set>
+                                  </p:childTnLst>
+                                </p:cTn>
+                              </p:par>
+                            </p:childTnLst>
+                          </p:cTn>
+                        </p:par>
+                      </p:childTnLst>
+                    </p:cTn>
+                  </p:par>
+                  <p:par>
+                    <p:cTn id="11" fill="hold">
+                      <p:stCondLst>
+                        <p:cond delay="indefinite"/>
+                      </p:stCondLst>
+                      <p:childTnLst>
+                        <p:par>
+                          <p:cTn id="12" fill="hold">
+                            <p:stCondLst>
+                              <p:cond delay="0"/>
+                            </p:stCondLst>
+                            <p:childTnLst>
+                              <p:par>
+                                <p:cTn id="13" presetID="1" presetClass="entr" presetSubtype="0" fill="hold" nodeType="clickEffect">
+                                  <p:stCondLst>
+                                    <p:cond delay="0"/>
+                                  </p:stCondLst>
+                                  <p:childTnLst>
+                                    <p:set>
+                                      <p:cBhvr>
+                                        <p:cTn id="14" dur="1" fill="hold">
+                                          <p:stCondLst>
+                                            <p:cond delay="0"/>
+                                          </p:stCondLst>
+                                        </p:cTn>
+                                        <p:tgtEl>
+                                          <p:spTgt spid="424">
+                                            <p:txEl>
+                                              <p:pRg st="3" end="3"/>
+                                            </p:txEl>
+                                          </p:spTgt>
+                                        </p:tgtEl>
+                                        <p:attrNameLst>
+                                          <p:attrName>style.visibility</p:attrName>
+                                        </p:attrNameLst>
+                                      </p:cBhvr>
+                                      <p:to>
+                                        <p:strVal val="visible"/>
+                                      </p:to>
+                                    </p:set>
+                                  </p:childTnLst>
+                                </p:cTn>
+                              </p:par>
+                            </p:childTnLst>
+                          </p:cTn>
+                        </p:par>
+                      </p:childTnLst>
+                    </p:cTn>
+                  </p:par>
+                  <p:par>
+                    <p:cTn id="15" fill="hold">
+                      <p:stCondLst>
+                        <p:cond delay="indefinite"/>
+                      </p:stCondLst>
+                      <p:childTnLst>
+                        <p:par>
+                          <p:cTn id="16" fill="hold">
+                            <p:stCondLst>
+                              <p:cond delay="0"/>
+                            </p:stCondLst>
+                            <p:childTnLst>
+                              <p:par>
+                                <p:cTn id="17" presetID="1" presetClass="entr" presetSubtype="0" fill="hold" nodeType="clickEffect">
+                                  <p:stCondLst>
+                                    <p:cond delay="0"/>
+                                  </p:stCondLst>
+                                  <p:childTnLst>
+                                    <p:set>
+                                      <p:cBhvr>
+                                        <p:cTn id="18" dur="1" fill="hold">
+                                          <p:stCondLst>
+                                            <p:cond delay="0"/>
+                                          </p:stCondLst>
+                                        </p:cTn>
+                                        <p:tgtEl>
+                                          <p:spTgt spid="424">
+                                            <p:txEl>
+                                              <p:pRg st="4" end="4"/>
+                                            </p:txEl>
+                                          </p:spTgt>
+                                        </p:tgtEl>
+                                        <p:attrNameLst>
+                                          <p:attrName>style.visibility</p:attrName>
+                                        </p:attrNameLst>
+                                      </p:cBhvr>
+                                      <p:to>
+                                        <p:strVal val="visible"/>
+                                      </p:to>
+                                    </p:set>
+                                  </p:childTnLst>
+                                </p:cTn>
+                              </p:par>
+                            </p:childTnLst>
+                          </p:cTn>
+                        </p:par>
+                      </p:childTnLst>
+                    </p:cTn>
+                  </p:par>
+                </p:childTnLst>
+              </p:cTn>
+              <p:prevCondLst>
+                <p:cond evt="onPrev" delay="0">
+                  <p:tgtEl>
+                    <p:sldTgt/>
+                  </p:tgtEl>
+                </p:cond>
+              </p:prevCondLst>
+              <p:nextCondLst>
+                <p:cond evt="onNext" delay="0">
+                  <p:tgtEl>
+                    <p:sldTgt/>
+                  </p:tgtEl>
+                </p:cond>
+              </p:nextCondLst>
+            </p:seq>
+          </p:childTnLst>
+        </p:cTn>
       </p:par>
     </p:tnLst>
   </p:timing>
@@ -17095,7 +17608,7 @@
           </a:ln>
           <a:extLst>
             <a:ext uri="{C572A759-6A51-4108-AA02-DFA0A04FC94B}">
-              <ma14:wrappingTextBoxFlag xmlns:ma14="http://schemas.microsoft.com/office/mac/drawingml/2011/main" xmlns="" val="1"/>
+              <ma14:wrappingTextBoxFlag xmlns="" xmlns:ma14="http://schemas.microsoft.com/office/mac/drawingml/2011/main" val="1"/>
             </a:ext>
           </a:extLst>
         </p:spPr>
@@ -17248,7 +17761,7 @@
           </a:ln>
           <a:extLst>
             <a:ext uri="{C572A759-6A51-4108-AA02-DFA0A04FC94B}">
-              <ma14:wrappingTextBoxFlag xmlns:ma14="http://schemas.microsoft.com/office/mac/drawingml/2011/main" xmlns="" val="1"/>
+              <ma14:wrappingTextBoxFlag xmlns="" xmlns:ma14="http://schemas.microsoft.com/office/mac/drawingml/2011/main" val="1"/>
             </a:ext>
           </a:extLst>
         </p:spPr>
@@ -17305,7 +17818,7 @@
           </a:ln>
           <a:extLst>
             <a:ext uri="{C572A759-6A51-4108-AA02-DFA0A04FC94B}">
-              <ma14:wrappingTextBoxFlag xmlns:ma14="http://schemas.microsoft.com/office/mac/drawingml/2011/main" xmlns="" val="1"/>
+              <ma14:wrappingTextBoxFlag xmlns="" xmlns:ma14="http://schemas.microsoft.com/office/mac/drawingml/2011/main" val="1"/>
             </a:ext>
           </a:extLst>
         </p:spPr>
@@ -17362,7 +17875,7 @@
           </a:ln>
           <a:extLst>
             <a:ext uri="{C572A759-6A51-4108-AA02-DFA0A04FC94B}">
-              <ma14:wrappingTextBoxFlag xmlns:ma14="http://schemas.microsoft.com/office/mac/drawingml/2011/main" xmlns="" val="1"/>
+              <ma14:wrappingTextBoxFlag xmlns="" xmlns:ma14="http://schemas.microsoft.com/office/mac/drawingml/2011/main" val="1"/>
             </a:ext>
           </a:extLst>
         </p:spPr>
@@ -17423,7 +17936,7 @@
           </a:ln>
           <a:extLst>
             <a:ext uri="{C572A759-6A51-4108-AA02-DFA0A04FC94B}">
-              <ma14:wrappingTextBoxFlag xmlns:ma14="http://schemas.microsoft.com/office/mac/drawingml/2011/main" xmlns="" val="1"/>
+              <ma14:wrappingTextBoxFlag xmlns="" xmlns:ma14="http://schemas.microsoft.com/office/mac/drawingml/2011/main" val="1"/>
             </a:ext>
           </a:extLst>
         </p:spPr>
@@ -17490,7 +18003,7 @@
           </a:ln>
           <a:extLst>
             <a:ext uri="{C572A759-6A51-4108-AA02-DFA0A04FC94B}">
-              <ma14:wrappingTextBoxFlag xmlns:ma14="http://schemas.microsoft.com/office/mac/drawingml/2011/main" xmlns="" val="1"/>
+              <ma14:wrappingTextBoxFlag xmlns="" xmlns:ma14="http://schemas.microsoft.com/office/mac/drawingml/2011/main" val="1"/>
             </a:ext>
           </a:extLst>
         </p:spPr>
@@ -17544,7 +18057,7 @@
           </a:ln>
           <a:extLst>
             <a:ext uri="{C572A759-6A51-4108-AA02-DFA0A04FC94B}">
-              <ma14:wrappingTextBoxFlag xmlns:ma14="http://schemas.microsoft.com/office/mac/drawingml/2011/main" xmlns="" val="1"/>
+              <ma14:wrappingTextBoxFlag xmlns="" xmlns:ma14="http://schemas.microsoft.com/office/mac/drawingml/2011/main" val="1"/>
             </a:ext>
           </a:extLst>
         </p:spPr>
@@ -17620,7 +18133,7 @@
           </a:ln>
           <a:extLst>
             <a:ext uri="{C572A759-6A51-4108-AA02-DFA0A04FC94B}">
-              <ma14:wrappingTextBoxFlag xmlns:ma14="http://schemas.microsoft.com/office/mac/drawingml/2011/main" xmlns="" val="1"/>
+              <ma14:wrappingTextBoxFlag xmlns="" xmlns:ma14="http://schemas.microsoft.com/office/mac/drawingml/2011/main" val="1"/>
             </a:ext>
           </a:extLst>
         </p:spPr>
@@ -17696,7 +18209,7 @@
           </a:ln>
           <a:extLst>
             <a:ext uri="{C572A759-6A51-4108-AA02-DFA0A04FC94B}">
-              <ma14:wrappingTextBoxFlag xmlns:ma14="http://schemas.microsoft.com/office/mac/drawingml/2011/main" xmlns="" val="1"/>
+              <ma14:wrappingTextBoxFlag xmlns="" xmlns:ma14="http://schemas.microsoft.com/office/mac/drawingml/2011/main" val="1"/>
             </a:ext>
           </a:extLst>
         </p:spPr>
@@ -17750,7 +18263,7 @@
           </a:ln>
           <a:extLst>
             <a:ext uri="{C572A759-6A51-4108-AA02-DFA0A04FC94B}">
-              <ma14:wrappingTextBoxFlag xmlns:ma14="http://schemas.microsoft.com/office/mac/drawingml/2011/main" xmlns="" val="1"/>
+              <ma14:wrappingTextBoxFlag xmlns="" xmlns:ma14="http://schemas.microsoft.com/office/mac/drawingml/2011/main" val="1"/>
             </a:ext>
           </a:extLst>
         </p:spPr>
@@ -17804,7 +18317,7 @@
           </a:ln>
           <a:extLst>
             <a:ext uri="{C572A759-6A51-4108-AA02-DFA0A04FC94B}">
-              <ma14:wrappingTextBoxFlag xmlns:ma14="http://schemas.microsoft.com/office/mac/drawingml/2011/main" xmlns="" val="1"/>
+              <ma14:wrappingTextBoxFlag xmlns="" xmlns:ma14="http://schemas.microsoft.com/office/mac/drawingml/2011/main" val="1"/>
             </a:ext>
           </a:extLst>
         </p:spPr>
@@ -18850,7 +19363,7 @@
           </a:ln>
           <a:extLst>
             <a:ext uri="{C572A759-6A51-4108-AA02-DFA0A04FC94B}">
-              <ma14:wrappingTextBoxFlag xmlns:ma14="http://schemas.microsoft.com/office/mac/drawingml/2011/main" xmlns="" val="1"/>
+              <ma14:wrappingTextBoxFlag xmlns="" xmlns:ma14="http://schemas.microsoft.com/office/mac/drawingml/2011/main" val="1"/>
             </a:ext>
           </a:extLst>
         </p:spPr>
@@ -19321,7 +19834,7 @@
           </a:ln>
           <a:extLst>
             <a:ext uri="{C572A759-6A51-4108-AA02-DFA0A04FC94B}">
-              <ma14:wrappingTextBoxFlag xmlns:ma14="http://schemas.microsoft.com/office/mac/drawingml/2011/main" xmlns="" val="1"/>
+              <ma14:wrappingTextBoxFlag xmlns="" xmlns:ma14="http://schemas.microsoft.com/office/mac/drawingml/2011/main" val="1"/>
             </a:ext>
           </a:extLst>
         </p:spPr>
@@ -19553,7 +20066,7 @@
           </a:ln>
           <a:extLst>
             <a:ext uri="{C572A759-6A51-4108-AA02-DFA0A04FC94B}">
-              <ma14:wrappingTextBoxFlag xmlns:ma14="http://schemas.microsoft.com/office/mac/drawingml/2011/main" xmlns="" val="1"/>
+              <ma14:wrappingTextBoxFlag xmlns="" xmlns:ma14="http://schemas.microsoft.com/office/mac/drawingml/2011/main" val="1"/>
             </a:ext>
           </a:extLst>
         </p:spPr>
@@ -19714,7 +20227,7 @@
           </a:ln>
           <a:extLst>
             <a:ext uri="{C572A759-6A51-4108-AA02-DFA0A04FC94B}">
-              <ma14:wrappingTextBoxFlag xmlns:ma14="http://schemas.microsoft.com/office/mac/drawingml/2011/main" xmlns="" val="1"/>
+              <ma14:wrappingTextBoxFlag xmlns="" xmlns:ma14="http://schemas.microsoft.com/office/mac/drawingml/2011/main" val="1"/>
             </a:ext>
           </a:extLst>
         </p:spPr>
@@ -19794,7 +20307,7 @@
           </a:ln>
           <a:extLst>
             <a:ext uri="{C572A759-6A51-4108-AA02-DFA0A04FC94B}">
-              <ma14:wrappingTextBoxFlag xmlns:ma14="http://schemas.microsoft.com/office/mac/drawingml/2011/main" xmlns="" val="1"/>
+              <ma14:wrappingTextBoxFlag xmlns="" xmlns:ma14="http://schemas.microsoft.com/office/mac/drawingml/2011/main" val="1"/>
             </a:ext>
           </a:extLst>
         </p:spPr>
@@ -20029,7 +20542,7 @@
           </a:ln>
           <a:extLst>
             <a:ext uri="{C572A759-6A51-4108-AA02-DFA0A04FC94B}">
-              <ma14:wrappingTextBoxFlag xmlns:ma14="http://schemas.microsoft.com/office/mac/drawingml/2011/main" xmlns="" val="1"/>
+              <ma14:wrappingTextBoxFlag xmlns="" xmlns:ma14="http://schemas.microsoft.com/office/mac/drawingml/2011/main" val="1"/>
             </a:ext>
           </a:extLst>
         </p:spPr>
@@ -20109,7 +20622,7 @@
           </a:ln>
           <a:extLst>
             <a:ext uri="{C572A759-6A51-4108-AA02-DFA0A04FC94B}">
-              <ma14:wrappingTextBoxFlag xmlns:ma14="http://schemas.microsoft.com/office/mac/drawingml/2011/main" xmlns="" val="1"/>
+              <ma14:wrappingTextBoxFlag xmlns="" xmlns:ma14="http://schemas.microsoft.com/office/mac/drawingml/2011/main" val="1"/>
             </a:ext>
           </a:extLst>
         </p:spPr>
@@ -20221,7 +20734,7 @@
           </a:ln>
           <a:extLst>
             <a:ext uri="{C572A759-6A51-4108-AA02-DFA0A04FC94B}">
-              <ma14:wrappingTextBoxFlag xmlns:ma14="http://schemas.microsoft.com/office/mac/drawingml/2011/main" xmlns="" val="1"/>
+              <ma14:wrappingTextBoxFlag xmlns="" xmlns:ma14="http://schemas.microsoft.com/office/mac/drawingml/2011/main" val="1"/>
             </a:ext>
           </a:extLst>
         </p:spPr>
@@ -20363,7 +20876,7 @@
           </a:ln>
           <a:extLst>
             <a:ext uri="{C572A759-6A51-4108-AA02-DFA0A04FC94B}">
-              <ma14:wrappingTextBoxFlag xmlns:ma14="http://schemas.microsoft.com/office/mac/drawingml/2011/main" xmlns="" val="1"/>
+              <ma14:wrappingTextBoxFlag xmlns="" xmlns:ma14="http://schemas.microsoft.com/office/mac/drawingml/2011/main" val="1"/>
             </a:ext>
           </a:extLst>
         </p:spPr>
@@ -20407,7 +20920,7 @@
           </a:ln>
           <a:extLst>
             <a:ext uri="{C572A759-6A51-4108-AA02-DFA0A04FC94B}">
-              <ma14:wrappingTextBoxFlag xmlns:ma14="http://schemas.microsoft.com/office/mac/drawingml/2011/main" xmlns="" val="1"/>
+              <ma14:wrappingTextBoxFlag xmlns="" xmlns:ma14="http://schemas.microsoft.com/office/mac/drawingml/2011/main" val="1"/>
             </a:ext>
           </a:extLst>
         </p:spPr>
@@ -20455,7 +20968,7 @@
           </a:ln>
           <a:extLst>
             <a:ext uri="{C572A759-6A51-4108-AA02-DFA0A04FC94B}">
-              <ma14:wrappingTextBoxFlag xmlns:ma14="http://schemas.microsoft.com/office/mac/drawingml/2011/main" xmlns="" val="1"/>
+              <ma14:wrappingTextBoxFlag xmlns="" xmlns:ma14="http://schemas.microsoft.com/office/mac/drawingml/2011/main" val="1"/>
             </a:ext>
           </a:extLst>
         </p:spPr>
@@ -20512,7 +21025,7 @@
           </a:ln>
           <a:extLst>
             <a:ext uri="{C572A759-6A51-4108-AA02-DFA0A04FC94B}">
-              <ma14:wrappingTextBoxFlag xmlns:ma14="http://schemas.microsoft.com/office/mac/drawingml/2011/main" xmlns="" val="1"/>
+              <ma14:wrappingTextBoxFlag xmlns="" xmlns:ma14="http://schemas.microsoft.com/office/mac/drawingml/2011/main" val="1"/>
             </a:ext>
           </a:extLst>
         </p:spPr>
@@ -20922,7 +21435,7 @@
           </a:ln>
           <a:extLst>
             <a:ext uri="{C572A759-6A51-4108-AA02-DFA0A04FC94B}">
-              <ma14:wrappingTextBoxFlag xmlns:ma14="http://schemas.microsoft.com/office/mac/drawingml/2011/main" xmlns="" val="1"/>
+              <ma14:wrappingTextBoxFlag xmlns="" xmlns:ma14="http://schemas.microsoft.com/office/mac/drawingml/2011/main" val="1"/>
             </a:ext>
           </a:extLst>
         </p:spPr>
@@ -20966,7 +21479,7 @@
           </a:ln>
           <a:extLst>
             <a:ext uri="{C572A759-6A51-4108-AA02-DFA0A04FC94B}">
-              <ma14:wrappingTextBoxFlag xmlns:ma14="http://schemas.microsoft.com/office/mac/drawingml/2011/main" xmlns="" val="1"/>
+              <ma14:wrappingTextBoxFlag xmlns="" xmlns:ma14="http://schemas.microsoft.com/office/mac/drawingml/2011/main" val="1"/>
             </a:ext>
           </a:extLst>
         </p:spPr>
@@ -21041,7 +21554,7 @@
           </a:ln>
           <a:extLst>
             <a:ext uri="{C572A759-6A51-4108-AA02-DFA0A04FC94B}">
-              <ma14:wrappingTextBoxFlag xmlns:ma14="http://schemas.microsoft.com/office/mac/drawingml/2011/main" xmlns="" val="1"/>
+              <ma14:wrappingTextBoxFlag xmlns="" xmlns:ma14="http://schemas.microsoft.com/office/mac/drawingml/2011/main" val="1"/>
             </a:ext>
           </a:extLst>
         </p:spPr>
@@ -21264,7 +21777,7 @@
           </a:ln>
           <a:extLst>
             <a:ext uri="{C572A759-6A51-4108-AA02-DFA0A04FC94B}">
-              <ma14:wrappingTextBoxFlag xmlns:ma14="http://schemas.microsoft.com/office/mac/drawingml/2011/main" xmlns="" val="1"/>
+              <ma14:wrappingTextBoxFlag xmlns="" xmlns:ma14="http://schemas.microsoft.com/office/mac/drawingml/2011/main" val="1"/>
             </a:ext>
           </a:extLst>
         </p:spPr>
@@ -21308,7 +21821,7 @@
           </a:ln>
           <a:extLst>
             <a:ext uri="{C572A759-6A51-4108-AA02-DFA0A04FC94B}">
-              <ma14:wrappingTextBoxFlag xmlns:ma14="http://schemas.microsoft.com/office/mac/drawingml/2011/main" xmlns="" val="1"/>
+              <ma14:wrappingTextBoxFlag xmlns="" xmlns:ma14="http://schemas.microsoft.com/office/mac/drawingml/2011/main" val="1"/>
             </a:ext>
           </a:extLst>
         </p:spPr>
@@ -21383,7 +21896,7 @@
           </a:ln>
           <a:extLst>
             <a:ext uri="{C572A759-6A51-4108-AA02-DFA0A04FC94B}">
-              <ma14:wrappingTextBoxFlag xmlns:ma14="http://schemas.microsoft.com/office/mac/drawingml/2011/main" xmlns="" val="1"/>
+              <ma14:wrappingTextBoxFlag xmlns="" xmlns:ma14="http://schemas.microsoft.com/office/mac/drawingml/2011/main" val="1"/>
             </a:ext>
           </a:extLst>
         </p:spPr>
@@ -21728,7 +22241,7 @@
           </a:ln>
           <a:extLst>
             <a:ext uri="{C572A759-6A51-4108-AA02-DFA0A04FC94B}">
-              <ma14:wrappingTextBoxFlag xmlns:ma14="http://schemas.microsoft.com/office/mac/drawingml/2011/main" xmlns="" val="1"/>
+              <ma14:wrappingTextBoxFlag xmlns="" xmlns:ma14="http://schemas.microsoft.com/office/mac/drawingml/2011/main" val="1"/>
             </a:ext>
           </a:extLst>
         </p:spPr>
@@ -21772,7 +22285,7 @@
           </a:ln>
           <a:extLst>
             <a:ext uri="{C572A759-6A51-4108-AA02-DFA0A04FC94B}">
-              <ma14:wrappingTextBoxFlag xmlns:ma14="http://schemas.microsoft.com/office/mac/drawingml/2011/main" xmlns="" val="1"/>
+              <ma14:wrappingTextBoxFlag xmlns="" xmlns:ma14="http://schemas.microsoft.com/office/mac/drawingml/2011/main" val="1"/>
             </a:ext>
           </a:extLst>
         </p:spPr>
@@ -21847,7 +22360,7 @@
           </a:ln>
           <a:extLst>
             <a:ext uri="{C572A759-6A51-4108-AA02-DFA0A04FC94B}">
-              <ma14:wrappingTextBoxFlag xmlns:ma14="http://schemas.microsoft.com/office/mac/drawingml/2011/main" xmlns="" val="1"/>
+              <ma14:wrappingTextBoxFlag xmlns="" xmlns:ma14="http://schemas.microsoft.com/office/mac/drawingml/2011/main" val="1"/>
             </a:ext>
           </a:extLst>
         </p:spPr>
@@ -22196,7 +22709,7 @@
           </a:ln>
           <a:extLst>
             <a:ext uri="{C572A759-6A51-4108-AA02-DFA0A04FC94B}">
-              <ma14:wrappingTextBoxFlag xmlns:ma14="http://schemas.microsoft.com/office/mac/drawingml/2011/main" xmlns="" val="1"/>
+              <ma14:wrappingTextBoxFlag xmlns="" xmlns:ma14="http://schemas.microsoft.com/office/mac/drawingml/2011/main" val="1"/>
             </a:ext>
           </a:extLst>
         </p:spPr>
@@ -22240,7 +22753,7 @@
           </a:ln>
           <a:extLst>
             <a:ext uri="{C572A759-6A51-4108-AA02-DFA0A04FC94B}">
-              <ma14:wrappingTextBoxFlag xmlns:ma14="http://schemas.microsoft.com/office/mac/drawingml/2011/main" xmlns="" val="1"/>
+              <ma14:wrappingTextBoxFlag xmlns="" xmlns:ma14="http://schemas.microsoft.com/office/mac/drawingml/2011/main" val="1"/>
             </a:ext>
           </a:extLst>
         </p:spPr>
@@ -22315,7 +22828,7 @@
           </a:ln>
           <a:extLst>
             <a:ext uri="{C572A759-6A51-4108-AA02-DFA0A04FC94B}">
-              <ma14:wrappingTextBoxFlag xmlns:ma14="http://schemas.microsoft.com/office/mac/drawingml/2011/main" xmlns="" val="1"/>
+              <ma14:wrappingTextBoxFlag xmlns="" xmlns:ma14="http://schemas.microsoft.com/office/mac/drawingml/2011/main" val="1"/>
             </a:ext>
           </a:extLst>
         </p:spPr>
